--- a/documentation/stocksim_preliminary_presentation.pptx
+++ b/documentation/stocksim_preliminary_presentation.pptx
@@ -1,27 +1,122 @@
 
 <file path=ppt/presentation.xml><?xml version="1.0" encoding="utf-8"?>
-<p:presentation xmlns:a="http://schemas.openxmlformats.org/drawingml/2006/main" xmlns:p="http://schemas.openxmlformats.org/presentationml/2006/main" xmlns:r="http://schemas.openxmlformats.org/officeDocument/2006/relationships" xmlns:p14="http://schemas.microsoft.com/office/powerpoint/2010/main" xmlns:p15="http://schemas.microsoft.com/office/powerpoint/2012/main" xmlns:mc="http://schemas.openxmlformats.org/markup-compatibility/2006">
+<p:presentation xmlns:a="http://schemas.openxmlformats.org/drawingml/2006/main" xmlns:r="http://schemas.openxmlformats.org/officeDocument/2006/relationships" xmlns:p="http://schemas.openxmlformats.org/presentationml/2006/main">
   <p:sldMasterIdLst>
-    <p:sldMasterId id="2147483648" r:id="rId2"/>
-    <p:sldMasterId id="2147483661" r:id="rId3"/>
+    <p:sldMasterId id="2147483648" r:id="rId1"/>
+    <p:sldMasterId id="2147483661" r:id="rId2"/>
   </p:sldMasterIdLst>
   <p:sldIdLst>
-    <p:sldId id="256" r:id="rId4"/>
-    <p:sldId id="257" r:id="rId5"/>
-    <p:sldId id="258" r:id="rId6"/>
-    <p:sldId id="259" r:id="rId7"/>
-    <p:sldId id="260" r:id="rId8"/>
-    <p:sldId id="261" r:id="rId9"/>
-    <p:sldId id="262" r:id="rId10"/>
-    <p:sldId id="263" r:id="rId11"/>
+    <p:sldId id="256" r:id="rId3"/>
+    <p:sldId id="257" r:id="rId4"/>
+    <p:sldId id="258" r:id="rId5"/>
+    <p:sldId id="259" r:id="rId6"/>
+    <p:sldId id="260" r:id="rId7"/>
+    <p:sldId id="261" r:id="rId8"/>
+    <p:sldId id="262" r:id="rId9"/>
+    <p:sldId id="263" r:id="rId10"/>
   </p:sldIdLst>
-  <p:sldSz cx="9144000" cy="6858000"/>
-  <p:notesSz cx="7559675" cy="10691812"/>
+  <p:sldSz cx="9144000" cy="6858000" type="screen4x3"/>
+  <p:notesSz cx="7559675" cy="10691813"/>
+  <p:defaultTextStyle>
+    <a:defPPr>
+      <a:defRPr lang="it-IT"/>
+    </a:defPPr>
+    <a:lvl1pPr marL="0" algn="l" defTabSz="914400" rtl="0" eaLnBrk="1" latinLnBrk="0" hangingPunct="1">
+      <a:defRPr sz="1800" kern="1200">
+        <a:solidFill>
+          <a:schemeClr val="tx1"/>
+        </a:solidFill>
+        <a:latin typeface="+mn-lt"/>
+        <a:ea typeface="+mn-ea"/>
+        <a:cs typeface="+mn-cs"/>
+      </a:defRPr>
+    </a:lvl1pPr>
+    <a:lvl2pPr marL="457200" algn="l" defTabSz="914400" rtl="0" eaLnBrk="1" latinLnBrk="0" hangingPunct="1">
+      <a:defRPr sz="1800" kern="1200">
+        <a:solidFill>
+          <a:schemeClr val="tx1"/>
+        </a:solidFill>
+        <a:latin typeface="+mn-lt"/>
+        <a:ea typeface="+mn-ea"/>
+        <a:cs typeface="+mn-cs"/>
+      </a:defRPr>
+    </a:lvl2pPr>
+    <a:lvl3pPr marL="914400" algn="l" defTabSz="914400" rtl="0" eaLnBrk="1" latinLnBrk="0" hangingPunct="1">
+      <a:defRPr sz="1800" kern="1200">
+        <a:solidFill>
+          <a:schemeClr val="tx1"/>
+        </a:solidFill>
+        <a:latin typeface="+mn-lt"/>
+        <a:ea typeface="+mn-ea"/>
+        <a:cs typeface="+mn-cs"/>
+      </a:defRPr>
+    </a:lvl3pPr>
+    <a:lvl4pPr marL="1371600" algn="l" defTabSz="914400" rtl="0" eaLnBrk="1" latinLnBrk="0" hangingPunct="1">
+      <a:defRPr sz="1800" kern="1200">
+        <a:solidFill>
+          <a:schemeClr val="tx1"/>
+        </a:solidFill>
+        <a:latin typeface="+mn-lt"/>
+        <a:ea typeface="+mn-ea"/>
+        <a:cs typeface="+mn-cs"/>
+      </a:defRPr>
+    </a:lvl4pPr>
+    <a:lvl5pPr marL="1828800" algn="l" defTabSz="914400" rtl="0" eaLnBrk="1" latinLnBrk="0" hangingPunct="1">
+      <a:defRPr sz="1800" kern="1200">
+        <a:solidFill>
+          <a:schemeClr val="tx1"/>
+        </a:solidFill>
+        <a:latin typeface="+mn-lt"/>
+        <a:ea typeface="+mn-ea"/>
+        <a:cs typeface="+mn-cs"/>
+      </a:defRPr>
+    </a:lvl5pPr>
+    <a:lvl6pPr marL="2286000" algn="l" defTabSz="914400" rtl="0" eaLnBrk="1" latinLnBrk="0" hangingPunct="1">
+      <a:defRPr sz="1800" kern="1200">
+        <a:solidFill>
+          <a:schemeClr val="tx1"/>
+        </a:solidFill>
+        <a:latin typeface="+mn-lt"/>
+        <a:ea typeface="+mn-ea"/>
+        <a:cs typeface="+mn-cs"/>
+      </a:defRPr>
+    </a:lvl6pPr>
+    <a:lvl7pPr marL="2743200" algn="l" defTabSz="914400" rtl="0" eaLnBrk="1" latinLnBrk="0" hangingPunct="1">
+      <a:defRPr sz="1800" kern="1200">
+        <a:solidFill>
+          <a:schemeClr val="tx1"/>
+        </a:solidFill>
+        <a:latin typeface="+mn-lt"/>
+        <a:ea typeface="+mn-ea"/>
+        <a:cs typeface="+mn-cs"/>
+      </a:defRPr>
+    </a:lvl7pPr>
+    <a:lvl8pPr marL="3200400" algn="l" defTabSz="914400" rtl="0" eaLnBrk="1" latinLnBrk="0" hangingPunct="1">
+      <a:defRPr sz="1800" kern="1200">
+        <a:solidFill>
+          <a:schemeClr val="tx1"/>
+        </a:solidFill>
+        <a:latin typeface="+mn-lt"/>
+        <a:ea typeface="+mn-ea"/>
+        <a:cs typeface="+mn-cs"/>
+      </a:defRPr>
+    </a:lvl8pPr>
+    <a:lvl9pPr marL="3657600" algn="l" defTabSz="914400" rtl="0" eaLnBrk="1" latinLnBrk="0" hangingPunct="1">
+      <a:defRPr sz="1800" kern="1200">
+        <a:solidFill>
+          <a:schemeClr val="tx1"/>
+        </a:solidFill>
+        <a:latin typeface="+mn-lt"/>
+        <a:ea typeface="+mn-ea"/>
+        <a:cs typeface="+mn-cs"/>
+      </a:defRPr>
+    </a:lvl9pPr>
+  </p:defaultTextStyle>
 </p:presentation>
 </file>
 
 <file path=ppt/slideLayouts/slideLayout1.xml><?xml version="1.0" encoding="utf-8"?>
-<p:sldLayout xmlns:a="http://schemas.openxmlformats.org/drawingml/2006/main" xmlns:p="http://schemas.openxmlformats.org/presentationml/2006/main" xmlns:r="http://schemas.openxmlformats.org/officeDocument/2006/relationships" xmlns:p14="http://schemas.microsoft.com/office/powerpoint/2010/main" xmlns:p15="http://schemas.microsoft.com/office/powerpoint/2012/main" xmlns:mc="http://schemas.openxmlformats.org/markup-compatibility/2006" type="blank" preserve="1">
+<p:sldLayout xmlns:a="http://schemas.openxmlformats.org/drawingml/2006/main" xmlns:r="http://schemas.openxmlformats.org/officeDocument/2006/relationships" xmlns:p="http://schemas.openxmlformats.org/presentationml/2006/main" type="blank" preserve="1">
   <p:cSld name="Blank Slide">
     <p:spTree>
       <p:nvGrpSpPr>
@@ -39,11 +134,14 @@
       </p:grpSpPr>
     </p:spTree>
   </p:cSld>
+  <p:clrMapOvr>
+    <a:masterClrMapping/>
+  </p:clrMapOvr>
 </p:sldLayout>
 </file>
 
 <file path=ppt/slideLayouts/slideLayout10.xml><?xml version="1.0" encoding="utf-8"?>
-<p:sldLayout xmlns:a="http://schemas.openxmlformats.org/drawingml/2006/main" xmlns:p="http://schemas.openxmlformats.org/presentationml/2006/main" xmlns:r="http://schemas.openxmlformats.org/officeDocument/2006/relationships" xmlns:p14="http://schemas.microsoft.com/office/powerpoint/2010/main" xmlns:p15="http://schemas.microsoft.com/office/powerpoint/2012/main" xmlns:mc="http://schemas.openxmlformats.org/markup-compatibility/2006" type="objOverTx" preserve="1">
+<p:sldLayout xmlns:a="http://schemas.openxmlformats.org/drawingml/2006/main" xmlns:r="http://schemas.openxmlformats.org/officeDocument/2006/relationships" xmlns:p="http://schemas.openxmlformats.org/presentationml/2006/main" type="objOverTx" preserve="1">
   <p:cSld name="Title, Content over Content">
     <p:spTree>
       <p:nvGrpSpPr>
@@ -79,10 +177,11 @@
           </a:prstGeom>
         </p:spPr>
         <p:txBody>
-          <a:bodyPr lIns="0" rIns="0" tIns="0" bIns="0" anchor="ctr"/>
+          <a:bodyPr lIns="0" tIns="0" rIns="0" bIns="0" anchor="ctr"/>
+          <a:lstStyle/>
           <a:p>
             <a:pPr algn="ctr"/>
-            <a:endParaRPr b="0" lang="it-IT" sz="4400" spc="-1" strike="noStrike">
+            <a:endParaRPr lang="it-IT" sz="4400" b="0" strike="noStrike" spc="-1">
               <a:latin typeface="Arial"/>
             </a:endParaRPr>
           </a:p>
@@ -108,11 +207,12 @@
           </a:prstGeom>
         </p:spPr>
         <p:txBody>
-          <a:bodyPr lIns="0" rIns="0" tIns="0" bIns="0">
+          <a:bodyPr lIns="0" tIns="0" rIns="0" bIns="0">
             <a:normAutofit/>
           </a:bodyPr>
-          <a:p>
-            <a:endParaRPr b="0" lang="it-IT" sz="3200" spc="-1" strike="noStrike">
+          <a:lstStyle/>
+          <a:p>
+            <a:endParaRPr lang="it-IT" sz="3200" b="0" strike="noStrike" spc="-1">
               <a:latin typeface="Arial"/>
             </a:endParaRPr>
           </a:p>
@@ -138,11 +238,12 @@
           </a:prstGeom>
         </p:spPr>
         <p:txBody>
-          <a:bodyPr lIns="0" rIns="0" tIns="0" bIns="0">
+          <a:bodyPr lIns="0" tIns="0" rIns="0" bIns="0">
             <a:normAutofit/>
           </a:bodyPr>
-          <a:p>
-            <a:endParaRPr b="0" lang="it-IT" sz="3200" spc="-1" strike="noStrike">
+          <a:lstStyle/>
+          <a:p>
+            <a:endParaRPr lang="it-IT" sz="3200" b="0" strike="noStrike" spc="-1">
               <a:latin typeface="Arial"/>
             </a:endParaRPr>
           </a:p>
@@ -150,11 +251,14 @@
       </p:sp>
     </p:spTree>
   </p:cSld>
+  <p:clrMapOvr>
+    <a:masterClrMapping/>
+  </p:clrMapOvr>
 </p:sldLayout>
 </file>
 
 <file path=ppt/slideLayouts/slideLayout11.xml><?xml version="1.0" encoding="utf-8"?>
-<p:sldLayout xmlns:a="http://schemas.openxmlformats.org/drawingml/2006/main" xmlns:p="http://schemas.openxmlformats.org/presentationml/2006/main" xmlns:r="http://schemas.openxmlformats.org/officeDocument/2006/relationships" xmlns:p14="http://schemas.microsoft.com/office/powerpoint/2010/main" xmlns:p15="http://schemas.microsoft.com/office/powerpoint/2012/main" xmlns:mc="http://schemas.openxmlformats.org/markup-compatibility/2006" type="fourObj" preserve="1">
+<p:sldLayout xmlns:a="http://schemas.openxmlformats.org/drawingml/2006/main" xmlns:r="http://schemas.openxmlformats.org/officeDocument/2006/relationships" xmlns:p="http://schemas.openxmlformats.org/presentationml/2006/main" type="fourObj" preserve="1">
   <p:cSld name="Title, 4 Content">
     <p:spTree>
       <p:nvGrpSpPr>
@@ -190,10 +294,11 @@
           </a:prstGeom>
         </p:spPr>
         <p:txBody>
-          <a:bodyPr lIns="0" rIns="0" tIns="0" bIns="0" anchor="ctr"/>
+          <a:bodyPr lIns="0" tIns="0" rIns="0" bIns="0" anchor="ctr"/>
+          <a:lstStyle/>
           <a:p>
             <a:pPr algn="ctr"/>
-            <a:endParaRPr b="0" lang="it-IT" sz="4400" spc="-1" strike="noStrike">
+            <a:endParaRPr lang="it-IT" sz="4400" b="0" strike="noStrike" spc="-1">
               <a:latin typeface="Arial"/>
             </a:endParaRPr>
           </a:p>
@@ -219,11 +324,12 @@
           </a:prstGeom>
         </p:spPr>
         <p:txBody>
-          <a:bodyPr lIns="0" rIns="0" tIns="0" bIns="0">
+          <a:bodyPr lIns="0" tIns="0" rIns="0" bIns="0">
             <a:normAutofit/>
           </a:bodyPr>
-          <a:p>
-            <a:endParaRPr b="0" lang="it-IT" sz="3200" spc="-1" strike="noStrike">
+          <a:lstStyle/>
+          <a:p>
+            <a:endParaRPr lang="it-IT" sz="3200" b="0" strike="noStrike" spc="-1">
               <a:latin typeface="Arial"/>
             </a:endParaRPr>
           </a:p>
@@ -249,11 +355,12 @@
           </a:prstGeom>
         </p:spPr>
         <p:txBody>
-          <a:bodyPr lIns="0" rIns="0" tIns="0" bIns="0">
+          <a:bodyPr lIns="0" tIns="0" rIns="0" bIns="0">
             <a:normAutofit/>
           </a:bodyPr>
-          <a:p>
-            <a:endParaRPr b="0" lang="it-IT" sz="3200" spc="-1" strike="noStrike">
+          <a:lstStyle/>
+          <a:p>
+            <a:endParaRPr lang="it-IT" sz="3200" b="0" strike="noStrike" spc="-1">
               <a:latin typeface="Arial"/>
             </a:endParaRPr>
           </a:p>
@@ -279,11 +386,12 @@
           </a:prstGeom>
         </p:spPr>
         <p:txBody>
-          <a:bodyPr lIns="0" rIns="0" tIns="0" bIns="0">
+          <a:bodyPr lIns="0" tIns="0" rIns="0" bIns="0">
             <a:normAutofit/>
           </a:bodyPr>
-          <a:p>
-            <a:endParaRPr b="0" lang="it-IT" sz="3200" spc="-1" strike="noStrike">
+          <a:lstStyle/>
+          <a:p>
+            <a:endParaRPr lang="it-IT" sz="3200" b="0" strike="noStrike" spc="-1">
               <a:latin typeface="Arial"/>
             </a:endParaRPr>
           </a:p>
@@ -309,11 +417,12 @@
           </a:prstGeom>
         </p:spPr>
         <p:txBody>
-          <a:bodyPr lIns="0" rIns="0" tIns="0" bIns="0">
+          <a:bodyPr lIns="0" tIns="0" rIns="0" bIns="0">
             <a:normAutofit/>
           </a:bodyPr>
-          <a:p>
-            <a:endParaRPr b="0" lang="it-IT" sz="3200" spc="-1" strike="noStrike">
+          <a:lstStyle/>
+          <a:p>
+            <a:endParaRPr lang="it-IT" sz="3200" b="0" strike="noStrike" spc="-1">
               <a:latin typeface="Arial"/>
             </a:endParaRPr>
           </a:p>
@@ -321,11 +430,14 @@
       </p:sp>
     </p:spTree>
   </p:cSld>
+  <p:clrMapOvr>
+    <a:masterClrMapping/>
+  </p:clrMapOvr>
 </p:sldLayout>
 </file>
 
 <file path=ppt/slideLayouts/slideLayout12.xml><?xml version="1.0" encoding="utf-8"?>
-<p:sldLayout xmlns:a="http://schemas.openxmlformats.org/drawingml/2006/main" xmlns:p="http://schemas.openxmlformats.org/presentationml/2006/main" xmlns:r="http://schemas.openxmlformats.org/officeDocument/2006/relationships" xmlns:p14="http://schemas.microsoft.com/office/powerpoint/2010/main" xmlns:p15="http://schemas.microsoft.com/office/powerpoint/2012/main" xmlns:mc="http://schemas.openxmlformats.org/markup-compatibility/2006" type="blank" preserve="1">
+<p:sldLayout xmlns:a="http://schemas.openxmlformats.org/drawingml/2006/main" xmlns:r="http://schemas.openxmlformats.org/officeDocument/2006/relationships" xmlns:p="http://schemas.openxmlformats.org/presentationml/2006/main" type="blank" preserve="1">
   <p:cSld name="Title, 6 Content">
     <p:spTree>
       <p:nvGrpSpPr>
@@ -361,10 +473,11 @@
           </a:prstGeom>
         </p:spPr>
         <p:txBody>
-          <a:bodyPr lIns="0" rIns="0" tIns="0" bIns="0" anchor="ctr"/>
+          <a:bodyPr lIns="0" tIns="0" rIns="0" bIns="0" anchor="ctr"/>
+          <a:lstStyle/>
           <a:p>
             <a:pPr algn="ctr"/>
-            <a:endParaRPr b="0" lang="it-IT" sz="4400" spc="-1" strike="noStrike">
+            <a:endParaRPr lang="it-IT" sz="4400" b="0" strike="noStrike" spc="-1">
               <a:latin typeface="Arial"/>
             </a:endParaRPr>
           </a:p>
@@ -390,11 +503,12 @@
           </a:prstGeom>
         </p:spPr>
         <p:txBody>
-          <a:bodyPr lIns="0" rIns="0" tIns="0" bIns="0">
+          <a:bodyPr lIns="0" tIns="0" rIns="0" bIns="0">
             <a:normAutofit/>
           </a:bodyPr>
-          <a:p>
-            <a:endParaRPr b="0" lang="it-IT" sz="3200" spc="-1" strike="noStrike">
+          <a:lstStyle/>
+          <a:p>
+            <a:endParaRPr lang="it-IT" sz="3200" b="0" strike="noStrike" spc="-1">
               <a:latin typeface="Arial"/>
             </a:endParaRPr>
           </a:p>
@@ -420,11 +534,12 @@
           </a:prstGeom>
         </p:spPr>
         <p:txBody>
-          <a:bodyPr lIns="0" rIns="0" tIns="0" bIns="0">
+          <a:bodyPr lIns="0" tIns="0" rIns="0" bIns="0">
             <a:normAutofit/>
           </a:bodyPr>
-          <a:p>
-            <a:endParaRPr b="0" lang="it-IT" sz="3200" spc="-1" strike="noStrike">
+          <a:lstStyle/>
+          <a:p>
+            <a:endParaRPr lang="it-IT" sz="3200" b="0" strike="noStrike" spc="-1">
               <a:latin typeface="Arial"/>
             </a:endParaRPr>
           </a:p>
@@ -450,11 +565,12 @@
           </a:prstGeom>
         </p:spPr>
         <p:txBody>
-          <a:bodyPr lIns="0" rIns="0" tIns="0" bIns="0">
+          <a:bodyPr lIns="0" tIns="0" rIns="0" bIns="0">
             <a:normAutofit/>
           </a:bodyPr>
-          <a:p>
-            <a:endParaRPr b="0" lang="it-IT" sz="3200" spc="-1" strike="noStrike">
+          <a:lstStyle/>
+          <a:p>
+            <a:endParaRPr lang="it-IT" sz="3200" b="0" strike="noStrike" spc="-1">
               <a:latin typeface="Arial"/>
             </a:endParaRPr>
           </a:p>
@@ -480,11 +596,12 @@
           </a:prstGeom>
         </p:spPr>
         <p:txBody>
-          <a:bodyPr lIns="0" rIns="0" tIns="0" bIns="0">
+          <a:bodyPr lIns="0" tIns="0" rIns="0" bIns="0">
             <a:normAutofit/>
           </a:bodyPr>
-          <a:p>
-            <a:endParaRPr b="0" lang="it-IT" sz="3200" spc="-1" strike="noStrike">
+          <a:lstStyle/>
+          <a:p>
+            <a:endParaRPr lang="it-IT" sz="3200" b="0" strike="noStrike" spc="-1">
               <a:latin typeface="Arial"/>
             </a:endParaRPr>
           </a:p>
@@ -510,11 +627,12 @@
           </a:prstGeom>
         </p:spPr>
         <p:txBody>
-          <a:bodyPr lIns="0" rIns="0" tIns="0" bIns="0">
+          <a:bodyPr lIns="0" tIns="0" rIns="0" bIns="0">
             <a:normAutofit/>
           </a:bodyPr>
-          <a:p>
-            <a:endParaRPr b="0" lang="it-IT" sz="3200" spc="-1" strike="noStrike">
+          <a:lstStyle/>
+          <a:p>
+            <a:endParaRPr lang="it-IT" sz="3200" b="0" strike="noStrike" spc="-1">
               <a:latin typeface="Arial"/>
             </a:endParaRPr>
           </a:p>
@@ -540,11 +658,12 @@
           </a:prstGeom>
         </p:spPr>
         <p:txBody>
-          <a:bodyPr lIns="0" rIns="0" tIns="0" bIns="0">
+          <a:bodyPr lIns="0" tIns="0" rIns="0" bIns="0">
             <a:normAutofit/>
           </a:bodyPr>
-          <a:p>
-            <a:endParaRPr b="0" lang="it-IT" sz="3200" spc="-1" strike="noStrike">
+          <a:lstStyle/>
+          <a:p>
+            <a:endParaRPr lang="it-IT" sz="3200" b="0" strike="noStrike" spc="-1">
               <a:latin typeface="Arial"/>
             </a:endParaRPr>
           </a:p>
@@ -552,11 +671,14 @@
       </p:sp>
     </p:spTree>
   </p:cSld>
+  <p:clrMapOvr>
+    <a:masterClrMapping/>
+  </p:clrMapOvr>
 </p:sldLayout>
 </file>
 
 <file path=ppt/slideLayouts/slideLayout13.xml><?xml version="1.0" encoding="utf-8"?>
-<p:sldLayout xmlns:a="http://schemas.openxmlformats.org/drawingml/2006/main" xmlns:p="http://schemas.openxmlformats.org/presentationml/2006/main" xmlns:r="http://schemas.openxmlformats.org/officeDocument/2006/relationships" xmlns:p14="http://schemas.microsoft.com/office/powerpoint/2010/main" xmlns:p15="http://schemas.microsoft.com/office/powerpoint/2012/main" xmlns:mc="http://schemas.openxmlformats.org/markup-compatibility/2006" type="blank" preserve="1">
+<p:sldLayout xmlns:a="http://schemas.openxmlformats.org/drawingml/2006/main" xmlns:r="http://schemas.openxmlformats.org/officeDocument/2006/relationships" xmlns:p="http://schemas.openxmlformats.org/presentationml/2006/main" type="blank" preserve="1">
   <p:cSld name="Blank Slide">
     <p:spTree>
       <p:nvGrpSpPr>
@@ -574,11 +696,14 @@
       </p:grpSpPr>
     </p:spTree>
   </p:cSld>
+  <p:clrMapOvr>
+    <a:masterClrMapping/>
+  </p:clrMapOvr>
 </p:sldLayout>
 </file>
 
 <file path=ppt/slideLayouts/slideLayout14.xml><?xml version="1.0" encoding="utf-8"?>
-<p:sldLayout xmlns:a="http://schemas.openxmlformats.org/drawingml/2006/main" xmlns:p="http://schemas.openxmlformats.org/presentationml/2006/main" xmlns:r="http://schemas.openxmlformats.org/officeDocument/2006/relationships" xmlns:p14="http://schemas.microsoft.com/office/powerpoint/2010/main" xmlns:p15="http://schemas.microsoft.com/office/powerpoint/2012/main" xmlns:mc="http://schemas.openxmlformats.org/markup-compatibility/2006" type="tx" preserve="1">
+<p:sldLayout xmlns:a="http://schemas.openxmlformats.org/drawingml/2006/main" xmlns:r="http://schemas.openxmlformats.org/officeDocument/2006/relationships" xmlns:p="http://schemas.openxmlformats.org/presentationml/2006/main" type="tx" preserve="1">
   <p:cSld name="Title Slide">
     <p:spTree>
       <p:nvGrpSpPr>
@@ -614,10 +739,11 @@
           </a:prstGeom>
         </p:spPr>
         <p:txBody>
-          <a:bodyPr lIns="0" rIns="0" tIns="0" bIns="0" anchor="ctr"/>
+          <a:bodyPr lIns="0" tIns="0" rIns="0" bIns="0" anchor="ctr"/>
+          <a:lstStyle/>
           <a:p>
             <a:pPr algn="ctr"/>
-            <a:endParaRPr b="0" lang="it-IT" sz="4400" spc="-1" strike="noStrike">
+            <a:endParaRPr lang="it-IT" sz="4400" b="0" strike="noStrike" spc="-1">
               <a:latin typeface="Arial"/>
             </a:endParaRPr>
           </a:p>
@@ -643,10 +769,11 @@
           </a:prstGeom>
         </p:spPr>
         <p:txBody>
-          <a:bodyPr lIns="0" rIns="0" tIns="0" bIns="0" anchor="ctr"/>
+          <a:bodyPr lIns="0" tIns="0" rIns="0" bIns="0" anchor="ctr"/>
+          <a:lstStyle/>
           <a:p>
             <a:pPr algn="ctr"/>
-            <a:endParaRPr b="0" lang="it-IT" sz="3200" spc="-1" strike="noStrike">
+            <a:endParaRPr lang="it-IT" sz="3200" b="0" strike="noStrike" spc="-1">
               <a:latin typeface="Arial"/>
             </a:endParaRPr>
           </a:p>
@@ -654,11 +781,14 @@
       </p:sp>
     </p:spTree>
   </p:cSld>
+  <p:clrMapOvr>
+    <a:masterClrMapping/>
+  </p:clrMapOvr>
 </p:sldLayout>
 </file>
 
 <file path=ppt/slideLayouts/slideLayout15.xml><?xml version="1.0" encoding="utf-8"?>
-<p:sldLayout xmlns:a="http://schemas.openxmlformats.org/drawingml/2006/main" xmlns:p="http://schemas.openxmlformats.org/presentationml/2006/main" xmlns:r="http://schemas.openxmlformats.org/officeDocument/2006/relationships" xmlns:p14="http://schemas.microsoft.com/office/powerpoint/2010/main" xmlns:p15="http://schemas.microsoft.com/office/powerpoint/2012/main" xmlns:mc="http://schemas.openxmlformats.org/markup-compatibility/2006" type="obj" preserve="1">
+<p:sldLayout xmlns:a="http://schemas.openxmlformats.org/drawingml/2006/main" xmlns:r="http://schemas.openxmlformats.org/officeDocument/2006/relationships" xmlns:p="http://schemas.openxmlformats.org/presentationml/2006/main" type="obj" preserve="1">
   <p:cSld name="Title, Content">
     <p:spTree>
       <p:nvGrpSpPr>
@@ -694,10 +824,11 @@
           </a:prstGeom>
         </p:spPr>
         <p:txBody>
-          <a:bodyPr lIns="0" rIns="0" tIns="0" bIns="0" anchor="ctr"/>
+          <a:bodyPr lIns="0" tIns="0" rIns="0" bIns="0" anchor="ctr"/>
+          <a:lstStyle/>
           <a:p>
             <a:pPr algn="ctr"/>
-            <a:endParaRPr b="0" lang="it-IT" sz="4400" spc="-1" strike="noStrike">
+            <a:endParaRPr lang="it-IT" sz="4400" b="0" strike="noStrike" spc="-1">
               <a:latin typeface="Arial"/>
             </a:endParaRPr>
           </a:p>
@@ -723,11 +854,12 @@
           </a:prstGeom>
         </p:spPr>
         <p:txBody>
-          <a:bodyPr lIns="0" rIns="0" tIns="0" bIns="0">
+          <a:bodyPr lIns="0" tIns="0" rIns="0" bIns="0">
             <a:normAutofit/>
           </a:bodyPr>
-          <a:p>
-            <a:endParaRPr b="0" lang="it-IT" sz="3200" spc="-1" strike="noStrike">
+          <a:lstStyle/>
+          <a:p>
+            <a:endParaRPr lang="it-IT" sz="3200" b="0" strike="noStrike" spc="-1">
               <a:latin typeface="Arial"/>
             </a:endParaRPr>
           </a:p>
@@ -735,11 +867,14 @@
       </p:sp>
     </p:spTree>
   </p:cSld>
+  <p:clrMapOvr>
+    <a:masterClrMapping/>
+  </p:clrMapOvr>
 </p:sldLayout>
 </file>
 
 <file path=ppt/slideLayouts/slideLayout16.xml><?xml version="1.0" encoding="utf-8"?>
-<p:sldLayout xmlns:a="http://schemas.openxmlformats.org/drawingml/2006/main" xmlns:p="http://schemas.openxmlformats.org/presentationml/2006/main" xmlns:r="http://schemas.openxmlformats.org/officeDocument/2006/relationships" xmlns:p14="http://schemas.microsoft.com/office/powerpoint/2010/main" xmlns:p15="http://schemas.microsoft.com/office/powerpoint/2012/main" xmlns:mc="http://schemas.openxmlformats.org/markup-compatibility/2006" type="twoObj" preserve="1">
+<p:sldLayout xmlns:a="http://schemas.openxmlformats.org/drawingml/2006/main" xmlns:r="http://schemas.openxmlformats.org/officeDocument/2006/relationships" xmlns:p="http://schemas.openxmlformats.org/presentationml/2006/main" type="twoObj" preserve="1">
   <p:cSld name="Title, 2 Content">
     <p:spTree>
       <p:nvGrpSpPr>
@@ -775,10 +910,11 @@
           </a:prstGeom>
         </p:spPr>
         <p:txBody>
-          <a:bodyPr lIns="0" rIns="0" tIns="0" bIns="0" anchor="ctr"/>
+          <a:bodyPr lIns="0" tIns="0" rIns="0" bIns="0" anchor="ctr"/>
+          <a:lstStyle/>
           <a:p>
             <a:pPr algn="ctr"/>
-            <a:endParaRPr b="0" lang="it-IT" sz="4400" spc="-1" strike="noStrike">
+            <a:endParaRPr lang="it-IT" sz="4400" b="0" strike="noStrike" spc="-1">
               <a:latin typeface="Arial"/>
             </a:endParaRPr>
           </a:p>
@@ -804,11 +940,12 @@
           </a:prstGeom>
         </p:spPr>
         <p:txBody>
-          <a:bodyPr lIns="0" rIns="0" tIns="0" bIns="0">
+          <a:bodyPr lIns="0" tIns="0" rIns="0" bIns="0">
             <a:normAutofit/>
           </a:bodyPr>
-          <a:p>
-            <a:endParaRPr b="0" lang="it-IT" sz="3200" spc="-1" strike="noStrike">
+          <a:lstStyle/>
+          <a:p>
+            <a:endParaRPr lang="it-IT" sz="3200" b="0" strike="noStrike" spc="-1">
               <a:latin typeface="Arial"/>
             </a:endParaRPr>
           </a:p>
@@ -834,11 +971,12 @@
           </a:prstGeom>
         </p:spPr>
         <p:txBody>
-          <a:bodyPr lIns="0" rIns="0" tIns="0" bIns="0">
+          <a:bodyPr lIns="0" tIns="0" rIns="0" bIns="0">
             <a:normAutofit/>
           </a:bodyPr>
-          <a:p>
-            <a:endParaRPr b="0" lang="it-IT" sz="3200" spc="-1" strike="noStrike">
+          <a:lstStyle/>
+          <a:p>
+            <a:endParaRPr lang="it-IT" sz="3200" b="0" strike="noStrike" spc="-1">
               <a:latin typeface="Arial"/>
             </a:endParaRPr>
           </a:p>
@@ -846,11 +984,14 @@
       </p:sp>
     </p:spTree>
   </p:cSld>
+  <p:clrMapOvr>
+    <a:masterClrMapping/>
+  </p:clrMapOvr>
 </p:sldLayout>
 </file>
 
 <file path=ppt/slideLayouts/slideLayout17.xml><?xml version="1.0" encoding="utf-8"?>
-<p:sldLayout xmlns:a="http://schemas.openxmlformats.org/drawingml/2006/main" xmlns:p="http://schemas.openxmlformats.org/presentationml/2006/main" xmlns:r="http://schemas.openxmlformats.org/officeDocument/2006/relationships" xmlns:p14="http://schemas.microsoft.com/office/powerpoint/2010/main" xmlns:p15="http://schemas.microsoft.com/office/powerpoint/2012/main" xmlns:mc="http://schemas.openxmlformats.org/markup-compatibility/2006" type="titleOnly" preserve="1">
+<p:sldLayout xmlns:a="http://schemas.openxmlformats.org/drawingml/2006/main" xmlns:r="http://schemas.openxmlformats.org/officeDocument/2006/relationships" xmlns:p="http://schemas.openxmlformats.org/presentationml/2006/main" type="titleOnly" preserve="1">
   <p:cSld name="Title Only">
     <p:spTree>
       <p:nvGrpSpPr>
@@ -886,10 +1027,11 @@
           </a:prstGeom>
         </p:spPr>
         <p:txBody>
-          <a:bodyPr lIns="0" rIns="0" tIns="0" bIns="0" anchor="ctr"/>
+          <a:bodyPr lIns="0" tIns="0" rIns="0" bIns="0" anchor="ctr"/>
+          <a:lstStyle/>
           <a:p>
             <a:pPr algn="ctr"/>
-            <a:endParaRPr b="0" lang="it-IT" sz="4400" spc="-1" strike="noStrike">
+            <a:endParaRPr lang="it-IT" sz="4400" b="0" strike="noStrike" spc="-1">
               <a:latin typeface="Arial"/>
             </a:endParaRPr>
           </a:p>
@@ -897,11 +1039,14 @@
       </p:sp>
     </p:spTree>
   </p:cSld>
+  <p:clrMapOvr>
+    <a:masterClrMapping/>
+  </p:clrMapOvr>
 </p:sldLayout>
 </file>
 
 <file path=ppt/slideLayouts/slideLayout18.xml><?xml version="1.0" encoding="utf-8"?>
-<p:sldLayout xmlns:a="http://schemas.openxmlformats.org/drawingml/2006/main" xmlns:p="http://schemas.openxmlformats.org/presentationml/2006/main" xmlns:r="http://schemas.openxmlformats.org/officeDocument/2006/relationships" xmlns:p14="http://schemas.microsoft.com/office/powerpoint/2010/main" xmlns:p15="http://schemas.microsoft.com/office/powerpoint/2012/main" xmlns:mc="http://schemas.openxmlformats.org/markup-compatibility/2006" type="objOnly" preserve="1">
+<p:sldLayout xmlns:a="http://schemas.openxmlformats.org/drawingml/2006/main" xmlns:r="http://schemas.openxmlformats.org/officeDocument/2006/relationships" xmlns:p="http://schemas.openxmlformats.org/presentationml/2006/main" type="objOnly" preserve="1">
   <p:cSld name="Centered Text">
     <p:spTree>
       <p:nvGrpSpPr>
@@ -937,10 +1082,11 @@
           </a:prstGeom>
         </p:spPr>
         <p:txBody>
-          <a:bodyPr lIns="0" rIns="0" tIns="0" bIns="0" anchor="ctr"/>
+          <a:bodyPr lIns="0" tIns="0" rIns="0" bIns="0" anchor="ctr"/>
+          <a:lstStyle/>
           <a:p>
             <a:pPr algn="ctr"/>
-            <a:endParaRPr b="0" lang="it-IT" sz="3200" spc="-1" strike="noStrike">
+            <a:endParaRPr lang="it-IT" sz="3200" b="0" strike="noStrike" spc="-1">
               <a:latin typeface="Arial"/>
             </a:endParaRPr>
           </a:p>
@@ -948,11 +1094,14 @@
       </p:sp>
     </p:spTree>
   </p:cSld>
+  <p:clrMapOvr>
+    <a:masterClrMapping/>
+  </p:clrMapOvr>
 </p:sldLayout>
 </file>
 
 <file path=ppt/slideLayouts/slideLayout19.xml><?xml version="1.0" encoding="utf-8"?>
-<p:sldLayout xmlns:a="http://schemas.openxmlformats.org/drawingml/2006/main" xmlns:p="http://schemas.openxmlformats.org/presentationml/2006/main" xmlns:r="http://schemas.openxmlformats.org/officeDocument/2006/relationships" xmlns:p14="http://schemas.microsoft.com/office/powerpoint/2010/main" xmlns:p15="http://schemas.microsoft.com/office/powerpoint/2012/main" xmlns:mc="http://schemas.openxmlformats.org/markup-compatibility/2006" type="twoObjAndObj" preserve="1">
+<p:sldLayout xmlns:a="http://schemas.openxmlformats.org/drawingml/2006/main" xmlns:r="http://schemas.openxmlformats.org/officeDocument/2006/relationships" xmlns:p="http://schemas.openxmlformats.org/presentationml/2006/main" type="twoObjAndObj" preserve="1">
   <p:cSld name="Title, 2 Content and Content">
     <p:spTree>
       <p:nvGrpSpPr>
@@ -988,10 +1137,11 @@
           </a:prstGeom>
         </p:spPr>
         <p:txBody>
-          <a:bodyPr lIns="0" rIns="0" tIns="0" bIns="0" anchor="ctr"/>
+          <a:bodyPr lIns="0" tIns="0" rIns="0" bIns="0" anchor="ctr"/>
+          <a:lstStyle/>
           <a:p>
             <a:pPr algn="ctr"/>
-            <a:endParaRPr b="0" lang="it-IT" sz="4400" spc="-1" strike="noStrike">
+            <a:endParaRPr lang="it-IT" sz="4400" b="0" strike="noStrike" spc="-1">
               <a:latin typeface="Arial"/>
             </a:endParaRPr>
           </a:p>
@@ -1017,11 +1167,12 @@
           </a:prstGeom>
         </p:spPr>
         <p:txBody>
-          <a:bodyPr lIns="0" rIns="0" tIns="0" bIns="0">
+          <a:bodyPr lIns="0" tIns="0" rIns="0" bIns="0">
             <a:normAutofit/>
           </a:bodyPr>
-          <a:p>
-            <a:endParaRPr b="0" lang="it-IT" sz="3200" spc="-1" strike="noStrike">
+          <a:lstStyle/>
+          <a:p>
+            <a:endParaRPr lang="it-IT" sz="3200" b="0" strike="noStrike" spc="-1">
               <a:latin typeface="Arial"/>
             </a:endParaRPr>
           </a:p>
@@ -1047,11 +1198,12 @@
           </a:prstGeom>
         </p:spPr>
         <p:txBody>
-          <a:bodyPr lIns="0" rIns="0" tIns="0" bIns="0">
+          <a:bodyPr lIns="0" tIns="0" rIns="0" bIns="0">
             <a:normAutofit/>
           </a:bodyPr>
-          <a:p>
-            <a:endParaRPr b="0" lang="it-IT" sz="3200" spc="-1" strike="noStrike">
+          <a:lstStyle/>
+          <a:p>
+            <a:endParaRPr lang="it-IT" sz="3200" b="0" strike="noStrike" spc="-1">
               <a:latin typeface="Arial"/>
             </a:endParaRPr>
           </a:p>
@@ -1077,11 +1229,12 @@
           </a:prstGeom>
         </p:spPr>
         <p:txBody>
-          <a:bodyPr lIns="0" rIns="0" tIns="0" bIns="0">
+          <a:bodyPr lIns="0" tIns="0" rIns="0" bIns="0">
             <a:normAutofit/>
           </a:bodyPr>
-          <a:p>
-            <a:endParaRPr b="0" lang="it-IT" sz="3200" spc="-1" strike="noStrike">
+          <a:lstStyle/>
+          <a:p>
+            <a:endParaRPr lang="it-IT" sz="3200" b="0" strike="noStrike" spc="-1">
               <a:latin typeface="Arial"/>
             </a:endParaRPr>
           </a:p>
@@ -1089,11 +1242,14 @@
       </p:sp>
     </p:spTree>
   </p:cSld>
+  <p:clrMapOvr>
+    <a:masterClrMapping/>
+  </p:clrMapOvr>
 </p:sldLayout>
 </file>
 
 <file path=ppt/slideLayouts/slideLayout2.xml><?xml version="1.0" encoding="utf-8"?>
-<p:sldLayout xmlns:a="http://schemas.openxmlformats.org/drawingml/2006/main" xmlns:p="http://schemas.openxmlformats.org/presentationml/2006/main" xmlns:r="http://schemas.openxmlformats.org/officeDocument/2006/relationships" xmlns:p14="http://schemas.microsoft.com/office/powerpoint/2010/main" xmlns:p15="http://schemas.microsoft.com/office/powerpoint/2012/main" xmlns:mc="http://schemas.openxmlformats.org/markup-compatibility/2006" type="tx" preserve="1">
+<p:sldLayout xmlns:a="http://schemas.openxmlformats.org/drawingml/2006/main" xmlns:r="http://schemas.openxmlformats.org/officeDocument/2006/relationships" xmlns:p="http://schemas.openxmlformats.org/presentationml/2006/main" type="tx" preserve="1">
   <p:cSld name="Title Slide">
     <p:spTree>
       <p:nvGrpSpPr>
@@ -1129,10 +1285,11 @@
           </a:prstGeom>
         </p:spPr>
         <p:txBody>
-          <a:bodyPr lIns="0" rIns="0" tIns="0" bIns="0" anchor="ctr"/>
+          <a:bodyPr lIns="0" tIns="0" rIns="0" bIns="0" anchor="ctr"/>
+          <a:lstStyle/>
           <a:p>
             <a:pPr algn="ctr"/>
-            <a:endParaRPr b="0" lang="it-IT" sz="4400" spc="-1" strike="noStrike">
+            <a:endParaRPr lang="it-IT" sz="4400" b="0" strike="noStrike" spc="-1">
               <a:latin typeface="Arial"/>
             </a:endParaRPr>
           </a:p>
@@ -1158,10 +1315,11 @@
           </a:prstGeom>
         </p:spPr>
         <p:txBody>
-          <a:bodyPr lIns="0" rIns="0" tIns="0" bIns="0" anchor="ctr"/>
+          <a:bodyPr lIns="0" tIns="0" rIns="0" bIns="0" anchor="ctr"/>
+          <a:lstStyle/>
           <a:p>
             <a:pPr algn="ctr"/>
-            <a:endParaRPr b="0" lang="it-IT" sz="3200" spc="-1" strike="noStrike">
+            <a:endParaRPr lang="it-IT" sz="3200" b="0" strike="noStrike" spc="-1">
               <a:latin typeface="Arial"/>
             </a:endParaRPr>
           </a:p>
@@ -1169,11 +1327,14 @@
       </p:sp>
     </p:spTree>
   </p:cSld>
+  <p:clrMapOvr>
+    <a:masterClrMapping/>
+  </p:clrMapOvr>
 </p:sldLayout>
 </file>
 
 <file path=ppt/slideLayouts/slideLayout20.xml><?xml version="1.0" encoding="utf-8"?>
-<p:sldLayout xmlns:a="http://schemas.openxmlformats.org/drawingml/2006/main" xmlns:p="http://schemas.openxmlformats.org/presentationml/2006/main" xmlns:r="http://schemas.openxmlformats.org/officeDocument/2006/relationships" xmlns:p14="http://schemas.microsoft.com/office/powerpoint/2010/main" xmlns:p15="http://schemas.microsoft.com/office/powerpoint/2012/main" xmlns:mc="http://schemas.openxmlformats.org/markup-compatibility/2006" type="objAndTwoObj" preserve="1">
+<p:sldLayout xmlns:a="http://schemas.openxmlformats.org/drawingml/2006/main" xmlns:r="http://schemas.openxmlformats.org/officeDocument/2006/relationships" xmlns:p="http://schemas.openxmlformats.org/presentationml/2006/main" type="objAndTwoObj" preserve="1">
   <p:cSld name="Title Content and 2 Content">
     <p:spTree>
       <p:nvGrpSpPr>
@@ -1209,10 +1370,11 @@
           </a:prstGeom>
         </p:spPr>
         <p:txBody>
-          <a:bodyPr lIns="0" rIns="0" tIns="0" bIns="0" anchor="ctr"/>
+          <a:bodyPr lIns="0" tIns="0" rIns="0" bIns="0" anchor="ctr"/>
+          <a:lstStyle/>
           <a:p>
             <a:pPr algn="ctr"/>
-            <a:endParaRPr b="0" lang="it-IT" sz="4400" spc="-1" strike="noStrike">
+            <a:endParaRPr lang="it-IT" sz="4400" b="0" strike="noStrike" spc="-1">
               <a:latin typeface="Arial"/>
             </a:endParaRPr>
           </a:p>
@@ -1238,11 +1400,12 @@
           </a:prstGeom>
         </p:spPr>
         <p:txBody>
-          <a:bodyPr lIns="0" rIns="0" tIns="0" bIns="0">
+          <a:bodyPr lIns="0" tIns="0" rIns="0" bIns="0">
             <a:normAutofit/>
           </a:bodyPr>
-          <a:p>
-            <a:endParaRPr b="0" lang="it-IT" sz="3200" spc="-1" strike="noStrike">
+          <a:lstStyle/>
+          <a:p>
+            <a:endParaRPr lang="it-IT" sz="3200" b="0" strike="noStrike" spc="-1">
               <a:latin typeface="Arial"/>
             </a:endParaRPr>
           </a:p>
@@ -1268,11 +1431,12 @@
           </a:prstGeom>
         </p:spPr>
         <p:txBody>
-          <a:bodyPr lIns="0" rIns="0" tIns="0" bIns="0">
+          <a:bodyPr lIns="0" tIns="0" rIns="0" bIns="0">
             <a:normAutofit/>
           </a:bodyPr>
-          <a:p>
-            <a:endParaRPr b="0" lang="it-IT" sz="3200" spc="-1" strike="noStrike">
+          <a:lstStyle/>
+          <a:p>
+            <a:endParaRPr lang="it-IT" sz="3200" b="0" strike="noStrike" spc="-1">
               <a:latin typeface="Arial"/>
             </a:endParaRPr>
           </a:p>
@@ -1298,11 +1462,12 @@
           </a:prstGeom>
         </p:spPr>
         <p:txBody>
-          <a:bodyPr lIns="0" rIns="0" tIns="0" bIns="0">
+          <a:bodyPr lIns="0" tIns="0" rIns="0" bIns="0">
             <a:normAutofit/>
           </a:bodyPr>
-          <a:p>
-            <a:endParaRPr b="0" lang="it-IT" sz="3200" spc="-1" strike="noStrike">
+          <a:lstStyle/>
+          <a:p>
+            <a:endParaRPr lang="it-IT" sz="3200" b="0" strike="noStrike" spc="-1">
               <a:latin typeface="Arial"/>
             </a:endParaRPr>
           </a:p>
@@ -1310,11 +1475,14 @@
       </p:sp>
     </p:spTree>
   </p:cSld>
+  <p:clrMapOvr>
+    <a:masterClrMapping/>
+  </p:clrMapOvr>
 </p:sldLayout>
 </file>
 
 <file path=ppt/slideLayouts/slideLayout21.xml><?xml version="1.0" encoding="utf-8"?>
-<p:sldLayout xmlns:a="http://schemas.openxmlformats.org/drawingml/2006/main" xmlns:p="http://schemas.openxmlformats.org/presentationml/2006/main" xmlns:r="http://schemas.openxmlformats.org/officeDocument/2006/relationships" xmlns:p14="http://schemas.microsoft.com/office/powerpoint/2010/main" xmlns:p15="http://schemas.microsoft.com/office/powerpoint/2012/main" xmlns:mc="http://schemas.openxmlformats.org/markup-compatibility/2006" type="twoObjOverTx" preserve="1">
+<p:sldLayout xmlns:a="http://schemas.openxmlformats.org/drawingml/2006/main" xmlns:r="http://schemas.openxmlformats.org/officeDocument/2006/relationships" xmlns:p="http://schemas.openxmlformats.org/presentationml/2006/main" type="twoObjOverTx" preserve="1">
   <p:cSld name="Title, 2 Content over Content">
     <p:spTree>
       <p:nvGrpSpPr>
@@ -1350,10 +1518,11 @@
           </a:prstGeom>
         </p:spPr>
         <p:txBody>
-          <a:bodyPr lIns="0" rIns="0" tIns="0" bIns="0" anchor="ctr"/>
+          <a:bodyPr lIns="0" tIns="0" rIns="0" bIns="0" anchor="ctr"/>
+          <a:lstStyle/>
           <a:p>
             <a:pPr algn="ctr"/>
-            <a:endParaRPr b="0" lang="it-IT" sz="4400" spc="-1" strike="noStrike">
+            <a:endParaRPr lang="it-IT" sz="4400" b="0" strike="noStrike" spc="-1">
               <a:latin typeface="Arial"/>
             </a:endParaRPr>
           </a:p>
@@ -1379,11 +1548,12 @@
           </a:prstGeom>
         </p:spPr>
         <p:txBody>
-          <a:bodyPr lIns="0" rIns="0" tIns="0" bIns="0">
+          <a:bodyPr lIns="0" tIns="0" rIns="0" bIns="0">
             <a:normAutofit/>
           </a:bodyPr>
-          <a:p>
-            <a:endParaRPr b="0" lang="it-IT" sz="3200" spc="-1" strike="noStrike">
+          <a:lstStyle/>
+          <a:p>
+            <a:endParaRPr lang="it-IT" sz="3200" b="0" strike="noStrike" spc="-1">
               <a:latin typeface="Arial"/>
             </a:endParaRPr>
           </a:p>
@@ -1409,11 +1579,12 @@
           </a:prstGeom>
         </p:spPr>
         <p:txBody>
-          <a:bodyPr lIns="0" rIns="0" tIns="0" bIns="0">
+          <a:bodyPr lIns="0" tIns="0" rIns="0" bIns="0">
             <a:normAutofit/>
           </a:bodyPr>
-          <a:p>
-            <a:endParaRPr b="0" lang="it-IT" sz="3200" spc="-1" strike="noStrike">
+          <a:lstStyle/>
+          <a:p>
+            <a:endParaRPr lang="it-IT" sz="3200" b="0" strike="noStrike" spc="-1">
               <a:latin typeface="Arial"/>
             </a:endParaRPr>
           </a:p>
@@ -1439,11 +1610,12 @@
           </a:prstGeom>
         </p:spPr>
         <p:txBody>
-          <a:bodyPr lIns="0" rIns="0" tIns="0" bIns="0">
+          <a:bodyPr lIns="0" tIns="0" rIns="0" bIns="0">
             <a:normAutofit/>
           </a:bodyPr>
-          <a:p>
-            <a:endParaRPr b="0" lang="it-IT" sz="3200" spc="-1" strike="noStrike">
+          <a:lstStyle/>
+          <a:p>
+            <a:endParaRPr lang="it-IT" sz="3200" b="0" strike="noStrike" spc="-1">
               <a:latin typeface="Arial"/>
             </a:endParaRPr>
           </a:p>
@@ -1451,11 +1623,14 @@
       </p:sp>
     </p:spTree>
   </p:cSld>
+  <p:clrMapOvr>
+    <a:masterClrMapping/>
+  </p:clrMapOvr>
 </p:sldLayout>
 </file>
 
 <file path=ppt/slideLayouts/slideLayout22.xml><?xml version="1.0" encoding="utf-8"?>
-<p:sldLayout xmlns:a="http://schemas.openxmlformats.org/drawingml/2006/main" xmlns:p="http://schemas.openxmlformats.org/presentationml/2006/main" xmlns:r="http://schemas.openxmlformats.org/officeDocument/2006/relationships" xmlns:p14="http://schemas.microsoft.com/office/powerpoint/2010/main" xmlns:p15="http://schemas.microsoft.com/office/powerpoint/2012/main" xmlns:mc="http://schemas.openxmlformats.org/markup-compatibility/2006" type="objOverTx" preserve="1">
+<p:sldLayout xmlns:a="http://schemas.openxmlformats.org/drawingml/2006/main" xmlns:r="http://schemas.openxmlformats.org/officeDocument/2006/relationships" xmlns:p="http://schemas.openxmlformats.org/presentationml/2006/main" type="objOverTx" preserve="1">
   <p:cSld name="Title, Content over Content">
     <p:spTree>
       <p:nvGrpSpPr>
@@ -1491,10 +1666,11 @@
           </a:prstGeom>
         </p:spPr>
         <p:txBody>
-          <a:bodyPr lIns="0" rIns="0" tIns="0" bIns="0" anchor="ctr"/>
+          <a:bodyPr lIns="0" tIns="0" rIns="0" bIns="0" anchor="ctr"/>
+          <a:lstStyle/>
           <a:p>
             <a:pPr algn="ctr"/>
-            <a:endParaRPr b="0" lang="it-IT" sz="4400" spc="-1" strike="noStrike">
+            <a:endParaRPr lang="it-IT" sz="4400" b="0" strike="noStrike" spc="-1">
               <a:latin typeface="Arial"/>
             </a:endParaRPr>
           </a:p>
@@ -1520,11 +1696,12 @@
           </a:prstGeom>
         </p:spPr>
         <p:txBody>
-          <a:bodyPr lIns="0" rIns="0" tIns="0" bIns="0">
+          <a:bodyPr lIns="0" tIns="0" rIns="0" bIns="0">
             <a:normAutofit/>
           </a:bodyPr>
-          <a:p>
-            <a:endParaRPr b="0" lang="it-IT" sz="3200" spc="-1" strike="noStrike">
+          <a:lstStyle/>
+          <a:p>
+            <a:endParaRPr lang="it-IT" sz="3200" b="0" strike="noStrike" spc="-1">
               <a:latin typeface="Arial"/>
             </a:endParaRPr>
           </a:p>
@@ -1550,11 +1727,12 @@
           </a:prstGeom>
         </p:spPr>
         <p:txBody>
-          <a:bodyPr lIns="0" rIns="0" tIns="0" bIns="0">
+          <a:bodyPr lIns="0" tIns="0" rIns="0" bIns="0">
             <a:normAutofit/>
           </a:bodyPr>
-          <a:p>
-            <a:endParaRPr b="0" lang="it-IT" sz="3200" spc="-1" strike="noStrike">
+          <a:lstStyle/>
+          <a:p>
+            <a:endParaRPr lang="it-IT" sz="3200" b="0" strike="noStrike" spc="-1">
               <a:latin typeface="Arial"/>
             </a:endParaRPr>
           </a:p>
@@ -1562,11 +1740,14 @@
       </p:sp>
     </p:spTree>
   </p:cSld>
+  <p:clrMapOvr>
+    <a:masterClrMapping/>
+  </p:clrMapOvr>
 </p:sldLayout>
 </file>
 
 <file path=ppt/slideLayouts/slideLayout23.xml><?xml version="1.0" encoding="utf-8"?>
-<p:sldLayout xmlns:a="http://schemas.openxmlformats.org/drawingml/2006/main" xmlns:p="http://schemas.openxmlformats.org/presentationml/2006/main" xmlns:r="http://schemas.openxmlformats.org/officeDocument/2006/relationships" xmlns:p14="http://schemas.microsoft.com/office/powerpoint/2010/main" xmlns:p15="http://schemas.microsoft.com/office/powerpoint/2012/main" xmlns:mc="http://schemas.openxmlformats.org/markup-compatibility/2006" type="fourObj" preserve="1">
+<p:sldLayout xmlns:a="http://schemas.openxmlformats.org/drawingml/2006/main" xmlns:r="http://schemas.openxmlformats.org/officeDocument/2006/relationships" xmlns:p="http://schemas.openxmlformats.org/presentationml/2006/main" type="fourObj" preserve="1">
   <p:cSld name="Title, 4 Content">
     <p:spTree>
       <p:nvGrpSpPr>
@@ -1602,10 +1783,11 @@
           </a:prstGeom>
         </p:spPr>
         <p:txBody>
-          <a:bodyPr lIns="0" rIns="0" tIns="0" bIns="0" anchor="ctr"/>
+          <a:bodyPr lIns="0" tIns="0" rIns="0" bIns="0" anchor="ctr"/>
+          <a:lstStyle/>
           <a:p>
             <a:pPr algn="ctr"/>
-            <a:endParaRPr b="0" lang="it-IT" sz="4400" spc="-1" strike="noStrike">
+            <a:endParaRPr lang="it-IT" sz="4400" b="0" strike="noStrike" spc="-1">
               <a:latin typeface="Arial"/>
             </a:endParaRPr>
           </a:p>
@@ -1631,11 +1813,12 @@
           </a:prstGeom>
         </p:spPr>
         <p:txBody>
-          <a:bodyPr lIns="0" rIns="0" tIns="0" bIns="0">
+          <a:bodyPr lIns="0" tIns="0" rIns="0" bIns="0">
             <a:normAutofit/>
           </a:bodyPr>
-          <a:p>
-            <a:endParaRPr b="0" lang="it-IT" sz="3200" spc="-1" strike="noStrike">
+          <a:lstStyle/>
+          <a:p>
+            <a:endParaRPr lang="it-IT" sz="3200" b="0" strike="noStrike" spc="-1">
               <a:latin typeface="Arial"/>
             </a:endParaRPr>
           </a:p>
@@ -1661,11 +1844,12 @@
           </a:prstGeom>
         </p:spPr>
         <p:txBody>
-          <a:bodyPr lIns="0" rIns="0" tIns="0" bIns="0">
+          <a:bodyPr lIns="0" tIns="0" rIns="0" bIns="0">
             <a:normAutofit/>
           </a:bodyPr>
-          <a:p>
-            <a:endParaRPr b="0" lang="it-IT" sz="3200" spc="-1" strike="noStrike">
+          <a:lstStyle/>
+          <a:p>
+            <a:endParaRPr lang="it-IT" sz="3200" b="0" strike="noStrike" spc="-1">
               <a:latin typeface="Arial"/>
             </a:endParaRPr>
           </a:p>
@@ -1691,11 +1875,12 @@
           </a:prstGeom>
         </p:spPr>
         <p:txBody>
-          <a:bodyPr lIns="0" rIns="0" tIns="0" bIns="0">
+          <a:bodyPr lIns="0" tIns="0" rIns="0" bIns="0">
             <a:normAutofit/>
           </a:bodyPr>
-          <a:p>
-            <a:endParaRPr b="0" lang="it-IT" sz="3200" spc="-1" strike="noStrike">
+          <a:lstStyle/>
+          <a:p>
+            <a:endParaRPr lang="it-IT" sz="3200" b="0" strike="noStrike" spc="-1">
               <a:latin typeface="Arial"/>
             </a:endParaRPr>
           </a:p>
@@ -1721,11 +1906,12 @@
           </a:prstGeom>
         </p:spPr>
         <p:txBody>
-          <a:bodyPr lIns="0" rIns="0" tIns="0" bIns="0">
+          <a:bodyPr lIns="0" tIns="0" rIns="0" bIns="0">
             <a:normAutofit/>
           </a:bodyPr>
-          <a:p>
-            <a:endParaRPr b="0" lang="it-IT" sz="3200" spc="-1" strike="noStrike">
+          <a:lstStyle/>
+          <a:p>
+            <a:endParaRPr lang="it-IT" sz="3200" b="0" strike="noStrike" spc="-1">
               <a:latin typeface="Arial"/>
             </a:endParaRPr>
           </a:p>
@@ -1733,11 +1919,14 @@
       </p:sp>
     </p:spTree>
   </p:cSld>
+  <p:clrMapOvr>
+    <a:masterClrMapping/>
+  </p:clrMapOvr>
 </p:sldLayout>
 </file>
 
 <file path=ppt/slideLayouts/slideLayout24.xml><?xml version="1.0" encoding="utf-8"?>
-<p:sldLayout xmlns:a="http://schemas.openxmlformats.org/drawingml/2006/main" xmlns:p="http://schemas.openxmlformats.org/presentationml/2006/main" xmlns:r="http://schemas.openxmlformats.org/officeDocument/2006/relationships" xmlns:p14="http://schemas.microsoft.com/office/powerpoint/2010/main" xmlns:p15="http://schemas.microsoft.com/office/powerpoint/2012/main" xmlns:mc="http://schemas.openxmlformats.org/markup-compatibility/2006" type="blank" preserve="1">
+<p:sldLayout xmlns:a="http://schemas.openxmlformats.org/drawingml/2006/main" xmlns:r="http://schemas.openxmlformats.org/officeDocument/2006/relationships" xmlns:p="http://schemas.openxmlformats.org/presentationml/2006/main" type="blank" preserve="1">
   <p:cSld name="Title, 6 Content">
     <p:spTree>
       <p:nvGrpSpPr>
@@ -1773,10 +1962,11 @@
           </a:prstGeom>
         </p:spPr>
         <p:txBody>
-          <a:bodyPr lIns="0" rIns="0" tIns="0" bIns="0" anchor="ctr"/>
+          <a:bodyPr lIns="0" tIns="0" rIns="0" bIns="0" anchor="ctr"/>
+          <a:lstStyle/>
           <a:p>
             <a:pPr algn="ctr"/>
-            <a:endParaRPr b="0" lang="it-IT" sz="4400" spc="-1" strike="noStrike">
+            <a:endParaRPr lang="it-IT" sz="4400" b="0" strike="noStrike" spc="-1">
               <a:latin typeface="Arial"/>
             </a:endParaRPr>
           </a:p>
@@ -1802,11 +1992,12 @@
           </a:prstGeom>
         </p:spPr>
         <p:txBody>
-          <a:bodyPr lIns="0" rIns="0" tIns="0" bIns="0">
+          <a:bodyPr lIns="0" tIns="0" rIns="0" bIns="0">
             <a:normAutofit/>
           </a:bodyPr>
-          <a:p>
-            <a:endParaRPr b="0" lang="it-IT" sz="3200" spc="-1" strike="noStrike">
+          <a:lstStyle/>
+          <a:p>
+            <a:endParaRPr lang="it-IT" sz="3200" b="0" strike="noStrike" spc="-1">
               <a:latin typeface="Arial"/>
             </a:endParaRPr>
           </a:p>
@@ -1832,11 +2023,12 @@
           </a:prstGeom>
         </p:spPr>
         <p:txBody>
-          <a:bodyPr lIns="0" rIns="0" tIns="0" bIns="0">
+          <a:bodyPr lIns="0" tIns="0" rIns="0" bIns="0">
             <a:normAutofit/>
           </a:bodyPr>
-          <a:p>
-            <a:endParaRPr b="0" lang="it-IT" sz="3200" spc="-1" strike="noStrike">
+          <a:lstStyle/>
+          <a:p>
+            <a:endParaRPr lang="it-IT" sz="3200" b="0" strike="noStrike" spc="-1">
               <a:latin typeface="Arial"/>
             </a:endParaRPr>
           </a:p>
@@ -1862,11 +2054,12 @@
           </a:prstGeom>
         </p:spPr>
         <p:txBody>
-          <a:bodyPr lIns="0" rIns="0" tIns="0" bIns="0">
+          <a:bodyPr lIns="0" tIns="0" rIns="0" bIns="0">
             <a:normAutofit/>
           </a:bodyPr>
-          <a:p>
-            <a:endParaRPr b="0" lang="it-IT" sz="3200" spc="-1" strike="noStrike">
+          <a:lstStyle/>
+          <a:p>
+            <a:endParaRPr lang="it-IT" sz="3200" b="0" strike="noStrike" spc="-1">
               <a:latin typeface="Arial"/>
             </a:endParaRPr>
           </a:p>
@@ -1892,11 +2085,12 @@
           </a:prstGeom>
         </p:spPr>
         <p:txBody>
-          <a:bodyPr lIns="0" rIns="0" tIns="0" bIns="0">
+          <a:bodyPr lIns="0" tIns="0" rIns="0" bIns="0">
             <a:normAutofit/>
           </a:bodyPr>
-          <a:p>
-            <a:endParaRPr b="0" lang="it-IT" sz="3200" spc="-1" strike="noStrike">
+          <a:lstStyle/>
+          <a:p>
+            <a:endParaRPr lang="it-IT" sz="3200" b="0" strike="noStrike" spc="-1">
               <a:latin typeface="Arial"/>
             </a:endParaRPr>
           </a:p>
@@ -1922,11 +2116,12 @@
           </a:prstGeom>
         </p:spPr>
         <p:txBody>
-          <a:bodyPr lIns="0" rIns="0" tIns="0" bIns="0">
+          <a:bodyPr lIns="0" tIns="0" rIns="0" bIns="0">
             <a:normAutofit/>
           </a:bodyPr>
-          <a:p>
-            <a:endParaRPr b="0" lang="it-IT" sz="3200" spc="-1" strike="noStrike">
+          <a:lstStyle/>
+          <a:p>
+            <a:endParaRPr lang="it-IT" sz="3200" b="0" strike="noStrike" spc="-1">
               <a:latin typeface="Arial"/>
             </a:endParaRPr>
           </a:p>
@@ -1952,11 +2147,12 @@
           </a:prstGeom>
         </p:spPr>
         <p:txBody>
-          <a:bodyPr lIns="0" rIns="0" tIns="0" bIns="0">
+          <a:bodyPr lIns="0" tIns="0" rIns="0" bIns="0">
             <a:normAutofit/>
           </a:bodyPr>
-          <a:p>
-            <a:endParaRPr b="0" lang="it-IT" sz="3200" spc="-1" strike="noStrike">
+          <a:lstStyle/>
+          <a:p>
+            <a:endParaRPr lang="it-IT" sz="3200" b="0" strike="noStrike" spc="-1">
               <a:latin typeface="Arial"/>
             </a:endParaRPr>
           </a:p>
@@ -1964,11 +2160,14 @@
       </p:sp>
     </p:spTree>
   </p:cSld>
+  <p:clrMapOvr>
+    <a:masterClrMapping/>
+  </p:clrMapOvr>
 </p:sldLayout>
 </file>
 
 <file path=ppt/slideLayouts/slideLayout3.xml><?xml version="1.0" encoding="utf-8"?>
-<p:sldLayout xmlns:a="http://schemas.openxmlformats.org/drawingml/2006/main" xmlns:p="http://schemas.openxmlformats.org/presentationml/2006/main" xmlns:r="http://schemas.openxmlformats.org/officeDocument/2006/relationships" xmlns:p14="http://schemas.microsoft.com/office/powerpoint/2010/main" xmlns:p15="http://schemas.microsoft.com/office/powerpoint/2012/main" xmlns:mc="http://schemas.openxmlformats.org/markup-compatibility/2006" type="obj" preserve="1">
+<p:sldLayout xmlns:a="http://schemas.openxmlformats.org/drawingml/2006/main" xmlns:r="http://schemas.openxmlformats.org/officeDocument/2006/relationships" xmlns:p="http://schemas.openxmlformats.org/presentationml/2006/main" type="obj" preserve="1">
   <p:cSld name="Title, Content">
     <p:spTree>
       <p:nvGrpSpPr>
@@ -2004,10 +2203,11 @@
           </a:prstGeom>
         </p:spPr>
         <p:txBody>
-          <a:bodyPr lIns="0" rIns="0" tIns="0" bIns="0" anchor="ctr"/>
+          <a:bodyPr lIns="0" tIns="0" rIns="0" bIns="0" anchor="ctr"/>
+          <a:lstStyle/>
           <a:p>
             <a:pPr algn="ctr"/>
-            <a:endParaRPr b="0" lang="it-IT" sz="4400" spc="-1" strike="noStrike">
+            <a:endParaRPr lang="it-IT" sz="4400" b="0" strike="noStrike" spc="-1">
               <a:latin typeface="Arial"/>
             </a:endParaRPr>
           </a:p>
@@ -2033,11 +2233,12 @@
           </a:prstGeom>
         </p:spPr>
         <p:txBody>
-          <a:bodyPr lIns="0" rIns="0" tIns="0" bIns="0">
+          <a:bodyPr lIns="0" tIns="0" rIns="0" bIns="0">
             <a:normAutofit/>
           </a:bodyPr>
-          <a:p>
-            <a:endParaRPr b="0" lang="it-IT" sz="3200" spc="-1" strike="noStrike">
+          <a:lstStyle/>
+          <a:p>
+            <a:endParaRPr lang="it-IT" sz="3200" b="0" strike="noStrike" spc="-1">
               <a:latin typeface="Arial"/>
             </a:endParaRPr>
           </a:p>
@@ -2045,11 +2246,14 @@
       </p:sp>
     </p:spTree>
   </p:cSld>
+  <p:clrMapOvr>
+    <a:masterClrMapping/>
+  </p:clrMapOvr>
 </p:sldLayout>
 </file>
 
 <file path=ppt/slideLayouts/slideLayout4.xml><?xml version="1.0" encoding="utf-8"?>
-<p:sldLayout xmlns:a="http://schemas.openxmlformats.org/drawingml/2006/main" xmlns:p="http://schemas.openxmlformats.org/presentationml/2006/main" xmlns:r="http://schemas.openxmlformats.org/officeDocument/2006/relationships" xmlns:p14="http://schemas.microsoft.com/office/powerpoint/2010/main" xmlns:p15="http://schemas.microsoft.com/office/powerpoint/2012/main" xmlns:mc="http://schemas.openxmlformats.org/markup-compatibility/2006" type="twoObj" preserve="1">
+<p:sldLayout xmlns:a="http://schemas.openxmlformats.org/drawingml/2006/main" xmlns:r="http://schemas.openxmlformats.org/officeDocument/2006/relationships" xmlns:p="http://schemas.openxmlformats.org/presentationml/2006/main" type="twoObj" preserve="1">
   <p:cSld name="Title, 2 Content">
     <p:spTree>
       <p:nvGrpSpPr>
@@ -2085,10 +2289,11 @@
           </a:prstGeom>
         </p:spPr>
         <p:txBody>
-          <a:bodyPr lIns="0" rIns="0" tIns="0" bIns="0" anchor="ctr"/>
+          <a:bodyPr lIns="0" tIns="0" rIns="0" bIns="0" anchor="ctr"/>
+          <a:lstStyle/>
           <a:p>
             <a:pPr algn="ctr"/>
-            <a:endParaRPr b="0" lang="it-IT" sz="4400" spc="-1" strike="noStrike">
+            <a:endParaRPr lang="it-IT" sz="4400" b="0" strike="noStrike" spc="-1">
               <a:latin typeface="Arial"/>
             </a:endParaRPr>
           </a:p>
@@ -2114,11 +2319,12 @@
           </a:prstGeom>
         </p:spPr>
         <p:txBody>
-          <a:bodyPr lIns="0" rIns="0" tIns="0" bIns="0">
+          <a:bodyPr lIns="0" tIns="0" rIns="0" bIns="0">
             <a:normAutofit/>
           </a:bodyPr>
-          <a:p>
-            <a:endParaRPr b="0" lang="it-IT" sz="3200" spc="-1" strike="noStrike">
+          <a:lstStyle/>
+          <a:p>
+            <a:endParaRPr lang="it-IT" sz="3200" b="0" strike="noStrike" spc="-1">
               <a:latin typeface="Arial"/>
             </a:endParaRPr>
           </a:p>
@@ -2144,11 +2350,12 @@
           </a:prstGeom>
         </p:spPr>
         <p:txBody>
-          <a:bodyPr lIns="0" rIns="0" tIns="0" bIns="0">
+          <a:bodyPr lIns="0" tIns="0" rIns="0" bIns="0">
             <a:normAutofit/>
           </a:bodyPr>
-          <a:p>
-            <a:endParaRPr b="0" lang="it-IT" sz="3200" spc="-1" strike="noStrike">
+          <a:lstStyle/>
+          <a:p>
+            <a:endParaRPr lang="it-IT" sz="3200" b="0" strike="noStrike" spc="-1">
               <a:latin typeface="Arial"/>
             </a:endParaRPr>
           </a:p>
@@ -2156,11 +2363,14 @@
       </p:sp>
     </p:spTree>
   </p:cSld>
+  <p:clrMapOvr>
+    <a:masterClrMapping/>
+  </p:clrMapOvr>
 </p:sldLayout>
 </file>
 
 <file path=ppt/slideLayouts/slideLayout5.xml><?xml version="1.0" encoding="utf-8"?>
-<p:sldLayout xmlns:a="http://schemas.openxmlformats.org/drawingml/2006/main" xmlns:p="http://schemas.openxmlformats.org/presentationml/2006/main" xmlns:r="http://schemas.openxmlformats.org/officeDocument/2006/relationships" xmlns:p14="http://schemas.microsoft.com/office/powerpoint/2010/main" xmlns:p15="http://schemas.microsoft.com/office/powerpoint/2012/main" xmlns:mc="http://schemas.openxmlformats.org/markup-compatibility/2006" type="titleOnly" preserve="1">
+<p:sldLayout xmlns:a="http://schemas.openxmlformats.org/drawingml/2006/main" xmlns:r="http://schemas.openxmlformats.org/officeDocument/2006/relationships" xmlns:p="http://schemas.openxmlformats.org/presentationml/2006/main" type="titleOnly" preserve="1">
   <p:cSld name="Title Only">
     <p:spTree>
       <p:nvGrpSpPr>
@@ -2196,10 +2406,11 @@
           </a:prstGeom>
         </p:spPr>
         <p:txBody>
-          <a:bodyPr lIns="0" rIns="0" tIns="0" bIns="0" anchor="ctr"/>
+          <a:bodyPr lIns="0" tIns="0" rIns="0" bIns="0" anchor="ctr"/>
+          <a:lstStyle/>
           <a:p>
             <a:pPr algn="ctr"/>
-            <a:endParaRPr b="0" lang="it-IT" sz="4400" spc="-1" strike="noStrike">
+            <a:endParaRPr lang="it-IT" sz="4400" b="0" strike="noStrike" spc="-1">
               <a:latin typeface="Arial"/>
             </a:endParaRPr>
           </a:p>
@@ -2207,11 +2418,14 @@
       </p:sp>
     </p:spTree>
   </p:cSld>
+  <p:clrMapOvr>
+    <a:masterClrMapping/>
+  </p:clrMapOvr>
 </p:sldLayout>
 </file>
 
 <file path=ppt/slideLayouts/slideLayout6.xml><?xml version="1.0" encoding="utf-8"?>
-<p:sldLayout xmlns:a="http://schemas.openxmlformats.org/drawingml/2006/main" xmlns:p="http://schemas.openxmlformats.org/presentationml/2006/main" xmlns:r="http://schemas.openxmlformats.org/officeDocument/2006/relationships" xmlns:p14="http://schemas.microsoft.com/office/powerpoint/2010/main" xmlns:p15="http://schemas.microsoft.com/office/powerpoint/2012/main" xmlns:mc="http://schemas.openxmlformats.org/markup-compatibility/2006" type="objOnly" preserve="1">
+<p:sldLayout xmlns:a="http://schemas.openxmlformats.org/drawingml/2006/main" xmlns:r="http://schemas.openxmlformats.org/officeDocument/2006/relationships" xmlns:p="http://schemas.openxmlformats.org/presentationml/2006/main" type="objOnly" preserve="1">
   <p:cSld name="Centered Text">
     <p:spTree>
       <p:nvGrpSpPr>
@@ -2247,10 +2461,11 @@
           </a:prstGeom>
         </p:spPr>
         <p:txBody>
-          <a:bodyPr lIns="0" rIns="0" tIns="0" bIns="0" anchor="ctr"/>
+          <a:bodyPr lIns="0" tIns="0" rIns="0" bIns="0" anchor="ctr"/>
+          <a:lstStyle/>
           <a:p>
             <a:pPr algn="ctr"/>
-            <a:endParaRPr b="0" lang="it-IT" sz="3200" spc="-1" strike="noStrike">
+            <a:endParaRPr lang="it-IT" sz="3200" b="0" strike="noStrike" spc="-1">
               <a:latin typeface="Arial"/>
             </a:endParaRPr>
           </a:p>
@@ -2258,11 +2473,14 @@
       </p:sp>
     </p:spTree>
   </p:cSld>
+  <p:clrMapOvr>
+    <a:masterClrMapping/>
+  </p:clrMapOvr>
 </p:sldLayout>
 </file>
 
 <file path=ppt/slideLayouts/slideLayout7.xml><?xml version="1.0" encoding="utf-8"?>
-<p:sldLayout xmlns:a="http://schemas.openxmlformats.org/drawingml/2006/main" xmlns:p="http://schemas.openxmlformats.org/presentationml/2006/main" xmlns:r="http://schemas.openxmlformats.org/officeDocument/2006/relationships" xmlns:p14="http://schemas.microsoft.com/office/powerpoint/2010/main" xmlns:p15="http://schemas.microsoft.com/office/powerpoint/2012/main" xmlns:mc="http://schemas.openxmlformats.org/markup-compatibility/2006" type="twoObjAndObj" preserve="1">
+<p:sldLayout xmlns:a="http://schemas.openxmlformats.org/drawingml/2006/main" xmlns:r="http://schemas.openxmlformats.org/officeDocument/2006/relationships" xmlns:p="http://schemas.openxmlformats.org/presentationml/2006/main" type="twoObjAndObj" preserve="1">
   <p:cSld name="Title, 2 Content and Content">
     <p:spTree>
       <p:nvGrpSpPr>
@@ -2298,10 +2516,11 @@
           </a:prstGeom>
         </p:spPr>
         <p:txBody>
-          <a:bodyPr lIns="0" rIns="0" tIns="0" bIns="0" anchor="ctr"/>
+          <a:bodyPr lIns="0" tIns="0" rIns="0" bIns="0" anchor="ctr"/>
+          <a:lstStyle/>
           <a:p>
             <a:pPr algn="ctr"/>
-            <a:endParaRPr b="0" lang="it-IT" sz="4400" spc="-1" strike="noStrike">
+            <a:endParaRPr lang="it-IT" sz="4400" b="0" strike="noStrike" spc="-1">
               <a:latin typeface="Arial"/>
             </a:endParaRPr>
           </a:p>
@@ -2327,11 +2546,12 @@
           </a:prstGeom>
         </p:spPr>
         <p:txBody>
-          <a:bodyPr lIns="0" rIns="0" tIns="0" bIns="0">
+          <a:bodyPr lIns="0" tIns="0" rIns="0" bIns="0">
             <a:normAutofit/>
           </a:bodyPr>
-          <a:p>
-            <a:endParaRPr b="0" lang="it-IT" sz="3200" spc="-1" strike="noStrike">
+          <a:lstStyle/>
+          <a:p>
+            <a:endParaRPr lang="it-IT" sz="3200" b="0" strike="noStrike" spc="-1">
               <a:latin typeface="Arial"/>
             </a:endParaRPr>
           </a:p>
@@ -2357,11 +2577,12 @@
           </a:prstGeom>
         </p:spPr>
         <p:txBody>
-          <a:bodyPr lIns="0" rIns="0" tIns="0" bIns="0">
+          <a:bodyPr lIns="0" tIns="0" rIns="0" bIns="0">
             <a:normAutofit/>
           </a:bodyPr>
-          <a:p>
-            <a:endParaRPr b="0" lang="it-IT" sz="3200" spc="-1" strike="noStrike">
+          <a:lstStyle/>
+          <a:p>
+            <a:endParaRPr lang="it-IT" sz="3200" b="0" strike="noStrike" spc="-1">
               <a:latin typeface="Arial"/>
             </a:endParaRPr>
           </a:p>
@@ -2387,11 +2608,12 @@
           </a:prstGeom>
         </p:spPr>
         <p:txBody>
-          <a:bodyPr lIns="0" rIns="0" tIns="0" bIns="0">
+          <a:bodyPr lIns="0" tIns="0" rIns="0" bIns="0">
             <a:normAutofit/>
           </a:bodyPr>
-          <a:p>
-            <a:endParaRPr b="0" lang="it-IT" sz="3200" spc="-1" strike="noStrike">
+          <a:lstStyle/>
+          <a:p>
+            <a:endParaRPr lang="it-IT" sz="3200" b="0" strike="noStrike" spc="-1">
               <a:latin typeface="Arial"/>
             </a:endParaRPr>
           </a:p>
@@ -2399,11 +2621,14 @@
       </p:sp>
     </p:spTree>
   </p:cSld>
+  <p:clrMapOvr>
+    <a:masterClrMapping/>
+  </p:clrMapOvr>
 </p:sldLayout>
 </file>
 
 <file path=ppt/slideLayouts/slideLayout8.xml><?xml version="1.0" encoding="utf-8"?>
-<p:sldLayout xmlns:a="http://schemas.openxmlformats.org/drawingml/2006/main" xmlns:p="http://schemas.openxmlformats.org/presentationml/2006/main" xmlns:r="http://schemas.openxmlformats.org/officeDocument/2006/relationships" xmlns:p14="http://schemas.microsoft.com/office/powerpoint/2010/main" xmlns:p15="http://schemas.microsoft.com/office/powerpoint/2012/main" xmlns:mc="http://schemas.openxmlformats.org/markup-compatibility/2006" type="objAndTwoObj" preserve="1">
+<p:sldLayout xmlns:a="http://schemas.openxmlformats.org/drawingml/2006/main" xmlns:r="http://schemas.openxmlformats.org/officeDocument/2006/relationships" xmlns:p="http://schemas.openxmlformats.org/presentationml/2006/main" type="objAndTwoObj" preserve="1">
   <p:cSld name="Title Content and 2 Content">
     <p:spTree>
       <p:nvGrpSpPr>
@@ -2439,10 +2664,11 @@
           </a:prstGeom>
         </p:spPr>
         <p:txBody>
-          <a:bodyPr lIns="0" rIns="0" tIns="0" bIns="0" anchor="ctr"/>
+          <a:bodyPr lIns="0" tIns="0" rIns="0" bIns="0" anchor="ctr"/>
+          <a:lstStyle/>
           <a:p>
             <a:pPr algn="ctr"/>
-            <a:endParaRPr b="0" lang="it-IT" sz="4400" spc="-1" strike="noStrike">
+            <a:endParaRPr lang="it-IT" sz="4400" b="0" strike="noStrike" spc="-1">
               <a:latin typeface="Arial"/>
             </a:endParaRPr>
           </a:p>
@@ -2468,11 +2694,12 @@
           </a:prstGeom>
         </p:spPr>
         <p:txBody>
-          <a:bodyPr lIns="0" rIns="0" tIns="0" bIns="0">
+          <a:bodyPr lIns="0" tIns="0" rIns="0" bIns="0">
             <a:normAutofit/>
           </a:bodyPr>
-          <a:p>
-            <a:endParaRPr b="0" lang="it-IT" sz="3200" spc="-1" strike="noStrike">
+          <a:lstStyle/>
+          <a:p>
+            <a:endParaRPr lang="it-IT" sz="3200" b="0" strike="noStrike" spc="-1">
               <a:latin typeface="Arial"/>
             </a:endParaRPr>
           </a:p>
@@ -2498,11 +2725,12 @@
           </a:prstGeom>
         </p:spPr>
         <p:txBody>
-          <a:bodyPr lIns="0" rIns="0" tIns="0" bIns="0">
+          <a:bodyPr lIns="0" tIns="0" rIns="0" bIns="0">
             <a:normAutofit/>
           </a:bodyPr>
-          <a:p>
-            <a:endParaRPr b="0" lang="it-IT" sz="3200" spc="-1" strike="noStrike">
+          <a:lstStyle/>
+          <a:p>
+            <a:endParaRPr lang="it-IT" sz="3200" b="0" strike="noStrike" spc="-1">
               <a:latin typeface="Arial"/>
             </a:endParaRPr>
           </a:p>
@@ -2528,11 +2756,12 @@
           </a:prstGeom>
         </p:spPr>
         <p:txBody>
-          <a:bodyPr lIns="0" rIns="0" tIns="0" bIns="0">
+          <a:bodyPr lIns="0" tIns="0" rIns="0" bIns="0">
             <a:normAutofit/>
           </a:bodyPr>
-          <a:p>
-            <a:endParaRPr b="0" lang="it-IT" sz="3200" spc="-1" strike="noStrike">
+          <a:lstStyle/>
+          <a:p>
+            <a:endParaRPr lang="it-IT" sz="3200" b="0" strike="noStrike" spc="-1">
               <a:latin typeface="Arial"/>
             </a:endParaRPr>
           </a:p>
@@ -2540,11 +2769,14 @@
       </p:sp>
     </p:spTree>
   </p:cSld>
+  <p:clrMapOvr>
+    <a:masterClrMapping/>
+  </p:clrMapOvr>
 </p:sldLayout>
 </file>
 
 <file path=ppt/slideLayouts/slideLayout9.xml><?xml version="1.0" encoding="utf-8"?>
-<p:sldLayout xmlns:a="http://schemas.openxmlformats.org/drawingml/2006/main" xmlns:p="http://schemas.openxmlformats.org/presentationml/2006/main" xmlns:r="http://schemas.openxmlformats.org/officeDocument/2006/relationships" xmlns:p14="http://schemas.microsoft.com/office/powerpoint/2010/main" xmlns:p15="http://schemas.microsoft.com/office/powerpoint/2012/main" xmlns:mc="http://schemas.openxmlformats.org/markup-compatibility/2006" type="twoObjOverTx" preserve="1">
+<p:sldLayout xmlns:a="http://schemas.openxmlformats.org/drawingml/2006/main" xmlns:r="http://schemas.openxmlformats.org/officeDocument/2006/relationships" xmlns:p="http://schemas.openxmlformats.org/presentationml/2006/main" type="twoObjOverTx" preserve="1">
   <p:cSld name="Title, 2 Content over Content">
     <p:spTree>
       <p:nvGrpSpPr>
@@ -2580,10 +2812,11 @@
           </a:prstGeom>
         </p:spPr>
         <p:txBody>
-          <a:bodyPr lIns="0" rIns="0" tIns="0" bIns="0" anchor="ctr"/>
+          <a:bodyPr lIns="0" tIns="0" rIns="0" bIns="0" anchor="ctr"/>
+          <a:lstStyle/>
           <a:p>
             <a:pPr algn="ctr"/>
-            <a:endParaRPr b="0" lang="it-IT" sz="4400" spc="-1" strike="noStrike">
+            <a:endParaRPr lang="it-IT" sz="4400" b="0" strike="noStrike" spc="-1">
               <a:latin typeface="Arial"/>
             </a:endParaRPr>
           </a:p>
@@ -2609,11 +2842,12 @@
           </a:prstGeom>
         </p:spPr>
         <p:txBody>
-          <a:bodyPr lIns="0" rIns="0" tIns="0" bIns="0">
+          <a:bodyPr lIns="0" tIns="0" rIns="0" bIns="0">
             <a:normAutofit/>
           </a:bodyPr>
-          <a:p>
-            <a:endParaRPr b="0" lang="it-IT" sz="3200" spc="-1" strike="noStrike">
+          <a:lstStyle/>
+          <a:p>
+            <a:endParaRPr lang="it-IT" sz="3200" b="0" strike="noStrike" spc="-1">
               <a:latin typeface="Arial"/>
             </a:endParaRPr>
           </a:p>
@@ -2639,11 +2873,12 @@
           </a:prstGeom>
         </p:spPr>
         <p:txBody>
-          <a:bodyPr lIns="0" rIns="0" tIns="0" bIns="0">
+          <a:bodyPr lIns="0" tIns="0" rIns="0" bIns="0">
             <a:normAutofit/>
           </a:bodyPr>
-          <a:p>
-            <a:endParaRPr b="0" lang="it-IT" sz="3200" spc="-1" strike="noStrike">
+          <a:lstStyle/>
+          <a:p>
+            <a:endParaRPr lang="it-IT" sz="3200" b="0" strike="noStrike" spc="-1">
               <a:latin typeface="Arial"/>
             </a:endParaRPr>
           </a:p>
@@ -2669,11 +2904,12 @@
           </a:prstGeom>
         </p:spPr>
         <p:txBody>
-          <a:bodyPr lIns="0" rIns="0" tIns="0" bIns="0">
+          <a:bodyPr lIns="0" tIns="0" rIns="0" bIns="0">
             <a:normAutofit/>
           </a:bodyPr>
-          <a:p>
-            <a:endParaRPr b="0" lang="it-IT" sz="3200" spc="-1" strike="noStrike">
+          <a:lstStyle/>
+          <a:p>
+            <a:endParaRPr lang="it-IT" sz="3200" b="0" strike="noStrike" spc="-1">
               <a:latin typeface="Arial"/>
             </a:endParaRPr>
           </a:p>
@@ -2681,17 +2917,21 @@
       </p:sp>
     </p:spTree>
   </p:cSld>
+  <p:clrMapOvr>
+    <a:masterClrMapping/>
+  </p:clrMapOvr>
 </p:sldLayout>
 </file>
 
 <file path=ppt/slideMasters/slideMaster1.xml><?xml version="1.0" encoding="utf-8"?>
-<p:sldMaster xmlns:a="http://schemas.openxmlformats.org/drawingml/2006/main" xmlns:p="http://schemas.openxmlformats.org/presentationml/2006/main" xmlns:r="http://schemas.openxmlformats.org/officeDocument/2006/relationships" xmlns:p14="http://schemas.microsoft.com/office/powerpoint/2010/main" xmlns:p15="http://schemas.microsoft.com/office/powerpoint/2012/main" xmlns:mc="http://schemas.openxmlformats.org/markup-compatibility/2006">
+<p:sldMaster xmlns:a="http://schemas.openxmlformats.org/drawingml/2006/main" xmlns:r="http://schemas.openxmlformats.org/officeDocument/2006/relationships" xmlns:p="http://schemas.openxmlformats.org/presentationml/2006/main">
   <p:cSld>
     <p:bg>
       <p:bgPr>
         <a:solidFill>
-          <a:srgbClr val="ffffff"/>
+          <a:srgbClr val="FFFFFF"/>
         </a:solidFill>
+        <a:effectLst/>
       </p:bgPr>
     </p:bg>
     <p:spTree>
@@ -2710,12 +2950,12 @@
       </p:grpSpPr>
       <p:pic>
         <p:nvPicPr>
-          <p:cNvPr id="0" name="Immagine 8" descr=""/>
+          <p:cNvPr id="5" name="Immagine 8"/>
           <p:cNvPicPr/>
           <p:nvPr/>
         </p:nvPicPr>
         <p:blipFill>
-          <a:blip r:embed="rId2"/>
+          <a:blip r:embed="rId14"/>
           <a:stretch/>
         </p:blipFill>
         <p:spPr>
@@ -2733,12 +2973,12 @@
       </p:pic>
       <p:pic>
         <p:nvPicPr>
-          <p:cNvPr id="1" name="Immagine 9" descr=""/>
+          <p:cNvPr id="6" name="Immagine 9"/>
           <p:cNvPicPr/>
           <p:nvPr/>
         </p:nvPicPr>
         <p:blipFill>
-          <a:blip r:embed="rId3"/>
+          <a:blip r:embed="rId15"/>
           <a:stretch/>
         </p:blipFill>
         <p:spPr>
@@ -2756,12 +2996,12 @@
       </p:pic>
       <p:pic>
         <p:nvPicPr>
-          <p:cNvPr id="2" name="Immagine 11" descr=""/>
+          <p:cNvPr id="2" name="Immagine 11"/>
           <p:cNvPicPr/>
           <p:nvPr/>
         </p:nvPicPr>
         <p:blipFill>
-          <a:blip r:embed="rId4"/>
+          <a:blip r:embed="rId16"/>
           <a:stretch/>
         </p:blipFill>
         <p:spPr>
@@ -2797,18 +3037,16 @@
           </a:prstGeom>
         </p:spPr>
         <p:txBody>
-          <a:bodyPr lIns="0" rIns="0" tIns="0" bIns="0" anchor="ctr"/>
+          <a:bodyPr lIns="0" tIns="0" rIns="0" bIns="0" anchor="ctr"/>
+          <a:lstStyle/>
           <a:p>
             <a:pPr algn="ctr"/>
             <a:r>
-              <a:rPr b="0" lang="it-IT" sz="4400" spc="-1" strike="noStrike">
+              <a:rPr lang="it-IT" sz="4400" b="0" strike="noStrike" spc="-1">
                 <a:latin typeface="Arial"/>
               </a:rPr>
               <a:t>Click to edit the title text format</a:t>
             </a:r>
-            <a:endParaRPr b="0" lang="it-IT" sz="4400" spc="-1" strike="noStrike">
-              <a:latin typeface="Arial"/>
-            </a:endParaRPr>
           </a:p>
         </p:txBody>
       </p:sp>
@@ -2832,9 +3070,10 @@
           </a:prstGeom>
         </p:spPr>
         <p:txBody>
-          <a:bodyPr lIns="0" rIns="0" tIns="0" bIns="0">
+          <a:bodyPr lIns="0" tIns="0" rIns="0" bIns="0">
             <a:normAutofit/>
           </a:bodyPr>
+          <a:lstStyle/>
           <a:p>
             <a:pPr marL="432000" indent="-324000">
               <a:spcBef>
@@ -2848,17 +3087,14 @@
               <a:buChar char=""/>
             </a:pPr>
             <a:r>
-              <a:rPr b="0" lang="it-IT" sz="3200" spc="-1" strike="noStrike">
+              <a:rPr lang="it-IT" sz="3200" b="0" strike="noStrike" spc="-1">
                 <a:latin typeface="Arial"/>
               </a:rPr>
               <a:t>Click to edit the outline text format</a:t>
             </a:r>
-            <a:endParaRPr b="0" lang="it-IT" sz="3200" spc="-1" strike="noStrike">
-              <a:latin typeface="Arial"/>
-            </a:endParaRPr>
-          </a:p>
-          <a:p>
-            <a:pPr lvl="1" marL="864000" indent="-324000">
+          </a:p>
+          <a:p>
+            <a:pPr marL="864000" lvl="1" indent="-324000">
               <a:spcBef>
                 <a:spcPts val="1134"/>
               </a:spcBef>
@@ -2870,17 +3106,14 @@
               <a:buChar char=""/>
             </a:pPr>
             <a:r>
-              <a:rPr b="0" lang="it-IT" sz="2800" spc="-1" strike="noStrike">
+              <a:rPr lang="it-IT" sz="2800" b="0" strike="noStrike" spc="-1">
                 <a:latin typeface="Arial"/>
               </a:rPr>
               <a:t>Second Outline Level</a:t>
             </a:r>
-            <a:endParaRPr b="0" lang="it-IT" sz="2800" spc="-1" strike="noStrike">
-              <a:latin typeface="Arial"/>
-            </a:endParaRPr>
-          </a:p>
-          <a:p>
-            <a:pPr lvl="2" marL="1296000" indent="-288000">
+          </a:p>
+          <a:p>
+            <a:pPr marL="1296000" lvl="2" indent="-288000">
               <a:spcBef>
                 <a:spcPts val="850"/>
               </a:spcBef>
@@ -2892,17 +3125,14 @@
               <a:buChar char=""/>
             </a:pPr>
             <a:r>
-              <a:rPr b="0" lang="it-IT" sz="2400" spc="-1" strike="noStrike">
+              <a:rPr lang="it-IT" sz="2400" b="0" strike="noStrike" spc="-1">
                 <a:latin typeface="Arial"/>
               </a:rPr>
               <a:t>Third Outline Level</a:t>
             </a:r>
-            <a:endParaRPr b="0" lang="it-IT" sz="2400" spc="-1" strike="noStrike">
-              <a:latin typeface="Arial"/>
-            </a:endParaRPr>
-          </a:p>
-          <a:p>
-            <a:pPr lvl="3" marL="1728000" indent="-216000">
+          </a:p>
+          <a:p>
+            <a:pPr marL="1728000" lvl="3" indent="-216000">
               <a:spcBef>
                 <a:spcPts val="567"/>
               </a:spcBef>
@@ -2914,17 +3144,14 @@
               <a:buChar char=""/>
             </a:pPr>
             <a:r>
-              <a:rPr b="0" lang="it-IT" sz="2000" spc="-1" strike="noStrike">
+              <a:rPr lang="it-IT" sz="2000" b="0" strike="noStrike" spc="-1">
                 <a:latin typeface="Arial"/>
               </a:rPr>
               <a:t>Fourth Outline Level</a:t>
             </a:r>
-            <a:endParaRPr b="0" lang="it-IT" sz="2000" spc="-1" strike="noStrike">
-              <a:latin typeface="Arial"/>
-            </a:endParaRPr>
-          </a:p>
-          <a:p>
-            <a:pPr lvl="4" marL="2160000" indent="-216000">
+          </a:p>
+          <a:p>
+            <a:pPr marL="2160000" lvl="4" indent="-216000">
               <a:spcBef>
                 <a:spcPts val="283"/>
               </a:spcBef>
@@ -2936,17 +3163,14 @@
               <a:buChar char=""/>
             </a:pPr>
             <a:r>
-              <a:rPr b="0" lang="it-IT" sz="2000" spc="-1" strike="noStrike">
+              <a:rPr lang="it-IT" sz="2000" b="0" strike="noStrike" spc="-1">
                 <a:latin typeface="Arial"/>
               </a:rPr>
               <a:t>Fifth Outline Level</a:t>
             </a:r>
-            <a:endParaRPr b="0" lang="it-IT" sz="2000" spc="-1" strike="noStrike">
-              <a:latin typeface="Arial"/>
-            </a:endParaRPr>
-          </a:p>
-          <a:p>
-            <a:pPr lvl="5" marL="2592000" indent="-216000">
+          </a:p>
+          <a:p>
+            <a:pPr marL="2592000" lvl="5" indent="-216000">
               <a:spcBef>
                 <a:spcPts val="283"/>
               </a:spcBef>
@@ -2958,17 +3182,14 @@
               <a:buChar char=""/>
             </a:pPr>
             <a:r>
-              <a:rPr b="0" lang="it-IT" sz="2000" spc="-1" strike="noStrike">
+              <a:rPr lang="it-IT" sz="2000" b="0" strike="noStrike" spc="-1">
                 <a:latin typeface="Arial"/>
               </a:rPr>
               <a:t>Sixth Outline Level</a:t>
             </a:r>
-            <a:endParaRPr b="0" lang="it-IT" sz="2000" spc="-1" strike="noStrike">
-              <a:latin typeface="Arial"/>
-            </a:endParaRPr>
-          </a:p>
-          <a:p>
-            <a:pPr lvl="6" marL="3024000" indent="-216000">
+          </a:p>
+          <a:p>
+            <a:pPr marL="3024000" lvl="6" indent="-216000">
               <a:spcBef>
                 <a:spcPts val="283"/>
               </a:spcBef>
@@ -2980,45 +3201,323 @@
               <a:buChar char=""/>
             </a:pPr>
             <a:r>
-              <a:rPr b="0" lang="it-IT" sz="2000" spc="-1" strike="noStrike">
+              <a:rPr lang="it-IT" sz="2000" b="0" strike="noStrike" spc="-1">
                 <a:latin typeface="Arial"/>
               </a:rPr>
               <a:t>Seventh Outline Level</a:t>
             </a:r>
-            <a:endParaRPr b="0" lang="it-IT" sz="2000" spc="-1" strike="noStrike">
-              <a:latin typeface="Arial"/>
-            </a:endParaRPr>
           </a:p>
         </p:txBody>
       </p:sp>
     </p:spTree>
   </p:cSld>
-  <p:clrMap bg1="lt1" bg2="lt2" tx1="dk1" tx2="dk2" accent1="accent1" accent2="accent2" accent3="accent3" accent4="accent4" accent5="accent5" accent6="accent6" hlink="hlink" folHlink="folHlink"/>
+  <p:clrMap bg1="lt1" tx1="dk1" bg2="lt2" tx2="dk2" accent1="accent1" accent2="accent2" accent3="accent3" accent4="accent4" accent5="accent5" accent6="accent6" hlink="hlink" folHlink="folHlink"/>
   <p:sldLayoutIdLst>
-    <p:sldLayoutId id="2147483649" r:id="rId5"/>
-    <p:sldLayoutId id="2147483650" r:id="rId6"/>
-    <p:sldLayoutId id="2147483651" r:id="rId7"/>
-    <p:sldLayoutId id="2147483652" r:id="rId8"/>
-    <p:sldLayoutId id="2147483653" r:id="rId9"/>
-    <p:sldLayoutId id="2147483654" r:id="rId10"/>
-    <p:sldLayoutId id="2147483655" r:id="rId11"/>
-    <p:sldLayoutId id="2147483656" r:id="rId12"/>
-    <p:sldLayoutId id="2147483657" r:id="rId13"/>
-    <p:sldLayoutId id="2147483658" r:id="rId14"/>
-    <p:sldLayoutId id="2147483659" r:id="rId15"/>
-    <p:sldLayoutId id="2147483660" r:id="rId16"/>
+    <p:sldLayoutId id="2147483649" r:id="rId1"/>
+    <p:sldLayoutId id="2147483650" r:id="rId2"/>
+    <p:sldLayoutId id="2147483651" r:id="rId3"/>
+    <p:sldLayoutId id="2147483652" r:id="rId4"/>
+    <p:sldLayoutId id="2147483653" r:id="rId5"/>
+    <p:sldLayoutId id="2147483654" r:id="rId6"/>
+    <p:sldLayoutId id="2147483655" r:id="rId7"/>
+    <p:sldLayoutId id="2147483656" r:id="rId8"/>
+    <p:sldLayoutId id="2147483657" r:id="rId9"/>
+    <p:sldLayoutId id="2147483658" r:id="rId10"/>
+    <p:sldLayoutId id="2147483659" r:id="rId11"/>
+    <p:sldLayoutId id="2147483660" r:id="rId12"/>
   </p:sldLayoutIdLst>
+  <p:txStyles>
+    <p:titleStyle>
+      <a:lvl1pPr algn="l" defTabSz="914400" rtl="0" eaLnBrk="1" latinLnBrk="0" hangingPunct="1">
+        <a:lnSpc>
+          <a:spcPct val="90000"/>
+        </a:lnSpc>
+        <a:spcBef>
+          <a:spcPct val="0"/>
+        </a:spcBef>
+        <a:buNone/>
+        <a:defRPr sz="4400" kern="1200">
+          <a:solidFill>
+            <a:schemeClr val="tx1"/>
+          </a:solidFill>
+          <a:latin typeface="+mj-lt"/>
+          <a:ea typeface="+mj-ea"/>
+          <a:cs typeface="+mj-cs"/>
+        </a:defRPr>
+      </a:lvl1pPr>
+    </p:titleStyle>
+    <p:bodyStyle>
+      <a:lvl1pPr marL="228600" indent="-228600" algn="l" defTabSz="914400" rtl="0" eaLnBrk="1" latinLnBrk="0" hangingPunct="1">
+        <a:lnSpc>
+          <a:spcPct val="90000"/>
+        </a:lnSpc>
+        <a:spcBef>
+          <a:spcPts val="1000"/>
+        </a:spcBef>
+        <a:buFont typeface="Arial" panose="020B0604020202020204" pitchFamily="34" charset="0"/>
+        <a:buChar char="•"/>
+        <a:defRPr sz="2800" kern="1200">
+          <a:solidFill>
+            <a:schemeClr val="tx1"/>
+          </a:solidFill>
+          <a:latin typeface="+mn-lt"/>
+          <a:ea typeface="+mn-ea"/>
+          <a:cs typeface="+mn-cs"/>
+        </a:defRPr>
+      </a:lvl1pPr>
+      <a:lvl2pPr marL="685800" indent="-228600" algn="l" defTabSz="914400" rtl="0" eaLnBrk="1" latinLnBrk="0" hangingPunct="1">
+        <a:lnSpc>
+          <a:spcPct val="90000"/>
+        </a:lnSpc>
+        <a:spcBef>
+          <a:spcPts val="500"/>
+        </a:spcBef>
+        <a:buFont typeface="Arial" panose="020B0604020202020204" pitchFamily="34" charset="0"/>
+        <a:buChar char="•"/>
+        <a:defRPr sz="2400" kern="1200">
+          <a:solidFill>
+            <a:schemeClr val="tx1"/>
+          </a:solidFill>
+          <a:latin typeface="+mn-lt"/>
+          <a:ea typeface="+mn-ea"/>
+          <a:cs typeface="+mn-cs"/>
+        </a:defRPr>
+      </a:lvl2pPr>
+      <a:lvl3pPr marL="1143000" indent="-228600" algn="l" defTabSz="914400" rtl="0" eaLnBrk="1" latinLnBrk="0" hangingPunct="1">
+        <a:lnSpc>
+          <a:spcPct val="90000"/>
+        </a:lnSpc>
+        <a:spcBef>
+          <a:spcPts val="500"/>
+        </a:spcBef>
+        <a:buFont typeface="Arial" panose="020B0604020202020204" pitchFamily="34" charset="0"/>
+        <a:buChar char="•"/>
+        <a:defRPr sz="2000" kern="1200">
+          <a:solidFill>
+            <a:schemeClr val="tx1"/>
+          </a:solidFill>
+          <a:latin typeface="+mn-lt"/>
+          <a:ea typeface="+mn-ea"/>
+          <a:cs typeface="+mn-cs"/>
+        </a:defRPr>
+      </a:lvl3pPr>
+      <a:lvl4pPr marL="1600200" indent="-228600" algn="l" defTabSz="914400" rtl="0" eaLnBrk="1" latinLnBrk="0" hangingPunct="1">
+        <a:lnSpc>
+          <a:spcPct val="90000"/>
+        </a:lnSpc>
+        <a:spcBef>
+          <a:spcPts val="500"/>
+        </a:spcBef>
+        <a:buFont typeface="Arial" panose="020B0604020202020204" pitchFamily="34" charset="0"/>
+        <a:buChar char="•"/>
+        <a:defRPr sz="1800" kern="1200">
+          <a:solidFill>
+            <a:schemeClr val="tx1"/>
+          </a:solidFill>
+          <a:latin typeface="+mn-lt"/>
+          <a:ea typeface="+mn-ea"/>
+          <a:cs typeface="+mn-cs"/>
+        </a:defRPr>
+      </a:lvl4pPr>
+      <a:lvl5pPr marL="2057400" indent="-228600" algn="l" defTabSz="914400" rtl="0" eaLnBrk="1" latinLnBrk="0" hangingPunct="1">
+        <a:lnSpc>
+          <a:spcPct val="90000"/>
+        </a:lnSpc>
+        <a:spcBef>
+          <a:spcPts val="500"/>
+        </a:spcBef>
+        <a:buFont typeface="Arial" panose="020B0604020202020204" pitchFamily="34" charset="0"/>
+        <a:buChar char="•"/>
+        <a:defRPr sz="1800" kern="1200">
+          <a:solidFill>
+            <a:schemeClr val="tx1"/>
+          </a:solidFill>
+          <a:latin typeface="+mn-lt"/>
+          <a:ea typeface="+mn-ea"/>
+          <a:cs typeface="+mn-cs"/>
+        </a:defRPr>
+      </a:lvl5pPr>
+      <a:lvl6pPr marL="2514600" indent="-228600" algn="l" defTabSz="914400" rtl="0" eaLnBrk="1" latinLnBrk="0" hangingPunct="1">
+        <a:lnSpc>
+          <a:spcPct val="90000"/>
+        </a:lnSpc>
+        <a:spcBef>
+          <a:spcPts val="500"/>
+        </a:spcBef>
+        <a:buFont typeface="Arial" panose="020B0604020202020204" pitchFamily="34" charset="0"/>
+        <a:buChar char="•"/>
+        <a:defRPr sz="1800" kern="1200">
+          <a:solidFill>
+            <a:schemeClr val="tx1"/>
+          </a:solidFill>
+          <a:latin typeface="+mn-lt"/>
+          <a:ea typeface="+mn-ea"/>
+          <a:cs typeface="+mn-cs"/>
+        </a:defRPr>
+      </a:lvl6pPr>
+      <a:lvl7pPr marL="2971800" indent="-228600" algn="l" defTabSz="914400" rtl="0" eaLnBrk="1" latinLnBrk="0" hangingPunct="1">
+        <a:lnSpc>
+          <a:spcPct val="90000"/>
+        </a:lnSpc>
+        <a:spcBef>
+          <a:spcPts val="500"/>
+        </a:spcBef>
+        <a:buFont typeface="Arial" panose="020B0604020202020204" pitchFamily="34" charset="0"/>
+        <a:buChar char="•"/>
+        <a:defRPr sz="1800" kern="1200">
+          <a:solidFill>
+            <a:schemeClr val="tx1"/>
+          </a:solidFill>
+          <a:latin typeface="+mn-lt"/>
+          <a:ea typeface="+mn-ea"/>
+          <a:cs typeface="+mn-cs"/>
+        </a:defRPr>
+      </a:lvl7pPr>
+      <a:lvl8pPr marL="3429000" indent="-228600" algn="l" defTabSz="914400" rtl="0" eaLnBrk="1" latinLnBrk="0" hangingPunct="1">
+        <a:lnSpc>
+          <a:spcPct val="90000"/>
+        </a:lnSpc>
+        <a:spcBef>
+          <a:spcPts val="500"/>
+        </a:spcBef>
+        <a:buFont typeface="Arial" panose="020B0604020202020204" pitchFamily="34" charset="0"/>
+        <a:buChar char="•"/>
+        <a:defRPr sz="1800" kern="1200">
+          <a:solidFill>
+            <a:schemeClr val="tx1"/>
+          </a:solidFill>
+          <a:latin typeface="+mn-lt"/>
+          <a:ea typeface="+mn-ea"/>
+          <a:cs typeface="+mn-cs"/>
+        </a:defRPr>
+      </a:lvl8pPr>
+      <a:lvl9pPr marL="3886200" indent="-228600" algn="l" defTabSz="914400" rtl="0" eaLnBrk="1" latinLnBrk="0" hangingPunct="1">
+        <a:lnSpc>
+          <a:spcPct val="90000"/>
+        </a:lnSpc>
+        <a:spcBef>
+          <a:spcPts val="500"/>
+        </a:spcBef>
+        <a:buFont typeface="Arial" panose="020B0604020202020204" pitchFamily="34" charset="0"/>
+        <a:buChar char="•"/>
+        <a:defRPr sz="1800" kern="1200">
+          <a:solidFill>
+            <a:schemeClr val="tx1"/>
+          </a:solidFill>
+          <a:latin typeface="+mn-lt"/>
+          <a:ea typeface="+mn-ea"/>
+          <a:cs typeface="+mn-cs"/>
+        </a:defRPr>
+      </a:lvl9pPr>
+    </p:bodyStyle>
+    <p:otherStyle>
+      <a:defPPr>
+        <a:defRPr lang="it-IT"/>
+      </a:defPPr>
+      <a:lvl1pPr marL="0" algn="l" defTabSz="914400" rtl="0" eaLnBrk="1" latinLnBrk="0" hangingPunct="1">
+        <a:defRPr sz="1800" kern="1200">
+          <a:solidFill>
+            <a:schemeClr val="tx1"/>
+          </a:solidFill>
+          <a:latin typeface="+mn-lt"/>
+          <a:ea typeface="+mn-ea"/>
+          <a:cs typeface="+mn-cs"/>
+        </a:defRPr>
+      </a:lvl1pPr>
+      <a:lvl2pPr marL="457200" algn="l" defTabSz="914400" rtl="0" eaLnBrk="1" latinLnBrk="0" hangingPunct="1">
+        <a:defRPr sz="1800" kern="1200">
+          <a:solidFill>
+            <a:schemeClr val="tx1"/>
+          </a:solidFill>
+          <a:latin typeface="+mn-lt"/>
+          <a:ea typeface="+mn-ea"/>
+          <a:cs typeface="+mn-cs"/>
+        </a:defRPr>
+      </a:lvl2pPr>
+      <a:lvl3pPr marL="914400" algn="l" defTabSz="914400" rtl="0" eaLnBrk="1" latinLnBrk="0" hangingPunct="1">
+        <a:defRPr sz="1800" kern="1200">
+          <a:solidFill>
+            <a:schemeClr val="tx1"/>
+          </a:solidFill>
+          <a:latin typeface="+mn-lt"/>
+          <a:ea typeface="+mn-ea"/>
+          <a:cs typeface="+mn-cs"/>
+        </a:defRPr>
+      </a:lvl3pPr>
+      <a:lvl4pPr marL="1371600" algn="l" defTabSz="914400" rtl="0" eaLnBrk="1" latinLnBrk="0" hangingPunct="1">
+        <a:defRPr sz="1800" kern="1200">
+          <a:solidFill>
+            <a:schemeClr val="tx1"/>
+          </a:solidFill>
+          <a:latin typeface="+mn-lt"/>
+          <a:ea typeface="+mn-ea"/>
+          <a:cs typeface="+mn-cs"/>
+        </a:defRPr>
+      </a:lvl4pPr>
+      <a:lvl5pPr marL="1828800" algn="l" defTabSz="914400" rtl="0" eaLnBrk="1" latinLnBrk="0" hangingPunct="1">
+        <a:defRPr sz="1800" kern="1200">
+          <a:solidFill>
+            <a:schemeClr val="tx1"/>
+          </a:solidFill>
+          <a:latin typeface="+mn-lt"/>
+          <a:ea typeface="+mn-ea"/>
+          <a:cs typeface="+mn-cs"/>
+        </a:defRPr>
+      </a:lvl5pPr>
+      <a:lvl6pPr marL="2286000" algn="l" defTabSz="914400" rtl="0" eaLnBrk="1" latinLnBrk="0" hangingPunct="1">
+        <a:defRPr sz="1800" kern="1200">
+          <a:solidFill>
+            <a:schemeClr val="tx1"/>
+          </a:solidFill>
+          <a:latin typeface="+mn-lt"/>
+          <a:ea typeface="+mn-ea"/>
+          <a:cs typeface="+mn-cs"/>
+        </a:defRPr>
+      </a:lvl6pPr>
+      <a:lvl7pPr marL="2743200" algn="l" defTabSz="914400" rtl="0" eaLnBrk="1" latinLnBrk="0" hangingPunct="1">
+        <a:defRPr sz="1800" kern="1200">
+          <a:solidFill>
+            <a:schemeClr val="tx1"/>
+          </a:solidFill>
+          <a:latin typeface="+mn-lt"/>
+          <a:ea typeface="+mn-ea"/>
+          <a:cs typeface="+mn-cs"/>
+        </a:defRPr>
+      </a:lvl7pPr>
+      <a:lvl8pPr marL="3200400" algn="l" defTabSz="914400" rtl="0" eaLnBrk="1" latinLnBrk="0" hangingPunct="1">
+        <a:defRPr sz="1800" kern="1200">
+          <a:solidFill>
+            <a:schemeClr val="tx1"/>
+          </a:solidFill>
+          <a:latin typeface="+mn-lt"/>
+          <a:ea typeface="+mn-ea"/>
+          <a:cs typeface="+mn-cs"/>
+        </a:defRPr>
+      </a:lvl8pPr>
+      <a:lvl9pPr marL="3657600" algn="l" defTabSz="914400" rtl="0" eaLnBrk="1" latinLnBrk="0" hangingPunct="1">
+        <a:defRPr sz="1800" kern="1200">
+          <a:solidFill>
+            <a:schemeClr val="tx1"/>
+          </a:solidFill>
+          <a:latin typeface="+mn-lt"/>
+          <a:ea typeface="+mn-ea"/>
+          <a:cs typeface="+mn-cs"/>
+        </a:defRPr>
+      </a:lvl9pPr>
+    </p:otherStyle>
+  </p:txStyles>
 </p:sldMaster>
 </file>
 
 <file path=ppt/slideMasters/slideMaster2.xml><?xml version="1.0" encoding="utf-8"?>
-<p:sldMaster xmlns:a="http://schemas.openxmlformats.org/drawingml/2006/main" xmlns:p="http://schemas.openxmlformats.org/presentationml/2006/main" xmlns:r="http://schemas.openxmlformats.org/officeDocument/2006/relationships" xmlns:p14="http://schemas.microsoft.com/office/powerpoint/2010/main" xmlns:p15="http://schemas.microsoft.com/office/powerpoint/2012/main" xmlns:mc="http://schemas.openxmlformats.org/markup-compatibility/2006">
+<p:sldMaster xmlns:a="http://schemas.openxmlformats.org/drawingml/2006/main" xmlns:r="http://schemas.openxmlformats.org/officeDocument/2006/relationships" xmlns:p="http://schemas.openxmlformats.org/presentationml/2006/main">
   <p:cSld>
     <p:bg>
       <p:bgPr>
         <a:solidFill>
-          <a:srgbClr val="ffffff"/>
+          <a:srgbClr val="FFFFFF"/>
         </a:solidFill>
+        <a:effectLst/>
       </p:bgPr>
     </p:bg>
     <p:spTree>
@@ -3037,12 +3536,12 @@
       </p:grpSpPr>
       <p:pic>
         <p:nvPicPr>
-          <p:cNvPr id="41" name="Immagine 8" descr=""/>
+          <p:cNvPr id="41" name="Immagine 8"/>
           <p:cNvPicPr/>
           <p:nvPr/>
         </p:nvPicPr>
         <p:blipFill>
-          <a:blip r:embed="rId2"/>
+          <a:blip r:embed="rId14"/>
           <a:stretch/>
         </p:blipFill>
         <p:spPr>
@@ -3060,12 +3559,12 @@
       </p:pic>
       <p:pic>
         <p:nvPicPr>
-          <p:cNvPr id="42" name="Immagine 9" descr=""/>
+          <p:cNvPr id="42" name="Immagine 9"/>
           <p:cNvPicPr/>
           <p:nvPr/>
         </p:nvPicPr>
         <p:blipFill>
-          <a:blip r:embed="rId3"/>
+          <a:blip r:embed="rId15"/>
           <a:stretch/>
         </p:blipFill>
         <p:spPr>
@@ -3083,12 +3582,12 @@
       </p:pic>
       <p:pic>
         <p:nvPicPr>
-          <p:cNvPr id="43" name="Immagine 11" descr=""/>
+          <p:cNvPr id="43" name="Immagine 11"/>
           <p:cNvPicPr/>
           <p:nvPr/>
         </p:nvPicPr>
         <p:blipFill>
-          <a:blip r:embed="rId4"/>
+          <a:blip r:embed="rId16"/>
           <a:stretch/>
         </p:blipFill>
         <p:spPr>
@@ -3124,17 +3623,15 @@
           </a:prstGeom>
         </p:spPr>
         <p:txBody>
-          <a:bodyPr lIns="0" rIns="0" tIns="0" bIns="0" anchor="ctr"/>
-          <a:p>
-            <a:r>
-              <a:rPr b="0" lang="it-IT" sz="1800" spc="-1" strike="noStrike">
+          <a:bodyPr lIns="0" tIns="0" rIns="0" bIns="0" anchor="ctr"/>
+          <a:lstStyle/>
+          <a:p>
+            <a:r>
+              <a:rPr lang="it-IT" sz="1800" b="0" strike="noStrike" spc="-1">
                 <a:latin typeface="Arial"/>
               </a:rPr>
               <a:t>Click to edit the title text format</a:t>
             </a:r>
-            <a:endParaRPr b="0" lang="it-IT" sz="1800" spc="-1" strike="noStrike">
-              <a:latin typeface="Arial"/>
-            </a:endParaRPr>
           </a:p>
         </p:txBody>
       </p:sp>
@@ -3158,9 +3655,10 @@
           </a:prstGeom>
         </p:spPr>
         <p:txBody>
-          <a:bodyPr lIns="0" rIns="0" tIns="0" bIns="0">
+          <a:bodyPr lIns="0" tIns="0" rIns="0" bIns="0">
             <a:normAutofit/>
           </a:bodyPr>
+          <a:lstStyle/>
           <a:p>
             <a:pPr marL="432000" indent="-324000">
               <a:spcBef>
@@ -3174,17 +3672,14 @@
               <a:buChar char=""/>
             </a:pPr>
             <a:r>
-              <a:rPr b="0" lang="it-IT" sz="3200" spc="-1" strike="noStrike">
+              <a:rPr lang="it-IT" sz="3200" b="0" strike="noStrike" spc="-1">
                 <a:latin typeface="Arial"/>
               </a:rPr>
               <a:t>Click to edit the outline text format</a:t>
             </a:r>
-            <a:endParaRPr b="0" lang="it-IT" sz="3200" spc="-1" strike="noStrike">
-              <a:latin typeface="Arial"/>
-            </a:endParaRPr>
-          </a:p>
-          <a:p>
-            <a:pPr lvl="1" marL="864000" indent="-324000">
+          </a:p>
+          <a:p>
+            <a:pPr marL="864000" lvl="1" indent="-324000">
               <a:spcBef>
                 <a:spcPts val="1134"/>
               </a:spcBef>
@@ -3196,17 +3691,14 @@
               <a:buChar char=""/>
             </a:pPr>
             <a:r>
-              <a:rPr b="0" lang="it-IT" sz="2800" spc="-1" strike="noStrike">
+              <a:rPr lang="it-IT" sz="2800" b="0" strike="noStrike" spc="-1">
                 <a:latin typeface="Arial"/>
               </a:rPr>
               <a:t>Second Outline Level</a:t>
             </a:r>
-            <a:endParaRPr b="0" lang="it-IT" sz="2800" spc="-1" strike="noStrike">
-              <a:latin typeface="Arial"/>
-            </a:endParaRPr>
-          </a:p>
-          <a:p>
-            <a:pPr lvl="2" marL="1296000" indent="-288000">
+          </a:p>
+          <a:p>
+            <a:pPr marL="1296000" lvl="2" indent="-288000">
               <a:spcBef>
                 <a:spcPts val="850"/>
               </a:spcBef>
@@ -3218,17 +3710,14 @@
               <a:buChar char=""/>
             </a:pPr>
             <a:r>
-              <a:rPr b="0" lang="it-IT" sz="2400" spc="-1" strike="noStrike">
+              <a:rPr lang="it-IT" sz="2400" b="0" strike="noStrike" spc="-1">
                 <a:latin typeface="Arial"/>
               </a:rPr>
               <a:t>Third Outline Level</a:t>
             </a:r>
-            <a:endParaRPr b="0" lang="it-IT" sz="2400" spc="-1" strike="noStrike">
-              <a:latin typeface="Arial"/>
-            </a:endParaRPr>
-          </a:p>
-          <a:p>
-            <a:pPr lvl="3" marL="1728000" indent="-216000">
+          </a:p>
+          <a:p>
+            <a:pPr marL="1728000" lvl="3" indent="-216000">
               <a:spcBef>
                 <a:spcPts val="567"/>
               </a:spcBef>
@@ -3240,17 +3729,14 @@
               <a:buChar char=""/>
             </a:pPr>
             <a:r>
-              <a:rPr b="0" lang="it-IT" sz="2000" spc="-1" strike="noStrike">
+              <a:rPr lang="it-IT" sz="2000" b="0" strike="noStrike" spc="-1">
                 <a:latin typeface="Arial"/>
               </a:rPr>
               <a:t>Fourth Outline Level</a:t>
             </a:r>
-            <a:endParaRPr b="0" lang="it-IT" sz="2000" spc="-1" strike="noStrike">
-              <a:latin typeface="Arial"/>
-            </a:endParaRPr>
-          </a:p>
-          <a:p>
-            <a:pPr lvl="4" marL="2160000" indent="-216000">
+          </a:p>
+          <a:p>
+            <a:pPr marL="2160000" lvl="4" indent="-216000">
               <a:spcBef>
                 <a:spcPts val="283"/>
               </a:spcBef>
@@ -3262,17 +3748,14 @@
               <a:buChar char=""/>
             </a:pPr>
             <a:r>
-              <a:rPr b="0" lang="it-IT" sz="2000" spc="-1" strike="noStrike">
+              <a:rPr lang="it-IT" sz="2000" b="0" strike="noStrike" spc="-1">
                 <a:latin typeface="Arial"/>
               </a:rPr>
               <a:t>Fifth Outline Level</a:t>
             </a:r>
-            <a:endParaRPr b="0" lang="it-IT" sz="2000" spc="-1" strike="noStrike">
-              <a:latin typeface="Arial"/>
-            </a:endParaRPr>
-          </a:p>
-          <a:p>
-            <a:pPr lvl="5" marL="2592000" indent="-216000">
+          </a:p>
+          <a:p>
+            <a:pPr marL="2592000" lvl="5" indent="-216000">
               <a:spcBef>
                 <a:spcPts val="283"/>
               </a:spcBef>
@@ -3284,17 +3767,14 @@
               <a:buChar char=""/>
             </a:pPr>
             <a:r>
-              <a:rPr b="0" lang="it-IT" sz="2000" spc="-1" strike="noStrike">
+              <a:rPr lang="it-IT" sz="2000" b="0" strike="noStrike" spc="-1">
                 <a:latin typeface="Arial"/>
               </a:rPr>
               <a:t>Sixth Outline Level</a:t>
             </a:r>
-            <a:endParaRPr b="0" lang="it-IT" sz="2000" spc="-1" strike="noStrike">
-              <a:latin typeface="Arial"/>
-            </a:endParaRPr>
-          </a:p>
-          <a:p>
-            <a:pPr lvl="6" marL="3024000" indent="-216000">
+          </a:p>
+          <a:p>
+            <a:pPr marL="3024000" lvl="6" indent="-216000">
               <a:spcBef>
                 <a:spcPts val="283"/>
               </a:spcBef>
@@ -3306,39 +3786,316 @@
               <a:buChar char=""/>
             </a:pPr>
             <a:r>
-              <a:rPr b="0" lang="it-IT" sz="2000" spc="-1" strike="noStrike">
+              <a:rPr lang="it-IT" sz="2000" b="0" strike="noStrike" spc="-1">
                 <a:latin typeface="Arial"/>
               </a:rPr>
               <a:t>Seventh Outline Level</a:t>
             </a:r>
-            <a:endParaRPr b="0" lang="it-IT" sz="2000" spc="-1" strike="noStrike">
-              <a:latin typeface="Arial"/>
-            </a:endParaRPr>
           </a:p>
         </p:txBody>
       </p:sp>
     </p:spTree>
   </p:cSld>
-  <p:clrMap bg1="lt1" bg2="lt2" tx1="dk1" tx2="dk2" accent1="accent1" accent2="accent2" accent3="accent3" accent4="accent4" accent5="accent5" accent6="accent6" hlink="hlink" folHlink="folHlink"/>
+  <p:clrMap bg1="lt1" tx1="dk1" bg2="lt2" tx2="dk2" accent1="accent1" accent2="accent2" accent3="accent3" accent4="accent4" accent5="accent5" accent6="accent6" hlink="hlink" folHlink="folHlink"/>
   <p:sldLayoutIdLst>
-    <p:sldLayoutId id="2147483662" r:id="rId5"/>
-    <p:sldLayoutId id="2147483663" r:id="rId6"/>
-    <p:sldLayoutId id="2147483664" r:id="rId7"/>
-    <p:sldLayoutId id="2147483665" r:id="rId8"/>
-    <p:sldLayoutId id="2147483666" r:id="rId9"/>
-    <p:sldLayoutId id="2147483667" r:id="rId10"/>
-    <p:sldLayoutId id="2147483668" r:id="rId11"/>
-    <p:sldLayoutId id="2147483669" r:id="rId12"/>
-    <p:sldLayoutId id="2147483670" r:id="rId13"/>
-    <p:sldLayoutId id="2147483671" r:id="rId14"/>
-    <p:sldLayoutId id="2147483672" r:id="rId15"/>
-    <p:sldLayoutId id="2147483673" r:id="rId16"/>
+    <p:sldLayoutId id="2147483662" r:id="rId1"/>
+    <p:sldLayoutId id="2147483663" r:id="rId2"/>
+    <p:sldLayoutId id="2147483664" r:id="rId3"/>
+    <p:sldLayoutId id="2147483665" r:id="rId4"/>
+    <p:sldLayoutId id="2147483666" r:id="rId5"/>
+    <p:sldLayoutId id="2147483667" r:id="rId6"/>
+    <p:sldLayoutId id="2147483668" r:id="rId7"/>
+    <p:sldLayoutId id="2147483669" r:id="rId8"/>
+    <p:sldLayoutId id="2147483670" r:id="rId9"/>
+    <p:sldLayoutId id="2147483671" r:id="rId10"/>
+    <p:sldLayoutId id="2147483672" r:id="rId11"/>
+    <p:sldLayoutId id="2147483673" r:id="rId12"/>
   </p:sldLayoutIdLst>
+  <p:txStyles>
+    <p:titleStyle>
+      <a:lvl1pPr algn="l" defTabSz="914400" rtl="0" eaLnBrk="1" latinLnBrk="0" hangingPunct="1">
+        <a:lnSpc>
+          <a:spcPct val="90000"/>
+        </a:lnSpc>
+        <a:spcBef>
+          <a:spcPct val="0"/>
+        </a:spcBef>
+        <a:buNone/>
+        <a:defRPr sz="4400" kern="1200">
+          <a:solidFill>
+            <a:schemeClr val="tx1"/>
+          </a:solidFill>
+          <a:latin typeface="+mj-lt"/>
+          <a:ea typeface="+mj-ea"/>
+          <a:cs typeface="+mj-cs"/>
+        </a:defRPr>
+      </a:lvl1pPr>
+    </p:titleStyle>
+    <p:bodyStyle>
+      <a:lvl1pPr marL="228600" indent="-228600" algn="l" defTabSz="914400" rtl="0" eaLnBrk="1" latinLnBrk="0" hangingPunct="1">
+        <a:lnSpc>
+          <a:spcPct val="90000"/>
+        </a:lnSpc>
+        <a:spcBef>
+          <a:spcPts val="1000"/>
+        </a:spcBef>
+        <a:buFont typeface="Arial" panose="020B0604020202020204" pitchFamily="34" charset="0"/>
+        <a:buChar char="•"/>
+        <a:defRPr sz="2800" kern="1200">
+          <a:solidFill>
+            <a:schemeClr val="tx1"/>
+          </a:solidFill>
+          <a:latin typeface="+mn-lt"/>
+          <a:ea typeface="+mn-ea"/>
+          <a:cs typeface="+mn-cs"/>
+        </a:defRPr>
+      </a:lvl1pPr>
+      <a:lvl2pPr marL="685800" indent="-228600" algn="l" defTabSz="914400" rtl="0" eaLnBrk="1" latinLnBrk="0" hangingPunct="1">
+        <a:lnSpc>
+          <a:spcPct val="90000"/>
+        </a:lnSpc>
+        <a:spcBef>
+          <a:spcPts val="500"/>
+        </a:spcBef>
+        <a:buFont typeface="Arial" panose="020B0604020202020204" pitchFamily="34" charset="0"/>
+        <a:buChar char="•"/>
+        <a:defRPr sz="2400" kern="1200">
+          <a:solidFill>
+            <a:schemeClr val="tx1"/>
+          </a:solidFill>
+          <a:latin typeface="+mn-lt"/>
+          <a:ea typeface="+mn-ea"/>
+          <a:cs typeface="+mn-cs"/>
+        </a:defRPr>
+      </a:lvl2pPr>
+      <a:lvl3pPr marL="1143000" indent="-228600" algn="l" defTabSz="914400" rtl="0" eaLnBrk="1" latinLnBrk="0" hangingPunct="1">
+        <a:lnSpc>
+          <a:spcPct val="90000"/>
+        </a:lnSpc>
+        <a:spcBef>
+          <a:spcPts val="500"/>
+        </a:spcBef>
+        <a:buFont typeface="Arial" panose="020B0604020202020204" pitchFamily="34" charset="0"/>
+        <a:buChar char="•"/>
+        <a:defRPr sz="2000" kern="1200">
+          <a:solidFill>
+            <a:schemeClr val="tx1"/>
+          </a:solidFill>
+          <a:latin typeface="+mn-lt"/>
+          <a:ea typeface="+mn-ea"/>
+          <a:cs typeface="+mn-cs"/>
+        </a:defRPr>
+      </a:lvl3pPr>
+      <a:lvl4pPr marL="1600200" indent="-228600" algn="l" defTabSz="914400" rtl="0" eaLnBrk="1" latinLnBrk="0" hangingPunct="1">
+        <a:lnSpc>
+          <a:spcPct val="90000"/>
+        </a:lnSpc>
+        <a:spcBef>
+          <a:spcPts val="500"/>
+        </a:spcBef>
+        <a:buFont typeface="Arial" panose="020B0604020202020204" pitchFamily="34" charset="0"/>
+        <a:buChar char="•"/>
+        <a:defRPr sz="1800" kern="1200">
+          <a:solidFill>
+            <a:schemeClr val="tx1"/>
+          </a:solidFill>
+          <a:latin typeface="+mn-lt"/>
+          <a:ea typeface="+mn-ea"/>
+          <a:cs typeface="+mn-cs"/>
+        </a:defRPr>
+      </a:lvl4pPr>
+      <a:lvl5pPr marL="2057400" indent="-228600" algn="l" defTabSz="914400" rtl="0" eaLnBrk="1" latinLnBrk="0" hangingPunct="1">
+        <a:lnSpc>
+          <a:spcPct val="90000"/>
+        </a:lnSpc>
+        <a:spcBef>
+          <a:spcPts val="500"/>
+        </a:spcBef>
+        <a:buFont typeface="Arial" panose="020B0604020202020204" pitchFamily="34" charset="0"/>
+        <a:buChar char="•"/>
+        <a:defRPr sz="1800" kern="1200">
+          <a:solidFill>
+            <a:schemeClr val="tx1"/>
+          </a:solidFill>
+          <a:latin typeface="+mn-lt"/>
+          <a:ea typeface="+mn-ea"/>
+          <a:cs typeface="+mn-cs"/>
+        </a:defRPr>
+      </a:lvl5pPr>
+      <a:lvl6pPr marL="2514600" indent="-228600" algn="l" defTabSz="914400" rtl="0" eaLnBrk="1" latinLnBrk="0" hangingPunct="1">
+        <a:lnSpc>
+          <a:spcPct val="90000"/>
+        </a:lnSpc>
+        <a:spcBef>
+          <a:spcPts val="500"/>
+        </a:spcBef>
+        <a:buFont typeface="Arial" panose="020B0604020202020204" pitchFamily="34" charset="0"/>
+        <a:buChar char="•"/>
+        <a:defRPr sz="1800" kern="1200">
+          <a:solidFill>
+            <a:schemeClr val="tx1"/>
+          </a:solidFill>
+          <a:latin typeface="+mn-lt"/>
+          <a:ea typeface="+mn-ea"/>
+          <a:cs typeface="+mn-cs"/>
+        </a:defRPr>
+      </a:lvl6pPr>
+      <a:lvl7pPr marL="2971800" indent="-228600" algn="l" defTabSz="914400" rtl="0" eaLnBrk="1" latinLnBrk="0" hangingPunct="1">
+        <a:lnSpc>
+          <a:spcPct val="90000"/>
+        </a:lnSpc>
+        <a:spcBef>
+          <a:spcPts val="500"/>
+        </a:spcBef>
+        <a:buFont typeface="Arial" panose="020B0604020202020204" pitchFamily="34" charset="0"/>
+        <a:buChar char="•"/>
+        <a:defRPr sz="1800" kern="1200">
+          <a:solidFill>
+            <a:schemeClr val="tx1"/>
+          </a:solidFill>
+          <a:latin typeface="+mn-lt"/>
+          <a:ea typeface="+mn-ea"/>
+          <a:cs typeface="+mn-cs"/>
+        </a:defRPr>
+      </a:lvl7pPr>
+      <a:lvl8pPr marL="3429000" indent="-228600" algn="l" defTabSz="914400" rtl="0" eaLnBrk="1" latinLnBrk="0" hangingPunct="1">
+        <a:lnSpc>
+          <a:spcPct val="90000"/>
+        </a:lnSpc>
+        <a:spcBef>
+          <a:spcPts val="500"/>
+        </a:spcBef>
+        <a:buFont typeface="Arial" panose="020B0604020202020204" pitchFamily="34" charset="0"/>
+        <a:buChar char="•"/>
+        <a:defRPr sz="1800" kern="1200">
+          <a:solidFill>
+            <a:schemeClr val="tx1"/>
+          </a:solidFill>
+          <a:latin typeface="+mn-lt"/>
+          <a:ea typeface="+mn-ea"/>
+          <a:cs typeface="+mn-cs"/>
+        </a:defRPr>
+      </a:lvl8pPr>
+      <a:lvl9pPr marL="3886200" indent="-228600" algn="l" defTabSz="914400" rtl="0" eaLnBrk="1" latinLnBrk="0" hangingPunct="1">
+        <a:lnSpc>
+          <a:spcPct val="90000"/>
+        </a:lnSpc>
+        <a:spcBef>
+          <a:spcPts val="500"/>
+        </a:spcBef>
+        <a:buFont typeface="Arial" panose="020B0604020202020204" pitchFamily="34" charset="0"/>
+        <a:buChar char="•"/>
+        <a:defRPr sz="1800" kern="1200">
+          <a:solidFill>
+            <a:schemeClr val="tx1"/>
+          </a:solidFill>
+          <a:latin typeface="+mn-lt"/>
+          <a:ea typeface="+mn-ea"/>
+          <a:cs typeface="+mn-cs"/>
+        </a:defRPr>
+      </a:lvl9pPr>
+    </p:bodyStyle>
+    <p:otherStyle>
+      <a:defPPr>
+        <a:defRPr lang="it-IT"/>
+      </a:defPPr>
+      <a:lvl1pPr marL="0" algn="l" defTabSz="914400" rtl="0" eaLnBrk="1" latinLnBrk="0" hangingPunct="1">
+        <a:defRPr sz="1800" kern="1200">
+          <a:solidFill>
+            <a:schemeClr val="tx1"/>
+          </a:solidFill>
+          <a:latin typeface="+mn-lt"/>
+          <a:ea typeface="+mn-ea"/>
+          <a:cs typeface="+mn-cs"/>
+        </a:defRPr>
+      </a:lvl1pPr>
+      <a:lvl2pPr marL="457200" algn="l" defTabSz="914400" rtl="0" eaLnBrk="1" latinLnBrk="0" hangingPunct="1">
+        <a:defRPr sz="1800" kern="1200">
+          <a:solidFill>
+            <a:schemeClr val="tx1"/>
+          </a:solidFill>
+          <a:latin typeface="+mn-lt"/>
+          <a:ea typeface="+mn-ea"/>
+          <a:cs typeface="+mn-cs"/>
+        </a:defRPr>
+      </a:lvl2pPr>
+      <a:lvl3pPr marL="914400" algn="l" defTabSz="914400" rtl="0" eaLnBrk="1" latinLnBrk="0" hangingPunct="1">
+        <a:defRPr sz="1800" kern="1200">
+          <a:solidFill>
+            <a:schemeClr val="tx1"/>
+          </a:solidFill>
+          <a:latin typeface="+mn-lt"/>
+          <a:ea typeface="+mn-ea"/>
+          <a:cs typeface="+mn-cs"/>
+        </a:defRPr>
+      </a:lvl3pPr>
+      <a:lvl4pPr marL="1371600" algn="l" defTabSz="914400" rtl="0" eaLnBrk="1" latinLnBrk="0" hangingPunct="1">
+        <a:defRPr sz="1800" kern="1200">
+          <a:solidFill>
+            <a:schemeClr val="tx1"/>
+          </a:solidFill>
+          <a:latin typeface="+mn-lt"/>
+          <a:ea typeface="+mn-ea"/>
+          <a:cs typeface="+mn-cs"/>
+        </a:defRPr>
+      </a:lvl4pPr>
+      <a:lvl5pPr marL="1828800" algn="l" defTabSz="914400" rtl="0" eaLnBrk="1" latinLnBrk="0" hangingPunct="1">
+        <a:defRPr sz="1800" kern="1200">
+          <a:solidFill>
+            <a:schemeClr val="tx1"/>
+          </a:solidFill>
+          <a:latin typeface="+mn-lt"/>
+          <a:ea typeface="+mn-ea"/>
+          <a:cs typeface="+mn-cs"/>
+        </a:defRPr>
+      </a:lvl5pPr>
+      <a:lvl6pPr marL="2286000" algn="l" defTabSz="914400" rtl="0" eaLnBrk="1" latinLnBrk="0" hangingPunct="1">
+        <a:defRPr sz="1800" kern="1200">
+          <a:solidFill>
+            <a:schemeClr val="tx1"/>
+          </a:solidFill>
+          <a:latin typeface="+mn-lt"/>
+          <a:ea typeface="+mn-ea"/>
+          <a:cs typeface="+mn-cs"/>
+        </a:defRPr>
+      </a:lvl6pPr>
+      <a:lvl7pPr marL="2743200" algn="l" defTabSz="914400" rtl="0" eaLnBrk="1" latinLnBrk="0" hangingPunct="1">
+        <a:defRPr sz="1800" kern="1200">
+          <a:solidFill>
+            <a:schemeClr val="tx1"/>
+          </a:solidFill>
+          <a:latin typeface="+mn-lt"/>
+          <a:ea typeface="+mn-ea"/>
+          <a:cs typeface="+mn-cs"/>
+        </a:defRPr>
+      </a:lvl7pPr>
+      <a:lvl8pPr marL="3200400" algn="l" defTabSz="914400" rtl="0" eaLnBrk="1" latinLnBrk="0" hangingPunct="1">
+        <a:defRPr sz="1800" kern="1200">
+          <a:solidFill>
+            <a:schemeClr val="tx1"/>
+          </a:solidFill>
+          <a:latin typeface="+mn-lt"/>
+          <a:ea typeface="+mn-ea"/>
+          <a:cs typeface="+mn-cs"/>
+        </a:defRPr>
+      </a:lvl8pPr>
+      <a:lvl9pPr marL="3657600" algn="l" defTabSz="914400" rtl="0" eaLnBrk="1" latinLnBrk="0" hangingPunct="1">
+        <a:defRPr sz="1800" kern="1200">
+          <a:solidFill>
+            <a:schemeClr val="tx1"/>
+          </a:solidFill>
+          <a:latin typeface="+mn-lt"/>
+          <a:ea typeface="+mn-ea"/>
+          <a:cs typeface="+mn-cs"/>
+        </a:defRPr>
+      </a:lvl9pPr>
+    </p:otherStyle>
+  </p:txStyles>
 </p:sldMaster>
 </file>
 
 <file path=ppt/slides/slide1.xml><?xml version="1.0" encoding="utf-8"?>
-<p:sld xmlns:a="http://schemas.openxmlformats.org/drawingml/2006/main" xmlns:p="http://schemas.openxmlformats.org/presentationml/2006/main" xmlns:r="http://schemas.openxmlformats.org/officeDocument/2006/relationships" xmlns:p14="http://schemas.microsoft.com/office/powerpoint/2010/main" xmlns:p15="http://schemas.microsoft.com/office/powerpoint/2012/main" xmlns:mc="http://schemas.openxmlformats.org/markup-compatibility/2006">
+<p:sld xmlns:a="http://schemas.openxmlformats.org/drawingml/2006/main" xmlns:r="http://schemas.openxmlformats.org/officeDocument/2006/relationships" xmlns:p="http://schemas.openxmlformats.org/presentationml/2006/main">
   <p:cSld>
     <p:spTree>
       <p:nvGrpSpPr>
@@ -3374,15 +4131,22 @@
           </a:ln>
         </p:spPr>
         <p:style>
-          <a:lnRef idx="0"/>
-          <a:fillRef idx="0"/>
-          <a:effectRef idx="0"/>
+          <a:lnRef idx="0">
+            <a:scrgbClr r="0" g="0" b="0"/>
+          </a:lnRef>
+          <a:fillRef idx="0">
+            <a:scrgbClr r="0" g="0" b="0"/>
+          </a:fillRef>
+          <a:effectRef idx="0">
+            <a:scrgbClr r="0" g="0" b="0"/>
+          </a:effectRef>
           <a:fontRef idx="minor"/>
         </p:style>
         <p:txBody>
-          <a:bodyPr lIns="90000" rIns="90000" tIns="45000" bIns="45000" anchor="ctr">
+          <a:bodyPr lIns="90000" tIns="45000" rIns="90000" bIns="45000" anchor="ctr">
             <a:normAutofit/>
           </a:bodyPr>
+          <a:lstStyle/>
           <a:p>
             <a:pPr algn="ctr">
               <a:lnSpc>
@@ -3390,7 +4154,7 @@
               </a:lnSpc>
             </a:pPr>
             <a:r>
-              <a:rPr b="0" lang="it-IT" sz="3200" spc="-1" strike="noStrike">
+              <a:rPr lang="it-IT" sz="3200" b="0" strike="noStrike" spc="-1">
                 <a:solidFill>
                   <a:srgbClr val="000000"/>
                 </a:solidFill>
@@ -3401,7 +4165,7 @@
             </a:r>
             <a:br/>
             <a:r>
-              <a:rPr b="1" i="1" lang="it-IT" sz="3200" spc="-1" strike="noStrike">
+              <a:rPr lang="it-IT" sz="3200" b="1" i="1" strike="noStrike" spc="-1">
                 <a:solidFill>
                   <a:srgbClr val="000000"/>
                 </a:solidFill>
@@ -3413,7 +4177,7 @@
             <a:br/>
             <a:br/>
             <a:r>
-              <a:rPr b="1" i="1" lang="it-IT" sz="3200" spc="-1" strike="noStrike">
+              <a:rPr lang="it-IT" sz="3200" b="1" i="1" strike="noStrike" spc="-1">
                 <a:solidFill>
                   <a:srgbClr val="000000"/>
                 </a:solidFill>
@@ -3423,7 +4187,7 @@
               <a:t>StockSim: stock portfolio simulator</a:t>
             </a:r>
             <a:br/>
-            <a:endParaRPr b="0" lang="it-IT" sz="3200" spc="-1" strike="noStrike">
+            <a:endParaRPr lang="it-IT" sz="3200" b="0" strike="noStrike" spc="-1">
               <a:latin typeface="Arial"/>
             </a:endParaRPr>
           </a:p>
@@ -3449,13 +4213,20 @@
           </a:ln>
         </p:spPr>
         <p:style>
-          <a:lnRef idx="0"/>
-          <a:fillRef idx="0"/>
-          <a:effectRef idx="0"/>
+          <a:lnRef idx="0">
+            <a:scrgbClr r="0" g="0" b="0"/>
+          </a:lnRef>
+          <a:fillRef idx="0">
+            <a:scrgbClr r="0" g="0" b="0"/>
+          </a:fillRef>
+          <a:effectRef idx="0">
+            <a:scrgbClr r="0" g="0" b="0"/>
+          </a:effectRef>
           <a:fontRef idx="minor"/>
         </p:style>
         <p:txBody>
-          <a:bodyPr lIns="90000" rIns="90000" tIns="45000" bIns="45000"/>
+          <a:bodyPr lIns="90000" tIns="45000" rIns="90000" bIns="45000"/>
+          <a:lstStyle/>
           <a:p>
             <a:pPr algn="ctr">
               <a:lnSpc>
@@ -3466,16 +4237,16 @@
               </a:spcBef>
             </a:pPr>
             <a:r>
-              <a:rPr b="0" lang="it-IT" sz="3200" spc="-1" strike="noStrike">
-                <a:solidFill>
-                  <a:srgbClr val="8b8b8b"/>
+              <a:rPr lang="it-IT" sz="3200" b="0" strike="noStrike" spc="-1">
+                <a:solidFill>
+                  <a:srgbClr val="8B8B8B"/>
                 </a:solidFill>
                 <a:latin typeface="Arial"/>
                 <a:ea typeface="DejaVu Sans"/>
               </a:rPr>
               <a:t>Yuri Mazzuoli, Rambod Rahmani, Marco Pinna</a:t>
             </a:r>
-            <a:endParaRPr b="0" lang="it-IT" sz="3200" spc="-1" strike="noStrike">
+            <a:endParaRPr lang="it-IT" sz="3200" b="0" strike="noStrike" spc="-1">
               <a:latin typeface="Arial"/>
             </a:endParaRPr>
           </a:p>
@@ -3483,6 +4254,9 @@
       </p:sp>
     </p:spTree>
   </p:cSld>
+  <p:clrMapOvr>
+    <a:masterClrMapping/>
+  </p:clrMapOvr>
   <p:timing>
     <p:tnLst>
       <p:par>
@@ -3491,14 +4265,14 @@
             <p:seq>
               <p:cTn id="2" dur="indefinite" nodeType="mainSeq"/>
               <p:prevCondLst>
-                <p:cond delay="0" evt="onPrev">
+                <p:cond evt="onPrev" delay="0">
                   <p:tgtEl>
                     <p:sldTgt/>
                   </p:tgtEl>
                 </p:cond>
               </p:prevCondLst>
               <p:nextCondLst>
-                <p:cond delay="0" evt="onNext">
+                <p:cond evt="onNext" delay="0">
                   <p:tgtEl>
                     <p:sldTgt/>
                   </p:tgtEl>
@@ -3514,7 +4288,7 @@
 </file>
 
 <file path=ppt/slides/slide2.xml><?xml version="1.0" encoding="utf-8"?>
-<p:sld xmlns:a="http://schemas.openxmlformats.org/drawingml/2006/main" xmlns:p="http://schemas.openxmlformats.org/presentationml/2006/main" xmlns:r="http://schemas.openxmlformats.org/officeDocument/2006/relationships" xmlns:p14="http://schemas.microsoft.com/office/powerpoint/2010/main" xmlns:p15="http://schemas.microsoft.com/office/powerpoint/2012/main" xmlns:mc="http://schemas.openxmlformats.org/markup-compatibility/2006">
+<p:sld xmlns:a="http://schemas.openxmlformats.org/drawingml/2006/main" xmlns:r="http://schemas.openxmlformats.org/officeDocument/2006/relationships" xmlns:p="http://schemas.openxmlformats.org/presentationml/2006/main">
   <p:cSld>
     <p:spTree>
       <p:nvGrpSpPr>
@@ -3550,13 +4324,20 @@
           </a:ln>
         </p:spPr>
         <p:style>
-          <a:lnRef idx="0"/>
-          <a:fillRef idx="0"/>
-          <a:effectRef idx="0"/>
+          <a:lnRef idx="0">
+            <a:scrgbClr r="0" g="0" b="0"/>
+          </a:lnRef>
+          <a:fillRef idx="0">
+            <a:scrgbClr r="0" g="0" b="0"/>
+          </a:fillRef>
+          <a:effectRef idx="0">
+            <a:scrgbClr r="0" g="0" b="0"/>
+          </a:effectRef>
           <a:fontRef idx="minor"/>
         </p:style>
         <p:txBody>
-          <a:bodyPr lIns="90000" rIns="90000" tIns="45000" bIns="45000" anchor="ctr"/>
+          <a:bodyPr lIns="90000" tIns="45000" rIns="90000" bIns="45000" anchor="ctr"/>
+          <a:lstStyle/>
           <a:p>
             <a:pPr algn="ctr">
               <a:lnSpc>
@@ -3564,7 +4345,7 @@
               </a:lnSpc>
             </a:pPr>
             <a:r>
-              <a:rPr b="0" lang="it-IT" sz="4400" spc="-1" strike="noStrike">
+              <a:rPr lang="it-IT" sz="4400" b="0" strike="noStrike" spc="-1">
                 <a:solidFill>
                   <a:srgbClr val="000000"/>
                 </a:solidFill>
@@ -3573,7 +4354,7 @@
               </a:rPr>
               <a:t>Application Highlights</a:t>
             </a:r>
-            <a:endParaRPr b="0" lang="it-IT" sz="4400" spc="-1" strike="noStrike">
+            <a:endParaRPr lang="it-IT" sz="4400" b="0" strike="noStrike" spc="-1">
               <a:latin typeface="Arial"/>
             </a:endParaRPr>
           </a:p>
@@ -3599,13 +4380,20 @@
           </a:ln>
         </p:spPr>
         <p:style>
-          <a:lnRef idx="0"/>
-          <a:fillRef idx="0"/>
-          <a:effectRef idx="0"/>
+          <a:lnRef idx="0">
+            <a:scrgbClr r="0" g="0" b="0"/>
+          </a:lnRef>
+          <a:fillRef idx="0">
+            <a:scrgbClr r="0" g="0" b="0"/>
+          </a:fillRef>
+          <a:effectRef idx="0">
+            <a:scrgbClr r="0" g="0" b="0"/>
+          </a:effectRef>
           <a:fontRef idx="minor"/>
         </p:style>
         <p:txBody>
-          <a:bodyPr lIns="90000" rIns="90000" tIns="45000" bIns="45000"/>
+          <a:bodyPr lIns="90000" tIns="45000" rIns="90000" bIns="45000"/>
+          <a:lstStyle/>
           <a:p>
             <a:pPr marL="285840" indent="-284400">
               <a:lnSpc>
@@ -3618,7 +4406,7 @@
               <a:buChar char=""/>
             </a:pPr>
             <a:r>
-              <a:rPr b="0" lang="it-IT" sz="1800" spc="-1" strike="noStrike">
+              <a:rPr lang="it-IT" sz="1800" b="0" strike="noStrike" spc="-1">
                 <a:solidFill>
                   <a:srgbClr val="000000"/>
                 </a:solidFill>
@@ -3627,7 +4415,7 @@
               </a:rPr>
               <a:t>StockSim is a Java Application which allows users to simulate stock portfolios using statistical models built using NASDAQ historical data.</a:t>
             </a:r>
-            <a:endParaRPr b="0" lang="it-IT" sz="1800" spc="-1" strike="noStrike">
+            <a:endParaRPr lang="it-IT" sz="1800" b="0" strike="noStrike" spc="-1">
               <a:latin typeface="Arial"/>
             </a:endParaRPr>
           </a:p>
@@ -3643,7 +4431,7 @@
               <a:buChar char=""/>
             </a:pPr>
             <a:r>
-              <a:rPr b="0" lang="it-IT" sz="1800" spc="-1" strike="noStrike">
+              <a:rPr lang="it-IT" sz="1800" b="0" strike="noStrike" spc="-1">
                 <a:solidFill>
                   <a:srgbClr val="000000"/>
                 </a:solidFill>
@@ -3652,7 +4440,7 @@
               </a:rPr>
               <a:t>Users can sign up and sign in.</a:t>
             </a:r>
-            <a:endParaRPr b="0" lang="it-IT" sz="1800" spc="-1" strike="noStrike">
+            <a:endParaRPr lang="it-IT" sz="1800" b="0" strike="noStrike" spc="-1">
               <a:latin typeface="Arial"/>
             </a:endParaRPr>
           </a:p>
@@ -3668,7 +4456,7 @@
               <a:buChar char=""/>
             </a:pPr>
             <a:r>
-              <a:rPr b="0" lang="it-IT" sz="1800" spc="-1" strike="noStrike">
+              <a:rPr lang="it-IT" sz="1800" b="0" strike="noStrike" spc="-1">
                 <a:solidFill>
                   <a:srgbClr val="000000"/>
                 </a:solidFill>
@@ -3677,7 +4465,7 @@
               </a:rPr>
               <a:t>Users can view stock charts.</a:t>
             </a:r>
-            <a:endParaRPr b="0" lang="it-IT" sz="1800" spc="-1" strike="noStrike">
+            <a:endParaRPr lang="it-IT" sz="1800" b="0" strike="noStrike" spc="-1">
               <a:latin typeface="Arial"/>
             </a:endParaRPr>
           </a:p>
@@ -3693,7 +4481,7 @@
               <a:buChar char=""/>
             </a:pPr>
             <a:r>
-              <a:rPr b="0" lang="it-IT" sz="1800" spc="-1" strike="noStrike">
+              <a:rPr lang="it-IT" sz="1800" b="0" strike="noStrike" spc="-1">
                 <a:solidFill>
                   <a:srgbClr val="000000"/>
                 </a:solidFill>
@@ -3702,7 +4490,7 @@
               </a:rPr>
               <a:t>Users can create stock portfolios.</a:t>
             </a:r>
-            <a:endParaRPr b="0" lang="it-IT" sz="1800" spc="-1" strike="noStrike">
+            <a:endParaRPr lang="it-IT" sz="1800" b="0" strike="noStrike" spc="-1">
               <a:latin typeface="Arial"/>
             </a:endParaRPr>
           </a:p>
@@ -3718,7 +4506,7 @@
               <a:buChar char=""/>
             </a:pPr>
             <a:r>
-              <a:rPr b="0" lang="it-IT" sz="1800" spc="-1" strike="noStrike">
+              <a:rPr lang="it-IT" sz="1800" b="0" strike="noStrike" spc="-1">
                 <a:solidFill>
                   <a:srgbClr val="000000"/>
                 </a:solidFill>
@@ -3727,7 +4515,7 @@
               </a:rPr>
               <a:t>Users can simulate stock portfolios.</a:t>
             </a:r>
-            <a:endParaRPr b="0" lang="it-IT" sz="1800" spc="-1" strike="noStrike">
+            <a:endParaRPr lang="it-IT" sz="1800" b="0" strike="noStrike" spc="-1">
               <a:latin typeface="Arial"/>
             </a:endParaRPr>
           </a:p>
@@ -3743,7 +4531,7 @@
               <a:buChar char=""/>
             </a:pPr>
             <a:r>
-              <a:rPr b="0" lang="it-IT" sz="1800" spc="-1" strike="noStrike">
+              <a:rPr lang="it-IT" sz="1800" b="0" strike="noStrike" spc="-1">
                 <a:solidFill>
                   <a:srgbClr val="000000"/>
                 </a:solidFill>
@@ -3752,7 +4540,7 @@
               </a:rPr>
               <a:t>At the end of each simulation, statistics are provided and visualized.</a:t>
             </a:r>
-            <a:endParaRPr b="0" lang="it-IT" sz="1800" spc="-1" strike="noStrike">
+            <a:endParaRPr lang="it-IT" sz="1800" b="0" strike="noStrike" spc="-1">
               <a:latin typeface="Arial"/>
             </a:endParaRPr>
           </a:p>
@@ -3762,7 +4550,7 @@
                 <a:spcPct val="150000"/>
               </a:lnSpc>
             </a:pPr>
-            <a:endParaRPr b="0" lang="it-IT" sz="1800" spc="-1" strike="noStrike">
+            <a:endParaRPr lang="it-IT" sz="1800" b="0" strike="noStrike" spc="-1">
               <a:latin typeface="Arial"/>
             </a:endParaRPr>
           </a:p>
@@ -3770,22 +4558,25 @@
       </p:sp>
     </p:spTree>
   </p:cSld>
+  <p:clrMapOvr>
+    <a:masterClrMapping/>
+  </p:clrMapOvr>
   <p:timing>
     <p:tnLst>
       <p:par>
-        <p:cTn id="3" dur="indefinite" restart="never" nodeType="tmRoot">
+        <p:cTn id="1" dur="indefinite" restart="never" nodeType="tmRoot">
           <p:childTnLst>
             <p:seq>
-              <p:cTn id="4" dur="indefinite" nodeType="mainSeq"/>
+              <p:cTn id="2" dur="indefinite" nodeType="mainSeq"/>
               <p:prevCondLst>
-                <p:cond delay="0" evt="onPrev">
+                <p:cond evt="onPrev" delay="0">
                   <p:tgtEl>
                     <p:sldTgt/>
                   </p:tgtEl>
                 </p:cond>
               </p:prevCondLst>
               <p:nextCondLst>
-                <p:cond delay="0" evt="onNext">
+                <p:cond evt="onNext" delay="0">
                   <p:tgtEl>
                     <p:sldTgt/>
                   </p:tgtEl>
@@ -3801,7 +4592,7 @@
 </file>
 
 <file path=ppt/slides/slide3.xml><?xml version="1.0" encoding="utf-8"?>
-<p:sld xmlns:a="http://schemas.openxmlformats.org/drawingml/2006/main" xmlns:p="http://schemas.openxmlformats.org/presentationml/2006/main" xmlns:r="http://schemas.openxmlformats.org/officeDocument/2006/relationships" xmlns:p14="http://schemas.microsoft.com/office/powerpoint/2010/main" xmlns:p15="http://schemas.microsoft.com/office/powerpoint/2012/main" xmlns:mc="http://schemas.openxmlformats.org/markup-compatibility/2006">
+<p:sld xmlns:a="http://schemas.openxmlformats.org/drawingml/2006/main" xmlns:r="http://schemas.openxmlformats.org/officeDocument/2006/relationships" xmlns:p="http://schemas.openxmlformats.org/presentationml/2006/main">
   <p:cSld>
     <p:spTree>
       <p:nvGrpSpPr>
@@ -3837,15 +4628,22 @@
           </a:ln>
         </p:spPr>
         <p:style>
-          <a:lnRef idx="0"/>
-          <a:fillRef idx="0"/>
-          <a:effectRef idx="0"/>
+          <a:lnRef idx="0">
+            <a:scrgbClr r="0" g="0" b="0"/>
+          </a:lnRef>
+          <a:fillRef idx="0">
+            <a:scrgbClr r="0" g="0" b="0"/>
+          </a:fillRef>
+          <a:effectRef idx="0">
+            <a:scrgbClr r="0" g="0" b="0"/>
+          </a:effectRef>
           <a:fontRef idx="minor"/>
         </p:style>
         <p:txBody>
-          <a:bodyPr lIns="90000" rIns="90000" tIns="45000" bIns="45000" anchor="ctr">
-            <a:normAutofit/>
+          <a:bodyPr lIns="90000" tIns="45000" rIns="90000" bIns="45000" anchor="ctr">
+            <a:normAutofit fontScale="92500" lnSpcReduction="20000"/>
           </a:bodyPr>
+          <a:lstStyle/>
           <a:p>
             <a:pPr algn="ctr">
               <a:lnSpc>
@@ -3853,7 +4651,7 @@
               </a:lnSpc>
             </a:pPr>
             <a:r>
-              <a:rPr b="0" lang="it-IT" sz="4400" spc="-1" strike="noStrike">
+              <a:rPr lang="it-IT" sz="4400" b="0" strike="noStrike" spc="-1">
                 <a:solidFill>
                   <a:srgbClr val="000000"/>
                 </a:solidFill>
@@ -3862,79 +4660,69 @@
               </a:rPr>
               <a:t>Actors and main supported functionalities</a:t>
             </a:r>
-            <a:endParaRPr b="0" lang="it-IT" sz="4400" spc="-1" strike="noStrike">
-              <a:latin typeface="Arial"/>
-            </a:endParaRPr>
-          </a:p>
-        </p:txBody>
-      </p:sp>
-      <p:sp>
-        <p:nvSpPr>
-          <p:cNvPr id="87" name="CustomShape 2"/>
-          <p:cNvSpPr/>
+            <a:endParaRPr lang="it-IT" sz="4400" b="0" strike="noStrike" spc="-1">
+              <a:latin typeface="Arial"/>
+            </a:endParaRPr>
+          </a:p>
+        </p:txBody>
+      </p:sp>
+      <p:pic>
+        <p:nvPicPr>
+          <p:cNvPr id="3" name="Immagine 2">
+            <a:extLst>
+              <a:ext uri="{FF2B5EF4-FFF2-40B4-BE49-F238E27FC236}">
+                <a16:creationId xmlns:a16="http://schemas.microsoft.com/office/drawing/2014/main" id="{A91E963F-94A4-46BA-AA21-B976A60AA9AD}"/>
+              </a:ext>
+            </a:extLst>
+          </p:cNvPr>
+          <p:cNvPicPr>
+            <a:picLocks noChangeAspect="1"/>
+          </p:cNvPicPr>
           <p:nvPr/>
-        </p:nvSpPr>
-        <p:spPr>
-          <a:xfrm>
-            <a:off x="457200" y="1812600"/>
-            <a:ext cx="8211960" cy="363600"/>
-          </a:xfrm>
-          <a:prstGeom prst="rect">
-            <a:avLst/>
-          </a:prstGeom>
-          <a:noFill/>
-          <a:ln>
-            <a:noFill/>
-          </a:ln>
-        </p:spPr>
-        <p:style>
-          <a:lnRef idx="0"/>
-          <a:fillRef idx="0"/>
-          <a:effectRef idx="0"/>
-          <a:fontRef idx="minor"/>
-        </p:style>
-        <p:txBody>
-          <a:bodyPr lIns="90000" rIns="90000" tIns="45000" bIns="45000"/>
-          <a:p>
-            <a:pPr>
-              <a:lnSpc>
-                <a:spcPct val="100000"/>
-              </a:lnSpc>
-            </a:pPr>
-            <a:r>
-              <a:rPr b="0" lang="it-IT" sz="1800" spc="-1" strike="noStrike">
-                <a:solidFill>
-                  <a:srgbClr val="000000"/>
-                </a:solidFill>
-                <a:latin typeface="Calibri"/>
-                <a:ea typeface="DejaVu Sans"/>
-              </a:rPr>
-              <a:t>A simplified use case diagram can be used.</a:t>
-            </a:r>
-            <a:endParaRPr b="0" lang="it-IT" sz="1800" spc="-1" strike="noStrike">
-              <a:latin typeface="Arial"/>
-            </a:endParaRPr>
-          </a:p>
-        </p:txBody>
-      </p:sp>
+        </p:nvPicPr>
+        <p:blipFill>
+          <a:blip r:embed="rId2">
+            <a:extLst>
+              <a:ext uri="{28A0092B-C50C-407E-A947-70E740481C1C}">
+                <a14:useLocalDpi xmlns:a14="http://schemas.microsoft.com/office/drawing/2010/main" val="0"/>
+              </a:ext>
+            </a:extLst>
+          </a:blip>
+          <a:stretch>
+            <a:fillRect/>
+          </a:stretch>
+        </p:blipFill>
+        <p:spPr>
+          <a:xfrm>
+            <a:off x="977884" y="1613161"/>
+            <a:ext cx="7009089" cy="4118335"/>
+          </a:xfrm>
+          <a:prstGeom prst="rect">
+            <a:avLst/>
+          </a:prstGeom>
+        </p:spPr>
+      </p:pic>
     </p:spTree>
   </p:cSld>
+  <p:clrMapOvr>
+    <a:masterClrMapping/>
+  </p:clrMapOvr>
   <p:timing>
     <p:tnLst>
       <p:par>
-        <p:cTn id="5" dur="indefinite" restart="never" nodeType="tmRoot">
+        <p:cTn id="1" dur="indefinite" restart="never" nodeType="tmRoot">
           <p:childTnLst>
             <p:seq>
-              <p:cTn id="6" dur="indefinite" nodeType="mainSeq"/>
+              <p:cTn id="2" dur="indefinite" nodeType="mainSeq"/>
               <p:prevCondLst>
-                <p:cond delay="0" evt="onPrev">
+                <p:cond evt="onPrev" delay="0">
                   <p:tgtEl>
                     <p:sldTgt/>
                   </p:tgtEl>
                 </p:cond>
               </p:prevCondLst>
               <p:nextCondLst>
-                <p:cond delay="0" evt="onNext">
+                <p:cond evt="onNext" delay="0">
                   <p:tgtEl>
                     <p:sldTgt/>
                   </p:tgtEl>
@@ -3950,7 +4738,7 @@
 </file>
 
 <file path=ppt/slides/slide4.xml><?xml version="1.0" encoding="utf-8"?>
-<p:sld xmlns:a="http://schemas.openxmlformats.org/drawingml/2006/main" xmlns:p="http://schemas.openxmlformats.org/presentationml/2006/main" xmlns:r="http://schemas.openxmlformats.org/officeDocument/2006/relationships" xmlns:p14="http://schemas.microsoft.com/office/powerpoint/2010/main" xmlns:p15="http://schemas.microsoft.com/office/powerpoint/2012/main" xmlns:mc="http://schemas.openxmlformats.org/markup-compatibility/2006">
+<p:sld xmlns:a="http://schemas.openxmlformats.org/drawingml/2006/main" xmlns:r="http://schemas.openxmlformats.org/officeDocument/2006/relationships" xmlns:p="http://schemas.openxmlformats.org/presentationml/2006/main">
   <p:cSld>
     <p:spTree>
       <p:nvGrpSpPr>
@@ -3986,13 +4774,20 @@
           </a:ln>
         </p:spPr>
         <p:style>
-          <a:lnRef idx="0"/>
-          <a:fillRef idx="0"/>
-          <a:effectRef idx="0"/>
+          <a:lnRef idx="0">
+            <a:scrgbClr r="0" g="0" b="0"/>
+          </a:lnRef>
+          <a:fillRef idx="0">
+            <a:scrgbClr r="0" g="0" b="0"/>
+          </a:fillRef>
+          <a:effectRef idx="0">
+            <a:scrgbClr r="0" g="0" b="0"/>
+          </a:effectRef>
           <a:fontRef idx="minor"/>
         </p:style>
         <p:txBody>
-          <a:bodyPr lIns="90000" rIns="90000" tIns="45000" bIns="45000" anchor="ctr"/>
+          <a:bodyPr lIns="90000" tIns="45000" rIns="90000" bIns="45000" anchor="ctr"/>
+          <a:lstStyle/>
           <a:p>
             <a:pPr algn="ctr">
               <a:lnSpc>
@@ -4000,7 +4795,7 @@
               </a:lnSpc>
             </a:pPr>
             <a:r>
-              <a:rPr b="0" lang="it-IT" sz="4400" spc="-1" strike="noStrike">
+              <a:rPr lang="it-IT" sz="4400" b="0" strike="noStrike" spc="-1">
                 <a:solidFill>
                   <a:srgbClr val="000000"/>
                 </a:solidFill>
@@ -4009,7 +4804,7 @@
               </a:rPr>
               <a:t>Dataset Description</a:t>
             </a:r>
-            <a:endParaRPr b="0" lang="it-IT" sz="4400" spc="-1" strike="noStrike">
+            <a:endParaRPr lang="it-IT" sz="4400" b="0" strike="noStrike" spc="-1">
               <a:latin typeface="Arial"/>
             </a:endParaRPr>
           </a:p>
@@ -4035,13 +4830,20 @@
           </a:ln>
         </p:spPr>
         <p:style>
-          <a:lnRef idx="0"/>
-          <a:fillRef idx="0"/>
-          <a:effectRef idx="0"/>
+          <a:lnRef idx="0">
+            <a:scrgbClr r="0" g="0" b="0"/>
+          </a:lnRef>
+          <a:fillRef idx="0">
+            <a:scrgbClr r="0" g="0" b="0"/>
+          </a:fillRef>
+          <a:effectRef idx="0">
+            <a:scrgbClr r="0" g="0" b="0"/>
+          </a:effectRef>
           <a:fontRef idx="minor"/>
         </p:style>
         <p:txBody>
-          <a:bodyPr lIns="90000" rIns="90000" tIns="45000" bIns="45000"/>
+          <a:bodyPr lIns="90000" tIns="45000" rIns="90000" bIns="45000"/>
+          <a:lstStyle/>
           <a:p>
             <a:pPr>
               <a:lnSpc>
@@ -4049,7 +4851,7 @@
               </a:lnSpc>
             </a:pPr>
             <a:r>
-              <a:rPr b="1" i="1" lang="it-IT" sz="1800" spc="-1" strike="noStrike">
+              <a:rPr lang="it-IT" sz="1800" b="1" i="1" strike="noStrike" spc="-1">
                 <a:solidFill>
                   <a:srgbClr val="000000"/>
                 </a:solidFill>
@@ -4058,7 +4860,7 @@
               </a:rPr>
               <a:t>Source:</a:t>
             </a:r>
-            <a:endParaRPr b="0" lang="it-IT" sz="1800" spc="-1" strike="noStrike">
+            <a:endParaRPr lang="it-IT" sz="1800" b="0" strike="noStrike" spc="-1">
               <a:latin typeface="Arial"/>
             </a:endParaRPr>
           </a:p>
@@ -4074,7 +4876,7 @@
               <a:buChar char="o"/>
             </a:pPr>
             <a:r>
-              <a:rPr b="0" lang="it-IT" sz="1800" spc="-1" strike="noStrike">
+              <a:rPr lang="it-IT" sz="1800" b="0" strike="noStrike" spc="-1">
                 <a:solidFill>
                   <a:srgbClr val="000000"/>
                 </a:solidFill>
@@ -4083,7 +4885,7 @@
               </a:rPr>
               <a:t>Yahoo! Finance</a:t>
             </a:r>
-            <a:endParaRPr b="0" lang="it-IT" sz="1800" spc="-1" strike="noStrike">
+            <a:endParaRPr lang="it-IT" sz="1800" b="0" strike="noStrike" spc="-1">
               <a:latin typeface="Arial"/>
             </a:endParaRPr>
           </a:p>
@@ -4099,7 +4901,7 @@
               <a:buChar char="o"/>
             </a:pPr>
             <a:r>
-              <a:rPr b="0" lang="it-IT" sz="1800" spc="-1" strike="noStrike">
+              <a:rPr lang="it-IT" sz="1800" b="0" strike="noStrike" spc="-1">
                 <a:solidFill>
                   <a:srgbClr val="000000"/>
                 </a:solidFill>
@@ -4108,7 +4910,7 @@
               </a:rPr>
               <a:t>NasdaqTrader</a:t>
             </a:r>
-            <a:endParaRPr b="0" lang="it-IT" sz="1800" spc="-1" strike="noStrike">
+            <a:endParaRPr lang="it-IT" sz="1800" b="0" strike="noStrike" spc="-1">
               <a:latin typeface="Arial"/>
             </a:endParaRPr>
           </a:p>
@@ -4118,7 +4920,7 @@
                 <a:spcPct val="100000"/>
               </a:lnSpc>
             </a:pPr>
-            <a:endParaRPr b="0" lang="it-IT" sz="1800" spc="-1" strike="noStrike">
+            <a:endParaRPr lang="it-IT" sz="1800" b="0" strike="noStrike" spc="-1">
               <a:latin typeface="Arial"/>
             </a:endParaRPr>
           </a:p>
@@ -4129,7 +4931,7 @@
               </a:lnSpc>
             </a:pPr>
             <a:r>
-              <a:rPr b="1" i="1" lang="it-IT" sz="1800" spc="-1" strike="noStrike">
+              <a:rPr lang="it-IT" sz="1800" b="1" i="1" strike="noStrike" spc="-1">
                 <a:solidFill>
                   <a:srgbClr val="000000"/>
                 </a:solidFill>
@@ -4139,7 +4941,7 @@
               <a:t>Description</a:t>
             </a:r>
             <a:r>
-              <a:rPr b="1" lang="it-IT" sz="1800" spc="-1" strike="noStrike">
+              <a:rPr lang="it-IT" sz="1800" b="1" strike="noStrike" spc="-1">
                 <a:solidFill>
                   <a:srgbClr val="000000"/>
                 </a:solidFill>
@@ -4148,7 +4950,7 @@
               </a:rPr>
               <a:t>:</a:t>
             </a:r>
-            <a:endParaRPr b="0" lang="it-IT" sz="1800" spc="-1" strike="noStrike">
+            <a:endParaRPr lang="it-IT" sz="1800" b="0" strike="noStrike" spc="-1">
               <a:latin typeface="Arial"/>
             </a:endParaRPr>
           </a:p>
@@ -4164,7 +4966,7 @@
               <a:buChar char="o"/>
             </a:pPr>
             <a:r>
-              <a:rPr b="1" lang="it-IT" sz="1800" spc="-1" strike="noStrike">
+              <a:rPr lang="it-IT" sz="1800" b="1" strike="noStrike" spc="-1">
                 <a:solidFill>
                   <a:srgbClr val="000000"/>
                 </a:solidFill>
@@ -4174,7 +4976,7 @@
               <a:t>Yahoo! Finance</a:t>
             </a:r>
             <a:r>
-              <a:rPr b="0" lang="it-IT" sz="1800" spc="-1" strike="noStrike">
+              <a:rPr lang="it-IT" sz="1800" b="0" strike="noStrike" spc="-1">
                 <a:solidFill>
                   <a:srgbClr val="000000"/>
                 </a:solidFill>
@@ -4183,7 +4985,7 @@
               </a:rPr>
               <a:t> is a media property that is part of Yahoo!'s network. It provides financial news, data and commentary including stock quotes, press releases, financial reports, and original content.</a:t>
             </a:r>
-            <a:endParaRPr b="0" lang="it-IT" sz="1800" spc="-1" strike="noStrike">
+            <a:endParaRPr lang="it-IT" sz="1800" b="0" strike="noStrike" spc="-1">
               <a:latin typeface="Arial"/>
             </a:endParaRPr>
           </a:p>
@@ -4199,7 +5001,7 @@
               <a:buChar char="o"/>
             </a:pPr>
             <a:r>
-              <a:rPr b="1" lang="it-IT" sz="1800" spc="-1" strike="noStrike">
+              <a:rPr lang="it-IT" sz="1800" b="1" strike="noStrike" spc="-1">
                 <a:solidFill>
                   <a:srgbClr val="000000"/>
                 </a:solidFill>
@@ -4209,7 +5011,7 @@
               <a:t>NasdaqTrader</a:t>
             </a:r>
             <a:r>
-              <a:rPr b="0" lang="it-IT" sz="1800" spc="-1" strike="noStrike">
+              <a:rPr lang="it-IT" sz="1800" b="0" strike="noStrike" spc="-1">
                 <a:solidFill>
                   <a:srgbClr val="000000"/>
                 </a:solidFill>
@@ -4218,7 +5020,7 @@
               </a:rPr>
               <a:t> is a website that covers the Nasdaq market providing proprietary access to trading liquidity.</a:t>
             </a:r>
-            <a:endParaRPr b="0" lang="it-IT" sz="1800" spc="-1" strike="noStrike">
+            <a:endParaRPr lang="it-IT" sz="1800" b="0" strike="noStrike" spc="-1">
               <a:latin typeface="Arial"/>
             </a:endParaRPr>
           </a:p>
@@ -4228,7 +5030,7 @@
                 <a:spcPct val="100000"/>
               </a:lnSpc>
             </a:pPr>
-            <a:endParaRPr b="0" lang="it-IT" sz="1800" spc="-1" strike="noStrike">
+            <a:endParaRPr lang="it-IT" sz="1800" b="0" strike="noStrike" spc="-1">
               <a:latin typeface="Arial"/>
             </a:endParaRPr>
           </a:p>
@@ -4239,7 +5041,7 @@
               </a:lnSpc>
             </a:pPr>
             <a:r>
-              <a:rPr b="1" i="1" lang="it-IT" sz="1800" spc="-1" strike="noStrike">
+              <a:rPr lang="it-IT" sz="1800" b="1" i="1" strike="noStrike" spc="-1">
                 <a:solidFill>
                   <a:srgbClr val="000000"/>
                 </a:solidFill>
@@ -4249,7 +5051,7 @@
               <a:t>Volume: </a:t>
             </a:r>
             <a:r>
-              <a:rPr b="0" lang="it-IT" sz="1800" spc="-1" strike="noStrike">
+              <a:rPr lang="it-IT" sz="1800" b="0" strike="noStrike" spc="-1">
                 <a:solidFill>
                   <a:srgbClr val="000000"/>
                 </a:solidFill>
@@ -4258,7 +5060,7 @@
               </a:rPr>
               <a:t>~ 2.7 GB</a:t>
             </a:r>
-            <a:endParaRPr b="0" lang="it-IT" sz="1800" spc="-1" strike="noStrike">
+            <a:endParaRPr lang="it-IT" sz="1800" b="0" strike="noStrike" spc="-1">
               <a:latin typeface="Arial"/>
             </a:endParaRPr>
           </a:p>
@@ -4268,7 +5070,7 @@
                 <a:spcPct val="100000"/>
               </a:lnSpc>
             </a:pPr>
-            <a:endParaRPr b="0" lang="it-IT" sz="1800" spc="-1" strike="noStrike">
+            <a:endParaRPr lang="it-IT" sz="1800" b="0" strike="noStrike" spc="-1">
               <a:latin typeface="Arial"/>
             </a:endParaRPr>
           </a:p>
@@ -4279,7 +5081,7 @@
               </a:lnSpc>
             </a:pPr>
             <a:r>
-              <a:rPr b="1" i="1" lang="it-IT" sz="1800" spc="-1" strike="noStrike">
+              <a:rPr lang="it-IT" sz="1800" b="1" i="1" strike="noStrike" spc="-1">
                 <a:solidFill>
                   <a:srgbClr val="000000"/>
                 </a:solidFill>
@@ -4289,7 +5091,7 @@
               <a:t>Variety</a:t>
             </a:r>
             <a:r>
-              <a:rPr b="0" lang="it-IT" sz="1800" spc="-1" strike="noStrike">
+              <a:rPr lang="it-IT" sz="1800" b="0" strike="noStrike" spc="-1">
                 <a:solidFill>
                   <a:srgbClr val="000000"/>
                 </a:solidFill>
@@ -4298,7 +5100,7 @@
               </a:rPr>
               <a:t>: TODO</a:t>
             </a:r>
-            <a:endParaRPr b="0" lang="it-IT" sz="1800" spc="-1" strike="noStrike">
+            <a:endParaRPr lang="it-IT" sz="1800" b="0" strike="noStrike" spc="-1">
               <a:latin typeface="Arial"/>
             </a:endParaRPr>
           </a:p>
@@ -4308,7 +5110,7 @@
                 <a:spcPct val="100000"/>
               </a:lnSpc>
             </a:pPr>
-            <a:endParaRPr b="0" lang="it-IT" sz="1800" spc="-1" strike="noStrike">
+            <a:endParaRPr lang="it-IT" sz="1800" b="0" strike="noStrike" spc="-1">
               <a:latin typeface="Arial"/>
             </a:endParaRPr>
           </a:p>
@@ -4319,7 +5121,7 @@
               </a:lnSpc>
             </a:pPr>
             <a:r>
-              <a:rPr b="1" i="1" lang="it-IT" sz="1800" spc="-1" strike="noStrike">
+              <a:rPr lang="it-IT" sz="1800" b="1" i="1" strike="noStrike" spc="-1">
                 <a:solidFill>
                   <a:srgbClr val="000000"/>
                 </a:solidFill>
@@ -4329,7 +5131,7 @@
               <a:t>Velocity/Variability</a:t>
             </a:r>
             <a:r>
-              <a:rPr b="0" lang="it-IT" sz="1800" spc="-1" strike="noStrike">
+              <a:rPr lang="it-IT" sz="1800" b="0" strike="noStrike" spc="-1">
                 <a:solidFill>
                   <a:srgbClr val="000000"/>
                 </a:solidFill>
@@ -4338,7 +5140,7 @@
               </a:rPr>
               <a:t>: indices and shares of each of the 8000+ NASDAQ stocks are updated automatically every day.</a:t>
             </a:r>
-            <a:endParaRPr b="0" lang="it-IT" sz="1800" spc="-1" strike="noStrike">
+            <a:endParaRPr lang="it-IT" sz="1800" b="0" strike="noStrike" spc="-1">
               <a:latin typeface="Arial"/>
             </a:endParaRPr>
           </a:p>
@@ -4348,7 +5150,7 @@
                 <a:spcPct val="100000"/>
               </a:lnSpc>
             </a:pPr>
-            <a:endParaRPr b="0" lang="it-IT" sz="1800" spc="-1" strike="noStrike">
+            <a:endParaRPr lang="it-IT" sz="1800" b="0" strike="noStrike" spc="-1">
               <a:latin typeface="Arial"/>
             </a:endParaRPr>
           </a:p>
@@ -4356,22 +5158,25 @@
       </p:sp>
     </p:spTree>
   </p:cSld>
+  <p:clrMapOvr>
+    <a:masterClrMapping/>
+  </p:clrMapOvr>
   <p:timing>
     <p:tnLst>
       <p:par>
-        <p:cTn id="7" dur="indefinite" restart="never" nodeType="tmRoot">
+        <p:cTn id="1" dur="indefinite" restart="never" nodeType="tmRoot">
           <p:childTnLst>
             <p:seq>
-              <p:cTn id="8" dur="indefinite" nodeType="mainSeq"/>
+              <p:cTn id="2" dur="indefinite" nodeType="mainSeq"/>
               <p:prevCondLst>
-                <p:cond delay="0" evt="onPrev">
+                <p:cond evt="onPrev" delay="0">
                   <p:tgtEl>
                     <p:sldTgt/>
                   </p:tgtEl>
                 </p:cond>
               </p:prevCondLst>
               <p:nextCondLst>
-                <p:cond delay="0" evt="onNext">
+                <p:cond evt="onNext" delay="0">
                   <p:tgtEl>
                     <p:sldTgt/>
                   </p:tgtEl>
@@ -4387,7 +5192,7 @@
 </file>
 
 <file path=ppt/slides/slide5.xml><?xml version="1.0" encoding="utf-8"?>
-<p:sld xmlns:a="http://schemas.openxmlformats.org/drawingml/2006/main" xmlns:p="http://schemas.openxmlformats.org/presentationml/2006/main" xmlns:r="http://schemas.openxmlformats.org/officeDocument/2006/relationships" xmlns:p14="http://schemas.microsoft.com/office/powerpoint/2010/main" xmlns:p15="http://schemas.microsoft.com/office/powerpoint/2012/main" xmlns:mc="http://schemas.openxmlformats.org/markup-compatibility/2006">
+<p:sld xmlns:a="http://schemas.openxmlformats.org/drawingml/2006/main" xmlns:r="http://schemas.openxmlformats.org/officeDocument/2006/relationships" xmlns:p="http://schemas.openxmlformats.org/presentationml/2006/main">
   <p:cSld>
     <p:spTree>
       <p:nvGrpSpPr>
@@ -4423,13 +5228,20 @@
           </a:ln>
         </p:spPr>
         <p:style>
-          <a:lnRef idx="0"/>
-          <a:fillRef idx="0"/>
-          <a:effectRef idx="0"/>
+          <a:lnRef idx="0">
+            <a:scrgbClr r="0" g="0" b="0"/>
+          </a:lnRef>
+          <a:fillRef idx="0">
+            <a:scrgbClr r="0" g="0" b="0"/>
+          </a:fillRef>
+          <a:effectRef idx="0">
+            <a:scrgbClr r="0" g="0" b="0"/>
+          </a:effectRef>
           <a:fontRef idx="minor"/>
         </p:style>
         <p:txBody>
-          <a:bodyPr lIns="90000" rIns="90000" tIns="45000" bIns="45000" anchor="ctr"/>
+          <a:bodyPr lIns="90000" tIns="45000" rIns="90000" bIns="45000" anchor="ctr"/>
+          <a:lstStyle/>
           <a:p>
             <a:pPr algn="ctr">
               <a:lnSpc>
@@ -4437,7 +5249,7 @@
               </a:lnSpc>
             </a:pPr>
             <a:r>
-              <a:rPr b="0" lang="it-IT" sz="4400" spc="-1" strike="noStrike">
+              <a:rPr lang="it-IT" sz="4400" b="0" strike="noStrike" spc="-1">
                 <a:solidFill>
                   <a:srgbClr val="000000"/>
                 </a:solidFill>
@@ -4446,7 +5258,7 @@
               </a:rPr>
               <a:t>Preliminary UML Class Diagram</a:t>
             </a:r>
-            <a:endParaRPr b="0" lang="it-IT" sz="4400" spc="-1" strike="noStrike">
+            <a:endParaRPr lang="it-IT" sz="4400" b="0" strike="noStrike" spc="-1">
               <a:latin typeface="Arial"/>
             </a:endParaRPr>
           </a:p>
@@ -4454,22 +5266,25 @@
       </p:sp>
     </p:spTree>
   </p:cSld>
+  <p:clrMapOvr>
+    <a:masterClrMapping/>
+  </p:clrMapOvr>
   <p:timing>
     <p:tnLst>
       <p:par>
-        <p:cTn id="9" dur="indefinite" restart="never" nodeType="tmRoot">
+        <p:cTn id="1" dur="indefinite" restart="never" nodeType="tmRoot">
           <p:childTnLst>
             <p:seq>
-              <p:cTn id="10" dur="indefinite" nodeType="mainSeq"/>
+              <p:cTn id="2" dur="indefinite" nodeType="mainSeq"/>
               <p:prevCondLst>
-                <p:cond delay="0" evt="onPrev">
+                <p:cond evt="onPrev" delay="0">
                   <p:tgtEl>
                     <p:sldTgt/>
                   </p:tgtEl>
                 </p:cond>
               </p:prevCondLst>
               <p:nextCondLst>
-                <p:cond delay="0" evt="onNext">
+                <p:cond evt="onNext" delay="0">
                   <p:tgtEl>
                     <p:sldTgt/>
                   </p:tgtEl>
@@ -4485,7 +5300,7 @@
 </file>
 
 <file path=ppt/slides/slide6.xml><?xml version="1.0" encoding="utf-8"?>
-<p:sld xmlns:a="http://schemas.openxmlformats.org/drawingml/2006/main" xmlns:p="http://schemas.openxmlformats.org/presentationml/2006/main" xmlns:r="http://schemas.openxmlformats.org/officeDocument/2006/relationships" xmlns:p14="http://schemas.microsoft.com/office/powerpoint/2010/main" xmlns:p15="http://schemas.microsoft.com/office/powerpoint/2012/main" xmlns:mc="http://schemas.openxmlformats.org/markup-compatibility/2006">
+<p:sld xmlns:a="http://schemas.openxmlformats.org/drawingml/2006/main" xmlns:r="http://schemas.openxmlformats.org/officeDocument/2006/relationships" xmlns:p="http://schemas.openxmlformats.org/presentationml/2006/main">
   <p:cSld>
     <p:spTree>
       <p:nvGrpSpPr>
@@ -4521,15 +5336,22 @@
           </a:ln>
         </p:spPr>
         <p:style>
-          <a:lnRef idx="0"/>
-          <a:fillRef idx="0"/>
-          <a:effectRef idx="0"/>
+          <a:lnRef idx="0">
+            <a:scrgbClr r="0" g="0" b="0"/>
+          </a:lnRef>
+          <a:fillRef idx="0">
+            <a:scrgbClr r="0" g="0" b="0"/>
+          </a:fillRef>
+          <a:effectRef idx="0">
+            <a:scrgbClr r="0" g="0" b="0"/>
+          </a:effectRef>
           <a:fontRef idx="minor"/>
         </p:style>
         <p:txBody>
-          <a:bodyPr lIns="90000" rIns="90000" tIns="45000" bIns="45000" anchor="ctr">
-            <a:normAutofit/>
+          <a:bodyPr lIns="90000" tIns="45000" rIns="90000" bIns="45000" anchor="ctr">
+            <a:normAutofit fontScale="92500" lnSpcReduction="20000"/>
           </a:bodyPr>
+          <a:lstStyle/>
           <a:p>
             <a:pPr algn="ctr">
               <a:lnSpc>
@@ -4537,7 +5359,7 @@
               </a:lnSpc>
             </a:pPr>
             <a:r>
-              <a:rPr b="0" lang="it-IT" sz="4400" spc="-1" strike="noStrike">
+              <a:rPr lang="it-IT" sz="4400" b="0" strike="noStrike" spc="-1">
                 <a:solidFill>
                   <a:srgbClr val="000000"/>
                 </a:solidFill>
@@ -4548,7 +5370,7 @@
             </a:r>
             <a:br/>
             <a:r>
-              <a:rPr b="0" lang="it-IT" sz="4400" spc="-1" strike="noStrike">
+              <a:rPr lang="it-IT" sz="4400" b="0" strike="noStrike" spc="-1">
                 <a:solidFill>
                   <a:srgbClr val="000000"/>
                 </a:solidFill>
@@ -4557,7 +5379,7 @@
               </a:rPr>
               <a:t>handled by Document DB</a:t>
             </a:r>
-            <a:endParaRPr b="0" lang="it-IT" sz="4400" spc="-1" strike="noStrike">
+            <a:endParaRPr lang="it-IT" sz="4400" b="0" strike="noStrike" spc="-1">
               <a:latin typeface="Arial"/>
             </a:endParaRPr>
           </a:p>
@@ -4583,13 +5405,20 @@
           </a:ln>
         </p:spPr>
         <p:style>
-          <a:lnRef idx="0"/>
-          <a:fillRef idx="0"/>
-          <a:effectRef idx="0"/>
+          <a:lnRef idx="0">
+            <a:scrgbClr r="0" g="0" b="0"/>
+          </a:lnRef>
+          <a:fillRef idx="0">
+            <a:scrgbClr r="0" g="0" b="0"/>
+          </a:fillRef>
+          <a:effectRef idx="0">
+            <a:scrgbClr r="0" g="0" b="0"/>
+          </a:effectRef>
           <a:fontRef idx="minor"/>
         </p:style>
         <p:txBody>
-          <a:bodyPr lIns="90000" rIns="90000" tIns="45000" bIns="45000"/>
+          <a:bodyPr lIns="90000" tIns="45000" rIns="90000" bIns="45000"/>
+          <a:lstStyle/>
           <a:p>
             <a:pPr marL="285840" indent="-284400">
               <a:lnSpc>
@@ -4602,17 +5431,31 @@
               <a:buChar char="•"/>
             </a:pPr>
             <a:r>
-              <a:rPr b="0" lang="it-IT" sz="2000" spc="-1" strike="noStrike">
-                <a:solidFill>
-                  <a:srgbClr val="000000"/>
-                </a:solidFill>
-                <a:latin typeface="Arial"/>
-                <a:ea typeface="DejaVu Sans"/>
-              </a:rPr>
-              <a:t>User (login): details</a:t>
-            </a:r>
-            <a:endParaRPr b="0" lang="it-IT" sz="2000" spc="-1" strike="noStrike">
-              <a:latin typeface="Arial"/>
+              <a:rPr lang="it-IT" sz="2400" b="0" strike="noStrike" spc="-1" dirty="0">
+                <a:solidFill>
+                  <a:srgbClr val="000000"/>
+                </a:solidFill>
+                <a:latin typeface="Arial"/>
+                <a:ea typeface="DejaVu Sans"/>
+              </a:rPr>
+              <a:t>Users’ personal information and </a:t>
+            </a:r>
+            <a:r>
+              <a:rPr lang="it-IT" sz="2400" b="0" strike="noStrike" spc="-1" dirty="0" err="1">
+                <a:solidFill>
+                  <a:srgbClr val="000000"/>
+                </a:solidFill>
+                <a:latin typeface="Arial"/>
+                <a:ea typeface="DejaVu Sans"/>
+              </a:rPr>
+              <a:t>preferences</a:t>
+            </a:r>
+            <a:endParaRPr lang="it-IT" sz="2400" b="0" strike="noStrike" spc="-1" dirty="0">
+              <a:solidFill>
+                <a:srgbClr val="000000"/>
+              </a:solidFill>
+              <a:latin typeface="Arial"/>
+              <a:ea typeface="DejaVu Sans"/>
             </a:endParaRPr>
           </a:p>
           <a:p>
@@ -4627,18 +5470,13 @@
               <a:buChar char="•"/>
             </a:pPr>
             <a:r>
-              <a:rPr b="0" lang="it-IT" sz="2000" spc="-1" strike="noStrike">
-                <a:solidFill>
-                  <a:srgbClr val="000000"/>
-                </a:solidFill>
-                <a:latin typeface="Arial"/>
-                <a:ea typeface="DejaVu Sans"/>
-              </a:rPr>
-              <a:t>Stock info: details</a:t>
-            </a:r>
-            <a:endParaRPr b="0" lang="it-IT" sz="2000" spc="-1" strike="noStrike">
-              <a:latin typeface="Arial"/>
-            </a:endParaRPr>
+              <a:rPr lang="it-IT" sz="2400" spc="-1" dirty="0">
+                <a:solidFill>
+                  <a:srgbClr val="000000"/>
+                </a:solidFill>
+              </a:rPr>
+              <a:t>Users’ authentication</a:t>
+            </a:r>
           </a:p>
           <a:p>
             <a:pPr marL="285840" indent="-284400">
@@ -4652,16 +5490,207 @@
               <a:buChar char="•"/>
             </a:pPr>
             <a:r>
-              <a:rPr b="0" lang="it-IT" sz="2000" spc="-1" strike="noStrike">
-                <a:solidFill>
-                  <a:srgbClr val="000000"/>
-                </a:solidFill>
-                <a:latin typeface="Arial"/>
-                <a:ea typeface="DejaVu Sans"/>
-              </a:rPr>
-              <a:t>Portfolio info: details</a:t>
-            </a:r>
-            <a:endParaRPr b="0" lang="it-IT" sz="2000" spc="-1" strike="noStrike">
+              <a:rPr lang="it-IT" sz="2400" b="0" strike="noStrike" spc="-1" dirty="0">
+                <a:solidFill>
+                  <a:srgbClr val="000000"/>
+                </a:solidFill>
+                <a:latin typeface="Arial"/>
+                <a:ea typeface="DejaVu Sans"/>
+              </a:rPr>
+              <a:t>Stocks’ information (company </a:t>
+            </a:r>
+            <a:r>
+              <a:rPr lang="it-IT" sz="2400" b="0" strike="noStrike" spc="-1" dirty="0" err="1">
+                <a:solidFill>
+                  <a:srgbClr val="000000"/>
+                </a:solidFill>
+                <a:latin typeface="Arial"/>
+                <a:ea typeface="DejaVu Sans"/>
+              </a:rPr>
+              <a:t>details</a:t>
+            </a:r>
+            <a:r>
+              <a:rPr lang="it-IT" sz="2400" b="0" strike="noStrike" spc="-1" dirty="0">
+                <a:solidFill>
+                  <a:srgbClr val="000000"/>
+                </a:solidFill>
+                <a:latin typeface="Arial"/>
+                <a:ea typeface="DejaVu Sans"/>
+              </a:rPr>
+              <a:t>, trade, </a:t>
+            </a:r>
+            <a:r>
+              <a:rPr lang="it-IT" sz="2400" b="0" strike="noStrike" spc="-1" dirty="0" err="1">
+                <a:solidFill>
+                  <a:srgbClr val="000000"/>
+                </a:solidFill>
+                <a:latin typeface="Arial"/>
+                <a:ea typeface="DejaVu Sans"/>
+              </a:rPr>
+              <a:t>capitalization</a:t>
+            </a:r>
+            <a:r>
+              <a:rPr lang="it-IT" sz="2400" b="0" strike="noStrike" spc="-1" dirty="0">
+                <a:solidFill>
+                  <a:srgbClr val="000000"/>
+                </a:solidFill>
+                <a:latin typeface="Arial"/>
+                <a:ea typeface="DejaVu Sans"/>
+              </a:rPr>
+              <a:t>…)</a:t>
+            </a:r>
+          </a:p>
+          <a:p>
+            <a:pPr marL="285840" indent="-284400">
+              <a:lnSpc>
+                <a:spcPct val="150000"/>
+              </a:lnSpc>
+              <a:buClr>
+                <a:srgbClr val="000000"/>
+              </a:buClr>
+              <a:buFont typeface="Arial"/>
+              <a:buChar char="•"/>
+            </a:pPr>
+            <a:r>
+              <a:rPr lang="it-IT" sz="2400" b="0" strike="noStrike" spc="-1" dirty="0">
+                <a:solidFill>
+                  <a:srgbClr val="000000"/>
+                </a:solidFill>
+                <a:latin typeface="Arial"/>
+                <a:ea typeface="DejaVu Sans"/>
+              </a:rPr>
+              <a:t>Indexes’ information (</a:t>
+            </a:r>
+            <a:r>
+              <a:rPr lang="it-IT" sz="2400" spc="-1" dirty="0" err="1">
+                <a:solidFill>
+                  <a:srgbClr val="000000"/>
+                </a:solidFill>
+                <a:latin typeface="Arial"/>
+                <a:ea typeface="DejaVu Sans"/>
+              </a:rPr>
+              <a:t>c</a:t>
+            </a:r>
+            <a:r>
+              <a:rPr lang="it-IT" sz="2400" b="0" strike="noStrike" spc="-1" dirty="0" err="1">
+                <a:solidFill>
+                  <a:srgbClr val="000000"/>
+                </a:solidFill>
+                <a:latin typeface="Arial"/>
+                <a:ea typeface="DejaVu Sans"/>
+              </a:rPr>
+              <a:t>omposition</a:t>
+            </a:r>
+            <a:r>
+              <a:rPr lang="it-IT" sz="2400" b="0" strike="noStrike" spc="-1" dirty="0">
+                <a:solidFill>
+                  <a:srgbClr val="000000"/>
+                </a:solidFill>
+                <a:latin typeface="Arial"/>
+                <a:ea typeface="DejaVu Sans"/>
+              </a:rPr>
+              <a:t>, </a:t>
+            </a:r>
+            <a:r>
+              <a:rPr lang="it-IT" sz="2400" b="0" strike="noStrike" spc="-1" dirty="0" err="1">
+                <a:solidFill>
+                  <a:srgbClr val="000000"/>
+                </a:solidFill>
+                <a:latin typeface="Arial"/>
+                <a:ea typeface="DejaVu Sans"/>
+              </a:rPr>
+              <a:t>details</a:t>
+            </a:r>
+            <a:r>
+              <a:rPr lang="it-IT" sz="2400" b="0" strike="noStrike" spc="-1" dirty="0">
+                <a:solidFill>
+                  <a:srgbClr val="000000"/>
+                </a:solidFill>
+                <a:latin typeface="Arial"/>
+                <a:ea typeface="DejaVu Sans"/>
+              </a:rPr>
+              <a:t>…)</a:t>
+            </a:r>
+            <a:endParaRPr lang="it-IT" sz="2400" b="0" strike="noStrike" spc="-1" dirty="0">
+              <a:latin typeface="Arial"/>
+            </a:endParaRPr>
+          </a:p>
+          <a:p>
+            <a:pPr marL="285840" indent="-284400">
+              <a:lnSpc>
+                <a:spcPct val="150000"/>
+              </a:lnSpc>
+              <a:buClr>
+                <a:srgbClr val="000000"/>
+              </a:buClr>
+              <a:buFont typeface="Arial"/>
+              <a:buChar char="•"/>
+            </a:pPr>
+            <a:r>
+              <a:rPr lang="it-IT" sz="2400" b="0" strike="noStrike" spc="-1" dirty="0" err="1">
+                <a:solidFill>
+                  <a:srgbClr val="000000"/>
+                </a:solidFill>
+                <a:latin typeface="Arial"/>
+                <a:ea typeface="DejaVu Sans"/>
+              </a:rPr>
+              <a:t>Portfolio’s</a:t>
+            </a:r>
+            <a:r>
+              <a:rPr lang="it-IT" sz="2400" b="0" strike="noStrike" spc="-1" dirty="0">
+                <a:solidFill>
+                  <a:srgbClr val="000000"/>
+                </a:solidFill>
+                <a:latin typeface="Arial"/>
+                <a:ea typeface="DejaVu Sans"/>
+              </a:rPr>
+              <a:t> information</a:t>
+            </a:r>
+            <a:r>
+              <a:rPr lang="it-IT" sz="2400" spc="-1" dirty="0">
+                <a:solidFill>
+                  <a:srgbClr val="000000"/>
+                </a:solidFill>
+                <a:latin typeface="Arial"/>
+                <a:ea typeface="DejaVu Sans"/>
+                <a:sym typeface="Wingdings" panose="05000000000000000000" pitchFamily="2" charset="2"/>
+              </a:rPr>
+              <a:t> (name, </a:t>
+            </a:r>
+            <a:r>
+              <a:rPr lang="it-IT" sz="2400" spc="-1" dirty="0" err="1">
+                <a:solidFill>
+                  <a:srgbClr val="000000"/>
+                </a:solidFill>
+                <a:latin typeface="Arial"/>
+                <a:ea typeface="DejaVu Sans"/>
+                <a:sym typeface="Wingdings" panose="05000000000000000000" pitchFamily="2" charset="2"/>
+              </a:rPr>
+              <a:t>c</a:t>
+            </a:r>
+            <a:r>
+              <a:rPr lang="it-IT" sz="2400" b="0" strike="noStrike" spc="-1" dirty="0" err="1">
+                <a:solidFill>
+                  <a:srgbClr val="000000"/>
+                </a:solidFill>
+                <a:latin typeface="Arial"/>
+                <a:ea typeface="DejaVu Sans"/>
+                <a:sym typeface="Wingdings" panose="05000000000000000000" pitchFamily="2" charset="2"/>
+              </a:rPr>
+              <a:t>omposition</a:t>
+            </a:r>
+            <a:r>
+              <a:rPr lang="it-IT" sz="2400" spc="-1" dirty="0">
+                <a:solidFill>
+                  <a:srgbClr val="000000"/>
+                </a:solidFill>
+                <a:latin typeface="Arial"/>
+                <a:ea typeface="DejaVu Sans"/>
+                <a:sym typeface="Wingdings" panose="05000000000000000000" pitchFamily="2" charset="2"/>
+              </a:rPr>
+              <a:t>, scope…) </a:t>
+            </a:r>
+            <a:endParaRPr lang="it-IT" sz="2400" b="0" strike="noStrike" spc="-1" dirty="0">
               <a:latin typeface="Arial"/>
             </a:endParaRPr>
           </a:p>
@@ -4671,7 +5700,7 @@
                 <a:spcPct val="150000"/>
               </a:lnSpc>
             </a:pPr>
-            <a:endParaRPr b="0" lang="it-IT" sz="2000" spc="-1" strike="noStrike">
+            <a:endParaRPr lang="it-IT" sz="2000" b="0" u="sng" strike="noStrike" spc="-1" dirty="0">
               <a:latin typeface="Arial"/>
             </a:endParaRPr>
           </a:p>
@@ -4679,22 +5708,25 @@
       </p:sp>
     </p:spTree>
   </p:cSld>
+  <p:clrMapOvr>
+    <a:masterClrMapping/>
+  </p:clrMapOvr>
   <p:timing>
     <p:tnLst>
       <p:par>
-        <p:cTn id="11" dur="indefinite" restart="never" nodeType="tmRoot">
+        <p:cTn id="1" dur="indefinite" restart="never" nodeType="tmRoot">
           <p:childTnLst>
             <p:seq>
-              <p:cTn id="12" dur="indefinite" nodeType="mainSeq"/>
+              <p:cTn id="2" dur="indefinite" nodeType="mainSeq"/>
               <p:prevCondLst>
-                <p:cond delay="0" evt="onPrev">
+                <p:cond evt="onPrev" delay="0">
                   <p:tgtEl>
                     <p:sldTgt/>
                   </p:tgtEl>
                 </p:cond>
               </p:prevCondLst>
               <p:nextCondLst>
-                <p:cond delay="0" evt="onNext">
+                <p:cond evt="onNext" delay="0">
                   <p:tgtEl>
                     <p:sldTgt/>
                   </p:tgtEl>
@@ -4710,7 +5742,7 @@
 </file>
 
 <file path=ppt/slides/slide7.xml><?xml version="1.0" encoding="utf-8"?>
-<p:sld xmlns:a="http://schemas.openxmlformats.org/drawingml/2006/main" xmlns:p="http://schemas.openxmlformats.org/presentationml/2006/main" xmlns:r="http://schemas.openxmlformats.org/officeDocument/2006/relationships" xmlns:p14="http://schemas.microsoft.com/office/powerpoint/2010/main" xmlns:p15="http://schemas.microsoft.com/office/powerpoint/2012/main" xmlns:mc="http://schemas.openxmlformats.org/markup-compatibility/2006">
+<p:sld xmlns:a="http://schemas.openxmlformats.org/drawingml/2006/main" xmlns:r="http://schemas.openxmlformats.org/officeDocument/2006/relationships" xmlns:p="http://schemas.openxmlformats.org/presentationml/2006/main">
   <p:cSld>
     <p:spTree>
       <p:nvGrpSpPr>
@@ -4746,15 +5778,22 @@
           </a:ln>
         </p:spPr>
         <p:style>
-          <a:lnRef idx="0"/>
-          <a:fillRef idx="0"/>
-          <a:effectRef idx="0"/>
+          <a:lnRef idx="0">
+            <a:scrgbClr r="0" g="0" b="0"/>
+          </a:lnRef>
+          <a:fillRef idx="0">
+            <a:scrgbClr r="0" g="0" b="0"/>
+          </a:fillRef>
+          <a:effectRef idx="0">
+            <a:scrgbClr r="0" g="0" b="0"/>
+          </a:effectRef>
           <a:fontRef idx="minor"/>
         </p:style>
         <p:txBody>
-          <a:bodyPr lIns="90000" rIns="90000" tIns="45000" bIns="45000" anchor="ctr">
-            <a:normAutofit/>
+          <a:bodyPr lIns="90000" tIns="45000" rIns="90000" bIns="45000" anchor="ctr">
+            <a:normAutofit fontScale="92500" lnSpcReduction="20000"/>
           </a:bodyPr>
+          <a:lstStyle/>
           <a:p>
             <a:pPr algn="ctr">
               <a:lnSpc>
@@ -4762,7 +5801,7 @@
               </a:lnSpc>
             </a:pPr>
             <a:r>
-              <a:rPr b="0" lang="it-IT" sz="4400" spc="-1" strike="noStrike">
+              <a:rPr lang="it-IT" sz="4400" b="0" strike="noStrike" spc="-1">
                 <a:solidFill>
                   <a:srgbClr val="000000"/>
                 </a:solidFill>
@@ -4773,7 +5812,7 @@
             </a:r>
             <a:br/>
             <a:r>
-              <a:rPr b="0" lang="it-IT" sz="4400" spc="-1" strike="noStrike">
+              <a:rPr lang="it-IT" sz="4400" b="0" strike="noStrike" spc="-1">
                 <a:solidFill>
                   <a:srgbClr val="000000"/>
                 </a:solidFill>
@@ -4782,7 +5821,7 @@
               </a:rPr>
               <a:t>handled by Column DB</a:t>
             </a:r>
-            <a:endParaRPr b="0" lang="it-IT" sz="4400" spc="-1" strike="noStrike">
+            <a:endParaRPr lang="it-IT" sz="4400" b="0" strike="noStrike" spc="-1">
               <a:latin typeface="Arial"/>
             </a:endParaRPr>
           </a:p>
@@ -4808,13 +5847,20 @@
           </a:ln>
         </p:spPr>
         <p:style>
-          <a:lnRef idx="0"/>
-          <a:fillRef idx="0"/>
-          <a:effectRef idx="0"/>
+          <a:lnRef idx="0">
+            <a:scrgbClr r="0" g="0" b="0"/>
+          </a:lnRef>
+          <a:fillRef idx="0">
+            <a:scrgbClr r="0" g="0" b="0"/>
+          </a:fillRef>
+          <a:effectRef idx="0">
+            <a:scrgbClr r="0" g="0" b="0"/>
+          </a:effectRef>
           <a:fontRef idx="minor"/>
         </p:style>
         <p:txBody>
-          <a:bodyPr lIns="90000" rIns="90000" tIns="45000" bIns="45000"/>
+          <a:bodyPr lIns="90000" tIns="45000" rIns="90000" bIns="45000"/>
+          <a:lstStyle/>
           <a:p>
             <a:pPr marL="285840" indent="-284400">
               <a:lnSpc>
@@ -4827,16 +5873,36 @@
               <a:buChar char="•"/>
             </a:pPr>
             <a:r>
-              <a:rPr b="0" lang="it-IT" sz="2000" spc="-1" strike="noStrike">
-                <a:solidFill>
-                  <a:srgbClr val="000000"/>
-                </a:solidFill>
-                <a:latin typeface="Arial"/>
-                <a:ea typeface="DejaVu Sans"/>
-              </a:rPr>
-              <a:t>Stock historical prices and data</a:t>
-            </a:r>
-            <a:endParaRPr b="0" lang="it-IT" sz="2000" spc="-1" strike="noStrike">
+              <a:rPr lang="it-IT" sz="2000" b="0" strike="noStrike" spc="-1" dirty="0">
+                <a:solidFill>
+                  <a:srgbClr val="000000"/>
+                </a:solidFill>
+                <a:latin typeface="Arial"/>
+                <a:ea typeface="DejaVu Sans"/>
+              </a:rPr>
+              <a:t>Stock </a:t>
+            </a:r>
+            <a:r>
+              <a:rPr lang="it-IT" sz="2000" b="0" strike="noStrike" spc="-1" dirty="0" err="1">
+                <a:solidFill>
+                  <a:srgbClr val="000000"/>
+                </a:solidFill>
+                <a:latin typeface="Arial"/>
+                <a:ea typeface="DejaVu Sans"/>
+              </a:rPr>
+              <a:t>historical</a:t>
+            </a:r>
+            <a:r>
+              <a:rPr lang="it-IT" sz="2000" b="0" strike="noStrike" spc="-1" dirty="0">
+                <a:solidFill>
+                  <a:srgbClr val="000000"/>
+                </a:solidFill>
+                <a:latin typeface="Arial"/>
+                <a:ea typeface="DejaVu Sans"/>
+              </a:rPr>
+              <a:t> prices and data</a:t>
+            </a:r>
+            <a:endParaRPr lang="it-IT" sz="2000" b="0" strike="noStrike" spc="-1" dirty="0">
               <a:latin typeface="Arial"/>
             </a:endParaRPr>
           </a:p>
@@ -4844,22 +5910,25 @@
       </p:sp>
     </p:spTree>
   </p:cSld>
+  <p:clrMapOvr>
+    <a:masterClrMapping/>
+  </p:clrMapOvr>
   <p:timing>
     <p:tnLst>
       <p:par>
-        <p:cTn id="13" dur="indefinite" restart="never" nodeType="tmRoot">
+        <p:cTn id="1" dur="indefinite" restart="never" nodeType="tmRoot">
           <p:childTnLst>
             <p:seq>
-              <p:cTn id="14" dur="indefinite" nodeType="mainSeq"/>
+              <p:cTn id="2" dur="indefinite" nodeType="mainSeq"/>
               <p:prevCondLst>
-                <p:cond delay="0" evt="onPrev">
+                <p:cond evt="onPrev" delay="0">
                   <p:tgtEl>
                     <p:sldTgt/>
                   </p:tgtEl>
                 </p:cond>
               </p:prevCondLst>
               <p:nextCondLst>
-                <p:cond delay="0" evt="onNext">
+                <p:cond evt="onNext" delay="0">
                   <p:tgtEl>
                     <p:sldTgt/>
                   </p:tgtEl>
@@ -4875,7 +5944,7 @@
 </file>
 
 <file path=ppt/slides/slide8.xml><?xml version="1.0" encoding="utf-8"?>
-<p:sld xmlns:a="http://schemas.openxmlformats.org/drawingml/2006/main" xmlns:p="http://schemas.openxmlformats.org/presentationml/2006/main" xmlns:r="http://schemas.openxmlformats.org/officeDocument/2006/relationships" xmlns:p14="http://schemas.microsoft.com/office/powerpoint/2010/main" xmlns:p15="http://schemas.microsoft.com/office/powerpoint/2012/main" xmlns:mc="http://schemas.openxmlformats.org/markup-compatibility/2006">
+<p:sld xmlns:a="http://schemas.openxmlformats.org/drawingml/2006/main" xmlns:r="http://schemas.openxmlformats.org/officeDocument/2006/relationships" xmlns:p="http://schemas.openxmlformats.org/presentationml/2006/main">
   <p:cSld>
     <p:spTree>
       <p:nvGrpSpPr>
@@ -4911,15 +5980,22 @@
           </a:ln>
         </p:spPr>
         <p:style>
-          <a:lnRef idx="0"/>
-          <a:fillRef idx="0"/>
-          <a:effectRef idx="0"/>
+          <a:lnRef idx="0">
+            <a:scrgbClr r="0" g="0" b="0"/>
+          </a:lnRef>
+          <a:fillRef idx="0">
+            <a:scrgbClr r="0" g="0" b="0"/>
+          </a:fillRef>
+          <a:effectRef idx="0">
+            <a:scrgbClr r="0" g="0" b="0"/>
+          </a:effectRef>
           <a:fontRef idx="minor"/>
         </p:style>
         <p:txBody>
-          <a:bodyPr lIns="90000" rIns="90000" tIns="45000" bIns="45000" anchor="ctr">
-            <a:normAutofit/>
+          <a:bodyPr lIns="90000" tIns="45000" rIns="90000" bIns="45000" anchor="ctr">
+            <a:normAutofit fontScale="92500" lnSpcReduction="20000"/>
           </a:bodyPr>
+          <a:lstStyle/>
           <a:p>
             <a:pPr algn="ctr">
               <a:lnSpc>
@@ -4927,7 +6003,7 @@
               </a:lnSpc>
             </a:pPr>
             <a:r>
-              <a:rPr b="0" lang="it-IT" sz="4400" spc="-1" strike="noStrike">
+              <a:rPr lang="it-IT" sz="4400" b="0" strike="noStrike" spc="-1">
                 <a:solidFill>
                   <a:srgbClr val="000000"/>
                 </a:solidFill>
@@ -4936,7 +6012,7 @@
               </a:rPr>
               <a:t>Software Architecture Preliminary Idea</a:t>
             </a:r>
-            <a:endParaRPr b="0" lang="it-IT" sz="4400" spc="-1" strike="noStrike">
+            <a:endParaRPr lang="it-IT" sz="4400" b="0" strike="noStrike" spc="-1">
               <a:latin typeface="Arial"/>
             </a:endParaRPr>
           </a:p>
@@ -4962,13 +6038,20 @@
           </a:ln>
         </p:spPr>
         <p:style>
-          <a:lnRef idx="0"/>
-          <a:fillRef idx="0"/>
-          <a:effectRef idx="0"/>
+          <a:lnRef idx="0">
+            <a:scrgbClr r="0" g="0" b="0"/>
+          </a:lnRef>
+          <a:fillRef idx="0">
+            <a:scrgbClr r="0" g="0" b="0"/>
+          </a:fillRef>
+          <a:effectRef idx="0">
+            <a:scrgbClr r="0" g="0" b="0"/>
+          </a:effectRef>
           <a:fontRef idx="minor"/>
         </p:style>
         <p:txBody>
-          <a:bodyPr lIns="90000" rIns="90000" tIns="45000" bIns="45000"/>
+          <a:bodyPr lIns="90000" tIns="45000" rIns="90000" bIns="45000"/>
+          <a:lstStyle/>
           <a:p>
             <a:pPr>
               <a:lnSpc>
@@ -4976,16 +6059,116 @@
               </a:lnSpc>
             </a:pPr>
             <a:r>
-              <a:rPr b="0" lang="it-IT" sz="1800" spc="-1" strike="noStrike">
-                <a:solidFill>
-                  <a:srgbClr val="000000"/>
-                </a:solidFill>
-                <a:latin typeface="Arial"/>
-                <a:ea typeface="DejaVu Sans"/>
-              </a:rPr>
-              <a:t>Include also the frameworks and tools that the group would like to use (programming languages, DBMSs, etc..)</a:t>
-            </a:r>
-            <a:endParaRPr b="0" lang="it-IT" sz="1800" spc="-1" strike="noStrike">
+              <a:rPr lang="it-IT" sz="1800" b="0" strike="noStrike" spc="-1" dirty="0">
+                <a:solidFill>
+                  <a:srgbClr val="000000"/>
+                </a:solidFill>
+                <a:latin typeface="Arial"/>
+                <a:ea typeface="DejaVu Sans"/>
+              </a:rPr>
+              <a:t>Include </a:t>
+            </a:r>
+            <a:r>
+              <a:rPr lang="it-IT" sz="1800" b="0" strike="noStrike" spc="-1" dirty="0" err="1">
+                <a:solidFill>
+                  <a:srgbClr val="000000"/>
+                </a:solidFill>
+                <a:latin typeface="Arial"/>
+                <a:ea typeface="DejaVu Sans"/>
+              </a:rPr>
+              <a:t>also</a:t>
+            </a:r>
+            <a:r>
+              <a:rPr lang="it-IT" sz="1800" b="0" strike="noStrike" spc="-1" dirty="0">
+                <a:solidFill>
+                  <a:srgbClr val="000000"/>
+                </a:solidFill>
+                <a:latin typeface="Arial"/>
+                <a:ea typeface="DejaVu Sans"/>
+              </a:rPr>
+              <a:t> the frameworks and tools </a:t>
+            </a:r>
+            <a:r>
+              <a:rPr lang="it-IT" sz="1800" b="0" strike="noStrike" spc="-1" dirty="0" err="1">
+                <a:solidFill>
+                  <a:srgbClr val="000000"/>
+                </a:solidFill>
+                <a:latin typeface="Arial"/>
+                <a:ea typeface="DejaVu Sans"/>
+              </a:rPr>
+              <a:t>that</a:t>
+            </a:r>
+            <a:r>
+              <a:rPr lang="it-IT" sz="1800" b="0" strike="noStrike" spc="-1" dirty="0">
+                <a:solidFill>
+                  <a:srgbClr val="000000"/>
+                </a:solidFill>
+                <a:latin typeface="Arial"/>
+                <a:ea typeface="DejaVu Sans"/>
+              </a:rPr>
+              <a:t> the group </a:t>
+            </a:r>
+            <a:r>
+              <a:rPr lang="it-IT" sz="1800" b="0" strike="noStrike" spc="-1" dirty="0" err="1">
+                <a:solidFill>
+                  <a:srgbClr val="000000"/>
+                </a:solidFill>
+                <a:latin typeface="Arial"/>
+                <a:ea typeface="DejaVu Sans"/>
+              </a:rPr>
+              <a:t>would</a:t>
+            </a:r>
+            <a:r>
+              <a:rPr lang="it-IT" sz="1800" b="0" strike="noStrike" spc="-1" dirty="0">
+                <a:solidFill>
+                  <a:srgbClr val="000000"/>
+                </a:solidFill>
+                <a:latin typeface="Arial"/>
+                <a:ea typeface="DejaVu Sans"/>
+              </a:rPr>
+              <a:t> like to use (programming </a:t>
+            </a:r>
+            <a:r>
+              <a:rPr lang="it-IT" sz="1800" b="0" strike="noStrike" spc="-1" dirty="0" err="1">
+                <a:solidFill>
+                  <a:srgbClr val="000000"/>
+                </a:solidFill>
+                <a:latin typeface="Arial"/>
+                <a:ea typeface="DejaVu Sans"/>
+              </a:rPr>
+              <a:t>languages</a:t>
+            </a:r>
+            <a:r>
+              <a:rPr lang="it-IT" sz="1800" b="0" strike="noStrike" spc="-1" dirty="0">
+                <a:solidFill>
+                  <a:srgbClr val="000000"/>
+                </a:solidFill>
+                <a:latin typeface="Arial"/>
+                <a:ea typeface="DejaVu Sans"/>
+              </a:rPr>
+              <a:t>, </a:t>
+            </a:r>
+            <a:r>
+              <a:rPr lang="it-IT" sz="1800" b="0" strike="noStrike" spc="-1" dirty="0" err="1">
+                <a:solidFill>
+                  <a:srgbClr val="000000"/>
+                </a:solidFill>
+                <a:latin typeface="Arial"/>
+                <a:ea typeface="DejaVu Sans"/>
+              </a:rPr>
+              <a:t>DBMSs</a:t>
+            </a:r>
+            <a:r>
+              <a:rPr lang="it-IT" sz="1800" b="0" strike="noStrike" spc="-1" dirty="0">
+                <a:solidFill>
+                  <a:srgbClr val="000000"/>
+                </a:solidFill>
+                <a:latin typeface="Arial"/>
+                <a:ea typeface="DejaVu Sans"/>
+              </a:rPr>
+              <a:t>, etc..)</a:t>
+            </a:r>
+            <a:endParaRPr lang="it-IT" sz="1800" b="0" strike="noStrike" spc="-1" dirty="0">
               <a:latin typeface="Arial"/>
             </a:endParaRPr>
           </a:p>
@@ -5001,7 +6184,7 @@
               <a:buChar char="•"/>
             </a:pPr>
             <a:r>
-              <a:rPr b="0" lang="it-IT" sz="1800" spc="-1" strike="noStrike">
+              <a:rPr lang="it-IT" sz="1800" b="0" strike="noStrike" spc="-1" dirty="0">
                 <a:solidFill>
                   <a:srgbClr val="000000"/>
                 </a:solidFill>
@@ -5010,7 +6193,7 @@
               </a:rPr>
               <a:t>Java 8</a:t>
             </a:r>
-            <a:endParaRPr b="0" lang="it-IT" sz="1800" spc="-1" strike="noStrike">
+            <a:endParaRPr lang="it-IT" sz="1800" b="0" strike="noStrike" spc="-1" dirty="0">
               <a:latin typeface="Arial"/>
             </a:endParaRPr>
           </a:p>
@@ -5026,7 +6209,7 @@
               <a:buChar char="•"/>
             </a:pPr>
             <a:r>
-              <a:rPr b="0" lang="it-IT" sz="1800" spc="-1" strike="noStrike">
+              <a:rPr lang="it-IT" sz="1800" b="0" strike="noStrike" spc="-1" dirty="0">
                 <a:solidFill>
                   <a:srgbClr val="000000"/>
                 </a:solidFill>
@@ -5036,7 +6219,7 @@
               <a:t>Python (</a:t>
             </a:r>
             <a:r>
-              <a:rPr b="1" lang="it-IT" sz="1800" spc="-1" strike="noStrike">
+              <a:rPr lang="it-IT" sz="1800" b="1" strike="noStrike" spc="-1" dirty="0" err="1">
                 <a:solidFill>
                   <a:srgbClr val="000000"/>
                 </a:solidFill>
@@ -5046,16 +6229,36 @@
               <a:t>yfinance</a:t>
             </a:r>
             <a:r>
-              <a:rPr b="0" lang="it-IT" sz="1800" spc="-1" strike="noStrike">
-                <a:solidFill>
-                  <a:srgbClr val="000000"/>
-                </a:solidFill>
-                <a:latin typeface="Arial"/>
-                <a:ea typeface="DejaVu Sans"/>
-              </a:rPr>
-              <a:t> module)</a:t>
-            </a:r>
-            <a:endParaRPr b="0" lang="it-IT" sz="1800" spc="-1" strike="noStrike">
+              <a:rPr lang="it-IT" sz="1800" b="0" strike="noStrike" spc="-1" dirty="0">
+                <a:solidFill>
+                  <a:srgbClr val="000000"/>
+                </a:solidFill>
+                <a:latin typeface="Arial"/>
+                <a:ea typeface="DejaVu Sans"/>
+              </a:rPr>
+              <a:t> </a:t>
+            </a:r>
+            <a:r>
+              <a:rPr lang="it-IT" sz="1800" b="0" strike="noStrike" spc="-1" dirty="0" err="1">
+                <a:solidFill>
+                  <a:srgbClr val="000000"/>
+                </a:solidFill>
+                <a:latin typeface="Arial"/>
+                <a:ea typeface="DejaVu Sans"/>
+              </a:rPr>
+              <a:t>module</a:t>
+            </a:r>
+            <a:r>
+              <a:rPr lang="it-IT" sz="1800" b="0" strike="noStrike" spc="-1" dirty="0">
+                <a:solidFill>
+                  <a:srgbClr val="000000"/>
+                </a:solidFill>
+                <a:latin typeface="Arial"/>
+                <a:ea typeface="DejaVu Sans"/>
+              </a:rPr>
+              <a:t>)</a:t>
+            </a:r>
+            <a:endParaRPr lang="it-IT" sz="1800" b="0" strike="noStrike" spc="-1" dirty="0">
               <a:latin typeface="Arial"/>
             </a:endParaRPr>
           </a:p>
@@ -5071,16 +6274,26 @@
               <a:buChar char="•"/>
             </a:pPr>
             <a:r>
-              <a:rPr b="0" lang="it-IT" sz="1800" spc="-1" strike="noStrike">
-                <a:solidFill>
-                  <a:srgbClr val="000000"/>
-                </a:solidFill>
-                <a:latin typeface="Arial"/>
-                <a:ea typeface="DejaVu Sans"/>
-              </a:rPr>
-              <a:t>IntelliJ IDEA</a:t>
-            </a:r>
-            <a:endParaRPr b="0" lang="it-IT" sz="1800" spc="-1" strike="noStrike">
+              <a:rPr lang="it-IT" sz="1800" b="0" strike="noStrike" spc="-1" dirty="0" err="1">
+                <a:solidFill>
+                  <a:srgbClr val="000000"/>
+                </a:solidFill>
+                <a:latin typeface="Arial"/>
+                <a:ea typeface="DejaVu Sans"/>
+              </a:rPr>
+              <a:t>IntelliJ</a:t>
+            </a:r>
+            <a:r>
+              <a:rPr lang="it-IT" sz="1800" b="0" strike="noStrike" spc="-1" dirty="0">
+                <a:solidFill>
+                  <a:srgbClr val="000000"/>
+                </a:solidFill>
+                <a:latin typeface="Arial"/>
+                <a:ea typeface="DejaVu Sans"/>
+              </a:rPr>
+              <a:t> IDEA</a:t>
+            </a:r>
+            <a:endParaRPr lang="it-IT" sz="1800" b="0" strike="noStrike" spc="-1" dirty="0">
               <a:latin typeface="Arial"/>
             </a:endParaRPr>
           </a:p>
@@ -5096,7 +6309,7 @@
               <a:buChar char="•"/>
             </a:pPr>
             <a:r>
-              <a:rPr b="0" lang="it-IT" sz="1800" spc="-1" strike="noStrike">
+              <a:rPr lang="it-IT" sz="1800" b="0" strike="noStrike" spc="-1" dirty="0" err="1">
                 <a:solidFill>
                   <a:srgbClr val="000000"/>
                 </a:solidFill>
@@ -5105,7 +6318,7 @@
               </a:rPr>
               <a:t>Maven</a:t>
             </a:r>
-            <a:endParaRPr b="0" lang="it-IT" sz="1800" spc="-1" strike="noStrike">
+            <a:endParaRPr lang="it-IT" sz="1800" b="0" strike="noStrike" spc="-1" dirty="0">
               <a:latin typeface="Arial"/>
             </a:endParaRPr>
           </a:p>
@@ -5121,16 +6334,82 @@
               <a:buChar char="•"/>
             </a:pPr>
             <a:r>
-              <a:rPr b="0" lang="it-IT" sz="1800" spc="-1" strike="noStrike">
-                <a:solidFill>
-                  <a:srgbClr val="000000"/>
-                </a:solidFill>
-                <a:latin typeface="Arial"/>
-                <a:ea typeface="DejaVu Sans"/>
-              </a:rPr>
-              <a:t>MongoDB (driver per MongoDB)</a:t>
-            </a:r>
-            <a:endParaRPr b="0" lang="it-IT" sz="1800" spc="-1" strike="noStrike">
+              <a:rPr lang="it-IT" sz="1800" b="0" strike="noStrike" spc="-1" dirty="0" err="1">
+                <a:solidFill>
+                  <a:srgbClr val="000000"/>
+                </a:solidFill>
+                <a:latin typeface="Arial"/>
+                <a:ea typeface="DejaVu Sans"/>
+              </a:rPr>
+              <a:t>MongoDB</a:t>
+            </a:r>
+            <a:r>
+              <a:rPr lang="it-IT" sz="1800" b="0" strike="noStrike" spc="-1" dirty="0">
+                <a:solidFill>
+                  <a:srgbClr val="000000"/>
+                </a:solidFill>
+                <a:latin typeface="Arial"/>
+                <a:ea typeface="DejaVu Sans"/>
+              </a:rPr>
+              <a:t> </a:t>
+            </a:r>
+            <a:r>
+              <a:rPr lang="it-IT" spc="-1" dirty="0">
+                <a:solidFill>
+                  <a:srgbClr val="000000"/>
+                </a:solidFill>
+              </a:rPr>
+              <a:t>(</a:t>
+            </a:r>
+            <a:r>
+              <a:rPr lang="it-IT" spc="-1" dirty="0" err="1">
+                <a:solidFill>
+                  <a:srgbClr val="000000"/>
+                </a:solidFill>
+              </a:rPr>
+              <a:t>mongodb</a:t>
+            </a:r>
+            <a:r>
+              <a:rPr lang="it-IT" spc="-1" dirty="0">
+                <a:solidFill>
+                  <a:srgbClr val="000000"/>
+                </a:solidFill>
+              </a:rPr>
+              <a:t>-driver-</a:t>
+            </a:r>
+            <a:r>
+              <a:rPr lang="it-IT" spc="-1" dirty="0" err="1">
+                <a:solidFill>
+                  <a:srgbClr val="000000"/>
+                </a:solidFill>
+              </a:rPr>
+              <a:t>sync</a:t>
+            </a:r>
+            <a:r>
+              <a:rPr lang="it-IT" spc="-1" dirty="0">
+                <a:solidFill>
+                  <a:srgbClr val="000000"/>
+                </a:solidFill>
+              </a:rPr>
+              <a:t>, </a:t>
+            </a:r>
+            <a:r>
+              <a:rPr lang="it-IT" spc="-1" dirty="0" err="1">
+                <a:solidFill>
+                  <a:srgbClr val="000000"/>
+                </a:solidFill>
+              </a:rPr>
+              <a:t>official</a:t>
+            </a:r>
+            <a:r>
+              <a:rPr lang="it-IT" spc="-1" dirty="0">
+                <a:solidFill>
+                  <a:srgbClr val="000000"/>
+                </a:solidFill>
+              </a:rPr>
+              <a:t>)</a:t>
+            </a:r>
+            <a:endParaRPr lang="it-IT" sz="1800" b="0" strike="noStrike" spc="-1" dirty="0">
               <a:latin typeface="Arial"/>
             </a:endParaRPr>
           </a:p>
@@ -5146,16 +6425,36 @@
               <a:buChar char="•"/>
             </a:pPr>
             <a:r>
-              <a:rPr b="0" lang="it-IT" sz="1800" spc="-1" strike="noStrike">
-                <a:solidFill>
-                  <a:srgbClr val="000000"/>
-                </a:solidFill>
-                <a:latin typeface="Arial"/>
-                <a:ea typeface="DejaVu Sans"/>
-              </a:rPr>
-              <a:t>Apache Cassandra (Datastax Java Driver)</a:t>
-            </a:r>
-            <a:endParaRPr b="0" lang="it-IT" sz="1800" spc="-1" strike="noStrike">
+              <a:rPr lang="it-IT" sz="1800" b="0" strike="noStrike" spc="-1" dirty="0">
+                <a:solidFill>
+                  <a:srgbClr val="000000"/>
+                </a:solidFill>
+                <a:latin typeface="Arial"/>
+                <a:ea typeface="DejaVu Sans"/>
+              </a:rPr>
+              <a:t>Apache Cassandra (</a:t>
+            </a:r>
+            <a:r>
+              <a:rPr lang="it-IT" sz="1800" b="0" strike="noStrike" spc="-1" dirty="0" err="1">
+                <a:solidFill>
+                  <a:srgbClr val="000000"/>
+                </a:solidFill>
+                <a:latin typeface="Arial"/>
+                <a:ea typeface="DejaVu Sans"/>
+              </a:rPr>
+              <a:t>Datastax</a:t>
+            </a:r>
+            <a:r>
+              <a:rPr lang="it-IT" sz="1800" b="0" strike="noStrike" spc="-1" dirty="0">
+                <a:solidFill>
+                  <a:srgbClr val="000000"/>
+                </a:solidFill>
+                <a:latin typeface="Arial"/>
+                <a:ea typeface="DejaVu Sans"/>
+              </a:rPr>
+              <a:t> Java Driver)</a:t>
+            </a:r>
+            <a:endParaRPr lang="it-IT" sz="1800" b="0" strike="noStrike" spc="-1" dirty="0">
               <a:latin typeface="Arial"/>
             </a:endParaRPr>
           </a:p>
@@ -5171,7 +6470,7 @@
               <a:buChar char="•"/>
             </a:pPr>
             <a:r>
-              <a:rPr b="1" lang="it-IT" sz="1800" spc="-1" strike="noStrike">
+              <a:rPr lang="it-IT" sz="1800" b="1" strike="noStrike" spc="-1" dirty="0">
                 <a:solidFill>
                   <a:srgbClr val="000000"/>
                 </a:solidFill>
@@ -5180,7 +6479,7 @@
               </a:rPr>
               <a:t>TODO: Chart Library</a:t>
             </a:r>
-            <a:endParaRPr b="0" lang="it-IT" sz="1800" spc="-1" strike="noStrike">
+            <a:endParaRPr lang="it-IT" sz="1800" b="0" strike="noStrike" spc="-1" dirty="0">
               <a:latin typeface="Arial"/>
             </a:endParaRPr>
           </a:p>
@@ -5196,7 +6495,7 @@
               <a:buChar char="•"/>
             </a:pPr>
             <a:r>
-              <a:rPr b="0" lang="it-IT" sz="1800" spc="-1" strike="noStrike">
+              <a:rPr lang="it-IT" sz="1800" b="0" strike="noStrike" spc="-1" dirty="0">
                 <a:solidFill>
                   <a:srgbClr val="000000"/>
                 </a:solidFill>
@@ -5205,7 +6504,7 @@
               </a:rPr>
               <a:t>Log4j</a:t>
             </a:r>
-            <a:endParaRPr b="0" lang="it-IT" sz="1800" spc="-1" strike="noStrike">
+            <a:endParaRPr lang="it-IT" sz="1800" b="0" strike="noStrike" spc="-1" dirty="0">
               <a:latin typeface="Arial"/>
             </a:endParaRPr>
           </a:p>
@@ -5221,7 +6520,7 @@
               <a:buChar char="•"/>
             </a:pPr>
             <a:r>
-              <a:rPr b="0" lang="it-IT" sz="1800" spc="-1" strike="noStrike">
+              <a:rPr lang="it-IT" sz="1800" b="0" strike="noStrike" spc="-1" dirty="0" err="1">
                 <a:solidFill>
                   <a:srgbClr val="000000"/>
                 </a:solidFill>
@@ -5230,7 +6529,7 @@
               </a:rPr>
               <a:t>JUnit</a:t>
             </a:r>
-            <a:endParaRPr b="0" lang="it-IT" sz="1800" spc="-1" strike="noStrike">
+            <a:endParaRPr lang="it-IT" sz="1800" b="0" strike="noStrike" spc="-1" dirty="0">
               <a:latin typeface="Arial"/>
             </a:endParaRPr>
           </a:p>
@@ -5246,7 +6545,7 @@
               <a:buChar char="•"/>
             </a:pPr>
             <a:r>
-              <a:rPr b="0" lang="it-IT" sz="1800" spc="-1" strike="noStrike">
+              <a:rPr lang="it-IT" sz="1800" b="0" strike="noStrike" spc="-1" dirty="0" err="1">
                 <a:solidFill>
                   <a:srgbClr val="000000"/>
                 </a:solidFill>
@@ -5255,7 +6554,7 @@
               </a:rPr>
               <a:t>Git</a:t>
             </a:r>
-            <a:endParaRPr b="0" lang="it-IT" sz="1800" spc="-1" strike="noStrike">
+            <a:endParaRPr lang="it-IT" sz="1800" b="0" strike="noStrike" spc="-1" dirty="0">
               <a:latin typeface="Arial"/>
             </a:endParaRPr>
           </a:p>
@@ -5263,22 +6562,25 @@
       </p:sp>
     </p:spTree>
   </p:cSld>
+  <p:clrMapOvr>
+    <a:masterClrMapping/>
+  </p:clrMapOvr>
   <p:timing>
     <p:tnLst>
       <p:par>
-        <p:cTn id="15" dur="indefinite" restart="never" nodeType="tmRoot">
+        <p:cTn id="1" dur="indefinite" restart="never" nodeType="tmRoot">
           <p:childTnLst>
             <p:seq>
-              <p:cTn id="16" dur="indefinite" nodeType="mainSeq"/>
+              <p:cTn id="2" dur="indefinite" nodeType="mainSeq"/>
               <p:prevCondLst>
-                <p:cond delay="0" evt="onPrev">
+                <p:cond evt="onPrev" delay="0">
                   <p:tgtEl>
                     <p:sldTgt/>
                   </p:tgtEl>
                 </p:cond>
               </p:prevCondLst>
               <p:nextCondLst>
-                <p:cond delay="0" evt="onNext">
+                <p:cond evt="onNext" delay="0">
                   <p:tgtEl>
                     <p:sldTgt/>
                   </p:tgtEl>
@@ -5304,31 +6606,31 @@
         <a:sysClr val="window" lastClr="FFFFFF"/>
       </a:lt1>
       <a:dk2>
-        <a:srgbClr val="1f497d"/>
+        <a:srgbClr val="1F497D"/>
       </a:dk2>
       <a:lt2>
-        <a:srgbClr val="eeece1"/>
+        <a:srgbClr val="EEECE1"/>
       </a:lt2>
       <a:accent1>
-        <a:srgbClr val="4f81bd"/>
+        <a:srgbClr val="4F81BD"/>
       </a:accent1>
       <a:accent2>
-        <a:srgbClr val="c0504d"/>
+        <a:srgbClr val="C0504D"/>
       </a:accent2>
       <a:accent3>
-        <a:srgbClr val="9bbb59"/>
+        <a:srgbClr val="9BBB59"/>
       </a:accent3>
       <a:accent4>
-        <a:srgbClr val="8064a2"/>
+        <a:srgbClr val="8064A2"/>
       </a:accent4>
       <a:accent5>
-        <a:srgbClr val="4bacc6"/>
+        <a:srgbClr val="4BACC6"/>
       </a:accent5>
       <a:accent6>
-        <a:srgbClr val="f79646"/>
+        <a:srgbClr val="F79646"/>
       </a:accent6>
       <a:hlink>
-        <a:srgbClr val="0000ff"/>
+        <a:srgbClr val="0000FF"/>
       </a:hlink>
       <a:folHlink>
         <a:srgbClr val="800080"/>
@@ -5513,6 +6815,8 @@
       </a:bgFillStyleLst>
     </a:fmtScheme>
   </a:themeElements>
+  <a:objectDefaults/>
+  <a:extraClrSchemeLst/>
 </a:theme>
 </file>
 
@@ -5527,31 +6831,31 @@
         <a:sysClr val="window" lastClr="FFFFFF"/>
       </a:lt1>
       <a:dk2>
-        <a:srgbClr val="1f497d"/>
+        <a:srgbClr val="1F497D"/>
       </a:dk2>
       <a:lt2>
-        <a:srgbClr val="eeece1"/>
+        <a:srgbClr val="EEECE1"/>
       </a:lt2>
       <a:accent1>
-        <a:srgbClr val="4f81bd"/>
+        <a:srgbClr val="4F81BD"/>
       </a:accent1>
       <a:accent2>
-        <a:srgbClr val="c0504d"/>
+        <a:srgbClr val="C0504D"/>
       </a:accent2>
       <a:accent3>
-        <a:srgbClr val="9bbb59"/>
+        <a:srgbClr val="9BBB59"/>
       </a:accent3>
       <a:accent4>
-        <a:srgbClr val="8064a2"/>
+        <a:srgbClr val="8064A2"/>
       </a:accent4>
       <a:accent5>
-        <a:srgbClr val="4bacc6"/>
+        <a:srgbClr val="4BACC6"/>
       </a:accent5>
       <a:accent6>
-        <a:srgbClr val="f79646"/>
+        <a:srgbClr val="F79646"/>
       </a:accent6>
       <a:hlink>
-        <a:srgbClr val="0000ff"/>
+        <a:srgbClr val="0000FF"/>
       </a:hlink>
       <a:folHlink>
         <a:srgbClr val="800080"/>
@@ -5736,5 +7040,7 @@
       </a:bgFillStyleLst>
     </a:fmtScheme>
   </a:themeElements>
+  <a:objectDefaults/>
+  <a:extraClrSchemeLst/>
 </a:theme>
 </file>
--- a/documentation/stocksim_preliminary_presentation.pptx
+++ b/documentation/stocksim_preliminary_presentation.pptx
@@ -112,6 +112,11 @@
       </a:defRPr>
     </a:lvl9pPr>
   </p:defaultTextStyle>
+  <p:extLst>
+    <p:ext uri="{EFAFB233-063F-42B5-8137-9DF3F51BA10A}">
+      <p15:sldGuideLst xmlns:p15="http://schemas.microsoft.com/office/powerpoint/2012/main"/>
+    </p:ext>
+  </p:extLst>
 </p:presentation>
 </file>
 
@@ -4406,16 +4411,186 @@
               <a:buChar char=""/>
             </a:pPr>
             <a:r>
-              <a:rPr lang="it-IT" sz="1800" b="0" strike="noStrike" spc="-1">
-                <a:solidFill>
-                  <a:srgbClr val="000000"/>
-                </a:solidFill>
-                <a:latin typeface="Arial"/>
-                <a:ea typeface="DejaVu Sans"/>
-              </a:rPr>
-              <a:t>StockSim is a Java Application which allows users to simulate stock portfolios using statistical models built using NASDAQ historical data.</a:t>
-            </a:r>
-            <a:endParaRPr lang="it-IT" sz="1800" b="0" strike="noStrike" spc="-1">
+              <a:rPr lang="it-IT" sz="1800" b="0" strike="noStrike" spc="-1" dirty="0" err="1">
+                <a:solidFill>
+                  <a:srgbClr val="000000"/>
+                </a:solidFill>
+                <a:latin typeface="Arial"/>
+                <a:ea typeface="DejaVu Sans"/>
+              </a:rPr>
+              <a:t>StockSim</a:t>
+            </a:r>
+            <a:r>
+              <a:rPr lang="it-IT" sz="1800" b="0" strike="noStrike" spc="-1" dirty="0">
+                <a:solidFill>
+                  <a:srgbClr val="000000"/>
+                </a:solidFill>
+                <a:latin typeface="Arial"/>
+                <a:ea typeface="DejaVu Sans"/>
+              </a:rPr>
+              <a:t> </a:t>
+            </a:r>
+            <a:r>
+              <a:rPr lang="it-IT" sz="1800" b="0" strike="noStrike" spc="-1" dirty="0" err="1">
+                <a:solidFill>
+                  <a:srgbClr val="000000"/>
+                </a:solidFill>
+                <a:latin typeface="Arial"/>
+                <a:ea typeface="DejaVu Sans"/>
+              </a:rPr>
+              <a:t>is</a:t>
+            </a:r>
+            <a:r>
+              <a:rPr lang="it-IT" sz="1800" b="0" strike="noStrike" spc="-1" dirty="0">
+                <a:solidFill>
+                  <a:srgbClr val="000000"/>
+                </a:solidFill>
+                <a:latin typeface="Arial"/>
+                <a:ea typeface="DejaVu Sans"/>
+              </a:rPr>
+              <a:t> a Java Application </a:t>
+            </a:r>
+            <a:r>
+              <a:rPr lang="it-IT" sz="1800" b="0" strike="noStrike" spc="-1" dirty="0" err="1">
+                <a:solidFill>
+                  <a:srgbClr val="000000"/>
+                </a:solidFill>
+                <a:latin typeface="Arial"/>
+                <a:ea typeface="DejaVu Sans"/>
+              </a:rPr>
+              <a:t>which</a:t>
+            </a:r>
+            <a:r>
+              <a:rPr lang="it-IT" sz="1800" b="0" strike="noStrike" spc="-1" dirty="0">
+                <a:solidFill>
+                  <a:srgbClr val="000000"/>
+                </a:solidFill>
+                <a:latin typeface="Arial"/>
+                <a:ea typeface="DejaVu Sans"/>
+              </a:rPr>
+              <a:t> </a:t>
+            </a:r>
+            <a:r>
+              <a:rPr lang="it-IT" sz="1800" b="0" strike="noStrike" spc="-1" dirty="0" err="1">
+                <a:solidFill>
+                  <a:srgbClr val="000000"/>
+                </a:solidFill>
+                <a:latin typeface="Arial"/>
+                <a:ea typeface="DejaVu Sans"/>
+              </a:rPr>
+              <a:t>allows</a:t>
+            </a:r>
+            <a:r>
+              <a:rPr lang="it-IT" sz="1800" b="0" strike="noStrike" spc="-1" dirty="0">
+                <a:solidFill>
+                  <a:srgbClr val="000000"/>
+                </a:solidFill>
+                <a:latin typeface="Arial"/>
+                <a:ea typeface="DejaVu Sans"/>
+              </a:rPr>
+              <a:t> users to simulate stock portfolios </a:t>
+            </a:r>
+            <a:r>
+              <a:rPr lang="it-IT" sz="1800" b="0" strike="noStrike" spc="-1" dirty="0" err="1">
+                <a:solidFill>
+                  <a:srgbClr val="000000"/>
+                </a:solidFill>
+                <a:latin typeface="Arial"/>
+                <a:ea typeface="DejaVu Sans"/>
+              </a:rPr>
+              <a:t>using</a:t>
+            </a:r>
+            <a:r>
+              <a:rPr lang="it-IT" sz="1800" b="0" strike="noStrike" spc="-1" dirty="0">
+                <a:solidFill>
+                  <a:srgbClr val="000000"/>
+                </a:solidFill>
+                <a:latin typeface="Arial"/>
+                <a:ea typeface="DejaVu Sans"/>
+              </a:rPr>
+              <a:t> </a:t>
+            </a:r>
+            <a:r>
+              <a:rPr lang="it-IT" sz="1800" b="0" strike="noStrike" spc="-1" dirty="0" err="1">
+                <a:solidFill>
+                  <a:srgbClr val="000000"/>
+                </a:solidFill>
+                <a:latin typeface="Arial"/>
+                <a:ea typeface="DejaVu Sans"/>
+              </a:rPr>
+              <a:t>statistical</a:t>
+            </a:r>
+            <a:r>
+              <a:rPr lang="it-IT" sz="1800" b="0" strike="noStrike" spc="-1" dirty="0">
+                <a:solidFill>
+                  <a:srgbClr val="000000"/>
+                </a:solidFill>
+                <a:latin typeface="Arial"/>
+                <a:ea typeface="DejaVu Sans"/>
+              </a:rPr>
+              <a:t> models </a:t>
+            </a:r>
+            <a:r>
+              <a:rPr lang="it-IT" sz="1800" b="0" strike="noStrike" spc="-1" dirty="0" err="1">
+                <a:solidFill>
+                  <a:srgbClr val="000000"/>
+                </a:solidFill>
+                <a:latin typeface="Arial"/>
+                <a:ea typeface="DejaVu Sans"/>
+              </a:rPr>
+              <a:t>built</a:t>
+            </a:r>
+            <a:r>
+              <a:rPr lang="it-IT" sz="1800" b="0" strike="noStrike" spc="-1" dirty="0">
+                <a:solidFill>
+                  <a:srgbClr val="000000"/>
+                </a:solidFill>
+                <a:latin typeface="Arial"/>
+                <a:ea typeface="DejaVu Sans"/>
+              </a:rPr>
+              <a:t> </a:t>
+            </a:r>
+            <a:r>
+              <a:rPr lang="it-IT" sz="1800" b="0" strike="noStrike" spc="-1" dirty="0" err="1">
+                <a:solidFill>
+                  <a:srgbClr val="000000"/>
+                </a:solidFill>
+                <a:latin typeface="Arial"/>
+                <a:ea typeface="DejaVu Sans"/>
+              </a:rPr>
+              <a:t>using</a:t>
+            </a:r>
+            <a:r>
+              <a:rPr lang="it-IT" sz="1800" b="0" strike="noStrike" spc="-1" dirty="0">
+                <a:solidFill>
+                  <a:srgbClr val="000000"/>
+                </a:solidFill>
+                <a:latin typeface="Arial"/>
+                <a:ea typeface="DejaVu Sans"/>
+              </a:rPr>
+              <a:t> NASDAQ </a:t>
+            </a:r>
+            <a:r>
+              <a:rPr lang="it-IT" sz="1800" b="0" strike="noStrike" spc="-1" dirty="0" err="1">
+                <a:solidFill>
+                  <a:srgbClr val="000000"/>
+                </a:solidFill>
+                <a:latin typeface="Arial"/>
+                <a:ea typeface="DejaVu Sans"/>
+              </a:rPr>
+              <a:t>historical</a:t>
+            </a:r>
+            <a:r>
+              <a:rPr lang="it-IT" sz="1800" b="0" strike="noStrike" spc="-1" dirty="0">
+                <a:solidFill>
+                  <a:srgbClr val="000000"/>
+                </a:solidFill>
+                <a:latin typeface="Arial"/>
+                <a:ea typeface="DejaVu Sans"/>
+              </a:rPr>
+              <a:t> data.</a:t>
+            </a:r>
+            <a:endParaRPr lang="it-IT" sz="1800" b="0" strike="noStrike" spc="-1" dirty="0">
               <a:latin typeface="Arial"/>
             </a:endParaRPr>
           </a:p>
@@ -4431,16 +4606,56 @@
               <a:buChar char=""/>
             </a:pPr>
             <a:r>
-              <a:rPr lang="it-IT" sz="1800" b="0" strike="noStrike" spc="-1">
-                <a:solidFill>
-                  <a:srgbClr val="000000"/>
-                </a:solidFill>
-                <a:latin typeface="Arial"/>
-                <a:ea typeface="DejaVu Sans"/>
-              </a:rPr>
-              <a:t>Users can sign up and sign in.</a:t>
-            </a:r>
-            <a:endParaRPr lang="it-IT" sz="1800" b="0" strike="noStrike" spc="-1">
+              <a:rPr lang="it-IT" sz="1800" b="0" strike="noStrike" spc="-1" dirty="0">
+                <a:solidFill>
+                  <a:srgbClr val="000000"/>
+                </a:solidFill>
+                <a:latin typeface="Arial"/>
+                <a:ea typeface="DejaVu Sans"/>
+              </a:rPr>
+              <a:t>Users can </a:t>
+            </a:r>
+            <a:r>
+              <a:rPr lang="it-IT" sz="1800" b="0" strike="noStrike" spc="-1" dirty="0" err="1">
+                <a:solidFill>
+                  <a:srgbClr val="000000"/>
+                </a:solidFill>
+                <a:latin typeface="Arial"/>
+                <a:ea typeface="DejaVu Sans"/>
+              </a:rPr>
+              <a:t>sign</a:t>
+            </a:r>
+            <a:r>
+              <a:rPr lang="it-IT" sz="1800" b="0" strike="noStrike" spc="-1" dirty="0">
+                <a:solidFill>
+                  <a:srgbClr val="000000"/>
+                </a:solidFill>
+                <a:latin typeface="Arial"/>
+                <a:ea typeface="DejaVu Sans"/>
+              </a:rPr>
+              <a:t> up and </a:t>
+            </a:r>
+            <a:r>
+              <a:rPr lang="it-IT" sz="1800" b="0" strike="noStrike" spc="-1" dirty="0" err="1">
+                <a:solidFill>
+                  <a:srgbClr val="000000"/>
+                </a:solidFill>
+                <a:latin typeface="Arial"/>
+                <a:ea typeface="DejaVu Sans"/>
+              </a:rPr>
+              <a:t>sign</a:t>
+            </a:r>
+            <a:r>
+              <a:rPr lang="it-IT" sz="1800" b="0" strike="noStrike" spc="-1" dirty="0">
+                <a:solidFill>
+                  <a:srgbClr val="000000"/>
+                </a:solidFill>
+                <a:latin typeface="Arial"/>
+                <a:ea typeface="DejaVu Sans"/>
+              </a:rPr>
+              <a:t> in.</a:t>
+            </a:r>
+            <a:endParaRPr lang="it-IT" sz="1800" b="0" strike="noStrike" spc="-1" dirty="0">
               <a:latin typeface="Arial"/>
             </a:endParaRPr>
           </a:p>
@@ -4456,16 +4671,36 @@
               <a:buChar char=""/>
             </a:pPr>
             <a:r>
-              <a:rPr lang="it-IT" sz="1800" b="0" strike="noStrike" spc="-1">
-                <a:solidFill>
-                  <a:srgbClr val="000000"/>
-                </a:solidFill>
-                <a:latin typeface="Arial"/>
-                <a:ea typeface="DejaVu Sans"/>
-              </a:rPr>
-              <a:t>Users can view stock charts.</a:t>
-            </a:r>
-            <a:endParaRPr lang="it-IT" sz="1800" b="0" strike="noStrike" spc="-1">
+              <a:rPr lang="it-IT" sz="1800" b="0" strike="noStrike" spc="-1" dirty="0">
+                <a:solidFill>
+                  <a:srgbClr val="000000"/>
+                </a:solidFill>
+                <a:latin typeface="Arial"/>
+                <a:ea typeface="DejaVu Sans"/>
+              </a:rPr>
+              <a:t>Users can </a:t>
+            </a:r>
+            <a:r>
+              <a:rPr lang="it-IT" sz="1800" b="0" strike="noStrike" spc="-1" dirty="0" err="1">
+                <a:solidFill>
+                  <a:srgbClr val="000000"/>
+                </a:solidFill>
+                <a:latin typeface="Arial"/>
+                <a:ea typeface="DejaVu Sans"/>
+              </a:rPr>
+              <a:t>view</a:t>
+            </a:r>
+            <a:r>
+              <a:rPr lang="it-IT" sz="1800" b="0" strike="noStrike" spc="-1" dirty="0">
+                <a:solidFill>
+                  <a:srgbClr val="000000"/>
+                </a:solidFill>
+                <a:latin typeface="Arial"/>
+                <a:ea typeface="DejaVu Sans"/>
+              </a:rPr>
+              <a:t> stock charts.</a:t>
+            </a:r>
+            <a:endParaRPr lang="it-IT" sz="1800" b="0" strike="noStrike" spc="-1" dirty="0">
               <a:latin typeface="Arial"/>
             </a:endParaRPr>
           </a:p>
@@ -4481,7 +4716,7 @@
               <a:buChar char=""/>
             </a:pPr>
             <a:r>
-              <a:rPr lang="it-IT" sz="1800" b="0" strike="noStrike" spc="-1">
+              <a:rPr lang="it-IT" sz="1800" b="0" strike="noStrike" spc="-1" dirty="0">
                 <a:solidFill>
                   <a:srgbClr val="000000"/>
                 </a:solidFill>
@@ -4490,7 +4725,7 @@
               </a:rPr>
               <a:t>Users can create stock portfolios.</a:t>
             </a:r>
-            <a:endParaRPr lang="it-IT" sz="1800" b="0" strike="noStrike" spc="-1">
+            <a:endParaRPr lang="it-IT" sz="1800" b="0" strike="noStrike" spc="-1" dirty="0">
               <a:latin typeface="Arial"/>
             </a:endParaRPr>
           </a:p>
@@ -4506,7 +4741,7 @@
               <a:buChar char=""/>
             </a:pPr>
             <a:r>
-              <a:rPr lang="it-IT" sz="1800" b="0" strike="noStrike" spc="-1">
+              <a:rPr lang="it-IT" sz="1800" b="0" strike="noStrike" spc="-1" dirty="0">
                 <a:solidFill>
                   <a:srgbClr val="000000"/>
                 </a:solidFill>
@@ -4515,7 +4750,7 @@
               </a:rPr>
               <a:t>Users can simulate stock portfolios.</a:t>
             </a:r>
-            <a:endParaRPr lang="it-IT" sz="1800" b="0" strike="noStrike" spc="-1">
+            <a:endParaRPr lang="it-IT" sz="1800" b="0" strike="noStrike" spc="-1" dirty="0">
               <a:latin typeface="Arial"/>
             </a:endParaRPr>
           </a:p>
@@ -4531,16 +4766,116 @@
               <a:buChar char=""/>
             </a:pPr>
             <a:r>
-              <a:rPr lang="it-IT" sz="1800" b="0" strike="noStrike" spc="-1">
-                <a:solidFill>
-                  <a:srgbClr val="000000"/>
-                </a:solidFill>
-                <a:latin typeface="Arial"/>
-                <a:ea typeface="DejaVu Sans"/>
-              </a:rPr>
-              <a:t>At the end of each simulation, statistics are provided and visualized.</a:t>
-            </a:r>
-            <a:endParaRPr lang="it-IT" sz="1800" b="0" strike="noStrike" spc="-1">
+              <a:rPr lang="it-IT" sz="1800" b="0" strike="noStrike" spc="-1" dirty="0">
+                <a:solidFill>
+                  <a:srgbClr val="000000"/>
+                </a:solidFill>
+                <a:latin typeface="Arial"/>
+                <a:ea typeface="DejaVu Sans"/>
+              </a:rPr>
+              <a:t>At the end of </a:t>
+            </a:r>
+            <a:r>
+              <a:rPr lang="it-IT" sz="1800" b="0" strike="noStrike" spc="-1" dirty="0" err="1">
+                <a:solidFill>
+                  <a:srgbClr val="000000"/>
+                </a:solidFill>
+                <a:latin typeface="Arial"/>
+                <a:ea typeface="DejaVu Sans"/>
+              </a:rPr>
+              <a:t>each</a:t>
+            </a:r>
+            <a:r>
+              <a:rPr lang="it-IT" sz="1800" b="0" strike="noStrike" spc="-1" dirty="0">
+                <a:solidFill>
+                  <a:srgbClr val="000000"/>
+                </a:solidFill>
+                <a:latin typeface="Arial"/>
+                <a:ea typeface="DejaVu Sans"/>
+              </a:rPr>
+              <a:t> </a:t>
+            </a:r>
+            <a:r>
+              <a:rPr lang="it-IT" sz="1800" b="0" strike="noStrike" spc="-1" dirty="0" err="1">
+                <a:solidFill>
+                  <a:srgbClr val="000000"/>
+                </a:solidFill>
+                <a:latin typeface="Arial"/>
+                <a:ea typeface="DejaVu Sans"/>
+              </a:rPr>
+              <a:t>simulation</a:t>
+            </a:r>
+            <a:r>
+              <a:rPr lang="it-IT" sz="1800" b="0" strike="noStrike" spc="-1" dirty="0">
+                <a:solidFill>
+                  <a:srgbClr val="000000"/>
+                </a:solidFill>
+                <a:latin typeface="Arial"/>
+                <a:ea typeface="DejaVu Sans"/>
+              </a:rPr>
+              <a:t>, </a:t>
+            </a:r>
+            <a:r>
+              <a:rPr lang="it-IT" sz="1800" b="0" strike="noStrike" spc="-1" dirty="0" err="1">
+                <a:solidFill>
+                  <a:srgbClr val="000000"/>
+                </a:solidFill>
+                <a:latin typeface="Arial"/>
+                <a:ea typeface="DejaVu Sans"/>
+              </a:rPr>
+              <a:t>statistics</a:t>
+            </a:r>
+            <a:r>
+              <a:rPr lang="it-IT" sz="1800" b="0" strike="noStrike" spc="-1" dirty="0">
+                <a:solidFill>
+                  <a:srgbClr val="000000"/>
+                </a:solidFill>
+                <a:latin typeface="Arial"/>
+                <a:ea typeface="DejaVu Sans"/>
+              </a:rPr>
+              <a:t> are </a:t>
+            </a:r>
+            <a:r>
+              <a:rPr lang="it-IT" sz="1800" b="0" strike="noStrike" spc="-1" dirty="0" err="1">
+                <a:solidFill>
+                  <a:srgbClr val="000000"/>
+                </a:solidFill>
+                <a:latin typeface="Arial"/>
+                <a:ea typeface="DejaVu Sans"/>
+              </a:rPr>
+              <a:t>provided</a:t>
+            </a:r>
+            <a:r>
+              <a:rPr lang="it-IT" sz="1800" b="0" strike="noStrike" spc="-1" dirty="0">
+                <a:solidFill>
+                  <a:srgbClr val="000000"/>
+                </a:solidFill>
+                <a:latin typeface="Arial"/>
+                <a:ea typeface="DejaVu Sans"/>
+              </a:rPr>
+              <a:t> and </a:t>
+            </a:r>
+            <a:r>
+              <a:rPr lang="it-IT" sz="1800" b="0" strike="noStrike" spc="-1" dirty="0" err="1">
+                <a:solidFill>
+                  <a:srgbClr val="000000"/>
+                </a:solidFill>
+                <a:latin typeface="Arial"/>
+                <a:ea typeface="DejaVu Sans"/>
+              </a:rPr>
+              <a:t>visualized</a:t>
+            </a:r>
+            <a:r>
+              <a:rPr lang="it-IT" sz="1800" b="0" strike="noStrike" spc="-1" dirty="0">
+                <a:solidFill>
+                  <a:srgbClr val="000000"/>
+                </a:solidFill>
+                <a:latin typeface="Arial"/>
+                <a:ea typeface="DejaVu Sans"/>
+              </a:rPr>
+              <a:t>.</a:t>
+            </a:r>
+            <a:endParaRPr lang="it-IT" sz="1800" b="0" strike="noStrike" spc="-1" dirty="0">
               <a:latin typeface="Arial"/>
             </a:endParaRPr>
           </a:p>
@@ -4550,7 +4885,7 @@
                 <a:spcPct val="150000"/>
               </a:lnSpc>
             </a:pPr>
-            <a:endParaRPr lang="it-IT" sz="1800" b="0" strike="noStrike" spc="-1">
+            <a:endParaRPr lang="it-IT" sz="1800" b="0" strike="noStrike" spc="-1" dirty="0">
               <a:latin typeface="Arial"/>
             </a:endParaRPr>
           </a:p>
@@ -6053,129 +6388,9 @@
           <a:bodyPr lIns="90000" tIns="45000" rIns="90000" bIns="45000"/>
           <a:lstStyle/>
           <a:p>
-            <a:pPr>
-              <a:lnSpc>
-                <a:spcPct val="115000"/>
-              </a:lnSpc>
-            </a:pPr>
-            <a:r>
-              <a:rPr lang="it-IT" sz="1800" b="0" strike="noStrike" spc="-1" dirty="0">
-                <a:solidFill>
-                  <a:srgbClr val="000000"/>
-                </a:solidFill>
-                <a:latin typeface="Arial"/>
-                <a:ea typeface="DejaVu Sans"/>
-              </a:rPr>
-              <a:t>Include </a:t>
-            </a:r>
-            <a:r>
-              <a:rPr lang="it-IT" sz="1800" b="0" strike="noStrike" spc="-1" dirty="0" err="1">
-                <a:solidFill>
-                  <a:srgbClr val="000000"/>
-                </a:solidFill>
-                <a:latin typeface="Arial"/>
-                <a:ea typeface="DejaVu Sans"/>
-              </a:rPr>
-              <a:t>also</a:t>
-            </a:r>
-            <a:r>
-              <a:rPr lang="it-IT" sz="1800" b="0" strike="noStrike" spc="-1" dirty="0">
-                <a:solidFill>
-                  <a:srgbClr val="000000"/>
-                </a:solidFill>
-                <a:latin typeface="Arial"/>
-                <a:ea typeface="DejaVu Sans"/>
-              </a:rPr>
-              <a:t> the frameworks and tools </a:t>
-            </a:r>
-            <a:r>
-              <a:rPr lang="it-IT" sz="1800" b="0" strike="noStrike" spc="-1" dirty="0" err="1">
-                <a:solidFill>
-                  <a:srgbClr val="000000"/>
-                </a:solidFill>
-                <a:latin typeface="Arial"/>
-                <a:ea typeface="DejaVu Sans"/>
-              </a:rPr>
-              <a:t>that</a:t>
-            </a:r>
-            <a:r>
-              <a:rPr lang="it-IT" sz="1800" b="0" strike="noStrike" spc="-1" dirty="0">
-                <a:solidFill>
-                  <a:srgbClr val="000000"/>
-                </a:solidFill>
-                <a:latin typeface="Arial"/>
-                <a:ea typeface="DejaVu Sans"/>
-              </a:rPr>
-              <a:t> the group </a:t>
-            </a:r>
-            <a:r>
-              <a:rPr lang="it-IT" sz="1800" b="0" strike="noStrike" spc="-1" dirty="0" err="1">
-                <a:solidFill>
-                  <a:srgbClr val="000000"/>
-                </a:solidFill>
-                <a:latin typeface="Arial"/>
-                <a:ea typeface="DejaVu Sans"/>
-              </a:rPr>
-              <a:t>would</a:t>
-            </a:r>
-            <a:r>
-              <a:rPr lang="it-IT" sz="1800" b="0" strike="noStrike" spc="-1" dirty="0">
-                <a:solidFill>
-                  <a:srgbClr val="000000"/>
-                </a:solidFill>
-                <a:latin typeface="Arial"/>
-                <a:ea typeface="DejaVu Sans"/>
-              </a:rPr>
-              <a:t> like to use (programming </a:t>
-            </a:r>
-            <a:r>
-              <a:rPr lang="it-IT" sz="1800" b="0" strike="noStrike" spc="-1" dirty="0" err="1">
-                <a:solidFill>
-                  <a:srgbClr val="000000"/>
-                </a:solidFill>
-                <a:latin typeface="Arial"/>
-                <a:ea typeface="DejaVu Sans"/>
-              </a:rPr>
-              <a:t>languages</a:t>
-            </a:r>
-            <a:r>
-              <a:rPr lang="it-IT" sz="1800" b="0" strike="noStrike" spc="-1" dirty="0">
-                <a:solidFill>
-                  <a:srgbClr val="000000"/>
-                </a:solidFill>
-                <a:latin typeface="Arial"/>
-                <a:ea typeface="DejaVu Sans"/>
-              </a:rPr>
-              <a:t>, </a:t>
-            </a:r>
-            <a:r>
-              <a:rPr lang="it-IT" sz="1800" b="0" strike="noStrike" spc="-1" dirty="0" err="1">
-                <a:solidFill>
-                  <a:srgbClr val="000000"/>
-                </a:solidFill>
-                <a:latin typeface="Arial"/>
-                <a:ea typeface="DejaVu Sans"/>
-              </a:rPr>
-              <a:t>DBMSs</a:t>
-            </a:r>
-            <a:r>
-              <a:rPr lang="it-IT" sz="1800" b="0" strike="noStrike" spc="-1" dirty="0">
-                <a:solidFill>
-                  <a:srgbClr val="000000"/>
-                </a:solidFill>
-                <a:latin typeface="Arial"/>
-                <a:ea typeface="DejaVu Sans"/>
-              </a:rPr>
-              <a:t>, etc..)</a:t>
-            </a:r>
-            <a:endParaRPr lang="it-IT" sz="1800" b="0" strike="noStrike" spc="-1" dirty="0">
-              <a:latin typeface="Arial"/>
-            </a:endParaRPr>
-          </a:p>
-          <a:p>
             <a:pPr marL="285840" indent="-284400">
               <a:lnSpc>
-                <a:spcPct val="115000"/>
+                <a:spcPct val="150000"/>
               </a:lnSpc>
               <a:buClr>
                 <a:srgbClr val="000000"/>
@@ -6200,7 +6415,7 @@
           <a:p>
             <a:pPr marL="285840" indent="-284400">
               <a:lnSpc>
-                <a:spcPct val="115000"/>
+                <a:spcPct val="150000"/>
               </a:lnSpc>
               <a:buClr>
                 <a:srgbClr val="000000"/>
@@ -6265,7 +6480,7 @@
           <a:p>
             <a:pPr marL="285840" indent="-284400">
               <a:lnSpc>
-                <a:spcPct val="115000"/>
+                <a:spcPct val="150000"/>
               </a:lnSpc>
               <a:buClr>
                 <a:srgbClr val="000000"/>
@@ -6300,7 +6515,7 @@
           <a:p>
             <a:pPr marL="285840" indent="-284400">
               <a:lnSpc>
-                <a:spcPct val="115000"/>
+                <a:spcPct val="150000"/>
               </a:lnSpc>
               <a:buClr>
                 <a:srgbClr val="000000"/>
@@ -6325,7 +6540,7 @@
           <a:p>
             <a:pPr marL="285840" indent="-284400">
               <a:lnSpc>
-                <a:spcPct val="115000"/>
+                <a:spcPct val="150000"/>
               </a:lnSpc>
               <a:buClr>
                 <a:srgbClr val="000000"/>
@@ -6416,7 +6631,7 @@
           <a:p>
             <a:pPr marL="285840" indent="-284400">
               <a:lnSpc>
-                <a:spcPct val="115000"/>
+                <a:spcPct val="150000"/>
               </a:lnSpc>
               <a:buClr>
                 <a:srgbClr val="000000"/>
@@ -6461,7 +6676,7 @@
           <a:p>
             <a:pPr marL="285840" indent="-284400">
               <a:lnSpc>
-                <a:spcPct val="115000"/>
+                <a:spcPct val="150000"/>
               </a:lnSpc>
               <a:buClr>
                 <a:srgbClr val="000000"/>
@@ -6486,7 +6701,7 @@
           <a:p>
             <a:pPr marL="285840" indent="-284400">
               <a:lnSpc>
-                <a:spcPct val="115000"/>
+                <a:spcPct val="150000"/>
               </a:lnSpc>
               <a:buClr>
                 <a:srgbClr val="000000"/>
@@ -6511,7 +6726,7 @@
           <a:p>
             <a:pPr marL="285840" indent="-284400">
               <a:lnSpc>
-                <a:spcPct val="115000"/>
+                <a:spcPct val="150000"/>
               </a:lnSpc>
               <a:buClr>
                 <a:srgbClr val="000000"/>
@@ -6536,7 +6751,7 @@
           <a:p>
             <a:pPr marL="285840" indent="-284400">
               <a:lnSpc>
-                <a:spcPct val="115000"/>
+                <a:spcPct val="150000"/>
               </a:lnSpc>
               <a:buClr>
                 <a:srgbClr val="000000"/>
@@ -6560,6 +6775,393 @@
           </a:p>
         </p:txBody>
       </p:sp>
+      <p:pic>
+        <p:nvPicPr>
+          <p:cNvPr id="3" name="log4j_logo" descr="Immagine che contiene disegnando&#10;&#10;Descrizione generata automaticamente">
+            <a:extLst>
+              <a:ext uri="{FF2B5EF4-FFF2-40B4-BE49-F238E27FC236}">
+                <a16:creationId xmlns:a16="http://schemas.microsoft.com/office/drawing/2014/main" id="{EE51AEC9-1011-4C8D-927F-4E36DA7D3CBB}"/>
+              </a:ext>
+            </a:extLst>
+          </p:cNvPr>
+          <p:cNvPicPr>
+            <a:picLocks noChangeAspect="1"/>
+          </p:cNvPicPr>
+          <p:nvPr/>
+        </p:nvPicPr>
+        <p:blipFill>
+          <a:blip r:embed="rId2">
+            <a:extLst>
+              <a:ext uri="{28A0092B-C50C-407E-A947-70E740481C1C}">
+                <a14:useLocalDpi xmlns:a14="http://schemas.microsoft.com/office/drawing/2010/main" val="0"/>
+              </a:ext>
+            </a:extLst>
+          </a:blip>
+          <a:stretch>
+            <a:fillRect/>
+          </a:stretch>
+        </p:blipFill>
+        <p:spPr>
+          <a:xfrm>
+            <a:off x="3532749" y="4258137"/>
+            <a:ext cx="1358126" cy="522029"/>
+          </a:xfrm>
+          <a:prstGeom prst="rect">
+            <a:avLst/>
+          </a:prstGeom>
+        </p:spPr>
+      </p:pic>
+      <p:pic>
+        <p:nvPicPr>
+          <p:cNvPr id="5" name="cassandra_logo">
+            <a:extLst>
+              <a:ext uri="{FF2B5EF4-FFF2-40B4-BE49-F238E27FC236}">
+                <a16:creationId xmlns:a16="http://schemas.microsoft.com/office/drawing/2014/main" id="{3ADF158C-D957-4FAA-AA92-595AE2A2ED92}"/>
+              </a:ext>
+            </a:extLst>
+          </p:cNvPr>
+          <p:cNvPicPr>
+            <a:picLocks noChangeAspect="1"/>
+          </p:cNvPicPr>
+          <p:nvPr/>
+        </p:nvPicPr>
+        <p:blipFill>
+          <a:blip r:embed="rId3">
+            <a:extLst>
+              <a:ext uri="{28A0092B-C50C-407E-A947-70E740481C1C}">
+                <a14:useLocalDpi xmlns:a14="http://schemas.microsoft.com/office/drawing/2010/main" val="0"/>
+              </a:ext>
+              <a:ext uri="{96DAC541-7B7A-43D3-8B79-37D633B846F1}">
+                <asvg:svgBlip xmlns:asvg="http://schemas.microsoft.com/office/drawing/2016/SVG/main" r:embed="rId4"/>
+              </a:ext>
+            </a:extLst>
+          </a:blip>
+          <a:stretch>
+            <a:fillRect/>
+          </a:stretch>
+        </p:blipFill>
+        <p:spPr>
+          <a:xfrm>
+            <a:off x="7503297" y="3850024"/>
+            <a:ext cx="1263196" cy="846658"/>
+          </a:xfrm>
+          <a:prstGeom prst="rect">
+            <a:avLst/>
+          </a:prstGeom>
+        </p:spPr>
+      </p:pic>
+      <p:pic>
+        <p:nvPicPr>
+          <p:cNvPr id="7" name="git_logo">
+            <a:extLst>
+              <a:ext uri="{FF2B5EF4-FFF2-40B4-BE49-F238E27FC236}">
+                <a16:creationId xmlns:a16="http://schemas.microsoft.com/office/drawing/2014/main" id="{4E11190C-ED32-47E3-9E6C-A5F95820A32C}"/>
+              </a:ext>
+            </a:extLst>
+          </p:cNvPr>
+          <p:cNvPicPr>
+            <a:picLocks noChangeAspect="1"/>
+          </p:cNvPicPr>
+          <p:nvPr/>
+        </p:nvPicPr>
+        <p:blipFill>
+          <a:blip r:embed="rId5">
+            <a:extLst>
+              <a:ext uri="{28A0092B-C50C-407E-A947-70E740481C1C}">
+                <a14:useLocalDpi xmlns:a14="http://schemas.microsoft.com/office/drawing/2010/main" val="0"/>
+              </a:ext>
+              <a:ext uri="{96DAC541-7B7A-43D3-8B79-37D633B846F1}">
+                <asvg:svgBlip xmlns:asvg="http://schemas.microsoft.com/office/drawing/2016/SVG/main" r:embed="rId6"/>
+              </a:ext>
+            </a:extLst>
+          </a:blip>
+          <a:stretch>
+            <a:fillRect/>
+          </a:stretch>
+        </p:blipFill>
+        <p:spPr>
+          <a:xfrm>
+            <a:off x="7107133" y="4955198"/>
+            <a:ext cx="1237036" cy="522029"/>
+          </a:xfrm>
+          <a:prstGeom prst="rect">
+            <a:avLst/>
+          </a:prstGeom>
+        </p:spPr>
+      </p:pic>
+      <p:pic>
+        <p:nvPicPr>
+          <p:cNvPr id="9" name="intellijidea_logo">
+            <a:extLst>
+              <a:ext uri="{FF2B5EF4-FFF2-40B4-BE49-F238E27FC236}">
+                <a16:creationId xmlns:a16="http://schemas.microsoft.com/office/drawing/2014/main" id="{060D4734-70FA-488F-AF95-DD0F4C4623A6}"/>
+              </a:ext>
+            </a:extLst>
+          </p:cNvPr>
+          <p:cNvPicPr>
+            <a:picLocks noChangeAspect="1"/>
+          </p:cNvPicPr>
+          <p:nvPr/>
+        </p:nvPicPr>
+        <p:blipFill>
+          <a:blip r:embed="rId7">
+            <a:extLst>
+              <a:ext uri="{28A0092B-C50C-407E-A947-70E740481C1C}">
+                <a14:useLocalDpi xmlns:a14="http://schemas.microsoft.com/office/drawing/2010/main" val="0"/>
+              </a:ext>
+              <a:ext uri="{96DAC541-7B7A-43D3-8B79-37D633B846F1}">
+                <asvg:svgBlip xmlns:asvg="http://schemas.microsoft.com/office/drawing/2016/SVG/main" r:embed="rId8"/>
+              </a:ext>
+            </a:extLst>
+          </a:blip>
+          <a:stretch>
+            <a:fillRect/>
+          </a:stretch>
+        </p:blipFill>
+        <p:spPr>
+          <a:xfrm>
+            <a:off x="5639769" y="1450817"/>
+            <a:ext cx="666750" cy="666750"/>
+          </a:xfrm>
+          <a:prstGeom prst="rect">
+            <a:avLst/>
+          </a:prstGeom>
+        </p:spPr>
+      </p:pic>
+      <p:pic>
+        <p:nvPicPr>
+          <p:cNvPr id="11" name="java_logo">
+            <a:extLst>
+              <a:ext uri="{FF2B5EF4-FFF2-40B4-BE49-F238E27FC236}">
+                <a16:creationId xmlns:a16="http://schemas.microsoft.com/office/drawing/2014/main" id="{819F39C0-08E7-4F57-828D-BDC44EFC9945}"/>
+              </a:ext>
+            </a:extLst>
+          </p:cNvPr>
+          <p:cNvPicPr>
+            <a:picLocks noChangeAspect="1"/>
+          </p:cNvPicPr>
+          <p:nvPr/>
+        </p:nvPicPr>
+        <p:blipFill>
+          <a:blip r:embed="rId9">
+            <a:extLst>
+              <a:ext uri="{28A0092B-C50C-407E-A947-70E740481C1C}">
+                <a14:useLocalDpi xmlns:a14="http://schemas.microsoft.com/office/drawing/2010/main" val="0"/>
+              </a:ext>
+              <a:ext uri="{96DAC541-7B7A-43D3-8B79-37D633B846F1}">
+                <asvg:svgBlip xmlns:asvg="http://schemas.microsoft.com/office/drawing/2016/SVG/main" r:embed="rId10"/>
+              </a:ext>
+            </a:extLst>
+          </a:blip>
+          <a:stretch>
+            <a:fillRect/>
+          </a:stretch>
+        </p:blipFill>
+        <p:spPr>
+          <a:xfrm>
+            <a:off x="4211812" y="1156525"/>
+            <a:ext cx="635118" cy="1182324"/>
+          </a:xfrm>
+          <a:prstGeom prst="rect">
+            <a:avLst/>
+          </a:prstGeom>
+        </p:spPr>
+      </p:pic>
+      <p:pic>
+        <p:nvPicPr>
+          <p:cNvPr id="13" name="JUnit_logo">
+            <a:extLst>
+              <a:ext uri="{FF2B5EF4-FFF2-40B4-BE49-F238E27FC236}">
+                <a16:creationId xmlns:a16="http://schemas.microsoft.com/office/drawing/2014/main" id="{B0B12E6D-DB81-425A-8381-0197C7931EE1}"/>
+              </a:ext>
+            </a:extLst>
+          </p:cNvPr>
+          <p:cNvPicPr>
+            <a:picLocks noChangeAspect="1"/>
+          </p:cNvPicPr>
+          <p:nvPr/>
+        </p:nvPicPr>
+        <p:blipFill>
+          <a:blip r:embed="rId11">
+            <a:extLst>
+              <a:ext uri="{28A0092B-C50C-407E-A947-70E740481C1C}">
+                <a14:useLocalDpi xmlns:a14="http://schemas.microsoft.com/office/drawing/2010/main" val="0"/>
+              </a:ext>
+              <a:ext uri="{96DAC541-7B7A-43D3-8B79-37D633B846F1}">
+                <asvg:svgBlip xmlns:asvg="http://schemas.microsoft.com/office/drawing/2016/SVG/main" r:embed="rId12"/>
+              </a:ext>
+            </a:extLst>
+          </a:blip>
+          <a:stretch>
+            <a:fillRect/>
+          </a:stretch>
+        </p:blipFill>
+        <p:spPr>
+          <a:xfrm>
+            <a:off x="5191698" y="4649171"/>
+            <a:ext cx="1352015" cy="412829"/>
+          </a:xfrm>
+          <a:prstGeom prst="rect">
+            <a:avLst/>
+          </a:prstGeom>
+        </p:spPr>
+      </p:pic>
+      <p:pic>
+        <p:nvPicPr>
+          <p:cNvPr id="15" name="maven_logo">
+            <a:extLst>
+              <a:ext uri="{FF2B5EF4-FFF2-40B4-BE49-F238E27FC236}">
+                <a16:creationId xmlns:a16="http://schemas.microsoft.com/office/drawing/2014/main" id="{45AC39D5-17C8-405A-AEE3-7B9FFE6E880E}"/>
+              </a:ext>
+            </a:extLst>
+          </p:cNvPr>
+          <p:cNvPicPr>
+            <a:picLocks noChangeAspect="1"/>
+          </p:cNvPicPr>
+          <p:nvPr/>
+        </p:nvPicPr>
+        <p:blipFill>
+          <a:blip r:embed="rId13">
+            <a:extLst>
+              <a:ext uri="{28A0092B-C50C-407E-A947-70E740481C1C}">
+                <a14:useLocalDpi xmlns:a14="http://schemas.microsoft.com/office/drawing/2010/main" val="0"/>
+              </a:ext>
+              <a:ext uri="{96DAC541-7B7A-43D3-8B79-37D633B846F1}">
+                <asvg:svgBlip xmlns:asvg="http://schemas.microsoft.com/office/drawing/2016/SVG/main" r:embed="rId14"/>
+              </a:ext>
+            </a:extLst>
+          </a:blip>
+          <a:stretch>
+            <a:fillRect/>
+          </a:stretch>
+        </p:blipFill>
+        <p:spPr>
+          <a:xfrm>
+            <a:off x="6975860" y="1584509"/>
+            <a:ext cx="1841620" cy="465821"/>
+          </a:xfrm>
+          <a:prstGeom prst="rect">
+            <a:avLst/>
+          </a:prstGeom>
+        </p:spPr>
+      </p:pic>
+      <p:pic>
+        <p:nvPicPr>
+          <p:cNvPr id="17" name="mongodb_logo">
+            <a:extLst>
+              <a:ext uri="{FF2B5EF4-FFF2-40B4-BE49-F238E27FC236}">
+                <a16:creationId xmlns:a16="http://schemas.microsoft.com/office/drawing/2014/main" id="{CFE40899-930C-4839-97D6-296713499E07}"/>
+              </a:ext>
+            </a:extLst>
+          </p:cNvPr>
+          <p:cNvPicPr>
+            <a:picLocks noChangeAspect="1"/>
+          </p:cNvPicPr>
+          <p:nvPr/>
+        </p:nvPicPr>
+        <p:blipFill>
+          <a:blip r:embed="rId15">
+            <a:extLst>
+              <a:ext uri="{28A0092B-C50C-407E-A947-70E740481C1C}">
+                <a14:useLocalDpi xmlns:a14="http://schemas.microsoft.com/office/drawing/2010/main" val="0"/>
+              </a:ext>
+              <a:ext uri="{96DAC541-7B7A-43D3-8B79-37D633B846F1}">
+                <asvg:svgBlip xmlns:asvg="http://schemas.microsoft.com/office/drawing/2016/SVG/main" r:embed="rId16"/>
+              </a:ext>
+            </a:extLst>
+          </a:blip>
+          <a:stretch>
+            <a:fillRect/>
+          </a:stretch>
+        </p:blipFill>
+        <p:spPr>
+          <a:xfrm>
+            <a:off x="5379134" y="3440332"/>
+            <a:ext cx="1936726" cy="522029"/>
+          </a:xfrm>
+          <a:prstGeom prst="rect">
+            <a:avLst/>
+          </a:prstGeom>
+        </p:spPr>
+      </p:pic>
+      <p:pic>
+        <p:nvPicPr>
+          <p:cNvPr id="19" name="python_logo">
+            <a:extLst>
+              <a:ext uri="{FF2B5EF4-FFF2-40B4-BE49-F238E27FC236}">
+                <a16:creationId xmlns:a16="http://schemas.microsoft.com/office/drawing/2014/main" id="{08F5F161-4263-4731-8BE1-315E3CE2D93A}"/>
+              </a:ext>
+            </a:extLst>
+          </p:cNvPr>
+          <p:cNvPicPr>
+            <a:picLocks noChangeAspect="1"/>
+          </p:cNvPicPr>
+          <p:nvPr/>
+        </p:nvPicPr>
+        <p:blipFill>
+          <a:blip r:embed="rId17">
+            <a:extLst>
+              <a:ext uri="{28A0092B-C50C-407E-A947-70E740481C1C}">
+                <a14:useLocalDpi xmlns:a14="http://schemas.microsoft.com/office/drawing/2010/main" val="0"/>
+              </a:ext>
+              <a:ext uri="{96DAC541-7B7A-43D3-8B79-37D633B846F1}">
+                <asvg:svgBlip xmlns:asvg="http://schemas.microsoft.com/office/drawing/2016/SVG/main" r:embed="rId18"/>
+              </a:ext>
+            </a:extLst>
+          </a:blip>
+          <a:stretch>
+            <a:fillRect/>
+          </a:stretch>
+        </p:blipFill>
+        <p:spPr>
+          <a:xfrm>
+            <a:off x="5191698" y="2356310"/>
+            <a:ext cx="2311599" cy="682769"/>
+          </a:xfrm>
+          <a:prstGeom prst="rect">
+            <a:avLst/>
+          </a:prstGeom>
+        </p:spPr>
+      </p:pic>
+      <p:pic>
+        <p:nvPicPr>
+          <p:cNvPr id="21" name="yahoofinance_logo">
+            <a:extLst>
+              <a:ext uri="{FF2B5EF4-FFF2-40B4-BE49-F238E27FC236}">
+                <a16:creationId xmlns:a16="http://schemas.microsoft.com/office/drawing/2014/main" id="{048765BE-4DEC-4B3B-81C3-6BFA082C93F2}"/>
+              </a:ext>
+            </a:extLst>
+          </p:cNvPr>
+          <p:cNvPicPr>
+            <a:picLocks noChangeAspect="1"/>
+          </p:cNvPicPr>
+          <p:nvPr/>
+        </p:nvPicPr>
+        <p:blipFill>
+          <a:blip r:embed="rId19">
+            <a:extLst>
+              <a:ext uri="{28A0092B-C50C-407E-A947-70E740481C1C}">
+                <a14:useLocalDpi xmlns:a14="http://schemas.microsoft.com/office/drawing/2010/main" val="0"/>
+              </a:ext>
+              <a:ext uri="{96DAC541-7B7A-43D3-8B79-37D633B846F1}">
+                <asvg:svgBlip xmlns:asvg="http://schemas.microsoft.com/office/drawing/2016/SVG/main" r:embed="rId20"/>
+              </a:ext>
+            </a:extLst>
+          </a:blip>
+          <a:stretch>
+            <a:fillRect/>
+          </a:stretch>
+        </p:blipFill>
+        <p:spPr>
+          <a:xfrm>
+            <a:off x="7214324" y="2839379"/>
+            <a:ext cx="1766489" cy="896695"/>
+          </a:xfrm>
+          <a:prstGeom prst="rect">
+            <a:avLst/>
+          </a:prstGeom>
+        </p:spPr>
+      </p:pic>
     </p:spTree>
   </p:cSld>
   <p:clrMapOvr>

--- a/documentation/stocksim_preliminary_presentation.pptx
+++ b/documentation/stocksim_preliminary_presentation.pptx
@@ -1,127 +1,27 @@
 
 <file path=ppt/presentation.xml><?xml version="1.0" encoding="utf-8"?>
-<p:presentation xmlns:a="http://schemas.openxmlformats.org/drawingml/2006/main" xmlns:r="http://schemas.openxmlformats.org/officeDocument/2006/relationships" xmlns:p="http://schemas.openxmlformats.org/presentationml/2006/main">
+<p:presentation xmlns:a="http://schemas.openxmlformats.org/drawingml/2006/main" xmlns:p="http://schemas.openxmlformats.org/presentationml/2006/main" xmlns:r="http://schemas.openxmlformats.org/officeDocument/2006/relationships" xmlns:p14="http://schemas.microsoft.com/office/powerpoint/2010/main" xmlns:p15="http://schemas.microsoft.com/office/powerpoint/2012/main" xmlns:mc="http://schemas.openxmlformats.org/markup-compatibility/2006">
   <p:sldMasterIdLst>
-    <p:sldMasterId id="2147483648" r:id="rId1"/>
-    <p:sldMasterId id="2147483661" r:id="rId2"/>
+    <p:sldMasterId id="2147483648" r:id="rId2"/>
+    <p:sldMasterId id="2147483661" r:id="rId3"/>
   </p:sldMasterIdLst>
   <p:sldIdLst>
-    <p:sldId id="256" r:id="rId3"/>
-    <p:sldId id="257" r:id="rId4"/>
-    <p:sldId id="258" r:id="rId5"/>
-    <p:sldId id="259" r:id="rId6"/>
-    <p:sldId id="260" r:id="rId7"/>
-    <p:sldId id="261" r:id="rId8"/>
-    <p:sldId id="262" r:id="rId9"/>
-    <p:sldId id="263" r:id="rId10"/>
+    <p:sldId id="256" r:id="rId4"/>
+    <p:sldId id="257" r:id="rId5"/>
+    <p:sldId id="258" r:id="rId6"/>
+    <p:sldId id="259" r:id="rId7"/>
+    <p:sldId id="260" r:id="rId8"/>
+    <p:sldId id="261" r:id="rId9"/>
+    <p:sldId id="262" r:id="rId10"/>
+    <p:sldId id="263" r:id="rId11"/>
   </p:sldIdLst>
-  <p:sldSz cx="9144000" cy="6858000" type="screen4x3"/>
-  <p:notesSz cx="7559675" cy="10691813"/>
-  <p:defaultTextStyle>
-    <a:defPPr>
-      <a:defRPr lang="it-IT"/>
-    </a:defPPr>
-    <a:lvl1pPr marL="0" algn="l" defTabSz="914400" rtl="0" eaLnBrk="1" latinLnBrk="0" hangingPunct="1">
-      <a:defRPr sz="1800" kern="1200">
-        <a:solidFill>
-          <a:schemeClr val="tx1"/>
-        </a:solidFill>
-        <a:latin typeface="+mn-lt"/>
-        <a:ea typeface="+mn-ea"/>
-        <a:cs typeface="+mn-cs"/>
-      </a:defRPr>
-    </a:lvl1pPr>
-    <a:lvl2pPr marL="457200" algn="l" defTabSz="914400" rtl="0" eaLnBrk="1" latinLnBrk="0" hangingPunct="1">
-      <a:defRPr sz="1800" kern="1200">
-        <a:solidFill>
-          <a:schemeClr val="tx1"/>
-        </a:solidFill>
-        <a:latin typeface="+mn-lt"/>
-        <a:ea typeface="+mn-ea"/>
-        <a:cs typeface="+mn-cs"/>
-      </a:defRPr>
-    </a:lvl2pPr>
-    <a:lvl3pPr marL="914400" algn="l" defTabSz="914400" rtl="0" eaLnBrk="1" latinLnBrk="0" hangingPunct="1">
-      <a:defRPr sz="1800" kern="1200">
-        <a:solidFill>
-          <a:schemeClr val="tx1"/>
-        </a:solidFill>
-        <a:latin typeface="+mn-lt"/>
-        <a:ea typeface="+mn-ea"/>
-        <a:cs typeface="+mn-cs"/>
-      </a:defRPr>
-    </a:lvl3pPr>
-    <a:lvl4pPr marL="1371600" algn="l" defTabSz="914400" rtl="0" eaLnBrk="1" latinLnBrk="0" hangingPunct="1">
-      <a:defRPr sz="1800" kern="1200">
-        <a:solidFill>
-          <a:schemeClr val="tx1"/>
-        </a:solidFill>
-        <a:latin typeface="+mn-lt"/>
-        <a:ea typeface="+mn-ea"/>
-        <a:cs typeface="+mn-cs"/>
-      </a:defRPr>
-    </a:lvl4pPr>
-    <a:lvl5pPr marL="1828800" algn="l" defTabSz="914400" rtl="0" eaLnBrk="1" latinLnBrk="0" hangingPunct="1">
-      <a:defRPr sz="1800" kern="1200">
-        <a:solidFill>
-          <a:schemeClr val="tx1"/>
-        </a:solidFill>
-        <a:latin typeface="+mn-lt"/>
-        <a:ea typeface="+mn-ea"/>
-        <a:cs typeface="+mn-cs"/>
-      </a:defRPr>
-    </a:lvl5pPr>
-    <a:lvl6pPr marL="2286000" algn="l" defTabSz="914400" rtl="0" eaLnBrk="1" latinLnBrk="0" hangingPunct="1">
-      <a:defRPr sz="1800" kern="1200">
-        <a:solidFill>
-          <a:schemeClr val="tx1"/>
-        </a:solidFill>
-        <a:latin typeface="+mn-lt"/>
-        <a:ea typeface="+mn-ea"/>
-        <a:cs typeface="+mn-cs"/>
-      </a:defRPr>
-    </a:lvl6pPr>
-    <a:lvl7pPr marL="2743200" algn="l" defTabSz="914400" rtl="0" eaLnBrk="1" latinLnBrk="0" hangingPunct="1">
-      <a:defRPr sz="1800" kern="1200">
-        <a:solidFill>
-          <a:schemeClr val="tx1"/>
-        </a:solidFill>
-        <a:latin typeface="+mn-lt"/>
-        <a:ea typeface="+mn-ea"/>
-        <a:cs typeface="+mn-cs"/>
-      </a:defRPr>
-    </a:lvl7pPr>
-    <a:lvl8pPr marL="3200400" algn="l" defTabSz="914400" rtl="0" eaLnBrk="1" latinLnBrk="0" hangingPunct="1">
-      <a:defRPr sz="1800" kern="1200">
-        <a:solidFill>
-          <a:schemeClr val="tx1"/>
-        </a:solidFill>
-        <a:latin typeface="+mn-lt"/>
-        <a:ea typeface="+mn-ea"/>
-        <a:cs typeface="+mn-cs"/>
-      </a:defRPr>
-    </a:lvl8pPr>
-    <a:lvl9pPr marL="3657600" algn="l" defTabSz="914400" rtl="0" eaLnBrk="1" latinLnBrk="0" hangingPunct="1">
-      <a:defRPr sz="1800" kern="1200">
-        <a:solidFill>
-          <a:schemeClr val="tx1"/>
-        </a:solidFill>
-        <a:latin typeface="+mn-lt"/>
-        <a:ea typeface="+mn-ea"/>
-        <a:cs typeface="+mn-cs"/>
-      </a:defRPr>
-    </a:lvl9pPr>
-  </p:defaultTextStyle>
-  <p:extLst>
-    <p:ext uri="{EFAFB233-063F-42B5-8137-9DF3F51BA10A}">
-      <p15:sldGuideLst xmlns:p15="http://schemas.microsoft.com/office/powerpoint/2012/main"/>
-    </p:ext>
-  </p:extLst>
+  <p:sldSz cx="9144000" cy="6858000"/>
+  <p:notesSz cx="7559675" cy="10691812"/>
 </p:presentation>
 </file>
 
 <file path=ppt/slideLayouts/slideLayout1.xml><?xml version="1.0" encoding="utf-8"?>
-<p:sldLayout xmlns:a="http://schemas.openxmlformats.org/drawingml/2006/main" xmlns:r="http://schemas.openxmlformats.org/officeDocument/2006/relationships" xmlns:p="http://schemas.openxmlformats.org/presentationml/2006/main" type="blank" preserve="1">
+<p:sldLayout xmlns:a="http://schemas.openxmlformats.org/drawingml/2006/main" xmlns:p="http://schemas.openxmlformats.org/presentationml/2006/main" xmlns:r="http://schemas.openxmlformats.org/officeDocument/2006/relationships" xmlns:p14="http://schemas.microsoft.com/office/powerpoint/2010/main" xmlns:p15="http://schemas.microsoft.com/office/powerpoint/2012/main" xmlns:mc="http://schemas.openxmlformats.org/markup-compatibility/2006" type="blank" preserve="1">
   <p:cSld name="Blank Slide">
     <p:spTree>
       <p:nvGrpSpPr>
@@ -139,14 +39,11 @@
       </p:grpSpPr>
     </p:spTree>
   </p:cSld>
-  <p:clrMapOvr>
-    <a:masterClrMapping/>
-  </p:clrMapOvr>
 </p:sldLayout>
 </file>
 
 <file path=ppt/slideLayouts/slideLayout10.xml><?xml version="1.0" encoding="utf-8"?>
-<p:sldLayout xmlns:a="http://schemas.openxmlformats.org/drawingml/2006/main" xmlns:r="http://schemas.openxmlformats.org/officeDocument/2006/relationships" xmlns:p="http://schemas.openxmlformats.org/presentationml/2006/main" type="objOverTx" preserve="1">
+<p:sldLayout xmlns:a="http://schemas.openxmlformats.org/drawingml/2006/main" xmlns:p="http://schemas.openxmlformats.org/presentationml/2006/main" xmlns:r="http://schemas.openxmlformats.org/officeDocument/2006/relationships" xmlns:p14="http://schemas.microsoft.com/office/powerpoint/2010/main" xmlns:p15="http://schemas.microsoft.com/office/powerpoint/2012/main" xmlns:mc="http://schemas.openxmlformats.org/markup-compatibility/2006" type="objOverTx" preserve="1">
   <p:cSld name="Title, Content over Content">
     <p:spTree>
       <p:nvGrpSpPr>
@@ -175,18 +72,19 @@
         <p:spPr>
           <a:xfrm>
             <a:off x="182880" y="90000"/>
-            <a:ext cx="8760240" cy="1141560"/>
-          </a:xfrm>
-          <a:prstGeom prst="rect">
-            <a:avLst/>
-          </a:prstGeom>
-        </p:spPr>
-        <p:txBody>
-          <a:bodyPr lIns="0" tIns="0" rIns="0" bIns="0" anchor="ctr"/>
-          <a:lstStyle/>
-          <a:p>
-            <a:pPr algn="ctr"/>
-            <a:endParaRPr lang="it-IT" sz="4400" b="0" strike="noStrike" spc="-1">
+            <a:ext cx="8759880" cy="1141200"/>
+          </a:xfrm>
+          <a:prstGeom prst="rect">
+            <a:avLst/>
+          </a:prstGeom>
+        </p:spPr>
+        <p:txBody>
+          <a:bodyPr lIns="0" rIns="0" tIns="0" bIns="0" anchor="ctr"/>
+          <a:p>
+            <a:endParaRPr b="0" lang="it-IT" sz="1800" spc="-1" strike="noStrike">
+              <a:solidFill>
+                <a:srgbClr val="000000"/>
+              </a:solidFill>
               <a:latin typeface="Arial"/>
             </a:endParaRPr>
           </a:p>
@@ -212,12 +110,14 @@
           </a:prstGeom>
         </p:spPr>
         <p:txBody>
-          <a:bodyPr lIns="0" tIns="0" rIns="0" bIns="0">
+          <a:bodyPr lIns="0" rIns="0" tIns="0" bIns="0">
             <a:normAutofit/>
           </a:bodyPr>
-          <a:lstStyle/>
-          <a:p>
-            <a:endParaRPr lang="it-IT" sz="3200" b="0" strike="noStrike" spc="-1">
+          <a:p>
+            <a:endParaRPr b="0" lang="it-IT" sz="2800" spc="-1" strike="noStrike">
+              <a:solidFill>
+                <a:srgbClr val="000000"/>
+              </a:solidFill>
               <a:latin typeface="Arial"/>
             </a:endParaRPr>
           </a:p>
@@ -243,12 +143,14 @@
           </a:prstGeom>
         </p:spPr>
         <p:txBody>
-          <a:bodyPr lIns="0" tIns="0" rIns="0" bIns="0">
+          <a:bodyPr lIns="0" rIns="0" tIns="0" bIns="0">
             <a:normAutofit/>
           </a:bodyPr>
-          <a:lstStyle/>
-          <a:p>
-            <a:endParaRPr lang="it-IT" sz="3200" b="0" strike="noStrike" spc="-1">
+          <a:p>
+            <a:endParaRPr b="0" lang="it-IT" sz="2800" spc="-1" strike="noStrike">
+              <a:solidFill>
+                <a:srgbClr val="000000"/>
+              </a:solidFill>
               <a:latin typeface="Arial"/>
             </a:endParaRPr>
           </a:p>
@@ -256,14 +158,11 @@
       </p:sp>
     </p:spTree>
   </p:cSld>
-  <p:clrMapOvr>
-    <a:masterClrMapping/>
-  </p:clrMapOvr>
 </p:sldLayout>
 </file>
 
 <file path=ppt/slideLayouts/slideLayout11.xml><?xml version="1.0" encoding="utf-8"?>
-<p:sldLayout xmlns:a="http://schemas.openxmlformats.org/drawingml/2006/main" xmlns:r="http://schemas.openxmlformats.org/officeDocument/2006/relationships" xmlns:p="http://schemas.openxmlformats.org/presentationml/2006/main" type="fourObj" preserve="1">
+<p:sldLayout xmlns:a="http://schemas.openxmlformats.org/drawingml/2006/main" xmlns:p="http://schemas.openxmlformats.org/presentationml/2006/main" xmlns:r="http://schemas.openxmlformats.org/officeDocument/2006/relationships" xmlns:p14="http://schemas.microsoft.com/office/powerpoint/2010/main" xmlns:p15="http://schemas.microsoft.com/office/powerpoint/2012/main" xmlns:mc="http://schemas.openxmlformats.org/markup-compatibility/2006" type="fourObj" preserve="1">
   <p:cSld name="Title, 4 Content">
     <p:spTree>
       <p:nvGrpSpPr>
@@ -292,18 +191,19 @@
         <p:spPr>
           <a:xfrm>
             <a:off x="182880" y="90000"/>
-            <a:ext cx="8760240" cy="1141560"/>
-          </a:xfrm>
-          <a:prstGeom prst="rect">
-            <a:avLst/>
-          </a:prstGeom>
-        </p:spPr>
-        <p:txBody>
-          <a:bodyPr lIns="0" tIns="0" rIns="0" bIns="0" anchor="ctr"/>
-          <a:lstStyle/>
-          <a:p>
-            <a:pPr algn="ctr"/>
-            <a:endParaRPr lang="it-IT" sz="4400" b="0" strike="noStrike" spc="-1">
+            <a:ext cx="8759880" cy="1141200"/>
+          </a:xfrm>
+          <a:prstGeom prst="rect">
+            <a:avLst/>
+          </a:prstGeom>
+        </p:spPr>
+        <p:txBody>
+          <a:bodyPr lIns="0" rIns="0" tIns="0" bIns="0" anchor="ctr"/>
+          <a:p>
+            <a:endParaRPr b="0" lang="it-IT" sz="1800" spc="-1" strike="noStrike">
+              <a:solidFill>
+                <a:srgbClr val="000000"/>
+              </a:solidFill>
               <a:latin typeface="Arial"/>
             </a:endParaRPr>
           </a:p>
@@ -329,12 +229,14 @@
           </a:prstGeom>
         </p:spPr>
         <p:txBody>
-          <a:bodyPr lIns="0" tIns="0" rIns="0" bIns="0">
+          <a:bodyPr lIns="0" rIns="0" tIns="0" bIns="0">
             <a:normAutofit/>
           </a:bodyPr>
-          <a:lstStyle/>
-          <a:p>
-            <a:endParaRPr lang="it-IT" sz="3200" b="0" strike="noStrike" spc="-1">
+          <a:p>
+            <a:endParaRPr b="0" lang="it-IT" sz="2800" spc="-1" strike="noStrike">
+              <a:solidFill>
+                <a:srgbClr val="000000"/>
+              </a:solidFill>
               <a:latin typeface="Arial"/>
             </a:endParaRPr>
           </a:p>
@@ -360,12 +262,14 @@
           </a:prstGeom>
         </p:spPr>
         <p:txBody>
-          <a:bodyPr lIns="0" tIns="0" rIns="0" bIns="0">
+          <a:bodyPr lIns="0" rIns="0" tIns="0" bIns="0">
             <a:normAutofit/>
           </a:bodyPr>
-          <a:lstStyle/>
-          <a:p>
-            <a:endParaRPr lang="it-IT" sz="3200" b="0" strike="noStrike" spc="-1">
+          <a:p>
+            <a:endParaRPr b="0" lang="it-IT" sz="2800" spc="-1" strike="noStrike">
+              <a:solidFill>
+                <a:srgbClr val="000000"/>
+              </a:solidFill>
               <a:latin typeface="Arial"/>
             </a:endParaRPr>
           </a:p>
@@ -391,12 +295,14 @@
           </a:prstGeom>
         </p:spPr>
         <p:txBody>
-          <a:bodyPr lIns="0" tIns="0" rIns="0" bIns="0">
+          <a:bodyPr lIns="0" rIns="0" tIns="0" bIns="0">
             <a:normAutofit/>
           </a:bodyPr>
-          <a:lstStyle/>
-          <a:p>
-            <a:endParaRPr lang="it-IT" sz="3200" b="0" strike="noStrike" spc="-1">
+          <a:p>
+            <a:endParaRPr b="0" lang="it-IT" sz="2800" spc="-1" strike="noStrike">
+              <a:solidFill>
+                <a:srgbClr val="000000"/>
+              </a:solidFill>
               <a:latin typeface="Arial"/>
             </a:endParaRPr>
           </a:p>
@@ -422,12 +328,14 @@
           </a:prstGeom>
         </p:spPr>
         <p:txBody>
-          <a:bodyPr lIns="0" tIns="0" rIns="0" bIns="0">
+          <a:bodyPr lIns="0" rIns="0" tIns="0" bIns="0">
             <a:normAutofit/>
           </a:bodyPr>
-          <a:lstStyle/>
-          <a:p>
-            <a:endParaRPr lang="it-IT" sz="3200" b="0" strike="noStrike" spc="-1">
+          <a:p>
+            <a:endParaRPr b="0" lang="it-IT" sz="2800" spc="-1" strike="noStrike">
+              <a:solidFill>
+                <a:srgbClr val="000000"/>
+              </a:solidFill>
               <a:latin typeface="Arial"/>
             </a:endParaRPr>
           </a:p>
@@ -435,14 +343,11 @@
       </p:sp>
     </p:spTree>
   </p:cSld>
-  <p:clrMapOvr>
-    <a:masterClrMapping/>
-  </p:clrMapOvr>
 </p:sldLayout>
 </file>
 
 <file path=ppt/slideLayouts/slideLayout12.xml><?xml version="1.0" encoding="utf-8"?>
-<p:sldLayout xmlns:a="http://schemas.openxmlformats.org/drawingml/2006/main" xmlns:r="http://schemas.openxmlformats.org/officeDocument/2006/relationships" xmlns:p="http://schemas.openxmlformats.org/presentationml/2006/main" type="blank" preserve="1">
+<p:sldLayout xmlns:a="http://schemas.openxmlformats.org/drawingml/2006/main" xmlns:p="http://schemas.openxmlformats.org/presentationml/2006/main" xmlns:r="http://schemas.openxmlformats.org/officeDocument/2006/relationships" xmlns:p14="http://schemas.microsoft.com/office/powerpoint/2010/main" xmlns:p15="http://schemas.microsoft.com/office/powerpoint/2012/main" xmlns:mc="http://schemas.openxmlformats.org/markup-compatibility/2006" type="blank" preserve="1">
   <p:cSld name="Title, 6 Content">
     <p:spTree>
       <p:nvGrpSpPr>
@@ -471,18 +376,19 @@
         <p:spPr>
           <a:xfrm>
             <a:off x="182880" y="90000"/>
-            <a:ext cx="8760240" cy="1141560"/>
-          </a:xfrm>
-          <a:prstGeom prst="rect">
-            <a:avLst/>
-          </a:prstGeom>
-        </p:spPr>
-        <p:txBody>
-          <a:bodyPr lIns="0" tIns="0" rIns="0" bIns="0" anchor="ctr"/>
-          <a:lstStyle/>
-          <a:p>
-            <a:pPr algn="ctr"/>
-            <a:endParaRPr lang="it-IT" sz="4400" b="0" strike="noStrike" spc="-1">
+            <a:ext cx="8759880" cy="1141200"/>
+          </a:xfrm>
+          <a:prstGeom prst="rect">
+            <a:avLst/>
+          </a:prstGeom>
+        </p:spPr>
+        <p:txBody>
+          <a:bodyPr lIns="0" rIns="0" tIns="0" bIns="0" anchor="ctr"/>
+          <a:p>
+            <a:endParaRPr b="0" lang="it-IT" sz="1800" spc="-1" strike="noStrike">
+              <a:solidFill>
+                <a:srgbClr val="000000"/>
+              </a:solidFill>
               <a:latin typeface="Arial"/>
             </a:endParaRPr>
           </a:p>
@@ -508,12 +414,14 @@
           </a:prstGeom>
         </p:spPr>
         <p:txBody>
-          <a:bodyPr lIns="0" tIns="0" rIns="0" bIns="0">
+          <a:bodyPr lIns="0" rIns="0" tIns="0" bIns="0">
             <a:normAutofit/>
           </a:bodyPr>
-          <a:lstStyle/>
-          <a:p>
-            <a:endParaRPr lang="it-IT" sz="3200" b="0" strike="noStrike" spc="-1">
+          <a:p>
+            <a:endParaRPr b="0" lang="it-IT" sz="2800" spc="-1" strike="noStrike">
+              <a:solidFill>
+                <a:srgbClr val="000000"/>
+              </a:solidFill>
               <a:latin typeface="Arial"/>
             </a:endParaRPr>
           </a:p>
@@ -539,12 +447,14 @@
           </a:prstGeom>
         </p:spPr>
         <p:txBody>
-          <a:bodyPr lIns="0" tIns="0" rIns="0" bIns="0">
+          <a:bodyPr lIns="0" rIns="0" tIns="0" bIns="0">
             <a:normAutofit/>
           </a:bodyPr>
-          <a:lstStyle/>
-          <a:p>
-            <a:endParaRPr lang="it-IT" sz="3200" b="0" strike="noStrike" spc="-1">
+          <a:p>
+            <a:endParaRPr b="0" lang="it-IT" sz="2800" spc="-1" strike="noStrike">
+              <a:solidFill>
+                <a:srgbClr val="000000"/>
+              </a:solidFill>
               <a:latin typeface="Arial"/>
             </a:endParaRPr>
           </a:p>
@@ -570,12 +480,14 @@
           </a:prstGeom>
         </p:spPr>
         <p:txBody>
-          <a:bodyPr lIns="0" tIns="0" rIns="0" bIns="0">
+          <a:bodyPr lIns="0" rIns="0" tIns="0" bIns="0">
             <a:normAutofit/>
           </a:bodyPr>
-          <a:lstStyle/>
-          <a:p>
-            <a:endParaRPr lang="it-IT" sz="3200" b="0" strike="noStrike" spc="-1">
+          <a:p>
+            <a:endParaRPr b="0" lang="it-IT" sz="2800" spc="-1" strike="noStrike">
+              <a:solidFill>
+                <a:srgbClr val="000000"/>
+              </a:solidFill>
               <a:latin typeface="Arial"/>
             </a:endParaRPr>
           </a:p>
@@ -601,12 +513,14 @@
           </a:prstGeom>
         </p:spPr>
         <p:txBody>
-          <a:bodyPr lIns="0" tIns="0" rIns="0" bIns="0">
+          <a:bodyPr lIns="0" rIns="0" tIns="0" bIns="0">
             <a:normAutofit/>
           </a:bodyPr>
-          <a:lstStyle/>
-          <a:p>
-            <a:endParaRPr lang="it-IT" sz="3200" b="0" strike="noStrike" spc="-1">
+          <a:p>
+            <a:endParaRPr b="0" lang="it-IT" sz="2800" spc="-1" strike="noStrike">
+              <a:solidFill>
+                <a:srgbClr val="000000"/>
+              </a:solidFill>
               <a:latin typeface="Arial"/>
             </a:endParaRPr>
           </a:p>
@@ -632,12 +546,14 @@
           </a:prstGeom>
         </p:spPr>
         <p:txBody>
-          <a:bodyPr lIns="0" tIns="0" rIns="0" bIns="0">
+          <a:bodyPr lIns="0" rIns="0" tIns="0" bIns="0">
             <a:normAutofit/>
           </a:bodyPr>
-          <a:lstStyle/>
-          <a:p>
-            <a:endParaRPr lang="it-IT" sz="3200" b="0" strike="noStrike" spc="-1">
+          <a:p>
+            <a:endParaRPr b="0" lang="it-IT" sz="2800" spc="-1" strike="noStrike">
+              <a:solidFill>
+                <a:srgbClr val="000000"/>
+              </a:solidFill>
               <a:latin typeface="Arial"/>
             </a:endParaRPr>
           </a:p>
@@ -663,12 +579,14 @@
           </a:prstGeom>
         </p:spPr>
         <p:txBody>
-          <a:bodyPr lIns="0" tIns="0" rIns="0" bIns="0">
+          <a:bodyPr lIns="0" rIns="0" tIns="0" bIns="0">
             <a:normAutofit/>
           </a:bodyPr>
-          <a:lstStyle/>
-          <a:p>
-            <a:endParaRPr lang="it-IT" sz="3200" b="0" strike="noStrike" spc="-1">
+          <a:p>
+            <a:endParaRPr b="0" lang="it-IT" sz="2800" spc="-1" strike="noStrike">
+              <a:solidFill>
+                <a:srgbClr val="000000"/>
+              </a:solidFill>
               <a:latin typeface="Arial"/>
             </a:endParaRPr>
           </a:p>
@@ -676,14 +594,11 @@
       </p:sp>
     </p:spTree>
   </p:cSld>
-  <p:clrMapOvr>
-    <a:masterClrMapping/>
-  </p:clrMapOvr>
 </p:sldLayout>
 </file>
 
 <file path=ppt/slideLayouts/slideLayout13.xml><?xml version="1.0" encoding="utf-8"?>
-<p:sldLayout xmlns:a="http://schemas.openxmlformats.org/drawingml/2006/main" xmlns:r="http://schemas.openxmlformats.org/officeDocument/2006/relationships" xmlns:p="http://schemas.openxmlformats.org/presentationml/2006/main" type="blank" preserve="1">
+<p:sldLayout xmlns:a="http://schemas.openxmlformats.org/drawingml/2006/main" xmlns:p="http://schemas.openxmlformats.org/presentationml/2006/main" xmlns:r="http://schemas.openxmlformats.org/officeDocument/2006/relationships" xmlns:p14="http://schemas.microsoft.com/office/powerpoint/2010/main" xmlns:p15="http://schemas.microsoft.com/office/powerpoint/2012/main" xmlns:mc="http://schemas.openxmlformats.org/markup-compatibility/2006" type="blank" preserve="1">
   <p:cSld name="Blank Slide">
     <p:spTree>
       <p:nvGrpSpPr>
@@ -701,14 +616,11 @@
       </p:grpSpPr>
     </p:spTree>
   </p:cSld>
-  <p:clrMapOvr>
-    <a:masterClrMapping/>
-  </p:clrMapOvr>
 </p:sldLayout>
 </file>
 
 <file path=ppt/slideLayouts/slideLayout14.xml><?xml version="1.0" encoding="utf-8"?>
-<p:sldLayout xmlns:a="http://schemas.openxmlformats.org/drawingml/2006/main" xmlns:r="http://schemas.openxmlformats.org/officeDocument/2006/relationships" xmlns:p="http://schemas.openxmlformats.org/presentationml/2006/main" type="tx" preserve="1">
+<p:sldLayout xmlns:a="http://schemas.openxmlformats.org/drawingml/2006/main" xmlns:p="http://schemas.openxmlformats.org/presentationml/2006/main" xmlns:r="http://schemas.openxmlformats.org/officeDocument/2006/relationships" xmlns:p14="http://schemas.microsoft.com/office/powerpoint/2010/main" xmlns:p15="http://schemas.microsoft.com/office/powerpoint/2012/main" xmlns:mc="http://schemas.openxmlformats.org/markup-compatibility/2006" type="tx" preserve="1">
   <p:cSld name="Title Slide">
     <p:spTree>
       <p:nvGrpSpPr>
@@ -737,18 +649,19 @@
         <p:spPr>
           <a:xfrm>
             <a:off x="182880" y="90000"/>
-            <a:ext cx="8760240" cy="1141560"/>
-          </a:xfrm>
-          <a:prstGeom prst="rect">
-            <a:avLst/>
-          </a:prstGeom>
-        </p:spPr>
-        <p:txBody>
-          <a:bodyPr lIns="0" tIns="0" rIns="0" bIns="0" anchor="ctr"/>
-          <a:lstStyle/>
-          <a:p>
-            <a:pPr algn="ctr"/>
-            <a:endParaRPr lang="it-IT" sz="4400" b="0" strike="noStrike" spc="-1">
+            <a:ext cx="8759880" cy="1141200"/>
+          </a:xfrm>
+          <a:prstGeom prst="rect">
+            <a:avLst/>
+          </a:prstGeom>
+        </p:spPr>
+        <p:txBody>
+          <a:bodyPr lIns="0" rIns="0" tIns="0" bIns="0" anchor="ctr"/>
+          <a:p>
+            <a:endParaRPr b="0" lang="it-IT" sz="1800" spc="-1" strike="noStrike">
+              <a:solidFill>
+                <a:srgbClr val="000000"/>
+              </a:solidFill>
               <a:latin typeface="Arial"/>
             </a:endParaRPr>
           </a:p>
@@ -774,11 +687,10 @@
           </a:prstGeom>
         </p:spPr>
         <p:txBody>
-          <a:bodyPr lIns="0" tIns="0" rIns="0" bIns="0" anchor="ctr"/>
-          <a:lstStyle/>
+          <a:bodyPr lIns="0" rIns="0" tIns="0" bIns="0" anchor="ctr"/>
           <a:p>
             <a:pPr algn="ctr"/>
-            <a:endParaRPr lang="it-IT" sz="3200" b="0" strike="noStrike" spc="-1">
+            <a:endParaRPr b="0" lang="it-IT" sz="3200" spc="-1" strike="noStrike">
               <a:latin typeface="Arial"/>
             </a:endParaRPr>
           </a:p>
@@ -786,14 +698,11 @@
       </p:sp>
     </p:spTree>
   </p:cSld>
-  <p:clrMapOvr>
-    <a:masterClrMapping/>
-  </p:clrMapOvr>
 </p:sldLayout>
 </file>
 
 <file path=ppt/slideLayouts/slideLayout15.xml><?xml version="1.0" encoding="utf-8"?>
-<p:sldLayout xmlns:a="http://schemas.openxmlformats.org/drawingml/2006/main" xmlns:r="http://schemas.openxmlformats.org/officeDocument/2006/relationships" xmlns:p="http://schemas.openxmlformats.org/presentationml/2006/main" type="obj" preserve="1">
+<p:sldLayout xmlns:a="http://schemas.openxmlformats.org/drawingml/2006/main" xmlns:p="http://schemas.openxmlformats.org/presentationml/2006/main" xmlns:r="http://schemas.openxmlformats.org/officeDocument/2006/relationships" xmlns:p14="http://schemas.microsoft.com/office/powerpoint/2010/main" xmlns:p15="http://schemas.microsoft.com/office/powerpoint/2012/main" xmlns:mc="http://schemas.openxmlformats.org/markup-compatibility/2006" type="obj" preserve="1">
   <p:cSld name="Title, Content">
     <p:spTree>
       <p:nvGrpSpPr>
@@ -822,18 +731,19 @@
         <p:spPr>
           <a:xfrm>
             <a:off x="182880" y="90000"/>
-            <a:ext cx="8760240" cy="1141560"/>
-          </a:xfrm>
-          <a:prstGeom prst="rect">
-            <a:avLst/>
-          </a:prstGeom>
-        </p:spPr>
-        <p:txBody>
-          <a:bodyPr lIns="0" tIns="0" rIns="0" bIns="0" anchor="ctr"/>
-          <a:lstStyle/>
-          <a:p>
-            <a:pPr algn="ctr"/>
-            <a:endParaRPr lang="it-IT" sz="4400" b="0" strike="noStrike" spc="-1">
+            <a:ext cx="8759880" cy="1141200"/>
+          </a:xfrm>
+          <a:prstGeom prst="rect">
+            <a:avLst/>
+          </a:prstGeom>
+        </p:spPr>
+        <p:txBody>
+          <a:bodyPr lIns="0" rIns="0" tIns="0" bIns="0" anchor="ctr"/>
+          <a:p>
+            <a:endParaRPr b="0" lang="it-IT" sz="1800" spc="-1" strike="noStrike">
+              <a:solidFill>
+                <a:srgbClr val="000000"/>
+              </a:solidFill>
               <a:latin typeface="Arial"/>
             </a:endParaRPr>
           </a:p>
@@ -859,12 +769,14 @@
           </a:prstGeom>
         </p:spPr>
         <p:txBody>
-          <a:bodyPr lIns="0" tIns="0" rIns="0" bIns="0">
+          <a:bodyPr lIns="0" rIns="0" tIns="0" bIns="0">
             <a:normAutofit/>
           </a:bodyPr>
-          <a:lstStyle/>
-          <a:p>
-            <a:endParaRPr lang="it-IT" sz="3200" b="0" strike="noStrike" spc="-1">
+          <a:p>
+            <a:endParaRPr b="0" lang="it-IT" sz="2800" spc="-1" strike="noStrike">
+              <a:solidFill>
+                <a:srgbClr val="000000"/>
+              </a:solidFill>
               <a:latin typeface="Arial"/>
             </a:endParaRPr>
           </a:p>
@@ -872,14 +784,11 @@
       </p:sp>
     </p:spTree>
   </p:cSld>
-  <p:clrMapOvr>
-    <a:masterClrMapping/>
-  </p:clrMapOvr>
 </p:sldLayout>
 </file>
 
 <file path=ppt/slideLayouts/slideLayout16.xml><?xml version="1.0" encoding="utf-8"?>
-<p:sldLayout xmlns:a="http://schemas.openxmlformats.org/drawingml/2006/main" xmlns:r="http://schemas.openxmlformats.org/officeDocument/2006/relationships" xmlns:p="http://schemas.openxmlformats.org/presentationml/2006/main" type="twoObj" preserve="1">
+<p:sldLayout xmlns:a="http://schemas.openxmlformats.org/drawingml/2006/main" xmlns:p="http://schemas.openxmlformats.org/presentationml/2006/main" xmlns:r="http://schemas.openxmlformats.org/officeDocument/2006/relationships" xmlns:p14="http://schemas.microsoft.com/office/powerpoint/2010/main" xmlns:p15="http://schemas.microsoft.com/office/powerpoint/2012/main" xmlns:mc="http://schemas.openxmlformats.org/markup-compatibility/2006" type="twoObj" preserve="1">
   <p:cSld name="Title, 2 Content">
     <p:spTree>
       <p:nvGrpSpPr>
@@ -908,18 +817,19 @@
         <p:spPr>
           <a:xfrm>
             <a:off x="182880" y="90000"/>
-            <a:ext cx="8760240" cy="1141560"/>
-          </a:xfrm>
-          <a:prstGeom prst="rect">
-            <a:avLst/>
-          </a:prstGeom>
-        </p:spPr>
-        <p:txBody>
-          <a:bodyPr lIns="0" tIns="0" rIns="0" bIns="0" anchor="ctr"/>
-          <a:lstStyle/>
-          <a:p>
-            <a:pPr algn="ctr"/>
-            <a:endParaRPr lang="it-IT" sz="4400" b="0" strike="noStrike" spc="-1">
+            <a:ext cx="8759880" cy="1141200"/>
+          </a:xfrm>
+          <a:prstGeom prst="rect">
+            <a:avLst/>
+          </a:prstGeom>
+        </p:spPr>
+        <p:txBody>
+          <a:bodyPr lIns="0" rIns="0" tIns="0" bIns="0" anchor="ctr"/>
+          <a:p>
+            <a:endParaRPr b="0" lang="it-IT" sz="1800" spc="-1" strike="noStrike">
+              <a:solidFill>
+                <a:srgbClr val="000000"/>
+              </a:solidFill>
               <a:latin typeface="Arial"/>
             </a:endParaRPr>
           </a:p>
@@ -945,12 +855,14 @@
           </a:prstGeom>
         </p:spPr>
         <p:txBody>
-          <a:bodyPr lIns="0" tIns="0" rIns="0" bIns="0">
+          <a:bodyPr lIns="0" rIns="0" tIns="0" bIns="0">
             <a:normAutofit/>
           </a:bodyPr>
-          <a:lstStyle/>
-          <a:p>
-            <a:endParaRPr lang="it-IT" sz="3200" b="0" strike="noStrike" spc="-1">
+          <a:p>
+            <a:endParaRPr b="0" lang="it-IT" sz="2800" spc="-1" strike="noStrike">
+              <a:solidFill>
+                <a:srgbClr val="000000"/>
+              </a:solidFill>
               <a:latin typeface="Arial"/>
             </a:endParaRPr>
           </a:p>
@@ -976,12 +888,14 @@
           </a:prstGeom>
         </p:spPr>
         <p:txBody>
-          <a:bodyPr lIns="0" tIns="0" rIns="0" bIns="0">
+          <a:bodyPr lIns="0" rIns="0" tIns="0" bIns="0">
             <a:normAutofit/>
           </a:bodyPr>
-          <a:lstStyle/>
-          <a:p>
-            <a:endParaRPr lang="it-IT" sz="3200" b="0" strike="noStrike" spc="-1">
+          <a:p>
+            <a:endParaRPr b="0" lang="it-IT" sz="2800" spc="-1" strike="noStrike">
+              <a:solidFill>
+                <a:srgbClr val="000000"/>
+              </a:solidFill>
               <a:latin typeface="Arial"/>
             </a:endParaRPr>
           </a:p>
@@ -989,14 +903,11 @@
       </p:sp>
     </p:spTree>
   </p:cSld>
-  <p:clrMapOvr>
-    <a:masterClrMapping/>
-  </p:clrMapOvr>
 </p:sldLayout>
 </file>
 
 <file path=ppt/slideLayouts/slideLayout17.xml><?xml version="1.0" encoding="utf-8"?>
-<p:sldLayout xmlns:a="http://schemas.openxmlformats.org/drawingml/2006/main" xmlns:r="http://schemas.openxmlformats.org/officeDocument/2006/relationships" xmlns:p="http://schemas.openxmlformats.org/presentationml/2006/main" type="titleOnly" preserve="1">
+<p:sldLayout xmlns:a="http://schemas.openxmlformats.org/drawingml/2006/main" xmlns:p="http://schemas.openxmlformats.org/presentationml/2006/main" xmlns:r="http://schemas.openxmlformats.org/officeDocument/2006/relationships" xmlns:p14="http://schemas.microsoft.com/office/powerpoint/2010/main" xmlns:p15="http://schemas.microsoft.com/office/powerpoint/2012/main" xmlns:mc="http://schemas.openxmlformats.org/markup-compatibility/2006" type="titleOnly" preserve="1">
   <p:cSld name="Title Only">
     <p:spTree>
       <p:nvGrpSpPr>
@@ -1025,18 +936,19 @@
         <p:spPr>
           <a:xfrm>
             <a:off x="182880" y="90000"/>
-            <a:ext cx="8760240" cy="1141560"/>
-          </a:xfrm>
-          <a:prstGeom prst="rect">
-            <a:avLst/>
-          </a:prstGeom>
-        </p:spPr>
-        <p:txBody>
-          <a:bodyPr lIns="0" tIns="0" rIns="0" bIns="0" anchor="ctr"/>
-          <a:lstStyle/>
-          <a:p>
-            <a:pPr algn="ctr"/>
-            <a:endParaRPr lang="it-IT" sz="4400" b="0" strike="noStrike" spc="-1">
+            <a:ext cx="8759880" cy="1141200"/>
+          </a:xfrm>
+          <a:prstGeom prst="rect">
+            <a:avLst/>
+          </a:prstGeom>
+        </p:spPr>
+        <p:txBody>
+          <a:bodyPr lIns="0" rIns="0" tIns="0" bIns="0" anchor="ctr"/>
+          <a:p>
+            <a:endParaRPr b="0" lang="it-IT" sz="1800" spc="-1" strike="noStrike">
+              <a:solidFill>
+                <a:srgbClr val="000000"/>
+              </a:solidFill>
               <a:latin typeface="Arial"/>
             </a:endParaRPr>
           </a:p>
@@ -1044,14 +956,11 @@
       </p:sp>
     </p:spTree>
   </p:cSld>
-  <p:clrMapOvr>
-    <a:masterClrMapping/>
-  </p:clrMapOvr>
 </p:sldLayout>
 </file>
 
 <file path=ppt/slideLayouts/slideLayout18.xml><?xml version="1.0" encoding="utf-8"?>
-<p:sldLayout xmlns:a="http://schemas.openxmlformats.org/drawingml/2006/main" xmlns:r="http://schemas.openxmlformats.org/officeDocument/2006/relationships" xmlns:p="http://schemas.openxmlformats.org/presentationml/2006/main" type="objOnly" preserve="1">
+<p:sldLayout xmlns:a="http://schemas.openxmlformats.org/drawingml/2006/main" xmlns:p="http://schemas.openxmlformats.org/presentationml/2006/main" xmlns:r="http://schemas.openxmlformats.org/officeDocument/2006/relationships" xmlns:p14="http://schemas.microsoft.com/office/powerpoint/2010/main" xmlns:p15="http://schemas.microsoft.com/office/powerpoint/2012/main" xmlns:mc="http://schemas.openxmlformats.org/markup-compatibility/2006" type="objOnly" preserve="1">
   <p:cSld name="Centered Text">
     <p:spTree>
       <p:nvGrpSpPr>
@@ -1080,18 +989,17 @@
         <p:spPr>
           <a:xfrm>
             <a:off x="182880" y="90000"/>
-            <a:ext cx="8760240" cy="5292720"/>
-          </a:xfrm>
-          <a:prstGeom prst="rect">
-            <a:avLst/>
-          </a:prstGeom>
-        </p:spPr>
-        <p:txBody>
-          <a:bodyPr lIns="0" tIns="0" rIns="0" bIns="0" anchor="ctr"/>
-          <a:lstStyle/>
+            <a:ext cx="8759880" cy="5291280"/>
+          </a:xfrm>
+          <a:prstGeom prst="rect">
+            <a:avLst/>
+          </a:prstGeom>
+        </p:spPr>
+        <p:txBody>
+          <a:bodyPr lIns="0" rIns="0" tIns="0" bIns="0" anchor="ctr"/>
           <a:p>
             <a:pPr algn="ctr"/>
-            <a:endParaRPr lang="it-IT" sz="3200" b="0" strike="noStrike" spc="-1">
+            <a:endParaRPr b="0" lang="it-IT" sz="3200" spc="-1" strike="noStrike">
               <a:latin typeface="Arial"/>
             </a:endParaRPr>
           </a:p>
@@ -1099,14 +1007,11 @@
       </p:sp>
     </p:spTree>
   </p:cSld>
-  <p:clrMapOvr>
-    <a:masterClrMapping/>
-  </p:clrMapOvr>
 </p:sldLayout>
 </file>
 
 <file path=ppt/slideLayouts/slideLayout19.xml><?xml version="1.0" encoding="utf-8"?>
-<p:sldLayout xmlns:a="http://schemas.openxmlformats.org/drawingml/2006/main" xmlns:r="http://schemas.openxmlformats.org/officeDocument/2006/relationships" xmlns:p="http://schemas.openxmlformats.org/presentationml/2006/main" type="twoObjAndObj" preserve="1">
+<p:sldLayout xmlns:a="http://schemas.openxmlformats.org/drawingml/2006/main" xmlns:p="http://schemas.openxmlformats.org/presentationml/2006/main" xmlns:r="http://schemas.openxmlformats.org/officeDocument/2006/relationships" xmlns:p14="http://schemas.microsoft.com/office/powerpoint/2010/main" xmlns:p15="http://schemas.microsoft.com/office/powerpoint/2012/main" xmlns:mc="http://schemas.openxmlformats.org/markup-compatibility/2006" type="twoObjAndObj" preserve="1">
   <p:cSld name="Title, 2 Content and Content">
     <p:spTree>
       <p:nvGrpSpPr>
@@ -1135,18 +1040,19 @@
         <p:spPr>
           <a:xfrm>
             <a:off x="182880" y="90000"/>
-            <a:ext cx="8760240" cy="1141560"/>
-          </a:xfrm>
-          <a:prstGeom prst="rect">
-            <a:avLst/>
-          </a:prstGeom>
-        </p:spPr>
-        <p:txBody>
-          <a:bodyPr lIns="0" tIns="0" rIns="0" bIns="0" anchor="ctr"/>
-          <a:lstStyle/>
-          <a:p>
-            <a:pPr algn="ctr"/>
-            <a:endParaRPr lang="it-IT" sz="4400" b="0" strike="noStrike" spc="-1">
+            <a:ext cx="8759880" cy="1141200"/>
+          </a:xfrm>
+          <a:prstGeom prst="rect">
+            <a:avLst/>
+          </a:prstGeom>
+        </p:spPr>
+        <p:txBody>
+          <a:bodyPr lIns="0" rIns="0" tIns="0" bIns="0" anchor="ctr"/>
+          <a:p>
+            <a:endParaRPr b="0" lang="it-IT" sz="1800" spc="-1" strike="noStrike">
+              <a:solidFill>
+                <a:srgbClr val="000000"/>
+              </a:solidFill>
               <a:latin typeface="Arial"/>
             </a:endParaRPr>
           </a:p>
@@ -1172,12 +1078,14 @@
           </a:prstGeom>
         </p:spPr>
         <p:txBody>
-          <a:bodyPr lIns="0" tIns="0" rIns="0" bIns="0">
+          <a:bodyPr lIns="0" rIns="0" tIns="0" bIns="0">
             <a:normAutofit/>
           </a:bodyPr>
-          <a:lstStyle/>
-          <a:p>
-            <a:endParaRPr lang="it-IT" sz="3200" b="0" strike="noStrike" spc="-1">
+          <a:p>
+            <a:endParaRPr b="0" lang="it-IT" sz="2800" spc="-1" strike="noStrike">
+              <a:solidFill>
+                <a:srgbClr val="000000"/>
+              </a:solidFill>
               <a:latin typeface="Arial"/>
             </a:endParaRPr>
           </a:p>
@@ -1203,12 +1111,14 @@
           </a:prstGeom>
         </p:spPr>
         <p:txBody>
-          <a:bodyPr lIns="0" tIns="0" rIns="0" bIns="0">
+          <a:bodyPr lIns="0" rIns="0" tIns="0" bIns="0">
             <a:normAutofit/>
           </a:bodyPr>
-          <a:lstStyle/>
-          <a:p>
-            <a:endParaRPr lang="it-IT" sz="3200" b="0" strike="noStrike" spc="-1">
+          <a:p>
+            <a:endParaRPr b="0" lang="it-IT" sz="2800" spc="-1" strike="noStrike">
+              <a:solidFill>
+                <a:srgbClr val="000000"/>
+              </a:solidFill>
               <a:latin typeface="Arial"/>
             </a:endParaRPr>
           </a:p>
@@ -1234,12 +1144,14 @@
           </a:prstGeom>
         </p:spPr>
         <p:txBody>
-          <a:bodyPr lIns="0" tIns="0" rIns="0" bIns="0">
+          <a:bodyPr lIns="0" rIns="0" tIns="0" bIns="0">
             <a:normAutofit/>
           </a:bodyPr>
-          <a:lstStyle/>
-          <a:p>
-            <a:endParaRPr lang="it-IT" sz="3200" b="0" strike="noStrike" spc="-1">
+          <a:p>
+            <a:endParaRPr b="0" lang="it-IT" sz="2800" spc="-1" strike="noStrike">
+              <a:solidFill>
+                <a:srgbClr val="000000"/>
+              </a:solidFill>
               <a:latin typeface="Arial"/>
             </a:endParaRPr>
           </a:p>
@@ -1247,14 +1159,11 @@
       </p:sp>
     </p:spTree>
   </p:cSld>
-  <p:clrMapOvr>
-    <a:masterClrMapping/>
-  </p:clrMapOvr>
 </p:sldLayout>
 </file>
 
 <file path=ppt/slideLayouts/slideLayout2.xml><?xml version="1.0" encoding="utf-8"?>
-<p:sldLayout xmlns:a="http://schemas.openxmlformats.org/drawingml/2006/main" xmlns:r="http://schemas.openxmlformats.org/officeDocument/2006/relationships" xmlns:p="http://schemas.openxmlformats.org/presentationml/2006/main" type="tx" preserve="1">
+<p:sldLayout xmlns:a="http://schemas.openxmlformats.org/drawingml/2006/main" xmlns:p="http://schemas.openxmlformats.org/presentationml/2006/main" xmlns:r="http://schemas.openxmlformats.org/officeDocument/2006/relationships" xmlns:p14="http://schemas.microsoft.com/office/powerpoint/2010/main" xmlns:p15="http://schemas.microsoft.com/office/powerpoint/2012/main" xmlns:mc="http://schemas.openxmlformats.org/markup-compatibility/2006" type="tx" preserve="1">
   <p:cSld name="Title Slide">
     <p:spTree>
       <p:nvGrpSpPr>
@@ -1283,18 +1192,19 @@
         <p:spPr>
           <a:xfrm>
             <a:off x="182880" y="90000"/>
-            <a:ext cx="8760240" cy="1141560"/>
-          </a:xfrm>
-          <a:prstGeom prst="rect">
-            <a:avLst/>
-          </a:prstGeom>
-        </p:spPr>
-        <p:txBody>
-          <a:bodyPr lIns="0" tIns="0" rIns="0" bIns="0" anchor="ctr"/>
-          <a:lstStyle/>
-          <a:p>
-            <a:pPr algn="ctr"/>
-            <a:endParaRPr lang="it-IT" sz="4400" b="0" strike="noStrike" spc="-1">
+            <a:ext cx="8759880" cy="1141200"/>
+          </a:xfrm>
+          <a:prstGeom prst="rect">
+            <a:avLst/>
+          </a:prstGeom>
+        </p:spPr>
+        <p:txBody>
+          <a:bodyPr lIns="0" rIns="0" tIns="0" bIns="0" anchor="ctr"/>
+          <a:p>
+            <a:endParaRPr b="0" lang="it-IT" sz="1800" spc="-1" strike="noStrike">
+              <a:solidFill>
+                <a:srgbClr val="000000"/>
+              </a:solidFill>
               <a:latin typeface="Arial"/>
             </a:endParaRPr>
           </a:p>
@@ -1320,11 +1230,10 @@
           </a:prstGeom>
         </p:spPr>
         <p:txBody>
-          <a:bodyPr lIns="0" tIns="0" rIns="0" bIns="0" anchor="ctr"/>
-          <a:lstStyle/>
+          <a:bodyPr lIns="0" rIns="0" tIns="0" bIns="0" anchor="ctr"/>
           <a:p>
             <a:pPr algn="ctr"/>
-            <a:endParaRPr lang="it-IT" sz="3200" b="0" strike="noStrike" spc="-1">
+            <a:endParaRPr b="0" lang="it-IT" sz="3200" spc="-1" strike="noStrike">
               <a:latin typeface="Arial"/>
             </a:endParaRPr>
           </a:p>
@@ -1332,14 +1241,11 @@
       </p:sp>
     </p:spTree>
   </p:cSld>
-  <p:clrMapOvr>
-    <a:masterClrMapping/>
-  </p:clrMapOvr>
 </p:sldLayout>
 </file>
 
 <file path=ppt/slideLayouts/slideLayout20.xml><?xml version="1.0" encoding="utf-8"?>
-<p:sldLayout xmlns:a="http://schemas.openxmlformats.org/drawingml/2006/main" xmlns:r="http://schemas.openxmlformats.org/officeDocument/2006/relationships" xmlns:p="http://schemas.openxmlformats.org/presentationml/2006/main" type="objAndTwoObj" preserve="1">
+<p:sldLayout xmlns:a="http://schemas.openxmlformats.org/drawingml/2006/main" xmlns:p="http://schemas.openxmlformats.org/presentationml/2006/main" xmlns:r="http://schemas.openxmlformats.org/officeDocument/2006/relationships" xmlns:p14="http://schemas.microsoft.com/office/powerpoint/2010/main" xmlns:p15="http://schemas.microsoft.com/office/powerpoint/2012/main" xmlns:mc="http://schemas.openxmlformats.org/markup-compatibility/2006" type="objAndTwoObj" preserve="1">
   <p:cSld name="Title Content and 2 Content">
     <p:spTree>
       <p:nvGrpSpPr>
@@ -1368,18 +1274,19 @@
         <p:spPr>
           <a:xfrm>
             <a:off x="182880" y="90000"/>
-            <a:ext cx="8760240" cy="1141560"/>
-          </a:xfrm>
-          <a:prstGeom prst="rect">
-            <a:avLst/>
-          </a:prstGeom>
-        </p:spPr>
-        <p:txBody>
-          <a:bodyPr lIns="0" tIns="0" rIns="0" bIns="0" anchor="ctr"/>
-          <a:lstStyle/>
-          <a:p>
-            <a:pPr algn="ctr"/>
-            <a:endParaRPr lang="it-IT" sz="4400" b="0" strike="noStrike" spc="-1">
+            <a:ext cx="8759880" cy="1141200"/>
+          </a:xfrm>
+          <a:prstGeom prst="rect">
+            <a:avLst/>
+          </a:prstGeom>
+        </p:spPr>
+        <p:txBody>
+          <a:bodyPr lIns="0" rIns="0" tIns="0" bIns="0" anchor="ctr"/>
+          <a:p>
+            <a:endParaRPr b="0" lang="it-IT" sz="1800" spc="-1" strike="noStrike">
+              <a:solidFill>
+                <a:srgbClr val="000000"/>
+              </a:solidFill>
               <a:latin typeface="Arial"/>
             </a:endParaRPr>
           </a:p>
@@ -1405,12 +1312,14 @@
           </a:prstGeom>
         </p:spPr>
         <p:txBody>
-          <a:bodyPr lIns="0" tIns="0" rIns="0" bIns="0">
+          <a:bodyPr lIns="0" rIns="0" tIns="0" bIns="0">
             <a:normAutofit/>
           </a:bodyPr>
-          <a:lstStyle/>
-          <a:p>
-            <a:endParaRPr lang="it-IT" sz="3200" b="0" strike="noStrike" spc="-1">
+          <a:p>
+            <a:endParaRPr b="0" lang="it-IT" sz="2800" spc="-1" strike="noStrike">
+              <a:solidFill>
+                <a:srgbClr val="000000"/>
+              </a:solidFill>
               <a:latin typeface="Arial"/>
             </a:endParaRPr>
           </a:p>
@@ -1436,12 +1345,14 @@
           </a:prstGeom>
         </p:spPr>
         <p:txBody>
-          <a:bodyPr lIns="0" tIns="0" rIns="0" bIns="0">
+          <a:bodyPr lIns="0" rIns="0" tIns="0" bIns="0">
             <a:normAutofit/>
           </a:bodyPr>
-          <a:lstStyle/>
-          <a:p>
-            <a:endParaRPr lang="it-IT" sz="3200" b="0" strike="noStrike" spc="-1">
+          <a:p>
+            <a:endParaRPr b="0" lang="it-IT" sz="2800" spc="-1" strike="noStrike">
+              <a:solidFill>
+                <a:srgbClr val="000000"/>
+              </a:solidFill>
               <a:latin typeface="Arial"/>
             </a:endParaRPr>
           </a:p>
@@ -1467,12 +1378,14 @@
           </a:prstGeom>
         </p:spPr>
         <p:txBody>
-          <a:bodyPr lIns="0" tIns="0" rIns="0" bIns="0">
+          <a:bodyPr lIns="0" rIns="0" tIns="0" bIns="0">
             <a:normAutofit/>
           </a:bodyPr>
-          <a:lstStyle/>
-          <a:p>
-            <a:endParaRPr lang="it-IT" sz="3200" b="0" strike="noStrike" spc="-1">
+          <a:p>
+            <a:endParaRPr b="0" lang="it-IT" sz="2800" spc="-1" strike="noStrike">
+              <a:solidFill>
+                <a:srgbClr val="000000"/>
+              </a:solidFill>
               <a:latin typeface="Arial"/>
             </a:endParaRPr>
           </a:p>
@@ -1480,14 +1393,11 @@
       </p:sp>
     </p:spTree>
   </p:cSld>
-  <p:clrMapOvr>
-    <a:masterClrMapping/>
-  </p:clrMapOvr>
 </p:sldLayout>
 </file>
 
 <file path=ppt/slideLayouts/slideLayout21.xml><?xml version="1.0" encoding="utf-8"?>
-<p:sldLayout xmlns:a="http://schemas.openxmlformats.org/drawingml/2006/main" xmlns:r="http://schemas.openxmlformats.org/officeDocument/2006/relationships" xmlns:p="http://schemas.openxmlformats.org/presentationml/2006/main" type="twoObjOverTx" preserve="1">
+<p:sldLayout xmlns:a="http://schemas.openxmlformats.org/drawingml/2006/main" xmlns:p="http://schemas.openxmlformats.org/presentationml/2006/main" xmlns:r="http://schemas.openxmlformats.org/officeDocument/2006/relationships" xmlns:p14="http://schemas.microsoft.com/office/powerpoint/2010/main" xmlns:p15="http://schemas.microsoft.com/office/powerpoint/2012/main" xmlns:mc="http://schemas.openxmlformats.org/markup-compatibility/2006" type="twoObjOverTx" preserve="1">
   <p:cSld name="Title, 2 Content over Content">
     <p:spTree>
       <p:nvGrpSpPr>
@@ -1516,18 +1426,19 @@
         <p:spPr>
           <a:xfrm>
             <a:off x="182880" y="90000"/>
-            <a:ext cx="8760240" cy="1141560"/>
-          </a:xfrm>
-          <a:prstGeom prst="rect">
-            <a:avLst/>
-          </a:prstGeom>
-        </p:spPr>
-        <p:txBody>
-          <a:bodyPr lIns="0" tIns="0" rIns="0" bIns="0" anchor="ctr"/>
-          <a:lstStyle/>
-          <a:p>
-            <a:pPr algn="ctr"/>
-            <a:endParaRPr lang="it-IT" sz="4400" b="0" strike="noStrike" spc="-1">
+            <a:ext cx="8759880" cy="1141200"/>
+          </a:xfrm>
+          <a:prstGeom prst="rect">
+            <a:avLst/>
+          </a:prstGeom>
+        </p:spPr>
+        <p:txBody>
+          <a:bodyPr lIns="0" rIns="0" tIns="0" bIns="0" anchor="ctr"/>
+          <a:p>
+            <a:endParaRPr b="0" lang="it-IT" sz="1800" spc="-1" strike="noStrike">
+              <a:solidFill>
+                <a:srgbClr val="000000"/>
+              </a:solidFill>
               <a:latin typeface="Arial"/>
             </a:endParaRPr>
           </a:p>
@@ -1553,12 +1464,14 @@
           </a:prstGeom>
         </p:spPr>
         <p:txBody>
-          <a:bodyPr lIns="0" tIns="0" rIns="0" bIns="0">
+          <a:bodyPr lIns="0" rIns="0" tIns="0" bIns="0">
             <a:normAutofit/>
           </a:bodyPr>
-          <a:lstStyle/>
-          <a:p>
-            <a:endParaRPr lang="it-IT" sz="3200" b="0" strike="noStrike" spc="-1">
+          <a:p>
+            <a:endParaRPr b="0" lang="it-IT" sz="2800" spc="-1" strike="noStrike">
+              <a:solidFill>
+                <a:srgbClr val="000000"/>
+              </a:solidFill>
               <a:latin typeface="Arial"/>
             </a:endParaRPr>
           </a:p>
@@ -1584,12 +1497,14 @@
           </a:prstGeom>
         </p:spPr>
         <p:txBody>
-          <a:bodyPr lIns="0" tIns="0" rIns="0" bIns="0">
+          <a:bodyPr lIns="0" rIns="0" tIns="0" bIns="0">
             <a:normAutofit/>
           </a:bodyPr>
-          <a:lstStyle/>
-          <a:p>
-            <a:endParaRPr lang="it-IT" sz="3200" b="0" strike="noStrike" spc="-1">
+          <a:p>
+            <a:endParaRPr b="0" lang="it-IT" sz="2800" spc="-1" strike="noStrike">
+              <a:solidFill>
+                <a:srgbClr val="000000"/>
+              </a:solidFill>
               <a:latin typeface="Arial"/>
             </a:endParaRPr>
           </a:p>
@@ -1615,12 +1530,14 @@
           </a:prstGeom>
         </p:spPr>
         <p:txBody>
-          <a:bodyPr lIns="0" tIns="0" rIns="0" bIns="0">
+          <a:bodyPr lIns="0" rIns="0" tIns="0" bIns="0">
             <a:normAutofit/>
           </a:bodyPr>
-          <a:lstStyle/>
-          <a:p>
-            <a:endParaRPr lang="it-IT" sz="3200" b="0" strike="noStrike" spc="-1">
+          <a:p>
+            <a:endParaRPr b="0" lang="it-IT" sz="2800" spc="-1" strike="noStrike">
+              <a:solidFill>
+                <a:srgbClr val="000000"/>
+              </a:solidFill>
               <a:latin typeface="Arial"/>
             </a:endParaRPr>
           </a:p>
@@ -1628,14 +1545,11 @@
       </p:sp>
     </p:spTree>
   </p:cSld>
-  <p:clrMapOvr>
-    <a:masterClrMapping/>
-  </p:clrMapOvr>
 </p:sldLayout>
 </file>
 
 <file path=ppt/slideLayouts/slideLayout22.xml><?xml version="1.0" encoding="utf-8"?>
-<p:sldLayout xmlns:a="http://schemas.openxmlformats.org/drawingml/2006/main" xmlns:r="http://schemas.openxmlformats.org/officeDocument/2006/relationships" xmlns:p="http://schemas.openxmlformats.org/presentationml/2006/main" type="objOverTx" preserve="1">
+<p:sldLayout xmlns:a="http://schemas.openxmlformats.org/drawingml/2006/main" xmlns:p="http://schemas.openxmlformats.org/presentationml/2006/main" xmlns:r="http://schemas.openxmlformats.org/officeDocument/2006/relationships" xmlns:p14="http://schemas.microsoft.com/office/powerpoint/2010/main" xmlns:p15="http://schemas.microsoft.com/office/powerpoint/2012/main" xmlns:mc="http://schemas.openxmlformats.org/markup-compatibility/2006" type="objOverTx" preserve="1">
   <p:cSld name="Title, Content over Content">
     <p:spTree>
       <p:nvGrpSpPr>
@@ -1664,18 +1578,19 @@
         <p:spPr>
           <a:xfrm>
             <a:off x="182880" y="90000"/>
-            <a:ext cx="8760240" cy="1141560"/>
-          </a:xfrm>
-          <a:prstGeom prst="rect">
-            <a:avLst/>
-          </a:prstGeom>
-        </p:spPr>
-        <p:txBody>
-          <a:bodyPr lIns="0" tIns="0" rIns="0" bIns="0" anchor="ctr"/>
-          <a:lstStyle/>
-          <a:p>
-            <a:pPr algn="ctr"/>
-            <a:endParaRPr lang="it-IT" sz="4400" b="0" strike="noStrike" spc="-1">
+            <a:ext cx="8759880" cy="1141200"/>
+          </a:xfrm>
+          <a:prstGeom prst="rect">
+            <a:avLst/>
+          </a:prstGeom>
+        </p:spPr>
+        <p:txBody>
+          <a:bodyPr lIns="0" rIns="0" tIns="0" bIns="0" anchor="ctr"/>
+          <a:p>
+            <a:endParaRPr b="0" lang="it-IT" sz="1800" spc="-1" strike="noStrike">
+              <a:solidFill>
+                <a:srgbClr val="000000"/>
+              </a:solidFill>
               <a:latin typeface="Arial"/>
             </a:endParaRPr>
           </a:p>
@@ -1701,12 +1616,14 @@
           </a:prstGeom>
         </p:spPr>
         <p:txBody>
-          <a:bodyPr lIns="0" tIns="0" rIns="0" bIns="0">
+          <a:bodyPr lIns="0" rIns="0" tIns="0" bIns="0">
             <a:normAutofit/>
           </a:bodyPr>
-          <a:lstStyle/>
-          <a:p>
-            <a:endParaRPr lang="it-IT" sz="3200" b="0" strike="noStrike" spc="-1">
+          <a:p>
+            <a:endParaRPr b="0" lang="it-IT" sz="2800" spc="-1" strike="noStrike">
+              <a:solidFill>
+                <a:srgbClr val="000000"/>
+              </a:solidFill>
               <a:latin typeface="Arial"/>
             </a:endParaRPr>
           </a:p>
@@ -1732,12 +1649,14 @@
           </a:prstGeom>
         </p:spPr>
         <p:txBody>
-          <a:bodyPr lIns="0" tIns="0" rIns="0" bIns="0">
+          <a:bodyPr lIns="0" rIns="0" tIns="0" bIns="0">
             <a:normAutofit/>
           </a:bodyPr>
-          <a:lstStyle/>
-          <a:p>
-            <a:endParaRPr lang="it-IT" sz="3200" b="0" strike="noStrike" spc="-1">
+          <a:p>
+            <a:endParaRPr b="0" lang="it-IT" sz="2800" spc="-1" strike="noStrike">
+              <a:solidFill>
+                <a:srgbClr val="000000"/>
+              </a:solidFill>
               <a:latin typeface="Arial"/>
             </a:endParaRPr>
           </a:p>
@@ -1745,14 +1664,11 @@
       </p:sp>
     </p:spTree>
   </p:cSld>
-  <p:clrMapOvr>
-    <a:masterClrMapping/>
-  </p:clrMapOvr>
 </p:sldLayout>
 </file>
 
 <file path=ppt/slideLayouts/slideLayout23.xml><?xml version="1.0" encoding="utf-8"?>
-<p:sldLayout xmlns:a="http://schemas.openxmlformats.org/drawingml/2006/main" xmlns:r="http://schemas.openxmlformats.org/officeDocument/2006/relationships" xmlns:p="http://schemas.openxmlformats.org/presentationml/2006/main" type="fourObj" preserve="1">
+<p:sldLayout xmlns:a="http://schemas.openxmlformats.org/drawingml/2006/main" xmlns:p="http://schemas.openxmlformats.org/presentationml/2006/main" xmlns:r="http://schemas.openxmlformats.org/officeDocument/2006/relationships" xmlns:p14="http://schemas.microsoft.com/office/powerpoint/2010/main" xmlns:p15="http://schemas.microsoft.com/office/powerpoint/2012/main" xmlns:mc="http://schemas.openxmlformats.org/markup-compatibility/2006" type="fourObj" preserve="1">
   <p:cSld name="Title, 4 Content">
     <p:spTree>
       <p:nvGrpSpPr>
@@ -1781,18 +1697,19 @@
         <p:spPr>
           <a:xfrm>
             <a:off x="182880" y="90000"/>
-            <a:ext cx="8760240" cy="1141560"/>
-          </a:xfrm>
-          <a:prstGeom prst="rect">
-            <a:avLst/>
-          </a:prstGeom>
-        </p:spPr>
-        <p:txBody>
-          <a:bodyPr lIns="0" tIns="0" rIns="0" bIns="0" anchor="ctr"/>
-          <a:lstStyle/>
-          <a:p>
-            <a:pPr algn="ctr"/>
-            <a:endParaRPr lang="it-IT" sz="4400" b="0" strike="noStrike" spc="-1">
+            <a:ext cx="8759880" cy="1141200"/>
+          </a:xfrm>
+          <a:prstGeom prst="rect">
+            <a:avLst/>
+          </a:prstGeom>
+        </p:spPr>
+        <p:txBody>
+          <a:bodyPr lIns="0" rIns="0" tIns="0" bIns="0" anchor="ctr"/>
+          <a:p>
+            <a:endParaRPr b="0" lang="it-IT" sz="1800" spc="-1" strike="noStrike">
+              <a:solidFill>
+                <a:srgbClr val="000000"/>
+              </a:solidFill>
               <a:latin typeface="Arial"/>
             </a:endParaRPr>
           </a:p>
@@ -1818,12 +1735,14 @@
           </a:prstGeom>
         </p:spPr>
         <p:txBody>
-          <a:bodyPr lIns="0" tIns="0" rIns="0" bIns="0">
+          <a:bodyPr lIns="0" rIns="0" tIns="0" bIns="0">
             <a:normAutofit/>
           </a:bodyPr>
-          <a:lstStyle/>
-          <a:p>
-            <a:endParaRPr lang="it-IT" sz="3200" b="0" strike="noStrike" spc="-1">
+          <a:p>
+            <a:endParaRPr b="0" lang="it-IT" sz="2800" spc="-1" strike="noStrike">
+              <a:solidFill>
+                <a:srgbClr val="000000"/>
+              </a:solidFill>
               <a:latin typeface="Arial"/>
             </a:endParaRPr>
           </a:p>
@@ -1849,12 +1768,14 @@
           </a:prstGeom>
         </p:spPr>
         <p:txBody>
-          <a:bodyPr lIns="0" tIns="0" rIns="0" bIns="0">
+          <a:bodyPr lIns="0" rIns="0" tIns="0" bIns="0">
             <a:normAutofit/>
           </a:bodyPr>
-          <a:lstStyle/>
-          <a:p>
-            <a:endParaRPr lang="it-IT" sz="3200" b="0" strike="noStrike" spc="-1">
+          <a:p>
+            <a:endParaRPr b="0" lang="it-IT" sz="2800" spc="-1" strike="noStrike">
+              <a:solidFill>
+                <a:srgbClr val="000000"/>
+              </a:solidFill>
               <a:latin typeface="Arial"/>
             </a:endParaRPr>
           </a:p>
@@ -1880,12 +1801,14 @@
           </a:prstGeom>
         </p:spPr>
         <p:txBody>
-          <a:bodyPr lIns="0" tIns="0" rIns="0" bIns="0">
+          <a:bodyPr lIns="0" rIns="0" tIns="0" bIns="0">
             <a:normAutofit/>
           </a:bodyPr>
-          <a:lstStyle/>
-          <a:p>
-            <a:endParaRPr lang="it-IT" sz="3200" b="0" strike="noStrike" spc="-1">
+          <a:p>
+            <a:endParaRPr b="0" lang="it-IT" sz="2800" spc="-1" strike="noStrike">
+              <a:solidFill>
+                <a:srgbClr val="000000"/>
+              </a:solidFill>
               <a:latin typeface="Arial"/>
             </a:endParaRPr>
           </a:p>
@@ -1911,12 +1834,14 @@
           </a:prstGeom>
         </p:spPr>
         <p:txBody>
-          <a:bodyPr lIns="0" tIns="0" rIns="0" bIns="0">
+          <a:bodyPr lIns="0" rIns="0" tIns="0" bIns="0">
             <a:normAutofit/>
           </a:bodyPr>
-          <a:lstStyle/>
-          <a:p>
-            <a:endParaRPr lang="it-IT" sz="3200" b="0" strike="noStrike" spc="-1">
+          <a:p>
+            <a:endParaRPr b="0" lang="it-IT" sz="2800" spc="-1" strike="noStrike">
+              <a:solidFill>
+                <a:srgbClr val="000000"/>
+              </a:solidFill>
               <a:latin typeface="Arial"/>
             </a:endParaRPr>
           </a:p>
@@ -1924,14 +1849,11 @@
       </p:sp>
     </p:spTree>
   </p:cSld>
-  <p:clrMapOvr>
-    <a:masterClrMapping/>
-  </p:clrMapOvr>
 </p:sldLayout>
 </file>
 
 <file path=ppt/slideLayouts/slideLayout24.xml><?xml version="1.0" encoding="utf-8"?>
-<p:sldLayout xmlns:a="http://schemas.openxmlformats.org/drawingml/2006/main" xmlns:r="http://schemas.openxmlformats.org/officeDocument/2006/relationships" xmlns:p="http://schemas.openxmlformats.org/presentationml/2006/main" type="blank" preserve="1">
+<p:sldLayout xmlns:a="http://schemas.openxmlformats.org/drawingml/2006/main" xmlns:p="http://schemas.openxmlformats.org/presentationml/2006/main" xmlns:r="http://schemas.openxmlformats.org/officeDocument/2006/relationships" xmlns:p14="http://schemas.microsoft.com/office/powerpoint/2010/main" xmlns:p15="http://schemas.microsoft.com/office/powerpoint/2012/main" xmlns:mc="http://schemas.openxmlformats.org/markup-compatibility/2006" type="blank" preserve="1">
   <p:cSld name="Title, 6 Content">
     <p:spTree>
       <p:nvGrpSpPr>
@@ -1960,18 +1882,19 @@
         <p:spPr>
           <a:xfrm>
             <a:off x="182880" y="90000"/>
-            <a:ext cx="8760240" cy="1141560"/>
-          </a:xfrm>
-          <a:prstGeom prst="rect">
-            <a:avLst/>
-          </a:prstGeom>
-        </p:spPr>
-        <p:txBody>
-          <a:bodyPr lIns="0" tIns="0" rIns="0" bIns="0" anchor="ctr"/>
-          <a:lstStyle/>
-          <a:p>
-            <a:pPr algn="ctr"/>
-            <a:endParaRPr lang="it-IT" sz="4400" b="0" strike="noStrike" spc="-1">
+            <a:ext cx="8759880" cy="1141200"/>
+          </a:xfrm>
+          <a:prstGeom prst="rect">
+            <a:avLst/>
+          </a:prstGeom>
+        </p:spPr>
+        <p:txBody>
+          <a:bodyPr lIns="0" rIns="0" tIns="0" bIns="0" anchor="ctr"/>
+          <a:p>
+            <a:endParaRPr b="0" lang="it-IT" sz="1800" spc="-1" strike="noStrike">
+              <a:solidFill>
+                <a:srgbClr val="000000"/>
+              </a:solidFill>
               <a:latin typeface="Arial"/>
             </a:endParaRPr>
           </a:p>
@@ -1997,12 +1920,14 @@
           </a:prstGeom>
         </p:spPr>
         <p:txBody>
-          <a:bodyPr lIns="0" tIns="0" rIns="0" bIns="0">
+          <a:bodyPr lIns="0" rIns="0" tIns="0" bIns="0">
             <a:normAutofit/>
           </a:bodyPr>
-          <a:lstStyle/>
-          <a:p>
-            <a:endParaRPr lang="it-IT" sz="3200" b="0" strike="noStrike" spc="-1">
+          <a:p>
+            <a:endParaRPr b="0" lang="it-IT" sz="2800" spc="-1" strike="noStrike">
+              <a:solidFill>
+                <a:srgbClr val="000000"/>
+              </a:solidFill>
               <a:latin typeface="Arial"/>
             </a:endParaRPr>
           </a:p>
@@ -2028,12 +1953,14 @@
           </a:prstGeom>
         </p:spPr>
         <p:txBody>
-          <a:bodyPr lIns="0" tIns="0" rIns="0" bIns="0">
+          <a:bodyPr lIns="0" rIns="0" tIns="0" bIns="0">
             <a:normAutofit/>
           </a:bodyPr>
-          <a:lstStyle/>
-          <a:p>
-            <a:endParaRPr lang="it-IT" sz="3200" b="0" strike="noStrike" spc="-1">
+          <a:p>
+            <a:endParaRPr b="0" lang="it-IT" sz="2800" spc="-1" strike="noStrike">
+              <a:solidFill>
+                <a:srgbClr val="000000"/>
+              </a:solidFill>
               <a:latin typeface="Arial"/>
             </a:endParaRPr>
           </a:p>
@@ -2059,12 +1986,14 @@
           </a:prstGeom>
         </p:spPr>
         <p:txBody>
-          <a:bodyPr lIns="0" tIns="0" rIns="0" bIns="0">
+          <a:bodyPr lIns="0" rIns="0" tIns="0" bIns="0">
             <a:normAutofit/>
           </a:bodyPr>
-          <a:lstStyle/>
-          <a:p>
-            <a:endParaRPr lang="it-IT" sz="3200" b="0" strike="noStrike" spc="-1">
+          <a:p>
+            <a:endParaRPr b="0" lang="it-IT" sz="2800" spc="-1" strike="noStrike">
+              <a:solidFill>
+                <a:srgbClr val="000000"/>
+              </a:solidFill>
               <a:latin typeface="Arial"/>
             </a:endParaRPr>
           </a:p>
@@ -2090,12 +2019,14 @@
           </a:prstGeom>
         </p:spPr>
         <p:txBody>
-          <a:bodyPr lIns="0" tIns="0" rIns="0" bIns="0">
+          <a:bodyPr lIns="0" rIns="0" tIns="0" bIns="0">
             <a:normAutofit/>
           </a:bodyPr>
-          <a:lstStyle/>
-          <a:p>
-            <a:endParaRPr lang="it-IT" sz="3200" b="0" strike="noStrike" spc="-1">
+          <a:p>
+            <a:endParaRPr b="0" lang="it-IT" sz="2800" spc="-1" strike="noStrike">
+              <a:solidFill>
+                <a:srgbClr val="000000"/>
+              </a:solidFill>
               <a:latin typeface="Arial"/>
             </a:endParaRPr>
           </a:p>
@@ -2121,12 +2052,14 @@
           </a:prstGeom>
         </p:spPr>
         <p:txBody>
-          <a:bodyPr lIns="0" tIns="0" rIns="0" bIns="0">
+          <a:bodyPr lIns="0" rIns="0" tIns="0" bIns="0">
             <a:normAutofit/>
           </a:bodyPr>
-          <a:lstStyle/>
-          <a:p>
-            <a:endParaRPr lang="it-IT" sz="3200" b="0" strike="noStrike" spc="-1">
+          <a:p>
+            <a:endParaRPr b="0" lang="it-IT" sz="2800" spc="-1" strike="noStrike">
+              <a:solidFill>
+                <a:srgbClr val="000000"/>
+              </a:solidFill>
               <a:latin typeface="Arial"/>
             </a:endParaRPr>
           </a:p>
@@ -2152,12 +2085,14 @@
           </a:prstGeom>
         </p:spPr>
         <p:txBody>
-          <a:bodyPr lIns="0" tIns="0" rIns="0" bIns="0">
+          <a:bodyPr lIns="0" rIns="0" tIns="0" bIns="0">
             <a:normAutofit/>
           </a:bodyPr>
-          <a:lstStyle/>
-          <a:p>
-            <a:endParaRPr lang="it-IT" sz="3200" b="0" strike="noStrike" spc="-1">
+          <a:p>
+            <a:endParaRPr b="0" lang="it-IT" sz="2800" spc="-1" strike="noStrike">
+              <a:solidFill>
+                <a:srgbClr val="000000"/>
+              </a:solidFill>
               <a:latin typeface="Arial"/>
             </a:endParaRPr>
           </a:p>
@@ -2165,14 +2100,11 @@
       </p:sp>
     </p:spTree>
   </p:cSld>
-  <p:clrMapOvr>
-    <a:masterClrMapping/>
-  </p:clrMapOvr>
 </p:sldLayout>
 </file>
 
 <file path=ppt/slideLayouts/slideLayout3.xml><?xml version="1.0" encoding="utf-8"?>
-<p:sldLayout xmlns:a="http://schemas.openxmlformats.org/drawingml/2006/main" xmlns:r="http://schemas.openxmlformats.org/officeDocument/2006/relationships" xmlns:p="http://schemas.openxmlformats.org/presentationml/2006/main" type="obj" preserve="1">
+<p:sldLayout xmlns:a="http://schemas.openxmlformats.org/drawingml/2006/main" xmlns:p="http://schemas.openxmlformats.org/presentationml/2006/main" xmlns:r="http://schemas.openxmlformats.org/officeDocument/2006/relationships" xmlns:p14="http://schemas.microsoft.com/office/powerpoint/2010/main" xmlns:p15="http://schemas.microsoft.com/office/powerpoint/2012/main" xmlns:mc="http://schemas.openxmlformats.org/markup-compatibility/2006" type="obj" preserve="1">
   <p:cSld name="Title, Content">
     <p:spTree>
       <p:nvGrpSpPr>
@@ -2201,18 +2133,19 @@
         <p:spPr>
           <a:xfrm>
             <a:off x="182880" y="90000"/>
-            <a:ext cx="8760240" cy="1141560"/>
-          </a:xfrm>
-          <a:prstGeom prst="rect">
-            <a:avLst/>
-          </a:prstGeom>
-        </p:spPr>
-        <p:txBody>
-          <a:bodyPr lIns="0" tIns="0" rIns="0" bIns="0" anchor="ctr"/>
-          <a:lstStyle/>
-          <a:p>
-            <a:pPr algn="ctr"/>
-            <a:endParaRPr lang="it-IT" sz="4400" b="0" strike="noStrike" spc="-1">
+            <a:ext cx="8759880" cy="1141200"/>
+          </a:xfrm>
+          <a:prstGeom prst="rect">
+            <a:avLst/>
+          </a:prstGeom>
+        </p:spPr>
+        <p:txBody>
+          <a:bodyPr lIns="0" rIns="0" tIns="0" bIns="0" anchor="ctr"/>
+          <a:p>
+            <a:endParaRPr b="0" lang="it-IT" sz="1800" spc="-1" strike="noStrike">
+              <a:solidFill>
+                <a:srgbClr val="000000"/>
+              </a:solidFill>
               <a:latin typeface="Arial"/>
             </a:endParaRPr>
           </a:p>
@@ -2238,12 +2171,14 @@
           </a:prstGeom>
         </p:spPr>
         <p:txBody>
-          <a:bodyPr lIns="0" tIns="0" rIns="0" bIns="0">
+          <a:bodyPr lIns="0" rIns="0" tIns="0" bIns="0">
             <a:normAutofit/>
           </a:bodyPr>
-          <a:lstStyle/>
-          <a:p>
-            <a:endParaRPr lang="it-IT" sz="3200" b="0" strike="noStrike" spc="-1">
+          <a:p>
+            <a:endParaRPr b="0" lang="it-IT" sz="2800" spc="-1" strike="noStrike">
+              <a:solidFill>
+                <a:srgbClr val="000000"/>
+              </a:solidFill>
               <a:latin typeface="Arial"/>
             </a:endParaRPr>
           </a:p>
@@ -2251,14 +2186,11 @@
       </p:sp>
     </p:spTree>
   </p:cSld>
-  <p:clrMapOvr>
-    <a:masterClrMapping/>
-  </p:clrMapOvr>
 </p:sldLayout>
 </file>
 
 <file path=ppt/slideLayouts/slideLayout4.xml><?xml version="1.0" encoding="utf-8"?>
-<p:sldLayout xmlns:a="http://schemas.openxmlformats.org/drawingml/2006/main" xmlns:r="http://schemas.openxmlformats.org/officeDocument/2006/relationships" xmlns:p="http://schemas.openxmlformats.org/presentationml/2006/main" type="twoObj" preserve="1">
+<p:sldLayout xmlns:a="http://schemas.openxmlformats.org/drawingml/2006/main" xmlns:p="http://schemas.openxmlformats.org/presentationml/2006/main" xmlns:r="http://schemas.openxmlformats.org/officeDocument/2006/relationships" xmlns:p14="http://schemas.microsoft.com/office/powerpoint/2010/main" xmlns:p15="http://schemas.microsoft.com/office/powerpoint/2012/main" xmlns:mc="http://schemas.openxmlformats.org/markup-compatibility/2006" type="twoObj" preserve="1">
   <p:cSld name="Title, 2 Content">
     <p:spTree>
       <p:nvGrpSpPr>
@@ -2287,18 +2219,19 @@
         <p:spPr>
           <a:xfrm>
             <a:off x="182880" y="90000"/>
-            <a:ext cx="8760240" cy="1141560"/>
-          </a:xfrm>
-          <a:prstGeom prst="rect">
-            <a:avLst/>
-          </a:prstGeom>
-        </p:spPr>
-        <p:txBody>
-          <a:bodyPr lIns="0" tIns="0" rIns="0" bIns="0" anchor="ctr"/>
-          <a:lstStyle/>
-          <a:p>
-            <a:pPr algn="ctr"/>
-            <a:endParaRPr lang="it-IT" sz="4400" b="0" strike="noStrike" spc="-1">
+            <a:ext cx="8759880" cy="1141200"/>
+          </a:xfrm>
+          <a:prstGeom prst="rect">
+            <a:avLst/>
+          </a:prstGeom>
+        </p:spPr>
+        <p:txBody>
+          <a:bodyPr lIns="0" rIns="0" tIns="0" bIns="0" anchor="ctr"/>
+          <a:p>
+            <a:endParaRPr b="0" lang="it-IT" sz="1800" spc="-1" strike="noStrike">
+              <a:solidFill>
+                <a:srgbClr val="000000"/>
+              </a:solidFill>
               <a:latin typeface="Arial"/>
             </a:endParaRPr>
           </a:p>
@@ -2324,12 +2257,14 @@
           </a:prstGeom>
         </p:spPr>
         <p:txBody>
-          <a:bodyPr lIns="0" tIns="0" rIns="0" bIns="0">
+          <a:bodyPr lIns="0" rIns="0" tIns="0" bIns="0">
             <a:normAutofit/>
           </a:bodyPr>
-          <a:lstStyle/>
-          <a:p>
-            <a:endParaRPr lang="it-IT" sz="3200" b="0" strike="noStrike" spc="-1">
+          <a:p>
+            <a:endParaRPr b="0" lang="it-IT" sz="2800" spc="-1" strike="noStrike">
+              <a:solidFill>
+                <a:srgbClr val="000000"/>
+              </a:solidFill>
               <a:latin typeface="Arial"/>
             </a:endParaRPr>
           </a:p>
@@ -2355,12 +2290,14 @@
           </a:prstGeom>
         </p:spPr>
         <p:txBody>
-          <a:bodyPr lIns="0" tIns="0" rIns="0" bIns="0">
+          <a:bodyPr lIns="0" rIns="0" tIns="0" bIns="0">
             <a:normAutofit/>
           </a:bodyPr>
-          <a:lstStyle/>
-          <a:p>
-            <a:endParaRPr lang="it-IT" sz="3200" b="0" strike="noStrike" spc="-1">
+          <a:p>
+            <a:endParaRPr b="0" lang="it-IT" sz="2800" spc="-1" strike="noStrike">
+              <a:solidFill>
+                <a:srgbClr val="000000"/>
+              </a:solidFill>
               <a:latin typeface="Arial"/>
             </a:endParaRPr>
           </a:p>
@@ -2368,14 +2305,11 @@
       </p:sp>
     </p:spTree>
   </p:cSld>
-  <p:clrMapOvr>
-    <a:masterClrMapping/>
-  </p:clrMapOvr>
 </p:sldLayout>
 </file>
 
 <file path=ppt/slideLayouts/slideLayout5.xml><?xml version="1.0" encoding="utf-8"?>
-<p:sldLayout xmlns:a="http://schemas.openxmlformats.org/drawingml/2006/main" xmlns:r="http://schemas.openxmlformats.org/officeDocument/2006/relationships" xmlns:p="http://schemas.openxmlformats.org/presentationml/2006/main" type="titleOnly" preserve="1">
+<p:sldLayout xmlns:a="http://schemas.openxmlformats.org/drawingml/2006/main" xmlns:p="http://schemas.openxmlformats.org/presentationml/2006/main" xmlns:r="http://schemas.openxmlformats.org/officeDocument/2006/relationships" xmlns:p14="http://schemas.microsoft.com/office/powerpoint/2010/main" xmlns:p15="http://schemas.microsoft.com/office/powerpoint/2012/main" xmlns:mc="http://schemas.openxmlformats.org/markup-compatibility/2006" type="titleOnly" preserve="1">
   <p:cSld name="Title Only">
     <p:spTree>
       <p:nvGrpSpPr>
@@ -2404,18 +2338,19 @@
         <p:spPr>
           <a:xfrm>
             <a:off x="182880" y="90000"/>
-            <a:ext cx="8760240" cy="1141560"/>
-          </a:xfrm>
-          <a:prstGeom prst="rect">
-            <a:avLst/>
-          </a:prstGeom>
-        </p:spPr>
-        <p:txBody>
-          <a:bodyPr lIns="0" tIns="0" rIns="0" bIns="0" anchor="ctr"/>
-          <a:lstStyle/>
-          <a:p>
-            <a:pPr algn="ctr"/>
-            <a:endParaRPr lang="it-IT" sz="4400" b="0" strike="noStrike" spc="-1">
+            <a:ext cx="8759880" cy="1141200"/>
+          </a:xfrm>
+          <a:prstGeom prst="rect">
+            <a:avLst/>
+          </a:prstGeom>
+        </p:spPr>
+        <p:txBody>
+          <a:bodyPr lIns="0" rIns="0" tIns="0" bIns="0" anchor="ctr"/>
+          <a:p>
+            <a:endParaRPr b="0" lang="it-IT" sz="1800" spc="-1" strike="noStrike">
+              <a:solidFill>
+                <a:srgbClr val="000000"/>
+              </a:solidFill>
               <a:latin typeface="Arial"/>
             </a:endParaRPr>
           </a:p>
@@ -2423,14 +2358,11 @@
       </p:sp>
     </p:spTree>
   </p:cSld>
-  <p:clrMapOvr>
-    <a:masterClrMapping/>
-  </p:clrMapOvr>
 </p:sldLayout>
 </file>
 
 <file path=ppt/slideLayouts/slideLayout6.xml><?xml version="1.0" encoding="utf-8"?>
-<p:sldLayout xmlns:a="http://schemas.openxmlformats.org/drawingml/2006/main" xmlns:r="http://schemas.openxmlformats.org/officeDocument/2006/relationships" xmlns:p="http://schemas.openxmlformats.org/presentationml/2006/main" type="objOnly" preserve="1">
+<p:sldLayout xmlns:a="http://schemas.openxmlformats.org/drawingml/2006/main" xmlns:p="http://schemas.openxmlformats.org/presentationml/2006/main" xmlns:r="http://schemas.openxmlformats.org/officeDocument/2006/relationships" xmlns:p14="http://schemas.microsoft.com/office/powerpoint/2010/main" xmlns:p15="http://schemas.microsoft.com/office/powerpoint/2012/main" xmlns:mc="http://schemas.openxmlformats.org/markup-compatibility/2006" type="objOnly" preserve="1">
   <p:cSld name="Centered Text">
     <p:spTree>
       <p:nvGrpSpPr>
@@ -2459,18 +2391,17 @@
         <p:spPr>
           <a:xfrm>
             <a:off x="182880" y="90000"/>
-            <a:ext cx="8760240" cy="5292720"/>
-          </a:xfrm>
-          <a:prstGeom prst="rect">
-            <a:avLst/>
-          </a:prstGeom>
-        </p:spPr>
-        <p:txBody>
-          <a:bodyPr lIns="0" tIns="0" rIns="0" bIns="0" anchor="ctr"/>
-          <a:lstStyle/>
+            <a:ext cx="8759880" cy="5291280"/>
+          </a:xfrm>
+          <a:prstGeom prst="rect">
+            <a:avLst/>
+          </a:prstGeom>
+        </p:spPr>
+        <p:txBody>
+          <a:bodyPr lIns="0" rIns="0" tIns="0" bIns="0" anchor="ctr"/>
           <a:p>
             <a:pPr algn="ctr"/>
-            <a:endParaRPr lang="it-IT" sz="3200" b="0" strike="noStrike" spc="-1">
+            <a:endParaRPr b="0" lang="it-IT" sz="3200" spc="-1" strike="noStrike">
               <a:latin typeface="Arial"/>
             </a:endParaRPr>
           </a:p>
@@ -2478,14 +2409,11 @@
       </p:sp>
     </p:spTree>
   </p:cSld>
-  <p:clrMapOvr>
-    <a:masterClrMapping/>
-  </p:clrMapOvr>
 </p:sldLayout>
 </file>
 
 <file path=ppt/slideLayouts/slideLayout7.xml><?xml version="1.0" encoding="utf-8"?>
-<p:sldLayout xmlns:a="http://schemas.openxmlformats.org/drawingml/2006/main" xmlns:r="http://schemas.openxmlformats.org/officeDocument/2006/relationships" xmlns:p="http://schemas.openxmlformats.org/presentationml/2006/main" type="twoObjAndObj" preserve="1">
+<p:sldLayout xmlns:a="http://schemas.openxmlformats.org/drawingml/2006/main" xmlns:p="http://schemas.openxmlformats.org/presentationml/2006/main" xmlns:r="http://schemas.openxmlformats.org/officeDocument/2006/relationships" xmlns:p14="http://schemas.microsoft.com/office/powerpoint/2010/main" xmlns:p15="http://schemas.microsoft.com/office/powerpoint/2012/main" xmlns:mc="http://schemas.openxmlformats.org/markup-compatibility/2006" type="twoObjAndObj" preserve="1">
   <p:cSld name="Title, 2 Content and Content">
     <p:spTree>
       <p:nvGrpSpPr>
@@ -2514,18 +2442,19 @@
         <p:spPr>
           <a:xfrm>
             <a:off x="182880" y="90000"/>
-            <a:ext cx="8760240" cy="1141560"/>
-          </a:xfrm>
-          <a:prstGeom prst="rect">
-            <a:avLst/>
-          </a:prstGeom>
-        </p:spPr>
-        <p:txBody>
-          <a:bodyPr lIns="0" tIns="0" rIns="0" bIns="0" anchor="ctr"/>
-          <a:lstStyle/>
-          <a:p>
-            <a:pPr algn="ctr"/>
-            <a:endParaRPr lang="it-IT" sz="4400" b="0" strike="noStrike" spc="-1">
+            <a:ext cx="8759880" cy="1141200"/>
+          </a:xfrm>
+          <a:prstGeom prst="rect">
+            <a:avLst/>
+          </a:prstGeom>
+        </p:spPr>
+        <p:txBody>
+          <a:bodyPr lIns="0" rIns="0" tIns="0" bIns="0" anchor="ctr"/>
+          <a:p>
+            <a:endParaRPr b="0" lang="it-IT" sz="1800" spc="-1" strike="noStrike">
+              <a:solidFill>
+                <a:srgbClr val="000000"/>
+              </a:solidFill>
               <a:latin typeface="Arial"/>
             </a:endParaRPr>
           </a:p>
@@ -2551,12 +2480,14 @@
           </a:prstGeom>
         </p:spPr>
         <p:txBody>
-          <a:bodyPr lIns="0" tIns="0" rIns="0" bIns="0">
+          <a:bodyPr lIns="0" rIns="0" tIns="0" bIns="0">
             <a:normAutofit/>
           </a:bodyPr>
-          <a:lstStyle/>
-          <a:p>
-            <a:endParaRPr lang="it-IT" sz="3200" b="0" strike="noStrike" spc="-1">
+          <a:p>
+            <a:endParaRPr b="0" lang="it-IT" sz="2800" spc="-1" strike="noStrike">
+              <a:solidFill>
+                <a:srgbClr val="000000"/>
+              </a:solidFill>
               <a:latin typeface="Arial"/>
             </a:endParaRPr>
           </a:p>
@@ -2582,12 +2513,14 @@
           </a:prstGeom>
         </p:spPr>
         <p:txBody>
-          <a:bodyPr lIns="0" tIns="0" rIns="0" bIns="0">
+          <a:bodyPr lIns="0" rIns="0" tIns="0" bIns="0">
             <a:normAutofit/>
           </a:bodyPr>
-          <a:lstStyle/>
-          <a:p>
-            <a:endParaRPr lang="it-IT" sz="3200" b="0" strike="noStrike" spc="-1">
+          <a:p>
+            <a:endParaRPr b="0" lang="it-IT" sz="2800" spc="-1" strike="noStrike">
+              <a:solidFill>
+                <a:srgbClr val="000000"/>
+              </a:solidFill>
               <a:latin typeface="Arial"/>
             </a:endParaRPr>
           </a:p>
@@ -2613,12 +2546,14 @@
           </a:prstGeom>
         </p:spPr>
         <p:txBody>
-          <a:bodyPr lIns="0" tIns="0" rIns="0" bIns="0">
+          <a:bodyPr lIns="0" rIns="0" tIns="0" bIns="0">
             <a:normAutofit/>
           </a:bodyPr>
-          <a:lstStyle/>
-          <a:p>
-            <a:endParaRPr lang="it-IT" sz="3200" b="0" strike="noStrike" spc="-1">
+          <a:p>
+            <a:endParaRPr b="0" lang="it-IT" sz="2800" spc="-1" strike="noStrike">
+              <a:solidFill>
+                <a:srgbClr val="000000"/>
+              </a:solidFill>
               <a:latin typeface="Arial"/>
             </a:endParaRPr>
           </a:p>
@@ -2626,14 +2561,11 @@
       </p:sp>
     </p:spTree>
   </p:cSld>
-  <p:clrMapOvr>
-    <a:masterClrMapping/>
-  </p:clrMapOvr>
 </p:sldLayout>
 </file>
 
 <file path=ppt/slideLayouts/slideLayout8.xml><?xml version="1.0" encoding="utf-8"?>
-<p:sldLayout xmlns:a="http://schemas.openxmlformats.org/drawingml/2006/main" xmlns:r="http://schemas.openxmlformats.org/officeDocument/2006/relationships" xmlns:p="http://schemas.openxmlformats.org/presentationml/2006/main" type="objAndTwoObj" preserve="1">
+<p:sldLayout xmlns:a="http://schemas.openxmlformats.org/drawingml/2006/main" xmlns:p="http://schemas.openxmlformats.org/presentationml/2006/main" xmlns:r="http://schemas.openxmlformats.org/officeDocument/2006/relationships" xmlns:p14="http://schemas.microsoft.com/office/powerpoint/2010/main" xmlns:p15="http://schemas.microsoft.com/office/powerpoint/2012/main" xmlns:mc="http://schemas.openxmlformats.org/markup-compatibility/2006" type="objAndTwoObj" preserve="1">
   <p:cSld name="Title Content and 2 Content">
     <p:spTree>
       <p:nvGrpSpPr>
@@ -2662,18 +2594,19 @@
         <p:spPr>
           <a:xfrm>
             <a:off x="182880" y="90000"/>
-            <a:ext cx="8760240" cy="1141560"/>
-          </a:xfrm>
-          <a:prstGeom prst="rect">
-            <a:avLst/>
-          </a:prstGeom>
-        </p:spPr>
-        <p:txBody>
-          <a:bodyPr lIns="0" tIns="0" rIns="0" bIns="0" anchor="ctr"/>
-          <a:lstStyle/>
-          <a:p>
-            <a:pPr algn="ctr"/>
-            <a:endParaRPr lang="it-IT" sz="4400" b="0" strike="noStrike" spc="-1">
+            <a:ext cx="8759880" cy="1141200"/>
+          </a:xfrm>
+          <a:prstGeom prst="rect">
+            <a:avLst/>
+          </a:prstGeom>
+        </p:spPr>
+        <p:txBody>
+          <a:bodyPr lIns="0" rIns="0" tIns="0" bIns="0" anchor="ctr"/>
+          <a:p>
+            <a:endParaRPr b="0" lang="it-IT" sz="1800" spc="-1" strike="noStrike">
+              <a:solidFill>
+                <a:srgbClr val="000000"/>
+              </a:solidFill>
               <a:latin typeface="Arial"/>
             </a:endParaRPr>
           </a:p>
@@ -2699,12 +2632,14 @@
           </a:prstGeom>
         </p:spPr>
         <p:txBody>
-          <a:bodyPr lIns="0" tIns="0" rIns="0" bIns="0">
+          <a:bodyPr lIns="0" rIns="0" tIns="0" bIns="0">
             <a:normAutofit/>
           </a:bodyPr>
-          <a:lstStyle/>
-          <a:p>
-            <a:endParaRPr lang="it-IT" sz="3200" b="0" strike="noStrike" spc="-1">
+          <a:p>
+            <a:endParaRPr b="0" lang="it-IT" sz="2800" spc="-1" strike="noStrike">
+              <a:solidFill>
+                <a:srgbClr val="000000"/>
+              </a:solidFill>
               <a:latin typeface="Arial"/>
             </a:endParaRPr>
           </a:p>
@@ -2730,12 +2665,14 @@
           </a:prstGeom>
         </p:spPr>
         <p:txBody>
-          <a:bodyPr lIns="0" tIns="0" rIns="0" bIns="0">
+          <a:bodyPr lIns="0" rIns="0" tIns="0" bIns="0">
             <a:normAutofit/>
           </a:bodyPr>
-          <a:lstStyle/>
-          <a:p>
-            <a:endParaRPr lang="it-IT" sz="3200" b="0" strike="noStrike" spc="-1">
+          <a:p>
+            <a:endParaRPr b="0" lang="it-IT" sz="2800" spc="-1" strike="noStrike">
+              <a:solidFill>
+                <a:srgbClr val="000000"/>
+              </a:solidFill>
               <a:latin typeface="Arial"/>
             </a:endParaRPr>
           </a:p>
@@ -2761,12 +2698,14 @@
           </a:prstGeom>
         </p:spPr>
         <p:txBody>
-          <a:bodyPr lIns="0" tIns="0" rIns="0" bIns="0">
+          <a:bodyPr lIns="0" rIns="0" tIns="0" bIns="0">
             <a:normAutofit/>
           </a:bodyPr>
-          <a:lstStyle/>
-          <a:p>
-            <a:endParaRPr lang="it-IT" sz="3200" b="0" strike="noStrike" spc="-1">
+          <a:p>
+            <a:endParaRPr b="0" lang="it-IT" sz="2800" spc="-1" strike="noStrike">
+              <a:solidFill>
+                <a:srgbClr val="000000"/>
+              </a:solidFill>
               <a:latin typeface="Arial"/>
             </a:endParaRPr>
           </a:p>
@@ -2774,14 +2713,11 @@
       </p:sp>
     </p:spTree>
   </p:cSld>
-  <p:clrMapOvr>
-    <a:masterClrMapping/>
-  </p:clrMapOvr>
 </p:sldLayout>
 </file>
 
 <file path=ppt/slideLayouts/slideLayout9.xml><?xml version="1.0" encoding="utf-8"?>
-<p:sldLayout xmlns:a="http://schemas.openxmlformats.org/drawingml/2006/main" xmlns:r="http://schemas.openxmlformats.org/officeDocument/2006/relationships" xmlns:p="http://schemas.openxmlformats.org/presentationml/2006/main" type="twoObjOverTx" preserve="1">
+<p:sldLayout xmlns:a="http://schemas.openxmlformats.org/drawingml/2006/main" xmlns:p="http://schemas.openxmlformats.org/presentationml/2006/main" xmlns:r="http://schemas.openxmlformats.org/officeDocument/2006/relationships" xmlns:p14="http://schemas.microsoft.com/office/powerpoint/2010/main" xmlns:p15="http://schemas.microsoft.com/office/powerpoint/2012/main" xmlns:mc="http://schemas.openxmlformats.org/markup-compatibility/2006" type="twoObjOverTx" preserve="1">
   <p:cSld name="Title, 2 Content over Content">
     <p:spTree>
       <p:nvGrpSpPr>
@@ -2810,18 +2746,19 @@
         <p:spPr>
           <a:xfrm>
             <a:off x="182880" y="90000"/>
-            <a:ext cx="8760240" cy="1141560"/>
-          </a:xfrm>
-          <a:prstGeom prst="rect">
-            <a:avLst/>
-          </a:prstGeom>
-        </p:spPr>
-        <p:txBody>
-          <a:bodyPr lIns="0" tIns="0" rIns="0" bIns="0" anchor="ctr"/>
-          <a:lstStyle/>
-          <a:p>
-            <a:pPr algn="ctr"/>
-            <a:endParaRPr lang="it-IT" sz="4400" b="0" strike="noStrike" spc="-1">
+            <a:ext cx="8759880" cy="1141200"/>
+          </a:xfrm>
+          <a:prstGeom prst="rect">
+            <a:avLst/>
+          </a:prstGeom>
+        </p:spPr>
+        <p:txBody>
+          <a:bodyPr lIns="0" rIns="0" tIns="0" bIns="0" anchor="ctr"/>
+          <a:p>
+            <a:endParaRPr b="0" lang="it-IT" sz="1800" spc="-1" strike="noStrike">
+              <a:solidFill>
+                <a:srgbClr val="000000"/>
+              </a:solidFill>
               <a:latin typeface="Arial"/>
             </a:endParaRPr>
           </a:p>
@@ -2847,12 +2784,14 @@
           </a:prstGeom>
         </p:spPr>
         <p:txBody>
-          <a:bodyPr lIns="0" tIns="0" rIns="0" bIns="0">
+          <a:bodyPr lIns="0" rIns="0" tIns="0" bIns="0">
             <a:normAutofit/>
           </a:bodyPr>
-          <a:lstStyle/>
-          <a:p>
-            <a:endParaRPr lang="it-IT" sz="3200" b="0" strike="noStrike" spc="-1">
+          <a:p>
+            <a:endParaRPr b="0" lang="it-IT" sz="2800" spc="-1" strike="noStrike">
+              <a:solidFill>
+                <a:srgbClr val="000000"/>
+              </a:solidFill>
               <a:latin typeface="Arial"/>
             </a:endParaRPr>
           </a:p>
@@ -2878,12 +2817,14 @@
           </a:prstGeom>
         </p:spPr>
         <p:txBody>
-          <a:bodyPr lIns="0" tIns="0" rIns="0" bIns="0">
+          <a:bodyPr lIns="0" rIns="0" tIns="0" bIns="0">
             <a:normAutofit/>
           </a:bodyPr>
-          <a:lstStyle/>
-          <a:p>
-            <a:endParaRPr lang="it-IT" sz="3200" b="0" strike="noStrike" spc="-1">
+          <a:p>
+            <a:endParaRPr b="0" lang="it-IT" sz="2800" spc="-1" strike="noStrike">
+              <a:solidFill>
+                <a:srgbClr val="000000"/>
+              </a:solidFill>
               <a:latin typeface="Arial"/>
             </a:endParaRPr>
           </a:p>
@@ -2909,12 +2850,14 @@
           </a:prstGeom>
         </p:spPr>
         <p:txBody>
-          <a:bodyPr lIns="0" tIns="0" rIns="0" bIns="0">
+          <a:bodyPr lIns="0" rIns="0" tIns="0" bIns="0">
             <a:normAutofit/>
           </a:bodyPr>
-          <a:lstStyle/>
-          <a:p>
-            <a:endParaRPr lang="it-IT" sz="3200" b="0" strike="noStrike" spc="-1">
+          <a:p>
+            <a:endParaRPr b="0" lang="it-IT" sz="2800" spc="-1" strike="noStrike">
+              <a:solidFill>
+                <a:srgbClr val="000000"/>
+              </a:solidFill>
               <a:latin typeface="Arial"/>
             </a:endParaRPr>
           </a:p>
@@ -2922,21 +2865,17 @@
       </p:sp>
     </p:spTree>
   </p:cSld>
-  <p:clrMapOvr>
-    <a:masterClrMapping/>
-  </p:clrMapOvr>
 </p:sldLayout>
 </file>
 
 <file path=ppt/slideMasters/slideMaster1.xml><?xml version="1.0" encoding="utf-8"?>
-<p:sldMaster xmlns:a="http://schemas.openxmlformats.org/drawingml/2006/main" xmlns:r="http://schemas.openxmlformats.org/officeDocument/2006/relationships" xmlns:p="http://schemas.openxmlformats.org/presentationml/2006/main">
+<p:sldMaster xmlns:a="http://schemas.openxmlformats.org/drawingml/2006/main" xmlns:p="http://schemas.openxmlformats.org/presentationml/2006/main" xmlns:r="http://schemas.openxmlformats.org/officeDocument/2006/relationships" xmlns:p14="http://schemas.microsoft.com/office/powerpoint/2010/main" xmlns:p15="http://schemas.microsoft.com/office/powerpoint/2012/main" xmlns:mc="http://schemas.openxmlformats.org/markup-compatibility/2006">
   <p:cSld>
     <p:bg>
       <p:bgPr>
         <a:solidFill>
-          <a:srgbClr val="FFFFFF"/>
+          <a:srgbClr val="ffffff"/>
         </a:solidFill>
-        <a:effectLst/>
       </p:bgPr>
     </p:bg>
     <p:spTree>
@@ -2955,18 +2894,18 @@
       </p:grpSpPr>
       <p:pic>
         <p:nvPicPr>
-          <p:cNvPr id="5" name="Immagine 8"/>
+          <p:cNvPr id="0" name="Immagine 8" descr=""/>
           <p:cNvPicPr/>
           <p:nvPr/>
         </p:nvPicPr>
         <p:blipFill>
-          <a:blip r:embed="rId14"/>
+          <a:blip r:embed="rId2"/>
           <a:stretch/>
         </p:blipFill>
         <p:spPr>
           <a:xfrm>
             <a:off x="7130160" y="6226200"/>
-            <a:ext cx="1555200" cy="509400"/>
+            <a:ext cx="1554840" cy="509040"/>
           </a:xfrm>
           <a:prstGeom prst="rect">
             <a:avLst/>
@@ -2978,18 +2917,18 @@
       </p:pic>
       <p:pic>
         <p:nvPicPr>
-          <p:cNvPr id="6" name="Immagine 9"/>
+          <p:cNvPr id="1" name="Immagine 9" descr=""/>
           <p:cNvPicPr/>
           <p:nvPr/>
         </p:nvPicPr>
         <p:blipFill>
-          <a:blip r:embed="rId15"/>
+          <a:blip r:embed="rId3"/>
           <a:stretch/>
         </p:blipFill>
         <p:spPr>
           <a:xfrm>
             <a:off x="182880" y="6226200"/>
-            <a:ext cx="2390760" cy="547560"/>
+            <a:ext cx="2390400" cy="547200"/>
           </a:xfrm>
           <a:prstGeom prst="rect">
             <a:avLst/>
@@ -3001,18 +2940,18 @@
       </p:pic>
       <p:pic>
         <p:nvPicPr>
-          <p:cNvPr id="2" name="Immagine 11"/>
+          <p:cNvPr id="2" name="Immagine 11" descr=""/>
           <p:cNvPicPr/>
           <p:nvPr/>
         </p:nvPicPr>
         <p:blipFill>
-          <a:blip r:embed="rId16"/>
+          <a:blip r:embed="rId4"/>
           <a:stretch/>
         </p:blipFill>
         <p:spPr>
           <a:xfrm>
             <a:off x="4068720" y="6144840"/>
-            <a:ext cx="1306080" cy="695160"/>
+            <a:ext cx="1305720" cy="694800"/>
           </a:xfrm>
           <a:prstGeom prst="rect">
             <a:avLst/>
@@ -3042,16 +2981,23 @@
           </a:prstGeom>
         </p:spPr>
         <p:txBody>
-          <a:bodyPr lIns="0" tIns="0" rIns="0" bIns="0" anchor="ctr"/>
-          <a:lstStyle/>
-          <a:p>
-            <a:pPr algn="ctr"/>
-            <a:r>
-              <a:rPr lang="it-IT" sz="4400" b="0" strike="noStrike" spc="-1">
+          <a:bodyPr lIns="0" rIns="0" tIns="0" bIns="0" anchor="ctr"/>
+          <a:p>
+            <a:r>
+              <a:rPr b="0" lang="it-IT" sz="1800" spc="-1" strike="noStrike">
+                <a:solidFill>
+                  <a:srgbClr val="000000"/>
+                </a:solidFill>
                 <a:latin typeface="Arial"/>
               </a:rPr>
               <a:t>Click to edit the title text format</a:t>
             </a:r>
+            <a:endParaRPr b="0" lang="it-IT" sz="1800" spc="-1" strike="noStrike">
+              <a:solidFill>
+                <a:srgbClr val="000000"/>
+              </a:solidFill>
+              <a:latin typeface="Arial"/>
+            </a:endParaRPr>
           </a:p>
         </p:txBody>
       </p:sp>
@@ -3075,10 +3021,9 @@
           </a:prstGeom>
         </p:spPr>
         <p:txBody>
-          <a:bodyPr lIns="0" tIns="0" rIns="0" bIns="0">
+          <a:bodyPr lIns="0" rIns="0" tIns="0" bIns="0">
             <a:normAutofit/>
           </a:bodyPr>
-          <a:lstStyle/>
           <a:p>
             <a:pPr marL="432000" indent="-324000">
               <a:spcBef>
@@ -3092,14 +3037,23 @@
               <a:buChar char=""/>
             </a:pPr>
             <a:r>
-              <a:rPr lang="it-IT" sz="3200" b="0" strike="noStrike" spc="-1">
+              <a:rPr b="0" lang="it-IT" sz="2800" spc="-1" strike="noStrike">
+                <a:solidFill>
+                  <a:srgbClr val="000000"/>
+                </a:solidFill>
                 <a:latin typeface="Arial"/>
               </a:rPr>
               <a:t>Click to edit the outline text format</a:t>
             </a:r>
-          </a:p>
-          <a:p>
-            <a:pPr marL="864000" lvl="1" indent="-324000">
+            <a:endParaRPr b="0" lang="it-IT" sz="2800" spc="-1" strike="noStrike">
+              <a:solidFill>
+                <a:srgbClr val="000000"/>
+              </a:solidFill>
+              <a:latin typeface="Arial"/>
+            </a:endParaRPr>
+          </a:p>
+          <a:p>
+            <a:pPr lvl="1" marL="864000" indent="-324000">
               <a:spcBef>
                 <a:spcPts val="1134"/>
               </a:spcBef>
@@ -3111,14 +3065,23 @@
               <a:buChar char=""/>
             </a:pPr>
             <a:r>
-              <a:rPr lang="it-IT" sz="2800" b="0" strike="noStrike" spc="-1">
+              <a:rPr b="0" lang="it-IT" sz="2000" spc="-1" strike="noStrike">
+                <a:solidFill>
+                  <a:srgbClr val="000000"/>
+                </a:solidFill>
                 <a:latin typeface="Arial"/>
               </a:rPr>
               <a:t>Second Outline Level</a:t>
             </a:r>
-          </a:p>
-          <a:p>
-            <a:pPr marL="1296000" lvl="2" indent="-288000">
+            <a:endParaRPr b="0" lang="it-IT" sz="2000" spc="-1" strike="noStrike">
+              <a:solidFill>
+                <a:srgbClr val="000000"/>
+              </a:solidFill>
+              <a:latin typeface="Arial"/>
+            </a:endParaRPr>
+          </a:p>
+          <a:p>
+            <a:pPr lvl="2" marL="1296000" indent="-288000">
               <a:spcBef>
                 <a:spcPts val="850"/>
               </a:spcBef>
@@ -3130,14 +3093,23 @@
               <a:buChar char=""/>
             </a:pPr>
             <a:r>
-              <a:rPr lang="it-IT" sz="2400" b="0" strike="noStrike" spc="-1">
+              <a:rPr b="0" lang="it-IT" sz="1800" spc="-1" strike="noStrike">
+                <a:solidFill>
+                  <a:srgbClr val="000000"/>
+                </a:solidFill>
                 <a:latin typeface="Arial"/>
               </a:rPr>
               <a:t>Third Outline Level</a:t>
             </a:r>
-          </a:p>
-          <a:p>
-            <a:pPr marL="1728000" lvl="3" indent="-216000">
+            <a:endParaRPr b="0" lang="it-IT" sz="1800" spc="-1" strike="noStrike">
+              <a:solidFill>
+                <a:srgbClr val="000000"/>
+              </a:solidFill>
+              <a:latin typeface="Arial"/>
+            </a:endParaRPr>
+          </a:p>
+          <a:p>
+            <a:pPr lvl="3" marL="1728000" indent="-216000">
               <a:spcBef>
                 <a:spcPts val="567"/>
               </a:spcBef>
@@ -3149,14 +3121,23 @@
               <a:buChar char=""/>
             </a:pPr>
             <a:r>
-              <a:rPr lang="it-IT" sz="2000" b="0" strike="noStrike" spc="-1">
+              <a:rPr b="0" lang="it-IT" sz="1800" spc="-1" strike="noStrike">
+                <a:solidFill>
+                  <a:srgbClr val="000000"/>
+                </a:solidFill>
                 <a:latin typeface="Arial"/>
               </a:rPr>
               <a:t>Fourth Outline Level</a:t>
             </a:r>
-          </a:p>
-          <a:p>
-            <a:pPr marL="2160000" lvl="4" indent="-216000">
+            <a:endParaRPr b="0" lang="it-IT" sz="1800" spc="-1" strike="noStrike">
+              <a:solidFill>
+                <a:srgbClr val="000000"/>
+              </a:solidFill>
+              <a:latin typeface="Arial"/>
+            </a:endParaRPr>
+          </a:p>
+          <a:p>
+            <a:pPr lvl="4" marL="2160000" indent="-216000">
               <a:spcBef>
                 <a:spcPts val="283"/>
               </a:spcBef>
@@ -3168,14 +3149,23 @@
               <a:buChar char=""/>
             </a:pPr>
             <a:r>
-              <a:rPr lang="it-IT" sz="2000" b="0" strike="noStrike" spc="-1">
+              <a:rPr b="0" lang="it-IT" sz="2000" spc="-1" strike="noStrike">
+                <a:solidFill>
+                  <a:srgbClr val="000000"/>
+                </a:solidFill>
                 <a:latin typeface="Arial"/>
               </a:rPr>
               <a:t>Fifth Outline Level</a:t>
             </a:r>
-          </a:p>
-          <a:p>
-            <a:pPr marL="2592000" lvl="5" indent="-216000">
+            <a:endParaRPr b="0" lang="it-IT" sz="2000" spc="-1" strike="noStrike">
+              <a:solidFill>
+                <a:srgbClr val="000000"/>
+              </a:solidFill>
+              <a:latin typeface="Arial"/>
+            </a:endParaRPr>
+          </a:p>
+          <a:p>
+            <a:pPr lvl="5" marL="2592000" indent="-216000">
               <a:spcBef>
                 <a:spcPts val="283"/>
               </a:spcBef>
@@ -3187,14 +3177,23 @@
               <a:buChar char=""/>
             </a:pPr>
             <a:r>
-              <a:rPr lang="it-IT" sz="2000" b="0" strike="noStrike" spc="-1">
+              <a:rPr b="0" lang="it-IT" sz="2000" spc="-1" strike="noStrike">
+                <a:solidFill>
+                  <a:srgbClr val="000000"/>
+                </a:solidFill>
                 <a:latin typeface="Arial"/>
               </a:rPr>
               <a:t>Sixth Outline Level</a:t>
             </a:r>
-          </a:p>
-          <a:p>
-            <a:pPr marL="3024000" lvl="6" indent="-216000">
+            <a:endParaRPr b="0" lang="it-IT" sz="2000" spc="-1" strike="noStrike">
+              <a:solidFill>
+                <a:srgbClr val="000000"/>
+              </a:solidFill>
+              <a:latin typeface="Arial"/>
+            </a:endParaRPr>
+          </a:p>
+          <a:p>
+            <a:pPr lvl="6" marL="3024000" indent="-216000">
               <a:spcBef>
                 <a:spcPts val="283"/>
               </a:spcBef>
@@ -3206,323 +3205,51 @@
               <a:buChar char=""/>
             </a:pPr>
             <a:r>
-              <a:rPr lang="it-IT" sz="2000" b="0" strike="noStrike" spc="-1">
+              <a:rPr b="0" lang="it-IT" sz="2000" spc="-1" strike="noStrike">
+                <a:solidFill>
+                  <a:srgbClr val="000000"/>
+                </a:solidFill>
                 <a:latin typeface="Arial"/>
               </a:rPr>
               <a:t>Seventh Outline Level</a:t>
             </a:r>
+            <a:endParaRPr b="0" lang="it-IT" sz="2000" spc="-1" strike="noStrike">
+              <a:solidFill>
+                <a:srgbClr val="000000"/>
+              </a:solidFill>
+              <a:latin typeface="Arial"/>
+            </a:endParaRPr>
           </a:p>
         </p:txBody>
       </p:sp>
     </p:spTree>
   </p:cSld>
-  <p:clrMap bg1="lt1" tx1="dk1" bg2="lt2" tx2="dk2" accent1="accent1" accent2="accent2" accent3="accent3" accent4="accent4" accent5="accent5" accent6="accent6" hlink="hlink" folHlink="folHlink"/>
+  <p:clrMap bg1="lt1" bg2="lt2" tx1="dk1" tx2="dk2" accent1="accent1" accent2="accent2" accent3="accent3" accent4="accent4" accent5="accent5" accent6="accent6" hlink="hlink" folHlink="folHlink"/>
   <p:sldLayoutIdLst>
-    <p:sldLayoutId id="2147483649" r:id="rId1"/>
-    <p:sldLayoutId id="2147483650" r:id="rId2"/>
-    <p:sldLayoutId id="2147483651" r:id="rId3"/>
-    <p:sldLayoutId id="2147483652" r:id="rId4"/>
-    <p:sldLayoutId id="2147483653" r:id="rId5"/>
-    <p:sldLayoutId id="2147483654" r:id="rId6"/>
-    <p:sldLayoutId id="2147483655" r:id="rId7"/>
-    <p:sldLayoutId id="2147483656" r:id="rId8"/>
-    <p:sldLayoutId id="2147483657" r:id="rId9"/>
-    <p:sldLayoutId id="2147483658" r:id="rId10"/>
-    <p:sldLayoutId id="2147483659" r:id="rId11"/>
-    <p:sldLayoutId id="2147483660" r:id="rId12"/>
+    <p:sldLayoutId id="2147483649" r:id="rId5"/>
+    <p:sldLayoutId id="2147483650" r:id="rId6"/>
+    <p:sldLayoutId id="2147483651" r:id="rId7"/>
+    <p:sldLayoutId id="2147483652" r:id="rId8"/>
+    <p:sldLayoutId id="2147483653" r:id="rId9"/>
+    <p:sldLayoutId id="2147483654" r:id="rId10"/>
+    <p:sldLayoutId id="2147483655" r:id="rId11"/>
+    <p:sldLayoutId id="2147483656" r:id="rId12"/>
+    <p:sldLayoutId id="2147483657" r:id="rId13"/>
+    <p:sldLayoutId id="2147483658" r:id="rId14"/>
+    <p:sldLayoutId id="2147483659" r:id="rId15"/>
+    <p:sldLayoutId id="2147483660" r:id="rId16"/>
   </p:sldLayoutIdLst>
-  <p:txStyles>
-    <p:titleStyle>
-      <a:lvl1pPr algn="l" defTabSz="914400" rtl="0" eaLnBrk="1" latinLnBrk="0" hangingPunct="1">
-        <a:lnSpc>
-          <a:spcPct val="90000"/>
-        </a:lnSpc>
-        <a:spcBef>
-          <a:spcPct val="0"/>
-        </a:spcBef>
-        <a:buNone/>
-        <a:defRPr sz="4400" kern="1200">
-          <a:solidFill>
-            <a:schemeClr val="tx1"/>
-          </a:solidFill>
-          <a:latin typeface="+mj-lt"/>
-          <a:ea typeface="+mj-ea"/>
-          <a:cs typeface="+mj-cs"/>
-        </a:defRPr>
-      </a:lvl1pPr>
-    </p:titleStyle>
-    <p:bodyStyle>
-      <a:lvl1pPr marL="228600" indent="-228600" algn="l" defTabSz="914400" rtl="0" eaLnBrk="1" latinLnBrk="0" hangingPunct="1">
-        <a:lnSpc>
-          <a:spcPct val="90000"/>
-        </a:lnSpc>
-        <a:spcBef>
-          <a:spcPts val="1000"/>
-        </a:spcBef>
-        <a:buFont typeface="Arial" panose="020B0604020202020204" pitchFamily="34" charset="0"/>
-        <a:buChar char="•"/>
-        <a:defRPr sz="2800" kern="1200">
-          <a:solidFill>
-            <a:schemeClr val="tx1"/>
-          </a:solidFill>
-          <a:latin typeface="+mn-lt"/>
-          <a:ea typeface="+mn-ea"/>
-          <a:cs typeface="+mn-cs"/>
-        </a:defRPr>
-      </a:lvl1pPr>
-      <a:lvl2pPr marL="685800" indent="-228600" algn="l" defTabSz="914400" rtl="0" eaLnBrk="1" latinLnBrk="0" hangingPunct="1">
-        <a:lnSpc>
-          <a:spcPct val="90000"/>
-        </a:lnSpc>
-        <a:spcBef>
-          <a:spcPts val="500"/>
-        </a:spcBef>
-        <a:buFont typeface="Arial" panose="020B0604020202020204" pitchFamily="34" charset="0"/>
-        <a:buChar char="•"/>
-        <a:defRPr sz="2400" kern="1200">
-          <a:solidFill>
-            <a:schemeClr val="tx1"/>
-          </a:solidFill>
-          <a:latin typeface="+mn-lt"/>
-          <a:ea typeface="+mn-ea"/>
-          <a:cs typeface="+mn-cs"/>
-        </a:defRPr>
-      </a:lvl2pPr>
-      <a:lvl3pPr marL="1143000" indent="-228600" algn="l" defTabSz="914400" rtl="0" eaLnBrk="1" latinLnBrk="0" hangingPunct="1">
-        <a:lnSpc>
-          <a:spcPct val="90000"/>
-        </a:lnSpc>
-        <a:spcBef>
-          <a:spcPts val="500"/>
-        </a:spcBef>
-        <a:buFont typeface="Arial" panose="020B0604020202020204" pitchFamily="34" charset="0"/>
-        <a:buChar char="•"/>
-        <a:defRPr sz="2000" kern="1200">
-          <a:solidFill>
-            <a:schemeClr val="tx1"/>
-          </a:solidFill>
-          <a:latin typeface="+mn-lt"/>
-          <a:ea typeface="+mn-ea"/>
-          <a:cs typeface="+mn-cs"/>
-        </a:defRPr>
-      </a:lvl3pPr>
-      <a:lvl4pPr marL="1600200" indent="-228600" algn="l" defTabSz="914400" rtl="0" eaLnBrk="1" latinLnBrk="0" hangingPunct="1">
-        <a:lnSpc>
-          <a:spcPct val="90000"/>
-        </a:lnSpc>
-        <a:spcBef>
-          <a:spcPts val="500"/>
-        </a:spcBef>
-        <a:buFont typeface="Arial" panose="020B0604020202020204" pitchFamily="34" charset="0"/>
-        <a:buChar char="•"/>
-        <a:defRPr sz="1800" kern="1200">
-          <a:solidFill>
-            <a:schemeClr val="tx1"/>
-          </a:solidFill>
-          <a:latin typeface="+mn-lt"/>
-          <a:ea typeface="+mn-ea"/>
-          <a:cs typeface="+mn-cs"/>
-        </a:defRPr>
-      </a:lvl4pPr>
-      <a:lvl5pPr marL="2057400" indent="-228600" algn="l" defTabSz="914400" rtl="0" eaLnBrk="1" latinLnBrk="0" hangingPunct="1">
-        <a:lnSpc>
-          <a:spcPct val="90000"/>
-        </a:lnSpc>
-        <a:spcBef>
-          <a:spcPts val="500"/>
-        </a:spcBef>
-        <a:buFont typeface="Arial" panose="020B0604020202020204" pitchFamily="34" charset="0"/>
-        <a:buChar char="•"/>
-        <a:defRPr sz="1800" kern="1200">
-          <a:solidFill>
-            <a:schemeClr val="tx1"/>
-          </a:solidFill>
-          <a:latin typeface="+mn-lt"/>
-          <a:ea typeface="+mn-ea"/>
-          <a:cs typeface="+mn-cs"/>
-        </a:defRPr>
-      </a:lvl5pPr>
-      <a:lvl6pPr marL="2514600" indent="-228600" algn="l" defTabSz="914400" rtl="0" eaLnBrk="1" latinLnBrk="0" hangingPunct="1">
-        <a:lnSpc>
-          <a:spcPct val="90000"/>
-        </a:lnSpc>
-        <a:spcBef>
-          <a:spcPts val="500"/>
-        </a:spcBef>
-        <a:buFont typeface="Arial" panose="020B0604020202020204" pitchFamily="34" charset="0"/>
-        <a:buChar char="•"/>
-        <a:defRPr sz="1800" kern="1200">
-          <a:solidFill>
-            <a:schemeClr val="tx1"/>
-          </a:solidFill>
-          <a:latin typeface="+mn-lt"/>
-          <a:ea typeface="+mn-ea"/>
-          <a:cs typeface="+mn-cs"/>
-        </a:defRPr>
-      </a:lvl6pPr>
-      <a:lvl7pPr marL="2971800" indent="-228600" algn="l" defTabSz="914400" rtl="0" eaLnBrk="1" latinLnBrk="0" hangingPunct="1">
-        <a:lnSpc>
-          <a:spcPct val="90000"/>
-        </a:lnSpc>
-        <a:spcBef>
-          <a:spcPts val="500"/>
-        </a:spcBef>
-        <a:buFont typeface="Arial" panose="020B0604020202020204" pitchFamily="34" charset="0"/>
-        <a:buChar char="•"/>
-        <a:defRPr sz="1800" kern="1200">
-          <a:solidFill>
-            <a:schemeClr val="tx1"/>
-          </a:solidFill>
-          <a:latin typeface="+mn-lt"/>
-          <a:ea typeface="+mn-ea"/>
-          <a:cs typeface="+mn-cs"/>
-        </a:defRPr>
-      </a:lvl7pPr>
-      <a:lvl8pPr marL="3429000" indent="-228600" algn="l" defTabSz="914400" rtl="0" eaLnBrk="1" latinLnBrk="0" hangingPunct="1">
-        <a:lnSpc>
-          <a:spcPct val="90000"/>
-        </a:lnSpc>
-        <a:spcBef>
-          <a:spcPts val="500"/>
-        </a:spcBef>
-        <a:buFont typeface="Arial" panose="020B0604020202020204" pitchFamily="34" charset="0"/>
-        <a:buChar char="•"/>
-        <a:defRPr sz="1800" kern="1200">
-          <a:solidFill>
-            <a:schemeClr val="tx1"/>
-          </a:solidFill>
-          <a:latin typeface="+mn-lt"/>
-          <a:ea typeface="+mn-ea"/>
-          <a:cs typeface="+mn-cs"/>
-        </a:defRPr>
-      </a:lvl8pPr>
-      <a:lvl9pPr marL="3886200" indent="-228600" algn="l" defTabSz="914400" rtl="0" eaLnBrk="1" latinLnBrk="0" hangingPunct="1">
-        <a:lnSpc>
-          <a:spcPct val="90000"/>
-        </a:lnSpc>
-        <a:spcBef>
-          <a:spcPts val="500"/>
-        </a:spcBef>
-        <a:buFont typeface="Arial" panose="020B0604020202020204" pitchFamily="34" charset="0"/>
-        <a:buChar char="•"/>
-        <a:defRPr sz="1800" kern="1200">
-          <a:solidFill>
-            <a:schemeClr val="tx1"/>
-          </a:solidFill>
-          <a:latin typeface="+mn-lt"/>
-          <a:ea typeface="+mn-ea"/>
-          <a:cs typeface="+mn-cs"/>
-        </a:defRPr>
-      </a:lvl9pPr>
-    </p:bodyStyle>
-    <p:otherStyle>
-      <a:defPPr>
-        <a:defRPr lang="it-IT"/>
-      </a:defPPr>
-      <a:lvl1pPr marL="0" algn="l" defTabSz="914400" rtl="0" eaLnBrk="1" latinLnBrk="0" hangingPunct="1">
-        <a:defRPr sz="1800" kern="1200">
-          <a:solidFill>
-            <a:schemeClr val="tx1"/>
-          </a:solidFill>
-          <a:latin typeface="+mn-lt"/>
-          <a:ea typeface="+mn-ea"/>
-          <a:cs typeface="+mn-cs"/>
-        </a:defRPr>
-      </a:lvl1pPr>
-      <a:lvl2pPr marL="457200" algn="l" defTabSz="914400" rtl="0" eaLnBrk="1" latinLnBrk="0" hangingPunct="1">
-        <a:defRPr sz="1800" kern="1200">
-          <a:solidFill>
-            <a:schemeClr val="tx1"/>
-          </a:solidFill>
-          <a:latin typeface="+mn-lt"/>
-          <a:ea typeface="+mn-ea"/>
-          <a:cs typeface="+mn-cs"/>
-        </a:defRPr>
-      </a:lvl2pPr>
-      <a:lvl3pPr marL="914400" algn="l" defTabSz="914400" rtl="0" eaLnBrk="1" latinLnBrk="0" hangingPunct="1">
-        <a:defRPr sz="1800" kern="1200">
-          <a:solidFill>
-            <a:schemeClr val="tx1"/>
-          </a:solidFill>
-          <a:latin typeface="+mn-lt"/>
-          <a:ea typeface="+mn-ea"/>
-          <a:cs typeface="+mn-cs"/>
-        </a:defRPr>
-      </a:lvl3pPr>
-      <a:lvl4pPr marL="1371600" algn="l" defTabSz="914400" rtl="0" eaLnBrk="1" latinLnBrk="0" hangingPunct="1">
-        <a:defRPr sz="1800" kern="1200">
-          <a:solidFill>
-            <a:schemeClr val="tx1"/>
-          </a:solidFill>
-          <a:latin typeface="+mn-lt"/>
-          <a:ea typeface="+mn-ea"/>
-          <a:cs typeface="+mn-cs"/>
-        </a:defRPr>
-      </a:lvl4pPr>
-      <a:lvl5pPr marL="1828800" algn="l" defTabSz="914400" rtl="0" eaLnBrk="1" latinLnBrk="0" hangingPunct="1">
-        <a:defRPr sz="1800" kern="1200">
-          <a:solidFill>
-            <a:schemeClr val="tx1"/>
-          </a:solidFill>
-          <a:latin typeface="+mn-lt"/>
-          <a:ea typeface="+mn-ea"/>
-          <a:cs typeface="+mn-cs"/>
-        </a:defRPr>
-      </a:lvl5pPr>
-      <a:lvl6pPr marL="2286000" algn="l" defTabSz="914400" rtl="0" eaLnBrk="1" latinLnBrk="0" hangingPunct="1">
-        <a:defRPr sz="1800" kern="1200">
-          <a:solidFill>
-            <a:schemeClr val="tx1"/>
-          </a:solidFill>
-          <a:latin typeface="+mn-lt"/>
-          <a:ea typeface="+mn-ea"/>
-          <a:cs typeface="+mn-cs"/>
-        </a:defRPr>
-      </a:lvl6pPr>
-      <a:lvl7pPr marL="2743200" algn="l" defTabSz="914400" rtl="0" eaLnBrk="1" latinLnBrk="0" hangingPunct="1">
-        <a:defRPr sz="1800" kern="1200">
-          <a:solidFill>
-            <a:schemeClr val="tx1"/>
-          </a:solidFill>
-          <a:latin typeface="+mn-lt"/>
-          <a:ea typeface="+mn-ea"/>
-          <a:cs typeface="+mn-cs"/>
-        </a:defRPr>
-      </a:lvl7pPr>
-      <a:lvl8pPr marL="3200400" algn="l" defTabSz="914400" rtl="0" eaLnBrk="1" latinLnBrk="0" hangingPunct="1">
-        <a:defRPr sz="1800" kern="1200">
-          <a:solidFill>
-            <a:schemeClr val="tx1"/>
-          </a:solidFill>
-          <a:latin typeface="+mn-lt"/>
-          <a:ea typeface="+mn-ea"/>
-          <a:cs typeface="+mn-cs"/>
-        </a:defRPr>
-      </a:lvl8pPr>
-      <a:lvl9pPr marL="3657600" algn="l" defTabSz="914400" rtl="0" eaLnBrk="1" latinLnBrk="0" hangingPunct="1">
-        <a:defRPr sz="1800" kern="1200">
-          <a:solidFill>
-            <a:schemeClr val="tx1"/>
-          </a:solidFill>
-          <a:latin typeface="+mn-lt"/>
-          <a:ea typeface="+mn-ea"/>
-          <a:cs typeface="+mn-cs"/>
-        </a:defRPr>
-      </a:lvl9pPr>
-    </p:otherStyle>
-  </p:txStyles>
 </p:sldMaster>
 </file>
 
 <file path=ppt/slideMasters/slideMaster2.xml><?xml version="1.0" encoding="utf-8"?>
-<p:sldMaster xmlns:a="http://schemas.openxmlformats.org/drawingml/2006/main" xmlns:r="http://schemas.openxmlformats.org/officeDocument/2006/relationships" xmlns:p="http://schemas.openxmlformats.org/presentationml/2006/main">
+<p:sldMaster xmlns:a="http://schemas.openxmlformats.org/drawingml/2006/main" xmlns:p="http://schemas.openxmlformats.org/presentationml/2006/main" xmlns:r="http://schemas.openxmlformats.org/officeDocument/2006/relationships" xmlns:p14="http://schemas.microsoft.com/office/powerpoint/2010/main" xmlns:p15="http://schemas.microsoft.com/office/powerpoint/2012/main" xmlns:mc="http://schemas.openxmlformats.org/markup-compatibility/2006">
   <p:cSld>
     <p:bg>
       <p:bgPr>
         <a:solidFill>
-          <a:srgbClr val="FFFFFF"/>
+          <a:srgbClr val="ffffff"/>
         </a:solidFill>
-        <a:effectLst/>
       </p:bgPr>
     </p:bg>
     <p:spTree>
@@ -3541,18 +3268,18 @@
       </p:grpSpPr>
       <p:pic>
         <p:nvPicPr>
-          <p:cNvPr id="41" name="Immagine 8"/>
+          <p:cNvPr id="41" name="Immagine 8" descr=""/>
           <p:cNvPicPr/>
           <p:nvPr/>
         </p:nvPicPr>
         <p:blipFill>
-          <a:blip r:embed="rId14"/>
+          <a:blip r:embed="rId2"/>
           <a:stretch/>
         </p:blipFill>
         <p:spPr>
           <a:xfrm>
             <a:off x="7130160" y="6226200"/>
-            <a:ext cx="1555200" cy="509400"/>
+            <a:ext cx="1554840" cy="509040"/>
           </a:xfrm>
           <a:prstGeom prst="rect">
             <a:avLst/>
@@ -3564,18 +3291,18 @@
       </p:pic>
       <p:pic>
         <p:nvPicPr>
-          <p:cNvPr id="42" name="Immagine 9"/>
+          <p:cNvPr id="42" name="Immagine 9" descr=""/>
           <p:cNvPicPr/>
           <p:nvPr/>
         </p:nvPicPr>
         <p:blipFill>
-          <a:blip r:embed="rId15"/>
+          <a:blip r:embed="rId3"/>
           <a:stretch/>
         </p:blipFill>
         <p:spPr>
           <a:xfrm>
             <a:off x="182880" y="6226200"/>
-            <a:ext cx="2390760" cy="547560"/>
+            <a:ext cx="2390400" cy="547200"/>
           </a:xfrm>
           <a:prstGeom prst="rect">
             <a:avLst/>
@@ -3587,18 +3314,18 @@
       </p:pic>
       <p:pic>
         <p:nvPicPr>
-          <p:cNvPr id="43" name="Immagine 11"/>
+          <p:cNvPr id="43" name="Immagine 11" descr=""/>
           <p:cNvPicPr/>
           <p:nvPr/>
         </p:nvPicPr>
         <p:blipFill>
-          <a:blip r:embed="rId16"/>
+          <a:blip r:embed="rId4"/>
           <a:stretch/>
         </p:blipFill>
         <p:spPr>
           <a:xfrm>
             <a:off x="4068720" y="6144840"/>
-            <a:ext cx="1306080" cy="695160"/>
+            <a:ext cx="1305720" cy="694800"/>
           </a:xfrm>
           <a:prstGeom prst="rect">
             <a:avLst/>
@@ -3621,22 +3348,30 @@
         <p:spPr>
           <a:xfrm>
             <a:off x="182880" y="90000"/>
-            <a:ext cx="8760240" cy="1141560"/>
-          </a:xfrm>
-          <a:prstGeom prst="rect">
-            <a:avLst/>
-          </a:prstGeom>
-        </p:spPr>
-        <p:txBody>
-          <a:bodyPr lIns="0" tIns="0" rIns="0" bIns="0" anchor="ctr"/>
-          <a:lstStyle/>
-          <a:p>
-            <a:r>
-              <a:rPr lang="it-IT" sz="1800" b="0" strike="noStrike" spc="-1">
+            <a:ext cx="8759880" cy="1141200"/>
+          </a:xfrm>
+          <a:prstGeom prst="rect">
+            <a:avLst/>
+          </a:prstGeom>
+        </p:spPr>
+        <p:txBody>
+          <a:bodyPr lIns="0" rIns="0" tIns="0" bIns="0" anchor="ctr"/>
+          <a:p>
+            <a:r>
+              <a:rPr b="0" lang="it-IT" sz="4400" spc="-1" strike="noStrike">
+                <a:solidFill>
+                  <a:srgbClr val="000000"/>
+                </a:solidFill>
                 <a:latin typeface="Arial"/>
               </a:rPr>
               <a:t>Click to edit the title text format</a:t>
             </a:r>
+            <a:endParaRPr b="0" lang="it-IT" sz="4400" spc="-1" strike="noStrike">
+              <a:solidFill>
+                <a:srgbClr val="000000"/>
+              </a:solidFill>
+              <a:latin typeface="Arial"/>
+            </a:endParaRPr>
           </a:p>
         </p:txBody>
       </p:sp>
@@ -3660,10 +3395,9 @@
           </a:prstGeom>
         </p:spPr>
         <p:txBody>
-          <a:bodyPr lIns="0" tIns="0" rIns="0" bIns="0">
+          <a:bodyPr lIns="0" rIns="0" tIns="0" bIns="0">
             <a:normAutofit/>
           </a:bodyPr>
-          <a:lstStyle/>
           <a:p>
             <a:pPr marL="432000" indent="-324000">
               <a:spcBef>
@@ -3677,14 +3411,23 @@
               <a:buChar char=""/>
             </a:pPr>
             <a:r>
-              <a:rPr lang="it-IT" sz="3200" b="0" strike="noStrike" spc="-1">
+              <a:rPr b="0" lang="it-IT" sz="2800" spc="-1" strike="noStrike">
+                <a:solidFill>
+                  <a:srgbClr val="000000"/>
+                </a:solidFill>
                 <a:latin typeface="Arial"/>
               </a:rPr>
               <a:t>Click to edit the outline text format</a:t>
             </a:r>
-          </a:p>
-          <a:p>
-            <a:pPr marL="864000" lvl="1" indent="-324000">
+            <a:endParaRPr b="0" lang="it-IT" sz="2800" spc="-1" strike="noStrike">
+              <a:solidFill>
+                <a:srgbClr val="000000"/>
+              </a:solidFill>
+              <a:latin typeface="Arial"/>
+            </a:endParaRPr>
+          </a:p>
+          <a:p>
+            <a:pPr lvl="1" marL="864000" indent="-324000">
               <a:spcBef>
                 <a:spcPts val="1134"/>
               </a:spcBef>
@@ -3696,14 +3439,23 @@
               <a:buChar char=""/>
             </a:pPr>
             <a:r>
-              <a:rPr lang="it-IT" sz="2800" b="0" strike="noStrike" spc="-1">
+              <a:rPr b="0" lang="it-IT" sz="2000" spc="-1" strike="noStrike">
+                <a:solidFill>
+                  <a:srgbClr val="000000"/>
+                </a:solidFill>
                 <a:latin typeface="Arial"/>
               </a:rPr>
               <a:t>Second Outline Level</a:t>
             </a:r>
-          </a:p>
-          <a:p>
-            <a:pPr marL="1296000" lvl="2" indent="-288000">
+            <a:endParaRPr b="0" lang="it-IT" sz="2000" spc="-1" strike="noStrike">
+              <a:solidFill>
+                <a:srgbClr val="000000"/>
+              </a:solidFill>
+              <a:latin typeface="Arial"/>
+            </a:endParaRPr>
+          </a:p>
+          <a:p>
+            <a:pPr lvl="2" marL="1296000" indent="-288000">
               <a:spcBef>
                 <a:spcPts val="850"/>
               </a:spcBef>
@@ -3715,14 +3467,23 @@
               <a:buChar char=""/>
             </a:pPr>
             <a:r>
-              <a:rPr lang="it-IT" sz="2400" b="0" strike="noStrike" spc="-1">
+              <a:rPr b="0" lang="it-IT" sz="1800" spc="-1" strike="noStrike">
+                <a:solidFill>
+                  <a:srgbClr val="000000"/>
+                </a:solidFill>
                 <a:latin typeface="Arial"/>
               </a:rPr>
               <a:t>Third Outline Level</a:t>
             </a:r>
-          </a:p>
-          <a:p>
-            <a:pPr marL="1728000" lvl="3" indent="-216000">
+            <a:endParaRPr b="0" lang="it-IT" sz="1800" spc="-1" strike="noStrike">
+              <a:solidFill>
+                <a:srgbClr val="000000"/>
+              </a:solidFill>
+              <a:latin typeface="Arial"/>
+            </a:endParaRPr>
+          </a:p>
+          <a:p>
+            <a:pPr lvl="3" marL="1728000" indent="-216000">
               <a:spcBef>
                 <a:spcPts val="567"/>
               </a:spcBef>
@@ -3734,14 +3495,23 @@
               <a:buChar char=""/>
             </a:pPr>
             <a:r>
-              <a:rPr lang="it-IT" sz="2000" b="0" strike="noStrike" spc="-1">
+              <a:rPr b="0" lang="it-IT" sz="1800" spc="-1" strike="noStrike">
+                <a:solidFill>
+                  <a:srgbClr val="000000"/>
+                </a:solidFill>
                 <a:latin typeface="Arial"/>
               </a:rPr>
               <a:t>Fourth Outline Level</a:t>
             </a:r>
-          </a:p>
-          <a:p>
-            <a:pPr marL="2160000" lvl="4" indent="-216000">
+            <a:endParaRPr b="0" lang="it-IT" sz="1800" spc="-1" strike="noStrike">
+              <a:solidFill>
+                <a:srgbClr val="000000"/>
+              </a:solidFill>
+              <a:latin typeface="Arial"/>
+            </a:endParaRPr>
+          </a:p>
+          <a:p>
+            <a:pPr lvl="4" marL="2160000" indent="-216000">
               <a:spcBef>
                 <a:spcPts val="283"/>
               </a:spcBef>
@@ -3753,14 +3523,23 @@
               <a:buChar char=""/>
             </a:pPr>
             <a:r>
-              <a:rPr lang="it-IT" sz="2000" b="0" strike="noStrike" spc="-1">
+              <a:rPr b="0" lang="it-IT" sz="2000" spc="-1" strike="noStrike">
+                <a:solidFill>
+                  <a:srgbClr val="000000"/>
+                </a:solidFill>
                 <a:latin typeface="Arial"/>
               </a:rPr>
               <a:t>Fifth Outline Level</a:t>
             </a:r>
-          </a:p>
-          <a:p>
-            <a:pPr marL="2592000" lvl="5" indent="-216000">
+            <a:endParaRPr b="0" lang="it-IT" sz="2000" spc="-1" strike="noStrike">
+              <a:solidFill>
+                <a:srgbClr val="000000"/>
+              </a:solidFill>
+              <a:latin typeface="Arial"/>
+            </a:endParaRPr>
+          </a:p>
+          <a:p>
+            <a:pPr lvl="5" marL="2592000" indent="-216000">
               <a:spcBef>
                 <a:spcPts val="283"/>
               </a:spcBef>
@@ -3772,14 +3551,23 @@
               <a:buChar char=""/>
             </a:pPr>
             <a:r>
-              <a:rPr lang="it-IT" sz="2000" b="0" strike="noStrike" spc="-1">
+              <a:rPr b="0" lang="it-IT" sz="2000" spc="-1" strike="noStrike">
+                <a:solidFill>
+                  <a:srgbClr val="000000"/>
+                </a:solidFill>
                 <a:latin typeface="Arial"/>
               </a:rPr>
               <a:t>Sixth Outline Level</a:t>
             </a:r>
-          </a:p>
-          <a:p>
-            <a:pPr marL="3024000" lvl="6" indent="-216000">
+            <a:endParaRPr b="0" lang="it-IT" sz="2000" spc="-1" strike="noStrike">
+              <a:solidFill>
+                <a:srgbClr val="000000"/>
+              </a:solidFill>
+              <a:latin typeface="Arial"/>
+            </a:endParaRPr>
+          </a:p>
+          <a:p>
+            <a:pPr lvl="6" marL="3024000" indent="-216000">
               <a:spcBef>
                 <a:spcPts val="283"/>
               </a:spcBef>
@@ -3791,316 +3579,45 @@
               <a:buChar char=""/>
             </a:pPr>
             <a:r>
-              <a:rPr lang="it-IT" sz="2000" b="0" strike="noStrike" spc="-1">
+              <a:rPr b="0" lang="it-IT" sz="2000" spc="-1" strike="noStrike">
+                <a:solidFill>
+                  <a:srgbClr val="000000"/>
+                </a:solidFill>
                 <a:latin typeface="Arial"/>
               </a:rPr>
               <a:t>Seventh Outline Level</a:t>
             </a:r>
+            <a:endParaRPr b="0" lang="it-IT" sz="2000" spc="-1" strike="noStrike">
+              <a:solidFill>
+                <a:srgbClr val="000000"/>
+              </a:solidFill>
+              <a:latin typeface="Arial"/>
+            </a:endParaRPr>
           </a:p>
         </p:txBody>
       </p:sp>
     </p:spTree>
   </p:cSld>
-  <p:clrMap bg1="lt1" tx1="dk1" bg2="lt2" tx2="dk2" accent1="accent1" accent2="accent2" accent3="accent3" accent4="accent4" accent5="accent5" accent6="accent6" hlink="hlink" folHlink="folHlink"/>
+  <p:clrMap bg1="lt1" bg2="lt2" tx1="dk1" tx2="dk2" accent1="accent1" accent2="accent2" accent3="accent3" accent4="accent4" accent5="accent5" accent6="accent6" hlink="hlink" folHlink="folHlink"/>
   <p:sldLayoutIdLst>
-    <p:sldLayoutId id="2147483662" r:id="rId1"/>
-    <p:sldLayoutId id="2147483663" r:id="rId2"/>
-    <p:sldLayoutId id="2147483664" r:id="rId3"/>
-    <p:sldLayoutId id="2147483665" r:id="rId4"/>
-    <p:sldLayoutId id="2147483666" r:id="rId5"/>
-    <p:sldLayoutId id="2147483667" r:id="rId6"/>
-    <p:sldLayoutId id="2147483668" r:id="rId7"/>
-    <p:sldLayoutId id="2147483669" r:id="rId8"/>
-    <p:sldLayoutId id="2147483670" r:id="rId9"/>
-    <p:sldLayoutId id="2147483671" r:id="rId10"/>
-    <p:sldLayoutId id="2147483672" r:id="rId11"/>
-    <p:sldLayoutId id="2147483673" r:id="rId12"/>
+    <p:sldLayoutId id="2147483662" r:id="rId5"/>
+    <p:sldLayoutId id="2147483663" r:id="rId6"/>
+    <p:sldLayoutId id="2147483664" r:id="rId7"/>
+    <p:sldLayoutId id="2147483665" r:id="rId8"/>
+    <p:sldLayoutId id="2147483666" r:id="rId9"/>
+    <p:sldLayoutId id="2147483667" r:id="rId10"/>
+    <p:sldLayoutId id="2147483668" r:id="rId11"/>
+    <p:sldLayoutId id="2147483669" r:id="rId12"/>
+    <p:sldLayoutId id="2147483670" r:id="rId13"/>
+    <p:sldLayoutId id="2147483671" r:id="rId14"/>
+    <p:sldLayoutId id="2147483672" r:id="rId15"/>
+    <p:sldLayoutId id="2147483673" r:id="rId16"/>
   </p:sldLayoutIdLst>
-  <p:txStyles>
-    <p:titleStyle>
-      <a:lvl1pPr algn="l" defTabSz="914400" rtl="0" eaLnBrk="1" latinLnBrk="0" hangingPunct="1">
-        <a:lnSpc>
-          <a:spcPct val="90000"/>
-        </a:lnSpc>
-        <a:spcBef>
-          <a:spcPct val="0"/>
-        </a:spcBef>
-        <a:buNone/>
-        <a:defRPr sz="4400" kern="1200">
-          <a:solidFill>
-            <a:schemeClr val="tx1"/>
-          </a:solidFill>
-          <a:latin typeface="+mj-lt"/>
-          <a:ea typeface="+mj-ea"/>
-          <a:cs typeface="+mj-cs"/>
-        </a:defRPr>
-      </a:lvl1pPr>
-    </p:titleStyle>
-    <p:bodyStyle>
-      <a:lvl1pPr marL="228600" indent="-228600" algn="l" defTabSz="914400" rtl="0" eaLnBrk="1" latinLnBrk="0" hangingPunct="1">
-        <a:lnSpc>
-          <a:spcPct val="90000"/>
-        </a:lnSpc>
-        <a:spcBef>
-          <a:spcPts val="1000"/>
-        </a:spcBef>
-        <a:buFont typeface="Arial" panose="020B0604020202020204" pitchFamily="34" charset="0"/>
-        <a:buChar char="•"/>
-        <a:defRPr sz="2800" kern="1200">
-          <a:solidFill>
-            <a:schemeClr val="tx1"/>
-          </a:solidFill>
-          <a:latin typeface="+mn-lt"/>
-          <a:ea typeface="+mn-ea"/>
-          <a:cs typeface="+mn-cs"/>
-        </a:defRPr>
-      </a:lvl1pPr>
-      <a:lvl2pPr marL="685800" indent="-228600" algn="l" defTabSz="914400" rtl="0" eaLnBrk="1" latinLnBrk="0" hangingPunct="1">
-        <a:lnSpc>
-          <a:spcPct val="90000"/>
-        </a:lnSpc>
-        <a:spcBef>
-          <a:spcPts val="500"/>
-        </a:spcBef>
-        <a:buFont typeface="Arial" panose="020B0604020202020204" pitchFamily="34" charset="0"/>
-        <a:buChar char="•"/>
-        <a:defRPr sz="2400" kern="1200">
-          <a:solidFill>
-            <a:schemeClr val="tx1"/>
-          </a:solidFill>
-          <a:latin typeface="+mn-lt"/>
-          <a:ea typeface="+mn-ea"/>
-          <a:cs typeface="+mn-cs"/>
-        </a:defRPr>
-      </a:lvl2pPr>
-      <a:lvl3pPr marL="1143000" indent="-228600" algn="l" defTabSz="914400" rtl="0" eaLnBrk="1" latinLnBrk="0" hangingPunct="1">
-        <a:lnSpc>
-          <a:spcPct val="90000"/>
-        </a:lnSpc>
-        <a:spcBef>
-          <a:spcPts val="500"/>
-        </a:spcBef>
-        <a:buFont typeface="Arial" panose="020B0604020202020204" pitchFamily="34" charset="0"/>
-        <a:buChar char="•"/>
-        <a:defRPr sz="2000" kern="1200">
-          <a:solidFill>
-            <a:schemeClr val="tx1"/>
-          </a:solidFill>
-          <a:latin typeface="+mn-lt"/>
-          <a:ea typeface="+mn-ea"/>
-          <a:cs typeface="+mn-cs"/>
-        </a:defRPr>
-      </a:lvl3pPr>
-      <a:lvl4pPr marL="1600200" indent="-228600" algn="l" defTabSz="914400" rtl="0" eaLnBrk="1" latinLnBrk="0" hangingPunct="1">
-        <a:lnSpc>
-          <a:spcPct val="90000"/>
-        </a:lnSpc>
-        <a:spcBef>
-          <a:spcPts val="500"/>
-        </a:spcBef>
-        <a:buFont typeface="Arial" panose="020B0604020202020204" pitchFamily="34" charset="0"/>
-        <a:buChar char="•"/>
-        <a:defRPr sz="1800" kern="1200">
-          <a:solidFill>
-            <a:schemeClr val="tx1"/>
-          </a:solidFill>
-          <a:latin typeface="+mn-lt"/>
-          <a:ea typeface="+mn-ea"/>
-          <a:cs typeface="+mn-cs"/>
-        </a:defRPr>
-      </a:lvl4pPr>
-      <a:lvl5pPr marL="2057400" indent="-228600" algn="l" defTabSz="914400" rtl="0" eaLnBrk="1" latinLnBrk="0" hangingPunct="1">
-        <a:lnSpc>
-          <a:spcPct val="90000"/>
-        </a:lnSpc>
-        <a:spcBef>
-          <a:spcPts val="500"/>
-        </a:spcBef>
-        <a:buFont typeface="Arial" panose="020B0604020202020204" pitchFamily="34" charset="0"/>
-        <a:buChar char="•"/>
-        <a:defRPr sz="1800" kern="1200">
-          <a:solidFill>
-            <a:schemeClr val="tx1"/>
-          </a:solidFill>
-          <a:latin typeface="+mn-lt"/>
-          <a:ea typeface="+mn-ea"/>
-          <a:cs typeface="+mn-cs"/>
-        </a:defRPr>
-      </a:lvl5pPr>
-      <a:lvl6pPr marL="2514600" indent="-228600" algn="l" defTabSz="914400" rtl="0" eaLnBrk="1" latinLnBrk="0" hangingPunct="1">
-        <a:lnSpc>
-          <a:spcPct val="90000"/>
-        </a:lnSpc>
-        <a:spcBef>
-          <a:spcPts val="500"/>
-        </a:spcBef>
-        <a:buFont typeface="Arial" panose="020B0604020202020204" pitchFamily="34" charset="0"/>
-        <a:buChar char="•"/>
-        <a:defRPr sz="1800" kern="1200">
-          <a:solidFill>
-            <a:schemeClr val="tx1"/>
-          </a:solidFill>
-          <a:latin typeface="+mn-lt"/>
-          <a:ea typeface="+mn-ea"/>
-          <a:cs typeface="+mn-cs"/>
-        </a:defRPr>
-      </a:lvl6pPr>
-      <a:lvl7pPr marL="2971800" indent="-228600" algn="l" defTabSz="914400" rtl="0" eaLnBrk="1" latinLnBrk="0" hangingPunct="1">
-        <a:lnSpc>
-          <a:spcPct val="90000"/>
-        </a:lnSpc>
-        <a:spcBef>
-          <a:spcPts val="500"/>
-        </a:spcBef>
-        <a:buFont typeface="Arial" panose="020B0604020202020204" pitchFamily="34" charset="0"/>
-        <a:buChar char="•"/>
-        <a:defRPr sz="1800" kern="1200">
-          <a:solidFill>
-            <a:schemeClr val="tx1"/>
-          </a:solidFill>
-          <a:latin typeface="+mn-lt"/>
-          <a:ea typeface="+mn-ea"/>
-          <a:cs typeface="+mn-cs"/>
-        </a:defRPr>
-      </a:lvl7pPr>
-      <a:lvl8pPr marL="3429000" indent="-228600" algn="l" defTabSz="914400" rtl="0" eaLnBrk="1" latinLnBrk="0" hangingPunct="1">
-        <a:lnSpc>
-          <a:spcPct val="90000"/>
-        </a:lnSpc>
-        <a:spcBef>
-          <a:spcPts val="500"/>
-        </a:spcBef>
-        <a:buFont typeface="Arial" panose="020B0604020202020204" pitchFamily="34" charset="0"/>
-        <a:buChar char="•"/>
-        <a:defRPr sz="1800" kern="1200">
-          <a:solidFill>
-            <a:schemeClr val="tx1"/>
-          </a:solidFill>
-          <a:latin typeface="+mn-lt"/>
-          <a:ea typeface="+mn-ea"/>
-          <a:cs typeface="+mn-cs"/>
-        </a:defRPr>
-      </a:lvl8pPr>
-      <a:lvl9pPr marL="3886200" indent="-228600" algn="l" defTabSz="914400" rtl="0" eaLnBrk="1" latinLnBrk="0" hangingPunct="1">
-        <a:lnSpc>
-          <a:spcPct val="90000"/>
-        </a:lnSpc>
-        <a:spcBef>
-          <a:spcPts val="500"/>
-        </a:spcBef>
-        <a:buFont typeface="Arial" panose="020B0604020202020204" pitchFamily="34" charset="0"/>
-        <a:buChar char="•"/>
-        <a:defRPr sz="1800" kern="1200">
-          <a:solidFill>
-            <a:schemeClr val="tx1"/>
-          </a:solidFill>
-          <a:latin typeface="+mn-lt"/>
-          <a:ea typeface="+mn-ea"/>
-          <a:cs typeface="+mn-cs"/>
-        </a:defRPr>
-      </a:lvl9pPr>
-    </p:bodyStyle>
-    <p:otherStyle>
-      <a:defPPr>
-        <a:defRPr lang="it-IT"/>
-      </a:defPPr>
-      <a:lvl1pPr marL="0" algn="l" defTabSz="914400" rtl="0" eaLnBrk="1" latinLnBrk="0" hangingPunct="1">
-        <a:defRPr sz="1800" kern="1200">
-          <a:solidFill>
-            <a:schemeClr val="tx1"/>
-          </a:solidFill>
-          <a:latin typeface="+mn-lt"/>
-          <a:ea typeface="+mn-ea"/>
-          <a:cs typeface="+mn-cs"/>
-        </a:defRPr>
-      </a:lvl1pPr>
-      <a:lvl2pPr marL="457200" algn="l" defTabSz="914400" rtl="0" eaLnBrk="1" latinLnBrk="0" hangingPunct="1">
-        <a:defRPr sz="1800" kern="1200">
-          <a:solidFill>
-            <a:schemeClr val="tx1"/>
-          </a:solidFill>
-          <a:latin typeface="+mn-lt"/>
-          <a:ea typeface="+mn-ea"/>
-          <a:cs typeface="+mn-cs"/>
-        </a:defRPr>
-      </a:lvl2pPr>
-      <a:lvl3pPr marL="914400" algn="l" defTabSz="914400" rtl="0" eaLnBrk="1" latinLnBrk="0" hangingPunct="1">
-        <a:defRPr sz="1800" kern="1200">
-          <a:solidFill>
-            <a:schemeClr val="tx1"/>
-          </a:solidFill>
-          <a:latin typeface="+mn-lt"/>
-          <a:ea typeface="+mn-ea"/>
-          <a:cs typeface="+mn-cs"/>
-        </a:defRPr>
-      </a:lvl3pPr>
-      <a:lvl4pPr marL="1371600" algn="l" defTabSz="914400" rtl="0" eaLnBrk="1" latinLnBrk="0" hangingPunct="1">
-        <a:defRPr sz="1800" kern="1200">
-          <a:solidFill>
-            <a:schemeClr val="tx1"/>
-          </a:solidFill>
-          <a:latin typeface="+mn-lt"/>
-          <a:ea typeface="+mn-ea"/>
-          <a:cs typeface="+mn-cs"/>
-        </a:defRPr>
-      </a:lvl4pPr>
-      <a:lvl5pPr marL="1828800" algn="l" defTabSz="914400" rtl="0" eaLnBrk="1" latinLnBrk="0" hangingPunct="1">
-        <a:defRPr sz="1800" kern="1200">
-          <a:solidFill>
-            <a:schemeClr val="tx1"/>
-          </a:solidFill>
-          <a:latin typeface="+mn-lt"/>
-          <a:ea typeface="+mn-ea"/>
-          <a:cs typeface="+mn-cs"/>
-        </a:defRPr>
-      </a:lvl5pPr>
-      <a:lvl6pPr marL="2286000" algn="l" defTabSz="914400" rtl="0" eaLnBrk="1" latinLnBrk="0" hangingPunct="1">
-        <a:defRPr sz="1800" kern="1200">
-          <a:solidFill>
-            <a:schemeClr val="tx1"/>
-          </a:solidFill>
-          <a:latin typeface="+mn-lt"/>
-          <a:ea typeface="+mn-ea"/>
-          <a:cs typeface="+mn-cs"/>
-        </a:defRPr>
-      </a:lvl6pPr>
-      <a:lvl7pPr marL="2743200" algn="l" defTabSz="914400" rtl="0" eaLnBrk="1" latinLnBrk="0" hangingPunct="1">
-        <a:defRPr sz="1800" kern="1200">
-          <a:solidFill>
-            <a:schemeClr val="tx1"/>
-          </a:solidFill>
-          <a:latin typeface="+mn-lt"/>
-          <a:ea typeface="+mn-ea"/>
-          <a:cs typeface="+mn-cs"/>
-        </a:defRPr>
-      </a:lvl7pPr>
-      <a:lvl8pPr marL="3200400" algn="l" defTabSz="914400" rtl="0" eaLnBrk="1" latinLnBrk="0" hangingPunct="1">
-        <a:defRPr sz="1800" kern="1200">
-          <a:solidFill>
-            <a:schemeClr val="tx1"/>
-          </a:solidFill>
-          <a:latin typeface="+mn-lt"/>
-          <a:ea typeface="+mn-ea"/>
-          <a:cs typeface="+mn-cs"/>
-        </a:defRPr>
-      </a:lvl8pPr>
-      <a:lvl9pPr marL="3657600" algn="l" defTabSz="914400" rtl="0" eaLnBrk="1" latinLnBrk="0" hangingPunct="1">
-        <a:defRPr sz="1800" kern="1200">
-          <a:solidFill>
-            <a:schemeClr val="tx1"/>
-          </a:solidFill>
-          <a:latin typeface="+mn-lt"/>
-          <a:ea typeface="+mn-ea"/>
-          <a:cs typeface="+mn-cs"/>
-        </a:defRPr>
-      </a:lvl9pPr>
-    </p:otherStyle>
-  </p:txStyles>
 </p:sldMaster>
 </file>
 
 <file path=ppt/slides/slide1.xml><?xml version="1.0" encoding="utf-8"?>
-<p:sld xmlns:a="http://schemas.openxmlformats.org/drawingml/2006/main" xmlns:r="http://schemas.openxmlformats.org/officeDocument/2006/relationships" xmlns:p="http://schemas.openxmlformats.org/presentationml/2006/main">
+<p:sld xmlns:a="http://schemas.openxmlformats.org/drawingml/2006/main" xmlns:p="http://schemas.openxmlformats.org/presentationml/2006/main" xmlns:r="http://schemas.openxmlformats.org/officeDocument/2006/relationships" xmlns:p14="http://schemas.microsoft.com/office/powerpoint/2010/main" xmlns:p15="http://schemas.microsoft.com/office/powerpoint/2012/main" xmlns:mc="http://schemas.openxmlformats.org/markup-compatibility/2006">
   <p:cSld>
     <p:spTree>
       <p:nvGrpSpPr>
@@ -4125,7 +3642,7 @@
         <p:spPr>
           <a:xfrm>
             <a:off x="0" y="1000080"/>
-            <a:ext cx="9142560" cy="3241440"/>
+            <a:ext cx="9142200" cy="3241080"/>
           </a:xfrm>
           <a:prstGeom prst="rect">
             <a:avLst/>
@@ -4136,22 +3653,15 @@
           </a:ln>
         </p:spPr>
         <p:style>
-          <a:lnRef idx="0">
-            <a:scrgbClr r="0" g="0" b="0"/>
-          </a:lnRef>
-          <a:fillRef idx="0">
-            <a:scrgbClr r="0" g="0" b="0"/>
-          </a:fillRef>
-          <a:effectRef idx="0">
-            <a:scrgbClr r="0" g="0" b="0"/>
-          </a:effectRef>
+          <a:lnRef idx="0"/>
+          <a:fillRef idx="0"/>
+          <a:effectRef idx="0"/>
           <a:fontRef idx="minor"/>
         </p:style>
         <p:txBody>
-          <a:bodyPr lIns="90000" tIns="45000" rIns="90000" bIns="45000" anchor="ctr">
+          <a:bodyPr lIns="90000" rIns="90000" tIns="45000" bIns="45000" anchor="ctr">
             <a:normAutofit/>
           </a:bodyPr>
-          <a:lstStyle/>
           <a:p>
             <a:pPr algn="ctr">
               <a:lnSpc>
@@ -4159,7 +3669,7 @@
               </a:lnSpc>
             </a:pPr>
             <a:r>
-              <a:rPr lang="it-IT" sz="3200" b="0" strike="noStrike" spc="-1">
+              <a:rPr b="0" lang="it-IT" sz="3200" spc="-1" strike="noStrike">
                 <a:solidFill>
                   <a:srgbClr val="000000"/>
                 </a:solidFill>
@@ -4170,7 +3680,7 @@
             </a:r>
             <a:br/>
             <a:r>
-              <a:rPr lang="it-IT" sz="3200" b="1" i="1" strike="noStrike" spc="-1">
+              <a:rPr b="1" i="1" lang="it-IT" sz="3200" spc="-1" strike="noStrike">
                 <a:solidFill>
                   <a:srgbClr val="000000"/>
                 </a:solidFill>
@@ -4182,7 +3692,7 @@
             <a:br/>
             <a:br/>
             <a:r>
-              <a:rPr lang="it-IT" sz="3200" b="1" i="1" strike="noStrike" spc="-1">
+              <a:rPr b="1" i="1" lang="it-IT" sz="3200" spc="-1" strike="noStrike">
                 <a:solidFill>
                   <a:srgbClr val="000000"/>
                 </a:solidFill>
@@ -4192,7 +3702,7 @@
               <a:t>StockSim: stock portfolio simulator</a:t>
             </a:r>
             <a:br/>
-            <a:endParaRPr lang="it-IT" sz="3200" b="0" strike="noStrike" spc="-1">
+            <a:endParaRPr b="0" lang="it-IT" sz="3200" spc="-1" strike="noStrike">
               <a:latin typeface="Arial"/>
             </a:endParaRPr>
           </a:p>
@@ -4207,7 +3717,7 @@
         <p:spPr>
           <a:xfrm>
             <a:off x="1371600" y="4102200"/>
-            <a:ext cx="6399360" cy="1751040"/>
+            <a:ext cx="6399000" cy="1750680"/>
           </a:xfrm>
           <a:prstGeom prst="rect">
             <a:avLst/>
@@ -4218,20 +3728,13 @@
           </a:ln>
         </p:spPr>
         <p:style>
-          <a:lnRef idx="0">
-            <a:scrgbClr r="0" g="0" b="0"/>
-          </a:lnRef>
-          <a:fillRef idx="0">
-            <a:scrgbClr r="0" g="0" b="0"/>
-          </a:fillRef>
-          <a:effectRef idx="0">
-            <a:scrgbClr r="0" g="0" b="0"/>
-          </a:effectRef>
+          <a:lnRef idx="0"/>
+          <a:fillRef idx="0"/>
+          <a:effectRef idx="0"/>
           <a:fontRef idx="minor"/>
         </p:style>
         <p:txBody>
-          <a:bodyPr lIns="90000" tIns="45000" rIns="90000" bIns="45000"/>
-          <a:lstStyle/>
+          <a:bodyPr lIns="90000" rIns="90000" tIns="45000" bIns="45000"/>
           <a:p>
             <a:pPr algn="ctr">
               <a:lnSpc>
@@ -4242,16 +3745,16 @@
               </a:spcBef>
             </a:pPr>
             <a:r>
-              <a:rPr lang="it-IT" sz="3200" b="0" strike="noStrike" spc="-1">
-                <a:solidFill>
-                  <a:srgbClr val="8B8B8B"/>
+              <a:rPr b="0" lang="it-IT" sz="3200" spc="-1" strike="noStrike">
+                <a:solidFill>
+                  <a:srgbClr val="8b8b8b"/>
                 </a:solidFill>
                 <a:latin typeface="Arial"/>
                 <a:ea typeface="DejaVu Sans"/>
               </a:rPr>
               <a:t>Yuri Mazzuoli, Rambod Rahmani, Marco Pinna</a:t>
             </a:r>
-            <a:endParaRPr lang="it-IT" sz="3200" b="0" strike="noStrike" spc="-1">
+            <a:endParaRPr b="0" lang="it-IT" sz="3200" spc="-1" strike="noStrike">
               <a:latin typeface="Arial"/>
             </a:endParaRPr>
           </a:p>
@@ -4259,9 +3762,6 @@
       </p:sp>
     </p:spTree>
   </p:cSld>
-  <p:clrMapOvr>
-    <a:masterClrMapping/>
-  </p:clrMapOvr>
   <p:timing>
     <p:tnLst>
       <p:par>
@@ -4270,14 +3770,14 @@
             <p:seq>
               <p:cTn id="2" dur="indefinite" nodeType="mainSeq"/>
               <p:prevCondLst>
-                <p:cond evt="onPrev" delay="0">
+                <p:cond delay="0" evt="onPrev">
                   <p:tgtEl>
                     <p:sldTgt/>
                   </p:tgtEl>
                 </p:cond>
               </p:prevCondLst>
               <p:nextCondLst>
-                <p:cond evt="onNext" delay="0">
+                <p:cond delay="0" evt="onNext">
                   <p:tgtEl>
                     <p:sldTgt/>
                   </p:tgtEl>
@@ -4293,7 +3793,7 @@
 </file>
 
 <file path=ppt/slides/slide2.xml><?xml version="1.0" encoding="utf-8"?>
-<p:sld xmlns:a="http://schemas.openxmlformats.org/drawingml/2006/main" xmlns:r="http://schemas.openxmlformats.org/officeDocument/2006/relationships" xmlns:p="http://schemas.openxmlformats.org/presentationml/2006/main">
+<p:sld xmlns:a="http://schemas.openxmlformats.org/drawingml/2006/main" xmlns:p="http://schemas.openxmlformats.org/presentationml/2006/main" xmlns:r="http://schemas.openxmlformats.org/officeDocument/2006/relationships" xmlns:p14="http://schemas.microsoft.com/office/powerpoint/2010/main" xmlns:p15="http://schemas.microsoft.com/office/powerpoint/2012/main" xmlns:mc="http://schemas.openxmlformats.org/markup-compatibility/2006">
   <p:cSld>
     <p:spTree>
       <p:nvGrpSpPr>
@@ -4318,7 +3818,7 @@
         <p:spPr>
           <a:xfrm>
             <a:off x="182880" y="90000"/>
-            <a:ext cx="8760240" cy="1141560"/>
+            <a:ext cx="8759880" cy="1141200"/>
           </a:xfrm>
           <a:prstGeom prst="rect">
             <a:avLst/>
@@ -4329,20 +3829,13 @@
           </a:ln>
         </p:spPr>
         <p:style>
-          <a:lnRef idx="0">
-            <a:scrgbClr r="0" g="0" b="0"/>
-          </a:lnRef>
-          <a:fillRef idx="0">
-            <a:scrgbClr r="0" g="0" b="0"/>
-          </a:fillRef>
-          <a:effectRef idx="0">
-            <a:scrgbClr r="0" g="0" b="0"/>
-          </a:effectRef>
+          <a:lnRef idx="0"/>
+          <a:fillRef idx="0"/>
+          <a:effectRef idx="0"/>
           <a:fontRef idx="minor"/>
         </p:style>
         <p:txBody>
-          <a:bodyPr lIns="90000" tIns="45000" rIns="90000" bIns="45000" anchor="ctr"/>
-          <a:lstStyle/>
+          <a:bodyPr lIns="90000" rIns="90000" tIns="45000" bIns="45000" anchor="ctr"/>
           <a:p>
             <a:pPr algn="ctr">
               <a:lnSpc>
@@ -4350,7 +3843,7 @@
               </a:lnSpc>
             </a:pPr>
             <a:r>
-              <a:rPr lang="it-IT" sz="4400" b="0" strike="noStrike" spc="-1">
+              <a:rPr b="0" lang="it-IT" sz="4400" spc="-1" strike="noStrike">
                 <a:solidFill>
                   <a:srgbClr val="000000"/>
                 </a:solidFill>
@@ -4359,7 +3852,7 @@
               </a:rPr>
               <a:t>Application Highlights</a:t>
             </a:r>
-            <a:endParaRPr lang="it-IT" sz="4400" b="0" strike="noStrike" spc="-1">
+            <a:endParaRPr b="0" lang="it-IT" sz="4400" spc="-1" strike="noStrike">
               <a:latin typeface="Arial"/>
             </a:endParaRPr>
           </a:p>
@@ -4374,7 +3867,7 @@
         <p:spPr>
           <a:xfrm>
             <a:off x="424440" y="1404360"/>
-            <a:ext cx="8342640" cy="3929040"/>
+            <a:ext cx="8342280" cy="3928680"/>
           </a:xfrm>
           <a:prstGeom prst="rect">
             <a:avLst/>
@@ -4385,22 +3878,40 @@
           </a:ln>
         </p:spPr>
         <p:style>
-          <a:lnRef idx="0">
-            <a:scrgbClr r="0" g="0" b="0"/>
-          </a:lnRef>
-          <a:fillRef idx="0">
-            <a:scrgbClr r="0" g="0" b="0"/>
-          </a:fillRef>
-          <a:effectRef idx="0">
-            <a:scrgbClr r="0" g="0" b="0"/>
-          </a:effectRef>
+          <a:lnRef idx="0"/>
+          <a:fillRef idx="0"/>
+          <a:effectRef idx="0"/>
           <a:fontRef idx="minor"/>
         </p:style>
         <p:txBody>
-          <a:bodyPr lIns="90000" tIns="45000" rIns="90000" bIns="45000"/>
-          <a:lstStyle/>
-          <a:p>
-            <a:pPr marL="285840" indent="-284400">
+          <a:bodyPr lIns="90000" rIns="90000" tIns="45000" bIns="45000"/>
+          <a:p>
+            <a:pPr marL="285840" indent="-284040">
+              <a:lnSpc>
+                <a:spcPct val="115000"/>
+              </a:lnSpc>
+              <a:buClr>
+                <a:srgbClr val="000000"/>
+              </a:buClr>
+              <a:buFont typeface="Symbol"/>
+              <a:buChar char=""/>
+            </a:pPr>
+            <a:r>
+              <a:rPr b="0" lang="it-IT" sz="1800" spc="-1" strike="noStrike">
+                <a:solidFill>
+                  <a:srgbClr val="000000"/>
+                </a:solidFill>
+                <a:latin typeface="Arial"/>
+                <a:ea typeface="DejaVu Sans"/>
+              </a:rPr>
+              <a:t>StockSim is a Java Application which allows users to simulate stock portfolios using statistical models built using NASDAQ historical data.</a:t>
+            </a:r>
+            <a:endParaRPr b="0" lang="it-IT" sz="1800" spc="-1" strike="noStrike">
+              <a:latin typeface="Arial"/>
+            </a:endParaRPr>
+          </a:p>
+          <a:p>
+            <a:pPr marL="285840" indent="-284040">
               <a:lnSpc>
                 <a:spcPct val="150000"/>
               </a:lnSpc>
@@ -4411,191 +3922,21 @@
               <a:buChar char=""/>
             </a:pPr>
             <a:r>
-              <a:rPr lang="it-IT" sz="1800" b="0" strike="noStrike" spc="-1" dirty="0" err="1">
+              <a:rPr b="0" lang="it-IT" sz="1800" spc="-1" strike="noStrike">
                 <a:solidFill>
                   <a:srgbClr val="000000"/>
                 </a:solidFill>
                 <a:latin typeface="Arial"/>
                 <a:ea typeface="DejaVu Sans"/>
               </a:rPr>
-              <a:t>StockSim</a:t>
-            </a:r>
-            <a:r>
-              <a:rPr lang="it-IT" sz="1800" b="0" strike="noStrike" spc="-1" dirty="0">
-                <a:solidFill>
-                  <a:srgbClr val="000000"/>
-                </a:solidFill>
-                <a:latin typeface="Arial"/>
-                <a:ea typeface="DejaVu Sans"/>
-              </a:rPr>
-              <a:t> </a:t>
-            </a:r>
-            <a:r>
-              <a:rPr lang="it-IT" sz="1800" b="0" strike="noStrike" spc="-1" dirty="0" err="1">
-                <a:solidFill>
-                  <a:srgbClr val="000000"/>
-                </a:solidFill>
-                <a:latin typeface="Arial"/>
-                <a:ea typeface="DejaVu Sans"/>
-              </a:rPr>
-              <a:t>is</a:t>
-            </a:r>
-            <a:r>
-              <a:rPr lang="it-IT" sz="1800" b="0" strike="noStrike" spc="-1" dirty="0">
-                <a:solidFill>
-                  <a:srgbClr val="000000"/>
-                </a:solidFill>
-                <a:latin typeface="Arial"/>
-                <a:ea typeface="DejaVu Sans"/>
-              </a:rPr>
-              <a:t> a Java Application </a:t>
-            </a:r>
-            <a:r>
-              <a:rPr lang="it-IT" sz="1800" b="0" strike="noStrike" spc="-1" dirty="0" err="1">
-                <a:solidFill>
-                  <a:srgbClr val="000000"/>
-                </a:solidFill>
-                <a:latin typeface="Arial"/>
-                <a:ea typeface="DejaVu Sans"/>
-              </a:rPr>
-              <a:t>which</a:t>
-            </a:r>
-            <a:r>
-              <a:rPr lang="it-IT" sz="1800" b="0" strike="noStrike" spc="-1" dirty="0">
-                <a:solidFill>
-                  <a:srgbClr val="000000"/>
-                </a:solidFill>
-                <a:latin typeface="Arial"/>
-                <a:ea typeface="DejaVu Sans"/>
-              </a:rPr>
-              <a:t> </a:t>
-            </a:r>
-            <a:r>
-              <a:rPr lang="it-IT" sz="1800" b="0" strike="noStrike" spc="-1" dirty="0" err="1">
-                <a:solidFill>
-                  <a:srgbClr val="000000"/>
-                </a:solidFill>
-                <a:latin typeface="Arial"/>
-                <a:ea typeface="DejaVu Sans"/>
-              </a:rPr>
-              <a:t>allows</a:t>
-            </a:r>
-            <a:r>
-              <a:rPr lang="it-IT" sz="1800" b="0" strike="noStrike" spc="-1" dirty="0">
-                <a:solidFill>
-                  <a:srgbClr val="000000"/>
-                </a:solidFill>
-                <a:latin typeface="Arial"/>
-                <a:ea typeface="DejaVu Sans"/>
-              </a:rPr>
-              <a:t> users to simulate stock portfolios </a:t>
-            </a:r>
-            <a:r>
-              <a:rPr lang="it-IT" sz="1800" b="0" strike="noStrike" spc="-1" dirty="0" err="1">
-                <a:solidFill>
-                  <a:srgbClr val="000000"/>
-                </a:solidFill>
-                <a:latin typeface="Arial"/>
-                <a:ea typeface="DejaVu Sans"/>
-              </a:rPr>
-              <a:t>using</a:t>
-            </a:r>
-            <a:r>
-              <a:rPr lang="it-IT" sz="1800" b="0" strike="noStrike" spc="-1" dirty="0">
-                <a:solidFill>
-                  <a:srgbClr val="000000"/>
-                </a:solidFill>
-                <a:latin typeface="Arial"/>
-                <a:ea typeface="DejaVu Sans"/>
-              </a:rPr>
-              <a:t> </a:t>
-            </a:r>
-            <a:r>
-              <a:rPr lang="it-IT" sz="1800" b="0" strike="noStrike" spc="-1" dirty="0" err="1">
-                <a:solidFill>
-                  <a:srgbClr val="000000"/>
-                </a:solidFill>
-                <a:latin typeface="Arial"/>
-                <a:ea typeface="DejaVu Sans"/>
-              </a:rPr>
-              <a:t>statistical</a:t>
-            </a:r>
-            <a:r>
-              <a:rPr lang="it-IT" sz="1800" b="0" strike="noStrike" spc="-1" dirty="0">
-                <a:solidFill>
-                  <a:srgbClr val="000000"/>
-                </a:solidFill>
-                <a:latin typeface="Arial"/>
-                <a:ea typeface="DejaVu Sans"/>
-              </a:rPr>
-              <a:t> models </a:t>
-            </a:r>
-            <a:r>
-              <a:rPr lang="it-IT" sz="1800" b="0" strike="noStrike" spc="-1" dirty="0" err="1">
-                <a:solidFill>
-                  <a:srgbClr val="000000"/>
-                </a:solidFill>
-                <a:latin typeface="Arial"/>
-                <a:ea typeface="DejaVu Sans"/>
-              </a:rPr>
-              <a:t>built</a:t>
-            </a:r>
-            <a:r>
-              <a:rPr lang="it-IT" sz="1800" b="0" strike="noStrike" spc="-1" dirty="0">
-                <a:solidFill>
-                  <a:srgbClr val="000000"/>
-                </a:solidFill>
-                <a:latin typeface="Arial"/>
-                <a:ea typeface="DejaVu Sans"/>
-              </a:rPr>
-              <a:t> </a:t>
-            </a:r>
-            <a:r>
-              <a:rPr lang="it-IT" sz="1800" b="0" strike="noStrike" spc="-1" dirty="0" err="1">
-                <a:solidFill>
-                  <a:srgbClr val="000000"/>
-                </a:solidFill>
-                <a:latin typeface="Arial"/>
-                <a:ea typeface="DejaVu Sans"/>
-              </a:rPr>
-              <a:t>using</a:t>
-            </a:r>
-            <a:r>
-              <a:rPr lang="it-IT" sz="1800" b="0" strike="noStrike" spc="-1" dirty="0">
-                <a:solidFill>
-                  <a:srgbClr val="000000"/>
-                </a:solidFill>
-                <a:latin typeface="Arial"/>
-                <a:ea typeface="DejaVu Sans"/>
-              </a:rPr>
-              <a:t> NASDAQ </a:t>
-            </a:r>
-            <a:r>
-              <a:rPr lang="it-IT" sz="1800" b="0" strike="noStrike" spc="-1" dirty="0" err="1">
-                <a:solidFill>
-                  <a:srgbClr val="000000"/>
-                </a:solidFill>
-                <a:latin typeface="Arial"/>
-                <a:ea typeface="DejaVu Sans"/>
-              </a:rPr>
-              <a:t>historical</a:t>
-            </a:r>
-            <a:r>
-              <a:rPr lang="it-IT" sz="1800" b="0" strike="noStrike" spc="-1" dirty="0">
-                <a:solidFill>
-                  <a:srgbClr val="000000"/>
-                </a:solidFill>
-                <a:latin typeface="Arial"/>
-                <a:ea typeface="DejaVu Sans"/>
-              </a:rPr>
-              <a:t> data.</a:t>
-            </a:r>
-            <a:endParaRPr lang="it-IT" sz="1800" b="0" strike="noStrike" spc="-1" dirty="0">
-              <a:latin typeface="Arial"/>
-            </a:endParaRPr>
-          </a:p>
-          <a:p>
-            <a:pPr marL="285840" indent="-284400">
+              <a:t>Users can sign up and sign in.</a:t>
+            </a:r>
+            <a:endParaRPr b="0" lang="it-IT" sz="1800" spc="-1" strike="noStrike">
+              <a:latin typeface="Arial"/>
+            </a:endParaRPr>
+          </a:p>
+          <a:p>
+            <a:pPr marL="285840" indent="-284040">
               <a:lnSpc>
                 <a:spcPct val="150000"/>
               </a:lnSpc>
@@ -4606,61 +3947,21 @@
               <a:buChar char=""/>
             </a:pPr>
             <a:r>
-              <a:rPr lang="it-IT" sz="1800" b="0" strike="noStrike" spc="-1" dirty="0">
+              <a:rPr b="0" lang="it-IT" sz="1800" spc="-1" strike="noStrike">
                 <a:solidFill>
                   <a:srgbClr val="000000"/>
                 </a:solidFill>
                 <a:latin typeface="Arial"/>
                 <a:ea typeface="DejaVu Sans"/>
               </a:rPr>
-              <a:t>Users can </a:t>
-            </a:r>
-            <a:r>
-              <a:rPr lang="it-IT" sz="1800" b="0" strike="noStrike" spc="-1" dirty="0" err="1">
-                <a:solidFill>
-                  <a:srgbClr val="000000"/>
-                </a:solidFill>
-                <a:latin typeface="Arial"/>
-                <a:ea typeface="DejaVu Sans"/>
-              </a:rPr>
-              <a:t>sign</a:t>
-            </a:r>
-            <a:r>
-              <a:rPr lang="it-IT" sz="1800" b="0" strike="noStrike" spc="-1" dirty="0">
-                <a:solidFill>
-                  <a:srgbClr val="000000"/>
-                </a:solidFill>
-                <a:latin typeface="Arial"/>
-                <a:ea typeface="DejaVu Sans"/>
-              </a:rPr>
-              <a:t> up and </a:t>
-            </a:r>
-            <a:r>
-              <a:rPr lang="it-IT" sz="1800" b="0" strike="noStrike" spc="-1" dirty="0" err="1">
-                <a:solidFill>
-                  <a:srgbClr val="000000"/>
-                </a:solidFill>
-                <a:latin typeface="Arial"/>
-                <a:ea typeface="DejaVu Sans"/>
-              </a:rPr>
-              <a:t>sign</a:t>
-            </a:r>
-            <a:r>
-              <a:rPr lang="it-IT" sz="1800" b="0" strike="noStrike" spc="-1" dirty="0">
-                <a:solidFill>
-                  <a:srgbClr val="000000"/>
-                </a:solidFill>
-                <a:latin typeface="Arial"/>
-                <a:ea typeface="DejaVu Sans"/>
-              </a:rPr>
-              <a:t> in.</a:t>
-            </a:r>
-            <a:endParaRPr lang="it-IT" sz="1800" b="0" strike="noStrike" spc="-1" dirty="0">
-              <a:latin typeface="Arial"/>
-            </a:endParaRPr>
-          </a:p>
-          <a:p>
-            <a:pPr marL="285840" indent="-284400">
+              <a:t>Users can view stock charts (Line chart, Bar char, Candle and stick chart).</a:t>
+            </a:r>
+            <a:endParaRPr b="0" lang="it-IT" sz="1800" spc="-1" strike="noStrike">
+              <a:latin typeface="Arial"/>
+            </a:endParaRPr>
+          </a:p>
+          <a:p>
+            <a:pPr marL="285840" indent="-284040">
               <a:lnSpc>
                 <a:spcPct val="150000"/>
               </a:lnSpc>
@@ -4671,41 +3972,21 @@
               <a:buChar char=""/>
             </a:pPr>
             <a:r>
-              <a:rPr lang="it-IT" sz="1800" b="0" strike="noStrike" spc="-1" dirty="0">
+              <a:rPr b="0" lang="it-IT" sz="1800" spc="-1" strike="noStrike">
                 <a:solidFill>
                   <a:srgbClr val="000000"/>
                 </a:solidFill>
                 <a:latin typeface="Arial"/>
                 <a:ea typeface="DejaVu Sans"/>
               </a:rPr>
-              <a:t>Users can </a:t>
-            </a:r>
-            <a:r>
-              <a:rPr lang="it-IT" sz="1800" b="0" strike="noStrike" spc="-1" dirty="0" err="1">
-                <a:solidFill>
-                  <a:srgbClr val="000000"/>
-                </a:solidFill>
-                <a:latin typeface="Arial"/>
-                <a:ea typeface="DejaVu Sans"/>
-              </a:rPr>
-              <a:t>view</a:t>
-            </a:r>
-            <a:r>
-              <a:rPr lang="it-IT" sz="1800" b="0" strike="noStrike" spc="-1" dirty="0">
-                <a:solidFill>
-                  <a:srgbClr val="000000"/>
-                </a:solidFill>
-                <a:latin typeface="Arial"/>
-                <a:ea typeface="DejaVu Sans"/>
-              </a:rPr>
-              <a:t> stock charts.</a:t>
-            </a:r>
-            <a:endParaRPr lang="it-IT" sz="1800" b="0" strike="noStrike" spc="-1" dirty="0">
-              <a:latin typeface="Arial"/>
-            </a:endParaRPr>
-          </a:p>
-          <a:p>
-            <a:pPr marL="285840" indent="-284400">
+              <a:t>Users can create stock portfolios.</a:t>
+            </a:r>
+            <a:endParaRPr b="0" lang="it-IT" sz="1800" spc="-1" strike="noStrike">
+              <a:latin typeface="Arial"/>
+            </a:endParaRPr>
+          </a:p>
+          <a:p>
+            <a:pPr marL="285840" indent="-284040">
               <a:lnSpc>
                 <a:spcPct val="150000"/>
               </a:lnSpc>
@@ -4716,21 +3997,21 @@
               <a:buChar char=""/>
             </a:pPr>
             <a:r>
-              <a:rPr lang="it-IT" sz="1800" b="0" strike="noStrike" spc="-1" dirty="0">
+              <a:rPr b="0" lang="it-IT" sz="1800" spc="-1" strike="noStrike">
                 <a:solidFill>
                   <a:srgbClr val="000000"/>
                 </a:solidFill>
                 <a:latin typeface="Arial"/>
                 <a:ea typeface="DejaVu Sans"/>
               </a:rPr>
-              <a:t>Users can create stock portfolios.</a:t>
-            </a:r>
-            <a:endParaRPr lang="it-IT" sz="1800" b="0" strike="noStrike" spc="-1" dirty="0">
-              <a:latin typeface="Arial"/>
-            </a:endParaRPr>
-          </a:p>
-          <a:p>
-            <a:pPr marL="285840" indent="-284400">
+              <a:t>Users can simulate their stock portfolios: at the end of each simulation, statistics are provided and visualized.</a:t>
+            </a:r>
+            <a:endParaRPr b="0" lang="it-IT" sz="1800" spc="-1" strike="noStrike">
+              <a:latin typeface="Arial"/>
+            </a:endParaRPr>
+          </a:p>
+          <a:p>
+            <a:pPr marL="285840" indent="-284040">
               <a:lnSpc>
                 <a:spcPct val="150000"/>
               </a:lnSpc>
@@ -4741,141 +4022,16 @@
               <a:buChar char=""/>
             </a:pPr>
             <a:r>
-              <a:rPr lang="it-IT" sz="1800" b="0" strike="noStrike" spc="-1" dirty="0">
+              <a:rPr b="0" lang="it-IT" sz="1800" spc="-1" strike="noStrike">
                 <a:solidFill>
                   <a:srgbClr val="000000"/>
                 </a:solidFill>
                 <a:latin typeface="Arial"/>
                 <a:ea typeface="DejaVu Sans"/>
               </a:rPr>
-              <a:t>Users can simulate stock portfolios.</a:t>
-            </a:r>
-            <a:endParaRPr lang="it-IT" sz="1800" b="0" strike="noStrike" spc="-1" dirty="0">
-              <a:latin typeface="Arial"/>
-            </a:endParaRPr>
-          </a:p>
-          <a:p>
-            <a:pPr marL="285840" indent="-284400">
-              <a:lnSpc>
-                <a:spcPct val="150000"/>
-              </a:lnSpc>
-              <a:buClr>
-                <a:srgbClr val="000000"/>
-              </a:buClr>
-              <a:buFont typeface="Symbol"/>
-              <a:buChar char=""/>
-            </a:pPr>
-            <a:r>
-              <a:rPr lang="it-IT" sz="1800" b="0" strike="noStrike" spc="-1" dirty="0">
-                <a:solidFill>
-                  <a:srgbClr val="000000"/>
-                </a:solidFill>
-                <a:latin typeface="Arial"/>
-                <a:ea typeface="DejaVu Sans"/>
-              </a:rPr>
-              <a:t>At the end of </a:t>
-            </a:r>
-            <a:r>
-              <a:rPr lang="it-IT" sz="1800" b="0" strike="noStrike" spc="-1" dirty="0" err="1">
-                <a:solidFill>
-                  <a:srgbClr val="000000"/>
-                </a:solidFill>
-                <a:latin typeface="Arial"/>
-                <a:ea typeface="DejaVu Sans"/>
-              </a:rPr>
-              <a:t>each</a:t>
-            </a:r>
-            <a:r>
-              <a:rPr lang="it-IT" sz="1800" b="0" strike="noStrike" spc="-1" dirty="0">
-                <a:solidFill>
-                  <a:srgbClr val="000000"/>
-                </a:solidFill>
-                <a:latin typeface="Arial"/>
-                <a:ea typeface="DejaVu Sans"/>
-              </a:rPr>
-              <a:t> </a:t>
-            </a:r>
-            <a:r>
-              <a:rPr lang="it-IT" sz="1800" b="0" strike="noStrike" spc="-1" dirty="0" err="1">
-                <a:solidFill>
-                  <a:srgbClr val="000000"/>
-                </a:solidFill>
-                <a:latin typeface="Arial"/>
-                <a:ea typeface="DejaVu Sans"/>
-              </a:rPr>
-              <a:t>simulation</a:t>
-            </a:r>
-            <a:r>
-              <a:rPr lang="it-IT" sz="1800" b="0" strike="noStrike" spc="-1" dirty="0">
-                <a:solidFill>
-                  <a:srgbClr val="000000"/>
-                </a:solidFill>
-                <a:latin typeface="Arial"/>
-                <a:ea typeface="DejaVu Sans"/>
-              </a:rPr>
-              <a:t>, </a:t>
-            </a:r>
-            <a:r>
-              <a:rPr lang="it-IT" sz="1800" b="0" strike="noStrike" spc="-1" dirty="0" err="1">
-                <a:solidFill>
-                  <a:srgbClr val="000000"/>
-                </a:solidFill>
-                <a:latin typeface="Arial"/>
-                <a:ea typeface="DejaVu Sans"/>
-              </a:rPr>
-              <a:t>statistics</a:t>
-            </a:r>
-            <a:r>
-              <a:rPr lang="it-IT" sz="1800" b="0" strike="noStrike" spc="-1" dirty="0">
-                <a:solidFill>
-                  <a:srgbClr val="000000"/>
-                </a:solidFill>
-                <a:latin typeface="Arial"/>
-                <a:ea typeface="DejaVu Sans"/>
-              </a:rPr>
-              <a:t> are </a:t>
-            </a:r>
-            <a:r>
-              <a:rPr lang="it-IT" sz="1800" b="0" strike="noStrike" spc="-1" dirty="0" err="1">
-                <a:solidFill>
-                  <a:srgbClr val="000000"/>
-                </a:solidFill>
-                <a:latin typeface="Arial"/>
-                <a:ea typeface="DejaVu Sans"/>
-              </a:rPr>
-              <a:t>provided</a:t>
-            </a:r>
-            <a:r>
-              <a:rPr lang="it-IT" sz="1800" b="0" strike="noStrike" spc="-1" dirty="0">
-                <a:solidFill>
-                  <a:srgbClr val="000000"/>
-                </a:solidFill>
-                <a:latin typeface="Arial"/>
-                <a:ea typeface="DejaVu Sans"/>
-              </a:rPr>
-              <a:t> and </a:t>
-            </a:r>
-            <a:r>
-              <a:rPr lang="it-IT" sz="1800" b="0" strike="noStrike" spc="-1" dirty="0" err="1">
-                <a:solidFill>
-                  <a:srgbClr val="000000"/>
-                </a:solidFill>
-                <a:latin typeface="Arial"/>
-                <a:ea typeface="DejaVu Sans"/>
-              </a:rPr>
-              <a:t>visualized</a:t>
-            </a:r>
-            <a:r>
-              <a:rPr lang="it-IT" sz="1800" b="0" strike="noStrike" spc="-1" dirty="0">
-                <a:solidFill>
-                  <a:srgbClr val="000000"/>
-                </a:solidFill>
-                <a:latin typeface="Arial"/>
-                <a:ea typeface="DejaVu Sans"/>
-              </a:rPr>
-              <a:t>.</a:t>
-            </a:r>
-            <a:endParaRPr lang="it-IT" sz="1800" b="0" strike="noStrike" spc="-1" dirty="0">
+              <a:t>The administrator can add or remove a stock from the database.</a:t>
+            </a:r>
+            <a:endParaRPr b="0" lang="it-IT" sz="1800" spc="-1" strike="noStrike">
               <a:latin typeface="Arial"/>
             </a:endParaRPr>
           </a:p>
@@ -4885,7 +4041,7 @@
                 <a:spcPct val="150000"/>
               </a:lnSpc>
             </a:pPr>
-            <a:endParaRPr lang="it-IT" sz="1800" b="0" strike="noStrike" spc="-1" dirty="0">
+            <a:endParaRPr b="0" lang="it-IT" sz="1800" spc="-1" strike="noStrike">
               <a:latin typeface="Arial"/>
             </a:endParaRPr>
           </a:p>
@@ -4893,25 +4049,22 @@
       </p:sp>
     </p:spTree>
   </p:cSld>
-  <p:clrMapOvr>
-    <a:masterClrMapping/>
-  </p:clrMapOvr>
   <p:timing>
     <p:tnLst>
       <p:par>
-        <p:cTn id="1" dur="indefinite" restart="never" nodeType="tmRoot">
+        <p:cTn id="3" dur="indefinite" restart="never" nodeType="tmRoot">
           <p:childTnLst>
             <p:seq>
-              <p:cTn id="2" dur="indefinite" nodeType="mainSeq"/>
+              <p:cTn id="4" dur="indefinite" nodeType="mainSeq"/>
               <p:prevCondLst>
-                <p:cond evt="onPrev" delay="0">
+                <p:cond delay="0" evt="onPrev">
                   <p:tgtEl>
                     <p:sldTgt/>
                   </p:tgtEl>
                 </p:cond>
               </p:prevCondLst>
               <p:nextCondLst>
-                <p:cond evt="onNext" delay="0">
+                <p:cond delay="0" evt="onNext">
                   <p:tgtEl>
                     <p:sldTgt/>
                   </p:tgtEl>
@@ -4927,7 +4080,7 @@
 </file>
 
 <file path=ppt/slides/slide3.xml><?xml version="1.0" encoding="utf-8"?>
-<p:sld xmlns:a="http://schemas.openxmlformats.org/drawingml/2006/main" xmlns:r="http://schemas.openxmlformats.org/officeDocument/2006/relationships" xmlns:p="http://schemas.openxmlformats.org/presentationml/2006/main">
+<p:sld xmlns:a="http://schemas.openxmlformats.org/drawingml/2006/main" xmlns:p="http://schemas.openxmlformats.org/presentationml/2006/main" xmlns:r="http://schemas.openxmlformats.org/officeDocument/2006/relationships" xmlns:p14="http://schemas.microsoft.com/office/powerpoint/2010/main" xmlns:p15="http://schemas.microsoft.com/office/powerpoint/2012/main" xmlns:mc="http://schemas.openxmlformats.org/markup-compatibility/2006">
   <p:cSld>
     <p:spTree>
       <p:nvGrpSpPr>
@@ -4952,7 +4105,7 @@
         <p:spPr>
           <a:xfrm>
             <a:off x="182880" y="90000"/>
-            <a:ext cx="8760240" cy="1141560"/>
+            <a:ext cx="8759880" cy="1141200"/>
           </a:xfrm>
           <a:prstGeom prst="rect">
             <a:avLst/>
@@ -4963,22 +4116,15 @@
           </a:ln>
         </p:spPr>
         <p:style>
-          <a:lnRef idx="0">
-            <a:scrgbClr r="0" g="0" b="0"/>
-          </a:lnRef>
-          <a:fillRef idx="0">
-            <a:scrgbClr r="0" g="0" b="0"/>
-          </a:fillRef>
-          <a:effectRef idx="0">
-            <a:scrgbClr r="0" g="0" b="0"/>
-          </a:effectRef>
+          <a:lnRef idx="0"/>
+          <a:fillRef idx="0"/>
+          <a:effectRef idx="0"/>
           <a:fontRef idx="minor"/>
         </p:style>
         <p:txBody>
-          <a:bodyPr lIns="90000" tIns="45000" rIns="90000" bIns="45000" anchor="ctr">
-            <a:normAutofit fontScale="92500" lnSpcReduction="20000"/>
+          <a:bodyPr lIns="90000" rIns="90000" tIns="45000" bIns="45000" anchor="ctr">
+            <a:normAutofit/>
           </a:bodyPr>
-          <a:lstStyle/>
           <a:p>
             <a:pPr algn="ctr">
               <a:lnSpc>
@@ -4986,7 +4132,7 @@
               </a:lnSpc>
             </a:pPr>
             <a:r>
-              <a:rPr lang="it-IT" sz="4400" b="0" strike="noStrike" spc="-1">
+              <a:rPr b="0" lang="it-IT" sz="4400" spc="-1" strike="noStrike">
                 <a:solidFill>
                   <a:srgbClr val="000000"/>
                 </a:solidFill>
@@ -4995,7 +4141,7 @@
               </a:rPr>
               <a:t>Actors and main supported functionalities</a:t>
             </a:r>
-            <a:endParaRPr lang="it-IT" sz="4400" b="0" strike="noStrike" spc="-1">
+            <a:endParaRPr b="0" lang="it-IT" sz="4400" spc="-1" strike="noStrike">
               <a:latin typeface="Arial"/>
             </a:endParaRPr>
           </a:p>
@@ -5003,61 +4149,45 @@
       </p:sp>
       <p:pic>
         <p:nvPicPr>
-          <p:cNvPr id="3" name="Immagine 2">
-            <a:extLst>
-              <a:ext uri="{FF2B5EF4-FFF2-40B4-BE49-F238E27FC236}">
-                <a16:creationId xmlns:a16="http://schemas.microsoft.com/office/drawing/2014/main" id="{A91E963F-94A4-46BA-AA21-B976A60AA9AD}"/>
-              </a:ext>
-            </a:extLst>
-          </p:cNvPr>
-          <p:cNvPicPr>
-            <a:picLocks noChangeAspect="1"/>
-          </p:cNvPicPr>
+          <p:cNvPr id="87" name="Immagine 2" descr=""/>
+          <p:cNvPicPr/>
           <p:nvPr/>
         </p:nvPicPr>
         <p:blipFill>
-          <a:blip r:embed="rId2">
-            <a:extLst>
-              <a:ext uri="{28A0092B-C50C-407E-A947-70E740481C1C}">
-                <a14:useLocalDpi xmlns:a14="http://schemas.microsoft.com/office/drawing/2010/main" val="0"/>
-              </a:ext>
-            </a:extLst>
-          </a:blip>
-          <a:stretch>
-            <a:fillRect/>
-          </a:stretch>
+          <a:blip r:embed="rId1"/>
+          <a:stretch/>
         </p:blipFill>
         <p:spPr>
           <a:xfrm>
-            <a:off x="977884" y="1613161"/>
-            <a:ext cx="7009089" cy="4118335"/>
-          </a:xfrm>
-          <a:prstGeom prst="rect">
-            <a:avLst/>
-          </a:prstGeom>
+            <a:off x="977760" y="1613160"/>
+            <a:ext cx="7008840" cy="4118040"/>
+          </a:xfrm>
+          <a:prstGeom prst="rect">
+            <a:avLst/>
+          </a:prstGeom>
+          <a:ln>
+            <a:noFill/>
+          </a:ln>
         </p:spPr>
       </p:pic>
     </p:spTree>
   </p:cSld>
-  <p:clrMapOvr>
-    <a:masterClrMapping/>
-  </p:clrMapOvr>
   <p:timing>
     <p:tnLst>
       <p:par>
-        <p:cTn id="1" dur="indefinite" restart="never" nodeType="tmRoot">
+        <p:cTn id="5" dur="indefinite" restart="never" nodeType="tmRoot">
           <p:childTnLst>
             <p:seq>
-              <p:cTn id="2" dur="indefinite" nodeType="mainSeq"/>
+              <p:cTn id="6" dur="indefinite" nodeType="mainSeq"/>
               <p:prevCondLst>
-                <p:cond evt="onPrev" delay="0">
+                <p:cond delay="0" evt="onPrev">
                   <p:tgtEl>
                     <p:sldTgt/>
                   </p:tgtEl>
                 </p:cond>
               </p:prevCondLst>
               <p:nextCondLst>
-                <p:cond evt="onNext" delay="0">
+                <p:cond delay="0" evt="onNext">
                   <p:tgtEl>
                     <p:sldTgt/>
                   </p:tgtEl>
@@ -5073,7 +4203,7 @@
 </file>
 
 <file path=ppt/slides/slide4.xml><?xml version="1.0" encoding="utf-8"?>
-<p:sld xmlns:a="http://schemas.openxmlformats.org/drawingml/2006/main" xmlns:r="http://schemas.openxmlformats.org/officeDocument/2006/relationships" xmlns:p="http://schemas.openxmlformats.org/presentationml/2006/main">
+<p:sld xmlns:a="http://schemas.openxmlformats.org/drawingml/2006/main" xmlns:p="http://schemas.openxmlformats.org/presentationml/2006/main" xmlns:r="http://schemas.openxmlformats.org/officeDocument/2006/relationships" xmlns:p14="http://schemas.microsoft.com/office/powerpoint/2010/main" xmlns:p15="http://schemas.microsoft.com/office/powerpoint/2012/main" xmlns:mc="http://schemas.openxmlformats.org/markup-compatibility/2006">
   <p:cSld>
     <p:spTree>
       <p:nvGrpSpPr>
@@ -5098,7 +4228,7 @@
         <p:spPr>
           <a:xfrm>
             <a:off x="182880" y="90000"/>
-            <a:ext cx="8760240" cy="1141560"/>
+            <a:ext cx="8759880" cy="1141200"/>
           </a:xfrm>
           <a:prstGeom prst="rect">
             <a:avLst/>
@@ -5109,20 +4239,13 @@
           </a:ln>
         </p:spPr>
         <p:style>
-          <a:lnRef idx="0">
-            <a:scrgbClr r="0" g="0" b="0"/>
-          </a:lnRef>
-          <a:fillRef idx="0">
-            <a:scrgbClr r="0" g="0" b="0"/>
-          </a:fillRef>
-          <a:effectRef idx="0">
-            <a:scrgbClr r="0" g="0" b="0"/>
-          </a:effectRef>
+          <a:lnRef idx="0"/>
+          <a:fillRef idx="0"/>
+          <a:effectRef idx="0"/>
           <a:fontRef idx="minor"/>
         </p:style>
         <p:txBody>
-          <a:bodyPr lIns="90000" tIns="45000" rIns="90000" bIns="45000" anchor="ctr"/>
-          <a:lstStyle/>
+          <a:bodyPr lIns="90000" rIns="90000" tIns="45000" bIns="45000" anchor="ctr"/>
           <a:p>
             <a:pPr algn="ctr">
               <a:lnSpc>
@@ -5130,7 +4253,7 @@
               </a:lnSpc>
             </a:pPr>
             <a:r>
-              <a:rPr lang="it-IT" sz="4400" b="0" strike="noStrike" spc="-1">
+              <a:rPr b="0" lang="it-IT" sz="4400" spc="-1" strike="noStrike">
                 <a:solidFill>
                   <a:srgbClr val="000000"/>
                 </a:solidFill>
@@ -5139,7 +4262,7 @@
               </a:rPr>
               <a:t>Dataset Description</a:t>
             </a:r>
-            <a:endParaRPr lang="it-IT" sz="4400" b="0" strike="noStrike" spc="-1">
+            <a:endParaRPr b="0" lang="it-IT" sz="4400" spc="-1" strike="noStrike">
               <a:latin typeface="Arial"/>
             </a:endParaRPr>
           </a:p>
@@ -5154,7 +4277,7 @@
         <p:spPr>
           <a:xfrm>
             <a:off x="387360" y="1139760"/>
-            <a:ext cx="8347680" cy="5027040"/>
+            <a:ext cx="8347320" cy="5026680"/>
           </a:xfrm>
           <a:prstGeom prst="rect">
             <a:avLst/>
@@ -5165,20 +4288,13 @@
           </a:ln>
         </p:spPr>
         <p:style>
-          <a:lnRef idx="0">
-            <a:scrgbClr r="0" g="0" b="0"/>
-          </a:lnRef>
-          <a:fillRef idx="0">
-            <a:scrgbClr r="0" g="0" b="0"/>
-          </a:fillRef>
-          <a:effectRef idx="0">
-            <a:scrgbClr r="0" g="0" b="0"/>
-          </a:effectRef>
+          <a:lnRef idx="0"/>
+          <a:fillRef idx="0"/>
+          <a:effectRef idx="0"/>
           <a:fontRef idx="minor"/>
         </p:style>
         <p:txBody>
-          <a:bodyPr lIns="90000" tIns="45000" rIns="90000" bIns="45000"/>
-          <a:lstStyle/>
+          <a:bodyPr lIns="90000" rIns="90000" tIns="45000" bIns="45000"/>
           <a:p>
             <a:pPr>
               <a:lnSpc>
@@ -5186,7 +4302,7 @@
               </a:lnSpc>
             </a:pPr>
             <a:r>
-              <a:rPr lang="it-IT" sz="1800" b="1" i="1" strike="noStrike" spc="-1">
+              <a:rPr b="1" i="1" lang="it-IT" sz="1800" spc="-1" strike="noStrike">
                 <a:solidFill>
                   <a:srgbClr val="000000"/>
                 </a:solidFill>
@@ -5195,12 +4311,12 @@
               </a:rPr>
               <a:t>Source:</a:t>
             </a:r>
-            <a:endParaRPr lang="it-IT" sz="1800" b="0" strike="noStrike" spc="-1">
-              <a:latin typeface="Arial"/>
-            </a:endParaRPr>
-          </a:p>
-          <a:p>
-            <a:pPr marL="343080" indent="-341640">
+            <a:endParaRPr b="0" lang="it-IT" sz="1800" spc="-1" strike="noStrike">
+              <a:latin typeface="Arial"/>
+            </a:endParaRPr>
+          </a:p>
+          <a:p>
+            <a:pPr marL="343080" indent="-341280">
               <a:lnSpc>
                 <a:spcPct val="100000"/>
               </a:lnSpc>
@@ -5211,7 +4327,7 @@
               <a:buChar char="o"/>
             </a:pPr>
             <a:r>
-              <a:rPr lang="it-IT" sz="1800" b="0" strike="noStrike" spc="-1">
+              <a:rPr b="0" lang="it-IT" sz="1800" spc="-1" strike="noStrike">
                 <a:solidFill>
                   <a:srgbClr val="000000"/>
                 </a:solidFill>
@@ -5220,12 +4336,12 @@
               </a:rPr>
               <a:t>Yahoo! Finance</a:t>
             </a:r>
-            <a:endParaRPr lang="it-IT" sz="1800" b="0" strike="noStrike" spc="-1">
-              <a:latin typeface="Arial"/>
-            </a:endParaRPr>
-          </a:p>
-          <a:p>
-            <a:pPr marL="343080" indent="-341640">
+            <a:endParaRPr b="0" lang="it-IT" sz="1800" spc="-1" strike="noStrike">
+              <a:latin typeface="Arial"/>
+            </a:endParaRPr>
+          </a:p>
+          <a:p>
+            <a:pPr marL="343080" indent="-341280">
               <a:lnSpc>
                 <a:spcPct val="100000"/>
               </a:lnSpc>
@@ -5236,7 +4352,7 @@
               <a:buChar char="o"/>
             </a:pPr>
             <a:r>
-              <a:rPr lang="it-IT" sz="1800" b="0" strike="noStrike" spc="-1">
+              <a:rPr b="0" lang="it-IT" sz="1800" spc="-1" strike="noStrike">
                 <a:solidFill>
                   <a:srgbClr val="000000"/>
                 </a:solidFill>
@@ -5245,7 +4361,7 @@
               </a:rPr>
               <a:t>NasdaqTrader</a:t>
             </a:r>
-            <a:endParaRPr lang="it-IT" sz="1800" b="0" strike="noStrike" spc="-1">
+            <a:endParaRPr b="0" lang="it-IT" sz="1800" spc="-1" strike="noStrike">
               <a:latin typeface="Arial"/>
             </a:endParaRPr>
           </a:p>
@@ -5255,7 +4371,7 @@
                 <a:spcPct val="100000"/>
               </a:lnSpc>
             </a:pPr>
-            <a:endParaRPr lang="it-IT" sz="1800" b="0" strike="noStrike" spc="-1">
+            <a:endParaRPr b="0" lang="it-IT" sz="1800" spc="-1" strike="noStrike">
               <a:latin typeface="Arial"/>
             </a:endParaRPr>
           </a:p>
@@ -5266,7 +4382,7 @@
               </a:lnSpc>
             </a:pPr>
             <a:r>
-              <a:rPr lang="it-IT" sz="1800" b="1" i="1" strike="noStrike" spc="-1">
+              <a:rPr b="1" i="1" lang="it-IT" sz="1800" spc="-1" strike="noStrike">
                 <a:solidFill>
                   <a:srgbClr val="000000"/>
                 </a:solidFill>
@@ -5276,7 +4392,7 @@
               <a:t>Description</a:t>
             </a:r>
             <a:r>
-              <a:rPr lang="it-IT" sz="1800" b="1" strike="noStrike" spc="-1">
+              <a:rPr b="1" lang="it-IT" sz="1800" spc="-1" strike="noStrike">
                 <a:solidFill>
                   <a:srgbClr val="000000"/>
                 </a:solidFill>
@@ -5285,12 +4401,12 @@
               </a:rPr>
               <a:t>:</a:t>
             </a:r>
-            <a:endParaRPr lang="it-IT" sz="1800" b="0" strike="noStrike" spc="-1">
-              <a:latin typeface="Arial"/>
-            </a:endParaRPr>
-          </a:p>
-          <a:p>
-            <a:pPr marL="285840" indent="-284400">
+            <a:endParaRPr b="0" lang="it-IT" sz="1800" spc="-1" strike="noStrike">
+              <a:latin typeface="Arial"/>
+            </a:endParaRPr>
+          </a:p>
+          <a:p>
+            <a:pPr marL="285840" indent="-284040">
               <a:lnSpc>
                 <a:spcPct val="100000"/>
               </a:lnSpc>
@@ -5301,7 +4417,7 @@
               <a:buChar char="o"/>
             </a:pPr>
             <a:r>
-              <a:rPr lang="it-IT" sz="1800" b="1" strike="noStrike" spc="-1">
+              <a:rPr b="1" lang="it-IT" sz="1800" spc="-1" strike="noStrike">
                 <a:solidFill>
                   <a:srgbClr val="000000"/>
                 </a:solidFill>
@@ -5311,7 +4427,7 @@
               <a:t>Yahoo! Finance</a:t>
             </a:r>
             <a:r>
-              <a:rPr lang="it-IT" sz="1800" b="0" strike="noStrike" spc="-1">
+              <a:rPr b="0" lang="it-IT" sz="1800" spc="-1" strike="noStrike">
                 <a:solidFill>
                   <a:srgbClr val="000000"/>
                 </a:solidFill>
@@ -5320,12 +4436,12 @@
               </a:rPr>
               <a:t> is a media property that is part of Yahoo!'s network. It provides financial news, data and commentary including stock quotes, press releases, financial reports, and original content.</a:t>
             </a:r>
-            <a:endParaRPr lang="it-IT" sz="1800" b="0" strike="noStrike" spc="-1">
-              <a:latin typeface="Arial"/>
-            </a:endParaRPr>
-          </a:p>
-          <a:p>
-            <a:pPr marL="285840" indent="-284400">
+            <a:endParaRPr b="0" lang="it-IT" sz="1800" spc="-1" strike="noStrike">
+              <a:latin typeface="Arial"/>
+            </a:endParaRPr>
+          </a:p>
+          <a:p>
+            <a:pPr marL="285840" indent="-284040">
               <a:lnSpc>
                 <a:spcPct val="100000"/>
               </a:lnSpc>
@@ -5336,7 +4452,7 @@
               <a:buChar char="o"/>
             </a:pPr>
             <a:r>
-              <a:rPr lang="it-IT" sz="1800" b="1" strike="noStrike" spc="-1">
+              <a:rPr b="1" lang="it-IT" sz="1800" spc="-1" strike="noStrike">
                 <a:solidFill>
                   <a:srgbClr val="000000"/>
                 </a:solidFill>
@@ -5346,7 +4462,7 @@
               <a:t>NasdaqTrader</a:t>
             </a:r>
             <a:r>
-              <a:rPr lang="it-IT" sz="1800" b="0" strike="noStrike" spc="-1">
+              <a:rPr b="0" lang="it-IT" sz="1800" spc="-1" strike="noStrike">
                 <a:solidFill>
                   <a:srgbClr val="000000"/>
                 </a:solidFill>
@@ -5355,7 +4471,7 @@
               </a:rPr>
               <a:t> is a website that covers the Nasdaq market providing proprietary access to trading liquidity.</a:t>
             </a:r>
-            <a:endParaRPr lang="it-IT" sz="1800" b="0" strike="noStrike" spc="-1">
+            <a:endParaRPr b="0" lang="it-IT" sz="1800" spc="-1" strike="noStrike">
               <a:latin typeface="Arial"/>
             </a:endParaRPr>
           </a:p>
@@ -5365,7 +4481,7 @@
                 <a:spcPct val="100000"/>
               </a:lnSpc>
             </a:pPr>
-            <a:endParaRPr lang="it-IT" sz="1800" b="0" strike="noStrike" spc="-1">
+            <a:endParaRPr b="0" lang="it-IT" sz="1800" spc="-1" strike="noStrike">
               <a:latin typeface="Arial"/>
             </a:endParaRPr>
           </a:p>
@@ -5376,7 +4492,7 @@
               </a:lnSpc>
             </a:pPr>
             <a:r>
-              <a:rPr lang="it-IT" sz="1800" b="1" i="1" strike="noStrike" spc="-1">
+              <a:rPr b="1" i="1" lang="it-IT" sz="1800" spc="-1" strike="noStrike">
                 <a:solidFill>
                   <a:srgbClr val="000000"/>
                 </a:solidFill>
@@ -5386,7 +4502,7 @@
               <a:t>Volume: </a:t>
             </a:r>
             <a:r>
-              <a:rPr lang="it-IT" sz="1800" b="0" strike="noStrike" spc="-1">
+              <a:rPr b="0" lang="it-IT" sz="1800" spc="-1" strike="noStrike">
                 <a:solidFill>
                   <a:srgbClr val="000000"/>
                 </a:solidFill>
@@ -5395,7 +4511,7 @@
               </a:rPr>
               <a:t>~ 2.7 GB</a:t>
             </a:r>
-            <a:endParaRPr lang="it-IT" sz="1800" b="0" strike="noStrike" spc="-1">
+            <a:endParaRPr b="0" lang="it-IT" sz="1800" spc="-1" strike="noStrike">
               <a:latin typeface="Arial"/>
             </a:endParaRPr>
           </a:p>
@@ -5405,7 +4521,7 @@
                 <a:spcPct val="100000"/>
               </a:lnSpc>
             </a:pPr>
-            <a:endParaRPr lang="it-IT" sz="1800" b="0" strike="noStrike" spc="-1">
+            <a:endParaRPr b="0" lang="it-IT" sz="1800" spc="-1" strike="noStrike">
               <a:latin typeface="Arial"/>
             </a:endParaRPr>
           </a:p>
@@ -5416,7 +4532,7 @@
               </a:lnSpc>
             </a:pPr>
             <a:r>
-              <a:rPr lang="it-IT" sz="1800" b="1" i="1" strike="noStrike" spc="-1">
+              <a:rPr b="1" i="1" lang="it-IT" sz="1800" spc="-1" strike="noStrike">
                 <a:solidFill>
                   <a:srgbClr val="000000"/>
                 </a:solidFill>
@@ -5426,7 +4542,7 @@
               <a:t>Variety</a:t>
             </a:r>
             <a:r>
-              <a:rPr lang="it-IT" sz="1800" b="0" strike="noStrike" spc="-1">
+              <a:rPr b="0" lang="it-IT" sz="1800" spc="-1" strike="noStrike">
                 <a:solidFill>
                   <a:srgbClr val="000000"/>
                 </a:solidFill>
@@ -5435,7 +4551,7 @@
               </a:rPr>
               <a:t>: TODO</a:t>
             </a:r>
-            <a:endParaRPr lang="it-IT" sz="1800" b="0" strike="noStrike" spc="-1">
+            <a:endParaRPr b="0" lang="it-IT" sz="1800" spc="-1" strike="noStrike">
               <a:latin typeface="Arial"/>
             </a:endParaRPr>
           </a:p>
@@ -5445,7 +4561,7 @@
                 <a:spcPct val="100000"/>
               </a:lnSpc>
             </a:pPr>
-            <a:endParaRPr lang="it-IT" sz="1800" b="0" strike="noStrike" spc="-1">
+            <a:endParaRPr b="0" lang="it-IT" sz="1800" spc="-1" strike="noStrike">
               <a:latin typeface="Arial"/>
             </a:endParaRPr>
           </a:p>
@@ -5456,7 +4572,7 @@
               </a:lnSpc>
             </a:pPr>
             <a:r>
-              <a:rPr lang="it-IT" sz="1800" b="1" i="1" strike="noStrike" spc="-1">
+              <a:rPr b="1" i="1" lang="it-IT" sz="1800" spc="-1" strike="noStrike">
                 <a:solidFill>
                   <a:srgbClr val="000000"/>
                 </a:solidFill>
@@ -5466,7 +4582,7 @@
               <a:t>Velocity/Variability</a:t>
             </a:r>
             <a:r>
-              <a:rPr lang="it-IT" sz="1800" b="0" strike="noStrike" spc="-1">
+              <a:rPr b="0" lang="it-IT" sz="1800" spc="-1" strike="noStrike">
                 <a:solidFill>
                   <a:srgbClr val="000000"/>
                 </a:solidFill>
@@ -5475,7 +4591,7 @@
               </a:rPr>
               <a:t>: indices and shares of each of the 8000+ NASDAQ stocks are updated automatically every day.</a:t>
             </a:r>
-            <a:endParaRPr lang="it-IT" sz="1800" b="0" strike="noStrike" spc="-1">
+            <a:endParaRPr b="0" lang="it-IT" sz="1800" spc="-1" strike="noStrike">
               <a:latin typeface="Arial"/>
             </a:endParaRPr>
           </a:p>
@@ -5485,7 +4601,7 @@
                 <a:spcPct val="100000"/>
               </a:lnSpc>
             </a:pPr>
-            <a:endParaRPr lang="it-IT" sz="1800" b="0" strike="noStrike" spc="-1">
+            <a:endParaRPr b="0" lang="it-IT" sz="1800" spc="-1" strike="noStrike">
               <a:latin typeface="Arial"/>
             </a:endParaRPr>
           </a:p>
@@ -5493,25 +4609,22 @@
       </p:sp>
     </p:spTree>
   </p:cSld>
-  <p:clrMapOvr>
-    <a:masterClrMapping/>
-  </p:clrMapOvr>
   <p:timing>
     <p:tnLst>
       <p:par>
-        <p:cTn id="1" dur="indefinite" restart="never" nodeType="tmRoot">
+        <p:cTn id="7" dur="indefinite" restart="never" nodeType="tmRoot">
           <p:childTnLst>
             <p:seq>
-              <p:cTn id="2" dur="indefinite" nodeType="mainSeq"/>
+              <p:cTn id="8" dur="indefinite" nodeType="mainSeq"/>
               <p:prevCondLst>
-                <p:cond evt="onPrev" delay="0">
+                <p:cond delay="0" evt="onPrev">
                   <p:tgtEl>
                     <p:sldTgt/>
                   </p:tgtEl>
                 </p:cond>
               </p:prevCondLst>
               <p:nextCondLst>
-                <p:cond evt="onNext" delay="0">
+                <p:cond delay="0" evt="onNext">
                   <p:tgtEl>
                     <p:sldTgt/>
                   </p:tgtEl>
@@ -5527,7 +4640,7 @@
 </file>
 
 <file path=ppt/slides/slide5.xml><?xml version="1.0" encoding="utf-8"?>
-<p:sld xmlns:a="http://schemas.openxmlformats.org/drawingml/2006/main" xmlns:r="http://schemas.openxmlformats.org/officeDocument/2006/relationships" xmlns:p="http://schemas.openxmlformats.org/presentationml/2006/main">
+<p:sld xmlns:a="http://schemas.openxmlformats.org/drawingml/2006/main" xmlns:p="http://schemas.openxmlformats.org/presentationml/2006/main" xmlns:r="http://schemas.openxmlformats.org/officeDocument/2006/relationships" xmlns:p14="http://schemas.microsoft.com/office/powerpoint/2010/main" xmlns:p15="http://schemas.microsoft.com/office/powerpoint/2012/main" xmlns:mc="http://schemas.openxmlformats.org/markup-compatibility/2006">
   <p:cSld>
     <p:spTree>
       <p:nvGrpSpPr>
@@ -5552,7 +4665,7 @@
         <p:spPr>
           <a:xfrm>
             <a:off x="182880" y="90000"/>
-            <a:ext cx="8760240" cy="1141560"/>
+            <a:ext cx="8759880" cy="1141200"/>
           </a:xfrm>
           <a:prstGeom prst="rect">
             <a:avLst/>
@@ -5563,20 +4676,13 @@
           </a:ln>
         </p:spPr>
         <p:style>
-          <a:lnRef idx="0">
-            <a:scrgbClr r="0" g="0" b="0"/>
-          </a:lnRef>
-          <a:fillRef idx="0">
-            <a:scrgbClr r="0" g="0" b="0"/>
-          </a:fillRef>
-          <a:effectRef idx="0">
-            <a:scrgbClr r="0" g="0" b="0"/>
-          </a:effectRef>
+          <a:lnRef idx="0"/>
+          <a:fillRef idx="0"/>
+          <a:effectRef idx="0"/>
           <a:fontRef idx="minor"/>
         </p:style>
         <p:txBody>
-          <a:bodyPr lIns="90000" tIns="45000" rIns="90000" bIns="45000" anchor="ctr"/>
-          <a:lstStyle/>
+          <a:bodyPr lIns="90000" rIns="90000" tIns="45000" bIns="45000" anchor="ctr"/>
           <a:p>
             <a:pPr algn="ctr">
               <a:lnSpc>
@@ -5584,7 +4690,7 @@
               </a:lnSpc>
             </a:pPr>
             <a:r>
-              <a:rPr lang="it-IT" sz="4400" b="0" strike="noStrike" spc="-1">
+              <a:rPr b="0" lang="it-IT" sz="4400" spc="-1" strike="noStrike">
                 <a:solidFill>
                   <a:srgbClr val="000000"/>
                 </a:solidFill>
@@ -5593,7 +4699,7 @@
               </a:rPr>
               <a:t>Preliminary UML Class Diagram</a:t>
             </a:r>
-            <a:endParaRPr lang="it-IT" sz="4400" b="0" strike="noStrike" spc="-1">
+            <a:endParaRPr b="0" lang="it-IT" sz="4400" spc="-1" strike="noStrike">
               <a:latin typeface="Arial"/>
             </a:endParaRPr>
           </a:p>
@@ -5601,25 +4707,22 @@
       </p:sp>
     </p:spTree>
   </p:cSld>
-  <p:clrMapOvr>
-    <a:masterClrMapping/>
-  </p:clrMapOvr>
   <p:timing>
     <p:tnLst>
       <p:par>
-        <p:cTn id="1" dur="indefinite" restart="never" nodeType="tmRoot">
+        <p:cTn id="9" dur="indefinite" restart="never" nodeType="tmRoot">
           <p:childTnLst>
             <p:seq>
-              <p:cTn id="2" dur="indefinite" nodeType="mainSeq"/>
+              <p:cTn id="10" dur="indefinite" nodeType="mainSeq"/>
               <p:prevCondLst>
-                <p:cond evt="onPrev" delay="0">
+                <p:cond delay="0" evt="onPrev">
                   <p:tgtEl>
                     <p:sldTgt/>
                   </p:tgtEl>
                 </p:cond>
               </p:prevCondLst>
               <p:nextCondLst>
-                <p:cond evt="onNext" delay="0">
+                <p:cond delay="0" evt="onNext">
                   <p:tgtEl>
                     <p:sldTgt/>
                   </p:tgtEl>
@@ -5635,7 +4738,7 @@
 </file>
 
 <file path=ppt/slides/slide6.xml><?xml version="1.0" encoding="utf-8"?>
-<p:sld xmlns:a="http://schemas.openxmlformats.org/drawingml/2006/main" xmlns:r="http://schemas.openxmlformats.org/officeDocument/2006/relationships" xmlns:p="http://schemas.openxmlformats.org/presentationml/2006/main">
+<p:sld xmlns:a="http://schemas.openxmlformats.org/drawingml/2006/main" xmlns:p="http://schemas.openxmlformats.org/presentationml/2006/main" xmlns:r="http://schemas.openxmlformats.org/officeDocument/2006/relationships" xmlns:p14="http://schemas.microsoft.com/office/powerpoint/2010/main" xmlns:p15="http://schemas.microsoft.com/office/powerpoint/2012/main" xmlns:mc="http://schemas.openxmlformats.org/markup-compatibility/2006">
   <p:cSld>
     <p:spTree>
       <p:nvGrpSpPr>
@@ -5660,7 +4763,7 @@
         <p:spPr>
           <a:xfrm>
             <a:off x="182880" y="90000"/>
-            <a:ext cx="8760240" cy="1141560"/>
+            <a:ext cx="8759880" cy="1141200"/>
           </a:xfrm>
           <a:prstGeom prst="rect">
             <a:avLst/>
@@ -5671,22 +4774,15 @@
           </a:ln>
         </p:spPr>
         <p:style>
-          <a:lnRef idx="0">
-            <a:scrgbClr r="0" g="0" b="0"/>
-          </a:lnRef>
-          <a:fillRef idx="0">
-            <a:scrgbClr r="0" g="0" b="0"/>
-          </a:fillRef>
-          <a:effectRef idx="0">
-            <a:scrgbClr r="0" g="0" b="0"/>
-          </a:effectRef>
+          <a:lnRef idx="0"/>
+          <a:fillRef idx="0"/>
+          <a:effectRef idx="0"/>
           <a:fontRef idx="minor"/>
         </p:style>
         <p:txBody>
-          <a:bodyPr lIns="90000" tIns="45000" rIns="90000" bIns="45000" anchor="ctr">
-            <a:normAutofit fontScale="92500" lnSpcReduction="20000"/>
+          <a:bodyPr lIns="90000" rIns="90000" tIns="45000" bIns="45000" anchor="ctr">
+            <a:normAutofit/>
           </a:bodyPr>
-          <a:lstStyle/>
           <a:p>
             <a:pPr algn="ctr">
               <a:lnSpc>
@@ -5694,7 +4790,7 @@
               </a:lnSpc>
             </a:pPr>
             <a:r>
-              <a:rPr lang="it-IT" sz="4400" b="0" strike="noStrike" spc="-1">
+              <a:rPr b="0" lang="it-IT" sz="4400" spc="-1" strike="noStrike">
                 <a:solidFill>
                   <a:srgbClr val="000000"/>
                 </a:solidFill>
@@ -5705,7 +4801,7 @@
             </a:r>
             <a:br/>
             <a:r>
-              <a:rPr lang="it-IT" sz="4400" b="0" strike="noStrike" spc="-1">
+              <a:rPr b="0" lang="it-IT" sz="4400" spc="-1" strike="noStrike">
                 <a:solidFill>
                   <a:srgbClr val="000000"/>
                 </a:solidFill>
@@ -5714,7 +4810,7 @@
               </a:rPr>
               <a:t>handled by Document DB</a:t>
             </a:r>
-            <a:endParaRPr lang="it-IT" sz="4400" b="0" strike="noStrike" spc="-1">
+            <a:endParaRPr b="0" lang="it-IT" sz="4400" spc="-1" strike="noStrike">
               <a:latin typeface="Arial"/>
             </a:endParaRPr>
           </a:p>
@@ -5729,7 +4825,7 @@
         <p:spPr>
           <a:xfrm>
             <a:off x="411840" y="1436760"/>
-            <a:ext cx="8318520" cy="3747600"/>
+            <a:ext cx="8318160" cy="3747240"/>
           </a:xfrm>
           <a:prstGeom prst="rect">
             <a:avLst/>
@@ -5740,22 +4836,15 @@
           </a:ln>
         </p:spPr>
         <p:style>
-          <a:lnRef idx="0">
-            <a:scrgbClr r="0" g="0" b="0"/>
-          </a:lnRef>
-          <a:fillRef idx="0">
-            <a:scrgbClr r="0" g="0" b="0"/>
-          </a:fillRef>
-          <a:effectRef idx="0">
-            <a:scrgbClr r="0" g="0" b="0"/>
-          </a:effectRef>
+          <a:lnRef idx="0"/>
+          <a:fillRef idx="0"/>
+          <a:effectRef idx="0"/>
           <a:fontRef idx="minor"/>
         </p:style>
         <p:txBody>
-          <a:bodyPr lIns="90000" tIns="45000" rIns="90000" bIns="45000"/>
-          <a:lstStyle/>
-          <a:p>
-            <a:pPr marL="285840" indent="-284400">
+          <a:bodyPr lIns="90000" rIns="90000" tIns="45000" bIns="45000"/>
+          <a:p>
+            <a:pPr marL="285840" indent="-284040">
               <a:lnSpc>
                 <a:spcPct val="150000"/>
               </a:lnSpc>
@@ -5766,35 +4855,21 @@
               <a:buChar char="•"/>
             </a:pPr>
             <a:r>
-              <a:rPr lang="it-IT" sz="2400" b="0" strike="noStrike" spc="-1" dirty="0">
+              <a:rPr b="0" lang="it-IT" sz="2400" spc="-1" strike="noStrike">
                 <a:solidFill>
                   <a:srgbClr val="000000"/>
                 </a:solidFill>
                 <a:latin typeface="Arial"/>
                 <a:ea typeface="DejaVu Sans"/>
               </a:rPr>
-              <a:t>Users’ personal information and </a:t>
-            </a:r>
-            <a:r>
-              <a:rPr lang="it-IT" sz="2400" b="0" strike="noStrike" spc="-1" dirty="0" err="1">
-                <a:solidFill>
-                  <a:srgbClr val="000000"/>
-                </a:solidFill>
-                <a:latin typeface="Arial"/>
-                <a:ea typeface="DejaVu Sans"/>
-              </a:rPr>
-              <a:t>preferences</a:t>
-            </a:r>
-            <a:endParaRPr lang="it-IT" sz="2400" b="0" strike="noStrike" spc="-1" dirty="0">
-              <a:solidFill>
-                <a:srgbClr val="000000"/>
-              </a:solidFill>
-              <a:latin typeface="Arial"/>
-              <a:ea typeface="DejaVu Sans"/>
-            </a:endParaRPr>
-          </a:p>
-          <a:p>
-            <a:pPr marL="285840" indent="-284400">
+              <a:t>Users’ personal information and preferences</a:t>
+            </a:r>
+            <a:endParaRPr b="0" lang="it-IT" sz="2400" spc="-1" strike="noStrike">
+              <a:latin typeface="Arial"/>
+            </a:endParaRPr>
+          </a:p>
+          <a:p>
+            <a:pPr marL="285840" indent="-284040">
               <a:lnSpc>
                 <a:spcPct val="150000"/>
               </a:lnSpc>
@@ -5805,16 +4880,21 @@
               <a:buChar char="•"/>
             </a:pPr>
             <a:r>
-              <a:rPr lang="it-IT" sz="2400" spc="-1" dirty="0">
-                <a:solidFill>
-                  <a:srgbClr val="000000"/>
-                </a:solidFill>
+              <a:rPr b="0" lang="it-IT" sz="2400" spc="-1" strike="noStrike">
+                <a:solidFill>
+                  <a:srgbClr val="000000"/>
+                </a:solidFill>
+                <a:latin typeface="Arial"/>
+                <a:ea typeface="DejaVu Sans"/>
               </a:rPr>
               <a:t>Users’ authentication</a:t>
             </a:r>
-          </a:p>
-          <a:p>
-            <a:pPr marL="285840" indent="-284400">
+            <a:endParaRPr b="0" lang="it-IT" sz="2400" spc="-1" strike="noStrike">
+              <a:latin typeface="Arial"/>
+            </a:endParaRPr>
+          </a:p>
+          <a:p>
+            <a:pPr marL="285840" indent="-284040">
               <a:lnSpc>
                 <a:spcPct val="150000"/>
               </a:lnSpc>
@@ -5825,58 +4905,21 @@
               <a:buChar char="•"/>
             </a:pPr>
             <a:r>
-              <a:rPr lang="it-IT" sz="2400" b="0" strike="noStrike" spc="-1" dirty="0">
+              <a:rPr b="0" lang="it-IT" sz="2400" spc="-1" strike="noStrike">
                 <a:solidFill>
                   <a:srgbClr val="000000"/>
                 </a:solidFill>
                 <a:latin typeface="Arial"/>
                 <a:ea typeface="DejaVu Sans"/>
               </a:rPr>
-              <a:t>Stocks’ information (company </a:t>
-            </a:r>
-            <a:r>
-              <a:rPr lang="it-IT" sz="2400" b="0" strike="noStrike" spc="-1" dirty="0" err="1">
-                <a:solidFill>
-                  <a:srgbClr val="000000"/>
-                </a:solidFill>
-                <a:latin typeface="Arial"/>
-                <a:ea typeface="DejaVu Sans"/>
-              </a:rPr>
-              <a:t>details</a:t>
-            </a:r>
-            <a:r>
-              <a:rPr lang="it-IT" sz="2400" b="0" strike="noStrike" spc="-1" dirty="0">
-                <a:solidFill>
-                  <a:srgbClr val="000000"/>
-                </a:solidFill>
-                <a:latin typeface="Arial"/>
-                <a:ea typeface="DejaVu Sans"/>
-              </a:rPr>
-              <a:t>, trade, </a:t>
-            </a:r>
-            <a:r>
-              <a:rPr lang="it-IT" sz="2400" b="0" strike="noStrike" spc="-1" dirty="0" err="1">
-                <a:solidFill>
-                  <a:srgbClr val="000000"/>
-                </a:solidFill>
-                <a:latin typeface="Arial"/>
-                <a:ea typeface="DejaVu Sans"/>
-              </a:rPr>
-              <a:t>capitalization</a:t>
-            </a:r>
-            <a:r>
-              <a:rPr lang="it-IT" sz="2400" b="0" strike="noStrike" spc="-1" dirty="0">
-                <a:solidFill>
-                  <a:srgbClr val="000000"/>
-                </a:solidFill>
-                <a:latin typeface="Arial"/>
-                <a:ea typeface="DejaVu Sans"/>
-              </a:rPr>
-              <a:t>…)</a:t>
-            </a:r>
-          </a:p>
-          <a:p>
-            <a:pPr marL="285840" indent="-284400">
+              <a:t>Stocks’ information (company details, trade, capitalization…)</a:t>
+            </a:r>
+            <a:endParaRPr b="0" lang="it-IT" sz="2400" spc="-1" strike="noStrike">
+              <a:latin typeface="Arial"/>
+            </a:endParaRPr>
+          </a:p>
+          <a:p>
+            <a:pPr marL="285840" indent="-284040">
               <a:lnSpc>
                 <a:spcPct val="150000"/>
               </a:lnSpc>
@@ -5887,71 +4930,21 @@
               <a:buChar char="•"/>
             </a:pPr>
             <a:r>
-              <a:rPr lang="it-IT" sz="2400" b="0" strike="noStrike" spc="-1" dirty="0">
+              <a:rPr b="0" lang="it-IT" sz="2400" spc="-1" strike="noStrike">
                 <a:solidFill>
                   <a:srgbClr val="000000"/>
                 </a:solidFill>
                 <a:latin typeface="Arial"/>
                 <a:ea typeface="DejaVu Sans"/>
               </a:rPr>
-              <a:t>Indexes’ information (</a:t>
-            </a:r>
-            <a:r>
-              <a:rPr lang="it-IT" sz="2400" spc="-1" dirty="0" err="1">
-                <a:solidFill>
-                  <a:srgbClr val="000000"/>
-                </a:solidFill>
-                <a:latin typeface="Arial"/>
-                <a:ea typeface="DejaVu Sans"/>
-              </a:rPr>
-              <a:t>c</a:t>
-            </a:r>
-            <a:r>
-              <a:rPr lang="it-IT" sz="2400" b="0" strike="noStrike" spc="-1" dirty="0" err="1">
-                <a:solidFill>
-                  <a:srgbClr val="000000"/>
-                </a:solidFill>
-                <a:latin typeface="Arial"/>
-                <a:ea typeface="DejaVu Sans"/>
-              </a:rPr>
-              <a:t>omposition</a:t>
-            </a:r>
-            <a:r>
-              <a:rPr lang="it-IT" sz="2400" b="0" strike="noStrike" spc="-1" dirty="0">
-                <a:solidFill>
-                  <a:srgbClr val="000000"/>
-                </a:solidFill>
-                <a:latin typeface="Arial"/>
-                <a:ea typeface="DejaVu Sans"/>
-              </a:rPr>
-              <a:t>, </a:t>
-            </a:r>
-            <a:r>
-              <a:rPr lang="it-IT" sz="2400" b="0" strike="noStrike" spc="-1" dirty="0" err="1">
-                <a:solidFill>
-                  <a:srgbClr val="000000"/>
-                </a:solidFill>
-                <a:latin typeface="Arial"/>
-                <a:ea typeface="DejaVu Sans"/>
-              </a:rPr>
-              <a:t>details</a:t>
-            </a:r>
-            <a:r>
-              <a:rPr lang="it-IT" sz="2400" b="0" strike="noStrike" spc="-1" dirty="0">
-                <a:solidFill>
-                  <a:srgbClr val="000000"/>
-                </a:solidFill>
-                <a:latin typeface="Arial"/>
-                <a:ea typeface="DejaVu Sans"/>
-              </a:rPr>
-              <a:t>…)</a:t>
-            </a:r>
-            <a:endParaRPr lang="it-IT" sz="2400" b="0" strike="noStrike" spc="-1" dirty="0">
-              <a:latin typeface="Arial"/>
-            </a:endParaRPr>
-          </a:p>
-          <a:p>
-            <a:pPr marL="285840" indent="-284400">
+              <a:t>Indexes’ information (composition, details…)</a:t>
+            </a:r>
+            <a:endParaRPr b="0" lang="it-IT" sz="2400" spc="-1" strike="noStrike">
+              <a:latin typeface="Arial"/>
+            </a:endParaRPr>
+          </a:p>
+          <a:p>
+            <a:pPr marL="285840" indent="-284040">
               <a:lnSpc>
                 <a:spcPct val="150000"/>
               </a:lnSpc>
@@ -5962,70 +4955,16 @@
               <a:buChar char="•"/>
             </a:pPr>
             <a:r>
-              <a:rPr lang="it-IT" sz="2400" b="0" strike="noStrike" spc="-1" dirty="0" err="1">
+              <a:rPr b="0" lang="it-IT" sz="2400" spc="-1" strike="noStrike">
                 <a:solidFill>
                   <a:srgbClr val="000000"/>
                 </a:solidFill>
                 <a:latin typeface="Arial"/>
                 <a:ea typeface="DejaVu Sans"/>
               </a:rPr>
-              <a:t>Portfolio’s</a:t>
-            </a:r>
-            <a:r>
-              <a:rPr lang="it-IT" sz="2400" b="0" strike="noStrike" spc="-1" dirty="0">
-                <a:solidFill>
-                  <a:srgbClr val="000000"/>
-                </a:solidFill>
-                <a:latin typeface="Arial"/>
-                <a:ea typeface="DejaVu Sans"/>
-              </a:rPr>
-              <a:t> information</a:t>
-            </a:r>
-            <a:r>
-              <a:rPr lang="it-IT" sz="2400" spc="-1" dirty="0">
-                <a:solidFill>
-                  <a:srgbClr val="000000"/>
-                </a:solidFill>
-                <a:latin typeface="Arial"/>
-                <a:ea typeface="DejaVu Sans"/>
-                <a:sym typeface="Wingdings" panose="05000000000000000000" pitchFamily="2" charset="2"/>
-              </a:rPr>
-              <a:t> (name, </a:t>
-            </a:r>
-            <a:r>
-              <a:rPr lang="it-IT" sz="2400" spc="-1" dirty="0" err="1">
-                <a:solidFill>
-                  <a:srgbClr val="000000"/>
-                </a:solidFill>
-                <a:latin typeface="Arial"/>
-                <a:ea typeface="DejaVu Sans"/>
-                <a:sym typeface="Wingdings" panose="05000000000000000000" pitchFamily="2" charset="2"/>
-              </a:rPr>
-              <a:t>c</a:t>
-            </a:r>
-            <a:r>
-              <a:rPr lang="it-IT" sz="2400" b="0" strike="noStrike" spc="-1" dirty="0" err="1">
-                <a:solidFill>
-                  <a:srgbClr val="000000"/>
-                </a:solidFill>
-                <a:latin typeface="Arial"/>
-                <a:ea typeface="DejaVu Sans"/>
-                <a:sym typeface="Wingdings" panose="05000000000000000000" pitchFamily="2" charset="2"/>
-              </a:rPr>
-              <a:t>omposition</a:t>
-            </a:r>
-            <a:r>
-              <a:rPr lang="it-IT" sz="2400" spc="-1" dirty="0">
-                <a:solidFill>
-                  <a:srgbClr val="000000"/>
-                </a:solidFill>
-                <a:latin typeface="Arial"/>
-                <a:ea typeface="DejaVu Sans"/>
-                <a:sym typeface="Wingdings" panose="05000000000000000000" pitchFamily="2" charset="2"/>
-              </a:rPr>
-              <a:t>, scope…) </a:t>
-            </a:r>
-            <a:endParaRPr lang="it-IT" sz="2400" b="0" strike="noStrike" spc="-1" dirty="0">
+              <a:t>Portfolio’s information (name, composition, scope…) </a:t>
+            </a:r>
+            <a:endParaRPr b="0" lang="it-IT" sz="2400" spc="-1" strike="noStrike">
               <a:latin typeface="Arial"/>
             </a:endParaRPr>
           </a:p>
@@ -6035,7 +4974,7 @@
                 <a:spcPct val="150000"/>
               </a:lnSpc>
             </a:pPr>
-            <a:endParaRPr lang="it-IT" sz="2000" b="0" u="sng" strike="noStrike" spc="-1" dirty="0">
+            <a:endParaRPr b="0" lang="it-IT" sz="2400" spc="-1" strike="noStrike">
               <a:latin typeface="Arial"/>
             </a:endParaRPr>
           </a:p>
@@ -6043,25 +4982,22 @@
       </p:sp>
     </p:spTree>
   </p:cSld>
-  <p:clrMapOvr>
-    <a:masterClrMapping/>
-  </p:clrMapOvr>
   <p:timing>
     <p:tnLst>
       <p:par>
-        <p:cTn id="1" dur="indefinite" restart="never" nodeType="tmRoot">
+        <p:cTn id="11" dur="indefinite" restart="never" nodeType="tmRoot">
           <p:childTnLst>
             <p:seq>
-              <p:cTn id="2" dur="indefinite" nodeType="mainSeq"/>
+              <p:cTn id="12" dur="indefinite" nodeType="mainSeq"/>
               <p:prevCondLst>
-                <p:cond evt="onPrev" delay="0">
+                <p:cond delay="0" evt="onPrev">
                   <p:tgtEl>
                     <p:sldTgt/>
                   </p:tgtEl>
                 </p:cond>
               </p:prevCondLst>
               <p:nextCondLst>
-                <p:cond evt="onNext" delay="0">
+                <p:cond delay="0" evt="onNext">
                   <p:tgtEl>
                     <p:sldTgt/>
                   </p:tgtEl>
@@ -6077,7 +5013,7 @@
 </file>
 
 <file path=ppt/slides/slide7.xml><?xml version="1.0" encoding="utf-8"?>
-<p:sld xmlns:a="http://schemas.openxmlformats.org/drawingml/2006/main" xmlns:r="http://schemas.openxmlformats.org/officeDocument/2006/relationships" xmlns:p="http://schemas.openxmlformats.org/presentationml/2006/main">
+<p:sld xmlns:a="http://schemas.openxmlformats.org/drawingml/2006/main" xmlns:p="http://schemas.openxmlformats.org/presentationml/2006/main" xmlns:r="http://schemas.openxmlformats.org/officeDocument/2006/relationships" xmlns:p14="http://schemas.microsoft.com/office/powerpoint/2010/main" xmlns:p15="http://schemas.microsoft.com/office/powerpoint/2012/main" xmlns:mc="http://schemas.openxmlformats.org/markup-compatibility/2006">
   <p:cSld>
     <p:spTree>
       <p:nvGrpSpPr>
@@ -6102,7 +5038,7 @@
         <p:spPr>
           <a:xfrm>
             <a:off x="182880" y="90000"/>
-            <a:ext cx="8760240" cy="1141560"/>
+            <a:ext cx="8759880" cy="1141200"/>
           </a:xfrm>
           <a:prstGeom prst="rect">
             <a:avLst/>
@@ -6113,22 +5049,15 @@
           </a:ln>
         </p:spPr>
         <p:style>
-          <a:lnRef idx="0">
-            <a:scrgbClr r="0" g="0" b="0"/>
-          </a:lnRef>
-          <a:fillRef idx="0">
-            <a:scrgbClr r="0" g="0" b="0"/>
-          </a:fillRef>
-          <a:effectRef idx="0">
-            <a:scrgbClr r="0" g="0" b="0"/>
-          </a:effectRef>
+          <a:lnRef idx="0"/>
+          <a:fillRef idx="0"/>
+          <a:effectRef idx="0"/>
           <a:fontRef idx="minor"/>
         </p:style>
         <p:txBody>
-          <a:bodyPr lIns="90000" tIns="45000" rIns="90000" bIns="45000" anchor="ctr">
-            <a:normAutofit fontScale="92500" lnSpcReduction="20000"/>
+          <a:bodyPr lIns="90000" rIns="90000" tIns="45000" bIns="45000" anchor="ctr">
+            <a:normAutofit/>
           </a:bodyPr>
-          <a:lstStyle/>
           <a:p>
             <a:pPr algn="ctr">
               <a:lnSpc>
@@ -6136,7 +5065,7 @@
               </a:lnSpc>
             </a:pPr>
             <a:r>
-              <a:rPr lang="it-IT" sz="4400" b="0" strike="noStrike" spc="-1">
+              <a:rPr b="0" lang="it-IT" sz="4400" spc="-1" strike="noStrike">
                 <a:solidFill>
                   <a:srgbClr val="000000"/>
                 </a:solidFill>
@@ -6147,7 +5076,7 @@
             </a:r>
             <a:br/>
             <a:r>
-              <a:rPr lang="it-IT" sz="4400" b="0" strike="noStrike" spc="-1">
+              <a:rPr b="0" lang="it-IT" sz="4400" spc="-1" strike="noStrike">
                 <a:solidFill>
                   <a:srgbClr val="000000"/>
                 </a:solidFill>
@@ -6156,7 +5085,7 @@
               </a:rPr>
               <a:t>handled by Column DB</a:t>
             </a:r>
-            <a:endParaRPr lang="it-IT" sz="4400" b="0" strike="noStrike" spc="-1">
+            <a:endParaRPr b="0" lang="it-IT" sz="4400" spc="-1" strike="noStrike">
               <a:latin typeface="Arial"/>
             </a:endParaRPr>
           </a:p>
@@ -6171,7 +5100,7 @@
         <p:spPr>
           <a:xfrm>
             <a:off x="542520" y="1537560"/>
-            <a:ext cx="8087400" cy="698400"/>
+            <a:ext cx="8087040" cy="698040"/>
           </a:xfrm>
           <a:prstGeom prst="rect">
             <a:avLst/>
@@ -6182,22 +5111,15 @@
           </a:ln>
         </p:spPr>
         <p:style>
-          <a:lnRef idx="0">
-            <a:scrgbClr r="0" g="0" b="0"/>
-          </a:lnRef>
-          <a:fillRef idx="0">
-            <a:scrgbClr r="0" g="0" b="0"/>
-          </a:fillRef>
-          <a:effectRef idx="0">
-            <a:scrgbClr r="0" g="0" b="0"/>
-          </a:effectRef>
+          <a:lnRef idx="0"/>
+          <a:fillRef idx="0"/>
+          <a:effectRef idx="0"/>
           <a:fontRef idx="minor"/>
         </p:style>
         <p:txBody>
-          <a:bodyPr lIns="90000" tIns="45000" rIns="90000" bIns="45000"/>
-          <a:lstStyle/>
-          <a:p>
-            <a:pPr marL="285840" indent="-284400">
+          <a:bodyPr lIns="90000" rIns="90000" tIns="45000" bIns="45000"/>
+          <a:p>
+            <a:pPr marL="285840" indent="-284040">
               <a:lnSpc>
                 <a:spcPct val="150000"/>
               </a:lnSpc>
@@ -6208,36 +5130,16 @@
               <a:buChar char="•"/>
             </a:pPr>
             <a:r>
-              <a:rPr lang="it-IT" sz="2000" b="0" strike="noStrike" spc="-1" dirty="0">
+              <a:rPr b="0" lang="it-IT" sz="2000" spc="-1" strike="noStrike">
                 <a:solidFill>
                   <a:srgbClr val="000000"/>
                 </a:solidFill>
                 <a:latin typeface="Arial"/>
                 <a:ea typeface="DejaVu Sans"/>
               </a:rPr>
-              <a:t>Stock </a:t>
-            </a:r>
-            <a:r>
-              <a:rPr lang="it-IT" sz="2000" b="0" strike="noStrike" spc="-1" dirty="0" err="1">
-                <a:solidFill>
-                  <a:srgbClr val="000000"/>
-                </a:solidFill>
-                <a:latin typeface="Arial"/>
-                <a:ea typeface="DejaVu Sans"/>
-              </a:rPr>
-              <a:t>historical</a:t>
-            </a:r>
-            <a:r>
-              <a:rPr lang="it-IT" sz="2000" b="0" strike="noStrike" spc="-1" dirty="0">
-                <a:solidFill>
-                  <a:srgbClr val="000000"/>
-                </a:solidFill>
-                <a:latin typeface="Arial"/>
-                <a:ea typeface="DejaVu Sans"/>
-              </a:rPr>
-              <a:t> prices and data</a:t>
-            </a:r>
-            <a:endParaRPr lang="it-IT" sz="2000" b="0" strike="noStrike" spc="-1" dirty="0">
+              <a:t>Stock historical prices and data</a:t>
+            </a:r>
+            <a:endParaRPr b="0" lang="it-IT" sz="2000" spc="-1" strike="noStrike">
               <a:latin typeface="Arial"/>
             </a:endParaRPr>
           </a:p>
@@ -6245,25 +5147,22 @@
       </p:sp>
     </p:spTree>
   </p:cSld>
-  <p:clrMapOvr>
-    <a:masterClrMapping/>
-  </p:clrMapOvr>
   <p:timing>
     <p:tnLst>
       <p:par>
-        <p:cTn id="1" dur="indefinite" restart="never" nodeType="tmRoot">
+        <p:cTn id="13" dur="indefinite" restart="never" nodeType="tmRoot">
           <p:childTnLst>
             <p:seq>
-              <p:cTn id="2" dur="indefinite" nodeType="mainSeq"/>
+              <p:cTn id="14" dur="indefinite" nodeType="mainSeq"/>
               <p:prevCondLst>
-                <p:cond evt="onPrev" delay="0">
+                <p:cond delay="0" evt="onPrev">
                   <p:tgtEl>
                     <p:sldTgt/>
                   </p:tgtEl>
                 </p:cond>
               </p:prevCondLst>
               <p:nextCondLst>
-                <p:cond evt="onNext" delay="0">
+                <p:cond delay="0" evt="onNext">
                   <p:tgtEl>
                     <p:sldTgt/>
                   </p:tgtEl>
@@ -6279,7 +5178,7 @@
 </file>
 
 <file path=ppt/slides/slide8.xml><?xml version="1.0" encoding="utf-8"?>
-<p:sld xmlns:a="http://schemas.openxmlformats.org/drawingml/2006/main" xmlns:r="http://schemas.openxmlformats.org/officeDocument/2006/relationships" xmlns:p="http://schemas.openxmlformats.org/presentationml/2006/main">
+<p:sld xmlns:a="http://schemas.openxmlformats.org/drawingml/2006/main" xmlns:p="http://schemas.openxmlformats.org/presentationml/2006/main" xmlns:r="http://schemas.openxmlformats.org/officeDocument/2006/relationships" xmlns:p14="http://schemas.microsoft.com/office/powerpoint/2010/main" xmlns:p15="http://schemas.microsoft.com/office/powerpoint/2012/main" xmlns:mc="http://schemas.openxmlformats.org/markup-compatibility/2006">
   <p:cSld>
     <p:spTree>
       <p:nvGrpSpPr>
@@ -6304,7 +5203,7 @@
         <p:spPr>
           <a:xfrm>
             <a:off x="182880" y="90000"/>
-            <a:ext cx="8760240" cy="1141560"/>
+            <a:ext cx="8759880" cy="1141200"/>
           </a:xfrm>
           <a:prstGeom prst="rect">
             <a:avLst/>
@@ -6315,22 +5214,15 @@
           </a:ln>
         </p:spPr>
         <p:style>
-          <a:lnRef idx="0">
-            <a:scrgbClr r="0" g="0" b="0"/>
-          </a:lnRef>
-          <a:fillRef idx="0">
-            <a:scrgbClr r="0" g="0" b="0"/>
-          </a:fillRef>
-          <a:effectRef idx="0">
-            <a:scrgbClr r="0" g="0" b="0"/>
-          </a:effectRef>
+          <a:lnRef idx="0"/>
+          <a:fillRef idx="0"/>
+          <a:effectRef idx="0"/>
           <a:fontRef idx="minor"/>
         </p:style>
         <p:txBody>
-          <a:bodyPr lIns="90000" tIns="45000" rIns="90000" bIns="45000" anchor="ctr">
-            <a:normAutofit fontScale="92500" lnSpcReduction="20000"/>
+          <a:bodyPr lIns="90000" rIns="90000" tIns="45000" bIns="45000" anchor="ctr">
+            <a:normAutofit/>
           </a:bodyPr>
-          <a:lstStyle/>
           <a:p>
             <a:pPr algn="ctr">
               <a:lnSpc>
@@ -6338,7 +5230,7 @@
               </a:lnSpc>
             </a:pPr>
             <a:r>
-              <a:rPr lang="it-IT" sz="4400" b="0" strike="noStrike" spc="-1">
+              <a:rPr b="0" lang="it-IT" sz="4400" spc="-1" strike="noStrike">
                 <a:solidFill>
                   <a:srgbClr val="000000"/>
                 </a:solidFill>
@@ -6347,7 +5239,7 @@
               </a:rPr>
               <a:t>Software Architecture Preliminary Idea</a:t>
             </a:r>
-            <a:endParaRPr lang="it-IT" sz="4400" b="0" strike="noStrike" spc="-1">
+            <a:endParaRPr b="0" lang="it-IT" sz="4400" spc="-1" strike="noStrike">
               <a:latin typeface="Arial"/>
             </a:endParaRPr>
           </a:p>
@@ -6362,7 +5254,7 @@
         <p:spPr>
           <a:xfrm>
             <a:off x="512640" y="1233000"/>
-            <a:ext cx="8179200" cy="4341240"/>
+            <a:ext cx="8178840" cy="4340880"/>
           </a:xfrm>
           <a:prstGeom prst="rect">
             <a:avLst/>
@@ -6373,22 +5265,15 @@
           </a:ln>
         </p:spPr>
         <p:style>
-          <a:lnRef idx="0">
-            <a:scrgbClr r="0" g="0" b="0"/>
-          </a:lnRef>
-          <a:fillRef idx="0">
-            <a:scrgbClr r="0" g="0" b="0"/>
-          </a:fillRef>
-          <a:effectRef idx="0">
-            <a:scrgbClr r="0" g="0" b="0"/>
-          </a:effectRef>
+          <a:lnRef idx="0"/>
+          <a:fillRef idx="0"/>
+          <a:effectRef idx="0"/>
           <a:fontRef idx="minor"/>
         </p:style>
         <p:txBody>
-          <a:bodyPr lIns="90000" tIns="45000" rIns="90000" bIns="45000"/>
-          <a:lstStyle/>
-          <a:p>
-            <a:pPr marL="285840" indent="-284400">
+          <a:bodyPr lIns="90000" rIns="90000" tIns="45000" bIns="45000"/>
+          <a:p>
+            <a:pPr marL="285840" indent="-284040">
               <a:lnSpc>
                 <a:spcPct val="150000"/>
               </a:lnSpc>
@@ -6399,7 +5284,7 @@
               <a:buChar char="•"/>
             </a:pPr>
             <a:r>
-              <a:rPr lang="it-IT" sz="1800" b="0" strike="noStrike" spc="-1" dirty="0">
+              <a:rPr b="0" lang="it-IT" sz="1800" spc="-1" strike="noStrike">
                 <a:solidFill>
                   <a:srgbClr val="000000"/>
                 </a:solidFill>
@@ -6408,12 +5293,12 @@
               </a:rPr>
               <a:t>Java 8</a:t>
             </a:r>
-            <a:endParaRPr lang="it-IT" sz="1800" b="0" strike="noStrike" spc="-1" dirty="0">
-              <a:latin typeface="Arial"/>
-            </a:endParaRPr>
-          </a:p>
-          <a:p>
-            <a:pPr marL="285840" indent="-284400">
+            <a:endParaRPr b="0" lang="it-IT" sz="1800" spc="-1" strike="noStrike">
+              <a:latin typeface="Arial"/>
+            </a:endParaRPr>
+          </a:p>
+          <a:p>
+            <a:pPr marL="285840" indent="-284040">
               <a:lnSpc>
                 <a:spcPct val="150000"/>
               </a:lnSpc>
@@ -6424,7 +5309,7 @@
               <a:buChar char="•"/>
             </a:pPr>
             <a:r>
-              <a:rPr lang="it-IT" sz="1800" b="0" strike="noStrike" spc="-1" dirty="0">
+              <a:rPr b="0" lang="it-IT" sz="1800" spc="-1" strike="noStrike">
                 <a:solidFill>
                   <a:srgbClr val="000000"/>
                 </a:solidFill>
@@ -6434,7 +5319,7 @@
               <a:t>Python (</a:t>
             </a:r>
             <a:r>
-              <a:rPr lang="it-IT" sz="1800" b="1" strike="noStrike" spc="-1" dirty="0" err="1">
+              <a:rPr b="1" lang="it-IT" sz="1800" spc="-1" strike="noStrike">
                 <a:solidFill>
                   <a:srgbClr val="000000"/>
                 </a:solidFill>
@@ -6444,41 +5329,21 @@
               <a:t>yfinance</a:t>
             </a:r>
             <a:r>
-              <a:rPr lang="it-IT" sz="1800" b="0" strike="noStrike" spc="-1" dirty="0">
+              <a:rPr b="0" lang="it-IT" sz="1800" spc="-1" strike="noStrike">
                 <a:solidFill>
                   <a:srgbClr val="000000"/>
                 </a:solidFill>
                 <a:latin typeface="Arial"/>
                 <a:ea typeface="DejaVu Sans"/>
               </a:rPr>
-              <a:t> </a:t>
-            </a:r>
-            <a:r>
-              <a:rPr lang="it-IT" sz="1800" b="0" strike="noStrike" spc="-1" dirty="0" err="1">
-                <a:solidFill>
-                  <a:srgbClr val="000000"/>
-                </a:solidFill>
-                <a:latin typeface="Arial"/>
-                <a:ea typeface="DejaVu Sans"/>
-              </a:rPr>
-              <a:t>module</a:t>
-            </a:r>
-            <a:r>
-              <a:rPr lang="it-IT" sz="1800" b="0" strike="noStrike" spc="-1" dirty="0">
-                <a:solidFill>
-                  <a:srgbClr val="000000"/>
-                </a:solidFill>
-                <a:latin typeface="Arial"/>
-                <a:ea typeface="DejaVu Sans"/>
-              </a:rPr>
-              <a:t>)</a:t>
-            </a:r>
-            <a:endParaRPr lang="it-IT" sz="1800" b="0" strike="noStrike" spc="-1" dirty="0">
-              <a:latin typeface="Arial"/>
-            </a:endParaRPr>
-          </a:p>
-          <a:p>
-            <a:pPr marL="285840" indent="-284400">
+              <a:t> module)</a:t>
+            </a:r>
+            <a:endParaRPr b="0" lang="it-IT" sz="1800" spc="-1" strike="noStrike">
+              <a:latin typeface="Arial"/>
+            </a:endParaRPr>
+          </a:p>
+          <a:p>
+            <a:pPr marL="285840" indent="-284040">
               <a:lnSpc>
                 <a:spcPct val="150000"/>
               </a:lnSpc>
@@ -6489,31 +5354,21 @@
               <a:buChar char="•"/>
             </a:pPr>
             <a:r>
-              <a:rPr lang="it-IT" sz="1800" b="0" strike="noStrike" spc="-1" dirty="0" err="1">
+              <a:rPr b="0" lang="it-IT" sz="1800" spc="-1" strike="noStrike">
                 <a:solidFill>
                   <a:srgbClr val="000000"/>
                 </a:solidFill>
                 <a:latin typeface="Arial"/>
                 <a:ea typeface="DejaVu Sans"/>
               </a:rPr>
-              <a:t>IntelliJ</a:t>
-            </a:r>
-            <a:r>
-              <a:rPr lang="it-IT" sz="1800" b="0" strike="noStrike" spc="-1" dirty="0">
-                <a:solidFill>
-                  <a:srgbClr val="000000"/>
-                </a:solidFill>
-                <a:latin typeface="Arial"/>
-                <a:ea typeface="DejaVu Sans"/>
-              </a:rPr>
-              <a:t> IDEA</a:t>
-            </a:r>
-            <a:endParaRPr lang="it-IT" sz="1800" b="0" strike="noStrike" spc="-1" dirty="0">
-              <a:latin typeface="Arial"/>
-            </a:endParaRPr>
-          </a:p>
-          <a:p>
-            <a:pPr marL="285840" indent="-284400">
+              <a:t>IntelliJ IDEA</a:t>
+            </a:r>
+            <a:endParaRPr b="0" lang="it-IT" sz="1800" spc="-1" strike="noStrike">
+              <a:latin typeface="Arial"/>
+            </a:endParaRPr>
+          </a:p>
+          <a:p>
+            <a:pPr marL="285840" indent="-284040">
               <a:lnSpc>
                 <a:spcPct val="150000"/>
               </a:lnSpc>
@@ -6524,7 +5379,7 @@
               <a:buChar char="•"/>
             </a:pPr>
             <a:r>
-              <a:rPr lang="it-IT" sz="1800" b="0" strike="noStrike" spc="-1" dirty="0" err="1">
+              <a:rPr b="0" lang="it-IT" sz="1800" spc="-1" strike="noStrike">
                 <a:solidFill>
                   <a:srgbClr val="000000"/>
                 </a:solidFill>
@@ -6533,12 +5388,12 @@
               </a:rPr>
               <a:t>Maven</a:t>
             </a:r>
-            <a:endParaRPr lang="it-IT" sz="1800" b="0" strike="noStrike" spc="-1" dirty="0">
-              <a:latin typeface="Arial"/>
-            </a:endParaRPr>
-          </a:p>
-          <a:p>
-            <a:pPr marL="285840" indent="-284400">
+            <a:endParaRPr b="0" lang="it-IT" sz="1800" spc="-1" strike="noStrike">
+              <a:latin typeface="Arial"/>
+            </a:endParaRPr>
+          </a:p>
+          <a:p>
+            <a:pPr marL="285840" indent="-284040">
               <a:lnSpc>
                 <a:spcPct val="150000"/>
               </a:lnSpc>
@@ -6549,87 +5404,21 @@
               <a:buChar char="•"/>
             </a:pPr>
             <a:r>
-              <a:rPr lang="it-IT" sz="1800" b="0" strike="noStrike" spc="-1" dirty="0" err="1">
+              <a:rPr b="0" lang="it-IT" sz="1800" spc="-1" strike="noStrike">
                 <a:solidFill>
                   <a:srgbClr val="000000"/>
                 </a:solidFill>
                 <a:latin typeface="Arial"/>
                 <a:ea typeface="DejaVu Sans"/>
               </a:rPr>
-              <a:t>MongoDB</a:t>
-            </a:r>
-            <a:r>
-              <a:rPr lang="it-IT" sz="1800" b="0" strike="noStrike" spc="-1" dirty="0">
-                <a:solidFill>
-                  <a:srgbClr val="000000"/>
-                </a:solidFill>
-                <a:latin typeface="Arial"/>
-                <a:ea typeface="DejaVu Sans"/>
-              </a:rPr>
-              <a:t> </a:t>
-            </a:r>
-            <a:r>
-              <a:rPr lang="it-IT" spc="-1" dirty="0">
-                <a:solidFill>
-                  <a:srgbClr val="000000"/>
-                </a:solidFill>
-              </a:rPr>
-              <a:t>(</a:t>
-            </a:r>
-            <a:r>
-              <a:rPr lang="it-IT" spc="-1" dirty="0" err="1">
-                <a:solidFill>
-                  <a:srgbClr val="000000"/>
-                </a:solidFill>
-              </a:rPr>
-              <a:t>mongodb</a:t>
-            </a:r>
-            <a:r>
-              <a:rPr lang="it-IT" spc="-1" dirty="0">
-                <a:solidFill>
-                  <a:srgbClr val="000000"/>
-                </a:solidFill>
-              </a:rPr>
-              <a:t>-driver-</a:t>
-            </a:r>
-            <a:r>
-              <a:rPr lang="it-IT" spc="-1" dirty="0" err="1">
-                <a:solidFill>
-                  <a:srgbClr val="000000"/>
-                </a:solidFill>
-              </a:rPr>
-              <a:t>sync</a:t>
-            </a:r>
-            <a:r>
-              <a:rPr lang="it-IT" spc="-1" dirty="0">
-                <a:solidFill>
-                  <a:srgbClr val="000000"/>
-                </a:solidFill>
-              </a:rPr>
-              <a:t>, </a:t>
-            </a:r>
-            <a:r>
-              <a:rPr lang="it-IT" spc="-1" dirty="0" err="1">
-                <a:solidFill>
-                  <a:srgbClr val="000000"/>
-                </a:solidFill>
-              </a:rPr>
-              <a:t>official</a:t>
-            </a:r>
-            <a:r>
-              <a:rPr lang="it-IT" spc="-1" dirty="0">
-                <a:solidFill>
-                  <a:srgbClr val="000000"/>
-                </a:solidFill>
-              </a:rPr>
-              <a:t>)</a:t>
-            </a:r>
-            <a:endParaRPr lang="it-IT" sz="1800" b="0" strike="noStrike" spc="-1" dirty="0">
-              <a:latin typeface="Arial"/>
-            </a:endParaRPr>
-          </a:p>
-          <a:p>
-            <a:pPr marL="285840" indent="-284400">
+              <a:t>MongoDB (mongodb-driver-sync, official)</a:t>
+            </a:r>
+            <a:endParaRPr b="0" lang="it-IT" sz="1800" spc="-1" strike="noStrike">
+              <a:latin typeface="Arial"/>
+            </a:endParaRPr>
+          </a:p>
+          <a:p>
+            <a:pPr marL="285840" indent="-284040">
               <a:lnSpc>
                 <a:spcPct val="150000"/>
               </a:lnSpc>
@@ -6640,41 +5429,21 @@
               <a:buChar char="•"/>
             </a:pPr>
             <a:r>
-              <a:rPr lang="it-IT" sz="1800" b="0" strike="noStrike" spc="-1" dirty="0">
+              <a:rPr b="0" lang="it-IT" sz="1800" spc="-1" strike="noStrike">
                 <a:solidFill>
                   <a:srgbClr val="000000"/>
                 </a:solidFill>
                 <a:latin typeface="Arial"/>
                 <a:ea typeface="DejaVu Sans"/>
               </a:rPr>
-              <a:t>Apache Cassandra (</a:t>
-            </a:r>
-            <a:r>
-              <a:rPr lang="it-IT" sz="1800" b="0" strike="noStrike" spc="-1" dirty="0" err="1">
-                <a:solidFill>
-                  <a:srgbClr val="000000"/>
-                </a:solidFill>
-                <a:latin typeface="Arial"/>
-                <a:ea typeface="DejaVu Sans"/>
-              </a:rPr>
-              <a:t>Datastax</a:t>
-            </a:r>
-            <a:r>
-              <a:rPr lang="it-IT" sz="1800" b="0" strike="noStrike" spc="-1" dirty="0">
-                <a:solidFill>
-                  <a:srgbClr val="000000"/>
-                </a:solidFill>
-                <a:latin typeface="Arial"/>
-                <a:ea typeface="DejaVu Sans"/>
-              </a:rPr>
-              <a:t> Java Driver)</a:t>
-            </a:r>
-            <a:endParaRPr lang="it-IT" sz="1800" b="0" strike="noStrike" spc="-1" dirty="0">
-              <a:latin typeface="Arial"/>
-            </a:endParaRPr>
-          </a:p>
-          <a:p>
-            <a:pPr marL="285840" indent="-284400">
+              <a:t>Apache Cassandra (Datastax Java Driver)</a:t>
+            </a:r>
+            <a:endParaRPr b="0" lang="it-IT" sz="1800" spc="-1" strike="noStrike">
+              <a:latin typeface="Arial"/>
+            </a:endParaRPr>
+          </a:p>
+          <a:p>
+            <a:pPr marL="285840" indent="-284040">
               <a:lnSpc>
                 <a:spcPct val="150000"/>
               </a:lnSpc>
@@ -6685,7 +5454,7 @@
               <a:buChar char="•"/>
             </a:pPr>
             <a:r>
-              <a:rPr lang="it-IT" sz="1800" b="1" strike="noStrike" spc="-1" dirty="0">
+              <a:rPr b="1" lang="it-IT" sz="1800" spc="-1" strike="noStrike">
                 <a:solidFill>
                   <a:srgbClr val="000000"/>
                 </a:solidFill>
@@ -6694,12 +5463,12 @@
               </a:rPr>
               <a:t>TODO: Chart Library</a:t>
             </a:r>
-            <a:endParaRPr lang="it-IT" sz="1800" b="0" strike="noStrike" spc="-1" dirty="0">
-              <a:latin typeface="Arial"/>
-            </a:endParaRPr>
-          </a:p>
-          <a:p>
-            <a:pPr marL="285840" indent="-284400">
+            <a:endParaRPr b="0" lang="it-IT" sz="1800" spc="-1" strike="noStrike">
+              <a:latin typeface="Arial"/>
+            </a:endParaRPr>
+          </a:p>
+          <a:p>
+            <a:pPr marL="285840" indent="-284040">
               <a:lnSpc>
                 <a:spcPct val="150000"/>
               </a:lnSpc>
@@ -6710,7 +5479,7 @@
               <a:buChar char="•"/>
             </a:pPr>
             <a:r>
-              <a:rPr lang="it-IT" sz="1800" b="0" strike="noStrike" spc="-1" dirty="0">
+              <a:rPr b="0" lang="it-IT" sz="1800" spc="-1" strike="noStrike">
                 <a:solidFill>
                   <a:srgbClr val="000000"/>
                 </a:solidFill>
@@ -6719,12 +5488,12 @@
               </a:rPr>
               <a:t>Log4j</a:t>
             </a:r>
-            <a:endParaRPr lang="it-IT" sz="1800" b="0" strike="noStrike" spc="-1" dirty="0">
-              <a:latin typeface="Arial"/>
-            </a:endParaRPr>
-          </a:p>
-          <a:p>
-            <a:pPr marL="285840" indent="-284400">
+            <a:endParaRPr b="0" lang="it-IT" sz="1800" spc="-1" strike="noStrike">
+              <a:latin typeface="Arial"/>
+            </a:endParaRPr>
+          </a:p>
+          <a:p>
+            <a:pPr marL="285840" indent="-284040">
               <a:lnSpc>
                 <a:spcPct val="150000"/>
               </a:lnSpc>
@@ -6735,7 +5504,7 @@
               <a:buChar char="•"/>
             </a:pPr>
             <a:r>
-              <a:rPr lang="it-IT" sz="1800" b="0" strike="noStrike" spc="-1" dirty="0" err="1">
+              <a:rPr b="0" lang="it-IT" sz="1800" spc="-1" strike="noStrike">
                 <a:solidFill>
                   <a:srgbClr val="000000"/>
                 </a:solidFill>
@@ -6744,12 +5513,12 @@
               </a:rPr>
               <a:t>JUnit</a:t>
             </a:r>
-            <a:endParaRPr lang="it-IT" sz="1800" b="0" strike="noStrike" spc="-1" dirty="0">
-              <a:latin typeface="Arial"/>
-            </a:endParaRPr>
-          </a:p>
-          <a:p>
-            <a:pPr marL="285840" indent="-284400">
+            <a:endParaRPr b="0" lang="it-IT" sz="1800" spc="-1" strike="noStrike">
+              <a:latin typeface="Arial"/>
+            </a:endParaRPr>
+          </a:p>
+          <a:p>
+            <a:pPr marL="285840" indent="-284040">
               <a:lnSpc>
                 <a:spcPct val="150000"/>
               </a:lnSpc>
@@ -6760,7 +5529,7 @@
               <a:buChar char="•"/>
             </a:pPr>
             <a:r>
-              <a:rPr lang="it-IT" sz="1800" b="0" strike="noStrike" spc="-1" dirty="0" err="1">
+              <a:rPr b="0" lang="it-IT" sz="1800" spc="-1" strike="noStrike">
                 <a:solidFill>
                   <a:srgbClr val="000000"/>
                 </a:solidFill>
@@ -6769,7 +5538,7 @@
               </a:rPr>
               <a:t>Git</a:t>
             </a:r>
-            <a:endParaRPr lang="it-IT" sz="1800" b="0" strike="noStrike" spc="-1" dirty="0">
+            <a:endParaRPr b="0" lang="it-IT" sz="1800" spc="-1" strike="noStrike">
               <a:latin typeface="Arial"/>
             </a:endParaRPr>
           </a:p>
@@ -6777,412 +5546,252 @@
       </p:sp>
       <p:pic>
         <p:nvPicPr>
-          <p:cNvPr id="3" name="log4j_logo" descr="Immagine che contiene disegnando&#10;&#10;Descrizione generata automaticamente">
-            <a:extLst>
-              <a:ext uri="{FF2B5EF4-FFF2-40B4-BE49-F238E27FC236}">
-                <a16:creationId xmlns:a16="http://schemas.microsoft.com/office/drawing/2014/main" id="{EE51AEC9-1011-4C8D-927F-4E36DA7D3CBB}"/>
-              </a:ext>
-            </a:extLst>
-          </p:cNvPr>
-          <p:cNvPicPr>
-            <a:picLocks noChangeAspect="1"/>
-          </p:cNvPicPr>
+          <p:cNvPr id="97" name="log4j_logo" descr=""/>
+          <p:cNvPicPr/>
           <p:nvPr/>
         </p:nvPicPr>
         <p:blipFill>
-          <a:blip r:embed="rId2">
-            <a:extLst>
-              <a:ext uri="{28A0092B-C50C-407E-A947-70E740481C1C}">
-                <a14:useLocalDpi xmlns:a14="http://schemas.microsoft.com/office/drawing/2010/main" val="0"/>
-              </a:ext>
-            </a:extLst>
-          </a:blip>
-          <a:stretch>
-            <a:fillRect/>
-          </a:stretch>
+          <a:blip r:embed="rId1"/>
+          <a:stretch/>
         </p:blipFill>
         <p:spPr>
           <a:xfrm>
-            <a:off x="3532749" y="4258137"/>
-            <a:ext cx="1358126" cy="522029"/>
-          </a:xfrm>
-          <a:prstGeom prst="rect">
-            <a:avLst/>
-          </a:prstGeom>
+            <a:off x="3532680" y="4258080"/>
+            <a:ext cx="1357920" cy="521640"/>
+          </a:xfrm>
+          <a:prstGeom prst="rect">
+            <a:avLst/>
+          </a:prstGeom>
+          <a:ln>
+            <a:noFill/>
+          </a:ln>
         </p:spPr>
       </p:pic>
       <p:pic>
         <p:nvPicPr>
-          <p:cNvPr id="5" name="cassandra_logo">
-            <a:extLst>
-              <a:ext uri="{FF2B5EF4-FFF2-40B4-BE49-F238E27FC236}">
-                <a16:creationId xmlns:a16="http://schemas.microsoft.com/office/drawing/2014/main" id="{3ADF158C-D957-4FAA-AA92-595AE2A2ED92}"/>
-              </a:ext>
-            </a:extLst>
-          </p:cNvPr>
-          <p:cNvPicPr>
-            <a:picLocks noChangeAspect="1"/>
-          </p:cNvPicPr>
+          <p:cNvPr id="98" name="cassandra_logo" descr=""/>
+          <p:cNvPicPr/>
           <p:nvPr/>
         </p:nvPicPr>
         <p:blipFill>
-          <a:blip r:embed="rId3">
-            <a:extLst>
-              <a:ext uri="{28A0092B-C50C-407E-A947-70E740481C1C}">
-                <a14:useLocalDpi xmlns:a14="http://schemas.microsoft.com/office/drawing/2010/main" val="0"/>
-              </a:ext>
-              <a:ext uri="{96DAC541-7B7A-43D3-8B79-37D633B846F1}">
-                <asvg:svgBlip xmlns:asvg="http://schemas.microsoft.com/office/drawing/2016/SVG/main" r:embed="rId4"/>
-              </a:ext>
-            </a:extLst>
-          </a:blip>
-          <a:stretch>
-            <a:fillRect/>
-          </a:stretch>
+          <a:blip r:embed="rId2"/>
+          <a:stretch/>
         </p:blipFill>
         <p:spPr>
           <a:xfrm>
-            <a:off x="7503297" y="3850024"/>
-            <a:ext cx="1263196" cy="846658"/>
-          </a:xfrm>
-          <a:prstGeom prst="rect">
-            <a:avLst/>
-          </a:prstGeom>
+            <a:off x="7503120" y="3850200"/>
+            <a:ext cx="1262880" cy="846360"/>
+          </a:xfrm>
+          <a:prstGeom prst="rect">
+            <a:avLst/>
+          </a:prstGeom>
+          <a:ln>
+            <a:noFill/>
+          </a:ln>
         </p:spPr>
       </p:pic>
       <p:pic>
         <p:nvPicPr>
-          <p:cNvPr id="7" name="git_logo">
-            <a:extLst>
-              <a:ext uri="{FF2B5EF4-FFF2-40B4-BE49-F238E27FC236}">
-                <a16:creationId xmlns:a16="http://schemas.microsoft.com/office/drawing/2014/main" id="{4E11190C-ED32-47E3-9E6C-A5F95820A32C}"/>
-              </a:ext>
-            </a:extLst>
-          </p:cNvPr>
-          <p:cNvPicPr>
-            <a:picLocks noChangeAspect="1"/>
-          </p:cNvPicPr>
+          <p:cNvPr id="99" name="git_logo" descr=""/>
+          <p:cNvPicPr/>
           <p:nvPr/>
         </p:nvPicPr>
         <p:blipFill>
-          <a:blip r:embed="rId5">
-            <a:extLst>
-              <a:ext uri="{28A0092B-C50C-407E-A947-70E740481C1C}">
-                <a14:useLocalDpi xmlns:a14="http://schemas.microsoft.com/office/drawing/2010/main" val="0"/>
-              </a:ext>
-              <a:ext uri="{96DAC541-7B7A-43D3-8B79-37D633B846F1}">
-                <asvg:svgBlip xmlns:asvg="http://schemas.microsoft.com/office/drawing/2016/SVG/main" r:embed="rId6"/>
-              </a:ext>
-            </a:extLst>
-          </a:blip>
-          <a:stretch>
-            <a:fillRect/>
-          </a:stretch>
+          <a:blip r:embed="rId3"/>
+          <a:stretch/>
         </p:blipFill>
         <p:spPr>
           <a:xfrm>
-            <a:off x="7107133" y="4955198"/>
-            <a:ext cx="1237036" cy="522029"/>
-          </a:xfrm>
-          <a:prstGeom prst="rect">
-            <a:avLst/>
-          </a:prstGeom>
+            <a:off x="7107120" y="4955040"/>
+            <a:ext cx="1236600" cy="521640"/>
+          </a:xfrm>
+          <a:prstGeom prst="rect">
+            <a:avLst/>
+          </a:prstGeom>
+          <a:ln>
+            <a:noFill/>
+          </a:ln>
         </p:spPr>
       </p:pic>
       <p:pic>
         <p:nvPicPr>
-          <p:cNvPr id="9" name="intellijidea_logo">
-            <a:extLst>
-              <a:ext uri="{FF2B5EF4-FFF2-40B4-BE49-F238E27FC236}">
-                <a16:creationId xmlns:a16="http://schemas.microsoft.com/office/drawing/2014/main" id="{060D4734-70FA-488F-AF95-DD0F4C4623A6}"/>
-              </a:ext>
-            </a:extLst>
-          </p:cNvPr>
-          <p:cNvPicPr>
-            <a:picLocks noChangeAspect="1"/>
-          </p:cNvPicPr>
+          <p:cNvPr id="100" name="intellijidea_logo" descr=""/>
+          <p:cNvPicPr/>
           <p:nvPr/>
         </p:nvPicPr>
         <p:blipFill>
-          <a:blip r:embed="rId7">
-            <a:extLst>
-              <a:ext uri="{28A0092B-C50C-407E-A947-70E740481C1C}">
-                <a14:useLocalDpi xmlns:a14="http://schemas.microsoft.com/office/drawing/2010/main" val="0"/>
-              </a:ext>
-              <a:ext uri="{96DAC541-7B7A-43D3-8B79-37D633B846F1}">
-                <asvg:svgBlip xmlns:asvg="http://schemas.microsoft.com/office/drawing/2016/SVG/main" r:embed="rId8"/>
-              </a:ext>
-            </a:extLst>
-          </a:blip>
-          <a:stretch>
-            <a:fillRect/>
-          </a:stretch>
+          <a:blip r:embed="rId4"/>
+          <a:stretch/>
         </p:blipFill>
         <p:spPr>
           <a:xfrm>
-            <a:off x="5639769" y="1450817"/>
-            <a:ext cx="666750" cy="666750"/>
-          </a:xfrm>
-          <a:prstGeom prst="rect">
-            <a:avLst/>
-          </a:prstGeom>
+            <a:off x="5639760" y="1450800"/>
+            <a:ext cx="666360" cy="666360"/>
+          </a:xfrm>
+          <a:prstGeom prst="rect">
+            <a:avLst/>
+          </a:prstGeom>
+          <a:ln>
+            <a:noFill/>
+          </a:ln>
         </p:spPr>
       </p:pic>
       <p:pic>
         <p:nvPicPr>
-          <p:cNvPr id="11" name="java_logo">
-            <a:extLst>
-              <a:ext uri="{FF2B5EF4-FFF2-40B4-BE49-F238E27FC236}">
-                <a16:creationId xmlns:a16="http://schemas.microsoft.com/office/drawing/2014/main" id="{819F39C0-08E7-4F57-828D-BDC44EFC9945}"/>
-              </a:ext>
-            </a:extLst>
-          </p:cNvPr>
-          <p:cNvPicPr>
-            <a:picLocks noChangeAspect="1"/>
-          </p:cNvPicPr>
+          <p:cNvPr id="101" name="java_logo" descr=""/>
+          <p:cNvPicPr/>
           <p:nvPr/>
         </p:nvPicPr>
         <p:blipFill>
-          <a:blip r:embed="rId9">
-            <a:extLst>
-              <a:ext uri="{28A0092B-C50C-407E-A947-70E740481C1C}">
-                <a14:useLocalDpi xmlns:a14="http://schemas.microsoft.com/office/drawing/2010/main" val="0"/>
-              </a:ext>
-              <a:ext uri="{96DAC541-7B7A-43D3-8B79-37D633B846F1}">
-                <asvg:svgBlip xmlns:asvg="http://schemas.microsoft.com/office/drawing/2016/SVG/main" r:embed="rId10"/>
-              </a:ext>
-            </a:extLst>
-          </a:blip>
-          <a:stretch>
-            <a:fillRect/>
-          </a:stretch>
+          <a:blip r:embed="rId5"/>
+          <a:stretch/>
         </p:blipFill>
         <p:spPr>
           <a:xfrm>
-            <a:off x="4211812" y="1156525"/>
-            <a:ext cx="635118" cy="1182324"/>
-          </a:xfrm>
-          <a:prstGeom prst="rect">
-            <a:avLst/>
-          </a:prstGeom>
+            <a:off x="4211640" y="1156680"/>
+            <a:ext cx="634680" cy="1181880"/>
+          </a:xfrm>
+          <a:prstGeom prst="rect">
+            <a:avLst/>
+          </a:prstGeom>
+          <a:ln>
+            <a:noFill/>
+          </a:ln>
         </p:spPr>
       </p:pic>
       <p:pic>
         <p:nvPicPr>
-          <p:cNvPr id="13" name="JUnit_logo">
-            <a:extLst>
-              <a:ext uri="{FF2B5EF4-FFF2-40B4-BE49-F238E27FC236}">
-                <a16:creationId xmlns:a16="http://schemas.microsoft.com/office/drawing/2014/main" id="{B0B12E6D-DB81-425A-8381-0197C7931EE1}"/>
-              </a:ext>
-            </a:extLst>
-          </p:cNvPr>
-          <p:cNvPicPr>
-            <a:picLocks noChangeAspect="1"/>
-          </p:cNvPicPr>
+          <p:cNvPr id="102" name="JUnit_logo" descr=""/>
+          <p:cNvPicPr/>
           <p:nvPr/>
         </p:nvPicPr>
         <p:blipFill>
-          <a:blip r:embed="rId11">
-            <a:extLst>
-              <a:ext uri="{28A0092B-C50C-407E-A947-70E740481C1C}">
-                <a14:useLocalDpi xmlns:a14="http://schemas.microsoft.com/office/drawing/2010/main" val="0"/>
-              </a:ext>
-              <a:ext uri="{96DAC541-7B7A-43D3-8B79-37D633B846F1}">
-                <asvg:svgBlip xmlns:asvg="http://schemas.microsoft.com/office/drawing/2016/SVG/main" r:embed="rId12"/>
-              </a:ext>
-            </a:extLst>
-          </a:blip>
-          <a:stretch>
-            <a:fillRect/>
-          </a:stretch>
+          <a:blip r:embed="rId6"/>
+          <a:stretch/>
         </p:blipFill>
         <p:spPr>
           <a:xfrm>
-            <a:off x="5191698" y="4649171"/>
-            <a:ext cx="1352015" cy="412829"/>
-          </a:xfrm>
-          <a:prstGeom prst="rect">
-            <a:avLst/>
-          </a:prstGeom>
+            <a:off x="5191560" y="4649040"/>
+            <a:ext cx="1351800" cy="412560"/>
+          </a:xfrm>
+          <a:prstGeom prst="rect">
+            <a:avLst/>
+          </a:prstGeom>
+          <a:ln>
+            <a:noFill/>
+          </a:ln>
         </p:spPr>
       </p:pic>
       <p:pic>
         <p:nvPicPr>
-          <p:cNvPr id="15" name="maven_logo">
-            <a:extLst>
-              <a:ext uri="{FF2B5EF4-FFF2-40B4-BE49-F238E27FC236}">
-                <a16:creationId xmlns:a16="http://schemas.microsoft.com/office/drawing/2014/main" id="{45AC39D5-17C8-405A-AEE3-7B9FFE6E880E}"/>
-              </a:ext>
-            </a:extLst>
-          </p:cNvPr>
-          <p:cNvPicPr>
-            <a:picLocks noChangeAspect="1"/>
-          </p:cNvPicPr>
+          <p:cNvPr id="103" name="maven_logo" descr=""/>
+          <p:cNvPicPr/>
           <p:nvPr/>
         </p:nvPicPr>
         <p:blipFill>
-          <a:blip r:embed="rId13">
-            <a:extLst>
-              <a:ext uri="{28A0092B-C50C-407E-A947-70E740481C1C}">
-                <a14:useLocalDpi xmlns:a14="http://schemas.microsoft.com/office/drawing/2010/main" val="0"/>
-              </a:ext>
-              <a:ext uri="{96DAC541-7B7A-43D3-8B79-37D633B846F1}">
-                <asvg:svgBlip xmlns:asvg="http://schemas.microsoft.com/office/drawing/2016/SVG/main" r:embed="rId14"/>
-              </a:ext>
-            </a:extLst>
-          </a:blip>
-          <a:stretch>
-            <a:fillRect/>
-          </a:stretch>
+          <a:blip r:embed="rId7"/>
+          <a:stretch/>
         </p:blipFill>
         <p:spPr>
           <a:xfrm>
-            <a:off x="6975860" y="1584509"/>
-            <a:ext cx="1841620" cy="465821"/>
-          </a:xfrm>
-          <a:prstGeom prst="rect">
-            <a:avLst/>
-          </a:prstGeom>
+            <a:off x="6975720" y="1584360"/>
+            <a:ext cx="1841400" cy="465480"/>
+          </a:xfrm>
+          <a:prstGeom prst="rect">
+            <a:avLst/>
+          </a:prstGeom>
+          <a:ln>
+            <a:noFill/>
+          </a:ln>
         </p:spPr>
       </p:pic>
       <p:pic>
         <p:nvPicPr>
-          <p:cNvPr id="17" name="mongodb_logo">
-            <a:extLst>
-              <a:ext uri="{FF2B5EF4-FFF2-40B4-BE49-F238E27FC236}">
-                <a16:creationId xmlns:a16="http://schemas.microsoft.com/office/drawing/2014/main" id="{CFE40899-930C-4839-97D6-296713499E07}"/>
-              </a:ext>
-            </a:extLst>
-          </p:cNvPr>
-          <p:cNvPicPr>
-            <a:picLocks noChangeAspect="1"/>
-          </p:cNvPicPr>
+          <p:cNvPr id="104" name="mongodb_logo" descr=""/>
+          <p:cNvPicPr/>
           <p:nvPr/>
         </p:nvPicPr>
         <p:blipFill>
-          <a:blip r:embed="rId15">
-            <a:extLst>
-              <a:ext uri="{28A0092B-C50C-407E-A947-70E740481C1C}">
-                <a14:useLocalDpi xmlns:a14="http://schemas.microsoft.com/office/drawing/2010/main" val="0"/>
-              </a:ext>
-              <a:ext uri="{96DAC541-7B7A-43D3-8B79-37D633B846F1}">
-                <asvg:svgBlip xmlns:asvg="http://schemas.microsoft.com/office/drawing/2016/SVG/main" r:embed="rId16"/>
-              </a:ext>
-            </a:extLst>
-          </a:blip>
-          <a:stretch>
-            <a:fillRect/>
-          </a:stretch>
+          <a:blip r:embed="rId8"/>
+          <a:stretch/>
         </p:blipFill>
         <p:spPr>
           <a:xfrm>
-            <a:off x="5379134" y="3440332"/>
-            <a:ext cx="1936726" cy="522029"/>
-          </a:xfrm>
-          <a:prstGeom prst="rect">
-            <a:avLst/>
-          </a:prstGeom>
+            <a:off x="5379120" y="3440160"/>
+            <a:ext cx="1936440" cy="521640"/>
+          </a:xfrm>
+          <a:prstGeom prst="rect">
+            <a:avLst/>
+          </a:prstGeom>
+          <a:ln>
+            <a:noFill/>
+          </a:ln>
         </p:spPr>
       </p:pic>
       <p:pic>
         <p:nvPicPr>
-          <p:cNvPr id="19" name="python_logo">
-            <a:extLst>
-              <a:ext uri="{FF2B5EF4-FFF2-40B4-BE49-F238E27FC236}">
-                <a16:creationId xmlns:a16="http://schemas.microsoft.com/office/drawing/2014/main" id="{08F5F161-4263-4731-8BE1-315E3CE2D93A}"/>
-              </a:ext>
-            </a:extLst>
-          </p:cNvPr>
-          <p:cNvPicPr>
-            <a:picLocks noChangeAspect="1"/>
-          </p:cNvPicPr>
+          <p:cNvPr id="105" name="python_logo" descr=""/>
+          <p:cNvPicPr/>
           <p:nvPr/>
         </p:nvPicPr>
         <p:blipFill>
-          <a:blip r:embed="rId17">
-            <a:extLst>
-              <a:ext uri="{28A0092B-C50C-407E-A947-70E740481C1C}">
-                <a14:useLocalDpi xmlns:a14="http://schemas.microsoft.com/office/drawing/2010/main" val="0"/>
-              </a:ext>
-              <a:ext uri="{96DAC541-7B7A-43D3-8B79-37D633B846F1}">
-                <asvg:svgBlip xmlns:asvg="http://schemas.microsoft.com/office/drawing/2016/SVG/main" r:embed="rId18"/>
-              </a:ext>
-            </a:extLst>
-          </a:blip>
-          <a:stretch>
-            <a:fillRect/>
-          </a:stretch>
+          <a:blip r:embed="rId9"/>
+          <a:stretch/>
         </p:blipFill>
         <p:spPr>
           <a:xfrm>
-            <a:off x="5191698" y="2356310"/>
-            <a:ext cx="2311599" cy="682769"/>
-          </a:xfrm>
-          <a:prstGeom prst="rect">
-            <a:avLst/>
-          </a:prstGeom>
+            <a:off x="5191560" y="2356200"/>
+            <a:ext cx="2311200" cy="682560"/>
+          </a:xfrm>
+          <a:prstGeom prst="rect">
+            <a:avLst/>
+          </a:prstGeom>
+          <a:ln>
+            <a:noFill/>
+          </a:ln>
         </p:spPr>
       </p:pic>
       <p:pic>
         <p:nvPicPr>
-          <p:cNvPr id="21" name="yahoofinance_logo">
-            <a:extLst>
-              <a:ext uri="{FF2B5EF4-FFF2-40B4-BE49-F238E27FC236}">
-                <a16:creationId xmlns:a16="http://schemas.microsoft.com/office/drawing/2014/main" id="{048765BE-4DEC-4B3B-81C3-6BFA082C93F2}"/>
-              </a:ext>
-            </a:extLst>
-          </p:cNvPr>
-          <p:cNvPicPr>
-            <a:picLocks noChangeAspect="1"/>
-          </p:cNvPicPr>
+          <p:cNvPr id="106" name="yahoofinance_logo" descr=""/>
+          <p:cNvPicPr/>
           <p:nvPr/>
         </p:nvPicPr>
         <p:blipFill>
-          <a:blip r:embed="rId19">
-            <a:extLst>
-              <a:ext uri="{28A0092B-C50C-407E-A947-70E740481C1C}">
-                <a14:useLocalDpi xmlns:a14="http://schemas.microsoft.com/office/drawing/2010/main" val="0"/>
-              </a:ext>
-              <a:ext uri="{96DAC541-7B7A-43D3-8B79-37D633B846F1}">
-                <asvg:svgBlip xmlns:asvg="http://schemas.microsoft.com/office/drawing/2016/SVG/main" r:embed="rId20"/>
-              </a:ext>
-            </a:extLst>
-          </a:blip>
-          <a:stretch>
-            <a:fillRect/>
-          </a:stretch>
+          <a:blip r:embed="rId10"/>
+          <a:stretch/>
         </p:blipFill>
         <p:spPr>
           <a:xfrm>
-            <a:off x="7214324" y="2839379"/>
-            <a:ext cx="1766489" cy="896695"/>
-          </a:xfrm>
-          <a:prstGeom prst="rect">
-            <a:avLst/>
-          </a:prstGeom>
+            <a:off x="7214400" y="2839320"/>
+            <a:ext cx="1766160" cy="896400"/>
+          </a:xfrm>
+          <a:prstGeom prst="rect">
+            <a:avLst/>
+          </a:prstGeom>
+          <a:ln>
+            <a:noFill/>
+          </a:ln>
         </p:spPr>
       </p:pic>
     </p:spTree>
   </p:cSld>
-  <p:clrMapOvr>
-    <a:masterClrMapping/>
-  </p:clrMapOvr>
   <p:timing>
     <p:tnLst>
       <p:par>
-        <p:cTn id="1" dur="indefinite" restart="never" nodeType="tmRoot">
+        <p:cTn id="15" dur="indefinite" restart="never" nodeType="tmRoot">
           <p:childTnLst>
             <p:seq>
-              <p:cTn id="2" dur="indefinite" nodeType="mainSeq"/>
+              <p:cTn id="16" dur="indefinite" nodeType="mainSeq"/>
               <p:prevCondLst>
-                <p:cond evt="onPrev" delay="0">
+                <p:cond delay="0" evt="onPrev">
                   <p:tgtEl>
                     <p:sldTgt/>
                   </p:tgtEl>
                 </p:cond>
               </p:prevCondLst>
               <p:nextCondLst>
-                <p:cond evt="onNext" delay="0">
+                <p:cond delay="0" evt="onNext">
                   <p:tgtEl>
                     <p:sldTgt/>
                   </p:tgtEl>
@@ -7208,31 +5817,31 @@
         <a:sysClr val="window" lastClr="FFFFFF"/>
       </a:lt1>
       <a:dk2>
-        <a:srgbClr val="1F497D"/>
+        <a:srgbClr val="1f497d"/>
       </a:dk2>
       <a:lt2>
-        <a:srgbClr val="EEECE1"/>
+        <a:srgbClr val="eeece1"/>
       </a:lt2>
       <a:accent1>
-        <a:srgbClr val="4F81BD"/>
+        <a:srgbClr val="4f81bd"/>
       </a:accent1>
       <a:accent2>
-        <a:srgbClr val="C0504D"/>
+        <a:srgbClr val="c0504d"/>
       </a:accent2>
       <a:accent3>
-        <a:srgbClr val="9BBB59"/>
+        <a:srgbClr val="9bbb59"/>
       </a:accent3>
       <a:accent4>
-        <a:srgbClr val="8064A2"/>
+        <a:srgbClr val="8064a2"/>
       </a:accent4>
       <a:accent5>
-        <a:srgbClr val="4BACC6"/>
+        <a:srgbClr val="4bacc6"/>
       </a:accent5>
       <a:accent6>
-        <a:srgbClr val="F79646"/>
+        <a:srgbClr val="f79646"/>
       </a:accent6>
       <a:hlink>
-        <a:srgbClr val="0000FF"/>
+        <a:srgbClr val="0000ff"/>
       </a:hlink>
       <a:folHlink>
         <a:srgbClr val="800080"/>
@@ -7417,8 +6026,6 @@
       </a:bgFillStyleLst>
     </a:fmtScheme>
   </a:themeElements>
-  <a:objectDefaults/>
-  <a:extraClrSchemeLst/>
 </a:theme>
 </file>
 
@@ -7433,31 +6040,31 @@
         <a:sysClr val="window" lastClr="FFFFFF"/>
       </a:lt1>
       <a:dk2>
-        <a:srgbClr val="1F497D"/>
+        <a:srgbClr val="1f497d"/>
       </a:dk2>
       <a:lt2>
-        <a:srgbClr val="EEECE1"/>
+        <a:srgbClr val="eeece1"/>
       </a:lt2>
       <a:accent1>
-        <a:srgbClr val="4F81BD"/>
+        <a:srgbClr val="4f81bd"/>
       </a:accent1>
       <a:accent2>
-        <a:srgbClr val="C0504D"/>
+        <a:srgbClr val="c0504d"/>
       </a:accent2>
       <a:accent3>
-        <a:srgbClr val="9BBB59"/>
+        <a:srgbClr val="9bbb59"/>
       </a:accent3>
       <a:accent4>
-        <a:srgbClr val="8064A2"/>
+        <a:srgbClr val="8064a2"/>
       </a:accent4>
       <a:accent5>
-        <a:srgbClr val="4BACC6"/>
+        <a:srgbClr val="4bacc6"/>
       </a:accent5>
       <a:accent6>
-        <a:srgbClr val="F79646"/>
+        <a:srgbClr val="f79646"/>
       </a:accent6>
       <a:hlink>
-        <a:srgbClr val="0000FF"/>
+        <a:srgbClr val="0000ff"/>
       </a:hlink>
       <a:folHlink>
         <a:srgbClr val="800080"/>
@@ -7642,7 +6249,5 @@
       </a:bgFillStyleLst>
     </a:fmtScheme>
   </a:themeElements>
-  <a:objectDefaults/>
-  <a:extraClrSchemeLst/>
 </a:theme>
 </file>
--- a/documentation/stocksim_preliminary_presentation.pptx
+++ b/documentation/stocksim_preliminary_presentation.pptx
@@ -3904,7 +3904,7 @@
                 <a:latin typeface="Arial"/>
                 <a:ea typeface="DejaVu Sans"/>
               </a:rPr>
-              <a:t>StockSim is a Java Application which allows users to simulate stock portfolios using statistical models built using NASDAQ historical data.</a:t>
+              <a:t>StockSim is a Java Application which allows users to simulate stock portfolios using statistical models built using U.S. stock market historical data.</a:t>
             </a:r>
             <a:endParaRPr b="0" lang="it-IT" sz="1800" spc="-1" strike="noStrike">
               <a:latin typeface="Arial"/>
@@ -4149,7 +4149,7 @@
       </p:sp>
       <p:pic>
         <p:nvPicPr>
-          <p:cNvPr id="87" name="Immagine 2" descr=""/>
+          <p:cNvPr id="87" name="" descr=""/>
           <p:cNvPicPr/>
           <p:nvPr/>
         </p:nvPicPr>
@@ -4159,8 +4159,8 @@
         </p:blipFill>
         <p:spPr>
           <a:xfrm>
-            <a:off x="977760" y="1613160"/>
-            <a:ext cx="7008840" cy="4118040"/>
+            <a:off x="640080" y="1034640"/>
+            <a:ext cx="7772400" cy="4994640"/>
           </a:xfrm>
           <a:prstGeom prst="rect">
             <a:avLst/>
@@ -4549,7 +4549,7 @@
                 <a:latin typeface="Arial"/>
                 <a:ea typeface="DejaVu Sans"/>
               </a:rPr>
-              <a:t>: TODO</a:t>
+              <a:t>: granted by the heterogeneous composition of the NASDAQ index.</a:t>
             </a:r>
             <a:endParaRPr b="0" lang="it-IT" sz="1800" spc="-1" strike="noStrike">
               <a:latin typeface="Arial"/>
@@ -4589,7 +4589,7 @@
                 <a:latin typeface="Arial"/>
                 <a:ea typeface="DejaVu Sans"/>
               </a:rPr>
-              <a:t>: indices and shares of each of the 8000+ NASDAQ stocks are updated automatically every day.</a:t>
+              <a:t>: indices and shares of each of the 8000+ U.S. stock market stocks are updated automatically every day.</a:t>
             </a:r>
             <a:endParaRPr b="0" lang="it-IT" sz="1800" spc="-1" strike="noStrike">
               <a:latin typeface="Arial"/>
@@ -4705,6 +4705,29 @@
           </a:p>
         </p:txBody>
       </p:sp>
+      <p:pic>
+        <p:nvPicPr>
+          <p:cNvPr id="91" name="" descr=""/>
+          <p:cNvPicPr/>
+          <p:nvPr/>
+        </p:nvPicPr>
+        <p:blipFill>
+          <a:blip r:embed="rId1"/>
+          <a:stretch/>
+        </p:blipFill>
+        <p:spPr>
+          <a:xfrm>
+            <a:off x="1122480" y="1424520"/>
+            <a:ext cx="6891840" cy="4083480"/>
+          </a:xfrm>
+          <a:prstGeom prst="rect">
+            <a:avLst/>
+          </a:prstGeom>
+          <a:ln>
+            <a:noFill/>
+          </a:ln>
+        </p:spPr>
+      </p:pic>
     </p:spTree>
   </p:cSld>
   <p:timing>
@@ -4756,7 +4779,7 @@
       </p:grpSpPr>
       <p:sp>
         <p:nvSpPr>
-          <p:cNvPr id="91" name="CustomShape 1"/>
+          <p:cNvPr id="92" name="CustomShape 1"/>
           <p:cNvSpPr/>
           <p:nvPr/>
         </p:nvSpPr>
@@ -4818,7 +4841,7 @@
       </p:sp>
       <p:sp>
         <p:nvSpPr>
-          <p:cNvPr id="92" name="CustomShape 2"/>
+          <p:cNvPr id="93" name="CustomShape 2"/>
           <p:cNvSpPr/>
           <p:nvPr/>
         </p:nvSpPr>
@@ -4846,7 +4869,7 @@
           <a:p>
             <a:pPr marL="285840" indent="-284040">
               <a:lnSpc>
-                <a:spcPct val="150000"/>
+                <a:spcPct val="115000"/>
               </a:lnSpc>
               <a:buClr>
                 <a:srgbClr val="000000"/>
@@ -4862,7 +4885,17 @@
                 <a:latin typeface="Arial"/>
                 <a:ea typeface="DejaVu Sans"/>
               </a:rPr>
-              <a:t>Users’ personal information and preferences</a:t>
+              <a:t>Users’ authentication, </a:t>
+            </a:r>
+            <a:r>
+              <a:rPr b="0" lang="it-IT" sz="2400" spc="-1" strike="noStrike">
+                <a:solidFill>
+                  <a:srgbClr val="000000"/>
+                </a:solidFill>
+                <a:latin typeface="Arial"/>
+                <a:ea typeface="DejaVu Sans"/>
+              </a:rPr>
+              <a:t>personal information and preferences.</a:t>
             </a:r>
             <a:endParaRPr b="0" lang="it-IT" sz="2400" spc="-1" strike="noStrike">
               <a:latin typeface="Arial"/>
@@ -4871,7 +4904,7 @@
           <a:p>
             <a:pPr marL="285840" indent="-284040">
               <a:lnSpc>
-                <a:spcPct val="150000"/>
+                <a:spcPct val="115000"/>
               </a:lnSpc>
               <a:buClr>
                 <a:srgbClr val="000000"/>
@@ -4887,7 +4920,7 @@
                 <a:latin typeface="Arial"/>
                 <a:ea typeface="DejaVu Sans"/>
               </a:rPr>
-              <a:t>Users’ authentication</a:t>
+              <a:t>Stocks’ information (company details, trade, capitalization, etc…).</a:t>
             </a:r>
             <a:endParaRPr b="0" lang="it-IT" sz="2400" spc="-1" strike="noStrike">
               <a:latin typeface="Arial"/>
@@ -4896,7 +4929,7 @@
           <a:p>
             <a:pPr marL="285840" indent="-284040">
               <a:lnSpc>
-                <a:spcPct val="150000"/>
+                <a:spcPct val="115000"/>
               </a:lnSpc>
               <a:buClr>
                 <a:srgbClr val="000000"/>
@@ -4912,7 +4945,7 @@
                 <a:latin typeface="Arial"/>
                 <a:ea typeface="DejaVu Sans"/>
               </a:rPr>
-              <a:t>Stocks’ information (company details, trade, capitalization…)</a:t>
+              <a:t>Indexes’ information (composition, details, etc…).</a:t>
             </a:r>
             <a:endParaRPr b="0" lang="it-IT" sz="2400" spc="-1" strike="noStrike">
               <a:latin typeface="Arial"/>
@@ -4921,7 +4954,7 @@
           <a:p>
             <a:pPr marL="285840" indent="-284040">
               <a:lnSpc>
-                <a:spcPct val="150000"/>
+                <a:spcPct val="115000"/>
               </a:lnSpc>
               <a:buClr>
                 <a:srgbClr val="000000"/>
@@ -4937,7 +4970,17 @@
                 <a:latin typeface="Arial"/>
                 <a:ea typeface="DejaVu Sans"/>
               </a:rPr>
-              <a:t>Indexes’ information (composition, details…)</a:t>
+              <a:t>Stock Portfolio’s information (name, composition, scope</a:t>
+            </a:r>
+            <a:r>
+              <a:rPr b="0" lang="it-IT" sz="2400" spc="-1" strike="noStrike">
+                <a:solidFill>
+                  <a:srgbClr val="000000"/>
+                </a:solidFill>
+                <a:latin typeface="Arial"/>
+                <a:ea typeface="DejaVu Sans"/>
+              </a:rPr>
+              <a:t>, etc…).</a:t>
             </a:r>
             <a:endParaRPr b="0" lang="it-IT" sz="2400" spc="-1" strike="noStrike">
               <a:latin typeface="Arial"/>
@@ -4946,7 +4989,7 @@
           <a:p>
             <a:pPr marL="285840" indent="-284040">
               <a:lnSpc>
-                <a:spcPct val="150000"/>
+                <a:spcPct val="115000"/>
               </a:lnSpc>
               <a:buClr>
                 <a:srgbClr val="000000"/>
@@ -4962,7 +5005,7 @@
                 <a:latin typeface="Arial"/>
                 <a:ea typeface="DejaVu Sans"/>
               </a:rPr>
-              <a:t>Portfolio’s information (name, composition, scope…) </a:t>
+              <a:t>Stock portfolio simulation results.</a:t>
             </a:r>
             <a:endParaRPr b="0" lang="it-IT" sz="2400" spc="-1" strike="noStrike">
               <a:latin typeface="Arial"/>
@@ -4971,7 +5014,7 @@
           <a:p>
             <a:pPr>
               <a:lnSpc>
-                <a:spcPct val="150000"/>
+                <a:spcPct val="115000"/>
               </a:lnSpc>
             </a:pPr>
             <a:endParaRPr b="0" lang="it-IT" sz="2400" spc="-1" strike="noStrike">
@@ -5031,7 +5074,7 @@
       </p:grpSpPr>
       <p:sp>
         <p:nvSpPr>
-          <p:cNvPr id="93" name="CustomShape 1"/>
+          <p:cNvPr id="94" name="CustomShape 1"/>
           <p:cNvSpPr/>
           <p:nvPr/>
         </p:nvSpPr>
@@ -5093,14 +5136,14 @@
       </p:sp>
       <p:sp>
         <p:nvSpPr>
-          <p:cNvPr id="94" name="CustomShape 2"/>
+          <p:cNvPr id="95" name="CustomShape 2"/>
           <p:cNvSpPr/>
           <p:nvPr/>
         </p:nvSpPr>
         <p:spPr>
           <a:xfrm>
             <a:off x="542520" y="1537560"/>
-            <a:ext cx="8087040" cy="698040"/>
+            <a:ext cx="8087040" cy="3308760"/>
           </a:xfrm>
           <a:prstGeom prst="rect">
             <a:avLst/>
@@ -5137,7 +5180,83 @@
                 <a:latin typeface="Arial"/>
                 <a:ea typeface="DejaVu Sans"/>
               </a:rPr>
-              <a:t>Stock historical prices and data</a:t>
+              <a:t>U.S. stock market stocks and ETFs historical data day by day, starting from 1971:</a:t>
+            </a:r>
+            <a:endParaRPr b="0" lang="it-IT" sz="2000" spc="-1" strike="noStrike">
+              <a:latin typeface="Arial"/>
+            </a:endParaRPr>
+          </a:p>
+          <a:p>
+            <a:pPr lvl="2" marL="648000" indent="-216000">
+              <a:lnSpc>
+                <a:spcPct val="150000"/>
+              </a:lnSpc>
+              <a:buClr>
+                <a:srgbClr val="000000"/>
+              </a:buClr>
+              <a:buSzPct val="45000"/>
+              <a:buFont typeface="Wingdings" charset="2"/>
+              <a:buChar char=""/>
+            </a:pPr>
+            <a:r>
+              <a:rPr b="0" lang="it-IT" sz="2000" spc="-1" strike="noStrike">
+                <a:solidFill>
+                  <a:srgbClr val="000000"/>
+                </a:solidFill>
+                <a:latin typeface="Arial"/>
+                <a:ea typeface="DejaVu Sans"/>
+              </a:rPr>
+              <a:t>open, high, low, close and adjusted close prices.</a:t>
+            </a:r>
+            <a:endParaRPr b="0" lang="it-IT" sz="2000" spc="-1" strike="noStrike">
+              <a:latin typeface="Arial"/>
+            </a:endParaRPr>
+          </a:p>
+          <a:p>
+            <a:pPr marL="285840" indent="-284040">
+              <a:lnSpc>
+                <a:spcPct val="150000"/>
+              </a:lnSpc>
+              <a:buClr>
+                <a:srgbClr val="000000"/>
+              </a:buClr>
+              <a:buFont typeface="Arial"/>
+              <a:buChar char="•"/>
+            </a:pPr>
+            <a:r>
+              <a:rPr b="0" lang="it-IT" sz="2000" spc="-1" strike="noStrike">
+                <a:solidFill>
+                  <a:srgbClr val="000000"/>
+                </a:solidFill>
+                <a:latin typeface="Arial"/>
+                <a:ea typeface="DejaVu Sans"/>
+              </a:rPr>
+              <a:t>Market indexes computation.</a:t>
+            </a:r>
+            <a:endParaRPr b="0" lang="it-IT" sz="2000" spc="-1" strike="noStrike">
+              <a:latin typeface="Arial"/>
+            </a:endParaRPr>
+          </a:p>
+          <a:p>
+            <a:pPr marL="285840" indent="-284040">
+              <a:lnSpc>
+                <a:spcPct val="150000"/>
+              </a:lnSpc>
+              <a:buClr>
+                <a:srgbClr val="000000"/>
+              </a:buClr>
+              <a:buFont typeface="Arial"/>
+              <a:buChar char="•"/>
+            </a:pPr>
+            <a:r>
+              <a:rPr b="0" lang="it-IT" sz="2000" spc="-1" strike="noStrike">
+                <a:solidFill>
+                  <a:srgbClr val="000000"/>
+                </a:solidFill>
+                <a:latin typeface="Arial"/>
+                <a:ea typeface="DejaVu Sans"/>
+              </a:rPr>
+              <a:t>Fast and reliable data retrieval and statistics computation.</a:t>
             </a:r>
             <a:endParaRPr b="0" lang="it-IT" sz="2000" spc="-1" strike="noStrike">
               <a:latin typeface="Arial"/>
@@ -5196,7 +5315,7 @@
       </p:grpSpPr>
       <p:sp>
         <p:nvSpPr>
-          <p:cNvPr id="95" name="CustomShape 1"/>
+          <p:cNvPr id="96" name="CustomShape 1"/>
           <p:cNvSpPr/>
           <p:nvPr/>
         </p:nvSpPr>
@@ -5247,7 +5366,7 @@
       </p:sp>
       <p:sp>
         <p:nvSpPr>
-          <p:cNvPr id="96" name="CustomShape 2"/>
+          <p:cNvPr id="97" name="CustomShape 2"/>
           <p:cNvSpPr/>
           <p:nvPr/>
         </p:nvSpPr>
@@ -5411,7 +5530,7 @@
                 <a:latin typeface="Arial"/>
                 <a:ea typeface="DejaVu Sans"/>
               </a:rPr>
-              <a:t>MongoDB (mongodb-driver-sync, official)</a:t>
+              <a:t>MongoDB (MongoDB Driver Sync)</a:t>
             </a:r>
             <a:endParaRPr b="0" lang="it-IT" sz="1800" spc="-1" strike="noStrike">
               <a:latin typeface="Arial"/>
@@ -5454,14 +5573,14 @@
               <a:buChar char="•"/>
             </a:pPr>
             <a:r>
-              <a:rPr b="1" lang="it-IT" sz="1800" spc="-1" strike="noStrike">
+              <a:rPr b="0" lang="it-IT" sz="1800" spc="-1" strike="noStrike">
                 <a:solidFill>
                   <a:srgbClr val="000000"/>
                 </a:solidFill>
                 <a:latin typeface="Arial"/>
                 <a:ea typeface="DejaVu Sans"/>
               </a:rPr>
-              <a:t>TODO: Chart Library</a:t>
+              <a:t>JfreeChart 1.5.1</a:t>
             </a:r>
             <a:endParaRPr b="0" lang="it-IT" sz="1800" spc="-1" strike="noStrike">
               <a:latin typeface="Arial"/>
@@ -5546,7 +5665,7 @@
       </p:sp>
       <p:pic>
         <p:nvPicPr>
-          <p:cNvPr id="97" name="log4j_logo" descr=""/>
+          <p:cNvPr id="98" name="log4j_logo" descr=""/>
           <p:cNvPicPr/>
           <p:nvPr/>
         </p:nvPicPr>
@@ -5569,7 +5688,7 @@
       </p:pic>
       <p:pic>
         <p:nvPicPr>
-          <p:cNvPr id="98" name="cassandra_logo" descr=""/>
+          <p:cNvPr id="99" name="cassandra_logo" descr=""/>
           <p:cNvPicPr/>
           <p:nvPr/>
         </p:nvPicPr>
@@ -5592,7 +5711,7 @@
       </p:pic>
       <p:pic>
         <p:nvPicPr>
-          <p:cNvPr id="99" name="git_logo" descr=""/>
+          <p:cNvPr id="100" name="git_logo" descr=""/>
           <p:cNvPicPr/>
           <p:nvPr/>
         </p:nvPicPr>
@@ -5615,7 +5734,7 @@
       </p:pic>
       <p:pic>
         <p:nvPicPr>
-          <p:cNvPr id="100" name="intellijidea_logo" descr=""/>
+          <p:cNvPr id="101" name="intellijidea_logo" descr=""/>
           <p:cNvPicPr/>
           <p:nvPr/>
         </p:nvPicPr>
@@ -5638,7 +5757,7 @@
       </p:pic>
       <p:pic>
         <p:nvPicPr>
-          <p:cNvPr id="101" name="java_logo" descr=""/>
+          <p:cNvPr id="102" name="java_logo" descr=""/>
           <p:cNvPicPr/>
           <p:nvPr/>
         </p:nvPicPr>
@@ -5661,7 +5780,7 @@
       </p:pic>
       <p:pic>
         <p:nvPicPr>
-          <p:cNvPr id="102" name="JUnit_logo" descr=""/>
+          <p:cNvPr id="103" name="JUnit_logo" descr=""/>
           <p:cNvPicPr/>
           <p:nvPr/>
         </p:nvPicPr>
@@ -5684,7 +5803,7 @@
       </p:pic>
       <p:pic>
         <p:nvPicPr>
-          <p:cNvPr id="103" name="maven_logo" descr=""/>
+          <p:cNvPr id="104" name="maven_logo" descr=""/>
           <p:cNvPicPr/>
           <p:nvPr/>
         </p:nvPicPr>
@@ -5707,7 +5826,7 @@
       </p:pic>
       <p:pic>
         <p:nvPicPr>
-          <p:cNvPr id="104" name="mongodb_logo" descr=""/>
+          <p:cNvPr id="105" name="mongodb_logo" descr=""/>
           <p:cNvPicPr/>
           <p:nvPr/>
         </p:nvPicPr>
@@ -5730,7 +5849,7 @@
       </p:pic>
       <p:pic>
         <p:nvPicPr>
-          <p:cNvPr id="105" name="python_logo" descr=""/>
+          <p:cNvPr id="106" name="python_logo" descr=""/>
           <p:cNvPicPr/>
           <p:nvPr/>
         </p:nvPicPr>
@@ -5753,7 +5872,7 @@
       </p:pic>
       <p:pic>
         <p:nvPicPr>
-          <p:cNvPr id="106" name="yahoofinance_logo" descr=""/>
+          <p:cNvPr id="107" name="yahoofinance_logo" descr=""/>
           <p:cNvPicPr/>
           <p:nvPr/>
         </p:nvPicPr>

--- a/documentation/stocksim_preliminary_presentation.pptx
+++ b/documentation/stocksim_preliminary_presentation.pptx
@@ -72,7 +72,7 @@
         <p:spPr>
           <a:xfrm>
             <a:off x="182880" y="90000"/>
-            <a:ext cx="8759880" cy="1141200"/>
+            <a:ext cx="8759520" cy="1140840"/>
           </a:xfrm>
           <a:prstGeom prst="rect">
             <a:avLst/>
@@ -81,10 +81,8 @@
         <p:txBody>
           <a:bodyPr lIns="0" rIns="0" tIns="0" bIns="0" anchor="ctr"/>
           <a:p>
-            <a:endParaRPr b="0" lang="it-IT" sz="1800" spc="-1" strike="noStrike">
-              <a:solidFill>
-                <a:srgbClr val="000000"/>
-              </a:solidFill>
+            <a:pPr algn="ctr"/>
+            <a:endParaRPr b="0" lang="it-IT" sz="4400" spc="-1" strike="noStrike">
               <a:latin typeface="Arial"/>
             </a:endParaRPr>
           </a:p>
@@ -114,10 +112,7 @@
             <a:normAutofit/>
           </a:bodyPr>
           <a:p>
-            <a:endParaRPr b="0" lang="it-IT" sz="2800" spc="-1" strike="noStrike">
-              <a:solidFill>
-                <a:srgbClr val="000000"/>
-              </a:solidFill>
+            <a:endParaRPr b="0" lang="it-IT" sz="3200" spc="-1" strike="noStrike">
               <a:latin typeface="Arial"/>
             </a:endParaRPr>
           </a:p>
@@ -147,10 +142,7 @@
             <a:normAutofit/>
           </a:bodyPr>
           <a:p>
-            <a:endParaRPr b="0" lang="it-IT" sz="2800" spc="-1" strike="noStrike">
-              <a:solidFill>
-                <a:srgbClr val="000000"/>
-              </a:solidFill>
+            <a:endParaRPr b="0" lang="it-IT" sz="3200" spc="-1" strike="noStrike">
               <a:latin typeface="Arial"/>
             </a:endParaRPr>
           </a:p>
@@ -191,7 +183,7 @@
         <p:spPr>
           <a:xfrm>
             <a:off x="182880" y="90000"/>
-            <a:ext cx="8759880" cy="1141200"/>
+            <a:ext cx="8759520" cy="1140840"/>
           </a:xfrm>
           <a:prstGeom prst="rect">
             <a:avLst/>
@@ -200,10 +192,8 @@
         <p:txBody>
           <a:bodyPr lIns="0" rIns="0" tIns="0" bIns="0" anchor="ctr"/>
           <a:p>
-            <a:endParaRPr b="0" lang="it-IT" sz="1800" spc="-1" strike="noStrike">
-              <a:solidFill>
-                <a:srgbClr val="000000"/>
-              </a:solidFill>
+            <a:pPr algn="ctr"/>
+            <a:endParaRPr b="0" lang="it-IT" sz="4400" spc="-1" strike="noStrike">
               <a:latin typeface="Arial"/>
             </a:endParaRPr>
           </a:p>
@@ -233,10 +223,7 @@
             <a:normAutofit/>
           </a:bodyPr>
           <a:p>
-            <a:endParaRPr b="0" lang="it-IT" sz="2800" spc="-1" strike="noStrike">
-              <a:solidFill>
-                <a:srgbClr val="000000"/>
-              </a:solidFill>
+            <a:endParaRPr b="0" lang="it-IT" sz="3200" spc="-1" strike="noStrike">
               <a:latin typeface="Arial"/>
             </a:endParaRPr>
           </a:p>
@@ -266,10 +253,7 @@
             <a:normAutofit/>
           </a:bodyPr>
           <a:p>
-            <a:endParaRPr b="0" lang="it-IT" sz="2800" spc="-1" strike="noStrike">
-              <a:solidFill>
-                <a:srgbClr val="000000"/>
-              </a:solidFill>
+            <a:endParaRPr b="0" lang="it-IT" sz="3200" spc="-1" strike="noStrike">
               <a:latin typeface="Arial"/>
             </a:endParaRPr>
           </a:p>
@@ -299,10 +283,7 @@
             <a:normAutofit/>
           </a:bodyPr>
           <a:p>
-            <a:endParaRPr b="0" lang="it-IT" sz="2800" spc="-1" strike="noStrike">
-              <a:solidFill>
-                <a:srgbClr val="000000"/>
-              </a:solidFill>
+            <a:endParaRPr b="0" lang="it-IT" sz="3200" spc="-1" strike="noStrike">
               <a:latin typeface="Arial"/>
             </a:endParaRPr>
           </a:p>
@@ -332,10 +313,7 @@
             <a:normAutofit/>
           </a:bodyPr>
           <a:p>
-            <a:endParaRPr b="0" lang="it-IT" sz="2800" spc="-1" strike="noStrike">
-              <a:solidFill>
-                <a:srgbClr val="000000"/>
-              </a:solidFill>
+            <a:endParaRPr b="0" lang="it-IT" sz="3200" spc="-1" strike="noStrike">
               <a:latin typeface="Arial"/>
             </a:endParaRPr>
           </a:p>
@@ -376,7 +354,7 @@
         <p:spPr>
           <a:xfrm>
             <a:off x="182880" y="90000"/>
-            <a:ext cx="8759880" cy="1141200"/>
+            <a:ext cx="8759520" cy="1140840"/>
           </a:xfrm>
           <a:prstGeom prst="rect">
             <a:avLst/>
@@ -385,10 +363,8 @@
         <p:txBody>
           <a:bodyPr lIns="0" rIns="0" tIns="0" bIns="0" anchor="ctr"/>
           <a:p>
-            <a:endParaRPr b="0" lang="it-IT" sz="1800" spc="-1" strike="noStrike">
-              <a:solidFill>
-                <a:srgbClr val="000000"/>
-              </a:solidFill>
+            <a:pPr algn="ctr"/>
+            <a:endParaRPr b="0" lang="it-IT" sz="4400" spc="-1" strike="noStrike">
               <a:latin typeface="Arial"/>
             </a:endParaRPr>
           </a:p>
@@ -418,10 +394,7 @@
             <a:normAutofit/>
           </a:bodyPr>
           <a:p>
-            <a:endParaRPr b="0" lang="it-IT" sz="2800" spc="-1" strike="noStrike">
-              <a:solidFill>
-                <a:srgbClr val="000000"/>
-              </a:solidFill>
+            <a:endParaRPr b="0" lang="it-IT" sz="3200" spc="-1" strike="noStrike">
               <a:latin typeface="Arial"/>
             </a:endParaRPr>
           </a:p>
@@ -451,10 +424,7 @@
             <a:normAutofit/>
           </a:bodyPr>
           <a:p>
-            <a:endParaRPr b="0" lang="it-IT" sz="2800" spc="-1" strike="noStrike">
-              <a:solidFill>
-                <a:srgbClr val="000000"/>
-              </a:solidFill>
+            <a:endParaRPr b="0" lang="it-IT" sz="3200" spc="-1" strike="noStrike">
               <a:latin typeface="Arial"/>
             </a:endParaRPr>
           </a:p>
@@ -484,10 +454,7 @@
             <a:normAutofit/>
           </a:bodyPr>
           <a:p>
-            <a:endParaRPr b="0" lang="it-IT" sz="2800" spc="-1" strike="noStrike">
-              <a:solidFill>
-                <a:srgbClr val="000000"/>
-              </a:solidFill>
+            <a:endParaRPr b="0" lang="it-IT" sz="3200" spc="-1" strike="noStrike">
               <a:latin typeface="Arial"/>
             </a:endParaRPr>
           </a:p>
@@ -517,10 +484,7 @@
             <a:normAutofit/>
           </a:bodyPr>
           <a:p>
-            <a:endParaRPr b="0" lang="it-IT" sz="2800" spc="-1" strike="noStrike">
-              <a:solidFill>
-                <a:srgbClr val="000000"/>
-              </a:solidFill>
+            <a:endParaRPr b="0" lang="it-IT" sz="3200" spc="-1" strike="noStrike">
               <a:latin typeface="Arial"/>
             </a:endParaRPr>
           </a:p>
@@ -550,10 +514,7 @@
             <a:normAutofit/>
           </a:bodyPr>
           <a:p>
-            <a:endParaRPr b="0" lang="it-IT" sz="2800" spc="-1" strike="noStrike">
-              <a:solidFill>
-                <a:srgbClr val="000000"/>
-              </a:solidFill>
+            <a:endParaRPr b="0" lang="it-IT" sz="3200" spc="-1" strike="noStrike">
               <a:latin typeface="Arial"/>
             </a:endParaRPr>
           </a:p>
@@ -583,10 +544,7 @@
             <a:normAutofit/>
           </a:bodyPr>
           <a:p>
-            <a:endParaRPr b="0" lang="it-IT" sz="2800" spc="-1" strike="noStrike">
-              <a:solidFill>
-                <a:srgbClr val="000000"/>
-              </a:solidFill>
+            <a:endParaRPr b="0" lang="it-IT" sz="3200" spc="-1" strike="noStrike">
               <a:latin typeface="Arial"/>
             </a:endParaRPr>
           </a:p>
@@ -649,7 +607,7 @@
         <p:spPr>
           <a:xfrm>
             <a:off x="182880" y="90000"/>
-            <a:ext cx="8759880" cy="1141200"/>
+            <a:ext cx="8759520" cy="1140840"/>
           </a:xfrm>
           <a:prstGeom prst="rect">
             <a:avLst/>
@@ -658,10 +616,8 @@
         <p:txBody>
           <a:bodyPr lIns="0" rIns="0" tIns="0" bIns="0" anchor="ctr"/>
           <a:p>
-            <a:endParaRPr b="0" lang="it-IT" sz="1800" spc="-1" strike="noStrike">
-              <a:solidFill>
-                <a:srgbClr val="000000"/>
-              </a:solidFill>
+            <a:pPr algn="ctr"/>
+            <a:endParaRPr b="0" lang="it-IT" sz="4400" spc="-1" strike="noStrike">
               <a:latin typeface="Arial"/>
             </a:endParaRPr>
           </a:p>
@@ -731,7 +687,7 @@
         <p:spPr>
           <a:xfrm>
             <a:off x="182880" y="90000"/>
-            <a:ext cx="8759880" cy="1141200"/>
+            <a:ext cx="8759520" cy="1140840"/>
           </a:xfrm>
           <a:prstGeom prst="rect">
             <a:avLst/>
@@ -740,10 +696,8 @@
         <p:txBody>
           <a:bodyPr lIns="0" rIns="0" tIns="0" bIns="0" anchor="ctr"/>
           <a:p>
-            <a:endParaRPr b="0" lang="it-IT" sz="1800" spc="-1" strike="noStrike">
-              <a:solidFill>
-                <a:srgbClr val="000000"/>
-              </a:solidFill>
+            <a:pPr algn="ctr"/>
+            <a:endParaRPr b="0" lang="it-IT" sz="4400" spc="-1" strike="noStrike">
               <a:latin typeface="Arial"/>
             </a:endParaRPr>
           </a:p>
@@ -773,10 +727,7 @@
             <a:normAutofit/>
           </a:bodyPr>
           <a:p>
-            <a:endParaRPr b="0" lang="it-IT" sz="2800" spc="-1" strike="noStrike">
-              <a:solidFill>
-                <a:srgbClr val="000000"/>
-              </a:solidFill>
+            <a:endParaRPr b="0" lang="it-IT" sz="3200" spc="-1" strike="noStrike">
               <a:latin typeface="Arial"/>
             </a:endParaRPr>
           </a:p>
@@ -817,7 +768,7 @@
         <p:spPr>
           <a:xfrm>
             <a:off x="182880" y="90000"/>
-            <a:ext cx="8759880" cy="1141200"/>
+            <a:ext cx="8759520" cy="1140840"/>
           </a:xfrm>
           <a:prstGeom prst="rect">
             <a:avLst/>
@@ -826,10 +777,8 @@
         <p:txBody>
           <a:bodyPr lIns="0" rIns="0" tIns="0" bIns="0" anchor="ctr"/>
           <a:p>
-            <a:endParaRPr b="0" lang="it-IT" sz="1800" spc="-1" strike="noStrike">
-              <a:solidFill>
-                <a:srgbClr val="000000"/>
-              </a:solidFill>
+            <a:pPr algn="ctr"/>
+            <a:endParaRPr b="0" lang="it-IT" sz="4400" spc="-1" strike="noStrike">
               <a:latin typeface="Arial"/>
             </a:endParaRPr>
           </a:p>
@@ -859,10 +808,7 @@
             <a:normAutofit/>
           </a:bodyPr>
           <a:p>
-            <a:endParaRPr b="0" lang="it-IT" sz="2800" spc="-1" strike="noStrike">
-              <a:solidFill>
-                <a:srgbClr val="000000"/>
-              </a:solidFill>
+            <a:endParaRPr b="0" lang="it-IT" sz="3200" spc="-1" strike="noStrike">
               <a:latin typeface="Arial"/>
             </a:endParaRPr>
           </a:p>
@@ -892,10 +838,7 @@
             <a:normAutofit/>
           </a:bodyPr>
           <a:p>
-            <a:endParaRPr b="0" lang="it-IT" sz="2800" spc="-1" strike="noStrike">
-              <a:solidFill>
-                <a:srgbClr val="000000"/>
-              </a:solidFill>
+            <a:endParaRPr b="0" lang="it-IT" sz="3200" spc="-1" strike="noStrike">
               <a:latin typeface="Arial"/>
             </a:endParaRPr>
           </a:p>
@@ -936,7 +879,7 @@
         <p:spPr>
           <a:xfrm>
             <a:off x="182880" y="90000"/>
-            <a:ext cx="8759880" cy="1141200"/>
+            <a:ext cx="8759520" cy="1140840"/>
           </a:xfrm>
           <a:prstGeom prst="rect">
             <a:avLst/>
@@ -945,10 +888,8 @@
         <p:txBody>
           <a:bodyPr lIns="0" rIns="0" tIns="0" bIns="0" anchor="ctr"/>
           <a:p>
-            <a:endParaRPr b="0" lang="it-IT" sz="1800" spc="-1" strike="noStrike">
-              <a:solidFill>
-                <a:srgbClr val="000000"/>
-              </a:solidFill>
+            <a:pPr algn="ctr"/>
+            <a:endParaRPr b="0" lang="it-IT" sz="4400" spc="-1" strike="noStrike">
               <a:latin typeface="Arial"/>
             </a:endParaRPr>
           </a:p>
@@ -989,7 +930,7 @@
         <p:spPr>
           <a:xfrm>
             <a:off x="182880" y="90000"/>
-            <a:ext cx="8759880" cy="5291280"/>
+            <a:ext cx="8759520" cy="5289480"/>
           </a:xfrm>
           <a:prstGeom prst="rect">
             <a:avLst/>
@@ -1040,7 +981,7 @@
         <p:spPr>
           <a:xfrm>
             <a:off x="182880" y="90000"/>
-            <a:ext cx="8759880" cy="1141200"/>
+            <a:ext cx="8759520" cy="1140840"/>
           </a:xfrm>
           <a:prstGeom prst="rect">
             <a:avLst/>
@@ -1049,10 +990,8 @@
         <p:txBody>
           <a:bodyPr lIns="0" rIns="0" tIns="0" bIns="0" anchor="ctr"/>
           <a:p>
-            <a:endParaRPr b="0" lang="it-IT" sz="1800" spc="-1" strike="noStrike">
-              <a:solidFill>
-                <a:srgbClr val="000000"/>
-              </a:solidFill>
+            <a:pPr algn="ctr"/>
+            <a:endParaRPr b="0" lang="it-IT" sz="4400" spc="-1" strike="noStrike">
               <a:latin typeface="Arial"/>
             </a:endParaRPr>
           </a:p>
@@ -1082,10 +1021,7 @@
             <a:normAutofit/>
           </a:bodyPr>
           <a:p>
-            <a:endParaRPr b="0" lang="it-IT" sz="2800" spc="-1" strike="noStrike">
-              <a:solidFill>
-                <a:srgbClr val="000000"/>
-              </a:solidFill>
+            <a:endParaRPr b="0" lang="it-IT" sz="3200" spc="-1" strike="noStrike">
               <a:latin typeface="Arial"/>
             </a:endParaRPr>
           </a:p>
@@ -1115,10 +1051,7 @@
             <a:normAutofit/>
           </a:bodyPr>
           <a:p>
-            <a:endParaRPr b="0" lang="it-IT" sz="2800" spc="-1" strike="noStrike">
-              <a:solidFill>
-                <a:srgbClr val="000000"/>
-              </a:solidFill>
+            <a:endParaRPr b="0" lang="it-IT" sz="3200" spc="-1" strike="noStrike">
               <a:latin typeface="Arial"/>
             </a:endParaRPr>
           </a:p>
@@ -1148,10 +1081,7 @@
             <a:normAutofit/>
           </a:bodyPr>
           <a:p>
-            <a:endParaRPr b="0" lang="it-IT" sz="2800" spc="-1" strike="noStrike">
-              <a:solidFill>
-                <a:srgbClr val="000000"/>
-              </a:solidFill>
+            <a:endParaRPr b="0" lang="it-IT" sz="3200" spc="-1" strike="noStrike">
               <a:latin typeface="Arial"/>
             </a:endParaRPr>
           </a:p>
@@ -1192,7 +1122,7 @@
         <p:spPr>
           <a:xfrm>
             <a:off x="182880" y="90000"/>
-            <a:ext cx="8759880" cy="1141200"/>
+            <a:ext cx="8759520" cy="1140840"/>
           </a:xfrm>
           <a:prstGeom prst="rect">
             <a:avLst/>
@@ -1201,10 +1131,8 @@
         <p:txBody>
           <a:bodyPr lIns="0" rIns="0" tIns="0" bIns="0" anchor="ctr"/>
           <a:p>
-            <a:endParaRPr b="0" lang="it-IT" sz="1800" spc="-1" strike="noStrike">
-              <a:solidFill>
-                <a:srgbClr val="000000"/>
-              </a:solidFill>
+            <a:pPr algn="ctr"/>
+            <a:endParaRPr b="0" lang="it-IT" sz="4400" spc="-1" strike="noStrike">
               <a:latin typeface="Arial"/>
             </a:endParaRPr>
           </a:p>
@@ -1274,7 +1202,7 @@
         <p:spPr>
           <a:xfrm>
             <a:off x="182880" y="90000"/>
-            <a:ext cx="8759880" cy="1141200"/>
+            <a:ext cx="8759520" cy="1140840"/>
           </a:xfrm>
           <a:prstGeom prst="rect">
             <a:avLst/>
@@ -1283,10 +1211,8 @@
         <p:txBody>
           <a:bodyPr lIns="0" rIns="0" tIns="0" bIns="0" anchor="ctr"/>
           <a:p>
-            <a:endParaRPr b="0" lang="it-IT" sz="1800" spc="-1" strike="noStrike">
-              <a:solidFill>
-                <a:srgbClr val="000000"/>
-              </a:solidFill>
+            <a:pPr algn="ctr"/>
+            <a:endParaRPr b="0" lang="it-IT" sz="4400" spc="-1" strike="noStrike">
               <a:latin typeface="Arial"/>
             </a:endParaRPr>
           </a:p>
@@ -1316,10 +1242,7 @@
             <a:normAutofit/>
           </a:bodyPr>
           <a:p>
-            <a:endParaRPr b="0" lang="it-IT" sz="2800" spc="-1" strike="noStrike">
-              <a:solidFill>
-                <a:srgbClr val="000000"/>
-              </a:solidFill>
+            <a:endParaRPr b="0" lang="it-IT" sz="3200" spc="-1" strike="noStrike">
               <a:latin typeface="Arial"/>
             </a:endParaRPr>
           </a:p>
@@ -1349,10 +1272,7 @@
             <a:normAutofit/>
           </a:bodyPr>
           <a:p>
-            <a:endParaRPr b="0" lang="it-IT" sz="2800" spc="-1" strike="noStrike">
-              <a:solidFill>
-                <a:srgbClr val="000000"/>
-              </a:solidFill>
+            <a:endParaRPr b="0" lang="it-IT" sz="3200" spc="-1" strike="noStrike">
               <a:latin typeface="Arial"/>
             </a:endParaRPr>
           </a:p>
@@ -1382,10 +1302,7 @@
             <a:normAutofit/>
           </a:bodyPr>
           <a:p>
-            <a:endParaRPr b="0" lang="it-IT" sz="2800" spc="-1" strike="noStrike">
-              <a:solidFill>
-                <a:srgbClr val="000000"/>
-              </a:solidFill>
+            <a:endParaRPr b="0" lang="it-IT" sz="3200" spc="-1" strike="noStrike">
               <a:latin typeface="Arial"/>
             </a:endParaRPr>
           </a:p>
@@ -1426,7 +1343,7 @@
         <p:spPr>
           <a:xfrm>
             <a:off x="182880" y="90000"/>
-            <a:ext cx="8759880" cy="1141200"/>
+            <a:ext cx="8759520" cy="1140840"/>
           </a:xfrm>
           <a:prstGeom prst="rect">
             <a:avLst/>
@@ -1435,10 +1352,8 @@
         <p:txBody>
           <a:bodyPr lIns="0" rIns="0" tIns="0" bIns="0" anchor="ctr"/>
           <a:p>
-            <a:endParaRPr b="0" lang="it-IT" sz="1800" spc="-1" strike="noStrike">
-              <a:solidFill>
-                <a:srgbClr val="000000"/>
-              </a:solidFill>
+            <a:pPr algn="ctr"/>
+            <a:endParaRPr b="0" lang="it-IT" sz="4400" spc="-1" strike="noStrike">
               <a:latin typeface="Arial"/>
             </a:endParaRPr>
           </a:p>
@@ -1468,10 +1383,7 @@
             <a:normAutofit/>
           </a:bodyPr>
           <a:p>
-            <a:endParaRPr b="0" lang="it-IT" sz="2800" spc="-1" strike="noStrike">
-              <a:solidFill>
-                <a:srgbClr val="000000"/>
-              </a:solidFill>
+            <a:endParaRPr b="0" lang="it-IT" sz="3200" spc="-1" strike="noStrike">
               <a:latin typeface="Arial"/>
             </a:endParaRPr>
           </a:p>
@@ -1501,10 +1413,7 @@
             <a:normAutofit/>
           </a:bodyPr>
           <a:p>
-            <a:endParaRPr b="0" lang="it-IT" sz="2800" spc="-1" strike="noStrike">
-              <a:solidFill>
-                <a:srgbClr val="000000"/>
-              </a:solidFill>
+            <a:endParaRPr b="0" lang="it-IT" sz="3200" spc="-1" strike="noStrike">
               <a:latin typeface="Arial"/>
             </a:endParaRPr>
           </a:p>
@@ -1534,10 +1443,7 @@
             <a:normAutofit/>
           </a:bodyPr>
           <a:p>
-            <a:endParaRPr b="0" lang="it-IT" sz="2800" spc="-1" strike="noStrike">
-              <a:solidFill>
-                <a:srgbClr val="000000"/>
-              </a:solidFill>
+            <a:endParaRPr b="0" lang="it-IT" sz="3200" spc="-1" strike="noStrike">
               <a:latin typeface="Arial"/>
             </a:endParaRPr>
           </a:p>
@@ -1578,7 +1484,7 @@
         <p:spPr>
           <a:xfrm>
             <a:off x="182880" y="90000"/>
-            <a:ext cx="8759880" cy="1141200"/>
+            <a:ext cx="8759520" cy="1140840"/>
           </a:xfrm>
           <a:prstGeom prst="rect">
             <a:avLst/>
@@ -1587,10 +1493,8 @@
         <p:txBody>
           <a:bodyPr lIns="0" rIns="0" tIns="0" bIns="0" anchor="ctr"/>
           <a:p>
-            <a:endParaRPr b="0" lang="it-IT" sz="1800" spc="-1" strike="noStrike">
-              <a:solidFill>
-                <a:srgbClr val="000000"/>
-              </a:solidFill>
+            <a:pPr algn="ctr"/>
+            <a:endParaRPr b="0" lang="it-IT" sz="4400" spc="-1" strike="noStrike">
               <a:latin typeface="Arial"/>
             </a:endParaRPr>
           </a:p>
@@ -1620,10 +1524,7 @@
             <a:normAutofit/>
           </a:bodyPr>
           <a:p>
-            <a:endParaRPr b="0" lang="it-IT" sz="2800" spc="-1" strike="noStrike">
-              <a:solidFill>
-                <a:srgbClr val="000000"/>
-              </a:solidFill>
+            <a:endParaRPr b="0" lang="it-IT" sz="3200" spc="-1" strike="noStrike">
               <a:latin typeface="Arial"/>
             </a:endParaRPr>
           </a:p>
@@ -1653,10 +1554,7 @@
             <a:normAutofit/>
           </a:bodyPr>
           <a:p>
-            <a:endParaRPr b="0" lang="it-IT" sz="2800" spc="-1" strike="noStrike">
-              <a:solidFill>
-                <a:srgbClr val="000000"/>
-              </a:solidFill>
+            <a:endParaRPr b="0" lang="it-IT" sz="3200" spc="-1" strike="noStrike">
               <a:latin typeface="Arial"/>
             </a:endParaRPr>
           </a:p>
@@ -1697,7 +1595,7 @@
         <p:spPr>
           <a:xfrm>
             <a:off x="182880" y="90000"/>
-            <a:ext cx="8759880" cy="1141200"/>
+            <a:ext cx="8759520" cy="1140840"/>
           </a:xfrm>
           <a:prstGeom prst="rect">
             <a:avLst/>
@@ -1706,10 +1604,8 @@
         <p:txBody>
           <a:bodyPr lIns="0" rIns="0" tIns="0" bIns="0" anchor="ctr"/>
           <a:p>
-            <a:endParaRPr b="0" lang="it-IT" sz="1800" spc="-1" strike="noStrike">
-              <a:solidFill>
-                <a:srgbClr val="000000"/>
-              </a:solidFill>
+            <a:pPr algn="ctr"/>
+            <a:endParaRPr b="0" lang="it-IT" sz="4400" spc="-1" strike="noStrike">
               <a:latin typeface="Arial"/>
             </a:endParaRPr>
           </a:p>
@@ -1739,10 +1635,7 @@
             <a:normAutofit/>
           </a:bodyPr>
           <a:p>
-            <a:endParaRPr b="0" lang="it-IT" sz="2800" spc="-1" strike="noStrike">
-              <a:solidFill>
-                <a:srgbClr val="000000"/>
-              </a:solidFill>
+            <a:endParaRPr b="0" lang="it-IT" sz="3200" spc="-1" strike="noStrike">
               <a:latin typeface="Arial"/>
             </a:endParaRPr>
           </a:p>
@@ -1772,10 +1665,7 @@
             <a:normAutofit/>
           </a:bodyPr>
           <a:p>
-            <a:endParaRPr b="0" lang="it-IT" sz="2800" spc="-1" strike="noStrike">
-              <a:solidFill>
-                <a:srgbClr val="000000"/>
-              </a:solidFill>
+            <a:endParaRPr b="0" lang="it-IT" sz="3200" spc="-1" strike="noStrike">
               <a:latin typeface="Arial"/>
             </a:endParaRPr>
           </a:p>
@@ -1805,10 +1695,7 @@
             <a:normAutofit/>
           </a:bodyPr>
           <a:p>
-            <a:endParaRPr b="0" lang="it-IT" sz="2800" spc="-1" strike="noStrike">
-              <a:solidFill>
-                <a:srgbClr val="000000"/>
-              </a:solidFill>
+            <a:endParaRPr b="0" lang="it-IT" sz="3200" spc="-1" strike="noStrike">
               <a:latin typeface="Arial"/>
             </a:endParaRPr>
           </a:p>
@@ -1838,10 +1725,7 @@
             <a:normAutofit/>
           </a:bodyPr>
           <a:p>
-            <a:endParaRPr b="0" lang="it-IT" sz="2800" spc="-1" strike="noStrike">
-              <a:solidFill>
-                <a:srgbClr val="000000"/>
-              </a:solidFill>
+            <a:endParaRPr b="0" lang="it-IT" sz="3200" spc="-1" strike="noStrike">
               <a:latin typeface="Arial"/>
             </a:endParaRPr>
           </a:p>
@@ -1882,7 +1766,7 @@
         <p:spPr>
           <a:xfrm>
             <a:off x="182880" y="90000"/>
-            <a:ext cx="8759880" cy="1141200"/>
+            <a:ext cx="8759520" cy="1140840"/>
           </a:xfrm>
           <a:prstGeom prst="rect">
             <a:avLst/>
@@ -1891,10 +1775,8 @@
         <p:txBody>
           <a:bodyPr lIns="0" rIns="0" tIns="0" bIns="0" anchor="ctr"/>
           <a:p>
-            <a:endParaRPr b="0" lang="it-IT" sz="1800" spc="-1" strike="noStrike">
-              <a:solidFill>
-                <a:srgbClr val="000000"/>
-              </a:solidFill>
+            <a:pPr algn="ctr"/>
+            <a:endParaRPr b="0" lang="it-IT" sz="4400" spc="-1" strike="noStrike">
               <a:latin typeface="Arial"/>
             </a:endParaRPr>
           </a:p>
@@ -1924,10 +1806,7 @@
             <a:normAutofit/>
           </a:bodyPr>
           <a:p>
-            <a:endParaRPr b="0" lang="it-IT" sz="2800" spc="-1" strike="noStrike">
-              <a:solidFill>
-                <a:srgbClr val="000000"/>
-              </a:solidFill>
+            <a:endParaRPr b="0" lang="it-IT" sz="3200" spc="-1" strike="noStrike">
               <a:latin typeface="Arial"/>
             </a:endParaRPr>
           </a:p>
@@ -1957,10 +1836,7 @@
             <a:normAutofit/>
           </a:bodyPr>
           <a:p>
-            <a:endParaRPr b="0" lang="it-IT" sz="2800" spc="-1" strike="noStrike">
-              <a:solidFill>
-                <a:srgbClr val="000000"/>
-              </a:solidFill>
+            <a:endParaRPr b="0" lang="it-IT" sz="3200" spc="-1" strike="noStrike">
               <a:latin typeface="Arial"/>
             </a:endParaRPr>
           </a:p>
@@ -1990,10 +1866,7 @@
             <a:normAutofit/>
           </a:bodyPr>
           <a:p>
-            <a:endParaRPr b="0" lang="it-IT" sz="2800" spc="-1" strike="noStrike">
-              <a:solidFill>
-                <a:srgbClr val="000000"/>
-              </a:solidFill>
+            <a:endParaRPr b="0" lang="it-IT" sz="3200" spc="-1" strike="noStrike">
               <a:latin typeface="Arial"/>
             </a:endParaRPr>
           </a:p>
@@ -2023,10 +1896,7 @@
             <a:normAutofit/>
           </a:bodyPr>
           <a:p>
-            <a:endParaRPr b="0" lang="it-IT" sz="2800" spc="-1" strike="noStrike">
-              <a:solidFill>
-                <a:srgbClr val="000000"/>
-              </a:solidFill>
+            <a:endParaRPr b="0" lang="it-IT" sz="3200" spc="-1" strike="noStrike">
               <a:latin typeface="Arial"/>
             </a:endParaRPr>
           </a:p>
@@ -2056,10 +1926,7 @@
             <a:normAutofit/>
           </a:bodyPr>
           <a:p>
-            <a:endParaRPr b="0" lang="it-IT" sz="2800" spc="-1" strike="noStrike">
-              <a:solidFill>
-                <a:srgbClr val="000000"/>
-              </a:solidFill>
+            <a:endParaRPr b="0" lang="it-IT" sz="3200" spc="-1" strike="noStrike">
               <a:latin typeface="Arial"/>
             </a:endParaRPr>
           </a:p>
@@ -2089,10 +1956,7 @@
             <a:normAutofit/>
           </a:bodyPr>
           <a:p>
-            <a:endParaRPr b="0" lang="it-IT" sz="2800" spc="-1" strike="noStrike">
-              <a:solidFill>
-                <a:srgbClr val="000000"/>
-              </a:solidFill>
+            <a:endParaRPr b="0" lang="it-IT" sz="3200" spc="-1" strike="noStrike">
               <a:latin typeface="Arial"/>
             </a:endParaRPr>
           </a:p>
@@ -2133,7 +1997,7 @@
         <p:spPr>
           <a:xfrm>
             <a:off x="182880" y="90000"/>
-            <a:ext cx="8759880" cy="1141200"/>
+            <a:ext cx="8759520" cy="1140840"/>
           </a:xfrm>
           <a:prstGeom prst="rect">
             <a:avLst/>
@@ -2142,10 +2006,8 @@
         <p:txBody>
           <a:bodyPr lIns="0" rIns="0" tIns="0" bIns="0" anchor="ctr"/>
           <a:p>
-            <a:endParaRPr b="0" lang="it-IT" sz="1800" spc="-1" strike="noStrike">
-              <a:solidFill>
-                <a:srgbClr val="000000"/>
-              </a:solidFill>
+            <a:pPr algn="ctr"/>
+            <a:endParaRPr b="0" lang="it-IT" sz="4400" spc="-1" strike="noStrike">
               <a:latin typeface="Arial"/>
             </a:endParaRPr>
           </a:p>
@@ -2175,10 +2037,7 @@
             <a:normAutofit/>
           </a:bodyPr>
           <a:p>
-            <a:endParaRPr b="0" lang="it-IT" sz="2800" spc="-1" strike="noStrike">
-              <a:solidFill>
-                <a:srgbClr val="000000"/>
-              </a:solidFill>
+            <a:endParaRPr b="0" lang="it-IT" sz="3200" spc="-1" strike="noStrike">
               <a:latin typeface="Arial"/>
             </a:endParaRPr>
           </a:p>
@@ -2219,7 +2078,7 @@
         <p:spPr>
           <a:xfrm>
             <a:off x="182880" y="90000"/>
-            <a:ext cx="8759880" cy="1141200"/>
+            <a:ext cx="8759520" cy="1140840"/>
           </a:xfrm>
           <a:prstGeom prst="rect">
             <a:avLst/>
@@ -2228,10 +2087,8 @@
         <p:txBody>
           <a:bodyPr lIns="0" rIns="0" tIns="0" bIns="0" anchor="ctr"/>
           <a:p>
-            <a:endParaRPr b="0" lang="it-IT" sz="1800" spc="-1" strike="noStrike">
-              <a:solidFill>
-                <a:srgbClr val="000000"/>
-              </a:solidFill>
+            <a:pPr algn="ctr"/>
+            <a:endParaRPr b="0" lang="it-IT" sz="4400" spc="-1" strike="noStrike">
               <a:latin typeface="Arial"/>
             </a:endParaRPr>
           </a:p>
@@ -2261,10 +2118,7 @@
             <a:normAutofit/>
           </a:bodyPr>
           <a:p>
-            <a:endParaRPr b="0" lang="it-IT" sz="2800" spc="-1" strike="noStrike">
-              <a:solidFill>
-                <a:srgbClr val="000000"/>
-              </a:solidFill>
+            <a:endParaRPr b="0" lang="it-IT" sz="3200" spc="-1" strike="noStrike">
               <a:latin typeface="Arial"/>
             </a:endParaRPr>
           </a:p>
@@ -2294,10 +2148,7 @@
             <a:normAutofit/>
           </a:bodyPr>
           <a:p>
-            <a:endParaRPr b="0" lang="it-IT" sz="2800" spc="-1" strike="noStrike">
-              <a:solidFill>
-                <a:srgbClr val="000000"/>
-              </a:solidFill>
+            <a:endParaRPr b="0" lang="it-IT" sz="3200" spc="-1" strike="noStrike">
               <a:latin typeface="Arial"/>
             </a:endParaRPr>
           </a:p>
@@ -2338,7 +2189,7 @@
         <p:spPr>
           <a:xfrm>
             <a:off x="182880" y="90000"/>
-            <a:ext cx="8759880" cy="1141200"/>
+            <a:ext cx="8759520" cy="1140840"/>
           </a:xfrm>
           <a:prstGeom prst="rect">
             <a:avLst/>
@@ -2347,10 +2198,8 @@
         <p:txBody>
           <a:bodyPr lIns="0" rIns="0" tIns="0" bIns="0" anchor="ctr"/>
           <a:p>
-            <a:endParaRPr b="0" lang="it-IT" sz="1800" spc="-1" strike="noStrike">
-              <a:solidFill>
-                <a:srgbClr val="000000"/>
-              </a:solidFill>
+            <a:pPr algn="ctr"/>
+            <a:endParaRPr b="0" lang="it-IT" sz="4400" spc="-1" strike="noStrike">
               <a:latin typeface="Arial"/>
             </a:endParaRPr>
           </a:p>
@@ -2391,7 +2240,7 @@
         <p:spPr>
           <a:xfrm>
             <a:off x="182880" y="90000"/>
-            <a:ext cx="8759880" cy="5291280"/>
+            <a:ext cx="8759520" cy="5289480"/>
           </a:xfrm>
           <a:prstGeom prst="rect">
             <a:avLst/>
@@ -2442,7 +2291,7 @@
         <p:spPr>
           <a:xfrm>
             <a:off x="182880" y="90000"/>
-            <a:ext cx="8759880" cy="1141200"/>
+            <a:ext cx="8759520" cy="1140840"/>
           </a:xfrm>
           <a:prstGeom prst="rect">
             <a:avLst/>
@@ -2451,10 +2300,8 @@
         <p:txBody>
           <a:bodyPr lIns="0" rIns="0" tIns="0" bIns="0" anchor="ctr"/>
           <a:p>
-            <a:endParaRPr b="0" lang="it-IT" sz="1800" spc="-1" strike="noStrike">
-              <a:solidFill>
-                <a:srgbClr val="000000"/>
-              </a:solidFill>
+            <a:pPr algn="ctr"/>
+            <a:endParaRPr b="0" lang="it-IT" sz="4400" spc="-1" strike="noStrike">
               <a:latin typeface="Arial"/>
             </a:endParaRPr>
           </a:p>
@@ -2484,10 +2331,7 @@
             <a:normAutofit/>
           </a:bodyPr>
           <a:p>
-            <a:endParaRPr b="0" lang="it-IT" sz="2800" spc="-1" strike="noStrike">
-              <a:solidFill>
-                <a:srgbClr val="000000"/>
-              </a:solidFill>
+            <a:endParaRPr b="0" lang="it-IT" sz="3200" spc="-1" strike="noStrike">
               <a:latin typeface="Arial"/>
             </a:endParaRPr>
           </a:p>
@@ -2517,10 +2361,7 @@
             <a:normAutofit/>
           </a:bodyPr>
           <a:p>
-            <a:endParaRPr b="0" lang="it-IT" sz="2800" spc="-1" strike="noStrike">
-              <a:solidFill>
-                <a:srgbClr val="000000"/>
-              </a:solidFill>
+            <a:endParaRPr b="0" lang="it-IT" sz="3200" spc="-1" strike="noStrike">
               <a:latin typeface="Arial"/>
             </a:endParaRPr>
           </a:p>
@@ -2550,10 +2391,7 @@
             <a:normAutofit/>
           </a:bodyPr>
           <a:p>
-            <a:endParaRPr b="0" lang="it-IT" sz="2800" spc="-1" strike="noStrike">
-              <a:solidFill>
-                <a:srgbClr val="000000"/>
-              </a:solidFill>
+            <a:endParaRPr b="0" lang="it-IT" sz="3200" spc="-1" strike="noStrike">
               <a:latin typeface="Arial"/>
             </a:endParaRPr>
           </a:p>
@@ -2594,7 +2432,7 @@
         <p:spPr>
           <a:xfrm>
             <a:off x="182880" y="90000"/>
-            <a:ext cx="8759880" cy="1141200"/>
+            <a:ext cx="8759520" cy="1140840"/>
           </a:xfrm>
           <a:prstGeom prst="rect">
             <a:avLst/>
@@ -2603,10 +2441,8 @@
         <p:txBody>
           <a:bodyPr lIns="0" rIns="0" tIns="0" bIns="0" anchor="ctr"/>
           <a:p>
-            <a:endParaRPr b="0" lang="it-IT" sz="1800" spc="-1" strike="noStrike">
-              <a:solidFill>
-                <a:srgbClr val="000000"/>
-              </a:solidFill>
+            <a:pPr algn="ctr"/>
+            <a:endParaRPr b="0" lang="it-IT" sz="4400" spc="-1" strike="noStrike">
               <a:latin typeface="Arial"/>
             </a:endParaRPr>
           </a:p>
@@ -2636,10 +2472,7 @@
             <a:normAutofit/>
           </a:bodyPr>
           <a:p>
-            <a:endParaRPr b="0" lang="it-IT" sz="2800" spc="-1" strike="noStrike">
-              <a:solidFill>
-                <a:srgbClr val="000000"/>
-              </a:solidFill>
+            <a:endParaRPr b="0" lang="it-IT" sz="3200" spc="-1" strike="noStrike">
               <a:latin typeface="Arial"/>
             </a:endParaRPr>
           </a:p>
@@ -2669,10 +2502,7 @@
             <a:normAutofit/>
           </a:bodyPr>
           <a:p>
-            <a:endParaRPr b="0" lang="it-IT" sz="2800" spc="-1" strike="noStrike">
-              <a:solidFill>
-                <a:srgbClr val="000000"/>
-              </a:solidFill>
+            <a:endParaRPr b="0" lang="it-IT" sz="3200" spc="-1" strike="noStrike">
               <a:latin typeface="Arial"/>
             </a:endParaRPr>
           </a:p>
@@ -2702,10 +2532,7 @@
             <a:normAutofit/>
           </a:bodyPr>
           <a:p>
-            <a:endParaRPr b="0" lang="it-IT" sz="2800" spc="-1" strike="noStrike">
-              <a:solidFill>
-                <a:srgbClr val="000000"/>
-              </a:solidFill>
+            <a:endParaRPr b="0" lang="it-IT" sz="3200" spc="-1" strike="noStrike">
               <a:latin typeface="Arial"/>
             </a:endParaRPr>
           </a:p>
@@ -2746,7 +2573,7 @@
         <p:spPr>
           <a:xfrm>
             <a:off x="182880" y="90000"/>
-            <a:ext cx="8759880" cy="1141200"/>
+            <a:ext cx="8759520" cy="1140840"/>
           </a:xfrm>
           <a:prstGeom prst="rect">
             <a:avLst/>
@@ -2755,10 +2582,8 @@
         <p:txBody>
           <a:bodyPr lIns="0" rIns="0" tIns="0" bIns="0" anchor="ctr"/>
           <a:p>
-            <a:endParaRPr b="0" lang="it-IT" sz="1800" spc="-1" strike="noStrike">
-              <a:solidFill>
-                <a:srgbClr val="000000"/>
-              </a:solidFill>
+            <a:pPr algn="ctr"/>
+            <a:endParaRPr b="0" lang="it-IT" sz="4400" spc="-1" strike="noStrike">
               <a:latin typeface="Arial"/>
             </a:endParaRPr>
           </a:p>
@@ -2788,10 +2613,7 @@
             <a:normAutofit/>
           </a:bodyPr>
           <a:p>
-            <a:endParaRPr b="0" lang="it-IT" sz="2800" spc="-1" strike="noStrike">
-              <a:solidFill>
-                <a:srgbClr val="000000"/>
-              </a:solidFill>
+            <a:endParaRPr b="0" lang="it-IT" sz="3200" spc="-1" strike="noStrike">
               <a:latin typeface="Arial"/>
             </a:endParaRPr>
           </a:p>
@@ -2821,10 +2643,7 @@
             <a:normAutofit/>
           </a:bodyPr>
           <a:p>
-            <a:endParaRPr b="0" lang="it-IT" sz="2800" spc="-1" strike="noStrike">
-              <a:solidFill>
-                <a:srgbClr val="000000"/>
-              </a:solidFill>
+            <a:endParaRPr b="0" lang="it-IT" sz="3200" spc="-1" strike="noStrike">
               <a:latin typeface="Arial"/>
             </a:endParaRPr>
           </a:p>
@@ -2854,10 +2673,7 @@
             <a:normAutofit/>
           </a:bodyPr>
           <a:p>
-            <a:endParaRPr b="0" lang="it-IT" sz="2800" spc="-1" strike="noStrike">
-              <a:solidFill>
-                <a:srgbClr val="000000"/>
-              </a:solidFill>
+            <a:endParaRPr b="0" lang="it-IT" sz="3200" spc="-1" strike="noStrike">
               <a:latin typeface="Arial"/>
             </a:endParaRPr>
           </a:p>
@@ -2905,7 +2721,7 @@
         <p:spPr>
           <a:xfrm>
             <a:off x="7130160" y="6226200"/>
-            <a:ext cx="1554840" cy="509040"/>
+            <a:ext cx="1554480" cy="508680"/>
           </a:xfrm>
           <a:prstGeom prst="rect">
             <a:avLst/>
@@ -2928,7 +2744,7 @@
         <p:spPr>
           <a:xfrm>
             <a:off x="182880" y="6226200"/>
-            <a:ext cx="2390400" cy="547200"/>
+            <a:ext cx="2390040" cy="546840"/>
           </a:xfrm>
           <a:prstGeom prst="rect">
             <a:avLst/>
@@ -2951,7 +2767,7 @@
         <p:spPr>
           <a:xfrm>
             <a:off x="4068720" y="6144840"/>
-            <a:ext cx="1305720" cy="694800"/>
+            <a:ext cx="1305360" cy="694440"/>
           </a:xfrm>
           <a:prstGeom prst="rect">
             <a:avLst/>
@@ -2983,19 +2799,14 @@
         <p:txBody>
           <a:bodyPr lIns="0" rIns="0" tIns="0" bIns="0" anchor="ctr"/>
           <a:p>
-            <a:r>
-              <a:rPr b="0" lang="it-IT" sz="1800" spc="-1" strike="noStrike">
-                <a:solidFill>
-                  <a:srgbClr val="000000"/>
-                </a:solidFill>
+            <a:pPr algn="ctr"/>
+            <a:r>
+              <a:rPr b="0" lang="it-IT" sz="4400" spc="-1" strike="noStrike">
                 <a:latin typeface="Arial"/>
               </a:rPr>
               <a:t>Click to edit the title text format</a:t>
             </a:r>
-            <a:endParaRPr b="0" lang="it-IT" sz="1800" spc="-1" strike="noStrike">
-              <a:solidFill>
-                <a:srgbClr val="000000"/>
-              </a:solidFill>
+            <a:endParaRPr b="0" lang="it-IT" sz="4400" spc="-1" strike="noStrike">
               <a:latin typeface="Arial"/>
             </a:endParaRPr>
           </a:p>
@@ -3037,18 +2848,12 @@
               <a:buChar char=""/>
             </a:pPr>
             <a:r>
-              <a:rPr b="0" lang="it-IT" sz="2800" spc="-1" strike="noStrike">
-                <a:solidFill>
-                  <a:srgbClr val="000000"/>
-                </a:solidFill>
+              <a:rPr b="0" lang="it-IT" sz="3200" spc="-1" strike="noStrike">
                 <a:latin typeface="Arial"/>
               </a:rPr>
               <a:t>Click to edit the outline text format</a:t>
             </a:r>
-            <a:endParaRPr b="0" lang="it-IT" sz="2800" spc="-1" strike="noStrike">
-              <a:solidFill>
-                <a:srgbClr val="000000"/>
-              </a:solidFill>
+            <a:endParaRPr b="0" lang="it-IT" sz="3200" spc="-1" strike="noStrike">
               <a:latin typeface="Arial"/>
             </a:endParaRPr>
           </a:p>
@@ -3065,18 +2870,12 @@
               <a:buChar char=""/>
             </a:pPr>
             <a:r>
-              <a:rPr b="0" lang="it-IT" sz="2000" spc="-1" strike="noStrike">
-                <a:solidFill>
-                  <a:srgbClr val="000000"/>
-                </a:solidFill>
+              <a:rPr b="0" lang="it-IT" sz="2800" spc="-1" strike="noStrike">
                 <a:latin typeface="Arial"/>
               </a:rPr>
               <a:t>Second Outline Level</a:t>
             </a:r>
-            <a:endParaRPr b="0" lang="it-IT" sz="2000" spc="-1" strike="noStrike">
-              <a:solidFill>
-                <a:srgbClr val="000000"/>
-              </a:solidFill>
+            <a:endParaRPr b="0" lang="it-IT" sz="2800" spc="-1" strike="noStrike">
               <a:latin typeface="Arial"/>
             </a:endParaRPr>
           </a:p>
@@ -3093,18 +2892,12 @@
               <a:buChar char=""/>
             </a:pPr>
             <a:r>
-              <a:rPr b="0" lang="it-IT" sz="1800" spc="-1" strike="noStrike">
-                <a:solidFill>
-                  <a:srgbClr val="000000"/>
-                </a:solidFill>
+              <a:rPr b="0" lang="it-IT" sz="2400" spc="-1" strike="noStrike">
                 <a:latin typeface="Arial"/>
               </a:rPr>
               <a:t>Third Outline Level</a:t>
             </a:r>
-            <a:endParaRPr b="0" lang="it-IT" sz="1800" spc="-1" strike="noStrike">
-              <a:solidFill>
-                <a:srgbClr val="000000"/>
-              </a:solidFill>
+            <a:endParaRPr b="0" lang="it-IT" sz="2400" spc="-1" strike="noStrike">
               <a:latin typeface="Arial"/>
             </a:endParaRPr>
           </a:p>
@@ -3121,18 +2914,12 @@
               <a:buChar char=""/>
             </a:pPr>
             <a:r>
-              <a:rPr b="0" lang="it-IT" sz="1800" spc="-1" strike="noStrike">
-                <a:solidFill>
-                  <a:srgbClr val="000000"/>
-                </a:solidFill>
+              <a:rPr b="0" lang="it-IT" sz="2000" spc="-1" strike="noStrike">
                 <a:latin typeface="Arial"/>
               </a:rPr>
               <a:t>Fourth Outline Level</a:t>
             </a:r>
-            <a:endParaRPr b="0" lang="it-IT" sz="1800" spc="-1" strike="noStrike">
-              <a:solidFill>
-                <a:srgbClr val="000000"/>
-              </a:solidFill>
+            <a:endParaRPr b="0" lang="it-IT" sz="2000" spc="-1" strike="noStrike">
               <a:latin typeface="Arial"/>
             </a:endParaRPr>
           </a:p>
@@ -3150,17 +2937,11 @@
             </a:pPr>
             <a:r>
               <a:rPr b="0" lang="it-IT" sz="2000" spc="-1" strike="noStrike">
-                <a:solidFill>
-                  <a:srgbClr val="000000"/>
-                </a:solidFill>
                 <a:latin typeface="Arial"/>
               </a:rPr>
               <a:t>Fifth Outline Level</a:t>
             </a:r>
             <a:endParaRPr b="0" lang="it-IT" sz="2000" spc="-1" strike="noStrike">
-              <a:solidFill>
-                <a:srgbClr val="000000"/>
-              </a:solidFill>
               <a:latin typeface="Arial"/>
             </a:endParaRPr>
           </a:p>
@@ -3178,17 +2959,11 @@
             </a:pPr>
             <a:r>
               <a:rPr b="0" lang="it-IT" sz="2000" spc="-1" strike="noStrike">
-                <a:solidFill>
-                  <a:srgbClr val="000000"/>
-                </a:solidFill>
                 <a:latin typeface="Arial"/>
               </a:rPr>
               <a:t>Sixth Outline Level</a:t>
             </a:r>
             <a:endParaRPr b="0" lang="it-IT" sz="2000" spc="-1" strike="noStrike">
-              <a:solidFill>
-                <a:srgbClr val="000000"/>
-              </a:solidFill>
               <a:latin typeface="Arial"/>
             </a:endParaRPr>
           </a:p>
@@ -3206,17 +2981,11 @@
             </a:pPr>
             <a:r>
               <a:rPr b="0" lang="it-IT" sz="2000" spc="-1" strike="noStrike">
-                <a:solidFill>
-                  <a:srgbClr val="000000"/>
-                </a:solidFill>
                 <a:latin typeface="Arial"/>
               </a:rPr>
               <a:t>Seventh Outline Level</a:t>
             </a:r>
             <a:endParaRPr b="0" lang="it-IT" sz="2000" spc="-1" strike="noStrike">
-              <a:solidFill>
-                <a:srgbClr val="000000"/>
-              </a:solidFill>
               <a:latin typeface="Arial"/>
             </a:endParaRPr>
           </a:p>
@@ -3279,7 +3048,7 @@
         <p:spPr>
           <a:xfrm>
             <a:off x="7130160" y="6226200"/>
-            <a:ext cx="1554840" cy="509040"/>
+            <a:ext cx="1554480" cy="508680"/>
           </a:xfrm>
           <a:prstGeom prst="rect">
             <a:avLst/>
@@ -3302,7 +3071,7 @@
         <p:spPr>
           <a:xfrm>
             <a:off x="182880" y="6226200"/>
-            <a:ext cx="2390400" cy="547200"/>
+            <a:ext cx="2390040" cy="546840"/>
           </a:xfrm>
           <a:prstGeom prst="rect">
             <a:avLst/>
@@ -3325,7 +3094,7 @@
         <p:spPr>
           <a:xfrm>
             <a:off x="4068720" y="6144840"/>
-            <a:ext cx="1305720" cy="694800"/>
+            <a:ext cx="1305360" cy="694440"/>
           </a:xfrm>
           <a:prstGeom prst="rect">
             <a:avLst/>
@@ -3348,7 +3117,7 @@
         <p:spPr>
           <a:xfrm>
             <a:off x="182880" y="90000"/>
-            <a:ext cx="8759880" cy="1141200"/>
+            <a:ext cx="8759520" cy="1140840"/>
           </a:xfrm>
           <a:prstGeom prst="rect">
             <a:avLst/>
@@ -3358,18 +3127,12 @@
           <a:bodyPr lIns="0" rIns="0" tIns="0" bIns="0" anchor="ctr"/>
           <a:p>
             <a:r>
-              <a:rPr b="0" lang="it-IT" sz="4400" spc="-1" strike="noStrike">
-                <a:solidFill>
-                  <a:srgbClr val="000000"/>
-                </a:solidFill>
+              <a:rPr b="0" lang="it-IT" sz="1800" spc="-1" strike="noStrike">
                 <a:latin typeface="Arial"/>
               </a:rPr>
               <a:t>Click to edit the title text format</a:t>
             </a:r>
-            <a:endParaRPr b="0" lang="it-IT" sz="4400" spc="-1" strike="noStrike">
-              <a:solidFill>
-                <a:srgbClr val="000000"/>
-              </a:solidFill>
+            <a:endParaRPr b="0" lang="it-IT" sz="1800" spc="-1" strike="noStrike">
               <a:latin typeface="Arial"/>
             </a:endParaRPr>
           </a:p>
@@ -3411,18 +3174,12 @@
               <a:buChar char=""/>
             </a:pPr>
             <a:r>
-              <a:rPr b="0" lang="it-IT" sz="2800" spc="-1" strike="noStrike">
-                <a:solidFill>
-                  <a:srgbClr val="000000"/>
-                </a:solidFill>
+              <a:rPr b="0" lang="it-IT" sz="3200" spc="-1" strike="noStrike">
                 <a:latin typeface="Arial"/>
               </a:rPr>
               <a:t>Click to edit the outline text format</a:t>
             </a:r>
-            <a:endParaRPr b="0" lang="it-IT" sz="2800" spc="-1" strike="noStrike">
-              <a:solidFill>
-                <a:srgbClr val="000000"/>
-              </a:solidFill>
+            <a:endParaRPr b="0" lang="it-IT" sz="3200" spc="-1" strike="noStrike">
               <a:latin typeface="Arial"/>
             </a:endParaRPr>
           </a:p>
@@ -3439,18 +3196,12 @@
               <a:buChar char=""/>
             </a:pPr>
             <a:r>
-              <a:rPr b="0" lang="it-IT" sz="2000" spc="-1" strike="noStrike">
-                <a:solidFill>
-                  <a:srgbClr val="000000"/>
-                </a:solidFill>
+              <a:rPr b="0" lang="it-IT" sz="2800" spc="-1" strike="noStrike">
                 <a:latin typeface="Arial"/>
               </a:rPr>
               <a:t>Second Outline Level</a:t>
             </a:r>
-            <a:endParaRPr b="0" lang="it-IT" sz="2000" spc="-1" strike="noStrike">
-              <a:solidFill>
-                <a:srgbClr val="000000"/>
-              </a:solidFill>
+            <a:endParaRPr b="0" lang="it-IT" sz="2800" spc="-1" strike="noStrike">
               <a:latin typeface="Arial"/>
             </a:endParaRPr>
           </a:p>
@@ -3467,18 +3218,12 @@
               <a:buChar char=""/>
             </a:pPr>
             <a:r>
-              <a:rPr b="0" lang="it-IT" sz="1800" spc="-1" strike="noStrike">
-                <a:solidFill>
-                  <a:srgbClr val="000000"/>
-                </a:solidFill>
+              <a:rPr b="0" lang="it-IT" sz="2400" spc="-1" strike="noStrike">
                 <a:latin typeface="Arial"/>
               </a:rPr>
               <a:t>Third Outline Level</a:t>
             </a:r>
-            <a:endParaRPr b="0" lang="it-IT" sz="1800" spc="-1" strike="noStrike">
-              <a:solidFill>
-                <a:srgbClr val="000000"/>
-              </a:solidFill>
+            <a:endParaRPr b="0" lang="it-IT" sz="2400" spc="-1" strike="noStrike">
               <a:latin typeface="Arial"/>
             </a:endParaRPr>
           </a:p>
@@ -3495,18 +3240,12 @@
               <a:buChar char=""/>
             </a:pPr>
             <a:r>
-              <a:rPr b="0" lang="it-IT" sz="1800" spc="-1" strike="noStrike">
-                <a:solidFill>
-                  <a:srgbClr val="000000"/>
-                </a:solidFill>
+              <a:rPr b="0" lang="it-IT" sz="2000" spc="-1" strike="noStrike">
                 <a:latin typeface="Arial"/>
               </a:rPr>
               <a:t>Fourth Outline Level</a:t>
             </a:r>
-            <a:endParaRPr b="0" lang="it-IT" sz="1800" spc="-1" strike="noStrike">
-              <a:solidFill>
-                <a:srgbClr val="000000"/>
-              </a:solidFill>
+            <a:endParaRPr b="0" lang="it-IT" sz="2000" spc="-1" strike="noStrike">
               <a:latin typeface="Arial"/>
             </a:endParaRPr>
           </a:p>
@@ -3524,17 +3263,11 @@
             </a:pPr>
             <a:r>
               <a:rPr b="0" lang="it-IT" sz="2000" spc="-1" strike="noStrike">
-                <a:solidFill>
-                  <a:srgbClr val="000000"/>
-                </a:solidFill>
                 <a:latin typeface="Arial"/>
               </a:rPr>
               <a:t>Fifth Outline Level</a:t>
             </a:r>
             <a:endParaRPr b="0" lang="it-IT" sz="2000" spc="-1" strike="noStrike">
-              <a:solidFill>
-                <a:srgbClr val="000000"/>
-              </a:solidFill>
               <a:latin typeface="Arial"/>
             </a:endParaRPr>
           </a:p>
@@ -3552,17 +3285,11 @@
             </a:pPr>
             <a:r>
               <a:rPr b="0" lang="it-IT" sz="2000" spc="-1" strike="noStrike">
-                <a:solidFill>
-                  <a:srgbClr val="000000"/>
-                </a:solidFill>
                 <a:latin typeface="Arial"/>
               </a:rPr>
               <a:t>Sixth Outline Level</a:t>
             </a:r>
             <a:endParaRPr b="0" lang="it-IT" sz="2000" spc="-1" strike="noStrike">
-              <a:solidFill>
-                <a:srgbClr val="000000"/>
-              </a:solidFill>
               <a:latin typeface="Arial"/>
             </a:endParaRPr>
           </a:p>
@@ -3580,17 +3307,11 @@
             </a:pPr>
             <a:r>
               <a:rPr b="0" lang="it-IT" sz="2000" spc="-1" strike="noStrike">
-                <a:solidFill>
-                  <a:srgbClr val="000000"/>
-                </a:solidFill>
                 <a:latin typeface="Arial"/>
               </a:rPr>
               <a:t>Seventh Outline Level</a:t>
             </a:r>
             <a:endParaRPr b="0" lang="it-IT" sz="2000" spc="-1" strike="noStrike">
-              <a:solidFill>
-                <a:srgbClr val="000000"/>
-              </a:solidFill>
               <a:latin typeface="Arial"/>
             </a:endParaRPr>
           </a:p>
@@ -3642,7 +3363,7 @@
         <p:spPr>
           <a:xfrm>
             <a:off x="0" y="1000080"/>
-            <a:ext cx="9142200" cy="3241080"/>
+            <a:ext cx="9141840" cy="3240720"/>
           </a:xfrm>
           <a:prstGeom prst="rect">
             <a:avLst/>
@@ -3717,7 +3438,7 @@
         <p:spPr>
           <a:xfrm>
             <a:off x="1371600" y="4102200"/>
-            <a:ext cx="6399000" cy="1750680"/>
+            <a:ext cx="6398640" cy="1750320"/>
           </a:xfrm>
           <a:prstGeom prst="rect">
             <a:avLst/>
@@ -3818,7 +3539,7 @@
         <p:spPr>
           <a:xfrm>
             <a:off x="182880" y="90000"/>
-            <a:ext cx="8759880" cy="1141200"/>
+            <a:ext cx="8759520" cy="1140840"/>
           </a:xfrm>
           <a:prstGeom prst="rect">
             <a:avLst/>
@@ -3867,7 +3588,7 @@
         <p:spPr>
           <a:xfrm>
             <a:off x="424440" y="1404360"/>
-            <a:ext cx="8342280" cy="3928680"/>
+            <a:ext cx="8341920" cy="3928320"/>
           </a:xfrm>
           <a:prstGeom prst="rect">
             <a:avLst/>
@@ -3886,7 +3607,7 @@
         <p:txBody>
           <a:bodyPr lIns="90000" rIns="90000" tIns="45000" bIns="45000"/>
           <a:p>
-            <a:pPr marL="285840" indent="-284040">
+            <a:pPr marL="285840" indent="-283680">
               <a:lnSpc>
                 <a:spcPct val="115000"/>
               </a:lnSpc>
@@ -3911,7 +3632,7 @@
             </a:endParaRPr>
           </a:p>
           <a:p>
-            <a:pPr marL="285840" indent="-284040">
+            <a:pPr marL="285840" indent="-283680">
               <a:lnSpc>
                 <a:spcPct val="150000"/>
               </a:lnSpc>
@@ -3936,7 +3657,7 @@
             </a:endParaRPr>
           </a:p>
           <a:p>
-            <a:pPr marL="285840" indent="-284040">
+            <a:pPr marL="285840" indent="-283680">
               <a:lnSpc>
                 <a:spcPct val="150000"/>
               </a:lnSpc>
@@ -3961,7 +3682,7 @@
             </a:endParaRPr>
           </a:p>
           <a:p>
-            <a:pPr marL="285840" indent="-284040">
+            <a:pPr marL="285840" indent="-283680">
               <a:lnSpc>
                 <a:spcPct val="150000"/>
               </a:lnSpc>
@@ -3986,7 +3707,7 @@
             </a:endParaRPr>
           </a:p>
           <a:p>
-            <a:pPr marL="285840" indent="-284040">
+            <a:pPr marL="285840" indent="-283680">
               <a:lnSpc>
                 <a:spcPct val="150000"/>
               </a:lnSpc>
@@ -4011,7 +3732,7 @@
             </a:endParaRPr>
           </a:p>
           <a:p>
-            <a:pPr marL="285840" indent="-284040">
+            <a:pPr marL="285840" indent="-283680">
               <a:lnSpc>
                 <a:spcPct val="150000"/>
               </a:lnSpc>
@@ -4105,7 +3826,7 @@
         <p:spPr>
           <a:xfrm>
             <a:off x="182880" y="90000"/>
-            <a:ext cx="8759880" cy="1141200"/>
+            <a:ext cx="8759520" cy="1140840"/>
           </a:xfrm>
           <a:prstGeom prst="rect">
             <a:avLst/>
@@ -4160,7 +3881,7 @@
         <p:spPr>
           <a:xfrm>
             <a:off x="640080" y="1034640"/>
-            <a:ext cx="7772400" cy="4994640"/>
+            <a:ext cx="7772040" cy="4994280"/>
           </a:xfrm>
           <a:prstGeom prst="rect">
             <a:avLst/>
@@ -4228,7 +3949,7 @@
         <p:spPr>
           <a:xfrm>
             <a:off x="182880" y="90000"/>
-            <a:ext cx="8759880" cy="1141200"/>
+            <a:ext cx="8759520" cy="1140840"/>
           </a:xfrm>
           <a:prstGeom prst="rect">
             <a:avLst/>
@@ -4277,7 +3998,7 @@
         <p:spPr>
           <a:xfrm>
             <a:off x="387360" y="1139760"/>
-            <a:ext cx="8347320" cy="5026680"/>
+            <a:ext cx="8346960" cy="5026320"/>
           </a:xfrm>
           <a:prstGeom prst="rect">
             <a:avLst/>
@@ -4316,7 +4037,7 @@
             </a:endParaRPr>
           </a:p>
           <a:p>
-            <a:pPr marL="343080" indent="-341280">
+            <a:pPr marL="343080" indent="-340920">
               <a:lnSpc>
                 <a:spcPct val="100000"/>
               </a:lnSpc>
@@ -4341,7 +4062,7 @@
             </a:endParaRPr>
           </a:p>
           <a:p>
-            <a:pPr marL="343080" indent="-341280">
+            <a:pPr marL="343080" indent="-340920">
               <a:lnSpc>
                 <a:spcPct val="100000"/>
               </a:lnSpc>
@@ -4406,7 +4127,7 @@
             </a:endParaRPr>
           </a:p>
           <a:p>
-            <a:pPr marL="285840" indent="-284040">
+            <a:pPr marL="285840" indent="-283680">
               <a:lnSpc>
                 <a:spcPct val="100000"/>
               </a:lnSpc>
@@ -4441,7 +4162,7 @@
             </a:endParaRPr>
           </a:p>
           <a:p>
-            <a:pPr marL="285840" indent="-284040">
+            <a:pPr marL="285840" indent="-283680">
               <a:lnSpc>
                 <a:spcPct val="100000"/>
               </a:lnSpc>
@@ -4549,7 +4270,7 @@
                 <a:latin typeface="Arial"/>
                 <a:ea typeface="DejaVu Sans"/>
               </a:rPr>
-              <a:t>: granted by the heterogeneous composition of the NASDAQ index.</a:t>
+              <a:t>: granted by the heterogeneous composition of the U.S. stock market stocks.</a:t>
             </a:r>
             <a:endParaRPr b="0" lang="it-IT" sz="1800" spc="-1" strike="noStrike">
               <a:latin typeface="Arial"/>
@@ -4665,7 +4386,7 @@
         <p:spPr>
           <a:xfrm>
             <a:off x="182880" y="90000"/>
-            <a:ext cx="8759880" cy="1141200"/>
+            <a:ext cx="8759520" cy="1140840"/>
           </a:xfrm>
           <a:prstGeom prst="rect">
             <a:avLst/>
@@ -4718,7 +4439,7 @@
         <p:spPr>
           <a:xfrm>
             <a:off x="1122480" y="1424520"/>
-            <a:ext cx="6891840" cy="4083480"/>
+            <a:ext cx="6891480" cy="4083120"/>
           </a:xfrm>
           <a:prstGeom prst="rect">
             <a:avLst/>
@@ -4786,7 +4507,7 @@
         <p:spPr>
           <a:xfrm>
             <a:off x="182880" y="90000"/>
-            <a:ext cx="8759880" cy="1141200"/>
+            <a:ext cx="8759520" cy="1140840"/>
           </a:xfrm>
           <a:prstGeom prst="rect">
             <a:avLst/>
@@ -4848,7 +4569,7 @@
         <p:spPr>
           <a:xfrm>
             <a:off x="411840" y="1436760"/>
-            <a:ext cx="8318160" cy="3747240"/>
+            <a:ext cx="8317800" cy="3746880"/>
           </a:xfrm>
           <a:prstGeom prst="rect">
             <a:avLst/>
@@ -4867,7 +4588,7 @@
         <p:txBody>
           <a:bodyPr lIns="90000" rIns="90000" tIns="45000" bIns="45000"/>
           <a:p>
-            <a:pPr marL="285840" indent="-284040">
+            <a:pPr marL="285840" indent="-283680">
               <a:lnSpc>
                 <a:spcPct val="115000"/>
               </a:lnSpc>
@@ -4885,24 +4606,14 @@
                 <a:latin typeface="Arial"/>
                 <a:ea typeface="DejaVu Sans"/>
               </a:rPr>
-              <a:t>Users’ authentication, </a:t>
-            </a:r>
-            <a:r>
-              <a:rPr b="0" lang="it-IT" sz="2400" spc="-1" strike="noStrike">
-                <a:solidFill>
-                  <a:srgbClr val="000000"/>
-                </a:solidFill>
-                <a:latin typeface="Arial"/>
-                <a:ea typeface="DejaVu Sans"/>
-              </a:rPr>
-              <a:t>personal information and preferences.</a:t>
+              <a:t>Users’ authentication, personal information and preferences.</a:t>
             </a:r>
             <a:endParaRPr b="0" lang="it-IT" sz="2400" spc="-1" strike="noStrike">
               <a:latin typeface="Arial"/>
             </a:endParaRPr>
           </a:p>
           <a:p>
-            <a:pPr marL="285840" indent="-284040">
+            <a:pPr marL="285840" indent="-283680">
               <a:lnSpc>
                 <a:spcPct val="115000"/>
               </a:lnSpc>
@@ -4927,7 +4638,7 @@
             </a:endParaRPr>
           </a:p>
           <a:p>
-            <a:pPr marL="285840" indent="-284040">
+            <a:pPr marL="285840" indent="-283680">
               <a:lnSpc>
                 <a:spcPct val="115000"/>
               </a:lnSpc>
@@ -4952,7 +4663,7 @@
             </a:endParaRPr>
           </a:p>
           <a:p>
-            <a:pPr marL="285840" indent="-284040">
+            <a:pPr marL="285840" indent="-283680">
               <a:lnSpc>
                 <a:spcPct val="115000"/>
               </a:lnSpc>
@@ -4970,24 +4681,14 @@
                 <a:latin typeface="Arial"/>
                 <a:ea typeface="DejaVu Sans"/>
               </a:rPr>
-              <a:t>Stock Portfolio’s information (name, composition, scope</a:t>
-            </a:r>
-            <a:r>
-              <a:rPr b="0" lang="it-IT" sz="2400" spc="-1" strike="noStrike">
-                <a:solidFill>
-                  <a:srgbClr val="000000"/>
-                </a:solidFill>
-                <a:latin typeface="Arial"/>
-                <a:ea typeface="DejaVu Sans"/>
-              </a:rPr>
-              <a:t>, etc…).</a:t>
+              <a:t>Stock Portfolio’s information (name, composition, scope, etc…).</a:t>
             </a:r>
             <a:endParaRPr b="0" lang="it-IT" sz="2400" spc="-1" strike="noStrike">
               <a:latin typeface="Arial"/>
             </a:endParaRPr>
           </a:p>
           <a:p>
-            <a:pPr marL="285840" indent="-284040">
+            <a:pPr marL="285840" indent="-283680">
               <a:lnSpc>
                 <a:spcPct val="115000"/>
               </a:lnSpc>
@@ -5081,7 +4782,7 @@
         <p:spPr>
           <a:xfrm>
             <a:off x="182880" y="90000"/>
-            <a:ext cx="8759880" cy="1141200"/>
+            <a:ext cx="8759520" cy="1140840"/>
           </a:xfrm>
           <a:prstGeom prst="rect">
             <a:avLst/>
@@ -5143,7 +4844,7 @@
         <p:spPr>
           <a:xfrm>
             <a:off x="542520" y="1537560"/>
-            <a:ext cx="8087040" cy="3308760"/>
+            <a:ext cx="8086680" cy="3308400"/>
           </a:xfrm>
           <a:prstGeom prst="rect">
             <a:avLst/>
@@ -5162,7 +4863,7 @@
         <p:txBody>
           <a:bodyPr lIns="90000" rIns="90000" tIns="45000" bIns="45000"/>
           <a:p>
-            <a:pPr marL="285840" indent="-284040">
+            <a:pPr marL="285840" indent="-283680">
               <a:lnSpc>
                 <a:spcPct val="150000"/>
               </a:lnSpc>
@@ -5187,7 +4888,7 @@
             </a:endParaRPr>
           </a:p>
           <a:p>
-            <a:pPr lvl="2" marL="648000" indent="-216000">
+            <a:pPr lvl="2" marL="648000" indent="-215640">
               <a:lnSpc>
                 <a:spcPct val="150000"/>
               </a:lnSpc>
@@ -5213,7 +4914,7 @@
             </a:endParaRPr>
           </a:p>
           <a:p>
-            <a:pPr marL="285840" indent="-284040">
+            <a:pPr marL="285840" indent="-283680">
               <a:lnSpc>
                 <a:spcPct val="150000"/>
               </a:lnSpc>
@@ -5238,7 +4939,7 @@
             </a:endParaRPr>
           </a:p>
           <a:p>
-            <a:pPr marL="285840" indent="-284040">
+            <a:pPr marL="285840" indent="-283680">
               <a:lnSpc>
                 <a:spcPct val="150000"/>
               </a:lnSpc>
@@ -5322,7 +5023,7 @@
         <p:spPr>
           <a:xfrm>
             <a:off x="182880" y="90000"/>
-            <a:ext cx="8759880" cy="1141200"/>
+            <a:ext cx="8759520" cy="1140840"/>
           </a:xfrm>
           <a:prstGeom prst="rect">
             <a:avLst/>
@@ -5373,7 +5074,7 @@
         <p:spPr>
           <a:xfrm>
             <a:off x="512640" y="1233000"/>
-            <a:ext cx="8178840" cy="4340880"/>
+            <a:ext cx="8178480" cy="4340520"/>
           </a:xfrm>
           <a:prstGeom prst="rect">
             <a:avLst/>
@@ -5392,7 +5093,7 @@
         <p:txBody>
           <a:bodyPr lIns="90000" rIns="90000" tIns="45000" bIns="45000"/>
           <a:p>
-            <a:pPr marL="285840" indent="-284040">
+            <a:pPr marL="285840" indent="-283680">
               <a:lnSpc>
                 <a:spcPct val="150000"/>
               </a:lnSpc>
@@ -5417,7 +5118,7 @@
             </a:endParaRPr>
           </a:p>
           <a:p>
-            <a:pPr marL="285840" indent="-284040">
+            <a:pPr marL="285840" indent="-283680">
               <a:lnSpc>
                 <a:spcPct val="150000"/>
               </a:lnSpc>
@@ -5462,7 +5163,7 @@
             </a:endParaRPr>
           </a:p>
           <a:p>
-            <a:pPr marL="285840" indent="-284040">
+            <a:pPr marL="285840" indent="-283680">
               <a:lnSpc>
                 <a:spcPct val="150000"/>
               </a:lnSpc>
@@ -5487,7 +5188,7 @@
             </a:endParaRPr>
           </a:p>
           <a:p>
-            <a:pPr marL="285840" indent="-284040">
+            <a:pPr marL="285840" indent="-283680">
               <a:lnSpc>
                 <a:spcPct val="150000"/>
               </a:lnSpc>
@@ -5512,7 +5213,7 @@
             </a:endParaRPr>
           </a:p>
           <a:p>
-            <a:pPr marL="285840" indent="-284040">
+            <a:pPr marL="285840" indent="-283680">
               <a:lnSpc>
                 <a:spcPct val="150000"/>
               </a:lnSpc>
@@ -5537,7 +5238,7 @@
             </a:endParaRPr>
           </a:p>
           <a:p>
-            <a:pPr marL="285840" indent="-284040">
+            <a:pPr marL="285840" indent="-283680">
               <a:lnSpc>
                 <a:spcPct val="150000"/>
               </a:lnSpc>
@@ -5562,7 +5263,7 @@
             </a:endParaRPr>
           </a:p>
           <a:p>
-            <a:pPr marL="285840" indent="-284040">
+            <a:pPr marL="285840" indent="-283680">
               <a:lnSpc>
                 <a:spcPct val="150000"/>
               </a:lnSpc>
@@ -5587,7 +5288,7 @@
             </a:endParaRPr>
           </a:p>
           <a:p>
-            <a:pPr marL="285840" indent="-284040">
+            <a:pPr marL="285840" indent="-283680">
               <a:lnSpc>
                 <a:spcPct val="150000"/>
               </a:lnSpc>
@@ -5612,7 +5313,7 @@
             </a:endParaRPr>
           </a:p>
           <a:p>
-            <a:pPr marL="285840" indent="-284040">
+            <a:pPr marL="285840" indent="-283680">
               <a:lnSpc>
                 <a:spcPct val="150000"/>
               </a:lnSpc>
@@ -5637,7 +5338,7 @@
             </a:endParaRPr>
           </a:p>
           <a:p>
-            <a:pPr marL="285840" indent="-284040">
+            <a:pPr marL="285840" indent="-283680">
               <a:lnSpc>
                 <a:spcPct val="150000"/>
               </a:lnSpc>
@@ -5676,7 +5377,7 @@
         <p:spPr>
           <a:xfrm>
             <a:off x="3532680" y="4258080"/>
-            <a:ext cx="1357920" cy="521640"/>
+            <a:ext cx="1357560" cy="521280"/>
           </a:xfrm>
           <a:prstGeom prst="rect">
             <a:avLst/>
@@ -5699,7 +5400,7 @@
         <p:spPr>
           <a:xfrm>
             <a:off x="7503120" y="3850200"/>
-            <a:ext cx="1262880" cy="846360"/>
+            <a:ext cx="1262520" cy="846000"/>
           </a:xfrm>
           <a:prstGeom prst="rect">
             <a:avLst/>
@@ -5722,7 +5423,7 @@
         <p:spPr>
           <a:xfrm>
             <a:off x="7107120" y="4955040"/>
-            <a:ext cx="1236600" cy="521640"/>
+            <a:ext cx="1236240" cy="521280"/>
           </a:xfrm>
           <a:prstGeom prst="rect">
             <a:avLst/>
@@ -5745,7 +5446,7 @@
         <p:spPr>
           <a:xfrm>
             <a:off x="5639760" y="1450800"/>
-            <a:ext cx="666360" cy="666360"/>
+            <a:ext cx="666000" cy="666000"/>
           </a:xfrm>
           <a:prstGeom prst="rect">
             <a:avLst/>
@@ -5768,7 +5469,7 @@
         <p:spPr>
           <a:xfrm>
             <a:off x="4211640" y="1156680"/>
-            <a:ext cx="634680" cy="1181880"/>
+            <a:ext cx="634320" cy="1181520"/>
           </a:xfrm>
           <a:prstGeom prst="rect">
             <a:avLst/>
@@ -5791,7 +5492,7 @@
         <p:spPr>
           <a:xfrm>
             <a:off x="5191560" y="4649040"/>
-            <a:ext cx="1351800" cy="412560"/>
+            <a:ext cx="1351440" cy="412200"/>
           </a:xfrm>
           <a:prstGeom prst="rect">
             <a:avLst/>
@@ -5814,7 +5515,7 @@
         <p:spPr>
           <a:xfrm>
             <a:off x="6975720" y="1584360"/>
-            <a:ext cx="1841400" cy="465480"/>
+            <a:ext cx="1841040" cy="465120"/>
           </a:xfrm>
           <a:prstGeom prst="rect">
             <a:avLst/>
@@ -5837,7 +5538,7 @@
         <p:spPr>
           <a:xfrm>
             <a:off x="5379120" y="3440160"/>
-            <a:ext cx="1936440" cy="521640"/>
+            <a:ext cx="1936080" cy="521280"/>
           </a:xfrm>
           <a:prstGeom prst="rect">
             <a:avLst/>
@@ -5860,7 +5561,7 @@
         <p:spPr>
           <a:xfrm>
             <a:off x="5191560" y="2356200"/>
-            <a:ext cx="2311200" cy="682560"/>
+            <a:ext cx="2310840" cy="682200"/>
           </a:xfrm>
           <a:prstGeom prst="rect">
             <a:avLst/>
@@ -5883,7 +5584,7 @@
         <p:spPr>
           <a:xfrm>
             <a:off x="7214400" y="2839320"/>
-            <a:ext cx="1766160" cy="896400"/>
+            <a:ext cx="1765800" cy="896040"/>
           </a:xfrm>
           <a:prstGeom prst="rect">
             <a:avLst/>

--- a/documentation/stocksim_preliminary_presentation.pptx
+++ b/documentation/stocksim_preliminary_presentation.pptx
@@ -72,7 +72,7 @@
         <p:spPr>
           <a:xfrm>
             <a:off x="182880" y="90000"/>
-            <a:ext cx="8759520" cy="1140840"/>
+            <a:ext cx="8759160" cy="1140480"/>
           </a:xfrm>
           <a:prstGeom prst="rect">
             <a:avLst/>
@@ -183,7 +183,7 @@
         <p:spPr>
           <a:xfrm>
             <a:off x="182880" y="90000"/>
-            <a:ext cx="8759520" cy="1140840"/>
+            <a:ext cx="8759160" cy="1140480"/>
           </a:xfrm>
           <a:prstGeom prst="rect">
             <a:avLst/>
@@ -354,7 +354,7 @@
         <p:spPr>
           <a:xfrm>
             <a:off x="182880" y="90000"/>
-            <a:ext cx="8759520" cy="1140840"/>
+            <a:ext cx="8759160" cy="1140480"/>
           </a:xfrm>
           <a:prstGeom prst="rect">
             <a:avLst/>
@@ -607,7 +607,7 @@
         <p:spPr>
           <a:xfrm>
             <a:off x="182880" y="90000"/>
-            <a:ext cx="8759520" cy="1140840"/>
+            <a:ext cx="8759160" cy="1140480"/>
           </a:xfrm>
           <a:prstGeom prst="rect">
             <a:avLst/>
@@ -687,7 +687,7 @@
         <p:spPr>
           <a:xfrm>
             <a:off x="182880" y="90000"/>
-            <a:ext cx="8759520" cy="1140840"/>
+            <a:ext cx="8759160" cy="1140480"/>
           </a:xfrm>
           <a:prstGeom prst="rect">
             <a:avLst/>
@@ -768,7 +768,7 @@
         <p:spPr>
           <a:xfrm>
             <a:off x="182880" y="90000"/>
-            <a:ext cx="8759520" cy="1140840"/>
+            <a:ext cx="8759160" cy="1140480"/>
           </a:xfrm>
           <a:prstGeom prst="rect">
             <a:avLst/>
@@ -879,7 +879,7 @@
         <p:spPr>
           <a:xfrm>
             <a:off x="182880" y="90000"/>
-            <a:ext cx="8759520" cy="1140840"/>
+            <a:ext cx="8759160" cy="1140480"/>
           </a:xfrm>
           <a:prstGeom prst="rect">
             <a:avLst/>
@@ -930,7 +930,7 @@
         <p:spPr>
           <a:xfrm>
             <a:off x="182880" y="90000"/>
-            <a:ext cx="8759520" cy="5289480"/>
+            <a:ext cx="8759160" cy="5288040"/>
           </a:xfrm>
           <a:prstGeom prst="rect">
             <a:avLst/>
@@ -981,7 +981,7 @@
         <p:spPr>
           <a:xfrm>
             <a:off x="182880" y="90000"/>
-            <a:ext cx="8759520" cy="1140840"/>
+            <a:ext cx="8759160" cy="1140480"/>
           </a:xfrm>
           <a:prstGeom prst="rect">
             <a:avLst/>
@@ -1122,7 +1122,7 @@
         <p:spPr>
           <a:xfrm>
             <a:off x="182880" y="90000"/>
-            <a:ext cx="8759520" cy="1140840"/>
+            <a:ext cx="8759160" cy="1140480"/>
           </a:xfrm>
           <a:prstGeom prst="rect">
             <a:avLst/>
@@ -1202,7 +1202,7 @@
         <p:spPr>
           <a:xfrm>
             <a:off x="182880" y="90000"/>
-            <a:ext cx="8759520" cy="1140840"/>
+            <a:ext cx="8759160" cy="1140480"/>
           </a:xfrm>
           <a:prstGeom prst="rect">
             <a:avLst/>
@@ -1343,7 +1343,7 @@
         <p:spPr>
           <a:xfrm>
             <a:off x="182880" y="90000"/>
-            <a:ext cx="8759520" cy="1140840"/>
+            <a:ext cx="8759160" cy="1140480"/>
           </a:xfrm>
           <a:prstGeom prst="rect">
             <a:avLst/>
@@ -1484,7 +1484,7 @@
         <p:spPr>
           <a:xfrm>
             <a:off x="182880" y="90000"/>
-            <a:ext cx="8759520" cy="1140840"/>
+            <a:ext cx="8759160" cy="1140480"/>
           </a:xfrm>
           <a:prstGeom prst="rect">
             <a:avLst/>
@@ -1595,7 +1595,7 @@
         <p:spPr>
           <a:xfrm>
             <a:off x="182880" y="90000"/>
-            <a:ext cx="8759520" cy="1140840"/>
+            <a:ext cx="8759160" cy="1140480"/>
           </a:xfrm>
           <a:prstGeom prst="rect">
             <a:avLst/>
@@ -1766,7 +1766,7 @@
         <p:spPr>
           <a:xfrm>
             <a:off x="182880" y="90000"/>
-            <a:ext cx="8759520" cy="1140840"/>
+            <a:ext cx="8759160" cy="1140480"/>
           </a:xfrm>
           <a:prstGeom prst="rect">
             <a:avLst/>
@@ -1997,7 +1997,7 @@
         <p:spPr>
           <a:xfrm>
             <a:off x="182880" y="90000"/>
-            <a:ext cx="8759520" cy="1140840"/>
+            <a:ext cx="8759160" cy="1140480"/>
           </a:xfrm>
           <a:prstGeom prst="rect">
             <a:avLst/>
@@ -2078,7 +2078,7 @@
         <p:spPr>
           <a:xfrm>
             <a:off x="182880" y="90000"/>
-            <a:ext cx="8759520" cy="1140840"/>
+            <a:ext cx="8759160" cy="1140480"/>
           </a:xfrm>
           <a:prstGeom prst="rect">
             <a:avLst/>
@@ -2189,7 +2189,7 @@
         <p:spPr>
           <a:xfrm>
             <a:off x="182880" y="90000"/>
-            <a:ext cx="8759520" cy="1140840"/>
+            <a:ext cx="8759160" cy="1140480"/>
           </a:xfrm>
           <a:prstGeom prst="rect">
             <a:avLst/>
@@ -2240,7 +2240,7 @@
         <p:spPr>
           <a:xfrm>
             <a:off x="182880" y="90000"/>
-            <a:ext cx="8759520" cy="5289480"/>
+            <a:ext cx="8759160" cy="5288040"/>
           </a:xfrm>
           <a:prstGeom prst="rect">
             <a:avLst/>
@@ -2291,7 +2291,7 @@
         <p:spPr>
           <a:xfrm>
             <a:off x="182880" y="90000"/>
-            <a:ext cx="8759520" cy="1140840"/>
+            <a:ext cx="8759160" cy="1140480"/>
           </a:xfrm>
           <a:prstGeom prst="rect">
             <a:avLst/>
@@ -2432,7 +2432,7 @@
         <p:spPr>
           <a:xfrm>
             <a:off x="182880" y="90000"/>
-            <a:ext cx="8759520" cy="1140840"/>
+            <a:ext cx="8759160" cy="1140480"/>
           </a:xfrm>
           <a:prstGeom prst="rect">
             <a:avLst/>
@@ -2573,7 +2573,7 @@
         <p:spPr>
           <a:xfrm>
             <a:off x="182880" y="90000"/>
-            <a:ext cx="8759520" cy="1140840"/>
+            <a:ext cx="8759160" cy="1140480"/>
           </a:xfrm>
           <a:prstGeom prst="rect">
             <a:avLst/>
@@ -2721,7 +2721,7 @@
         <p:spPr>
           <a:xfrm>
             <a:off x="7130160" y="6226200"/>
-            <a:ext cx="1554480" cy="508680"/>
+            <a:ext cx="1554120" cy="508320"/>
           </a:xfrm>
           <a:prstGeom prst="rect">
             <a:avLst/>
@@ -2744,7 +2744,7 @@
         <p:spPr>
           <a:xfrm>
             <a:off x="182880" y="6226200"/>
-            <a:ext cx="2390040" cy="546840"/>
+            <a:ext cx="2389680" cy="546480"/>
           </a:xfrm>
           <a:prstGeom prst="rect">
             <a:avLst/>
@@ -2767,7 +2767,7 @@
         <p:spPr>
           <a:xfrm>
             <a:off x="4068720" y="6144840"/>
-            <a:ext cx="1305360" cy="694440"/>
+            <a:ext cx="1305000" cy="694080"/>
           </a:xfrm>
           <a:prstGeom prst="rect">
             <a:avLst/>
@@ -3048,7 +3048,7 @@
         <p:spPr>
           <a:xfrm>
             <a:off x="7130160" y="6226200"/>
-            <a:ext cx="1554480" cy="508680"/>
+            <a:ext cx="1554120" cy="508320"/>
           </a:xfrm>
           <a:prstGeom prst="rect">
             <a:avLst/>
@@ -3071,7 +3071,7 @@
         <p:spPr>
           <a:xfrm>
             <a:off x="182880" y="6226200"/>
-            <a:ext cx="2390040" cy="546840"/>
+            <a:ext cx="2389680" cy="546480"/>
           </a:xfrm>
           <a:prstGeom prst="rect">
             <a:avLst/>
@@ -3094,7 +3094,7 @@
         <p:spPr>
           <a:xfrm>
             <a:off x="4068720" y="6144840"/>
-            <a:ext cx="1305360" cy="694440"/>
+            <a:ext cx="1305000" cy="694080"/>
           </a:xfrm>
           <a:prstGeom prst="rect">
             <a:avLst/>
@@ -3117,7 +3117,7 @@
         <p:spPr>
           <a:xfrm>
             <a:off x="182880" y="90000"/>
-            <a:ext cx="8759520" cy="1140840"/>
+            <a:ext cx="8759160" cy="1140480"/>
           </a:xfrm>
           <a:prstGeom prst="rect">
             <a:avLst/>
@@ -3363,7 +3363,7 @@
         <p:spPr>
           <a:xfrm>
             <a:off x="0" y="1000080"/>
-            <a:ext cx="9141840" cy="3240720"/>
+            <a:ext cx="9141480" cy="3240360"/>
           </a:xfrm>
           <a:prstGeom prst="rect">
             <a:avLst/>
@@ -3438,7 +3438,7 @@
         <p:spPr>
           <a:xfrm>
             <a:off x="1371600" y="4102200"/>
-            <a:ext cx="6398640" cy="1750320"/>
+            <a:ext cx="6398280" cy="1749960"/>
           </a:xfrm>
           <a:prstGeom prst="rect">
             <a:avLst/>
@@ -3539,7 +3539,7 @@
         <p:spPr>
           <a:xfrm>
             <a:off x="182880" y="90000"/>
-            <a:ext cx="8759520" cy="1140840"/>
+            <a:ext cx="8759160" cy="1140480"/>
           </a:xfrm>
           <a:prstGeom prst="rect">
             <a:avLst/>
@@ -3588,7 +3588,7 @@
         <p:spPr>
           <a:xfrm>
             <a:off x="424440" y="1404360"/>
-            <a:ext cx="8341920" cy="3928320"/>
+            <a:ext cx="8341560" cy="3927960"/>
           </a:xfrm>
           <a:prstGeom prst="rect">
             <a:avLst/>
@@ -3607,7 +3607,7 @@
         <p:txBody>
           <a:bodyPr lIns="90000" rIns="90000" tIns="45000" bIns="45000"/>
           <a:p>
-            <a:pPr marL="285840" indent="-283680">
+            <a:pPr marL="285840" indent="-283320">
               <a:lnSpc>
                 <a:spcPct val="115000"/>
               </a:lnSpc>
@@ -3632,7 +3632,7 @@
             </a:endParaRPr>
           </a:p>
           <a:p>
-            <a:pPr marL="285840" indent="-283680">
+            <a:pPr marL="285840" indent="-283320">
               <a:lnSpc>
                 <a:spcPct val="150000"/>
               </a:lnSpc>
@@ -3657,7 +3657,7 @@
             </a:endParaRPr>
           </a:p>
           <a:p>
-            <a:pPr marL="285840" indent="-283680">
+            <a:pPr marL="285840" indent="-283320">
               <a:lnSpc>
                 <a:spcPct val="150000"/>
               </a:lnSpc>
@@ -3682,7 +3682,7 @@
             </a:endParaRPr>
           </a:p>
           <a:p>
-            <a:pPr marL="285840" indent="-283680">
+            <a:pPr marL="285840" indent="-283320">
               <a:lnSpc>
                 <a:spcPct val="150000"/>
               </a:lnSpc>
@@ -3707,7 +3707,7 @@
             </a:endParaRPr>
           </a:p>
           <a:p>
-            <a:pPr marL="285840" indent="-283680">
+            <a:pPr marL="285840" indent="-283320">
               <a:lnSpc>
                 <a:spcPct val="150000"/>
               </a:lnSpc>
@@ -3732,7 +3732,7 @@
             </a:endParaRPr>
           </a:p>
           <a:p>
-            <a:pPr marL="285840" indent="-283680">
+            <a:pPr marL="285840" indent="-283320">
               <a:lnSpc>
                 <a:spcPct val="150000"/>
               </a:lnSpc>
@@ -3826,7 +3826,7 @@
         <p:spPr>
           <a:xfrm>
             <a:off x="182880" y="90000"/>
-            <a:ext cx="8759520" cy="1140840"/>
+            <a:ext cx="8759160" cy="1140480"/>
           </a:xfrm>
           <a:prstGeom prst="rect">
             <a:avLst/>
@@ -3880,8 +3880,8 @@
         </p:blipFill>
         <p:spPr>
           <a:xfrm>
-            <a:off x="640080" y="1034640"/>
-            <a:ext cx="7772040" cy="4994280"/>
+            <a:off x="1211040" y="1005840"/>
+            <a:ext cx="6859080" cy="4937760"/>
           </a:xfrm>
           <a:prstGeom prst="rect">
             <a:avLst/>
@@ -3949,7 +3949,7 @@
         <p:spPr>
           <a:xfrm>
             <a:off x="182880" y="90000"/>
-            <a:ext cx="8759520" cy="1140840"/>
+            <a:ext cx="8759160" cy="1140480"/>
           </a:xfrm>
           <a:prstGeom prst="rect">
             <a:avLst/>
@@ -3998,7 +3998,7 @@
         <p:spPr>
           <a:xfrm>
             <a:off x="387360" y="1139760"/>
-            <a:ext cx="8346960" cy="5026320"/>
+            <a:ext cx="8346600" cy="5025960"/>
           </a:xfrm>
           <a:prstGeom prst="rect">
             <a:avLst/>
@@ -4037,7 +4037,7 @@
             </a:endParaRPr>
           </a:p>
           <a:p>
-            <a:pPr marL="343080" indent="-340920">
+            <a:pPr marL="343080" indent="-340560">
               <a:lnSpc>
                 <a:spcPct val="100000"/>
               </a:lnSpc>
@@ -4062,7 +4062,7 @@
             </a:endParaRPr>
           </a:p>
           <a:p>
-            <a:pPr marL="343080" indent="-340920">
+            <a:pPr marL="343080" indent="-340560">
               <a:lnSpc>
                 <a:spcPct val="100000"/>
               </a:lnSpc>
@@ -4127,7 +4127,7 @@
             </a:endParaRPr>
           </a:p>
           <a:p>
-            <a:pPr marL="285840" indent="-283680">
+            <a:pPr marL="285840" indent="-283320">
               <a:lnSpc>
                 <a:spcPct val="100000"/>
               </a:lnSpc>
@@ -4162,7 +4162,7 @@
             </a:endParaRPr>
           </a:p>
           <a:p>
-            <a:pPr marL="285840" indent="-283680">
+            <a:pPr marL="285840" indent="-283320">
               <a:lnSpc>
                 <a:spcPct val="100000"/>
               </a:lnSpc>
@@ -4386,7 +4386,7 @@
         <p:spPr>
           <a:xfrm>
             <a:off x="182880" y="90000"/>
-            <a:ext cx="8759520" cy="1140840"/>
+            <a:ext cx="8759160" cy="1140480"/>
           </a:xfrm>
           <a:prstGeom prst="rect">
             <a:avLst/>
@@ -4439,7 +4439,7 @@
         <p:spPr>
           <a:xfrm>
             <a:off x="1122480" y="1424520"/>
-            <a:ext cx="6891480" cy="4083120"/>
+            <a:ext cx="6891120" cy="4082760"/>
           </a:xfrm>
           <a:prstGeom prst="rect">
             <a:avLst/>
@@ -4507,7 +4507,7 @@
         <p:spPr>
           <a:xfrm>
             <a:off x="182880" y="90000"/>
-            <a:ext cx="8759520" cy="1140840"/>
+            <a:ext cx="8759160" cy="1140480"/>
           </a:xfrm>
           <a:prstGeom prst="rect">
             <a:avLst/>
@@ -4569,7 +4569,7 @@
         <p:spPr>
           <a:xfrm>
             <a:off x="411840" y="1436760"/>
-            <a:ext cx="8317800" cy="3746880"/>
+            <a:ext cx="8317440" cy="3746520"/>
           </a:xfrm>
           <a:prstGeom prst="rect">
             <a:avLst/>
@@ -4588,7 +4588,7 @@
         <p:txBody>
           <a:bodyPr lIns="90000" rIns="90000" tIns="45000" bIns="45000"/>
           <a:p>
-            <a:pPr marL="285840" indent="-283680">
+            <a:pPr marL="285840" indent="-283320">
               <a:lnSpc>
                 <a:spcPct val="115000"/>
               </a:lnSpc>
@@ -4613,7 +4613,7 @@
             </a:endParaRPr>
           </a:p>
           <a:p>
-            <a:pPr marL="285840" indent="-283680">
+            <a:pPr marL="285840" indent="-283320">
               <a:lnSpc>
                 <a:spcPct val="115000"/>
               </a:lnSpc>
@@ -4638,7 +4638,7 @@
             </a:endParaRPr>
           </a:p>
           <a:p>
-            <a:pPr marL="285840" indent="-283680">
+            <a:pPr marL="285840" indent="-283320">
               <a:lnSpc>
                 <a:spcPct val="115000"/>
               </a:lnSpc>
@@ -4663,7 +4663,7 @@
             </a:endParaRPr>
           </a:p>
           <a:p>
-            <a:pPr marL="285840" indent="-283680">
+            <a:pPr marL="285840" indent="-283320">
               <a:lnSpc>
                 <a:spcPct val="115000"/>
               </a:lnSpc>
@@ -4688,7 +4688,7 @@
             </a:endParaRPr>
           </a:p>
           <a:p>
-            <a:pPr marL="285840" indent="-283680">
+            <a:pPr marL="285840" indent="-283320">
               <a:lnSpc>
                 <a:spcPct val="115000"/>
               </a:lnSpc>
@@ -4782,7 +4782,7 @@
         <p:spPr>
           <a:xfrm>
             <a:off x="182880" y="90000"/>
-            <a:ext cx="8759520" cy="1140840"/>
+            <a:ext cx="8759160" cy="1140480"/>
           </a:xfrm>
           <a:prstGeom prst="rect">
             <a:avLst/>
@@ -4844,7 +4844,7 @@
         <p:spPr>
           <a:xfrm>
             <a:off x="542520" y="1537560"/>
-            <a:ext cx="8086680" cy="3308400"/>
+            <a:ext cx="8086320" cy="3308040"/>
           </a:xfrm>
           <a:prstGeom prst="rect">
             <a:avLst/>
@@ -4863,7 +4863,7 @@
         <p:txBody>
           <a:bodyPr lIns="90000" rIns="90000" tIns="45000" bIns="45000"/>
           <a:p>
-            <a:pPr marL="285840" indent="-283680">
+            <a:pPr marL="285840" indent="-283320">
               <a:lnSpc>
                 <a:spcPct val="150000"/>
               </a:lnSpc>
@@ -4888,7 +4888,7 @@
             </a:endParaRPr>
           </a:p>
           <a:p>
-            <a:pPr lvl="2" marL="648000" indent="-215640">
+            <a:pPr lvl="2" marL="648000" indent="-215280">
               <a:lnSpc>
                 <a:spcPct val="150000"/>
               </a:lnSpc>
@@ -4914,7 +4914,7 @@
             </a:endParaRPr>
           </a:p>
           <a:p>
-            <a:pPr marL="285840" indent="-283680">
+            <a:pPr marL="285840" indent="-283320">
               <a:lnSpc>
                 <a:spcPct val="150000"/>
               </a:lnSpc>
@@ -4939,7 +4939,7 @@
             </a:endParaRPr>
           </a:p>
           <a:p>
-            <a:pPr marL="285840" indent="-283680">
+            <a:pPr marL="285840" indent="-283320">
               <a:lnSpc>
                 <a:spcPct val="150000"/>
               </a:lnSpc>
@@ -5023,7 +5023,7 @@
         <p:spPr>
           <a:xfrm>
             <a:off x="182880" y="90000"/>
-            <a:ext cx="8759520" cy="1140840"/>
+            <a:ext cx="8759160" cy="1140480"/>
           </a:xfrm>
           <a:prstGeom prst="rect">
             <a:avLst/>
@@ -5074,7 +5074,7 @@
         <p:spPr>
           <a:xfrm>
             <a:off x="512640" y="1233000"/>
-            <a:ext cx="8178480" cy="4340520"/>
+            <a:ext cx="8178120" cy="4340160"/>
           </a:xfrm>
           <a:prstGeom prst="rect">
             <a:avLst/>
@@ -5093,7 +5093,7 @@
         <p:txBody>
           <a:bodyPr lIns="90000" rIns="90000" tIns="45000" bIns="45000"/>
           <a:p>
-            <a:pPr marL="285840" indent="-283680">
+            <a:pPr marL="285840" indent="-283320">
               <a:lnSpc>
                 <a:spcPct val="150000"/>
               </a:lnSpc>
@@ -5118,7 +5118,7 @@
             </a:endParaRPr>
           </a:p>
           <a:p>
-            <a:pPr marL="285840" indent="-283680">
+            <a:pPr marL="285840" indent="-283320">
               <a:lnSpc>
                 <a:spcPct val="150000"/>
               </a:lnSpc>
@@ -5163,7 +5163,7 @@
             </a:endParaRPr>
           </a:p>
           <a:p>
-            <a:pPr marL="285840" indent="-283680">
+            <a:pPr marL="285840" indent="-283320">
               <a:lnSpc>
                 <a:spcPct val="150000"/>
               </a:lnSpc>
@@ -5188,7 +5188,7 @@
             </a:endParaRPr>
           </a:p>
           <a:p>
-            <a:pPr marL="285840" indent="-283680">
+            <a:pPr marL="285840" indent="-283320">
               <a:lnSpc>
                 <a:spcPct val="150000"/>
               </a:lnSpc>
@@ -5213,7 +5213,7 @@
             </a:endParaRPr>
           </a:p>
           <a:p>
-            <a:pPr marL="285840" indent="-283680">
+            <a:pPr marL="285840" indent="-283320">
               <a:lnSpc>
                 <a:spcPct val="150000"/>
               </a:lnSpc>
@@ -5238,7 +5238,7 @@
             </a:endParaRPr>
           </a:p>
           <a:p>
-            <a:pPr marL="285840" indent="-283680">
+            <a:pPr marL="285840" indent="-283320">
               <a:lnSpc>
                 <a:spcPct val="150000"/>
               </a:lnSpc>
@@ -5263,7 +5263,7 @@
             </a:endParaRPr>
           </a:p>
           <a:p>
-            <a:pPr marL="285840" indent="-283680">
+            <a:pPr marL="285840" indent="-283320">
               <a:lnSpc>
                 <a:spcPct val="150000"/>
               </a:lnSpc>
@@ -5288,7 +5288,7 @@
             </a:endParaRPr>
           </a:p>
           <a:p>
-            <a:pPr marL="285840" indent="-283680">
+            <a:pPr marL="285840" indent="-283320">
               <a:lnSpc>
                 <a:spcPct val="150000"/>
               </a:lnSpc>
@@ -5313,7 +5313,7 @@
             </a:endParaRPr>
           </a:p>
           <a:p>
-            <a:pPr marL="285840" indent="-283680">
+            <a:pPr marL="285840" indent="-283320">
               <a:lnSpc>
                 <a:spcPct val="150000"/>
               </a:lnSpc>
@@ -5338,7 +5338,7 @@
             </a:endParaRPr>
           </a:p>
           <a:p>
-            <a:pPr marL="285840" indent="-283680">
+            <a:pPr marL="285840" indent="-283320">
               <a:lnSpc>
                 <a:spcPct val="150000"/>
               </a:lnSpc>
@@ -5377,7 +5377,7 @@
         <p:spPr>
           <a:xfrm>
             <a:off x="3532680" y="4258080"/>
-            <a:ext cx="1357560" cy="521280"/>
+            <a:ext cx="1357200" cy="520920"/>
           </a:xfrm>
           <a:prstGeom prst="rect">
             <a:avLst/>
@@ -5400,7 +5400,7 @@
         <p:spPr>
           <a:xfrm>
             <a:off x="7503120" y="3850200"/>
-            <a:ext cx="1262520" cy="846000"/>
+            <a:ext cx="1262160" cy="845640"/>
           </a:xfrm>
           <a:prstGeom prst="rect">
             <a:avLst/>
@@ -5423,7 +5423,7 @@
         <p:spPr>
           <a:xfrm>
             <a:off x="7107120" y="4955040"/>
-            <a:ext cx="1236240" cy="521280"/>
+            <a:ext cx="1235880" cy="520920"/>
           </a:xfrm>
           <a:prstGeom prst="rect">
             <a:avLst/>
@@ -5446,7 +5446,7 @@
         <p:spPr>
           <a:xfrm>
             <a:off x="5639760" y="1450800"/>
-            <a:ext cx="666000" cy="666000"/>
+            <a:ext cx="665640" cy="665640"/>
           </a:xfrm>
           <a:prstGeom prst="rect">
             <a:avLst/>
@@ -5469,7 +5469,7 @@
         <p:spPr>
           <a:xfrm>
             <a:off x="4211640" y="1156680"/>
-            <a:ext cx="634320" cy="1181520"/>
+            <a:ext cx="633960" cy="1181160"/>
           </a:xfrm>
           <a:prstGeom prst="rect">
             <a:avLst/>
@@ -5492,7 +5492,7 @@
         <p:spPr>
           <a:xfrm>
             <a:off x="5191560" y="4649040"/>
-            <a:ext cx="1351440" cy="412200"/>
+            <a:ext cx="1351080" cy="411840"/>
           </a:xfrm>
           <a:prstGeom prst="rect">
             <a:avLst/>
@@ -5515,7 +5515,7 @@
         <p:spPr>
           <a:xfrm>
             <a:off x="6975720" y="1584360"/>
-            <a:ext cx="1841040" cy="465120"/>
+            <a:ext cx="1840680" cy="464760"/>
           </a:xfrm>
           <a:prstGeom prst="rect">
             <a:avLst/>
@@ -5538,7 +5538,7 @@
         <p:spPr>
           <a:xfrm>
             <a:off x="5379120" y="3440160"/>
-            <a:ext cx="1936080" cy="521280"/>
+            <a:ext cx="1935720" cy="520920"/>
           </a:xfrm>
           <a:prstGeom prst="rect">
             <a:avLst/>
@@ -5561,7 +5561,7 @@
         <p:spPr>
           <a:xfrm>
             <a:off x="5191560" y="2356200"/>
-            <a:ext cx="2310840" cy="682200"/>
+            <a:ext cx="2310480" cy="681840"/>
           </a:xfrm>
           <a:prstGeom prst="rect">
             <a:avLst/>
@@ -5584,7 +5584,7 @@
         <p:spPr>
           <a:xfrm>
             <a:off x="7214400" y="2839320"/>
-            <a:ext cx="1765800" cy="896040"/>
+            <a:ext cx="1765440" cy="895680"/>
           </a:xfrm>
           <a:prstGeom prst="rect">
             <a:avLst/>

--- a/documentation/stocksim_preliminary_presentation.pptx
+++ b/documentation/stocksim_preliminary_presentation.pptx
@@ -1,27 +1,122 @@
 
 <file path=ppt/presentation.xml><?xml version="1.0" encoding="utf-8"?>
-<p:presentation xmlns:a="http://schemas.openxmlformats.org/drawingml/2006/main" xmlns:p="http://schemas.openxmlformats.org/presentationml/2006/main" xmlns:r="http://schemas.openxmlformats.org/officeDocument/2006/relationships" xmlns:p14="http://schemas.microsoft.com/office/powerpoint/2010/main" xmlns:p15="http://schemas.microsoft.com/office/powerpoint/2012/main" xmlns:mc="http://schemas.openxmlformats.org/markup-compatibility/2006">
+<p:presentation xmlns:a="http://schemas.openxmlformats.org/drawingml/2006/main" xmlns:r="http://schemas.openxmlformats.org/officeDocument/2006/relationships" xmlns:p="http://schemas.openxmlformats.org/presentationml/2006/main">
   <p:sldMasterIdLst>
-    <p:sldMasterId id="2147483648" r:id="rId2"/>
-    <p:sldMasterId id="2147483661" r:id="rId3"/>
+    <p:sldMasterId id="2147483648" r:id="rId1"/>
+    <p:sldMasterId id="2147483661" r:id="rId2"/>
   </p:sldMasterIdLst>
   <p:sldIdLst>
-    <p:sldId id="256" r:id="rId4"/>
-    <p:sldId id="257" r:id="rId5"/>
-    <p:sldId id="258" r:id="rId6"/>
-    <p:sldId id="259" r:id="rId7"/>
-    <p:sldId id="260" r:id="rId8"/>
-    <p:sldId id="261" r:id="rId9"/>
-    <p:sldId id="262" r:id="rId10"/>
-    <p:sldId id="263" r:id="rId11"/>
+    <p:sldId id="256" r:id="rId3"/>
+    <p:sldId id="257" r:id="rId4"/>
+    <p:sldId id="258" r:id="rId5"/>
+    <p:sldId id="259" r:id="rId6"/>
+    <p:sldId id="260" r:id="rId7"/>
+    <p:sldId id="261" r:id="rId8"/>
+    <p:sldId id="262" r:id="rId9"/>
+    <p:sldId id="263" r:id="rId10"/>
   </p:sldIdLst>
-  <p:sldSz cx="9144000" cy="6858000"/>
-  <p:notesSz cx="7559675" cy="10691812"/>
+  <p:sldSz cx="9144000" cy="6858000" type="screen4x3"/>
+  <p:notesSz cx="7559675" cy="10691813"/>
+  <p:defaultTextStyle>
+    <a:defPPr>
+      <a:defRPr lang="it-IT"/>
+    </a:defPPr>
+    <a:lvl1pPr marL="0" algn="l" defTabSz="914400" rtl="0" eaLnBrk="1" latinLnBrk="0" hangingPunct="1">
+      <a:defRPr sz="1800" kern="1200">
+        <a:solidFill>
+          <a:schemeClr val="tx1"/>
+        </a:solidFill>
+        <a:latin typeface="+mn-lt"/>
+        <a:ea typeface="+mn-ea"/>
+        <a:cs typeface="+mn-cs"/>
+      </a:defRPr>
+    </a:lvl1pPr>
+    <a:lvl2pPr marL="457200" algn="l" defTabSz="914400" rtl="0" eaLnBrk="1" latinLnBrk="0" hangingPunct="1">
+      <a:defRPr sz="1800" kern="1200">
+        <a:solidFill>
+          <a:schemeClr val="tx1"/>
+        </a:solidFill>
+        <a:latin typeface="+mn-lt"/>
+        <a:ea typeface="+mn-ea"/>
+        <a:cs typeface="+mn-cs"/>
+      </a:defRPr>
+    </a:lvl2pPr>
+    <a:lvl3pPr marL="914400" algn="l" defTabSz="914400" rtl="0" eaLnBrk="1" latinLnBrk="0" hangingPunct="1">
+      <a:defRPr sz="1800" kern="1200">
+        <a:solidFill>
+          <a:schemeClr val="tx1"/>
+        </a:solidFill>
+        <a:latin typeface="+mn-lt"/>
+        <a:ea typeface="+mn-ea"/>
+        <a:cs typeface="+mn-cs"/>
+      </a:defRPr>
+    </a:lvl3pPr>
+    <a:lvl4pPr marL="1371600" algn="l" defTabSz="914400" rtl="0" eaLnBrk="1" latinLnBrk="0" hangingPunct="1">
+      <a:defRPr sz="1800" kern="1200">
+        <a:solidFill>
+          <a:schemeClr val="tx1"/>
+        </a:solidFill>
+        <a:latin typeface="+mn-lt"/>
+        <a:ea typeface="+mn-ea"/>
+        <a:cs typeface="+mn-cs"/>
+      </a:defRPr>
+    </a:lvl4pPr>
+    <a:lvl5pPr marL="1828800" algn="l" defTabSz="914400" rtl="0" eaLnBrk="1" latinLnBrk="0" hangingPunct="1">
+      <a:defRPr sz="1800" kern="1200">
+        <a:solidFill>
+          <a:schemeClr val="tx1"/>
+        </a:solidFill>
+        <a:latin typeface="+mn-lt"/>
+        <a:ea typeface="+mn-ea"/>
+        <a:cs typeface="+mn-cs"/>
+      </a:defRPr>
+    </a:lvl5pPr>
+    <a:lvl6pPr marL="2286000" algn="l" defTabSz="914400" rtl="0" eaLnBrk="1" latinLnBrk="0" hangingPunct="1">
+      <a:defRPr sz="1800" kern="1200">
+        <a:solidFill>
+          <a:schemeClr val="tx1"/>
+        </a:solidFill>
+        <a:latin typeface="+mn-lt"/>
+        <a:ea typeface="+mn-ea"/>
+        <a:cs typeface="+mn-cs"/>
+      </a:defRPr>
+    </a:lvl6pPr>
+    <a:lvl7pPr marL="2743200" algn="l" defTabSz="914400" rtl="0" eaLnBrk="1" latinLnBrk="0" hangingPunct="1">
+      <a:defRPr sz="1800" kern="1200">
+        <a:solidFill>
+          <a:schemeClr val="tx1"/>
+        </a:solidFill>
+        <a:latin typeface="+mn-lt"/>
+        <a:ea typeface="+mn-ea"/>
+        <a:cs typeface="+mn-cs"/>
+      </a:defRPr>
+    </a:lvl7pPr>
+    <a:lvl8pPr marL="3200400" algn="l" defTabSz="914400" rtl="0" eaLnBrk="1" latinLnBrk="0" hangingPunct="1">
+      <a:defRPr sz="1800" kern="1200">
+        <a:solidFill>
+          <a:schemeClr val="tx1"/>
+        </a:solidFill>
+        <a:latin typeface="+mn-lt"/>
+        <a:ea typeface="+mn-ea"/>
+        <a:cs typeface="+mn-cs"/>
+      </a:defRPr>
+    </a:lvl8pPr>
+    <a:lvl9pPr marL="3657600" algn="l" defTabSz="914400" rtl="0" eaLnBrk="1" latinLnBrk="0" hangingPunct="1">
+      <a:defRPr sz="1800" kern="1200">
+        <a:solidFill>
+          <a:schemeClr val="tx1"/>
+        </a:solidFill>
+        <a:latin typeface="+mn-lt"/>
+        <a:ea typeface="+mn-ea"/>
+        <a:cs typeface="+mn-cs"/>
+      </a:defRPr>
+    </a:lvl9pPr>
+  </p:defaultTextStyle>
 </p:presentation>
 </file>
 
 <file path=ppt/slideLayouts/slideLayout1.xml><?xml version="1.0" encoding="utf-8"?>
-<p:sldLayout xmlns:a="http://schemas.openxmlformats.org/drawingml/2006/main" xmlns:p="http://schemas.openxmlformats.org/presentationml/2006/main" xmlns:r="http://schemas.openxmlformats.org/officeDocument/2006/relationships" xmlns:p14="http://schemas.microsoft.com/office/powerpoint/2010/main" xmlns:p15="http://schemas.microsoft.com/office/powerpoint/2012/main" xmlns:mc="http://schemas.openxmlformats.org/markup-compatibility/2006" type="blank" preserve="1">
+<p:sldLayout xmlns:a="http://schemas.openxmlformats.org/drawingml/2006/main" xmlns:r="http://schemas.openxmlformats.org/officeDocument/2006/relationships" xmlns:p="http://schemas.openxmlformats.org/presentationml/2006/main" type="blank" preserve="1">
   <p:cSld name="Blank Slide">
     <p:spTree>
       <p:nvGrpSpPr>
@@ -39,11 +134,14 @@
       </p:grpSpPr>
     </p:spTree>
   </p:cSld>
+  <p:clrMapOvr>
+    <a:masterClrMapping/>
+  </p:clrMapOvr>
 </p:sldLayout>
 </file>
 
 <file path=ppt/slideLayouts/slideLayout10.xml><?xml version="1.0" encoding="utf-8"?>
-<p:sldLayout xmlns:a="http://schemas.openxmlformats.org/drawingml/2006/main" xmlns:p="http://schemas.openxmlformats.org/presentationml/2006/main" xmlns:r="http://schemas.openxmlformats.org/officeDocument/2006/relationships" xmlns:p14="http://schemas.microsoft.com/office/powerpoint/2010/main" xmlns:p15="http://schemas.microsoft.com/office/powerpoint/2012/main" xmlns:mc="http://schemas.openxmlformats.org/markup-compatibility/2006" type="objOverTx" preserve="1">
+<p:sldLayout xmlns:a="http://schemas.openxmlformats.org/drawingml/2006/main" xmlns:r="http://schemas.openxmlformats.org/officeDocument/2006/relationships" xmlns:p="http://schemas.openxmlformats.org/presentationml/2006/main" type="objOverTx" preserve="1">
   <p:cSld name="Title, Content over Content">
     <p:spTree>
       <p:nvGrpSpPr>
@@ -79,10 +177,11 @@
           </a:prstGeom>
         </p:spPr>
         <p:txBody>
-          <a:bodyPr lIns="0" rIns="0" tIns="0" bIns="0" anchor="ctr"/>
+          <a:bodyPr lIns="0" tIns="0" rIns="0" bIns="0" anchor="ctr"/>
+          <a:lstStyle/>
           <a:p>
             <a:pPr algn="ctr"/>
-            <a:endParaRPr b="0" lang="it-IT" sz="4400" spc="-1" strike="noStrike">
+            <a:endParaRPr lang="it-IT" sz="4400" b="0" strike="noStrike" spc="-1">
               <a:latin typeface="Arial"/>
             </a:endParaRPr>
           </a:p>
@@ -108,11 +207,12 @@
           </a:prstGeom>
         </p:spPr>
         <p:txBody>
-          <a:bodyPr lIns="0" rIns="0" tIns="0" bIns="0">
+          <a:bodyPr lIns="0" tIns="0" rIns="0" bIns="0">
             <a:normAutofit/>
           </a:bodyPr>
-          <a:p>
-            <a:endParaRPr b="0" lang="it-IT" sz="3200" spc="-1" strike="noStrike">
+          <a:lstStyle/>
+          <a:p>
+            <a:endParaRPr lang="it-IT" sz="3200" b="0" strike="noStrike" spc="-1">
               <a:latin typeface="Arial"/>
             </a:endParaRPr>
           </a:p>
@@ -138,11 +238,12 @@
           </a:prstGeom>
         </p:spPr>
         <p:txBody>
-          <a:bodyPr lIns="0" rIns="0" tIns="0" bIns="0">
+          <a:bodyPr lIns="0" tIns="0" rIns="0" bIns="0">
             <a:normAutofit/>
           </a:bodyPr>
-          <a:p>
-            <a:endParaRPr b="0" lang="it-IT" sz="3200" spc="-1" strike="noStrike">
+          <a:lstStyle/>
+          <a:p>
+            <a:endParaRPr lang="it-IT" sz="3200" b="0" strike="noStrike" spc="-1">
               <a:latin typeface="Arial"/>
             </a:endParaRPr>
           </a:p>
@@ -150,11 +251,14 @@
       </p:sp>
     </p:spTree>
   </p:cSld>
+  <p:clrMapOvr>
+    <a:masterClrMapping/>
+  </p:clrMapOvr>
 </p:sldLayout>
 </file>
 
 <file path=ppt/slideLayouts/slideLayout11.xml><?xml version="1.0" encoding="utf-8"?>
-<p:sldLayout xmlns:a="http://schemas.openxmlformats.org/drawingml/2006/main" xmlns:p="http://schemas.openxmlformats.org/presentationml/2006/main" xmlns:r="http://schemas.openxmlformats.org/officeDocument/2006/relationships" xmlns:p14="http://schemas.microsoft.com/office/powerpoint/2010/main" xmlns:p15="http://schemas.microsoft.com/office/powerpoint/2012/main" xmlns:mc="http://schemas.openxmlformats.org/markup-compatibility/2006" type="fourObj" preserve="1">
+<p:sldLayout xmlns:a="http://schemas.openxmlformats.org/drawingml/2006/main" xmlns:r="http://schemas.openxmlformats.org/officeDocument/2006/relationships" xmlns:p="http://schemas.openxmlformats.org/presentationml/2006/main" type="fourObj" preserve="1">
   <p:cSld name="Title, 4 Content">
     <p:spTree>
       <p:nvGrpSpPr>
@@ -190,10 +294,11 @@
           </a:prstGeom>
         </p:spPr>
         <p:txBody>
-          <a:bodyPr lIns="0" rIns="0" tIns="0" bIns="0" anchor="ctr"/>
+          <a:bodyPr lIns="0" tIns="0" rIns="0" bIns="0" anchor="ctr"/>
+          <a:lstStyle/>
           <a:p>
             <a:pPr algn="ctr"/>
-            <a:endParaRPr b="0" lang="it-IT" sz="4400" spc="-1" strike="noStrike">
+            <a:endParaRPr lang="it-IT" sz="4400" b="0" strike="noStrike" spc="-1">
               <a:latin typeface="Arial"/>
             </a:endParaRPr>
           </a:p>
@@ -219,11 +324,12 @@
           </a:prstGeom>
         </p:spPr>
         <p:txBody>
-          <a:bodyPr lIns="0" rIns="0" tIns="0" bIns="0">
+          <a:bodyPr lIns="0" tIns="0" rIns="0" bIns="0">
             <a:normAutofit/>
           </a:bodyPr>
-          <a:p>
-            <a:endParaRPr b="0" lang="it-IT" sz="3200" spc="-1" strike="noStrike">
+          <a:lstStyle/>
+          <a:p>
+            <a:endParaRPr lang="it-IT" sz="3200" b="0" strike="noStrike" spc="-1">
               <a:latin typeface="Arial"/>
             </a:endParaRPr>
           </a:p>
@@ -249,11 +355,12 @@
           </a:prstGeom>
         </p:spPr>
         <p:txBody>
-          <a:bodyPr lIns="0" rIns="0" tIns="0" bIns="0">
+          <a:bodyPr lIns="0" tIns="0" rIns="0" bIns="0">
             <a:normAutofit/>
           </a:bodyPr>
-          <a:p>
-            <a:endParaRPr b="0" lang="it-IT" sz="3200" spc="-1" strike="noStrike">
+          <a:lstStyle/>
+          <a:p>
+            <a:endParaRPr lang="it-IT" sz="3200" b="0" strike="noStrike" spc="-1">
               <a:latin typeface="Arial"/>
             </a:endParaRPr>
           </a:p>
@@ -279,11 +386,12 @@
           </a:prstGeom>
         </p:spPr>
         <p:txBody>
-          <a:bodyPr lIns="0" rIns="0" tIns="0" bIns="0">
+          <a:bodyPr lIns="0" tIns="0" rIns="0" bIns="0">
             <a:normAutofit/>
           </a:bodyPr>
-          <a:p>
-            <a:endParaRPr b="0" lang="it-IT" sz="3200" spc="-1" strike="noStrike">
+          <a:lstStyle/>
+          <a:p>
+            <a:endParaRPr lang="it-IT" sz="3200" b="0" strike="noStrike" spc="-1">
               <a:latin typeface="Arial"/>
             </a:endParaRPr>
           </a:p>
@@ -309,11 +417,12 @@
           </a:prstGeom>
         </p:spPr>
         <p:txBody>
-          <a:bodyPr lIns="0" rIns="0" tIns="0" bIns="0">
+          <a:bodyPr lIns="0" tIns="0" rIns="0" bIns="0">
             <a:normAutofit/>
           </a:bodyPr>
-          <a:p>
-            <a:endParaRPr b="0" lang="it-IT" sz="3200" spc="-1" strike="noStrike">
+          <a:lstStyle/>
+          <a:p>
+            <a:endParaRPr lang="it-IT" sz="3200" b="0" strike="noStrike" spc="-1">
               <a:latin typeface="Arial"/>
             </a:endParaRPr>
           </a:p>
@@ -321,11 +430,14 @@
       </p:sp>
     </p:spTree>
   </p:cSld>
+  <p:clrMapOvr>
+    <a:masterClrMapping/>
+  </p:clrMapOvr>
 </p:sldLayout>
 </file>
 
 <file path=ppt/slideLayouts/slideLayout12.xml><?xml version="1.0" encoding="utf-8"?>
-<p:sldLayout xmlns:a="http://schemas.openxmlformats.org/drawingml/2006/main" xmlns:p="http://schemas.openxmlformats.org/presentationml/2006/main" xmlns:r="http://schemas.openxmlformats.org/officeDocument/2006/relationships" xmlns:p14="http://schemas.microsoft.com/office/powerpoint/2010/main" xmlns:p15="http://schemas.microsoft.com/office/powerpoint/2012/main" xmlns:mc="http://schemas.openxmlformats.org/markup-compatibility/2006" type="blank" preserve="1">
+<p:sldLayout xmlns:a="http://schemas.openxmlformats.org/drawingml/2006/main" xmlns:r="http://schemas.openxmlformats.org/officeDocument/2006/relationships" xmlns:p="http://schemas.openxmlformats.org/presentationml/2006/main" type="blank" preserve="1">
   <p:cSld name="Title, 6 Content">
     <p:spTree>
       <p:nvGrpSpPr>
@@ -361,10 +473,11 @@
           </a:prstGeom>
         </p:spPr>
         <p:txBody>
-          <a:bodyPr lIns="0" rIns="0" tIns="0" bIns="0" anchor="ctr"/>
+          <a:bodyPr lIns="0" tIns="0" rIns="0" bIns="0" anchor="ctr"/>
+          <a:lstStyle/>
           <a:p>
             <a:pPr algn="ctr"/>
-            <a:endParaRPr b="0" lang="it-IT" sz="4400" spc="-1" strike="noStrike">
+            <a:endParaRPr lang="it-IT" sz="4400" b="0" strike="noStrike" spc="-1">
               <a:latin typeface="Arial"/>
             </a:endParaRPr>
           </a:p>
@@ -390,11 +503,12 @@
           </a:prstGeom>
         </p:spPr>
         <p:txBody>
-          <a:bodyPr lIns="0" rIns="0" tIns="0" bIns="0">
+          <a:bodyPr lIns="0" tIns="0" rIns="0" bIns="0">
             <a:normAutofit/>
           </a:bodyPr>
-          <a:p>
-            <a:endParaRPr b="0" lang="it-IT" sz="3200" spc="-1" strike="noStrike">
+          <a:lstStyle/>
+          <a:p>
+            <a:endParaRPr lang="it-IT" sz="3200" b="0" strike="noStrike" spc="-1">
               <a:latin typeface="Arial"/>
             </a:endParaRPr>
           </a:p>
@@ -420,11 +534,12 @@
           </a:prstGeom>
         </p:spPr>
         <p:txBody>
-          <a:bodyPr lIns="0" rIns="0" tIns="0" bIns="0">
+          <a:bodyPr lIns="0" tIns="0" rIns="0" bIns="0">
             <a:normAutofit/>
           </a:bodyPr>
-          <a:p>
-            <a:endParaRPr b="0" lang="it-IT" sz="3200" spc="-1" strike="noStrike">
+          <a:lstStyle/>
+          <a:p>
+            <a:endParaRPr lang="it-IT" sz="3200" b="0" strike="noStrike" spc="-1">
               <a:latin typeface="Arial"/>
             </a:endParaRPr>
           </a:p>
@@ -450,11 +565,12 @@
           </a:prstGeom>
         </p:spPr>
         <p:txBody>
-          <a:bodyPr lIns="0" rIns="0" tIns="0" bIns="0">
+          <a:bodyPr lIns="0" tIns="0" rIns="0" bIns="0">
             <a:normAutofit/>
           </a:bodyPr>
-          <a:p>
-            <a:endParaRPr b="0" lang="it-IT" sz="3200" spc="-1" strike="noStrike">
+          <a:lstStyle/>
+          <a:p>
+            <a:endParaRPr lang="it-IT" sz="3200" b="0" strike="noStrike" spc="-1">
               <a:latin typeface="Arial"/>
             </a:endParaRPr>
           </a:p>
@@ -480,11 +596,12 @@
           </a:prstGeom>
         </p:spPr>
         <p:txBody>
-          <a:bodyPr lIns="0" rIns="0" tIns="0" bIns="0">
+          <a:bodyPr lIns="0" tIns="0" rIns="0" bIns="0">
             <a:normAutofit/>
           </a:bodyPr>
-          <a:p>
-            <a:endParaRPr b="0" lang="it-IT" sz="3200" spc="-1" strike="noStrike">
+          <a:lstStyle/>
+          <a:p>
+            <a:endParaRPr lang="it-IT" sz="3200" b="0" strike="noStrike" spc="-1">
               <a:latin typeface="Arial"/>
             </a:endParaRPr>
           </a:p>
@@ -510,11 +627,12 @@
           </a:prstGeom>
         </p:spPr>
         <p:txBody>
-          <a:bodyPr lIns="0" rIns="0" tIns="0" bIns="0">
+          <a:bodyPr lIns="0" tIns="0" rIns="0" bIns="0">
             <a:normAutofit/>
           </a:bodyPr>
-          <a:p>
-            <a:endParaRPr b="0" lang="it-IT" sz="3200" spc="-1" strike="noStrike">
+          <a:lstStyle/>
+          <a:p>
+            <a:endParaRPr lang="it-IT" sz="3200" b="0" strike="noStrike" spc="-1">
               <a:latin typeface="Arial"/>
             </a:endParaRPr>
           </a:p>
@@ -540,11 +658,12 @@
           </a:prstGeom>
         </p:spPr>
         <p:txBody>
-          <a:bodyPr lIns="0" rIns="0" tIns="0" bIns="0">
+          <a:bodyPr lIns="0" tIns="0" rIns="0" bIns="0">
             <a:normAutofit/>
           </a:bodyPr>
-          <a:p>
-            <a:endParaRPr b="0" lang="it-IT" sz="3200" spc="-1" strike="noStrike">
+          <a:lstStyle/>
+          <a:p>
+            <a:endParaRPr lang="it-IT" sz="3200" b="0" strike="noStrike" spc="-1">
               <a:latin typeface="Arial"/>
             </a:endParaRPr>
           </a:p>
@@ -552,11 +671,14 @@
       </p:sp>
     </p:spTree>
   </p:cSld>
+  <p:clrMapOvr>
+    <a:masterClrMapping/>
+  </p:clrMapOvr>
 </p:sldLayout>
 </file>
 
 <file path=ppt/slideLayouts/slideLayout13.xml><?xml version="1.0" encoding="utf-8"?>
-<p:sldLayout xmlns:a="http://schemas.openxmlformats.org/drawingml/2006/main" xmlns:p="http://schemas.openxmlformats.org/presentationml/2006/main" xmlns:r="http://schemas.openxmlformats.org/officeDocument/2006/relationships" xmlns:p14="http://schemas.microsoft.com/office/powerpoint/2010/main" xmlns:p15="http://schemas.microsoft.com/office/powerpoint/2012/main" xmlns:mc="http://schemas.openxmlformats.org/markup-compatibility/2006" type="blank" preserve="1">
+<p:sldLayout xmlns:a="http://schemas.openxmlformats.org/drawingml/2006/main" xmlns:r="http://schemas.openxmlformats.org/officeDocument/2006/relationships" xmlns:p="http://schemas.openxmlformats.org/presentationml/2006/main" type="blank" preserve="1">
   <p:cSld name="Blank Slide">
     <p:spTree>
       <p:nvGrpSpPr>
@@ -574,11 +696,14 @@
       </p:grpSpPr>
     </p:spTree>
   </p:cSld>
+  <p:clrMapOvr>
+    <a:masterClrMapping/>
+  </p:clrMapOvr>
 </p:sldLayout>
 </file>
 
 <file path=ppt/slideLayouts/slideLayout14.xml><?xml version="1.0" encoding="utf-8"?>
-<p:sldLayout xmlns:a="http://schemas.openxmlformats.org/drawingml/2006/main" xmlns:p="http://schemas.openxmlformats.org/presentationml/2006/main" xmlns:r="http://schemas.openxmlformats.org/officeDocument/2006/relationships" xmlns:p14="http://schemas.microsoft.com/office/powerpoint/2010/main" xmlns:p15="http://schemas.microsoft.com/office/powerpoint/2012/main" xmlns:mc="http://schemas.openxmlformats.org/markup-compatibility/2006" type="tx" preserve="1">
+<p:sldLayout xmlns:a="http://schemas.openxmlformats.org/drawingml/2006/main" xmlns:r="http://schemas.openxmlformats.org/officeDocument/2006/relationships" xmlns:p="http://schemas.openxmlformats.org/presentationml/2006/main" type="tx" preserve="1">
   <p:cSld name="Title Slide">
     <p:spTree>
       <p:nvGrpSpPr>
@@ -614,10 +739,11 @@
           </a:prstGeom>
         </p:spPr>
         <p:txBody>
-          <a:bodyPr lIns="0" rIns="0" tIns="0" bIns="0" anchor="ctr"/>
+          <a:bodyPr lIns="0" tIns="0" rIns="0" bIns="0" anchor="ctr"/>
+          <a:lstStyle/>
           <a:p>
             <a:pPr algn="ctr"/>
-            <a:endParaRPr b="0" lang="it-IT" sz="4400" spc="-1" strike="noStrike">
+            <a:endParaRPr lang="it-IT" sz="4400" b="0" strike="noStrike" spc="-1">
               <a:latin typeface="Arial"/>
             </a:endParaRPr>
           </a:p>
@@ -643,10 +769,11 @@
           </a:prstGeom>
         </p:spPr>
         <p:txBody>
-          <a:bodyPr lIns="0" rIns="0" tIns="0" bIns="0" anchor="ctr"/>
+          <a:bodyPr lIns="0" tIns="0" rIns="0" bIns="0" anchor="ctr"/>
+          <a:lstStyle/>
           <a:p>
             <a:pPr algn="ctr"/>
-            <a:endParaRPr b="0" lang="it-IT" sz="3200" spc="-1" strike="noStrike">
+            <a:endParaRPr lang="it-IT" sz="3200" b="0" strike="noStrike" spc="-1">
               <a:latin typeface="Arial"/>
             </a:endParaRPr>
           </a:p>
@@ -654,11 +781,14 @@
       </p:sp>
     </p:spTree>
   </p:cSld>
+  <p:clrMapOvr>
+    <a:masterClrMapping/>
+  </p:clrMapOvr>
 </p:sldLayout>
 </file>
 
 <file path=ppt/slideLayouts/slideLayout15.xml><?xml version="1.0" encoding="utf-8"?>
-<p:sldLayout xmlns:a="http://schemas.openxmlformats.org/drawingml/2006/main" xmlns:p="http://schemas.openxmlformats.org/presentationml/2006/main" xmlns:r="http://schemas.openxmlformats.org/officeDocument/2006/relationships" xmlns:p14="http://schemas.microsoft.com/office/powerpoint/2010/main" xmlns:p15="http://schemas.microsoft.com/office/powerpoint/2012/main" xmlns:mc="http://schemas.openxmlformats.org/markup-compatibility/2006" type="obj" preserve="1">
+<p:sldLayout xmlns:a="http://schemas.openxmlformats.org/drawingml/2006/main" xmlns:r="http://schemas.openxmlformats.org/officeDocument/2006/relationships" xmlns:p="http://schemas.openxmlformats.org/presentationml/2006/main" type="obj" preserve="1">
   <p:cSld name="Title, Content">
     <p:spTree>
       <p:nvGrpSpPr>
@@ -694,10 +824,11 @@
           </a:prstGeom>
         </p:spPr>
         <p:txBody>
-          <a:bodyPr lIns="0" rIns="0" tIns="0" bIns="0" anchor="ctr"/>
+          <a:bodyPr lIns="0" tIns="0" rIns="0" bIns="0" anchor="ctr"/>
+          <a:lstStyle/>
           <a:p>
             <a:pPr algn="ctr"/>
-            <a:endParaRPr b="0" lang="it-IT" sz="4400" spc="-1" strike="noStrike">
+            <a:endParaRPr lang="it-IT" sz="4400" b="0" strike="noStrike" spc="-1">
               <a:latin typeface="Arial"/>
             </a:endParaRPr>
           </a:p>
@@ -723,11 +854,12 @@
           </a:prstGeom>
         </p:spPr>
         <p:txBody>
-          <a:bodyPr lIns="0" rIns="0" tIns="0" bIns="0">
+          <a:bodyPr lIns="0" tIns="0" rIns="0" bIns="0">
             <a:normAutofit/>
           </a:bodyPr>
-          <a:p>
-            <a:endParaRPr b="0" lang="it-IT" sz="3200" spc="-1" strike="noStrike">
+          <a:lstStyle/>
+          <a:p>
+            <a:endParaRPr lang="it-IT" sz="3200" b="0" strike="noStrike" spc="-1">
               <a:latin typeface="Arial"/>
             </a:endParaRPr>
           </a:p>
@@ -735,11 +867,14 @@
       </p:sp>
     </p:spTree>
   </p:cSld>
+  <p:clrMapOvr>
+    <a:masterClrMapping/>
+  </p:clrMapOvr>
 </p:sldLayout>
 </file>
 
 <file path=ppt/slideLayouts/slideLayout16.xml><?xml version="1.0" encoding="utf-8"?>
-<p:sldLayout xmlns:a="http://schemas.openxmlformats.org/drawingml/2006/main" xmlns:p="http://schemas.openxmlformats.org/presentationml/2006/main" xmlns:r="http://schemas.openxmlformats.org/officeDocument/2006/relationships" xmlns:p14="http://schemas.microsoft.com/office/powerpoint/2010/main" xmlns:p15="http://schemas.microsoft.com/office/powerpoint/2012/main" xmlns:mc="http://schemas.openxmlformats.org/markup-compatibility/2006" type="twoObj" preserve="1">
+<p:sldLayout xmlns:a="http://schemas.openxmlformats.org/drawingml/2006/main" xmlns:r="http://schemas.openxmlformats.org/officeDocument/2006/relationships" xmlns:p="http://schemas.openxmlformats.org/presentationml/2006/main" type="twoObj" preserve="1">
   <p:cSld name="Title, 2 Content">
     <p:spTree>
       <p:nvGrpSpPr>
@@ -775,10 +910,11 @@
           </a:prstGeom>
         </p:spPr>
         <p:txBody>
-          <a:bodyPr lIns="0" rIns="0" tIns="0" bIns="0" anchor="ctr"/>
+          <a:bodyPr lIns="0" tIns="0" rIns="0" bIns="0" anchor="ctr"/>
+          <a:lstStyle/>
           <a:p>
             <a:pPr algn="ctr"/>
-            <a:endParaRPr b="0" lang="it-IT" sz="4400" spc="-1" strike="noStrike">
+            <a:endParaRPr lang="it-IT" sz="4400" b="0" strike="noStrike" spc="-1">
               <a:latin typeface="Arial"/>
             </a:endParaRPr>
           </a:p>
@@ -804,11 +940,12 @@
           </a:prstGeom>
         </p:spPr>
         <p:txBody>
-          <a:bodyPr lIns="0" rIns="0" tIns="0" bIns="0">
+          <a:bodyPr lIns="0" tIns="0" rIns="0" bIns="0">
             <a:normAutofit/>
           </a:bodyPr>
-          <a:p>
-            <a:endParaRPr b="0" lang="it-IT" sz="3200" spc="-1" strike="noStrike">
+          <a:lstStyle/>
+          <a:p>
+            <a:endParaRPr lang="it-IT" sz="3200" b="0" strike="noStrike" spc="-1">
               <a:latin typeface="Arial"/>
             </a:endParaRPr>
           </a:p>
@@ -834,11 +971,12 @@
           </a:prstGeom>
         </p:spPr>
         <p:txBody>
-          <a:bodyPr lIns="0" rIns="0" tIns="0" bIns="0">
+          <a:bodyPr lIns="0" tIns="0" rIns="0" bIns="0">
             <a:normAutofit/>
           </a:bodyPr>
-          <a:p>
-            <a:endParaRPr b="0" lang="it-IT" sz="3200" spc="-1" strike="noStrike">
+          <a:lstStyle/>
+          <a:p>
+            <a:endParaRPr lang="it-IT" sz="3200" b="0" strike="noStrike" spc="-1">
               <a:latin typeface="Arial"/>
             </a:endParaRPr>
           </a:p>
@@ -846,11 +984,14 @@
       </p:sp>
     </p:spTree>
   </p:cSld>
+  <p:clrMapOvr>
+    <a:masterClrMapping/>
+  </p:clrMapOvr>
 </p:sldLayout>
 </file>
 
 <file path=ppt/slideLayouts/slideLayout17.xml><?xml version="1.0" encoding="utf-8"?>
-<p:sldLayout xmlns:a="http://schemas.openxmlformats.org/drawingml/2006/main" xmlns:p="http://schemas.openxmlformats.org/presentationml/2006/main" xmlns:r="http://schemas.openxmlformats.org/officeDocument/2006/relationships" xmlns:p14="http://schemas.microsoft.com/office/powerpoint/2010/main" xmlns:p15="http://schemas.microsoft.com/office/powerpoint/2012/main" xmlns:mc="http://schemas.openxmlformats.org/markup-compatibility/2006" type="titleOnly" preserve="1">
+<p:sldLayout xmlns:a="http://schemas.openxmlformats.org/drawingml/2006/main" xmlns:r="http://schemas.openxmlformats.org/officeDocument/2006/relationships" xmlns:p="http://schemas.openxmlformats.org/presentationml/2006/main" type="titleOnly" preserve="1">
   <p:cSld name="Title Only">
     <p:spTree>
       <p:nvGrpSpPr>
@@ -886,10 +1027,11 @@
           </a:prstGeom>
         </p:spPr>
         <p:txBody>
-          <a:bodyPr lIns="0" rIns="0" tIns="0" bIns="0" anchor="ctr"/>
+          <a:bodyPr lIns="0" tIns="0" rIns="0" bIns="0" anchor="ctr"/>
+          <a:lstStyle/>
           <a:p>
             <a:pPr algn="ctr"/>
-            <a:endParaRPr b="0" lang="it-IT" sz="4400" spc="-1" strike="noStrike">
+            <a:endParaRPr lang="it-IT" sz="4400" b="0" strike="noStrike" spc="-1">
               <a:latin typeface="Arial"/>
             </a:endParaRPr>
           </a:p>
@@ -897,11 +1039,14 @@
       </p:sp>
     </p:spTree>
   </p:cSld>
+  <p:clrMapOvr>
+    <a:masterClrMapping/>
+  </p:clrMapOvr>
 </p:sldLayout>
 </file>
 
 <file path=ppt/slideLayouts/slideLayout18.xml><?xml version="1.0" encoding="utf-8"?>
-<p:sldLayout xmlns:a="http://schemas.openxmlformats.org/drawingml/2006/main" xmlns:p="http://schemas.openxmlformats.org/presentationml/2006/main" xmlns:r="http://schemas.openxmlformats.org/officeDocument/2006/relationships" xmlns:p14="http://schemas.microsoft.com/office/powerpoint/2010/main" xmlns:p15="http://schemas.microsoft.com/office/powerpoint/2012/main" xmlns:mc="http://schemas.openxmlformats.org/markup-compatibility/2006" type="objOnly" preserve="1">
+<p:sldLayout xmlns:a="http://schemas.openxmlformats.org/drawingml/2006/main" xmlns:r="http://schemas.openxmlformats.org/officeDocument/2006/relationships" xmlns:p="http://schemas.openxmlformats.org/presentationml/2006/main" type="objOnly" preserve="1">
   <p:cSld name="Centered Text">
     <p:spTree>
       <p:nvGrpSpPr>
@@ -937,10 +1082,11 @@
           </a:prstGeom>
         </p:spPr>
         <p:txBody>
-          <a:bodyPr lIns="0" rIns="0" tIns="0" bIns="0" anchor="ctr"/>
+          <a:bodyPr lIns="0" tIns="0" rIns="0" bIns="0" anchor="ctr"/>
+          <a:lstStyle/>
           <a:p>
             <a:pPr algn="ctr"/>
-            <a:endParaRPr b="0" lang="it-IT" sz="3200" spc="-1" strike="noStrike">
+            <a:endParaRPr lang="it-IT" sz="3200" b="0" strike="noStrike" spc="-1">
               <a:latin typeface="Arial"/>
             </a:endParaRPr>
           </a:p>
@@ -948,11 +1094,14 @@
       </p:sp>
     </p:spTree>
   </p:cSld>
+  <p:clrMapOvr>
+    <a:masterClrMapping/>
+  </p:clrMapOvr>
 </p:sldLayout>
 </file>
 
 <file path=ppt/slideLayouts/slideLayout19.xml><?xml version="1.0" encoding="utf-8"?>
-<p:sldLayout xmlns:a="http://schemas.openxmlformats.org/drawingml/2006/main" xmlns:p="http://schemas.openxmlformats.org/presentationml/2006/main" xmlns:r="http://schemas.openxmlformats.org/officeDocument/2006/relationships" xmlns:p14="http://schemas.microsoft.com/office/powerpoint/2010/main" xmlns:p15="http://schemas.microsoft.com/office/powerpoint/2012/main" xmlns:mc="http://schemas.openxmlformats.org/markup-compatibility/2006" type="twoObjAndObj" preserve="1">
+<p:sldLayout xmlns:a="http://schemas.openxmlformats.org/drawingml/2006/main" xmlns:r="http://schemas.openxmlformats.org/officeDocument/2006/relationships" xmlns:p="http://schemas.openxmlformats.org/presentationml/2006/main" type="twoObjAndObj" preserve="1">
   <p:cSld name="Title, 2 Content and Content">
     <p:spTree>
       <p:nvGrpSpPr>
@@ -988,10 +1137,11 @@
           </a:prstGeom>
         </p:spPr>
         <p:txBody>
-          <a:bodyPr lIns="0" rIns="0" tIns="0" bIns="0" anchor="ctr"/>
+          <a:bodyPr lIns="0" tIns="0" rIns="0" bIns="0" anchor="ctr"/>
+          <a:lstStyle/>
           <a:p>
             <a:pPr algn="ctr"/>
-            <a:endParaRPr b="0" lang="it-IT" sz="4400" spc="-1" strike="noStrike">
+            <a:endParaRPr lang="it-IT" sz="4400" b="0" strike="noStrike" spc="-1">
               <a:latin typeface="Arial"/>
             </a:endParaRPr>
           </a:p>
@@ -1017,11 +1167,12 @@
           </a:prstGeom>
         </p:spPr>
         <p:txBody>
-          <a:bodyPr lIns="0" rIns="0" tIns="0" bIns="0">
+          <a:bodyPr lIns="0" tIns="0" rIns="0" bIns="0">
             <a:normAutofit/>
           </a:bodyPr>
-          <a:p>
-            <a:endParaRPr b="0" lang="it-IT" sz="3200" spc="-1" strike="noStrike">
+          <a:lstStyle/>
+          <a:p>
+            <a:endParaRPr lang="it-IT" sz="3200" b="0" strike="noStrike" spc="-1">
               <a:latin typeface="Arial"/>
             </a:endParaRPr>
           </a:p>
@@ -1047,11 +1198,12 @@
           </a:prstGeom>
         </p:spPr>
         <p:txBody>
-          <a:bodyPr lIns="0" rIns="0" tIns="0" bIns="0">
+          <a:bodyPr lIns="0" tIns="0" rIns="0" bIns="0">
             <a:normAutofit/>
           </a:bodyPr>
-          <a:p>
-            <a:endParaRPr b="0" lang="it-IT" sz="3200" spc="-1" strike="noStrike">
+          <a:lstStyle/>
+          <a:p>
+            <a:endParaRPr lang="it-IT" sz="3200" b="0" strike="noStrike" spc="-1">
               <a:latin typeface="Arial"/>
             </a:endParaRPr>
           </a:p>
@@ -1077,11 +1229,12 @@
           </a:prstGeom>
         </p:spPr>
         <p:txBody>
-          <a:bodyPr lIns="0" rIns="0" tIns="0" bIns="0">
+          <a:bodyPr lIns="0" tIns="0" rIns="0" bIns="0">
             <a:normAutofit/>
           </a:bodyPr>
-          <a:p>
-            <a:endParaRPr b="0" lang="it-IT" sz="3200" spc="-1" strike="noStrike">
+          <a:lstStyle/>
+          <a:p>
+            <a:endParaRPr lang="it-IT" sz="3200" b="0" strike="noStrike" spc="-1">
               <a:latin typeface="Arial"/>
             </a:endParaRPr>
           </a:p>
@@ -1089,11 +1242,14 @@
       </p:sp>
     </p:spTree>
   </p:cSld>
+  <p:clrMapOvr>
+    <a:masterClrMapping/>
+  </p:clrMapOvr>
 </p:sldLayout>
 </file>
 
 <file path=ppt/slideLayouts/slideLayout2.xml><?xml version="1.0" encoding="utf-8"?>
-<p:sldLayout xmlns:a="http://schemas.openxmlformats.org/drawingml/2006/main" xmlns:p="http://schemas.openxmlformats.org/presentationml/2006/main" xmlns:r="http://schemas.openxmlformats.org/officeDocument/2006/relationships" xmlns:p14="http://schemas.microsoft.com/office/powerpoint/2010/main" xmlns:p15="http://schemas.microsoft.com/office/powerpoint/2012/main" xmlns:mc="http://schemas.openxmlformats.org/markup-compatibility/2006" type="tx" preserve="1">
+<p:sldLayout xmlns:a="http://schemas.openxmlformats.org/drawingml/2006/main" xmlns:r="http://schemas.openxmlformats.org/officeDocument/2006/relationships" xmlns:p="http://schemas.openxmlformats.org/presentationml/2006/main" type="tx" preserve="1">
   <p:cSld name="Title Slide">
     <p:spTree>
       <p:nvGrpSpPr>
@@ -1129,10 +1285,11 @@
           </a:prstGeom>
         </p:spPr>
         <p:txBody>
-          <a:bodyPr lIns="0" rIns="0" tIns="0" bIns="0" anchor="ctr"/>
+          <a:bodyPr lIns="0" tIns="0" rIns="0" bIns="0" anchor="ctr"/>
+          <a:lstStyle/>
           <a:p>
             <a:pPr algn="ctr"/>
-            <a:endParaRPr b="0" lang="it-IT" sz="4400" spc="-1" strike="noStrike">
+            <a:endParaRPr lang="it-IT" sz="4400" b="0" strike="noStrike" spc="-1">
               <a:latin typeface="Arial"/>
             </a:endParaRPr>
           </a:p>
@@ -1158,10 +1315,11 @@
           </a:prstGeom>
         </p:spPr>
         <p:txBody>
-          <a:bodyPr lIns="0" rIns="0" tIns="0" bIns="0" anchor="ctr"/>
+          <a:bodyPr lIns="0" tIns="0" rIns="0" bIns="0" anchor="ctr"/>
+          <a:lstStyle/>
           <a:p>
             <a:pPr algn="ctr"/>
-            <a:endParaRPr b="0" lang="it-IT" sz="3200" spc="-1" strike="noStrike">
+            <a:endParaRPr lang="it-IT" sz="3200" b="0" strike="noStrike" spc="-1">
               <a:latin typeface="Arial"/>
             </a:endParaRPr>
           </a:p>
@@ -1169,11 +1327,14 @@
       </p:sp>
     </p:spTree>
   </p:cSld>
+  <p:clrMapOvr>
+    <a:masterClrMapping/>
+  </p:clrMapOvr>
 </p:sldLayout>
 </file>
 
 <file path=ppt/slideLayouts/slideLayout20.xml><?xml version="1.0" encoding="utf-8"?>
-<p:sldLayout xmlns:a="http://schemas.openxmlformats.org/drawingml/2006/main" xmlns:p="http://schemas.openxmlformats.org/presentationml/2006/main" xmlns:r="http://schemas.openxmlformats.org/officeDocument/2006/relationships" xmlns:p14="http://schemas.microsoft.com/office/powerpoint/2010/main" xmlns:p15="http://schemas.microsoft.com/office/powerpoint/2012/main" xmlns:mc="http://schemas.openxmlformats.org/markup-compatibility/2006" type="objAndTwoObj" preserve="1">
+<p:sldLayout xmlns:a="http://schemas.openxmlformats.org/drawingml/2006/main" xmlns:r="http://schemas.openxmlformats.org/officeDocument/2006/relationships" xmlns:p="http://schemas.openxmlformats.org/presentationml/2006/main" type="objAndTwoObj" preserve="1">
   <p:cSld name="Title Content and 2 Content">
     <p:spTree>
       <p:nvGrpSpPr>
@@ -1209,10 +1370,11 @@
           </a:prstGeom>
         </p:spPr>
         <p:txBody>
-          <a:bodyPr lIns="0" rIns="0" tIns="0" bIns="0" anchor="ctr"/>
+          <a:bodyPr lIns="0" tIns="0" rIns="0" bIns="0" anchor="ctr"/>
+          <a:lstStyle/>
           <a:p>
             <a:pPr algn="ctr"/>
-            <a:endParaRPr b="0" lang="it-IT" sz="4400" spc="-1" strike="noStrike">
+            <a:endParaRPr lang="it-IT" sz="4400" b="0" strike="noStrike" spc="-1">
               <a:latin typeface="Arial"/>
             </a:endParaRPr>
           </a:p>
@@ -1238,11 +1400,12 @@
           </a:prstGeom>
         </p:spPr>
         <p:txBody>
-          <a:bodyPr lIns="0" rIns="0" tIns="0" bIns="0">
+          <a:bodyPr lIns="0" tIns="0" rIns="0" bIns="0">
             <a:normAutofit/>
           </a:bodyPr>
-          <a:p>
-            <a:endParaRPr b="0" lang="it-IT" sz="3200" spc="-1" strike="noStrike">
+          <a:lstStyle/>
+          <a:p>
+            <a:endParaRPr lang="it-IT" sz="3200" b="0" strike="noStrike" spc="-1">
               <a:latin typeface="Arial"/>
             </a:endParaRPr>
           </a:p>
@@ -1268,11 +1431,12 @@
           </a:prstGeom>
         </p:spPr>
         <p:txBody>
-          <a:bodyPr lIns="0" rIns="0" tIns="0" bIns="0">
+          <a:bodyPr lIns="0" tIns="0" rIns="0" bIns="0">
             <a:normAutofit/>
           </a:bodyPr>
-          <a:p>
-            <a:endParaRPr b="0" lang="it-IT" sz="3200" spc="-1" strike="noStrike">
+          <a:lstStyle/>
+          <a:p>
+            <a:endParaRPr lang="it-IT" sz="3200" b="0" strike="noStrike" spc="-1">
               <a:latin typeface="Arial"/>
             </a:endParaRPr>
           </a:p>
@@ -1298,11 +1462,12 @@
           </a:prstGeom>
         </p:spPr>
         <p:txBody>
-          <a:bodyPr lIns="0" rIns="0" tIns="0" bIns="0">
+          <a:bodyPr lIns="0" tIns="0" rIns="0" bIns="0">
             <a:normAutofit/>
           </a:bodyPr>
-          <a:p>
-            <a:endParaRPr b="0" lang="it-IT" sz="3200" spc="-1" strike="noStrike">
+          <a:lstStyle/>
+          <a:p>
+            <a:endParaRPr lang="it-IT" sz="3200" b="0" strike="noStrike" spc="-1">
               <a:latin typeface="Arial"/>
             </a:endParaRPr>
           </a:p>
@@ -1310,11 +1475,14 @@
       </p:sp>
     </p:spTree>
   </p:cSld>
+  <p:clrMapOvr>
+    <a:masterClrMapping/>
+  </p:clrMapOvr>
 </p:sldLayout>
 </file>
 
 <file path=ppt/slideLayouts/slideLayout21.xml><?xml version="1.0" encoding="utf-8"?>
-<p:sldLayout xmlns:a="http://schemas.openxmlformats.org/drawingml/2006/main" xmlns:p="http://schemas.openxmlformats.org/presentationml/2006/main" xmlns:r="http://schemas.openxmlformats.org/officeDocument/2006/relationships" xmlns:p14="http://schemas.microsoft.com/office/powerpoint/2010/main" xmlns:p15="http://schemas.microsoft.com/office/powerpoint/2012/main" xmlns:mc="http://schemas.openxmlformats.org/markup-compatibility/2006" type="twoObjOverTx" preserve="1">
+<p:sldLayout xmlns:a="http://schemas.openxmlformats.org/drawingml/2006/main" xmlns:r="http://schemas.openxmlformats.org/officeDocument/2006/relationships" xmlns:p="http://schemas.openxmlformats.org/presentationml/2006/main" type="twoObjOverTx" preserve="1">
   <p:cSld name="Title, 2 Content over Content">
     <p:spTree>
       <p:nvGrpSpPr>
@@ -1350,10 +1518,11 @@
           </a:prstGeom>
         </p:spPr>
         <p:txBody>
-          <a:bodyPr lIns="0" rIns="0" tIns="0" bIns="0" anchor="ctr"/>
+          <a:bodyPr lIns="0" tIns="0" rIns="0" bIns="0" anchor="ctr"/>
+          <a:lstStyle/>
           <a:p>
             <a:pPr algn="ctr"/>
-            <a:endParaRPr b="0" lang="it-IT" sz="4400" spc="-1" strike="noStrike">
+            <a:endParaRPr lang="it-IT" sz="4400" b="0" strike="noStrike" spc="-1">
               <a:latin typeface="Arial"/>
             </a:endParaRPr>
           </a:p>
@@ -1379,11 +1548,12 @@
           </a:prstGeom>
         </p:spPr>
         <p:txBody>
-          <a:bodyPr lIns="0" rIns="0" tIns="0" bIns="0">
+          <a:bodyPr lIns="0" tIns="0" rIns="0" bIns="0">
             <a:normAutofit/>
           </a:bodyPr>
-          <a:p>
-            <a:endParaRPr b="0" lang="it-IT" sz="3200" spc="-1" strike="noStrike">
+          <a:lstStyle/>
+          <a:p>
+            <a:endParaRPr lang="it-IT" sz="3200" b="0" strike="noStrike" spc="-1">
               <a:latin typeface="Arial"/>
             </a:endParaRPr>
           </a:p>
@@ -1409,11 +1579,12 @@
           </a:prstGeom>
         </p:spPr>
         <p:txBody>
-          <a:bodyPr lIns="0" rIns="0" tIns="0" bIns="0">
+          <a:bodyPr lIns="0" tIns="0" rIns="0" bIns="0">
             <a:normAutofit/>
           </a:bodyPr>
-          <a:p>
-            <a:endParaRPr b="0" lang="it-IT" sz="3200" spc="-1" strike="noStrike">
+          <a:lstStyle/>
+          <a:p>
+            <a:endParaRPr lang="it-IT" sz="3200" b="0" strike="noStrike" spc="-1">
               <a:latin typeface="Arial"/>
             </a:endParaRPr>
           </a:p>
@@ -1439,11 +1610,12 @@
           </a:prstGeom>
         </p:spPr>
         <p:txBody>
-          <a:bodyPr lIns="0" rIns="0" tIns="0" bIns="0">
+          <a:bodyPr lIns="0" tIns="0" rIns="0" bIns="0">
             <a:normAutofit/>
           </a:bodyPr>
-          <a:p>
-            <a:endParaRPr b="0" lang="it-IT" sz="3200" spc="-1" strike="noStrike">
+          <a:lstStyle/>
+          <a:p>
+            <a:endParaRPr lang="it-IT" sz="3200" b="0" strike="noStrike" spc="-1">
               <a:latin typeface="Arial"/>
             </a:endParaRPr>
           </a:p>
@@ -1451,11 +1623,14 @@
       </p:sp>
     </p:spTree>
   </p:cSld>
+  <p:clrMapOvr>
+    <a:masterClrMapping/>
+  </p:clrMapOvr>
 </p:sldLayout>
 </file>
 
 <file path=ppt/slideLayouts/slideLayout22.xml><?xml version="1.0" encoding="utf-8"?>
-<p:sldLayout xmlns:a="http://schemas.openxmlformats.org/drawingml/2006/main" xmlns:p="http://schemas.openxmlformats.org/presentationml/2006/main" xmlns:r="http://schemas.openxmlformats.org/officeDocument/2006/relationships" xmlns:p14="http://schemas.microsoft.com/office/powerpoint/2010/main" xmlns:p15="http://schemas.microsoft.com/office/powerpoint/2012/main" xmlns:mc="http://schemas.openxmlformats.org/markup-compatibility/2006" type="objOverTx" preserve="1">
+<p:sldLayout xmlns:a="http://schemas.openxmlformats.org/drawingml/2006/main" xmlns:r="http://schemas.openxmlformats.org/officeDocument/2006/relationships" xmlns:p="http://schemas.openxmlformats.org/presentationml/2006/main" type="objOverTx" preserve="1">
   <p:cSld name="Title, Content over Content">
     <p:spTree>
       <p:nvGrpSpPr>
@@ -1491,10 +1666,11 @@
           </a:prstGeom>
         </p:spPr>
         <p:txBody>
-          <a:bodyPr lIns="0" rIns="0" tIns="0" bIns="0" anchor="ctr"/>
+          <a:bodyPr lIns="0" tIns="0" rIns="0" bIns="0" anchor="ctr"/>
+          <a:lstStyle/>
           <a:p>
             <a:pPr algn="ctr"/>
-            <a:endParaRPr b="0" lang="it-IT" sz="4400" spc="-1" strike="noStrike">
+            <a:endParaRPr lang="it-IT" sz="4400" b="0" strike="noStrike" spc="-1">
               <a:latin typeface="Arial"/>
             </a:endParaRPr>
           </a:p>
@@ -1520,11 +1696,12 @@
           </a:prstGeom>
         </p:spPr>
         <p:txBody>
-          <a:bodyPr lIns="0" rIns="0" tIns="0" bIns="0">
+          <a:bodyPr lIns="0" tIns="0" rIns="0" bIns="0">
             <a:normAutofit/>
           </a:bodyPr>
-          <a:p>
-            <a:endParaRPr b="0" lang="it-IT" sz="3200" spc="-1" strike="noStrike">
+          <a:lstStyle/>
+          <a:p>
+            <a:endParaRPr lang="it-IT" sz="3200" b="0" strike="noStrike" spc="-1">
               <a:latin typeface="Arial"/>
             </a:endParaRPr>
           </a:p>
@@ -1550,11 +1727,12 @@
           </a:prstGeom>
         </p:spPr>
         <p:txBody>
-          <a:bodyPr lIns="0" rIns="0" tIns="0" bIns="0">
+          <a:bodyPr lIns="0" tIns="0" rIns="0" bIns="0">
             <a:normAutofit/>
           </a:bodyPr>
-          <a:p>
-            <a:endParaRPr b="0" lang="it-IT" sz="3200" spc="-1" strike="noStrike">
+          <a:lstStyle/>
+          <a:p>
+            <a:endParaRPr lang="it-IT" sz="3200" b="0" strike="noStrike" spc="-1">
               <a:latin typeface="Arial"/>
             </a:endParaRPr>
           </a:p>
@@ -1562,11 +1740,14 @@
       </p:sp>
     </p:spTree>
   </p:cSld>
+  <p:clrMapOvr>
+    <a:masterClrMapping/>
+  </p:clrMapOvr>
 </p:sldLayout>
 </file>
 
 <file path=ppt/slideLayouts/slideLayout23.xml><?xml version="1.0" encoding="utf-8"?>
-<p:sldLayout xmlns:a="http://schemas.openxmlformats.org/drawingml/2006/main" xmlns:p="http://schemas.openxmlformats.org/presentationml/2006/main" xmlns:r="http://schemas.openxmlformats.org/officeDocument/2006/relationships" xmlns:p14="http://schemas.microsoft.com/office/powerpoint/2010/main" xmlns:p15="http://schemas.microsoft.com/office/powerpoint/2012/main" xmlns:mc="http://schemas.openxmlformats.org/markup-compatibility/2006" type="fourObj" preserve="1">
+<p:sldLayout xmlns:a="http://schemas.openxmlformats.org/drawingml/2006/main" xmlns:r="http://schemas.openxmlformats.org/officeDocument/2006/relationships" xmlns:p="http://schemas.openxmlformats.org/presentationml/2006/main" type="fourObj" preserve="1">
   <p:cSld name="Title, 4 Content">
     <p:spTree>
       <p:nvGrpSpPr>
@@ -1602,10 +1783,11 @@
           </a:prstGeom>
         </p:spPr>
         <p:txBody>
-          <a:bodyPr lIns="0" rIns="0" tIns="0" bIns="0" anchor="ctr"/>
+          <a:bodyPr lIns="0" tIns="0" rIns="0" bIns="0" anchor="ctr"/>
+          <a:lstStyle/>
           <a:p>
             <a:pPr algn="ctr"/>
-            <a:endParaRPr b="0" lang="it-IT" sz="4400" spc="-1" strike="noStrike">
+            <a:endParaRPr lang="it-IT" sz="4400" b="0" strike="noStrike" spc="-1">
               <a:latin typeface="Arial"/>
             </a:endParaRPr>
           </a:p>
@@ -1631,11 +1813,12 @@
           </a:prstGeom>
         </p:spPr>
         <p:txBody>
-          <a:bodyPr lIns="0" rIns="0" tIns="0" bIns="0">
+          <a:bodyPr lIns="0" tIns="0" rIns="0" bIns="0">
             <a:normAutofit/>
           </a:bodyPr>
-          <a:p>
-            <a:endParaRPr b="0" lang="it-IT" sz="3200" spc="-1" strike="noStrike">
+          <a:lstStyle/>
+          <a:p>
+            <a:endParaRPr lang="it-IT" sz="3200" b="0" strike="noStrike" spc="-1">
               <a:latin typeface="Arial"/>
             </a:endParaRPr>
           </a:p>
@@ -1661,11 +1844,12 @@
           </a:prstGeom>
         </p:spPr>
         <p:txBody>
-          <a:bodyPr lIns="0" rIns="0" tIns="0" bIns="0">
+          <a:bodyPr lIns="0" tIns="0" rIns="0" bIns="0">
             <a:normAutofit/>
           </a:bodyPr>
-          <a:p>
-            <a:endParaRPr b="0" lang="it-IT" sz="3200" spc="-1" strike="noStrike">
+          <a:lstStyle/>
+          <a:p>
+            <a:endParaRPr lang="it-IT" sz="3200" b="0" strike="noStrike" spc="-1">
               <a:latin typeface="Arial"/>
             </a:endParaRPr>
           </a:p>
@@ -1691,11 +1875,12 @@
           </a:prstGeom>
         </p:spPr>
         <p:txBody>
-          <a:bodyPr lIns="0" rIns="0" tIns="0" bIns="0">
+          <a:bodyPr lIns="0" tIns="0" rIns="0" bIns="0">
             <a:normAutofit/>
           </a:bodyPr>
-          <a:p>
-            <a:endParaRPr b="0" lang="it-IT" sz="3200" spc="-1" strike="noStrike">
+          <a:lstStyle/>
+          <a:p>
+            <a:endParaRPr lang="it-IT" sz="3200" b="0" strike="noStrike" spc="-1">
               <a:latin typeface="Arial"/>
             </a:endParaRPr>
           </a:p>
@@ -1721,11 +1906,12 @@
           </a:prstGeom>
         </p:spPr>
         <p:txBody>
-          <a:bodyPr lIns="0" rIns="0" tIns="0" bIns="0">
+          <a:bodyPr lIns="0" tIns="0" rIns="0" bIns="0">
             <a:normAutofit/>
           </a:bodyPr>
-          <a:p>
-            <a:endParaRPr b="0" lang="it-IT" sz="3200" spc="-1" strike="noStrike">
+          <a:lstStyle/>
+          <a:p>
+            <a:endParaRPr lang="it-IT" sz="3200" b="0" strike="noStrike" spc="-1">
               <a:latin typeface="Arial"/>
             </a:endParaRPr>
           </a:p>
@@ -1733,11 +1919,14 @@
       </p:sp>
     </p:spTree>
   </p:cSld>
+  <p:clrMapOvr>
+    <a:masterClrMapping/>
+  </p:clrMapOvr>
 </p:sldLayout>
 </file>
 
 <file path=ppt/slideLayouts/slideLayout24.xml><?xml version="1.0" encoding="utf-8"?>
-<p:sldLayout xmlns:a="http://schemas.openxmlformats.org/drawingml/2006/main" xmlns:p="http://schemas.openxmlformats.org/presentationml/2006/main" xmlns:r="http://schemas.openxmlformats.org/officeDocument/2006/relationships" xmlns:p14="http://schemas.microsoft.com/office/powerpoint/2010/main" xmlns:p15="http://schemas.microsoft.com/office/powerpoint/2012/main" xmlns:mc="http://schemas.openxmlformats.org/markup-compatibility/2006" type="blank" preserve="1">
+<p:sldLayout xmlns:a="http://schemas.openxmlformats.org/drawingml/2006/main" xmlns:r="http://schemas.openxmlformats.org/officeDocument/2006/relationships" xmlns:p="http://schemas.openxmlformats.org/presentationml/2006/main" type="blank" preserve="1">
   <p:cSld name="Title, 6 Content">
     <p:spTree>
       <p:nvGrpSpPr>
@@ -1773,10 +1962,11 @@
           </a:prstGeom>
         </p:spPr>
         <p:txBody>
-          <a:bodyPr lIns="0" rIns="0" tIns="0" bIns="0" anchor="ctr"/>
+          <a:bodyPr lIns="0" tIns="0" rIns="0" bIns="0" anchor="ctr"/>
+          <a:lstStyle/>
           <a:p>
             <a:pPr algn="ctr"/>
-            <a:endParaRPr b="0" lang="it-IT" sz="4400" spc="-1" strike="noStrike">
+            <a:endParaRPr lang="it-IT" sz="4400" b="0" strike="noStrike" spc="-1">
               <a:latin typeface="Arial"/>
             </a:endParaRPr>
           </a:p>
@@ -1802,11 +1992,12 @@
           </a:prstGeom>
         </p:spPr>
         <p:txBody>
-          <a:bodyPr lIns="0" rIns="0" tIns="0" bIns="0">
+          <a:bodyPr lIns="0" tIns="0" rIns="0" bIns="0">
             <a:normAutofit/>
           </a:bodyPr>
-          <a:p>
-            <a:endParaRPr b="0" lang="it-IT" sz="3200" spc="-1" strike="noStrike">
+          <a:lstStyle/>
+          <a:p>
+            <a:endParaRPr lang="it-IT" sz="3200" b="0" strike="noStrike" spc="-1">
               <a:latin typeface="Arial"/>
             </a:endParaRPr>
           </a:p>
@@ -1832,11 +2023,12 @@
           </a:prstGeom>
         </p:spPr>
         <p:txBody>
-          <a:bodyPr lIns="0" rIns="0" tIns="0" bIns="0">
+          <a:bodyPr lIns="0" tIns="0" rIns="0" bIns="0">
             <a:normAutofit/>
           </a:bodyPr>
-          <a:p>
-            <a:endParaRPr b="0" lang="it-IT" sz="3200" spc="-1" strike="noStrike">
+          <a:lstStyle/>
+          <a:p>
+            <a:endParaRPr lang="it-IT" sz="3200" b="0" strike="noStrike" spc="-1">
               <a:latin typeface="Arial"/>
             </a:endParaRPr>
           </a:p>
@@ -1862,11 +2054,12 @@
           </a:prstGeom>
         </p:spPr>
         <p:txBody>
-          <a:bodyPr lIns="0" rIns="0" tIns="0" bIns="0">
+          <a:bodyPr lIns="0" tIns="0" rIns="0" bIns="0">
             <a:normAutofit/>
           </a:bodyPr>
-          <a:p>
-            <a:endParaRPr b="0" lang="it-IT" sz="3200" spc="-1" strike="noStrike">
+          <a:lstStyle/>
+          <a:p>
+            <a:endParaRPr lang="it-IT" sz="3200" b="0" strike="noStrike" spc="-1">
               <a:latin typeface="Arial"/>
             </a:endParaRPr>
           </a:p>
@@ -1892,11 +2085,12 @@
           </a:prstGeom>
         </p:spPr>
         <p:txBody>
-          <a:bodyPr lIns="0" rIns="0" tIns="0" bIns="0">
+          <a:bodyPr lIns="0" tIns="0" rIns="0" bIns="0">
             <a:normAutofit/>
           </a:bodyPr>
-          <a:p>
-            <a:endParaRPr b="0" lang="it-IT" sz="3200" spc="-1" strike="noStrike">
+          <a:lstStyle/>
+          <a:p>
+            <a:endParaRPr lang="it-IT" sz="3200" b="0" strike="noStrike" spc="-1">
               <a:latin typeface="Arial"/>
             </a:endParaRPr>
           </a:p>
@@ -1922,11 +2116,12 @@
           </a:prstGeom>
         </p:spPr>
         <p:txBody>
-          <a:bodyPr lIns="0" rIns="0" tIns="0" bIns="0">
+          <a:bodyPr lIns="0" tIns="0" rIns="0" bIns="0">
             <a:normAutofit/>
           </a:bodyPr>
-          <a:p>
-            <a:endParaRPr b="0" lang="it-IT" sz="3200" spc="-1" strike="noStrike">
+          <a:lstStyle/>
+          <a:p>
+            <a:endParaRPr lang="it-IT" sz="3200" b="0" strike="noStrike" spc="-1">
               <a:latin typeface="Arial"/>
             </a:endParaRPr>
           </a:p>
@@ -1952,11 +2147,12 @@
           </a:prstGeom>
         </p:spPr>
         <p:txBody>
-          <a:bodyPr lIns="0" rIns="0" tIns="0" bIns="0">
+          <a:bodyPr lIns="0" tIns="0" rIns="0" bIns="0">
             <a:normAutofit/>
           </a:bodyPr>
-          <a:p>
-            <a:endParaRPr b="0" lang="it-IT" sz="3200" spc="-1" strike="noStrike">
+          <a:lstStyle/>
+          <a:p>
+            <a:endParaRPr lang="it-IT" sz="3200" b="0" strike="noStrike" spc="-1">
               <a:latin typeface="Arial"/>
             </a:endParaRPr>
           </a:p>
@@ -1964,11 +2160,14 @@
       </p:sp>
     </p:spTree>
   </p:cSld>
+  <p:clrMapOvr>
+    <a:masterClrMapping/>
+  </p:clrMapOvr>
 </p:sldLayout>
 </file>
 
 <file path=ppt/slideLayouts/slideLayout3.xml><?xml version="1.0" encoding="utf-8"?>
-<p:sldLayout xmlns:a="http://schemas.openxmlformats.org/drawingml/2006/main" xmlns:p="http://schemas.openxmlformats.org/presentationml/2006/main" xmlns:r="http://schemas.openxmlformats.org/officeDocument/2006/relationships" xmlns:p14="http://schemas.microsoft.com/office/powerpoint/2010/main" xmlns:p15="http://schemas.microsoft.com/office/powerpoint/2012/main" xmlns:mc="http://schemas.openxmlformats.org/markup-compatibility/2006" type="obj" preserve="1">
+<p:sldLayout xmlns:a="http://schemas.openxmlformats.org/drawingml/2006/main" xmlns:r="http://schemas.openxmlformats.org/officeDocument/2006/relationships" xmlns:p="http://schemas.openxmlformats.org/presentationml/2006/main" type="obj" preserve="1">
   <p:cSld name="Title, Content">
     <p:spTree>
       <p:nvGrpSpPr>
@@ -2004,10 +2203,11 @@
           </a:prstGeom>
         </p:spPr>
         <p:txBody>
-          <a:bodyPr lIns="0" rIns="0" tIns="0" bIns="0" anchor="ctr"/>
+          <a:bodyPr lIns="0" tIns="0" rIns="0" bIns="0" anchor="ctr"/>
+          <a:lstStyle/>
           <a:p>
             <a:pPr algn="ctr"/>
-            <a:endParaRPr b="0" lang="it-IT" sz="4400" spc="-1" strike="noStrike">
+            <a:endParaRPr lang="it-IT" sz="4400" b="0" strike="noStrike" spc="-1">
               <a:latin typeface="Arial"/>
             </a:endParaRPr>
           </a:p>
@@ -2033,11 +2233,12 @@
           </a:prstGeom>
         </p:spPr>
         <p:txBody>
-          <a:bodyPr lIns="0" rIns="0" tIns="0" bIns="0">
+          <a:bodyPr lIns="0" tIns="0" rIns="0" bIns="0">
             <a:normAutofit/>
           </a:bodyPr>
-          <a:p>
-            <a:endParaRPr b="0" lang="it-IT" sz="3200" spc="-1" strike="noStrike">
+          <a:lstStyle/>
+          <a:p>
+            <a:endParaRPr lang="it-IT" sz="3200" b="0" strike="noStrike" spc="-1">
               <a:latin typeface="Arial"/>
             </a:endParaRPr>
           </a:p>
@@ -2045,11 +2246,14 @@
       </p:sp>
     </p:spTree>
   </p:cSld>
+  <p:clrMapOvr>
+    <a:masterClrMapping/>
+  </p:clrMapOvr>
 </p:sldLayout>
 </file>
 
 <file path=ppt/slideLayouts/slideLayout4.xml><?xml version="1.0" encoding="utf-8"?>
-<p:sldLayout xmlns:a="http://schemas.openxmlformats.org/drawingml/2006/main" xmlns:p="http://schemas.openxmlformats.org/presentationml/2006/main" xmlns:r="http://schemas.openxmlformats.org/officeDocument/2006/relationships" xmlns:p14="http://schemas.microsoft.com/office/powerpoint/2010/main" xmlns:p15="http://schemas.microsoft.com/office/powerpoint/2012/main" xmlns:mc="http://schemas.openxmlformats.org/markup-compatibility/2006" type="twoObj" preserve="1">
+<p:sldLayout xmlns:a="http://schemas.openxmlformats.org/drawingml/2006/main" xmlns:r="http://schemas.openxmlformats.org/officeDocument/2006/relationships" xmlns:p="http://schemas.openxmlformats.org/presentationml/2006/main" type="twoObj" preserve="1">
   <p:cSld name="Title, 2 Content">
     <p:spTree>
       <p:nvGrpSpPr>
@@ -2085,10 +2289,11 @@
           </a:prstGeom>
         </p:spPr>
         <p:txBody>
-          <a:bodyPr lIns="0" rIns="0" tIns="0" bIns="0" anchor="ctr"/>
+          <a:bodyPr lIns="0" tIns="0" rIns="0" bIns="0" anchor="ctr"/>
+          <a:lstStyle/>
           <a:p>
             <a:pPr algn="ctr"/>
-            <a:endParaRPr b="0" lang="it-IT" sz="4400" spc="-1" strike="noStrike">
+            <a:endParaRPr lang="it-IT" sz="4400" b="0" strike="noStrike" spc="-1">
               <a:latin typeface="Arial"/>
             </a:endParaRPr>
           </a:p>
@@ -2114,11 +2319,12 @@
           </a:prstGeom>
         </p:spPr>
         <p:txBody>
-          <a:bodyPr lIns="0" rIns="0" tIns="0" bIns="0">
+          <a:bodyPr lIns="0" tIns="0" rIns="0" bIns="0">
             <a:normAutofit/>
           </a:bodyPr>
-          <a:p>
-            <a:endParaRPr b="0" lang="it-IT" sz="3200" spc="-1" strike="noStrike">
+          <a:lstStyle/>
+          <a:p>
+            <a:endParaRPr lang="it-IT" sz="3200" b="0" strike="noStrike" spc="-1">
               <a:latin typeface="Arial"/>
             </a:endParaRPr>
           </a:p>
@@ -2144,11 +2350,12 @@
           </a:prstGeom>
         </p:spPr>
         <p:txBody>
-          <a:bodyPr lIns="0" rIns="0" tIns="0" bIns="0">
+          <a:bodyPr lIns="0" tIns="0" rIns="0" bIns="0">
             <a:normAutofit/>
           </a:bodyPr>
-          <a:p>
-            <a:endParaRPr b="0" lang="it-IT" sz="3200" spc="-1" strike="noStrike">
+          <a:lstStyle/>
+          <a:p>
+            <a:endParaRPr lang="it-IT" sz="3200" b="0" strike="noStrike" spc="-1">
               <a:latin typeface="Arial"/>
             </a:endParaRPr>
           </a:p>
@@ -2156,11 +2363,14 @@
       </p:sp>
     </p:spTree>
   </p:cSld>
+  <p:clrMapOvr>
+    <a:masterClrMapping/>
+  </p:clrMapOvr>
 </p:sldLayout>
 </file>
 
 <file path=ppt/slideLayouts/slideLayout5.xml><?xml version="1.0" encoding="utf-8"?>
-<p:sldLayout xmlns:a="http://schemas.openxmlformats.org/drawingml/2006/main" xmlns:p="http://schemas.openxmlformats.org/presentationml/2006/main" xmlns:r="http://schemas.openxmlformats.org/officeDocument/2006/relationships" xmlns:p14="http://schemas.microsoft.com/office/powerpoint/2010/main" xmlns:p15="http://schemas.microsoft.com/office/powerpoint/2012/main" xmlns:mc="http://schemas.openxmlformats.org/markup-compatibility/2006" type="titleOnly" preserve="1">
+<p:sldLayout xmlns:a="http://schemas.openxmlformats.org/drawingml/2006/main" xmlns:r="http://schemas.openxmlformats.org/officeDocument/2006/relationships" xmlns:p="http://schemas.openxmlformats.org/presentationml/2006/main" type="titleOnly" preserve="1">
   <p:cSld name="Title Only">
     <p:spTree>
       <p:nvGrpSpPr>
@@ -2196,10 +2406,11 @@
           </a:prstGeom>
         </p:spPr>
         <p:txBody>
-          <a:bodyPr lIns="0" rIns="0" tIns="0" bIns="0" anchor="ctr"/>
+          <a:bodyPr lIns="0" tIns="0" rIns="0" bIns="0" anchor="ctr"/>
+          <a:lstStyle/>
           <a:p>
             <a:pPr algn="ctr"/>
-            <a:endParaRPr b="0" lang="it-IT" sz="4400" spc="-1" strike="noStrike">
+            <a:endParaRPr lang="it-IT" sz="4400" b="0" strike="noStrike" spc="-1">
               <a:latin typeface="Arial"/>
             </a:endParaRPr>
           </a:p>
@@ -2207,11 +2418,14 @@
       </p:sp>
     </p:spTree>
   </p:cSld>
+  <p:clrMapOvr>
+    <a:masterClrMapping/>
+  </p:clrMapOvr>
 </p:sldLayout>
 </file>
 
 <file path=ppt/slideLayouts/slideLayout6.xml><?xml version="1.0" encoding="utf-8"?>
-<p:sldLayout xmlns:a="http://schemas.openxmlformats.org/drawingml/2006/main" xmlns:p="http://schemas.openxmlformats.org/presentationml/2006/main" xmlns:r="http://schemas.openxmlformats.org/officeDocument/2006/relationships" xmlns:p14="http://schemas.microsoft.com/office/powerpoint/2010/main" xmlns:p15="http://schemas.microsoft.com/office/powerpoint/2012/main" xmlns:mc="http://schemas.openxmlformats.org/markup-compatibility/2006" type="objOnly" preserve="1">
+<p:sldLayout xmlns:a="http://schemas.openxmlformats.org/drawingml/2006/main" xmlns:r="http://schemas.openxmlformats.org/officeDocument/2006/relationships" xmlns:p="http://schemas.openxmlformats.org/presentationml/2006/main" type="objOnly" preserve="1">
   <p:cSld name="Centered Text">
     <p:spTree>
       <p:nvGrpSpPr>
@@ -2247,10 +2461,11 @@
           </a:prstGeom>
         </p:spPr>
         <p:txBody>
-          <a:bodyPr lIns="0" rIns="0" tIns="0" bIns="0" anchor="ctr"/>
+          <a:bodyPr lIns="0" tIns="0" rIns="0" bIns="0" anchor="ctr"/>
+          <a:lstStyle/>
           <a:p>
             <a:pPr algn="ctr"/>
-            <a:endParaRPr b="0" lang="it-IT" sz="3200" spc="-1" strike="noStrike">
+            <a:endParaRPr lang="it-IT" sz="3200" b="0" strike="noStrike" spc="-1">
               <a:latin typeface="Arial"/>
             </a:endParaRPr>
           </a:p>
@@ -2258,11 +2473,14 @@
       </p:sp>
     </p:spTree>
   </p:cSld>
+  <p:clrMapOvr>
+    <a:masterClrMapping/>
+  </p:clrMapOvr>
 </p:sldLayout>
 </file>
 
 <file path=ppt/slideLayouts/slideLayout7.xml><?xml version="1.0" encoding="utf-8"?>
-<p:sldLayout xmlns:a="http://schemas.openxmlformats.org/drawingml/2006/main" xmlns:p="http://schemas.openxmlformats.org/presentationml/2006/main" xmlns:r="http://schemas.openxmlformats.org/officeDocument/2006/relationships" xmlns:p14="http://schemas.microsoft.com/office/powerpoint/2010/main" xmlns:p15="http://schemas.microsoft.com/office/powerpoint/2012/main" xmlns:mc="http://schemas.openxmlformats.org/markup-compatibility/2006" type="twoObjAndObj" preserve="1">
+<p:sldLayout xmlns:a="http://schemas.openxmlformats.org/drawingml/2006/main" xmlns:r="http://schemas.openxmlformats.org/officeDocument/2006/relationships" xmlns:p="http://schemas.openxmlformats.org/presentationml/2006/main" type="twoObjAndObj" preserve="1">
   <p:cSld name="Title, 2 Content and Content">
     <p:spTree>
       <p:nvGrpSpPr>
@@ -2298,10 +2516,11 @@
           </a:prstGeom>
         </p:spPr>
         <p:txBody>
-          <a:bodyPr lIns="0" rIns="0" tIns="0" bIns="0" anchor="ctr"/>
+          <a:bodyPr lIns="0" tIns="0" rIns="0" bIns="0" anchor="ctr"/>
+          <a:lstStyle/>
           <a:p>
             <a:pPr algn="ctr"/>
-            <a:endParaRPr b="0" lang="it-IT" sz="4400" spc="-1" strike="noStrike">
+            <a:endParaRPr lang="it-IT" sz="4400" b="0" strike="noStrike" spc="-1">
               <a:latin typeface="Arial"/>
             </a:endParaRPr>
           </a:p>
@@ -2327,11 +2546,12 @@
           </a:prstGeom>
         </p:spPr>
         <p:txBody>
-          <a:bodyPr lIns="0" rIns="0" tIns="0" bIns="0">
+          <a:bodyPr lIns="0" tIns="0" rIns="0" bIns="0">
             <a:normAutofit/>
           </a:bodyPr>
-          <a:p>
-            <a:endParaRPr b="0" lang="it-IT" sz="3200" spc="-1" strike="noStrike">
+          <a:lstStyle/>
+          <a:p>
+            <a:endParaRPr lang="it-IT" sz="3200" b="0" strike="noStrike" spc="-1">
               <a:latin typeface="Arial"/>
             </a:endParaRPr>
           </a:p>
@@ -2357,11 +2577,12 @@
           </a:prstGeom>
         </p:spPr>
         <p:txBody>
-          <a:bodyPr lIns="0" rIns="0" tIns="0" bIns="0">
+          <a:bodyPr lIns="0" tIns="0" rIns="0" bIns="0">
             <a:normAutofit/>
           </a:bodyPr>
-          <a:p>
-            <a:endParaRPr b="0" lang="it-IT" sz="3200" spc="-1" strike="noStrike">
+          <a:lstStyle/>
+          <a:p>
+            <a:endParaRPr lang="it-IT" sz="3200" b="0" strike="noStrike" spc="-1">
               <a:latin typeface="Arial"/>
             </a:endParaRPr>
           </a:p>
@@ -2387,11 +2608,12 @@
           </a:prstGeom>
         </p:spPr>
         <p:txBody>
-          <a:bodyPr lIns="0" rIns="0" tIns="0" bIns="0">
+          <a:bodyPr lIns="0" tIns="0" rIns="0" bIns="0">
             <a:normAutofit/>
           </a:bodyPr>
-          <a:p>
-            <a:endParaRPr b="0" lang="it-IT" sz="3200" spc="-1" strike="noStrike">
+          <a:lstStyle/>
+          <a:p>
+            <a:endParaRPr lang="it-IT" sz="3200" b="0" strike="noStrike" spc="-1">
               <a:latin typeface="Arial"/>
             </a:endParaRPr>
           </a:p>
@@ -2399,11 +2621,14 @@
       </p:sp>
     </p:spTree>
   </p:cSld>
+  <p:clrMapOvr>
+    <a:masterClrMapping/>
+  </p:clrMapOvr>
 </p:sldLayout>
 </file>
 
 <file path=ppt/slideLayouts/slideLayout8.xml><?xml version="1.0" encoding="utf-8"?>
-<p:sldLayout xmlns:a="http://schemas.openxmlformats.org/drawingml/2006/main" xmlns:p="http://schemas.openxmlformats.org/presentationml/2006/main" xmlns:r="http://schemas.openxmlformats.org/officeDocument/2006/relationships" xmlns:p14="http://schemas.microsoft.com/office/powerpoint/2010/main" xmlns:p15="http://schemas.microsoft.com/office/powerpoint/2012/main" xmlns:mc="http://schemas.openxmlformats.org/markup-compatibility/2006" type="objAndTwoObj" preserve="1">
+<p:sldLayout xmlns:a="http://schemas.openxmlformats.org/drawingml/2006/main" xmlns:r="http://schemas.openxmlformats.org/officeDocument/2006/relationships" xmlns:p="http://schemas.openxmlformats.org/presentationml/2006/main" type="objAndTwoObj" preserve="1">
   <p:cSld name="Title Content and 2 Content">
     <p:spTree>
       <p:nvGrpSpPr>
@@ -2439,10 +2664,11 @@
           </a:prstGeom>
         </p:spPr>
         <p:txBody>
-          <a:bodyPr lIns="0" rIns="0" tIns="0" bIns="0" anchor="ctr"/>
+          <a:bodyPr lIns="0" tIns="0" rIns="0" bIns="0" anchor="ctr"/>
+          <a:lstStyle/>
           <a:p>
             <a:pPr algn="ctr"/>
-            <a:endParaRPr b="0" lang="it-IT" sz="4400" spc="-1" strike="noStrike">
+            <a:endParaRPr lang="it-IT" sz="4400" b="0" strike="noStrike" spc="-1">
               <a:latin typeface="Arial"/>
             </a:endParaRPr>
           </a:p>
@@ -2468,11 +2694,12 @@
           </a:prstGeom>
         </p:spPr>
         <p:txBody>
-          <a:bodyPr lIns="0" rIns="0" tIns="0" bIns="0">
+          <a:bodyPr lIns="0" tIns="0" rIns="0" bIns="0">
             <a:normAutofit/>
           </a:bodyPr>
-          <a:p>
-            <a:endParaRPr b="0" lang="it-IT" sz="3200" spc="-1" strike="noStrike">
+          <a:lstStyle/>
+          <a:p>
+            <a:endParaRPr lang="it-IT" sz="3200" b="0" strike="noStrike" spc="-1">
               <a:latin typeface="Arial"/>
             </a:endParaRPr>
           </a:p>
@@ -2498,11 +2725,12 @@
           </a:prstGeom>
         </p:spPr>
         <p:txBody>
-          <a:bodyPr lIns="0" rIns="0" tIns="0" bIns="0">
+          <a:bodyPr lIns="0" tIns="0" rIns="0" bIns="0">
             <a:normAutofit/>
           </a:bodyPr>
-          <a:p>
-            <a:endParaRPr b="0" lang="it-IT" sz="3200" spc="-1" strike="noStrike">
+          <a:lstStyle/>
+          <a:p>
+            <a:endParaRPr lang="it-IT" sz="3200" b="0" strike="noStrike" spc="-1">
               <a:latin typeface="Arial"/>
             </a:endParaRPr>
           </a:p>
@@ -2528,11 +2756,12 @@
           </a:prstGeom>
         </p:spPr>
         <p:txBody>
-          <a:bodyPr lIns="0" rIns="0" tIns="0" bIns="0">
+          <a:bodyPr lIns="0" tIns="0" rIns="0" bIns="0">
             <a:normAutofit/>
           </a:bodyPr>
-          <a:p>
-            <a:endParaRPr b="0" lang="it-IT" sz="3200" spc="-1" strike="noStrike">
+          <a:lstStyle/>
+          <a:p>
+            <a:endParaRPr lang="it-IT" sz="3200" b="0" strike="noStrike" spc="-1">
               <a:latin typeface="Arial"/>
             </a:endParaRPr>
           </a:p>
@@ -2540,11 +2769,14 @@
       </p:sp>
     </p:spTree>
   </p:cSld>
+  <p:clrMapOvr>
+    <a:masterClrMapping/>
+  </p:clrMapOvr>
 </p:sldLayout>
 </file>
 
 <file path=ppt/slideLayouts/slideLayout9.xml><?xml version="1.0" encoding="utf-8"?>
-<p:sldLayout xmlns:a="http://schemas.openxmlformats.org/drawingml/2006/main" xmlns:p="http://schemas.openxmlformats.org/presentationml/2006/main" xmlns:r="http://schemas.openxmlformats.org/officeDocument/2006/relationships" xmlns:p14="http://schemas.microsoft.com/office/powerpoint/2010/main" xmlns:p15="http://schemas.microsoft.com/office/powerpoint/2012/main" xmlns:mc="http://schemas.openxmlformats.org/markup-compatibility/2006" type="twoObjOverTx" preserve="1">
+<p:sldLayout xmlns:a="http://schemas.openxmlformats.org/drawingml/2006/main" xmlns:r="http://schemas.openxmlformats.org/officeDocument/2006/relationships" xmlns:p="http://schemas.openxmlformats.org/presentationml/2006/main" type="twoObjOverTx" preserve="1">
   <p:cSld name="Title, 2 Content over Content">
     <p:spTree>
       <p:nvGrpSpPr>
@@ -2580,10 +2812,11 @@
           </a:prstGeom>
         </p:spPr>
         <p:txBody>
-          <a:bodyPr lIns="0" rIns="0" tIns="0" bIns="0" anchor="ctr"/>
+          <a:bodyPr lIns="0" tIns="0" rIns="0" bIns="0" anchor="ctr"/>
+          <a:lstStyle/>
           <a:p>
             <a:pPr algn="ctr"/>
-            <a:endParaRPr b="0" lang="it-IT" sz="4400" spc="-1" strike="noStrike">
+            <a:endParaRPr lang="it-IT" sz="4400" b="0" strike="noStrike" spc="-1">
               <a:latin typeface="Arial"/>
             </a:endParaRPr>
           </a:p>
@@ -2609,11 +2842,12 @@
           </a:prstGeom>
         </p:spPr>
         <p:txBody>
-          <a:bodyPr lIns="0" rIns="0" tIns="0" bIns="0">
+          <a:bodyPr lIns="0" tIns="0" rIns="0" bIns="0">
             <a:normAutofit/>
           </a:bodyPr>
-          <a:p>
-            <a:endParaRPr b="0" lang="it-IT" sz="3200" spc="-1" strike="noStrike">
+          <a:lstStyle/>
+          <a:p>
+            <a:endParaRPr lang="it-IT" sz="3200" b="0" strike="noStrike" spc="-1">
               <a:latin typeface="Arial"/>
             </a:endParaRPr>
           </a:p>
@@ -2639,11 +2873,12 @@
           </a:prstGeom>
         </p:spPr>
         <p:txBody>
-          <a:bodyPr lIns="0" rIns="0" tIns="0" bIns="0">
+          <a:bodyPr lIns="0" tIns="0" rIns="0" bIns="0">
             <a:normAutofit/>
           </a:bodyPr>
-          <a:p>
-            <a:endParaRPr b="0" lang="it-IT" sz="3200" spc="-1" strike="noStrike">
+          <a:lstStyle/>
+          <a:p>
+            <a:endParaRPr lang="it-IT" sz="3200" b="0" strike="noStrike" spc="-1">
               <a:latin typeface="Arial"/>
             </a:endParaRPr>
           </a:p>
@@ -2669,11 +2904,12 @@
           </a:prstGeom>
         </p:spPr>
         <p:txBody>
-          <a:bodyPr lIns="0" rIns="0" tIns="0" bIns="0">
+          <a:bodyPr lIns="0" tIns="0" rIns="0" bIns="0">
             <a:normAutofit/>
           </a:bodyPr>
-          <a:p>
-            <a:endParaRPr b="0" lang="it-IT" sz="3200" spc="-1" strike="noStrike">
+          <a:lstStyle/>
+          <a:p>
+            <a:endParaRPr lang="it-IT" sz="3200" b="0" strike="noStrike" spc="-1">
               <a:latin typeface="Arial"/>
             </a:endParaRPr>
           </a:p>
@@ -2681,17 +2917,21 @@
       </p:sp>
     </p:spTree>
   </p:cSld>
+  <p:clrMapOvr>
+    <a:masterClrMapping/>
+  </p:clrMapOvr>
 </p:sldLayout>
 </file>
 
 <file path=ppt/slideMasters/slideMaster1.xml><?xml version="1.0" encoding="utf-8"?>
-<p:sldMaster xmlns:a="http://schemas.openxmlformats.org/drawingml/2006/main" xmlns:p="http://schemas.openxmlformats.org/presentationml/2006/main" xmlns:r="http://schemas.openxmlformats.org/officeDocument/2006/relationships" xmlns:p14="http://schemas.microsoft.com/office/powerpoint/2010/main" xmlns:p15="http://schemas.microsoft.com/office/powerpoint/2012/main" xmlns:mc="http://schemas.openxmlformats.org/markup-compatibility/2006">
+<p:sldMaster xmlns:a="http://schemas.openxmlformats.org/drawingml/2006/main" xmlns:r="http://schemas.openxmlformats.org/officeDocument/2006/relationships" xmlns:p="http://schemas.openxmlformats.org/presentationml/2006/main">
   <p:cSld>
     <p:bg>
       <p:bgPr>
         <a:solidFill>
-          <a:srgbClr val="ffffff"/>
+          <a:srgbClr val="FFFFFF"/>
         </a:solidFill>
+        <a:effectLst/>
       </p:bgPr>
     </p:bg>
     <p:spTree>
@@ -2710,12 +2950,12 @@
       </p:grpSpPr>
       <p:pic>
         <p:nvPicPr>
-          <p:cNvPr id="0" name="Immagine 8" descr=""/>
+          <p:cNvPr id="5" name="Immagine 8"/>
           <p:cNvPicPr/>
           <p:nvPr/>
         </p:nvPicPr>
         <p:blipFill>
-          <a:blip r:embed="rId2"/>
+          <a:blip r:embed="rId14"/>
           <a:stretch/>
         </p:blipFill>
         <p:spPr>
@@ -2733,12 +2973,12 @@
       </p:pic>
       <p:pic>
         <p:nvPicPr>
-          <p:cNvPr id="1" name="Immagine 9" descr=""/>
+          <p:cNvPr id="6" name="Immagine 9"/>
           <p:cNvPicPr/>
           <p:nvPr/>
         </p:nvPicPr>
         <p:blipFill>
-          <a:blip r:embed="rId3"/>
+          <a:blip r:embed="rId15"/>
           <a:stretch/>
         </p:blipFill>
         <p:spPr>
@@ -2756,12 +2996,12 @@
       </p:pic>
       <p:pic>
         <p:nvPicPr>
-          <p:cNvPr id="2" name="Immagine 11" descr=""/>
+          <p:cNvPr id="2" name="Immagine 11"/>
           <p:cNvPicPr/>
           <p:nvPr/>
         </p:nvPicPr>
         <p:blipFill>
-          <a:blip r:embed="rId4"/>
+          <a:blip r:embed="rId16"/>
           <a:stretch/>
         </p:blipFill>
         <p:spPr>
@@ -2797,18 +3037,16 @@
           </a:prstGeom>
         </p:spPr>
         <p:txBody>
-          <a:bodyPr lIns="0" rIns="0" tIns="0" bIns="0" anchor="ctr"/>
+          <a:bodyPr lIns="0" tIns="0" rIns="0" bIns="0" anchor="ctr"/>
+          <a:lstStyle/>
           <a:p>
             <a:pPr algn="ctr"/>
             <a:r>
-              <a:rPr b="0" lang="it-IT" sz="4400" spc="-1" strike="noStrike">
+              <a:rPr lang="it-IT" sz="4400" b="0" strike="noStrike" spc="-1">
                 <a:latin typeface="Arial"/>
               </a:rPr>
               <a:t>Click to edit the title text format</a:t>
             </a:r>
-            <a:endParaRPr b="0" lang="it-IT" sz="4400" spc="-1" strike="noStrike">
-              <a:latin typeface="Arial"/>
-            </a:endParaRPr>
           </a:p>
         </p:txBody>
       </p:sp>
@@ -2832,9 +3070,10 @@
           </a:prstGeom>
         </p:spPr>
         <p:txBody>
-          <a:bodyPr lIns="0" rIns="0" tIns="0" bIns="0">
+          <a:bodyPr lIns="0" tIns="0" rIns="0" bIns="0">
             <a:normAutofit/>
           </a:bodyPr>
+          <a:lstStyle/>
           <a:p>
             <a:pPr marL="432000" indent="-324000">
               <a:spcBef>
@@ -2848,17 +3087,14 @@
               <a:buChar char=""/>
             </a:pPr>
             <a:r>
-              <a:rPr b="0" lang="it-IT" sz="3200" spc="-1" strike="noStrike">
+              <a:rPr lang="it-IT" sz="3200" b="0" strike="noStrike" spc="-1">
                 <a:latin typeface="Arial"/>
               </a:rPr>
               <a:t>Click to edit the outline text format</a:t>
             </a:r>
-            <a:endParaRPr b="0" lang="it-IT" sz="3200" spc="-1" strike="noStrike">
-              <a:latin typeface="Arial"/>
-            </a:endParaRPr>
-          </a:p>
-          <a:p>
-            <a:pPr lvl="1" marL="864000" indent="-324000">
+          </a:p>
+          <a:p>
+            <a:pPr marL="864000" lvl="1" indent="-324000">
               <a:spcBef>
                 <a:spcPts val="1134"/>
               </a:spcBef>
@@ -2870,17 +3106,14 @@
               <a:buChar char=""/>
             </a:pPr>
             <a:r>
-              <a:rPr b="0" lang="it-IT" sz="2800" spc="-1" strike="noStrike">
+              <a:rPr lang="it-IT" sz="2800" b="0" strike="noStrike" spc="-1">
                 <a:latin typeface="Arial"/>
               </a:rPr>
               <a:t>Second Outline Level</a:t>
             </a:r>
-            <a:endParaRPr b="0" lang="it-IT" sz="2800" spc="-1" strike="noStrike">
-              <a:latin typeface="Arial"/>
-            </a:endParaRPr>
-          </a:p>
-          <a:p>
-            <a:pPr lvl="2" marL="1296000" indent="-288000">
+          </a:p>
+          <a:p>
+            <a:pPr marL="1296000" lvl="2" indent="-288000">
               <a:spcBef>
                 <a:spcPts val="850"/>
               </a:spcBef>
@@ -2892,17 +3125,14 @@
               <a:buChar char=""/>
             </a:pPr>
             <a:r>
-              <a:rPr b="0" lang="it-IT" sz="2400" spc="-1" strike="noStrike">
+              <a:rPr lang="it-IT" sz="2400" b="0" strike="noStrike" spc="-1">
                 <a:latin typeface="Arial"/>
               </a:rPr>
               <a:t>Third Outline Level</a:t>
             </a:r>
-            <a:endParaRPr b="0" lang="it-IT" sz="2400" spc="-1" strike="noStrike">
-              <a:latin typeface="Arial"/>
-            </a:endParaRPr>
-          </a:p>
-          <a:p>
-            <a:pPr lvl="3" marL="1728000" indent="-216000">
+          </a:p>
+          <a:p>
+            <a:pPr marL="1728000" lvl="3" indent="-216000">
               <a:spcBef>
                 <a:spcPts val="567"/>
               </a:spcBef>
@@ -2914,17 +3144,14 @@
               <a:buChar char=""/>
             </a:pPr>
             <a:r>
-              <a:rPr b="0" lang="it-IT" sz="2000" spc="-1" strike="noStrike">
+              <a:rPr lang="it-IT" sz="2000" b="0" strike="noStrike" spc="-1">
                 <a:latin typeface="Arial"/>
               </a:rPr>
               <a:t>Fourth Outline Level</a:t>
             </a:r>
-            <a:endParaRPr b="0" lang="it-IT" sz="2000" spc="-1" strike="noStrike">
-              <a:latin typeface="Arial"/>
-            </a:endParaRPr>
-          </a:p>
-          <a:p>
-            <a:pPr lvl="4" marL="2160000" indent="-216000">
+          </a:p>
+          <a:p>
+            <a:pPr marL="2160000" lvl="4" indent="-216000">
               <a:spcBef>
                 <a:spcPts val="283"/>
               </a:spcBef>
@@ -2936,17 +3163,14 @@
               <a:buChar char=""/>
             </a:pPr>
             <a:r>
-              <a:rPr b="0" lang="it-IT" sz="2000" spc="-1" strike="noStrike">
+              <a:rPr lang="it-IT" sz="2000" b="0" strike="noStrike" spc="-1">
                 <a:latin typeface="Arial"/>
               </a:rPr>
               <a:t>Fifth Outline Level</a:t>
             </a:r>
-            <a:endParaRPr b="0" lang="it-IT" sz="2000" spc="-1" strike="noStrike">
-              <a:latin typeface="Arial"/>
-            </a:endParaRPr>
-          </a:p>
-          <a:p>
-            <a:pPr lvl="5" marL="2592000" indent="-216000">
+          </a:p>
+          <a:p>
+            <a:pPr marL="2592000" lvl="5" indent="-216000">
               <a:spcBef>
                 <a:spcPts val="283"/>
               </a:spcBef>
@@ -2958,17 +3182,14 @@
               <a:buChar char=""/>
             </a:pPr>
             <a:r>
-              <a:rPr b="0" lang="it-IT" sz="2000" spc="-1" strike="noStrike">
+              <a:rPr lang="it-IT" sz="2000" b="0" strike="noStrike" spc="-1">
                 <a:latin typeface="Arial"/>
               </a:rPr>
               <a:t>Sixth Outline Level</a:t>
             </a:r>
-            <a:endParaRPr b="0" lang="it-IT" sz="2000" spc="-1" strike="noStrike">
-              <a:latin typeface="Arial"/>
-            </a:endParaRPr>
-          </a:p>
-          <a:p>
-            <a:pPr lvl="6" marL="3024000" indent="-216000">
+          </a:p>
+          <a:p>
+            <a:pPr marL="3024000" lvl="6" indent="-216000">
               <a:spcBef>
                 <a:spcPts val="283"/>
               </a:spcBef>
@@ -2980,45 +3201,323 @@
               <a:buChar char=""/>
             </a:pPr>
             <a:r>
-              <a:rPr b="0" lang="it-IT" sz="2000" spc="-1" strike="noStrike">
+              <a:rPr lang="it-IT" sz="2000" b="0" strike="noStrike" spc="-1">
                 <a:latin typeface="Arial"/>
               </a:rPr>
               <a:t>Seventh Outline Level</a:t>
             </a:r>
-            <a:endParaRPr b="0" lang="it-IT" sz="2000" spc="-1" strike="noStrike">
-              <a:latin typeface="Arial"/>
-            </a:endParaRPr>
           </a:p>
         </p:txBody>
       </p:sp>
     </p:spTree>
   </p:cSld>
-  <p:clrMap bg1="lt1" bg2="lt2" tx1="dk1" tx2="dk2" accent1="accent1" accent2="accent2" accent3="accent3" accent4="accent4" accent5="accent5" accent6="accent6" hlink="hlink" folHlink="folHlink"/>
+  <p:clrMap bg1="lt1" tx1="dk1" bg2="lt2" tx2="dk2" accent1="accent1" accent2="accent2" accent3="accent3" accent4="accent4" accent5="accent5" accent6="accent6" hlink="hlink" folHlink="folHlink"/>
   <p:sldLayoutIdLst>
-    <p:sldLayoutId id="2147483649" r:id="rId5"/>
-    <p:sldLayoutId id="2147483650" r:id="rId6"/>
-    <p:sldLayoutId id="2147483651" r:id="rId7"/>
-    <p:sldLayoutId id="2147483652" r:id="rId8"/>
-    <p:sldLayoutId id="2147483653" r:id="rId9"/>
-    <p:sldLayoutId id="2147483654" r:id="rId10"/>
-    <p:sldLayoutId id="2147483655" r:id="rId11"/>
-    <p:sldLayoutId id="2147483656" r:id="rId12"/>
-    <p:sldLayoutId id="2147483657" r:id="rId13"/>
-    <p:sldLayoutId id="2147483658" r:id="rId14"/>
-    <p:sldLayoutId id="2147483659" r:id="rId15"/>
-    <p:sldLayoutId id="2147483660" r:id="rId16"/>
+    <p:sldLayoutId id="2147483649" r:id="rId1"/>
+    <p:sldLayoutId id="2147483650" r:id="rId2"/>
+    <p:sldLayoutId id="2147483651" r:id="rId3"/>
+    <p:sldLayoutId id="2147483652" r:id="rId4"/>
+    <p:sldLayoutId id="2147483653" r:id="rId5"/>
+    <p:sldLayoutId id="2147483654" r:id="rId6"/>
+    <p:sldLayoutId id="2147483655" r:id="rId7"/>
+    <p:sldLayoutId id="2147483656" r:id="rId8"/>
+    <p:sldLayoutId id="2147483657" r:id="rId9"/>
+    <p:sldLayoutId id="2147483658" r:id="rId10"/>
+    <p:sldLayoutId id="2147483659" r:id="rId11"/>
+    <p:sldLayoutId id="2147483660" r:id="rId12"/>
   </p:sldLayoutIdLst>
+  <p:txStyles>
+    <p:titleStyle>
+      <a:lvl1pPr algn="l" defTabSz="914400" rtl="0" eaLnBrk="1" latinLnBrk="0" hangingPunct="1">
+        <a:lnSpc>
+          <a:spcPct val="90000"/>
+        </a:lnSpc>
+        <a:spcBef>
+          <a:spcPct val="0"/>
+        </a:spcBef>
+        <a:buNone/>
+        <a:defRPr sz="4400" kern="1200">
+          <a:solidFill>
+            <a:schemeClr val="tx1"/>
+          </a:solidFill>
+          <a:latin typeface="+mj-lt"/>
+          <a:ea typeface="+mj-ea"/>
+          <a:cs typeface="+mj-cs"/>
+        </a:defRPr>
+      </a:lvl1pPr>
+    </p:titleStyle>
+    <p:bodyStyle>
+      <a:lvl1pPr marL="228600" indent="-228600" algn="l" defTabSz="914400" rtl="0" eaLnBrk="1" latinLnBrk="0" hangingPunct="1">
+        <a:lnSpc>
+          <a:spcPct val="90000"/>
+        </a:lnSpc>
+        <a:spcBef>
+          <a:spcPts val="1000"/>
+        </a:spcBef>
+        <a:buFont typeface="Arial" panose="020B0604020202020204" pitchFamily="34" charset="0"/>
+        <a:buChar char="•"/>
+        <a:defRPr sz="2800" kern="1200">
+          <a:solidFill>
+            <a:schemeClr val="tx1"/>
+          </a:solidFill>
+          <a:latin typeface="+mn-lt"/>
+          <a:ea typeface="+mn-ea"/>
+          <a:cs typeface="+mn-cs"/>
+        </a:defRPr>
+      </a:lvl1pPr>
+      <a:lvl2pPr marL="685800" indent="-228600" algn="l" defTabSz="914400" rtl="0" eaLnBrk="1" latinLnBrk="0" hangingPunct="1">
+        <a:lnSpc>
+          <a:spcPct val="90000"/>
+        </a:lnSpc>
+        <a:spcBef>
+          <a:spcPts val="500"/>
+        </a:spcBef>
+        <a:buFont typeface="Arial" panose="020B0604020202020204" pitchFamily="34" charset="0"/>
+        <a:buChar char="•"/>
+        <a:defRPr sz="2400" kern="1200">
+          <a:solidFill>
+            <a:schemeClr val="tx1"/>
+          </a:solidFill>
+          <a:latin typeface="+mn-lt"/>
+          <a:ea typeface="+mn-ea"/>
+          <a:cs typeface="+mn-cs"/>
+        </a:defRPr>
+      </a:lvl2pPr>
+      <a:lvl3pPr marL="1143000" indent="-228600" algn="l" defTabSz="914400" rtl="0" eaLnBrk="1" latinLnBrk="0" hangingPunct="1">
+        <a:lnSpc>
+          <a:spcPct val="90000"/>
+        </a:lnSpc>
+        <a:spcBef>
+          <a:spcPts val="500"/>
+        </a:spcBef>
+        <a:buFont typeface="Arial" panose="020B0604020202020204" pitchFamily="34" charset="0"/>
+        <a:buChar char="•"/>
+        <a:defRPr sz="2000" kern="1200">
+          <a:solidFill>
+            <a:schemeClr val="tx1"/>
+          </a:solidFill>
+          <a:latin typeface="+mn-lt"/>
+          <a:ea typeface="+mn-ea"/>
+          <a:cs typeface="+mn-cs"/>
+        </a:defRPr>
+      </a:lvl3pPr>
+      <a:lvl4pPr marL="1600200" indent="-228600" algn="l" defTabSz="914400" rtl="0" eaLnBrk="1" latinLnBrk="0" hangingPunct="1">
+        <a:lnSpc>
+          <a:spcPct val="90000"/>
+        </a:lnSpc>
+        <a:spcBef>
+          <a:spcPts val="500"/>
+        </a:spcBef>
+        <a:buFont typeface="Arial" panose="020B0604020202020204" pitchFamily="34" charset="0"/>
+        <a:buChar char="•"/>
+        <a:defRPr sz="1800" kern="1200">
+          <a:solidFill>
+            <a:schemeClr val="tx1"/>
+          </a:solidFill>
+          <a:latin typeface="+mn-lt"/>
+          <a:ea typeface="+mn-ea"/>
+          <a:cs typeface="+mn-cs"/>
+        </a:defRPr>
+      </a:lvl4pPr>
+      <a:lvl5pPr marL="2057400" indent="-228600" algn="l" defTabSz="914400" rtl="0" eaLnBrk="1" latinLnBrk="0" hangingPunct="1">
+        <a:lnSpc>
+          <a:spcPct val="90000"/>
+        </a:lnSpc>
+        <a:spcBef>
+          <a:spcPts val="500"/>
+        </a:spcBef>
+        <a:buFont typeface="Arial" panose="020B0604020202020204" pitchFamily="34" charset="0"/>
+        <a:buChar char="•"/>
+        <a:defRPr sz="1800" kern="1200">
+          <a:solidFill>
+            <a:schemeClr val="tx1"/>
+          </a:solidFill>
+          <a:latin typeface="+mn-lt"/>
+          <a:ea typeface="+mn-ea"/>
+          <a:cs typeface="+mn-cs"/>
+        </a:defRPr>
+      </a:lvl5pPr>
+      <a:lvl6pPr marL="2514600" indent="-228600" algn="l" defTabSz="914400" rtl="0" eaLnBrk="1" latinLnBrk="0" hangingPunct="1">
+        <a:lnSpc>
+          <a:spcPct val="90000"/>
+        </a:lnSpc>
+        <a:spcBef>
+          <a:spcPts val="500"/>
+        </a:spcBef>
+        <a:buFont typeface="Arial" panose="020B0604020202020204" pitchFamily="34" charset="0"/>
+        <a:buChar char="•"/>
+        <a:defRPr sz="1800" kern="1200">
+          <a:solidFill>
+            <a:schemeClr val="tx1"/>
+          </a:solidFill>
+          <a:latin typeface="+mn-lt"/>
+          <a:ea typeface="+mn-ea"/>
+          <a:cs typeface="+mn-cs"/>
+        </a:defRPr>
+      </a:lvl6pPr>
+      <a:lvl7pPr marL="2971800" indent="-228600" algn="l" defTabSz="914400" rtl="0" eaLnBrk="1" latinLnBrk="0" hangingPunct="1">
+        <a:lnSpc>
+          <a:spcPct val="90000"/>
+        </a:lnSpc>
+        <a:spcBef>
+          <a:spcPts val="500"/>
+        </a:spcBef>
+        <a:buFont typeface="Arial" panose="020B0604020202020204" pitchFamily="34" charset="0"/>
+        <a:buChar char="•"/>
+        <a:defRPr sz="1800" kern="1200">
+          <a:solidFill>
+            <a:schemeClr val="tx1"/>
+          </a:solidFill>
+          <a:latin typeface="+mn-lt"/>
+          <a:ea typeface="+mn-ea"/>
+          <a:cs typeface="+mn-cs"/>
+        </a:defRPr>
+      </a:lvl7pPr>
+      <a:lvl8pPr marL="3429000" indent="-228600" algn="l" defTabSz="914400" rtl="0" eaLnBrk="1" latinLnBrk="0" hangingPunct="1">
+        <a:lnSpc>
+          <a:spcPct val="90000"/>
+        </a:lnSpc>
+        <a:spcBef>
+          <a:spcPts val="500"/>
+        </a:spcBef>
+        <a:buFont typeface="Arial" panose="020B0604020202020204" pitchFamily="34" charset="0"/>
+        <a:buChar char="•"/>
+        <a:defRPr sz="1800" kern="1200">
+          <a:solidFill>
+            <a:schemeClr val="tx1"/>
+          </a:solidFill>
+          <a:latin typeface="+mn-lt"/>
+          <a:ea typeface="+mn-ea"/>
+          <a:cs typeface="+mn-cs"/>
+        </a:defRPr>
+      </a:lvl8pPr>
+      <a:lvl9pPr marL="3886200" indent="-228600" algn="l" defTabSz="914400" rtl="0" eaLnBrk="1" latinLnBrk="0" hangingPunct="1">
+        <a:lnSpc>
+          <a:spcPct val="90000"/>
+        </a:lnSpc>
+        <a:spcBef>
+          <a:spcPts val="500"/>
+        </a:spcBef>
+        <a:buFont typeface="Arial" panose="020B0604020202020204" pitchFamily="34" charset="0"/>
+        <a:buChar char="•"/>
+        <a:defRPr sz="1800" kern="1200">
+          <a:solidFill>
+            <a:schemeClr val="tx1"/>
+          </a:solidFill>
+          <a:latin typeface="+mn-lt"/>
+          <a:ea typeface="+mn-ea"/>
+          <a:cs typeface="+mn-cs"/>
+        </a:defRPr>
+      </a:lvl9pPr>
+    </p:bodyStyle>
+    <p:otherStyle>
+      <a:defPPr>
+        <a:defRPr lang="it-IT"/>
+      </a:defPPr>
+      <a:lvl1pPr marL="0" algn="l" defTabSz="914400" rtl="0" eaLnBrk="1" latinLnBrk="0" hangingPunct="1">
+        <a:defRPr sz="1800" kern="1200">
+          <a:solidFill>
+            <a:schemeClr val="tx1"/>
+          </a:solidFill>
+          <a:latin typeface="+mn-lt"/>
+          <a:ea typeface="+mn-ea"/>
+          <a:cs typeface="+mn-cs"/>
+        </a:defRPr>
+      </a:lvl1pPr>
+      <a:lvl2pPr marL="457200" algn="l" defTabSz="914400" rtl="0" eaLnBrk="1" latinLnBrk="0" hangingPunct="1">
+        <a:defRPr sz="1800" kern="1200">
+          <a:solidFill>
+            <a:schemeClr val="tx1"/>
+          </a:solidFill>
+          <a:latin typeface="+mn-lt"/>
+          <a:ea typeface="+mn-ea"/>
+          <a:cs typeface="+mn-cs"/>
+        </a:defRPr>
+      </a:lvl2pPr>
+      <a:lvl3pPr marL="914400" algn="l" defTabSz="914400" rtl="0" eaLnBrk="1" latinLnBrk="0" hangingPunct="1">
+        <a:defRPr sz="1800" kern="1200">
+          <a:solidFill>
+            <a:schemeClr val="tx1"/>
+          </a:solidFill>
+          <a:latin typeface="+mn-lt"/>
+          <a:ea typeface="+mn-ea"/>
+          <a:cs typeface="+mn-cs"/>
+        </a:defRPr>
+      </a:lvl3pPr>
+      <a:lvl4pPr marL="1371600" algn="l" defTabSz="914400" rtl="0" eaLnBrk="1" latinLnBrk="0" hangingPunct="1">
+        <a:defRPr sz="1800" kern="1200">
+          <a:solidFill>
+            <a:schemeClr val="tx1"/>
+          </a:solidFill>
+          <a:latin typeface="+mn-lt"/>
+          <a:ea typeface="+mn-ea"/>
+          <a:cs typeface="+mn-cs"/>
+        </a:defRPr>
+      </a:lvl4pPr>
+      <a:lvl5pPr marL="1828800" algn="l" defTabSz="914400" rtl="0" eaLnBrk="1" latinLnBrk="0" hangingPunct="1">
+        <a:defRPr sz="1800" kern="1200">
+          <a:solidFill>
+            <a:schemeClr val="tx1"/>
+          </a:solidFill>
+          <a:latin typeface="+mn-lt"/>
+          <a:ea typeface="+mn-ea"/>
+          <a:cs typeface="+mn-cs"/>
+        </a:defRPr>
+      </a:lvl5pPr>
+      <a:lvl6pPr marL="2286000" algn="l" defTabSz="914400" rtl="0" eaLnBrk="1" latinLnBrk="0" hangingPunct="1">
+        <a:defRPr sz="1800" kern="1200">
+          <a:solidFill>
+            <a:schemeClr val="tx1"/>
+          </a:solidFill>
+          <a:latin typeface="+mn-lt"/>
+          <a:ea typeface="+mn-ea"/>
+          <a:cs typeface="+mn-cs"/>
+        </a:defRPr>
+      </a:lvl6pPr>
+      <a:lvl7pPr marL="2743200" algn="l" defTabSz="914400" rtl="0" eaLnBrk="1" latinLnBrk="0" hangingPunct="1">
+        <a:defRPr sz="1800" kern="1200">
+          <a:solidFill>
+            <a:schemeClr val="tx1"/>
+          </a:solidFill>
+          <a:latin typeface="+mn-lt"/>
+          <a:ea typeface="+mn-ea"/>
+          <a:cs typeface="+mn-cs"/>
+        </a:defRPr>
+      </a:lvl7pPr>
+      <a:lvl8pPr marL="3200400" algn="l" defTabSz="914400" rtl="0" eaLnBrk="1" latinLnBrk="0" hangingPunct="1">
+        <a:defRPr sz="1800" kern="1200">
+          <a:solidFill>
+            <a:schemeClr val="tx1"/>
+          </a:solidFill>
+          <a:latin typeface="+mn-lt"/>
+          <a:ea typeface="+mn-ea"/>
+          <a:cs typeface="+mn-cs"/>
+        </a:defRPr>
+      </a:lvl8pPr>
+      <a:lvl9pPr marL="3657600" algn="l" defTabSz="914400" rtl="0" eaLnBrk="1" latinLnBrk="0" hangingPunct="1">
+        <a:defRPr sz="1800" kern="1200">
+          <a:solidFill>
+            <a:schemeClr val="tx1"/>
+          </a:solidFill>
+          <a:latin typeface="+mn-lt"/>
+          <a:ea typeface="+mn-ea"/>
+          <a:cs typeface="+mn-cs"/>
+        </a:defRPr>
+      </a:lvl9pPr>
+    </p:otherStyle>
+  </p:txStyles>
 </p:sldMaster>
 </file>
 
 <file path=ppt/slideMasters/slideMaster2.xml><?xml version="1.0" encoding="utf-8"?>
-<p:sldMaster xmlns:a="http://schemas.openxmlformats.org/drawingml/2006/main" xmlns:p="http://schemas.openxmlformats.org/presentationml/2006/main" xmlns:r="http://schemas.openxmlformats.org/officeDocument/2006/relationships" xmlns:p14="http://schemas.microsoft.com/office/powerpoint/2010/main" xmlns:p15="http://schemas.microsoft.com/office/powerpoint/2012/main" xmlns:mc="http://schemas.openxmlformats.org/markup-compatibility/2006">
+<p:sldMaster xmlns:a="http://schemas.openxmlformats.org/drawingml/2006/main" xmlns:r="http://schemas.openxmlformats.org/officeDocument/2006/relationships" xmlns:p="http://schemas.openxmlformats.org/presentationml/2006/main">
   <p:cSld>
     <p:bg>
       <p:bgPr>
         <a:solidFill>
-          <a:srgbClr val="ffffff"/>
+          <a:srgbClr val="FFFFFF"/>
         </a:solidFill>
+        <a:effectLst/>
       </p:bgPr>
     </p:bg>
     <p:spTree>
@@ -3037,12 +3536,12 @@
       </p:grpSpPr>
       <p:pic>
         <p:nvPicPr>
-          <p:cNvPr id="41" name="Immagine 8" descr=""/>
+          <p:cNvPr id="41" name="Immagine 8"/>
           <p:cNvPicPr/>
           <p:nvPr/>
         </p:nvPicPr>
         <p:blipFill>
-          <a:blip r:embed="rId2"/>
+          <a:blip r:embed="rId14"/>
           <a:stretch/>
         </p:blipFill>
         <p:spPr>
@@ -3060,12 +3559,12 @@
       </p:pic>
       <p:pic>
         <p:nvPicPr>
-          <p:cNvPr id="42" name="Immagine 9" descr=""/>
+          <p:cNvPr id="42" name="Immagine 9"/>
           <p:cNvPicPr/>
           <p:nvPr/>
         </p:nvPicPr>
         <p:blipFill>
-          <a:blip r:embed="rId3"/>
+          <a:blip r:embed="rId15"/>
           <a:stretch/>
         </p:blipFill>
         <p:spPr>
@@ -3083,12 +3582,12 @@
       </p:pic>
       <p:pic>
         <p:nvPicPr>
-          <p:cNvPr id="43" name="Immagine 11" descr=""/>
+          <p:cNvPr id="43" name="Immagine 11"/>
           <p:cNvPicPr/>
           <p:nvPr/>
         </p:nvPicPr>
         <p:blipFill>
-          <a:blip r:embed="rId4"/>
+          <a:blip r:embed="rId16"/>
           <a:stretch/>
         </p:blipFill>
         <p:spPr>
@@ -3124,17 +3623,15 @@
           </a:prstGeom>
         </p:spPr>
         <p:txBody>
-          <a:bodyPr lIns="0" rIns="0" tIns="0" bIns="0" anchor="ctr"/>
-          <a:p>
-            <a:r>
-              <a:rPr b="0" lang="it-IT" sz="1800" spc="-1" strike="noStrike">
+          <a:bodyPr lIns="0" tIns="0" rIns="0" bIns="0" anchor="ctr"/>
+          <a:lstStyle/>
+          <a:p>
+            <a:r>
+              <a:rPr lang="it-IT" sz="1800" b="0" strike="noStrike" spc="-1">
                 <a:latin typeface="Arial"/>
               </a:rPr>
               <a:t>Click to edit the title text format</a:t>
             </a:r>
-            <a:endParaRPr b="0" lang="it-IT" sz="1800" spc="-1" strike="noStrike">
-              <a:latin typeface="Arial"/>
-            </a:endParaRPr>
           </a:p>
         </p:txBody>
       </p:sp>
@@ -3158,9 +3655,10 @@
           </a:prstGeom>
         </p:spPr>
         <p:txBody>
-          <a:bodyPr lIns="0" rIns="0" tIns="0" bIns="0">
+          <a:bodyPr lIns="0" tIns="0" rIns="0" bIns="0">
             <a:normAutofit/>
           </a:bodyPr>
+          <a:lstStyle/>
           <a:p>
             <a:pPr marL="432000" indent="-324000">
               <a:spcBef>
@@ -3174,17 +3672,14 @@
               <a:buChar char=""/>
             </a:pPr>
             <a:r>
-              <a:rPr b="0" lang="it-IT" sz="3200" spc="-1" strike="noStrike">
+              <a:rPr lang="it-IT" sz="3200" b="0" strike="noStrike" spc="-1">
                 <a:latin typeface="Arial"/>
               </a:rPr>
               <a:t>Click to edit the outline text format</a:t>
             </a:r>
-            <a:endParaRPr b="0" lang="it-IT" sz="3200" spc="-1" strike="noStrike">
-              <a:latin typeface="Arial"/>
-            </a:endParaRPr>
-          </a:p>
-          <a:p>
-            <a:pPr lvl="1" marL="864000" indent="-324000">
+          </a:p>
+          <a:p>
+            <a:pPr marL="864000" lvl="1" indent="-324000">
               <a:spcBef>
                 <a:spcPts val="1134"/>
               </a:spcBef>
@@ -3196,17 +3691,14 @@
               <a:buChar char=""/>
             </a:pPr>
             <a:r>
-              <a:rPr b="0" lang="it-IT" sz="2800" spc="-1" strike="noStrike">
+              <a:rPr lang="it-IT" sz="2800" b="0" strike="noStrike" spc="-1">
                 <a:latin typeface="Arial"/>
               </a:rPr>
               <a:t>Second Outline Level</a:t>
             </a:r>
-            <a:endParaRPr b="0" lang="it-IT" sz="2800" spc="-1" strike="noStrike">
-              <a:latin typeface="Arial"/>
-            </a:endParaRPr>
-          </a:p>
-          <a:p>
-            <a:pPr lvl="2" marL="1296000" indent="-288000">
+          </a:p>
+          <a:p>
+            <a:pPr marL="1296000" lvl="2" indent="-288000">
               <a:spcBef>
                 <a:spcPts val="850"/>
               </a:spcBef>
@@ -3218,17 +3710,14 @@
               <a:buChar char=""/>
             </a:pPr>
             <a:r>
-              <a:rPr b="0" lang="it-IT" sz="2400" spc="-1" strike="noStrike">
+              <a:rPr lang="it-IT" sz="2400" b="0" strike="noStrike" spc="-1">
                 <a:latin typeface="Arial"/>
               </a:rPr>
               <a:t>Third Outline Level</a:t>
             </a:r>
-            <a:endParaRPr b="0" lang="it-IT" sz="2400" spc="-1" strike="noStrike">
-              <a:latin typeface="Arial"/>
-            </a:endParaRPr>
-          </a:p>
-          <a:p>
-            <a:pPr lvl="3" marL="1728000" indent="-216000">
+          </a:p>
+          <a:p>
+            <a:pPr marL="1728000" lvl="3" indent="-216000">
               <a:spcBef>
                 <a:spcPts val="567"/>
               </a:spcBef>
@@ -3240,17 +3729,14 @@
               <a:buChar char=""/>
             </a:pPr>
             <a:r>
-              <a:rPr b="0" lang="it-IT" sz="2000" spc="-1" strike="noStrike">
+              <a:rPr lang="it-IT" sz="2000" b="0" strike="noStrike" spc="-1">
                 <a:latin typeface="Arial"/>
               </a:rPr>
               <a:t>Fourth Outline Level</a:t>
             </a:r>
-            <a:endParaRPr b="0" lang="it-IT" sz="2000" spc="-1" strike="noStrike">
-              <a:latin typeface="Arial"/>
-            </a:endParaRPr>
-          </a:p>
-          <a:p>
-            <a:pPr lvl="4" marL="2160000" indent="-216000">
+          </a:p>
+          <a:p>
+            <a:pPr marL="2160000" lvl="4" indent="-216000">
               <a:spcBef>
                 <a:spcPts val="283"/>
               </a:spcBef>
@@ -3262,17 +3748,14 @@
               <a:buChar char=""/>
             </a:pPr>
             <a:r>
-              <a:rPr b="0" lang="it-IT" sz="2000" spc="-1" strike="noStrike">
+              <a:rPr lang="it-IT" sz="2000" b="0" strike="noStrike" spc="-1">
                 <a:latin typeface="Arial"/>
               </a:rPr>
               <a:t>Fifth Outline Level</a:t>
             </a:r>
-            <a:endParaRPr b="0" lang="it-IT" sz="2000" spc="-1" strike="noStrike">
-              <a:latin typeface="Arial"/>
-            </a:endParaRPr>
-          </a:p>
-          <a:p>
-            <a:pPr lvl="5" marL="2592000" indent="-216000">
+          </a:p>
+          <a:p>
+            <a:pPr marL="2592000" lvl="5" indent="-216000">
               <a:spcBef>
                 <a:spcPts val="283"/>
               </a:spcBef>
@@ -3284,17 +3767,14 @@
               <a:buChar char=""/>
             </a:pPr>
             <a:r>
-              <a:rPr b="0" lang="it-IT" sz="2000" spc="-1" strike="noStrike">
+              <a:rPr lang="it-IT" sz="2000" b="0" strike="noStrike" spc="-1">
                 <a:latin typeface="Arial"/>
               </a:rPr>
               <a:t>Sixth Outline Level</a:t>
             </a:r>
-            <a:endParaRPr b="0" lang="it-IT" sz="2000" spc="-1" strike="noStrike">
-              <a:latin typeface="Arial"/>
-            </a:endParaRPr>
-          </a:p>
-          <a:p>
-            <a:pPr lvl="6" marL="3024000" indent="-216000">
+          </a:p>
+          <a:p>
+            <a:pPr marL="3024000" lvl="6" indent="-216000">
               <a:spcBef>
                 <a:spcPts val="283"/>
               </a:spcBef>
@@ -3306,39 +3786,316 @@
               <a:buChar char=""/>
             </a:pPr>
             <a:r>
-              <a:rPr b="0" lang="it-IT" sz="2000" spc="-1" strike="noStrike">
+              <a:rPr lang="it-IT" sz="2000" b="0" strike="noStrike" spc="-1">
                 <a:latin typeface="Arial"/>
               </a:rPr>
               <a:t>Seventh Outline Level</a:t>
             </a:r>
-            <a:endParaRPr b="0" lang="it-IT" sz="2000" spc="-1" strike="noStrike">
-              <a:latin typeface="Arial"/>
-            </a:endParaRPr>
           </a:p>
         </p:txBody>
       </p:sp>
     </p:spTree>
   </p:cSld>
-  <p:clrMap bg1="lt1" bg2="lt2" tx1="dk1" tx2="dk2" accent1="accent1" accent2="accent2" accent3="accent3" accent4="accent4" accent5="accent5" accent6="accent6" hlink="hlink" folHlink="folHlink"/>
+  <p:clrMap bg1="lt1" tx1="dk1" bg2="lt2" tx2="dk2" accent1="accent1" accent2="accent2" accent3="accent3" accent4="accent4" accent5="accent5" accent6="accent6" hlink="hlink" folHlink="folHlink"/>
   <p:sldLayoutIdLst>
-    <p:sldLayoutId id="2147483662" r:id="rId5"/>
-    <p:sldLayoutId id="2147483663" r:id="rId6"/>
-    <p:sldLayoutId id="2147483664" r:id="rId7"/>
-    <p:sldLayoutId id="2147483665" r:id="rId8"/>
-    <p:sldLayoutId id="2147483666" r:id="rId9"/>
-    <p:sldLayoutId id="2147483667" r:id="rId10"/>
-    <p:sldLayoutId id="2147483668" r:id="rId11"/>
-    <p:sldLayoutId id="2147483669" r:id="rId12"/>
-    <p:sldLayoutId id="2147483670" r:id="rId13"/>
-    <p:sldLayoutId id="2147483671" r:id="rId14"/>
-    <p:sldLayoutId id="2147483672" r:id="rId15"/>
-    <p:sldLayoutId id="2147483673" r:id="rId16"/>
+    <p:sldLayoutId id="2147483662" r:id="rId1"/>
+    <p:sldLayoutId id="2147483663" r:id="rId2"/>
+    <p:sldLayoutId id="2147483664" r:id="rId3"/>
+    <p:sldLayoutId id="2147483665" r:id="rId4"/>
+    <p:sldLayoutId id="2147483666" r:id="rId5"/>
+    <p:sldLayoutId id="2147483667" r:id="rId6"/>
+    <p:sldLayoutId id="2147483668" r:id="rId7"/>
+    <p:sldLayoutId id="2147483669" r:id="rId8"/>
+    <p:sldLayoutId id="2147483670" r:id="rId9"/>
+    <p:sldLayoutId id="2147483671" r:id="rId10"/>
+    <p:sldLayoutId id="2147483672" r:id="rId11"/>
+    <p:sldLayoutId id="2147483673" r:id="rId12"/>
   </p:sldLayoutIdLst>
+  <p:txStyles>
+    <p:titleStyle>
+      <a:lvl1pPr algn="l" defTabSz="914400" rtl="0" eaLnBrk="1" latinLnBrk="0" hangingPunct="1">
+        <a:lnSpc>
+          <a:spcPct val="90000"/>
+        </a:lnSpc>
+        <a:spcBef>
+          <a:spcPct val="0"/>
+        </a:spcBef>
+        <a:buNone/>
+        <a:defRPr sz="4400" kern="1200">
+          <a:solidFill>
+            <a:schemeClr val="tx1"/>
+          </a:solidFill>
+          <a:latin typeface="+mj-lt"/>
+          <a:ea typeface="+mj-ea"/>
+          <a:cs typeface="+mj-cs"/>
+        </a:defRPr>
+      </a:lvl1pPr>
+    </p:titleStyle>
+    <p:bodyStyle>
+      <a:lvl1pPr marL="228600" indent="-228600" algn="l" defTabSz="914400" rtl="0" eaLnBrk="1" latinLnBrk="0" hangingPunct="1">
+        <a:lnSpc>
+          <a:spcPct val="90000"/>
+        </a:lnSpc>
+        <a:spcBef>
+          <a:spcPts val="1000"/>
+        </a:spcBef>
+        <a:buFont typeface="Arial" panose="020B0604020202020204" pitchFamily="34" charset="0"/>
+        <a:buChar char="•"/>
+        <a:defRPr sz="2800" kern="1200">
+          <a:solidFill>
+            <a:schemeClr val="tx1"/>
+          </a:solidFill>
+          <a:latin typeface="+mn-lt"/>
+          <a:ea typeface="+mn-ea"/>
+          <a:cs typeface="+mn-cs"/>
+        </a:defRPr>
+      </a:lvl1pPr>
+      <a:lvl2pPr marL="685800" indent="-228600" algn="l" defTabSz="914400" rtl="0" eaLnBrk="1" latinLnBrk="0" hangingPunct="1">
+        <a:lnSpc>
+          <a:spcPct val="90000"/>
+        </a:lnSpc>
+        <a:spcBef>
+          <a:spcPts val="500"/>
+        </a:spcBef>
+        <a:buFont typeface="Arial" panose="020B0604020202020204" pitchFamily="34" charset="0"/>
+        <a:buChar char="•"/>
+        <a:defRPr sz="2400" kern="1200">
+          <a:solidFill>
+            <a:schemeClr val="tx1"/>
+          </a:solidFill>
+          <a:latin typeface="+mn-lt"/>
+          <a:ea typeface="+mn-ea"/>
+          <a:cs typeface="+mn-cs"/>
+        </a:defRPr>
+      </a:lvl2pPr>
+      <a:lvl3pPr marL="1143000" indent="-228600" algn="l" defTabSz="914400" rtl="0" eaLnBrk="1" latinLnBrk="0" hangingPunct="1">
+        <a:lnSpc>
+          <a:spcPct val="90000"/>
+        </a:lnSpc>
+        <a:spcBef>
+          <a:spcPts val="500"/>
+        </a:spcBef>
+        <a:buFont typeface="Arial" panose="020B0604020202020204" pitchFamily="34" charset="0"/>
+        <a:buChar char="•"/>
+        <a:defRPr sz="2000" kern="1200">
+          <a:solidFill>
+            <a:schemeClr val="tx1"/>
+          </a:solidFill>
+          <a:latin typeface="+mn-lt"/>
+          <a:ea typeface="+mn-ea"/>
+          <a:cs typeface="+mn-cs"/>
+        </a:defRPr>
+      </a:lvl3pPr>
+      <a:lvl4pPr marL="1600200" indent="-228600" algn="l" defTabSz="914400" rtl="0" eaLnBrk="1" latinLnBrk="0" hangingPunct="1">
+        <a:lnSpc>
+          <a:spcPct val="90000"/>
+        </a:lnSpc>
+        <a:spcBef>
+          <a:spcPts val="500"/>
+        </a:spcBef>
+        <a:buFont typeface="Arial" panose="020B0604020202020204" pitchFamily="34" charset="0"/>
+        <a:buChar char="•"/>
+        <a:defRPr sz="1800" kern="1200">
+          <a:solidFill>
+            <a:schemeClr val="tx1"/>
+          </a:solidFill>
+          <a:latin typeface="+mn-lt"/>
+          <a:ea typeface="+mn-ea"/>
+          <a:cs typeface="+mn-cs"/>
+        </a:defRPr>
+      </a:lvl4pPr>
+      <a:lvl5pPr marL="2057400" indent="-228600" algn="l" defTabSz="914400" rtl="0" eaLnBrk="1" latinLnBrk="0" hangingPunct="1">
+        <a:lnSpc>
+          <a:spcPct val="90000"/>
+        </a:lnSpc>
+        <a:spcBef>
+          <a:spcPts val="500"/>
+        </a:spcBef>
+        <a:buFont typeface="Arial" panose="020B0604020202020204" pitchFamily="34" charset="0"/>
+        <a:buChar char="•"/>
+        <a:defRPr sz="1800" kern="1200">
+          <a:solidFill>
+            <a:schemeClr val="tx1"/>
+          </a:solidFill>
+          <a:latin typeface="+mn-lt"/>
+          <a:ea typeface="+mn-ea"/>
+          <a:cs typeface="+mn-cs"/>
+        </a:defRPr>
+      </a:lvl5pPr>
+      <a:lvl6pPr marL="2514600" indent="-228600" algn="l" defTabSz="914400" rtl="0" eaLnBrk="1" latinLnBrk="0" hangingPunct="1">
+        <a:lnSpc>
+          <a:spcPct val="90000"/>
+        </a:lnSpc>
+        <a:spcBef>
+          <a:spcPts val="500"/>
+        </a:spcBef>
+        <a:buFont typeface="Arial" panose="020B0604020202020204" pitchFamily="34" charset="0"/>
+        <a:buChar char="•"/>
+        <a:defRPr sz="1800" kern="1200">
+          <a:solidFill>
+            <a:schemeClr val="tx1"/>
+          </a:solidFill>
+          <a:latin typeface="+mn-lt"/>
+          <a:ea typeface="+mn-ea"/>
+          <a:cs typeface="+mn-cs"/>
+        </a:defRPr>
+      </a:lvl6pPr>
+      <a:lvl7pPr marL="2971800" indent="-228600" algn="l" defTabSz="914400" rtl="0" eaLnBrk="1" latinLnBrk="0" hangingPunct="1">
+        <a:lnSpc>
+          <a:spcPct val="90000"/>
+        </a:lnSpc>
+        <a:spcBef>
+          <a:spcPts val="500"/>
+        </a:spcBef>
+        <a:buFont typeface="Arial" panose="020B0604020202020204" pitchFamily="34" charset="0"/>
+        <a:buChar char="•"/>
+        <a:defRPr sz="1800" kern="1200">
+          <a:solidFill>
+            <a:schemeClr val="tx1"/>
+          </a:solidFill>
+          <a:latin typeface="+mn-lt"/>
+          <a:ea typeface="+mn-ea"/>
+          <a:cs typeface="+mn-cs"/>
+        </a:defRPr>
+      </a:lvl7pPr>
+      <a:lvl8pPr marL="3429000" indent="-228600" algn="l" defTabSz="914400" rtl="0" eaLnBrk="1" latinLnBrk="0" hangingPunct="1">
+        <a:lnSpc>
+          <a:spcPct val="90000"/>
+        </a:lnSpc>
+        <a:spcBef>
+          <a:spcPts val="500"/>
+        </a:spcBef>
+        <a:buFont typeface="Arial" panose="020B0604020202020204" pitchFamily="34" charset="0"/>
+        <a:buChar char="•"/>
+        <a:defRPr sz="1800" kern="1200">
+          <a:solidFill>
+            <a:schemeClr val="tx1"/>
+          </a:solidFill>
+          <a:latin typeface="+mn-lt"/>
+          <a:ea typeface="+mn-ea"/>
+          <a:cs typeface="+mn-cs"/>
+        </a:defRPr>
+      </a:lvl8pPr>
+      <a:lvl9pPr marL="3886200" indent="-228600" algn="l" defTabSz="914400" rtl="0" eaLnBrk="1" latinLnBrk="0" hangingPunct="1">
+        <a:lnSpc>
+          <a:spcPct val="90000"/>
+        </a:lnSpc>
+        <a:spcBef>
+          <a:spcPts val="500"/>
+        </a:spcBef>
+        <a:buFont typeface="Arial" panose="020B0604020202020204" pitchFamily="34" charset="0"/>
+        <a:buChar char="•"/>
+        <a:defRPr sz="1800" kern="1200">
+          <a:solidFill>
+            <a:schemeClr val="tx1"/>
+          </a:solidFill>
+          <a:latin typeface="+mn-lt"/>
+          <a:ea typeface="+mn-ea"/>
+          <a:cs typeface="+mn-cs"/>
+        </a:defRPr>
+      </a:lvl9pPr>
+    </p:bodyStyle>
+    <p:otherStyle>
+      <a:defPPr>
+        <a:defRPr lang="it-IT"/>
+      </a:defPPr>
+      <a:lvl1pPr marL="0" algn="l" defTabSz="914400" rtl="0" eaLnBrk="1" latinLnBrk="0" hangingPunct="1">
+        <a:defRPr sz="1800" kern="1200">
+          <a:solidFill>
+            <a:schemeClr val="tx1"/>
+          </a:solidFill>
+          <a:latin typeface="+mn-lt"/>
+          <a:ea typeface="+mn-ea"/>
+          <a:cs typeface="+mn-cs"/>
+        </a:defRPr>
+      </a:lvl1pPr>
+      <a:lvl2pPr marL="457200" algn="l" defTabSz="914400" rtl="0" eaLnBrk="1" latinLnBrk="0" hangingPunct="1">
+        <a:defRPr sz="1800" kern="1200">
+          <a:solidFill>
+            <a:schemeClr val="tx1"/>
+          </a:solidFill>
+          <a:latin typeface="+mn-lt"/>
+          <a:ea typeface="+mn-ea"/>
+          <a:cs typeface="+mn-cs"/>
+        </a:defRPr>
+      </a:lvl2pPr>
+      <a:lvl3pPr marL="914400" algn="l" defTabSz="914400" rtl="0" eaLnBrk="1" latinLnBrk="0" hangingPunct="1">
+        <a:defRPr sz="1800" kern="1200">
+          <a:solidFill>
+            <a:schemeClr val="tx1"/>
+          </a:solidFill>
+          <a:latin typeface="+mn-lt"/>
+          <a:ea typeface="+mn-ea"/>
+          <a:cs typeface="+mn-cs"/>
+        </a:defRPr>
+      </a:lvl3pPr>
+      <a:lvl4pPr marL="1371600" algn="l" defTabSz="914400" rtl="0" eaLnBrk="1" latinLnBrk="0" hangingPunct="1">
+        <a:defRPr sz="1800" kern="1200">
+          <a:solidFill>
+            <a:schemeClr val="tx1"/>
+          </a:solidFill>
+          <a:latin typeface="+mn-lt"/>
+          <a:ea typeface="+mn-ea"/>
+          <a:cs typeface="+mn-cs"/>
+        </a:defRPr>
+      </a:lvl4pPr>
+      <a:lvl5pPr marL="1828800" algn="l" defTabSz="914400" rtl="0" eaLnBrk="1" latinLnBrk="0" hangingPunct="1">
+        <a:defRPr sz="1800" kern="1200">
+          <a:solidFill>
+            <a:schemeClr val="tx1"/>
+          </a:solidFill>
+          <a:latin typeface="+mn-lt"/>
+          <a:ea typeface="+mn-ea"/>
+          <a:cs typeface="+mn-cs"/>
+        </a:defRPr>
+      </a:lvl5pPr>
+      <a:lvl6pPr marL="2286000" algn="l" defTabSz="914400" rtl="0" eaLnBrk="1" latinLnBrk="0" hangingPunct="1">
+        <a:defRPr sz="1800" kern="1200">
+          <a:solidFill>
+            <a:schemeClr val="tx1"/>
+          </a:solidFill>
+          <a:latin typeface="+mn-lt"/>
+          <a:ea typeface="+mn-ea"/>
+          <a:cs typeface="+mn-cs"/>
+        </a:defRPr>
+      </a:lvl6pPr>
+      <a:lvl7pPr marL="2743200" algn="l" defTabSz="914400" rtl="0" eaLnBrk="1" latinLnBrk="0" hangingPunct="1">
+        <a:defRPr sz="1800" kern="1200">
+          <a:solidFill>
+            <a:schemeClr val="tx1"/>
+          </a:solidFill>
+          <a:latin typeface="+mn-lt"/>
+          <a:ea typeface="+mn-ea"/>
+          <a:cs typeface="+mn-cs"/>
+        </a:defRPr>
+      </a:lvl7pPr>
+      <a:lvl8pPr marL="3200400" algn="l" defTabSz="914400" rtl="0" eaLnBrk="1" latinLnBrk="0" hangingPunct="1">
+        <a:defRPr sz="1800" kern="1200">
+          <a:solidFill>
+            <a:schemeClr val="tx1"/>
+          </a:solidFill>
+          <a:latin typeface="+mn-lt"/>
+          <a:ea typeface="+mn-ea"/>
+          <a:cs typeface="+mn-cs"/>
+        </a:defRPr>
+      </a:lvl8pPr>
+      <a:lvl9pPr marL="3657600" algn="l" defTabSz="914400" rtl="0" eaLnBrk="1" latinLnBrk="0" hangingPunct="1">
+        <a:defRPr sz="1800" kern="1200">
+          <a:solidFill>
+            <a:schemeClr val="tx1"/>
+          </a:solidFill>
+          <a:latin typeface="+mn-lt"/>
+          <a:ea typeface="+mn-ea"/>
+          <a:cs typeface="+mn-cs"/>
+        </a:defRPr>
+      </a:lvl9pPr>
+    </p:otherStyle>
+  </p:txStyles>
 </p:sldMaster>
 </file>
 
 <file path=ppt/slides/slide1.xml><?xml version="1.0" encoding="utf-8"?>
-<p:sld xmlns:a="http://schemas.openxmlformats.org/drawingml/2006/main" xmlns:p="http://schemas.openxmlformats.org/presentationml/2006/main" xmlns:r="http://schemas.openxmlformats.org/officeDocument/2006/relationships" xmlns:p14="http://schemas.microsoft.com/office/powerpoint/2010/main" xmlns:p15="http://schemas.microsoft.com/office/powerpoint/2012/main" xmlns:mc="http://schemas.openxmlformats.org/markup-compatibility/2006">
+<p:sld xmlns:a="http://schemas.openxmlformats.org/drawingml/2006/main" xmlns:r="http://schemas.openxmlformats.org/officeDocument/2006/relationships" xmlns:p="http://schemas.openxmlformats.org/presentationml/2006/main">
   <p:cSld>
     <p:spTree>
       <p:nvGrpSpPr>
@@ -3374,15 +4131,22 @@
           </a:ln>
         </p:spPr>
         <p:style>
-          <a:lnRef idx="0"/>
-          <a:fillRef idx="0"/>
-          <a:effectRef idx="0"/>
+          <a:lnRef idx="0">
+            <a:scrgbClr r="0" g="0" b="0"/>
+          </a:lnRef>
+          <a:fillRef idx="0">
+            <a:scrgbClr r="0" g="0" b="0"/>
+          </a:fillRef>
+          <a:effectRef idx="0">
+            <a:scrgbClr r="0" g="0" b="0"/>
+          </a:effectRef>
           <a:fontRef idx="minor"/>
         </p:style>
         <p:txBody>
-          <a:bodyPr lIns="90000" rIns="90000" tIns="45000" bIns="45000" anchor="ctr">
+          <a:bodyPr lIns="90000" tIns="45000" rIns="90000" bIns="45000" anchor="ctr">
             <a:normAutofit/>
           </a:bodyPr>
+          <a:lstStyle/>
           <a:p>
             <a:pPr algn="ctr">
               <a:lnSpc>
@@ -3390,40 +4154,60 @@
               </a:lnSpc>
             </a:pPr>
             <a:r>
-              <a:rPr b="0" lang="it-IT" sz="3200" spc="-1" strike="noStrike">
+              <a:rPr lang="it-IT" sz="3200" b="0" strike="noStrike" spc="-1" dirty="0">
                 <a:solidFill>
                   <a:srgbClr val="000000"/>
                 </a:solidFill>
                 <a:latin typeface="Arial"/>
                 <a:ea typeface="DejaVu Sans"/>
               </a:rPr>
-              <a:t>Large-Scale and Multi-Structured Databases</a:t>
-            </a:r>
-            <a:br/>
-            <a:r>
-              <a:rPr b="1" i="1" lang="it-IT" sz="3200" spc="-1" strike="noStrike">
+              <a:t>Large-Scale and Multi-</a:t>
+            </a:r>
+            <a:r>
+              <a:rPr lang="it-IT" sz="3200" b="0" strike="noStrike" spc="-1" dirty="0" err="1">
                 <a:solidFill>
                   <a:srgbClr val="000000"/>
                 </a:solidFill>
                 <a:latin typeface="Arial"/>
                 <a:ea typeface="DejaVu Sans"/>
               </a:rPr>
-              <a:t>Project Design</a:t>
-            </a:r>
-            <a:br/>
-            <a:br/>
-            <a:r>
-              <a:rPr b="1" i="1" lang="it-IT" sz="3200" spc="-1" strike="noStrike">
+              <a:t>Structured</a:t>
+            </a:r>
+            <a:r>
+              <a:rPr lang="it-IT" sz="3200" b="0" strike="noStrike" spc="-1">
                 <a:solidFill>
                   <a:srgbClr val="000000"/>
                 </a:solidFill>
                 <a:latin typeface="Arial"/>
                 <a:ea typeface="DejaVu Sans"/>
               </a:rPr>
+              <a:t> Databases</a:t>
+            </a:r>
+            <a:br/>
+            <a:r>
+              <a:rPr lang="it-IT" sz="3200" b="1" i="1" strike="noStrike" spc="-1">
+                <a:solidFill>
+                  <a:srgbClr val="000000"/>
+                </a:solidFill>
+                <a:latin typeface="Arial"/>
+                <a:ea typeface="DejaVu Sans"/>
+              </a:rPr>
+              <a:t>Project Design</a:t>
+            </a:r>
+            <a:br/>
+            <a:br/>
+            <a:r>
+              <a:rPr lang="it-IT" sz="3200" b="1" i="1" strike="noStrike" spc="-1">
+                <a:solidFill>
+                  <a:srgbClr val="000000"/>
+                </a:solidFill>
+                <a:latin typeface="Arial"/>
+                <a:ea typeface="DejaVu Sans"/>
+              </a:rPr>
               <a:t>StockSim: stock portfolio simulator</a:t>
             </a:r>
             <a:br/>
-            <a:endParaRPr b="0" lang="it-IT" sz="3200" spc="-1" strike="noStrike">
+            <a:endParaRPr lang="it-IT" sz="3200" b="0" strike="noStrike" spc="-1">
               <a:latin typeface="Arial"/>
             </a:endParaRPr>
           </a:p>
@@ -3449,13 +4233,20 @@
           </a:ln>
         </p:spPr>
         <p:style>
-          <a:lnRef idx="0"/>
-          <a:fillRef idx="0"/>
-          <a:effectRef idx="0"/>
+          <a:lnRef idx="0">
+            <a:scrgbClr r="0" g="0" b="0"/>
+          </a:lnRef>
+          <a:fillRef idx="0">
+            <a:scrgbClr r="0" g="0" b="0"/>
+          </a:fillRef>
+          <a:effectRef idx="0">
+            <a:scrgbClr r="0" g="0" b="0"/>
+          </a:effectRef>
           <a:fontRef idx="minor"/>
         </p:style>
         <p:txBody>
-          <a:bodyPr lIns="90000" rIns="90000" tIns="45000" bIns="45000"/>
+          <a:bodyPr lIns="90000" tIns="45000" rIns="90000" bIns="45000"/>
+          <a:lstStyle/>
           <a:p>
             <a:pPr algn="ctr">
               <a:lnSpc>
@@ -3466,16 +4257,16 @@
               </a:spcBef>
             </a:pPr>
             <a:r>
-              <a:rPr b="0" lang="it-IT" sz="3200" spc="-1" strike="noStrike">
+              <a:rPr lang="it-IT" sz="3200" b="0" strike="noStrike" spc="-1">
                 <a:solidFill>
-                  <a:srgbClr val="8b8b8b"/>
+                  <a:srgbClr val="8B8B8B"/>
                 </a:solidFill>
                 <a:latin typeface="Arial"/>
                 <a:ea typeface="DejaVu Sans"/>
               </a:rPr>
               <a:t>Yuri Mazzuoli, Rambod Rahmani, Marco Pinna</a:t>
             </a:r>
-            <a:endParaRPr b="0" lang="it-IT" sz="3200" spc="-1" strike="noStrike">
+            <a:endParaRPr lang="it-IT" sz="3200" b="0" strike="noStrike" spc="-1">
               <a:latin typeface="Arial"/>
             </a:endParaRPr>
           </a:p>
@@ -3483,6 +4274,9 @@
       </p:sp>
     </p:spTree>
   </p:cSld>
+  <p:clrMapOvr>
+    <a:masterClrMapping/>
+  </p:clrMapOvr>
   <p:timing>
     <p:tnLst>
       <p:par>
@@ -3491,14 +4285,14 @@
             <p:seq>
               <p:cTn id="2" dur="indefinite" nodeType="mainSeq"/>
               <p:prevCondLst>
-                <p:cond delay="0" evt="onPrev">
+                <p:cond evt="onPrev" delay="0">
                   <p:tgtEl>
                     <p:sldTgt/>
                   </p:tgtEl>
                 </p:cond>
               </p:prevCondLst>
               <p:nextCondLst>
-                <p:cond delay="0" evt="onNext">
+                <p:cond evt="onNext" delay="0">
                   <p:tgtEl>
                     <p:sldTgt/>
                   </p:tgtEl>
@@ -3514,7 +4308,7 @@
 </file>
 
 <file path=ppt/slides/slide2.xml><?xml version="1.0" encoding="utf-8"?>
-<p:sld xmlns:a="http://schemas.openxmlformats.org/drawingml/2006/main" xmlns:p="http://schemas.openxmlformats.org/presentationml/2006/main" xmlns:r="http://schemas.openxmlformats.org/officeDocument/2006/relationships" xmlns:p14="http://schemas.microsoft.com/office/powerpoint/2010/main" xmlns:p15="http://schemas.microsoft.com/office/powerpoint/2012/main" xmlns:mc="http://schemas.openxmlformats.org/markup-compatibility/2006">
+<p:sld xmlns:a="http://schemas.openxmlformats.org/drawingml/2006/main" xmlns:r="http://schemas.openxmlformats.org/officeDocument/2006/relationships" xmlns:p="http://schemas.openxmlformats.org/presentationml/2006/main">
   <p:cSld>
     <p:spTree>
       <p:nvGrpSpPr>
@@ -3550,13 +4344,20 @@
           </a:ln>
         </p:spPr>
         <p:style>
-          <a:lnRef idx="0"/>
-          <a:fillRef idx="0"/>
-          <a:effectRef idx="0"/>
+          <a:lnRef idx="0">
+            <a:scrgbClr r="0" g="0" b="0"/>
+          </a:lnRef>
+          <a:fillRef idx="0">
+            <a:scrgbClr r="0" g="0" b="0"/>
+          </a:fillRef>
+          <a:effectRef idx="0">
+            <a:scrgbClr r="0" g="0" b="0"/>
+          </a:effectRef>
           <a:fontRef idx="minor"/>
         </p:style>
         <p:txBody>
-          <a:bodyPr lIns="90000" rIns="90000" tIns="45000" bIns="45000" anchor="ctr"/>
+          <a:bodyPr lIns="90000" tIns="45000" rIns="90000" bIns="45000" anchor="ctr"/>
+          <a:lstStyle/>
           <a:p>
             <a:pPr algn="ctr">
               <a:lnSpc>
@@ -3564,7 +4365,7 @@
               </a:lnSpc>
             </a:pPr>
             <a:r>
-              <a:rPr b="0" lang="it-IT" sz="4400" spc="-1" strike="noStrike">
+              <a:rPr lang="it-IT" sz="4400" b="0" strike="noStrike" spc="-1">
                 <a:solidFill>
                   <a:srgbClr val="000000"/>
                 </a:solidFill>
@@ -3573,7 +4374,7 @@
               </a:rPr>
               <a:t>Application Highlights</a:t>
             </a:r>
-            <a:endParaRPr b="0" lang="it-IT" sz="4400" spc="-1" strike="noStrike">
+            <a:endParaRPr lang="it-IT" sz="4400" b="0" strike="noStrike" spc="-1">
               <a:latin typeface="Arial"/>
             </a:endParaRPr>
           </a:p>
@@ -3599,13 +4400,20 @@
           </a:ln>
         </p:spPr>
         <p:style>
-          <a:lnRef idx="0"/>
-          <a:fillRef idx="0"/>
-          <a:effectRef idx="0"/>
+          <a:lnRef idx="0">
+            <a:scrgbClr r="0" g="0" b="0"/>
+          </a:lnRef>
+          <a:fillRef idx="0">
+            <a:scrgbClr r="0" g="0" b="0"/>
+          </a:fillRef>
+          <a:effectRef idx="0">
+            <a:scrgbClr r="0" g="0" b="0"/>
+          </a:effectRef>
           <a:fontRef idx="minor"/>
         </p:style>
         <p:txBody>
-          <a:bodyPr lIns="90000" rIns="90000" tIns="45000" bIns="45000"/>
+          <a:bodyPr lIns="90000" tIns="45000" rIns="90000" bIns="45000"/>
+          <a:lstStyle/>
           <a:p>
             <a:pPr marL="285840" indent="-283320">
               <a:lnSpc>
@@ -3618,7 +4426,7 @@
               <a:buChar char=""/>
             </a:pPr>
             <a:r>
-              <a:rPr b="0" lang="it-IT" sz="1800" spc="-1" strike="noStrike">
+              <a:rPr lang="it-IT" sz="1800" b="0" strike="noStrike" spc="-1">
                 <a:solidFill>
                   <a:srgbClr val="000000"/>
                 </a:solidFill>
@@ -3627,7 +4435,7 @@
               </a:rPr>
               <a:t>StockSim is a Java Application which allows users to simulate stock portfolios using statistical models built using U.S. stock market historical data.</a:t>
             </a:r>
-            <a:endParaRPr b="0" lang="it-IT" sz="1800" spc="-1" strike="noStrike">
+            <a:endParaRPr lang="it-IT" sz="1800" b="0" strike="noStrike" spc="-1">
               <a:latin typeface="Arial"/>
             </a:endParaRPr>
           </a:p>
@@ -3643,7 +4451,7 @@
               <a:buChar char=""/>
             </a:pPr>
             <a:r>
-              <a:rPr b="0" lang="it-IT" sz="1800" spc="-1" strike="noStrike">
+              <a:rPr lang="it-IT" sz="1800" b="0" strike="noStrike" spc="-1">
                 <a:solidFill>
                   <a:srgbClr val="000000"/>
                 </a:solidFill>
@@ -3652,7 +4460,7 @@
               </a:rPr>
               <a:t>Users can sign up and sign in.</a:t>
             </a:r>
-            <a:endParaRPr b="0" lang="it-IT" sz="1800" spc="-1" strike="noStrike">
+            <a:endParaRPr lang="it-IT" sz="1800" b="0" strike="noStrike" spc="-1">
               <a:latin typeface="Arial"/>
             </a:endParaRPr>
           </a:p>
@@ -3668,7 +4476,7 @@
               <a:buChar char=""/>
             </a:pPr>
             <a:r>
-              <a:rPr b="0" lang="it-IT" sz="1800" spc="-1" strike="noStrike">
+              <a:rPr lang="it-IT" sz="1800" b="0" strike="noStrike" spc="-1">
                 <a:solidFill>
                   <a:srgbClr val="000000"/>
                 </a:solidFill>
@@ -3677,7 +4485,7 @@
               </a:rPr>
               <a:t>Users can view stock charts (Line chart, Bar char, Candle and stick chart).</a:t>
             </a:r>
-            <a:endParaRPr b="0" lang="it-IT" sz="1800" spc="-1" strike="noStrike">
+            <a:endParaRPr lang="it-IT" sz="1800" b="0" strike="noStrike" spc="-1">
               <a:latin typeface="Arial"/>
             </a:endParaRPr>
           </a:p>
@@ -3693,7 +4501,7 @@
               <a:buChar char=""/>
             </a:pPr>
             <a:r>
-              <a:rPr b="0" lang="it-IT" sz="1800" spc="-1" strike="noStrike">
+              <a:rPr lang="it-IT" sz="1800" b="0" strike="noStrike" spc="-1">
                 <a:solidFill>
                   <a:srgbClr val="000000"/>
                 </a:solidFill>
@@ -3702,7 +4510,7 @@
               </a:rPr>
               <a:t>Users can create stock portfolios.</a:t>
             </a:r>
-            <a:endParaRPr b="0" lang="it-IT" sz="1800" spc="-1" strike="noStrike">
+            <a:endParaRPr lang="it-IT" sz="1800" b="0" strike="noStrike" spc="-1">
               <a:latin typeface="Arial"/>
             </a:endParaRPr>
           </a:p>
@@ -3718,7 +4526,7 @@
               <a:buChar char=""/>
             </a:pPr>
             <a:r>
-              <a:rPr b="0" lang="it-IT" sz="1800" spc="-1" strike="noStrike">
+              <a:rPr lang="it-IT" sz="1800" b="0" strike="noStrike" spc="-1">
                 <a:solidFill>
                   <a:srgbClr val="000000"/>
                 </a:solidFill>
@@ -3727,7 +4535,7 @@
               </a:rPr>
               <a:t>Users can simulate their stock portfolios: at the end of each simulation, statistics are provided and visualized.</a:t>
             </a:r>
-            <a:endParaRPr b="0" lang="it-IT" sz="1800" spc="-1" strike="noStrike">
+            <a:endParaRPr lang="it-IT" sz="1800" b="0" strike="noStrike" spc="-1">
               <a:latin typeface="Arial"/>
             </a:endParaRPr>
           </a:p>
@@ -3743,7 +4551,7 @@
               <a:buChar char=""/>
             </a:pPr>
             <a:r>
-              <a:rPr b="0" lang="it-IT" sz="1800" spc="-1" strike="noStrike">
+              <a:rPr lang="it-IT" sz="1800" b="0" strike="noStrike" spc="-1">
                 <a:solidFill>
                   <a:srgbClr val="000000"/>
                 </a:solidFill>
@@ -3752,7 +4560,7 @@
               </a:rPr>
               <a:t>The administrator can add or remove a stock from the database.</a:t>
             </a:r>
-            <a:endParaRPr b="0" lang="it-IT" sz="1800" spc="-1" strike="noStrike">
+            <a:endParaRPr lang="it-IT" sz="1800" b="0" strike="noStrike" spc="-1">
               <a:latin typeface="Arial"/>
             </a:endParaRPr>
           </a:p>
@@ -3762,7 +4570,7 @@
                 <a:spcPct val="150000"/>
               </a:lnSpc>
             </a:pPr>
-            <a:endParaRPr b="0" lang="it-IT" sz="1800" spc="-1" strike="noStrike">
+            <a:endParaRPr lang="it-IT" sz="1800" b="0" strike="noStrike" spc="-1">
               <a:latin typeface="Arial"/>
             </a:endParaRPr>
           </a:p>
@@ -3770,22 +4578,25 @@
       </p:sp>
     </p:spTree>
   </p:cSld>
+  <p:clrMapOvr>
+    <a:masterClrMapping/>
+  </p:clrMapOvr>
   <p:timing>
     <p:tnLst>
       <p:par>
-        <p:cTn id="3" dur="indefinite" restart="never" nodeType="tmRoot">
+        <p:cTn id="1" dur="indefinite" restart="never" nodeType="tmRoot">
           <p:childTnLst>
             <p:seq>
-              <p:cTn id="4" dur="indefinite" nodeType="mainSeq"/>
+              <p:cTn id="2" dur="indefinite" nodeType="mainSeq"/>
               <p:prevCondLst>
-                <p:cond delay="0" evt="onPrev">
+                <p:cond evt="onPrev" delay="0">
                   <p:tgtEl>
                     <p:sldTgt/>
                   </p:tgtEl>
                 </p:cond>
               </p:prevCondLst>
               <p:nextCondLst>
-                <p:cond delay="0" evt="onNext">
+                <p:cond evt="onNext" delay="0">
                   <p:tgtEl>
                     <p:sldTgt/>
                   </p:tgtEl>
@@ -3801,7 +4612,7 @@
 </file>
 
 <file path=ppt/slides/slide3.xml><?xml version="1.0" encoding="utf-8"?>
-<p:sld xmlns:a="http://schemas.openxmlformats.org/drawingml/2006/main" xmlns:p="http://schemas.openxmlformats.org/presentationml/2006/main" xmlns:r="http://schemas.openxmlformats.org/officeDocument/2006/relationships" xmlns:p14="http://schemas.microsoft.com/office/powerpoint/2010/main" xmlns:p15="http://schemas.microsoft.com/office/powerpoint/2012/main" xmlns:mc="http://schemas.openxmlformats.org/markup-compatibility/2006">
+<p:sld xmlns:a="http://schemas.openxmlformats.org/drawingml/2006/main" xmlns:r="http://schemas.openxmlformats.org/officeDocument/2006/relationships" xmlns:p="http://schemas.openxmlformats.org/presentationml/2006/main">
   <p:cSld>
     <p:spTree>
       <p:nvGrpSpPr>
@@ -3837,15 +4648,22 @@
           </a:ln>
         </p:spPr>
         <p:style>
-          <a:lnRef idx="0"/>
-          <a:fillRef idx="0"/>
-          <a:effectRef idx="0"/>
+          <a:lnRef idx="0">
+            <a:scrgbClr r="0" g="0" b="0"/>
+          </a:lnRef>
+          <a:fillRef idx="0">
+            <a:scrgbClr r="0" g="0" b="0"/>
+          </a:fillRef>
+          <a:effectRef idx="0">
+            <a:scrgbClr r="0" g="0" b="0"/>
+          </a:effectRef>
           <a:fontRef idx="minor"/>
         </p:style>
         <p:txBody>
-          <a:bodyPr lIns="90000" rIns="90000" tIns="45000" bIns="45000" anchor="ctr">
-            <a:normAutofit/>
+          <a:bodyPr lIns="90000" tIns="45000" rIns="90000" bIns="45000" anchor="ctr">
+            <a:normAutofit fontScale="92500" lnSpcReduction="20000"/>
           </a:bodyPr>
+          <a:lstStyle/>
           <a:p>
             <a:pPr algn="ctr">
               <a:lnSpc>
@@ -3853,7 +4671,7 @@
               </a:lnSpc>
             </a:pPr>
             <a:r>
-              <a:rPr b="0" lang="it-IT" sz="4400" spc="-1" strike="noStrike">
+              <a:rPr lang="it-IT" sz="4400" b="0" strike="noStrike" spc="-1">
                 <a:solidFill>
                   <a:srgbClr val="000000"/>
                 </a:solidFill>
@@ -3862,7 +4680,7 @@
               </a:rPr>
               <a:t>Actors and main supported functionalities</a:t>
             </a:r>
-            <a:endParaRPr b="0" lang="it-IT" sz="4400" spc="-1" strike="noStrike">
+            <a:endParaRPr lang="it-IT" sz="4400" b="0" strike="noStrike" spc="-1">
               <a:latin typeface="Arial"/>
             </a:endParaRPr>
           </a:p>
@@ -3870,12 +4688,12 @@
       </p:sp>
       <p:pic>
         <p:nvPicPr>
-          <p:cNvPr id="87" name="" descr=""/>
+          <p:cNvPr id="87" name="Immagine 86"/>
           <p:cNvPicPr/>
           <p:nvPr/>
         </p:nvPicPr>
         <p:blipFill>
-          <a:blip r:embed="rId1"/>
+          <a:blip r:embed="rId2"/>
           <a:stretch/>
         </p:blipFill>
         <p:spPr>
@@ -3893,22 +4711,25 @@
       </p:pic>
     </p:spTree>
   </p:cSld>
+  <p:clrMapOvr>
+    <a:masterClrMapping/>
+  </p:clrMapOvr>
   <p:timing>
     <p:tnLst>
       <p:par>
-        <p:cTn id="5" dur="indefinite" restart="never" nodeType="tmRoot">
+        <p:cTn id="1" dur="indefinite" restart="never" nodeType="tmRoot">
           <p:childTnLst>
             <p:seq>
-              <p:cTn id="6" dur="indefinite" nodeType="mainSeq"/>
+              <p:cTn id="2" dur="indefinite" nodeType="mainSeq"/>
               <p:prevCondLst>
-                <p:cond delay="0" evt="onPrev">
+                <p:cond evt="onPrev" delay="0">
                   <p:tgtEl>
                     <p:sldTgt/>
                   </p:tgtEl>
                 </p:cond>
               </p:prevCondLst>
               <p:nextCondLst>
-                <p:cond delay="0" evt="onNext">
+                <p:cond evt="onNext" delay="0">
                   <p:tgtEl>
                     <p:sldTgt/>
                   </p:tgtEl>
@@ -3924,7 +4745,7 @@
 </file>
 
 <file path=ppt/slides/slide4.xml><?xml version="1.0" encoding="utf-8"?>
-<p:sld xmlns:a="http://schemas.openxmlformats.org/drawingml/2006/main" xmlns:p="http://schemas.openxmlformats.org/presentationml/2006/main" xmlns:r="http://schemas.openxmlformats.org/officeDocument/2006/relationships" xmlns:p14="http://schemas.microsoft.com/office/powerpoint/2010/main" xmlns:p15="http://schemas.microsoft.com/office/powerpoint/2012/main" xmlns:mc="http://schemas.openxmlformats.org/markup-compatibility/2006">
+<p:sld xmlns:a="http://schemas.openxmlformats.org/drawingml/2006/main" xmlns:r="http://schemas.openxmlformats.org/officeDocument/2006/relationships" xmlns:p="http://schemas.openxmlformats.org/presentationml/2006/main">
   <p:cSld>
     <p:spTree>
       <p:nvGrpSpPr>
@@ -3960,13 +4781,20 @@
           </a:ln>
         </p:spPr>
         <p:style>
-          <a:lnRef idx="0"/>
-          <a:fillRef idx="0"/>
-          <a:effectRef idx="0"/>
+          <a:lnRef idx="0">
+            <a:scrgbClr r="0" g="0" b="0"/>
+          </a:lnRef>
+          <a:fillRef idx="0">
+            <a:scrgbClr r="0" g="0" b="0"/>
+          </a:fillRef>
+          <a:effectRef idx="0">
+            <a:scrgbClr r="0" g="0" b="0"/>
+          </a:effectRef>
           <a:fontRef idx="minor"/>
         </p:style>
         <p:txBody>
-          <a:bodyPr lIns="90000" rIns="90000" tIns="45000" bIns="45000" anchor="ctr"/>
+          <a:bodyPr lIns="90000" tIns="45000" rIns="90000" bIns="45000" anchor="ctr"/>
+          <a:lstStyle/>
           <a:p>
             <a:pPr algn="ctr">
               <a:lnSpc>
@@ -3974,7 +4802,7 @@
               </a:lnSpc>
             </a:pPr>
             <a:r>
-              <a:rPr b="0" lang="it-IT" sz="4400" spc="-1" strike="noStrike">
+              <a:rPr lang="it-IT" sz="4400" b="0" strike="noStrike" spc="-1">
                 <a:solidFill>
                   <a:srgbClr val="000000"/>
                 </a:solidFill>
@@ -3983,7 +4811,7 @@
               </a:rPr>
               <a:t>Dataset Description</a:t>
             </a:r>
-            <a:endParaRPr b="0" lang="it-IT" sz="4400" spc="-1" strike="noStrike">
+            <a:endParaRPr lang="it-IT" sz="4400" b="0" strike="noStrike" spc="-1">
               <a:latin typeface="Arial"/>
             </a:endParaRPr>
           </a:p>
@@ -4009,13 +4837,20 @@
           </a:ln>
         </p:spPr>
         <p:style>
-          <a:lnRef idx="0"/>
-          <a:fillRef idx="0"/>
-          <a:effectRef idx="0"/>
+          <a:lnRef idx="0">
+            <a:scrgbClr r="0" g="0" b="0"/>
+          </a:lnRef>
+          <a:fillRef idx="0">
+            <a:scrgbClr r="0" g="0" b="0"/>
+          </a:fillRef>
+          <a:effectRef idx="0">
+            <a:scrgbClr r="0" g="0" b="0"/>
+          </a:effectRef>
           <a:fontRef idx="minor"/>
         </p:style>
         <p:txBody>
-          <a:bodyPr lIns="90000" rIns="90000" tIns="45000" bIns="45000"/>
+          <a:bodyPr lIns="90000" tIns="45000" rIns="90000" bIns="45000"/>
+          <a:lstStyle/>
           <a:p>
             <a:pPr>
               <a:lnSpc>
@@ -4023,7 +4858,7 @@
               </a:lnSpc>
             </a:pPr>
             <a:r>
-              <a:rPr b="1" i="1" lang="it-IT" sz="1800" spc="-1" strike="noStrike">
+              <a:rPr lang="it-IT" sz="1800" b="1" i="1" strike="noStrike" spc="-1">
                 <a:solidFill>
                   <a:srgbClr val="000000"/>
                 </a:solidFill>
@@ -4032,7 +4867,7 @@
               </a:rPr>
               <a:t>Source:</a:t>
             </a:r>
-            <a:endParaRPr b="0" lang="it-IT" sz="1800" spc="-1" strike="noStrike">
+            <a:endParaRPr lang="it-IT" sz="1800" b="0" strike="noStrike" spc="-1">
               <a:latin typeface="Arial"/>
             </a:endParaRPr>
           </a:p>
@@ -4048,7 +4883,7 @@
               <a:buChar char="o"/>
             </a:pPr>
             <a:r>
-              <a:rPr b="0" lang="it-IT" sz="1800" spc="-1" strike="noStrike">
+              <a:rPr lang="it-IT" sz="1800" b="0" strike="noStrike" spc="-1">
                 <a:solidFill>
                   <a:srgbClr val="000000"/>
                 </a:solidFill>
@@ -4057,7 +4892,7 @@
               </a:rPr>
               <a:t>Yahoo! Finance</a:t>
             </a:r>
-            <a:endParaRPr b="0" lang="it-IT" sz="1800" spc="-1" strike="noStrike">
+            <a:endParaRPr lang="it-IT" sz="1800" b="0" strike="noStrike" spc="-1">
               <a:latin typeface="Arial"/>
             </a:endParaRPr>
           </a:p>
@@ -4073,7 +4908,7 @@
               <a:buChar char="o"/>
             </a:pPr>
             <a:r>
-              <a:rPr b="0" lang="it-IT" sz="1800" spc="-1" strike="noStrike">
+              <a:rPr lang="it-IT" sz="1800" b="0" strike="noStrike" spc="-1">
                 <a:solidFill>
                   <a:srgbClr val="000000"/>
                 </a:solidFill>
@@ -4082,7 +4917,7 @@
               </a:rPr>
               <a:t>NasdaqTrader</a:t>
             </a:r>
-            <a:endParaRPr b="0" lang="it-IT" sz="1800" spc="-1" strike="noStrike">
+            <a:endParaRPr lang="it-IT" sz="1800" b="0" strike="noStrike" spc="-1">
               <a:latin typeface="Arial"/>
             </a:endParaRPr>
           </a:p>
@@ -4092,7 +4927,7 @@
                 <a:spcPct val="100000"/>
               </a:lnSpc>
             </a:pPr>
-            <a:endParaRPr b="0" lang="it-IT" sz="1800" spc="-1" strike="noStrike">
+            <a:endParaRPr lang="it-IT" sz="1800" b="0" strike="noStrike" spc="-1">
               <a:latin typeface="Arial"/>
             </a:endParaRPr>
           </a:p>
@@ -4103,7 +4938,7 @@
               </a:lnSpc>
             </a:pPr>
             <a:r>
-              <a:rPr b="1" i="1" lang="it-IT" sz="1800" spc="-1" strike="noStrike">
+              <a:rPr lang="it-IT" sz="1800" b="1" i="1" strike="noStrike" spc="-1">
                 <a:solidFill>
                   <a:srgbClr val="000000"/>
                 </a:solidFill>
@@ -4113,7 +4948,7 @@
               <a:t>Description</a:t>
             </a:r>
             <a:r>
-              <a:rPr b="1" lang="it-IT" sz="1800" spc="-1" strike="noStrike">
+              <a:rPr lang="it-IT" sz="1800" b="1" strike="noStrike" spc="-1">
                 <a:solidFill>
                   <a:srgbClr val="000000"/>
                 </a:solidFill>
@@ -4122,7 +4957,7 @@
               </a:rPr>
               <a:t>:</a:t>
             </a:r>
-            <a:endParaRPr b="0" lang="it-IT" sz="1800" spc="-1" strike="noStrike">
+            <a:endParaRPr lang="it-IT" sz="1800" b="0" strike="noStrike" spc="-1">
               <a:latin typeface="Arial"/>
             </a:endParaRPr>
           </a:p>
@@ -4138,7 +4973,7 @@
               <a:buChar char="o"/>
             </a:pPr>
             <a:r>
-              <a:rPr b="1" lang="it-IT" sz="1800" spc="-1" strike="noStrike">
+              <a:rPr lang="it-IT" sz="1800" b="1" strike="noStrike" spc="-1">
                 <a:solidFill>
                   <a:srgbClr val="000000"/>
                 </a:solidFill>
@@ -4148,7 +4983,7 @@
               <a:t>Yahoo! Finance</a:t>
             </a:r>
             <a:r>
-              <a:rPr b="0" lang="it-IT" sz="1800" spc="-1" strike="noStrike">
+              <a:rPr lang="it-IT" sz="1800" b="0" strike="noStrike" spc="-1">
                 <a:solidFill>
                   <a:srgbClr val="000000"/>
                 </a:solidFill>
@@ -4157,7 +4992,7 @@
               </a:rPr>
               <a:t> is a media property that is part of Yahoo!'s network. It provides financial news, data and commentary including stock quotes, press releases, financial reports, and original content.</a:t>
             </a:r>
-            <a:endParaRPr b="0" lang="it-IT" sz="1800" spc="-1" strike="noStrike">
+            <a:endParaRPr lang="it-IT" sz="1800" b="0" strike="noStrike" spc="-1">
               <a:latin typeface="Arial"/>
             </a:endParaRPr>
           </a:p>
@@ -4173,7 +5008,7 @@
               <a:buChar char="o"/>
             </a:pPr>
             <a:r>
-              <a:rPr b="1" lang="it-IT" sz="1800" spc="-1" strike="noStrike">
+              <a:rPr lang="it-IT" sz="1800" b="1" strike="noStrike" spc="-1">
                 <a:solidFill>
                   <a:srgbClr val="000000"/>
                 </a:solidFill>
@@ -4183,7 +5018,7 @@
               <a:t>NasdaqTrader</a:t>
             </a:r>
             <a:r>
-              <a:rPr b="0" lang="it-IT" sz="1800" spc="-1" strike="noStrike">
+              <a:rPr lang="it-IT" sz="1800" b="0" strike="noStrike" spc="-1">
                 <a:solidFill>
                   <a:srgbClr val="000000"/>
                 </a:solidFill>
@@ -4192,7 +5027,7 @@
               </a:rPr>
               <a:t> is a website that covers the Nasdaq market providing proprietary access to trading liquidity.</a:t>
             </a:r>
-            <a:endParaRPr b="0" lang="it-IT" sz="1800" spc="-1" strike="noStrike">
+            <a:endParaRPr lang="it-IT" sz="1800" b="0" strike="noStrike" spc="-1">
               <a:latin typeface="Arial"/>
             </a:endParaRPr>
           </a:p>
@@ -4202,7 +5037,7 @@
                 <a:spcPct val="100000"/>
               </a:lnSpc>
             </a:pPr>
-            <a:endParaRPr b="0" lang="it-IT" sz="1800" spc="-1" strike="noStrike">
+            <a:endParaRPr lang="it-IT" sz="1800" b="0" strike="noStrike" spc="-1">
               <a:latin typeface="Arial"/>
             </a:endParaRPr>
           </a:p>
@@ -4213,7 +5048,7 @@
               </a:lnSpc>
             </a:pPr>
             <a:r>
-              <a:rPr b="1" i="1" lang="it-IT" sz="1800" spc="-1" strike="noStrike">
+              <a:rPr lang="it-IT" sz="1800" b="1" i="1" strike="noStrike" spc="-1">
                 <a:solidFill>
                   <a:srgbClr val="000000"/>
                 </a:solidFill>
@@ -4223,7 +5058,7 @@
               <a:t>Volume: </a:t>
             </a:r>
             <a:r>
-              <a:rPr b="0" lang="it-IT" sz="1800" spc="-1" strike="noStrike">
+              <a:rPr lang="it-IT" sz="1800" b="0" strike="noStrike" spc="-1">
                 <a:solidFill>
                   <a:srgbClr val="000000"/>
                 </a:solidFill>
@@ -4232,7 +5067,7 @@
               </a:rPr>
               <a:t>~ 2.7 GB</a:t>
             </a:r>
-            <a:endParaRPr b="0" lang="it-IT" sz="1800" spc="-1" strike="noStrike">
+            <a:endParaRPr lang="it-IT" sz="1800" b="0" strike="noStrike" spc="-1">
               <a:latin typeface="Arial"/>
             </a:endParaRPr>
           </a:p>
@@ -4242,7 +5077,7 @@
                 <a:spcPct val="100000"/>
               </a:lnSpc>
             </a:pPr>
-            <a:endParaRPr b="0" lang="it-IT" sz="1800" spc="-1" strike="noStrike">
+            <a:endParaRPr lang="it-IT" sz="1800" b="0" strike="noStrike" spc="-1">
               <a:latin typeface="Arial"/>
             </a:endParaRPr>
           </a:p>
@@ -4253,7 +5088,7 @@
               </a:lnSpc>
             </a:pPr>
             <a:r>
-              <a:rPr b="1" i="1" lang="it-IT" sz="1800" spc="-1" strike="noStrike">
+              <a:rPr lang="it-IT" sz="1800" b="1" i="1" strike="noStrike" spc="-1">
                 <a:solidFill>
                   <a:srgbClr val="000000"/>
                 </a:solidFill>
@@ -4263,7 +5098,7 @@
               <a:t>Variety</a:t>
             </a:r>
             <a:r>
-              <a:rPr b="0" lang="it-IT" sz="1800" spc="-1" strike="noStrike">
+              <a:rPr lang="it-IT" sz="1800" b="0" strike="noStrike" spc="-1">
                 <a:solidFill>
                   <a:srgbClr val="000000"/>
                 </a:solidFill>
@@ -4272,7 +5107,7 @@
               </a:rPr>
               <a:t>: granted by the heterogeneous composition of the U.S. stock market stocks.</a:t>
             </a:r>
-            <a:endParaRPr b="0" lang="it-IT" sz="1800" spc="-1" strike="noStrike">
+            <a:endParaRPr lang="it-IT" sz="1800" b="0" strike="noStrike" spc="-1">
               <a:latin typeface="Arial"/>
             </a:endParaRPr>
           </a:p>
@@ -4282,7 +5117,7 @@
                 <a:spcPct val="100000"/>
               </a:lnSpc>
             </a:pPr>
-            <a:endParaRPr b="0" lang="it-IT" sz="1800" spc="-1" strike="noStrike">
+            <a:endParaRPr lang="it-IT" sz="1800" b="0" strike="noStrike" spc="-1">
               <a:latin typeface="Arial"/>
             </a:endParaRPr>
           </a:p>
@@ -4293,7 +5128,7 @@
               </a:lnSpc>
             </a:pPr>
             <a:r>
-              <a:rPr b="1" i="1" lang="it-IT" sz="1800" spc="-1" strike="noStrike">
+              <a:rPr lang="it-IT" sz="1800" b="1" i="1" strike="noStrike" spc="-1">
                 <a:solidFill>
                   <a:srgbClr val="000000"/>
                 </a:solidFill>
@@ -4303,7 +5138,7 @@
               <a:t>Velocity/Variability</a:t>
             </a:r>
             <a:r>
-              <a:rPr b="0" lang="it-IT" sz="1800" spc="-1" strike="noStrike">
+              <a:rPr lang="it-IT" sz="1800" b="0" strike="noStrike" spc="-1">
                 <a:solidFill>
                   <a:srgbClr val="000000"/>
                 </a:solidFill>
@@ -4312,7 +5147,7 @@
               </a:rPr>
               <a:t>: indices and shares of each of the 8000+ U.S. stock market stocks are updated automatically every day.</a:t>
             </a:r>
-            <a:endParaRPr b="0" lang="it-IT" sz="1800" spc="-1" strike="noStrike">
+            <a:endParaRPr lang="it-IT" sz="1800" b="0" strike="noStrike" spc="-1">
               <a:latin typeface="Arial"/>
             </a:endParaRPr>
           </a:p>
@@ -4322,7 +5157,7 @@
                 <a:spcPct val="100000"/>
               </a:lnSpc>
             </a:pPr>
-            <a:endParaRPr b="0" lang="it-IT" sz="1800" spc="-1" strike="noStrike">
+            <a:endParaRPr lang="it-IT" sz="1800" b="0" strike="noStrike" spc="-1">
               <a:latin typeface="Arial"/>
             </a:endParaRPr>
           </a:p>
@@ -4330,22 +5165,25 @@
       </p:sp>
     </p:spTree>
   </p:cSld>
+  <p:clrMapOvr>
+    <a:masterClrMapping/>
+  </p:clrMapOvr>
   <p:timing>
     <p:tnLst>
       <p:par>
-        <p:cTn id="7" dur="indefinite" restart="never" nodeType="tmRoot">
+        <p:cTn id="1" dur="indefinite" restart="never" nodeType="tmRoot">
           <p:childTnLst>
             <p:seq>
-              <p:cTn id="8" dur="indefinite" nodeType="mainSeq"/>
+              <p:cTn id="2" dur="indefinite" nodeType="mainSeq"/>
               <p:prevCondLst>
-                <p:cond delay="0" evt="onPrev">
+                <p:cond evt="onPrev" delay="0">
                   <p:tgtEl>
                     <p:sldTgt/>
                   </p:tgtEl>
                 </p:cond>
               </p:prevCondLst>
               <p:nextCondLst>
-                <p:cond delay="0" evt="onNext">
+                <p:cond evt="onNext" delay="0">
                   <p:tgtEl>
                     <p:sldTgt/>
                   </p:tgtEl>
@@ -4361,7 +5199,7 @@
 </file>
 
 <file path=ppt/slides/slide5.xml><?xml version="1.0" encoding="utf-8"?>
-<p:sld xmlns:a="http://schemas.openxmlformats.org/drawingml/2006/main" xmlns:p="http://schemas.openxmlformats.org/presentationml/2006/main" xmlns:r="http://schemas.openxmlformats.org/officeDocument/2006/relationships" xmlns:p14="http://schemas.microsoft.com/office/powerpoint/2010/main" xmlns:p15="http://schemas.microsoft.com/office/powerpoint/2012/main" xmlns:mc="http://schemas.openxmlformats.org/markup-compatibility/2006">
+<p:sld xmlns:a="http://schemas.openxmlformats.org/drawingml/2006/main" xmlns:r="http://schemas.openxmlformats.org/officeDocument/2006/relationships" xmlns:p="http://schemas.openxmlformats.org/presentationml/2006/main">
   <p:cSld>
     <p:spTree>
       <p:nvGrpSpPr>
@@ -4397,13 +5235,20 @@
           </a:ln>
         </p:spPr>
         <p:style>
-          <a:lnRef idx="0"/>
-          <a:fillRef idx="0"/>
-          <a:effectRef idx="0"/>
+          <a:lnRef idx="0">
+            <a:scrgbClr r="0" g="0" b="0"/>
+          </a:lnRef>
+          <a:fillRef idx="0">
+            <a:scrgbClr r="0" g="0" b="0"/>
+          </a:fillRef>
+          <a:effectRef idx="0">
+            <a:scrgbClr r="0" g="0" b="0"/>
+          </a:effectRef>
           <a:fontRef idx="minor"/>
         </p:style>
         <p:txBody>
-          <a:bodyPr lIns="90000" rIns="90000" tIns="45000" bIns="45000" anchor="ctr"/>
+          <a:bodyPr lIns="90000" tIns="45000" rIns="90000" bIns="45000" anchor="ctr"/>
+          <a:lstStyle/>
           <a:p>
             <a:pPr algn="ctr">
               <a:lnSpc>
@@ -4411,7 +5256,7 @@
               </a:lnSpc>
             </a:pPr>
             <a:r>
-              <a:rPr b="0" lang="it-IT" sz="4400" spc="-1" strike="noStrike">
+              <a:rPr lang="it-IT" sz="4400" b="0" strike="noStrike" spc="-1">
                 <a:solidFill>
                   <a:srgbClr val="000000"/>
                 </a:solidFill>
@@ -4420,7 +5265,7 @@
               </a:rPr>
               <a:t>Preliminary UML Class Diagram</a:t>
             </a:r>
-            <a:endParaRPr b="0" lang="it-IT" sz="4400" spc="-1" strike="noStrike">
+            <a:endParaRPr lang="it-IT" sz="4400" b="0" strike="noStrike" spc="-1">
               <a:latin typeface="Arial"/>
             </a:endParaRPr>
           </a:p>
@@ -4428,12 +5273,12 @@
       </p:sp>
       <p:pic>
         <p:nvPicPr>
-          <p:cNvPr id="91" name="" descr=""/>
+          <p:cNvPr id="91" name="Immagine 90"/>
           <p:cNvPicPr/>
           <p:nvPr/>
         </p:nvPicPr>
         <p:blipFill>
-          <a:blip r:embed="rId1"/>
+          <a:blip r:embed="rId2"/>
           <a:stretch/>
         </p:blipFill>
         <p:spPr>
@@ -4451,22 +5296,25 @@
       </p:pic>
     </p:spTree>
   </p:cSld>
+  <p:clrMapOvr>
+    <a:masterClrMapping/>
+  </p:clrMapOvr>
   <p:timing>
     <p:tnLst>
       <p:par>
-        <p:cTn id="9" dur="indefinite" restart="never" nodeType="tmRoot">
+        <p:cTn id="1" dur="indefinite" restart="never" nodeType="tmRoot">
           <p:childTnLst>
             <p:seq>
-              <p:cTn id="10" dur="indefinite" nodeType="mainSeq"/>
+              <p:cTn id="2" dur="indefinite" nodeType="mainSeq"/>
               <p:prevCondLst>
-                <p:cond delay="0" evt="onPrev">
+                <p:cond evt="onPrev" delay="0">
                   <p:tgtEl>
                     <p:sldTgt/>
                   </p:tgtEl>
                 </p:cond>
               </p:prevCondLst>
               <p:nextCondLst>
-                <p:cond delay="0" evt="onNext">
+                <p:cond evt="onNext" delay="0">
                   <p:tgtEl>
                     <p:sldTgt/>
                   </p:tgtEl>
@@ -4482,7 +5330,7 @@
 </file>
 
 <file path=ppt/slides/slide6.xml><?xml version="1.0" encoding="utf-8"?>
-<p:sld xmlns:a="http://schemas.openxmlformats.org/drawingml/2006/main" xmlns:p="http://schemas.openxmlformats.org/presentationml/2006/main" xmlns:r="http://schemas.openxmlformats.org/officeDocument/2006/relationships" xmlns:p14="http://schemas.microsoft.com/office/powerpoint/2010/main" xmlns:p15="http://schemas.microsoft.com/office/powerpoint/2012/main" xmlns:mc="http://schemas.openxmlformats.org/markup-compatibility/2006">
+<p:sld xmlns:a="http://schemas.openxmlformats.org/drawingml/2006/main" xmlns:r="http://schemas.openxmlformats.org/officeDocument/2006/relationships" xmlns:p="http://schemas.openxmlformats.org/presentationml/2006/main">
   <p:cSld>
     <p:spTree>
       <p:nvGrpSpPr>
@@ -4518,15 +5366,22 @@
           </a:ln>
         </p:spPr>
         <p:style>
-          <a:lnRef idx="0"/>
-          <a:fillRef idx="0"/>
-          <a:effectRef idx="0"/>
+          <a:lnRef idx="0">
+            <a:scrgbClr r="0" g="0" b="0"/>
+          </a:lnRef>
+          <a:fillRef idx="0">
+            <a:scrgbClr r="0" g="0" b="0"/>
+          </a:fillRef>
+          <a:effectRef idx="0">
+            <a:scrgbClr r="0" g="0" b="0"/>
+          </a:effectRef>
           <a:fontRef idx="minor"/>
         </p:style>
         <p:txBody>
-          <a:bodyPr lIns="90000" rIns="90000" tIns="45000" bIns="45000" anchor="ctr">
-            <a:normAutofit/>
+          <a:bodyPr lIns="90000" tIns="45000" rIns="90000" bIns="45000" anchor="ctr">
+            <a:normAutofit fontScale="92500" lnSpcReduction="20000"/>
           </a:bodyPr>
+          <a:lstStyle/>
           <a:p>
             <a:pPr algn="ctr">
               <a:lnSpc>
@@ -4534,7 +5389,7 @@
               </a:lnSpc>
             </a:pPr>
             <a:r>
-              <a:rPr b="0" lang="it-IT" sz="4400" spc="-1" strike="noStrike">
+              <a:rPr lang="it-IT" sz="4400" b="0" strike="noStrike" spc="-1">
                 <a:solidFill>
                   <a:srgbClr val="000000"/>
                 </a:solidFill>
@@ -4545,7 +5400,7 @@
             </a:r>
             <a:br/>
             <a:r>
-              <a:rPr b="0" lang="it-IT" sz="4400" spc="-1" strike="noStrike">
+              <a:rPr lang="it-IT" sz="4400" b="0" strike="noStrike" spc="-1">
                 <a:solidFill>
                   <a:srgbClr val="000000"/>
                 </a:solidFill>
@@ -4554,7 +5409,7 @@
               </a:rPr>
               <a:t>handled by Document DB</a:t>
             </a:r>
-            <a:endParaRPr b="0" lang="it-IT" sz="4400" spc="-1" strike="noStrike">
+            <a:endParaRPr lang="it-IT" sz="4400" b="0" strike="noStrike" spc="-1">
               <a:latin typeface="Arial"/>
             </a:endParaRPr>
           </a:p>
@@ -4580,13 +5435,20 @@
           </a:ln>
         </p:spPr>
         <p:style>
-          <a:lnRef idx="0"/>
-          <a:fillRef idx="0"/>
-          <a:effectRef idx="0"/>
+          <a:lnRef idx="0">
+            <a:scrgbClr r="0" g="0" b="0"/>
+          </a:lnRef>
+          <a:fillRef idx="0">
+            <a:scrgbClr r="0" g="0" b="0"/>
+          </a:fillRef>
+          <a:effectRef idx="0">
+            <a:scrgbClr r="0" g="0" b="0"/>
+          </a:effectRef>
           <a:fontRef idx="minor"/>
         </p:style>
         <p:txBody>
-          <a:bodyPr lIns="90000" rIns="90000" tIns="45000" bIns="45000"/>
+          <a:bodyPr lIns="90000" tIns="45000" rIns="90000" bIns="45000"/>
+          <a:lstStyle/>
           <a:p>
             <a:pPr marL="285840" indent="-283320">
               <a:lnSpc>
@@ -4599,7 +5461,7 @@
               <a:buChar char="•"/>
             </a:pPr>
             <a:r>
-              <a:rPr b="0" lang="it-IT" sz="2400" spc="-1" strike="noStrike">
+              <a:rPr lang="it-IT" sz="2400" b="0" strike="noStrike" spc="-1">
                 <a:solidFill>
                   <a:srgbClr val="000000"/>
                 </a:solidFill>
@@ -4608,7 +5470,7 @@
               </a:rPr>
               <a:t>Users’ authentication, personal information and preferences.</a:t>
             </a:r>
-            <a:endParaRPr b="0" lang="it-IT" sz="2400" spc="-1" strike="noStrike">
+            <a:endParaRPr lang="it-IT" sz="2400" b="0" strike="noStrike" spc="-1">
               <a:latin typeface="Arial"/>
             </a:endParaRPr>
           </a:p>
@@ -4624,7 +5486,7 @@
               <a:buChar char="•"/>
             </a:pPr>
             <a:r>
-              <a:rPr b="0" lang="it-IT" sz="2400" spc="-1" strike="noStrike">
+              <a:rPr lang="it-IT" sz="2400" b="0" strike="noStrike" spc="-1">
                 <a:solidFill>
                   <a:srgbClr val="000000"/>
                 </a:solidFill>
@@ -4633,7 +5495,7 @@
               </a:rPr>
               <a:t>Stocks’ information (company details, trade, capitalization, etc…).</a:t>
             </a:r>
-            <a:endParaRPr b="0" lang="it-IT" sz="2400" spc="-1" strike="noStrike">
+            <a:endParaRPr lang="it-IT" sz="2400" b="0" strike="noStrike" spc="-1">
               <a:latin typeface="Arial"/>
             </a:endParaRPr>
           </a:p>
@@ -4649,7 +5511,7 @@
               <a:buChar char="•"/>
             </a:pPr>
             <a:r>
-              <a:rPr b="0" lang="it-IT" sz="2400" spc="-1" strike="noStrike">
+              <a:rPr lang="it-IT" sz="2400" b="0" strike="noStrike" spc="-1">
                 <a:solidFill>
                   <a:srgbClr val="000000"/>
                 </a:solidFill>
@@ -4658,7 +5520,7 @@
               </a:rPr>
               <a:t>Indexes’ information (composition, details, etc…).</a:t>
             </a:r>
-            <a:endParaRPr b="0" lang="it-IT" sz="2400" spc="-1" strike="noStrike">
+            <a:endParaRPr lang="it-IT" sz="2400" b="0" strike="noStrike" spc="-1">
               <a:latin typeface="Arial"/>
             </a:endParaRPr>
           </a:p>
@@ -4674,7 +5536,7 @@
               <a:buChar char="•"/>
             </a:pPr>
             <a:r>
-              <a:rPr b="0" lang="it-IT" sz="2400" spc="-1" strike="noStrike">
+              <a:rPr lang="it-IT" sz="2400" b="0" strike="noStrike" spc="-1">
                 <a:solidFill>
                   <a:srgbClr val="000000"/>
                 </a:solidFill>
@@ -4683,7 +5545,7 @@
               </a:rPr>
               <a:t>Stock Portfolio’s information (name, composition, scope, etc…).</a:t>
             </a:r>
-            <a:endParaRPr b="0" lang="it-IT" sz="2400" spc="-1" strike="noStrike">
+            <a:endParaRPr lang="it-IT" sz="2400" b="0" strike="noStrike" spc="-1">
               <a:latin typeface="Arial"/>
             </a:endParaRPr>
           </a:p>
@@ -4699,7 +5561,7 @@
               <a:buChar char="•"/>
             </a:pPr>
             <a:r>
-              <a:rPr b="0" lang="it-IT" sz="2400" spc="-1" strike="noStrike">
+              <a:rPr lang="it-IT" sz="2400" b="0" strike="noStrike" spc="-1">
                 <a:solidFill>
                   <a:srgbClr val="000000"/>
                 </a:solidFill>
@@ -4708,7 +5570,7 @@
               </a:rPr>
               <a:t>Stock portfolio simulation results.</a:t>
             </a:r>
-            <a:endParaRPr b="0" lang="it-IT" sz="2400" spc="-1" strike="noStrike">
+            <a:endParaRPr lang="it-IT" sz="2400" b="0" strike="noStrike" spc="-1">
               <a:latin typeface="Arial"/>
             </a:endParaRPr>
           </a:p>
@@ -4718,7 +5580,7 @@
                 <a:spcPct val="115000"/>
               </a:lnSpc>
             </a:pPr>
-            <a:endParaRPr b="0" lang="it-IT" sz="2400" spc="-1" strike="noStrike">
+            <a:endParaRPr lang="it-IT" sz="2400" b="0" strike="noStrike" spc="-1">
               <a:latin typeface="Arial"/>
             </a:endParaRPr>
           </a:p>
@@ -4726,22 +5588,25 @@
       </p:sp>
     </p:spTree>
   </p:cSld>
+  <p:clrMapOvr>
+    <a:masterClrMapping/>
+  </p:clrMapOvr>
   <p:timing>
     <p:tnLst>
       <p:par>
-        <p:cTn id="11" dur="indefinite" restart="never" nodeType="tmRoot">
+        <p:cTn id="1" dur="indefinite" restart="never" nodeType="tmRoot">
           <p:childTnLst>
             <p:seq>
-              <p:cTn id="12" dur="indefinite" nodeType="mainSeq"/>
+              <p:cTn id="2" dur="indefinite" nodeType="mainSeq"/>
               <p:prevCondLst>
-                <p:cond delay="0" evt="onPrev">
+                <p:cond evt="onPrev" delay="0">
                   <p:tgtEl>
                     <p:sldTgt/>
                   </p:tgtEl>
                 </p:cond>
               </p:prevCondLst>
               <p:nextCondLst>
-                <p:cond delay="0" evt="onNext">
+                <p:cond evt="onNext" delay="0">
                   <p:tgtEl>
                     <p:sldTgt/>
                   </p:tgtEl>
@@ -4757,7 +5622,7 @@
 </file>
 
 <file path=ppt/slides/slide7.xml><?xml version="1.0" encoding="utf-8"?>
-<p:sld xmlns:a="http://schemas.openxmlformats.org/drawingml/2006/main" xmlns:p="http://schemas.openxmlformats.org/presentationml/2006/main" xmlns:r="http://schemas.openxmlformats.org/officeDocument/2006/relationships" xmlns:p14="http://schemas.microsoft.com/office/powerpoint/2010/main" xmlns:p15="http://schemas.microsoft.com/office/powerpoint/2012/main" xmlns:mc="http://schemas.openxmlformats.org/markup-compatibility/2006">
+<p:sld xmlns:a="http://schemas.openxmlformats.org/drawingml/2006/main" xmlns:r="http://schemas.openxmlformats.org/officeDocument/2006/relationships" xmlns:p="http://schemas.openxmlformats.org/presentationml/2006/main">
   <p:cSld>
     <p:spTree>
       <p:nvGrpSpPr>
@@ -4793,15 +5658,22 @@
           </a:ln>
         </p:spPr>
         <p:style>
-          <a:lnRef idx="0"/>
-          <a:fillRef idx="0"/>
-          <a:effectRef idx="0"/>
+          <a:lnRef idx="0">
+            <a:scrgbClr r="0" g="0" b="0"/>
+          </a:lnRef>
+          <a:fillRef idx="0">
+            <a:scrgbClr r="0" g="0" b="0"/>
+          </a:fillRef>
+          <a:effectRef idx="0">
+            <a:scrgbClr r="0" g="0" b="0"/>
+          </a:effectRef>
           <a:fontRef idx="minor"/>
         </p:style>
         <p:txBody>
-          <a:bodyPr lIns="90000" rIns="90000" tIns="45000" bIns="45000" anchor="ctr">
-            <a:normAutofit/>
+          <a:bodyPr lIns="90000" tIns="45000" rIns="90000" bIns="45000" anchor="ctr">
+            <a:normAutofit fontScale="92500" lnSpcReduction="20000"/>
           </a:bodyPr>
+          <a:lstStyle/>
           <a:p>
             <a:pPr algn="ctr">
               <a:lnSpc>
@@ -4809,7 +5681,7 @@
               </a:lnSpc>
             </a:pPr>
             <a:r>
-              <a:rPr b="0" lang="it-IT" sz="4400" spc="-1" strike="noStrike">
+              <a:rPr lang="it-IT" sz="4400" b="0" strike="noStrike" spc="-1">
                 <a:solidFill>
                   <a:srgbClr val="000000"/>
                 </a:solidFill>
@@ -4820,7 +5692,7 @@
             </a:r>
             <a:br/>
             <a:r>
-              <a:rPr b="0" lang="it-IT" sz="4400" spc="-1" strike="noStrike">
+              <a:rPr lang="it-IT" sz="4400" b="0" strike="noStrike" spc="-1">
                 <a:solidFill>
                   <a:srgbClr val="000000"/>
                 </a:solidFill>
@@ -4829,7 +5701,7 @@
               </a:rPr>
               <a:t>handled by Column DB</a:t>
             </a:r>
-            <a:endParaRPr b="0" lang="it-IT" sz="4400" spc="-1" strike="noStrike">
+            <a:endParaRPr lang="it-IT" sz="4400" b="0" strike="noStrike" spc="-1">
               <a:latin typeface="Arial"/>
             </a:endParaRPr>
           </a:p>
@@ -4855,13 +5727,20 @@
           </a:ln>
         </p:spPr>
         <p:style>
-          <a:lnRef idx="0"/>
-          <a:fillRef idx="0"/>
-          <a:effectRef idx="0"/>
+          <a:lnRef idx="0">
+            <a:scrgbClr r="0" g="0" b="0"/>
+          </a:lnRef>
+          <a:fillRef idx="0">
+            <a:scrgbClr r="0" g="0" b="0"/>
+          </a:fillRef>
+          <a:effectRef idx="0">
+            <a:scrgbClr r="0" g="0" b="0"/>
+          </a:effectRef>
           <a:fontRef idx="minor"/>
         </p:style>
         <p:txBody>
-          <a:bodyPr lIns="90000" rIns="90000" tIns="45000" bIns="45000"/>
+          <a:bodyPr lIns="90000" tIns="45000" rIns="90000" bIns="45000"/>
+          <a:lstStyle/>
           <a:p>
             <a:pPr marL="285840" indent="-283320">
               <a:lnSpc>
@@ -4874,7 +5753,7 @@
               <a:buChar char="•"/>
             </a:pPr>
             <a:r>
-              <a:rPr b="0" lang="it-IT" sz="2000" spc="-1" strike="noStrike">
+              <a:rPr lang="it-IT" sz="2000" b="0" strike="noStrike" spc="-1">
                 <a:solidFill>
                   <a:srgbClr val="000000"/>
                 </a:solidFill>
@@ -4883,12 +5762,12 @@
               </a:rPr>
               <a:t>U.S. stock market stocks and ETFs historical data day by day, starting from 1971:</a:t>
             </a:r>
-            <a:endParaRPr b="0" lang="it-IT" sz="2000" spc="-1" strike="noStrike">
-              <a:latin typeface="Arial"/>
-            </a:endParaRPr>
-          </a:p>
-          <a:p>
-            <a:pPr lvl="2" marL="648000" indent="-215280">
+            <a:endParaRPr lang="it-IT" sz="2000" b="0" strike="noStrike" spc="-1">
+              <a:latin typeface="Arial"/>
+            </a:endParaRPr>
+          </a:p>
+          <a:p>
+            <a:pPr marL="648000" lvl="2" indent="-215280">
               <a:lnSpc>
                 <a:spcPct val="150000"/>
               </a:lnSpc>
@@ -4900,7 +5779,7 @@
               <a:buChar char=""/>
             </a:pPr>
             <a:r>
-              <a:rPr b="0" lang="it-IT" sz="2000" spc="-1" strike="noStrike">
+              <a:rPr lang="it-IT" sz="2000" b="0" strike="noStrike" spc="-1">
                 <a:solidFill>
                   <a:srgbClr val="000000"/>
                 </a:solidFill>
@@ -4909,7 +5788,7 @@
               </a:rPr>
               <a:t>open, high, low, close and adjusted close prices.</a:t>
             </a:r>
-            <a:endParaRPr b="0" lang="it-IT" sz="2000" spc="-1" strike="noStrike">
+            <a:endParaRPr lang="it-IT" sz="2000" b="0" strike="noStrike" spc="-1">
               <a:latin typeface="Arial"/>
             </a:endParaRPr>
           </a:p>
@@ -4925,7 +5804,7 @@
               <a:buChar char="•"/>
             </a:pPr>
             <a:r>
-              <a:rPr b="0" lang="it-IT" sz="2000" spc="-1" strike="noStrike">
+              <a:rPr lang="it-IT" sz="2000" b="0" strike="noStrike" spc="-1">
                 <a:solidFill>
                   <a:srgbClr val="000000"/>
                 </a:solidFill>
@@ -4934,7 +5813,7 @@
               </a:rPr>
               <a:t>Market indexes computation.</a:t>
             </a:r>
-            <a:endParaRPr b="0" lang="it-IT" sz="2000" spc="-1" strike="noStrike">
+            <a:endParaRPr lang="it-IT" sz="2000" b="0" strike="noStrike" spc="-1">
               <a:latin typeface="Arial"/>
             </a:endParaRPr>
           </a:p>
@@ -4950,7 +5829,7 @@
               <a:buChar char="•"/>
             </a:pPr>
             <a:r>
-              <a:rPr b="0" lang="it-IT" sz="2000" spc="-1" strike="noStrike">
+              <a:rPr lang="it-IT" sz="2000" b="0" strike="noStrike" spc="-1">
                 <a:solidFill>
                   <a:srgbClr val="000000"/>
                 </a:solidFill>
@@ -4959,7 +5838,7 @@
               </a:rPr>
               <a:t>Fast and reliable data retrieval and statistics computation.</a:t>
             </a:r>
-            <a:endParaRPr b="0" lang="it-IT" sz="2000" spc="-1" strike="noStrike">
+            <a:endParaRPr lang="it-IT" sz="2000" b="0" strike="noStrike" spc="-1">
               <a:latin typeface="Arial"/>
             </a:endParaRPr>
           </a:p>
@@ -4967,22 +5846,25 @@
       </p:sp>
     </p:spTree>
   </p:cSld>
+  <p:clrMapOvr>
+    <a:masterClrMapping/>
+  </p:clrMapOvr>
   <p:timing>
     <p:tnLst>
       <p:par>
-        <p:cTn id="13" dur="indefinite" restart="never" nodeType="tmRoot">
+        <p:cTn id="1" dur="indefinite" restart="never" nodeType="tmRoot">
           <p:childTnLst>
             <p:seq>
-              <p:cTn id="14" dur="indefinite" nodeType="mainSeq"/>
+              <p:cTn id="2" dur="indefinite" nodeType="mainSeq"/>
               <p:prevCondLst>
-                <p:cond delay="0" evt="onPrev">
+                <p:cond evt="onPrev" delay="0">
                   <p:tgtEl>
                     <p:sldTgt/>
                   </p:tgtEl>
                 </p:cond>
               </p:prevCondLst>
               <p:nextCondLst>
-                <p:cond delay="0" evt="onNext">
+                <p:cond evt="onNext" delay="0">
                   <p:tgtEl>
                     <p:sldTgt/>
                   </p:tgtEl>
@@ -4998,7 +5880,7 @@
 </file>
 
 <file path=ppt/slides/slide8.xml><?xml version="1.0" encoding="utf-8"?>
-<p:sld xmlns:a="http://schemas.openxmlformats.org/drawingml/2006/main" xmlns:p="http://schemas.openxmlformats.org/presentationml/2006/main" xmlns:r="http://schemas.openxmlformats.org/officeDocument/2006/relationships" xmlns:p14="http://schemas.microsoft.com/office/powerpoint/2010/main" xmlns:p15="http://schemas.microsoft.com/office/powerpoint/2012/main" xmlns:mc="http://schemas.openxmlformats.org/markup-compatibility/2006">
+<p:sld xmlns:a="http://schemas.openxmlformats.org/drawingml/2006/main" xmlns:r="http://schemas.openxmlformats.org/officeDocument/2006/relationships" xmlns:p="http://schemas.openxmlformats.org/presentationml/2006/main">
   <p:cSld>
     <p:spTree>
       <p:nvGrpSpPr>
@@ -5034,15 +5916,22 @@
           </a:ln>
         </p:spPr>
         <p:style>
-          <a:lnRef idx="0"/>
-          <a:fillRef idx="0"/>
-          <a:effectRef idx="0"/>
+          <a:lnRef idx="0">
+            <a:scrgbClr r="0" g="0" b="0"/>
+          </a:lnRef>
+          <a:fillRef idx="0">
+            <a:scrgbClr r="0" g="0" b="0"/>
+          </a:fillRef>
+          <a:effectRef idx="0">
+            <a:scrgbClr r="0" g="0" b="0"/>
+          </a:effectRef>
           <a:fontRef idx="minor"/>
         </p:style>
         <p:txBody>
-          <a:bodyPr lIns="90000" rIns="90000" tIns="45000" bIns="45000" anchor="ctr">
-            <a:normAutofit/>
+          <a:bodyPr lIns="90000" tIns="45000" rIns="90000" bIns="45000" anchor="ctr">
+            <a:normAutofit fontScale="92500" lnSpcReduction="20000"/>
           </a:bodyPr>
+          <a:lstStyle/>
           <a:p>
             <a:pPr algn="ctr">
               <a:lnSpc>
@@ -5050,7 +5939,7 @@
               </a:lnSpc>
             </a:pPr>
             <a:r>
-              <a:rPr b="0" lang="it-IT" sz="4400" spc="-1" strike="noStrike">
+              <a:rPr lang="it-IT" sz="4400" b="0" strike="noStrike" spc="-1" dirty="0">
                 <a:solidFill>
                   <a:srgbClr val="000000"/>
                 </a:solidFill>
@@ -5059,7 +5948,7 @@
               </a:rPr>
               <a:t>Software Architecture Preliminary Idea</a:t>
             </a:r>
-            <a:endParaRPr b="0" lang="it-IT" sz="4400" spc="-1" strike="noStrike">
+            <a:endParaRPr lang="it-IT" sz="4400" b="0" strike="noStrike" spc="-1" dirty="0">
               <a:latin typeface="Arial"/>
             </a:endParaRPr>
           </a:p>
@@ -5085,13 +5974,20 @@
           </a:ln>
         </p:spPr>
         <p:style>
-          <a:lnRef idx="0"/>
-          <a:fillRef idx="0"/>
-          <a:effectRef idx="0"/>
+          <a:lnRef idx="0">
+            <a:scrgbClr r="0" g="0" b="0"/>
+          </a:lnRef>
+          <a:fillRef idx="0">
+            <a:scrgbClr r="0" g="0" b="0"/>
+          </a:fillRef>
+          <a:effectRef idx="0">
+            <a:scrgbClr r="0" g="0" b="0"/>
+          </a:effectRef>
           <a:fontRef idx="minor"/>
         </p:style>
         <p:txBody>
-          <a:bodyPr lIns="90000" rIns="90000" tIns="45000" bIns="45000"/>
+          <a:bodyPr lIns="90000" tIns="45000" rIns="90000" bIns="45000"/>
+          <a:lstStyle/>
           <a:p>
             <a:pPr marL="285840" indent="-283320">
               <a:lnSpc>
@@ -5104,7 +6000,7 @@
               <a:buChar char="•"/>
             </a:pPr>
             <a:r>
-              <a:rPr b="0" lang="it-IT" sz="1800" spc="-1" strike="noStrike">
+              <a:rPr lang="it-IT" sz="1800" b="0" strike="noStrike" spc="-1" dirty="0">
                 <a:solidFill>
                   <a:srgbClr val="000000"/>
                 </a:solidFill>
@@ -5113,7 +6009,7 @@
               </a:rPr>
               <a:t>Java 8</a:t>
             </a:r>
-            <a:endParaRPr b="0" lang="it-IT" sz="1800" spc="-1" strike="noStrike">
+            <a:endParaRPr lang="it-IT" sz="1800" b="0" strike="noStrike" spc="-1" dirty="0">
               <a:latin typeface="Arial"/>
             </a:endParaRPr>
           </a:p>
@@ -5129,7 +6025,7 @@
               <a:buChar char="•"/>
             </a:pPr>
             <a:r>
-              <a:rPr b="0" lang="it-IT" sz="1800" spc="-1" strike="noStrike">
+              <a:rPr lang="it-IT" sz="1800" b="0" strike="noStrike" spc="-1" dirty="0">
                 <a:solidFill>
                   <a:srgbClr val="000000"/>
                 </a:solidFill>
@@ -5139,7 +6035,7 @@
               <a:t>Python (</a:t>
             </a:r>
             <a:r>
-              <a:rPr b="1" lang="it-IT" sz="1800" spc="-1" strike="noStrike">
+              <a:rPr lang="it-IT" sz="1800" b="1" strike="noStrike" spc="-1" dirty="0" err="1">
                 <a:solidFill>
                   <a:srgbClr val="000000"/>
                 </a:solidFill>
@@ -5149,16 +6045,36 @@
               <a:t>yfinance</a:t>
             </a:r>
             <a:r>
-              <a:rPr b="0" lang="it-IT" sz="1800" spc="-1" strike="noStrike">
+              <a:rPr lang="it-IT" sz="1800" b="0" strike="noStrike" spc="-1" dirty="0">
                 <a:solidFill>
                   <a:srgbClr val="000000"/>
                 </a:solidFill>
                 <a:latin typeface="Arial"/>
                 <a:ea typeface="DejaVu Sans"/>
               </a:rPr>
-              <a:t> module)</a:t>
-            </a:r>
-            <a:endParaRPr b="0" lang="it-IT" sz="1800" spc="-1" strike="noStrike">
+              <a:t> </a:t>
+            </a:r>
+            <a:r>
+              <a:rPr lang="it-IT" sz="1800" b="0" strike="noStrike" spc="-1" dirty="0" err="1">
+                <a:solidFill>
+                  <a:srgbClr val="000000"/>
+                </a:solidFill>
+                <a:latin typeface="Arial"/>
+                <a:ea typeface="DejaVu Sans"/>
+              </a:rPr>
+              <a:t>module</a:t>
+            </a:r>
+            <a:r>
+              <a:rPr lang="it-IT" sz="1800" b="0" strike="noStrike" spc="-1" dirty="0">
+                <a:solidFill>
+                  <a:srgbClr val="000000"/>
+                </a:solidFill>
+                <a:latin typeface="Arial"/>
+                <a:ea typeface="DejaVu Sans"/>
+              </a:rPr>
+              <a:t>)</a:t>
+            </a:r>
+            <a:endParaRPr lang="it-IT" sz="1800" b="0" strike="noStrike" spc="-1" dirty="0">
               <a:latin typeface="Arial"/>
             </a:endParaRPr>
           </a:p>
@@ -5174,16 +6090,26 @@
               <a:buChar char="•"/>
             </a:pPr>
             <a:r>
-              <a:rPr b="0" lang="it-IT" sz="1800" spc="-1" strike="noStrike">
+              <a:rPr lang="it-IT" sz="1800" b="0" strike="noStrike" spc="-1" dirty="0" err="1">
                 <a:solidFill>
                   <a:srgbClr val="000000"/>
                 </a:solidFill>
                 <a:latin typeface="Arial"/>
                 <a:ea typeface="DejaVu Sans"/>
               </a:rPr>
-              <a:t>IntelliJ IDEA</a:t>
-            </a:r>
-            <a:endParaRPr b="0" lang="it-IT" sz="1800" spc="-1" strike="noStrike">
+              <a:t>IntelliJ</a:t>
+            </a:r>
+            <a:r>
+              <a:rPr lang="it-IT" sz="1800" b="0" strike="noStrike" spc="-1" dirty="0">
+                <a:solidFill>
+                  <a:srgbClr val="000000"/>
+                </a:solidFill>
+                <a:latin typeface="Arial"/>
+                <a:ea typeface="DejaVu Sans"/>
+              </a:rPr>
+              <a:t> IDEA</a:t>
+            </a:r>
+            <a:endParaRPr lang="it-IT" sz="1800" b="0" strike="noStrike" spc="-1" dirty="0">
               <a:latin typeface="Arial"/>
             </a:endParaRPr>
           </a:p>
@@ -5199,7 +6125,7 @@
               <a:buChar char="•"/>
             </a:pPr>
             <a:r>
-              <a:rPr b="0" lang="it-IT" sz="1800" spc="-1" strike="noStrike">
+              <a:rPr lang="it-IT" sz="1800" b="0" strike="noStrike" spc="-1" dirty="0" err="1">
                 <a:solidFill>
                   <a:srgbClr val="000000"/>
                 </a:solidFill>
@@ -5208,7 +6134,7 @@
               </a:rPr>
               <a:t>Maven</a:t>
             </a:r>
-            <a:endParaRPr b="0" lang="it-IT" sz="1800" spc="-1" strike="noStrike">
+            <a:endParaRPr lang="it-IT" sz="1800" b="0" strike="noStrike" spc="-1" dirty="0">
               <a:latin typeface="Arial"/>
             </a:endParaRPr>
           </a:p>
@@ -5224,16 +6150,66 @@
               <a:buChar char="•"/>
             </a:pPr>
             <a:r>
-              <a:rPr b="0" lang="it-IT" sz="1800" spc="-1" strike="noStrike">
+              <a:rPr lang="it-IT" sz="1800" b="0" strike="noStrike" spc="-1" dirty="0" err="1">
                 <a:solidFill>
                   <a:srgbClr val="000000"/>
                 </a:solidFill>
                 <a:latin typeface="Arial"/>
                 <a:ea typeface="DejaVu Sans"/>
               </a:rPr>
-              <a:t>MongoDB (MongoDB Driver Sync)</a:t>
-            </a:r>
-            <a:endParaRPr b="0" lang="it-IT" sz="1800" spc="-1" strike="noStrike">
+              <a:t>MongoDB</a:t>
+            </a:r>
+            <a:r>
+              <a:rPr lang="it-IT" sz="1800" b="0" strike="noStrike" spc="-1" dirty="0">
+                <a:solidFill>
+                  <a:srgbClr val="000000"/>
+                </a:solidFill>
+                <a:latin typeface="Arial"/>
+                <a:ea typeface="DejaVu Sans"/>
+              </a:rPr>
+              <a:t> (</a:t>
+            </a:r>
+            <a:r>
+              <a:rPr lang="it-IT" sz="1800" b="0" strike="noStrike" spc="-1" dirty="0" err="1">
+                <a:solidFill>
+                  <a:srgbClr val="000000"/>
+                </a:solidFill>
+                <a:latin typeface="Arial"/>
+                <a:ea typeface="DejaVu Sans"/>
+              </a:rPr>
+              <a:t>MongoDB</a:t>
+            </a:r>
+            <a:r>
+              <a:rPr lang="it-IT" sz="1800" b="0" strike="noStrike" spc="-1" dirty="0">
+                <a:solidFill>
+                  <a:srgbClr val="000000"/>
+                </a:solidFill>
+                <a:latin typeface="Arial"/>
+                <a:ea typeface="DejaVu Sans"/>
+              </a:rPr>
+              <a:t> Driver </a:t>
+            </a:r>
+            <a:r>
+              <a:rPr lang="it-IT" sz="1800" b="0" strike="noStrike" spc="-1" dirty="0" err="1">
+                <a:solidFill>
+                  <a:srgbClr val="000000"/>
+                </a:solidFill>
+                <a:latin typeface="Arial"/>
+                <a:ea typeface="DejaVu Sans"/>
+              </a:rPr>
+              <a:t>Sync</a:t>
+            </a:r>
+            <a:r>
+              <a:rPr lang="it-IT" sz="1800" b="0" strike="noStrike" spc="-1" dirty="0">
+                <a:solidFill>
+                  <a:srgbClr val="000000"/>
+                </a:solidFill>
+                <a:latin typeface="Arial"/>
+                <a:ea typeface="DejaVu Sans"/>
+              </a:rPr>
+              <a:t>)</a:t>
+            </a:r>
+            <a:endParaRPr lang="it-IT" sz="1800" b="0" strike="noStrike" spc="-1" dirty="0">
               <a:latin typeface="Arial"/>
             </a:endParaRPr>
           </a:p>
@@ -5249,16 +6225,36 @@
               <a:buChar char="•"/>
             </a:pPr>
             <a:r>
-              <a:rPr b="0" lang="it-IT" sz="1800" spc="-1" strike="noStrike">
+              <a:rPr lang="it-IT" sz="1800" b="0" strike="noStrike" spc="-1" dirty="0">
                 <a:solidFill>
                   <a:srgbClr val="000000"/>
                 </a:solidFill>
                 <a:latin typeface="Arial"/>
                 <a:ea typeface="DejaVu Sans"/>
               </a:rPr>
-              <a:t>Apache Cassandra (Datastax Java Driver)</a:t>
-            </a:r>
-            <a:endParaRPr b="0" lang="it-IT" sz="1800" spc="-1" strike="noStrike">
+              <a:t>Apache Cassandra (</a:t>
+            </a:r>
+            <a:r>
+              <a:rPr lang="it-IT" sz="1800" b="0" strike="noStrike" spc="-1" dirty="0" err="1">
+                <a:solidFill>
+                  <a:srgbClr val="000000"/>
+                </a:solidFill>
+                <a:latin typeface="Arial"/>
+                <a:ea typeface="DejaVu Sans"/>
+              </a:rPr>
+              <a:t>Datastax</a:t>
+            </a:r>
+            <a:r>
+              <a:rPr lang="it-IT" sz="1800" b="0" strike="noStrike" spc="-1" dirty="0">
+                <a:solidFill>
+                  <a:srgbClr val="000000"/>
+                </a:solidFill>
+                <a:latin typeface="Arial"/>
+                <a:ea typeface="DejaVu Sans"/>
+              </a:rPr>
+              <a:t> Java Driver)</a:t>
+            </a:r>
+            <a:endParaRPr lang="it-IT" sz="1800" b="0" strike="noStrike" spc="-1" dirty="0">
               <a:latin typeface="Arial"/>
             </a:endParaRPr>
           </a:p>
@@ -5274,16 +6270,26 @@
               <a:buChar char="•"/>
             </a:pPr>
             <a:r>
-              <a:rPr b="0" lang="it-IT" sz="1800" spc="-1" strike="noStrike">
+              <a:rPr lang="it-IT" sz="1800" b="0" strike="noStrike" spc="-1" dirty="0" err="1">
                 <a:solidFill>
                   <a:srgbClr val="000000"/>
                 </a:solidFill>
                 <a:latin typeface="Arial"/>
                 <a:ea typeface="DejaVu Sans"/>
               </a:rPr>
-              <a:t>JfreeChart 1.5.1</a:t>
-            </a:r>
-            <a:endParaRPr b="0" lang="it-IT" sz="1800" spc="-1" strike="noStrike">
+              <a:t>JfreeChart</a:t>
+            </a:r>
+            <a:r>
+              <a:rPr lang="it-IT" sz="1800" b="0" strike="noStrike" spc="-1" dirty="0">
+                <a:solidFill>
+                  <a:srgbClr val="000000"/>
+                </a:solidFill>
+                <a:latin typeface="Arial"/>
+                <a:ea typeface="DejaVu Sans"/>
+              </a:rPr>
+              <a:t> 1.5.1</a:t>
+            </a:r>
+            <a:endParaRPr lang="it-IT" sz="1800" b="0" strike="noStrike" spc="-1" dirty="0">
               <a:latin typeface="Arial"/>
             </a:endParaRPr>
           </a:p>
@@ -5299,7 +6305,7 @@
               <a:buChar char="•"/>
             </a:pPr>
             <a:r>
-              <a:rPr b="0" lang="it-IT" sz="1800" spc="-1" strike="noStrike">
+              <a:rPr lang="it-IT" sz="1800" b="0" strike="noStrike" spc="-1" dirty="0">
                 <a:solidFill>
                   <a:srgbClr val="000000"/>
                 </a:solidFill>
@@ -5308,7 +6314,7 @@
               </a:rPr>
               <a:t>Log4j</a:t>
             </a:r>
-            <a:endParaRPr b="0" lang="it-IT" sz="1800" spc="-1" strike="noStrike">
+            <a:endParaRPr lang="it-IT" sz="1800" b="0" strike="noStrike" spc="-1" dirty="0">
               <a:latin typeface="Arial"/>
             </a:endParaRPr>
           </a:p>
@@ -5324,7 +6330,7 @@
               <a:buChar char="•"/>
             </a:pPr>
             <a:r>
-              <a:rPr b="0" lang="it-IT" sz="1800" spc="-1" strike="noStrike">
+              <a:rPr lang="it-IT" sz="1800" b="0" strike="noStrike" spc="-1" dirty="0" err="1">
                 <a:solidFill>
                   <a:srgbClr val="000000"/>
                 </a:solidFill>
@@ -5333,7 +6339,7 @@
               </a:rPr>
               <a:t>JUnit</a:t>
             </a:r>
-            <a:endParaRPr b="0" lang="it-IT" sz="1800" spc="-1" strike="noStrike">
+            <a:endParaRPr lang="it-IT" sz="1800" b="0" strike="noStrike" spc="-1" dirty="0">
               <a:latin typeface="Arial"/>
             </a:endParaRPr>
           </a:p>
@@ -5349,7 +6355,7 @@
               <a:buChar char="•"/>
             </a:pPr>
             <a:r>
-              <a:rPr b="0" lang="it-IT" sz="1800" spc="-1" strike="noStrike">
+              <a:rPr lang="it-IT" sz="1800" b="0" strike="noStrike" spc="-1" dirty="0" err="1">
                 <a:solidFill>
                   <a:srgbClr val="000000"/>
                 </a:solidFill>
@@ -5358,7 +6364,7 @@
               </a:rPr>
               <a:t>Git</a:t>
             </a:r>
-            <a:endParaRPr b="0" lang="it-IT" sz="1800" spc="-1" strike="noStrike">
+            <a:endParaRPr lang="it-IT" sz="1800" b="0" strike="noStrike" spc="-1" dirty="0">
               <a:latin typeface="Arial"/>
             </a:endParaRPr>
           </a:p>
@@ -5366,30 +6372,7 @@
       </p:sp>
       <p:pic>
         <p:nvPicPr>
-          <p:cNvPr id="98" name="log4j_logo" descr=""/>
-          <p:cNvPicPr/>
-          <p:nvPr/>
-        </p:nvPicPr>
-        <p:blipFill>
-          <a:blip r:embed="rId1"/>
-          <a:stretch/>
-        </p:blipFill>
-        <p:spPr>
-          <a:xfrm>
-            <a:off x="3532680" y="4258080"/>
-            <a:ext cx="1357200" cy="520920"/>
-          </a:xfrm>
-          <a:prstGeom prst="rect">
-            <a:avLst/>
-          </a:prstGeom>
-          <a:ln>
-            <a:noFill/>
-          </a:ln>
-        </p:spPr>
-      </p:pic>
-      <p:pic>
-        <p:nvPicPr>
-          <p:cNvPr id="99" name="cassandra_logo" descr=""/>
+          <p:cNvPr id="98" name="log4j_logo"/>
           <p:cNvPicPr/>
           <p:nvPr/>
         </p:nvPicPr>
@@ -5399,8 +6382,8 @@
         </p:blipFill>
         <p:spPr>
           <a:xfrm>
-            <a:off x="7503120" y="3850200"/>
-            <a:ext cx="1262160" cy="845640"/>
+            <a:off x="3532680" y="4258080"/>
+            <a:ext cx="1357200" cy="520920"/>
           </a:xfrm>
           <a:prstGeom prst="rect">
             <a:avLst/>
@@ -5412,7 +6395,7 @@
       </p:pic>
       <p:pic>
         <p:nvPicPr>
-          <p:cNvPr id="100" name="git_logo" descr=""/>
+          <p:cNvPr id="99" name="cassandra_logo"/>
           <p:cNvPicPr/>
           <p:nvPr/>
         </p:nvPicPr>
@@ -5422,8 +6405,8 @@
         </p:blipFill>
         <p:spPr>
           <a:xfrm>
-            <a:off x="7107120" y="4955040"/>
-            <a:ext cx="1235880" cy="520920"/>
+            <a:off x="7503120" y="3850200"/>
+            <a:ext cx="1262160" cy="845640"/>
           </a:xfrm>
           <a:prstGeom prst="rect">
             <a:avLst/>
@@ -5435,7 +6418,7 @@
       </p:pic>
       <p:pic>
         <p:nvPicPr>
-          <p:cNvPr id="101" name="intellijidea_logo" descr=""/>
+          <p:cNvPr id="100" name="git_logo"/>
           <p:cNvPicPr/>
           <p:nvPr/>
         </p:nvPicPr>
@@ -5445,8 +6428,8 @@
         </p:blipFill>
         <p:spPr>
           <a:xfrm>
-            <a:off x="5639760" y="1450800"/>
-            <a:ext cx="665640" cy="665640"/>
+            <a:off x="7107120" y="4955040"/>
+            <a:ext cx="1235880" cy="520920"/>
           </a:xfrm>
           <a:prstGeom prst="rect">
             <a:avLst/>
@@ -5458,7 +6441,7 @@
       </p:pic>
       <p:pic>
         <p:nvPicPr>
-          <p:cNvPr id="102" name="java_logo" descr=""/>
+          <p:cNvPr id="101" name="intellijidea_logo"/>
           <p:cNvPicPr/>
           <p:nvPr/>
         </p:nvPicPr>
@@ -5468,8 +6451,8 @@
         </p:blipFill>
         <p:spPr>
           <a:xfrm>
-            <a:off x="4211640" y="1156680"/>
-            <a:ext cx="633960" cy="1181160"/>
+            <a:off x="5639760" y="1450800"/>
+            <a:ext cx="665640" cy="665640"/>
           </a:xfrm>
           <a:prstGeom prst="rect">
             <a:avLst/>
@@ -5481,7 +6464,7 @@
       </p:pic>
       <p:pic>
         <p:nvPicPr>
-          <p:cNvPr id="103" name="JUnit_logo" descr=""/>
+          <p:cNvPr id="102" name="java_logo"/>
           <p:cNvPicPr/>
           <p:nvPr/>
         </p:nvPicPr>
@@ -5491,8 +6474,8 @@
         </p:blipFill>
         <p:spPr>
           <a:xfrm>
-            <a:off x="5191560" y="4649040"/>
-            <a:ext cx="1351080" cy="411840"/>
+            <a:off x="4183145" y="1375172"/>
+            <a:ext cx="633960" cy="1181160"/>
           </a:xfrm>
           <a:prstGeom prst="rect">
             <a:avLst/>
@@ -5504,7 +6487,7 @@
       </p:pic>
       <p:pic>
         <p:nvPicPr>
-          <p:cNvPr id="104" name="maven_logo" descr=""/>
+          <p:cNvPr id="103" name="JUnit_logo"/>
           <p:cNvPicPr/>
           <p:nvPr/>
         </p:nvPicPr>
@@ -5514,8 +6497,8 @@
         </p:blipFill>
         <p:spPr>
           <a:xfrm>
-            <a:off x="6975720" y="1584360"/>
-            <a:ext cx="1840680" cy="464760"/>
+            <a:off x="5191560" y="4649040"/>
+            <a:ext cx="1351080" cy="411840"/>
           </a:xfrm>
           <a:prstGeom prst="rect">
             <a:avLst/>
@@ -5527,7 +6510,7 @@
       </p:pic>
       <p:pic>
         <p:nvPicPr>
-          <p:cNvPr id="105" name="mongodb_logo" descr=""/>
+          <p:cNvPr id="104" name="maven_logo"/>
           <p:cNvPicPr/>
           <p:nvPr/>
         </p:nvPicPr>
@@ -5537,8 +6520,8 @@
         </p:blipFill>
         <p:spPr>
           <a:xfrm>
-            <a:off x="5379120" y="3440160"/>
-            <a:ext cx="1935720" cy="520920"/>
+            <a:off x="6975720" y="1584360"/>
+            <a:ext cx="1840680" cy="464760"/>
           </a:xfrm>
           <a:prstGeom prst="rect">
             <a:avLst/>
@@ -5550,7 +6533,7 @@
       </p:pic>
       <p:pic>
         <p:nvPicPr>
-          <p:cNvPr id="106" name="python_logo" descr=""/>
+          <p:cNvPr id="105" name="mongodb_logo"/>
           <p:cNvPicPr/>
           <p:nvPr/>
         </p:nvPicPr>
@@ -5560,8 +6543,8 @@
         </p:blipFill>
         <p:spPr>
           <a:xfrm>
-            <a:off x="5191560" y="2356200"/>
-            <a:ext cx="2310480" cy="681840"/>
+            <a:off x="5379120" y="3440160"/>
+            <a:ext cx="1935720" cy="520920"/>
           </a:xfrm>
           <a:prstGeom prst="rect">
             <a:avLst/>
@@ -5573,7 +6556,7 @@
       </p:pic>
       <p:pic>
         <p:nvPicPr>
-          <p:cNvPr id="107" name="yahoofinance_logo" descr=""/>
+          <p:cNvPr id="106" name="python_logo"/>
           <p:cNvPicPr/>
           <p:nvPr/>
         </p:nvPicPr>
@@ -5583,8 +6566,8 @@
         </p:blipFill>
         <p:spPr>
           <a:xfrm>
-            <a:off x="7214400" y="2839320"/>
-            <a:ext cx="1765440" cy="895680"/>
+            <a:off x="5191560" y="2356200"/>
+            <a:ext cx="2310480" cy="681840"/>
           </a:xfrm>
           <a:prstGeom prst="rect">
             <a:avLst/>
@@ -5594,24 +6577,136 @@
           </a:ln>
         </p:spPr>
       </p:pic>
+      <p:pic>
+        <p:nvPicPr>
+          <p:cNvPr id="107" name="yahoofinance_logo"/>
+          <p:cNvPicPr/>
+          <p:nvPr/>
+        </p:nvPicPr>
+        <p:blipFill>
+          <a:blip r:embed="rId11"/>
+          <a:stretch/>
+        </p:blipFill>
+        <p:spPr>
+          <a:xfrm>
+            <a:off x="7214400" y="2839320"/>
+            <a:ext cx="1765440" cy="895680"/>
+          </a:xfrm>
+          <a:prstGeom prst="rect">
+            <a:avLst/>
+          </a:prstGeom>
+          <a:ln>
+            <a:noFill/>
+          </a:ln>
+        </p:spPr>
+      </p:pic>
+      <p:pic>
+        <p:nvPicPr>
+          <p:cNvPr id="13" name="Immagine 12">
+            <a:extLst>
+              <a:ext uri="{FF2B5EF4-FFF2-40B4-BE49-F238E27FC236}">
+                <a16:creationId xmlns:a16="http://schemas.microsoft.com/office/drawing/2014/main" id="{C2412788-6C17-4E49-AE42-075F4C29F3B0}"/>
+              </a:ext>
+            </a:extLst>
+          </p:cNvPr>
+          <p:cNvPicPr>
+            <a:picLocks noChangeAspect="1"/>
+          </p:cNvPicPr>
+          <p:nvPr/>
+        </p:nvPicPr>
+        <p:blipFill rotWithShape="1">
+          <a:blip r:embed="rId12">
+            <a:extLst>
+              <a:ext uri="{28A0092B-C50C-407E-A947-70E740481C1C}">
+                <a14:useLocalDpi xmlns:a14="http://schemas.microsoft.com/office/drawing/2010/main" val="0"/>
+              </a:ext>
+            </a:extLst>
+          </a:blip>
+          <a:srcRect t="32190" b="9853"/>
+          <a:stretch/>
+        </p:blipFill>
+        <p:spPr>
+          <a:xfrm>
+            <a:off x="2322961" y="5215500"/>
+            <a:ext cx="1451001" cy="840953"/>
+          </a:xfrm>
+          <a:prstGeom prst="rect">
+            <a:avLst/>
+          </a:prstGeom>
+        </p:spPr>
+      </p:pic>
+      <p:sp>
+        <p:nvSpPr>
+          <p:cNvPr id="14" name="CasellaDiTesto 13">
+            <a:extLst>
+              <a:ext uri="{FF2B5EF4-FFF2-40B4-BE49-F238E27FC236}">
+                <a16:creationId xmlns:a16="http://schemas.microsoft.com/office/drawing/2014/main" id="{8EEC4CDE-4B81-4ECA-82F3-78DD45CE1741}"/>
+              </a:ext>
+            </a:extLst>
+          </p:cNvPr>
+          <p:cNvSpPr txBox="1"/>
+          <p:nvPr/>
+        </p:nvSpPr>
+        <p:spPr>
+          <a:xfrm>
+            <a:off x="2312714" y="4851369"/>
+            <a:ext cx="1451000" cy="338554"/>
+          </a:xfrm>
+          <a:prstGeom prst="rect">
+            <a:avLst/>
+          </a:prstGeom>
+          <a:noFill/>
+          <a:ln w="12700">
+            <a:noFill/>
+          </a:ln>
+        </p:spPr>
+        <p:txBody>
+          <a:bodyPr wrap="square" rtlCol="0">
+            <a:spAutoFit/>
+          </a:bodyPr>
+          <a:lstStyle/>
+          <a:p>
+            <a:r>
+              <a:rPr lang="it-IT" sz="1600" b="1" dirty="0" err="1">
+                <a:solidFill>
+                  <a:srgbClr val="2A7BCC"/>
+                </a:solidFill>
+                <a:latin typeface="Verdana" panose="020B0604030504040204" pitchFamily="34" charset="0"/>
+                <a:ea typeface="Verdana" panose="020B0604030504040204" pitchFamily="34" charset="0"/>
+              </a:rPr>
+              <a:t>JFreeChart</a:t>
+            </a:r>
+            <a:endParaRPr lang="it-IT" b="1" dirty="0">
+              <a:solidFill>
+                <a:srgbClr val="2A7BCC"/>
+              </a:solidFill>
+              <a:latin typeface="Verdana" panose="020B0604030504040204" pitchFamily="34" charset="0"/>
+              <a:ea typeface="Verdana" panose="020B0604030504040204" pitchFamily="34" charset="0"/>
+            </a:endParaRPr>
+          </a:p>
+        </p:txBody>
+      </p:sp>
     </p:spTree>
   </p:cSld>
+  <p:clrMapOvr>
+    <a:masterClrMapping/>
+  </p:clrMapOvr>
   <p:timing>
     <p:tnLst>
       <p:par>
-        <p:cTn id="15" dur="indefinite" restart="never" nodeType="tmRoot">
+        <p:cTn id="1" dur="indefinite" restart="never" nodeType="tmRoot">
           <p:childTnLst>
             <p:seq>
-              <p:cTn id="16" dur="indefinite" nodeType="mainSeq"/>
+              <p:cTn id="2" dur="indefinite" nodeType="mainSeq"/>
               <p:prevCondLst>
-                <p:cond delay="0" evt="onPrev">
+                <p:cond evt="onPrev" delay="0">
                   <p:tgtEl>
                     <p:sldTgt/>
                   </p:tgtEl>
                 </p:cond>
               </p:prevCondLst>
               <p:nextCondLst>
-                <p:cond delay="0" evt="onNext">
+                <p:cond evt="onNext" delay="0">
                   <p:tgtEl>
                     <p:sldTgt/>
                   </p:tgtEl>
@@ -5637,31 +6732,31 @@
         <a:sysClr val="window" lastClr="FFFFFF"/>
       </a:lt1>
       <a:dk2>
-        <a:srgbClr val="1f497d"/>
+        <a:srgbClr val="1F497D"/>
       </a:dk2>
       <a:lt2>
-        <a:srgbClr val="eeece1"/>
+        <a:srgbClr val="EEECE1"/>
       </a:lt2>
       <a:accent1>
-        <a:srgbClr val="4f81bd"/>
+        <a:srgbClr val="4F81BD"/>
       </a:accent1>
       <a:accent2>
-        <a:srgbClr val="c0504d"/>
+        <a:srgbClr val="C0504D"/>
       </a:accent2>
       <a:accent3>
-        <a:srgbClr val="9bbb59"/>
+        <a:srgbClr val="9BBB59"/>
       </a:accent3>
       <a:accent4>
-        <a:srgbClr val="8064a2"/>
+        <a:srgbClr val="8064A2"/>
       </a:accent4>
       <a:accent5>
-        <a:srgbClr val="4bacc6"/>
+        <a:srgbClr val="4BACC6"/>
       </a:accent5>
       <a:accent6>
-        <a:srgbClr val="f79646"/>
+        <a:srgbClr val="F79646"/>
       </a:accent6>
       <a:hlink>
-        <a:srgbClr val="0000ff"/>
+        <a:srgbClr val="0000FF"/>
       </a:hlink>
       <a:folHlink>
         <a:srgbClr val="800080"/>
@@ -5846,6 +6941,8 @@
       </a:bgFillStyleLst>
     </a:fmtScheme>
   </a:themeElements>
+  <a:objectDefaults/>
+  <a:extraClrSchemeLst/>
 </a:theme>
 </file>
 
@@ -5860,31 +6957,31 @@
         <a:sysClr val="window" lastClr="FFFFFF"/>
       </a:lt1>
       <a:dk2>
-        <a:srgbClr val="1f497d"/>
+        <a:srgbClr val="1F497D"/>
       </a:dk2>
       <a:lt2>
-        <a:srgbClr val="eeece1"/>
+        <a:srgbClr val="EEECE1"/>
       </a:lt2>
       <a:accent1>
-        <a:srgbClr val="4f81bd"/>
+        <a:srgbClr val="4F81BD"/>
       </a:accent1>
       <a:accent2>
-        <a:srgbClr val="c0504d"/>
+        <a:srgbClr val="C0504D"/>
       </a:accent2>
       <a:accent3>
-        <a:srgbClr val="9bbb59"/>
+        <a:srgbClr val="9BBB59"/>
       </a:accent3>
       <a:accent4>
-        <a:srgbClr val="8064a2"/>
+        <a:srgbClr val="8064A2"/>
       </a:accent4>
       <a:accent5>
-        <a:srgbClr val="4bacc6"/>
+        <a:srgbClr val="4BACC6"/>
       </a:accent5>
       <a:accent6>
-        <a:srgbClr val="f79646"/>
+        <a:srgbClr val="F79646"/>
       </a:accent6>
       <a:hlink>
-        <a:srgbClr val="0000ff"/>
+        <a:srgbClr val="0000FF"/>
       </a:hlink>
       <a:folHlink>
         <a:srgbClr val="800080"/>
@@ -6069,5 +7166,7 @@
       </a:bgFillStyleLst>
     </a:fmtScheme>
   </a:themeElements>
+  <a:objectDefaults/>
+  <a:extraClrSchemeLst/>
 </a:theme>
 </file>
--- a/documentation/stocksim_preliminary_presentation.pptx
+++ b/documentation/stocksim_preliminary_presentation.pptx
@@ -1,122 +1,27 @@
 
 <file path=ppt/presentation.xml><?xml version="1.0" encoding="utf-8"?>
-<p:presentation xmlns:a="http://schemas.openxmlformats.org/drawingml/2006/main" xmlns:r="http://schemas.openxmlformats.org/officeDocument/2006/relationships" xmlns:p="http://schemas.openxmlformats.org/presentationml/2006/main">
+<p:presentation xmlns:a="http://schemas.openxmlformats.org/drawingml/2006/main" xmlns:p="http://schemas.openxmlformats.org/presentationml/2006/main" xmlns:r="http://schemas.openxmlformats.org/officeDocument/2006/relationships" xmlns:p14="http://schemas.microsoft.com/office/powerpoint/2010/main" xmlns:p15="http://schemas.microsoft.com/office/powerpoint/2012/main" xmlns:mc="http://schemas.openxmlformats.org/markup-compatibility/2006">
   <p:sldMasterIdLst>
-    <p:sldMasterId id="2147483648" r:id="rId1"/>
-    <p:sldMasterId id="2147483661" r:id="rId2"/>
+    <p:sldMasterId id="2147483648" r:id="rId2"/>
+    <p:sldMasterId id="2147483661" r:id="rId3"/>
   </p:sldMasterIdLst>
   <p:sldIdLst>
-    <p:sldId id="256" r:id="rId3"/>
-    <p:sldId id="257" r:id="rId4"/>
-    <p:sldId id="258" r:id="rId5"/>
-    <p:sldId id="259" r:id="rId6"/>
-    <p:sldId id="260" r:id="rId7"/>
-    <p:sldId id="261" r:id="rId8"/>
-    <p:sldId id="262" r:id="rId9"/>
-    <p:sldId id="263" r:id="rId10"/>
+    <p:sldId id="256" r:id="rId4"/>
+    <p:sldId id="257" r:id="rId5"/>
+    <p:sldId id="258" r:id="rId6"/>
+    <p:sldId id="259" r:id="rId7"/>
+    <p:sldId id="260" r:id="rId8"/>
+    <p:sldId id="261" r:id="rId9"/>
+    <p:sldId id="262" r:id="rId10"/>
+    <p:sldId id="263" r:id="rId11"/>
   </p:sldIdLst>
-  <p:sldSz cx="9144000" cy="6858000" type="screen4x3"/>
-  <p:notesSz cx="7559675" cy="10691813"/>
-  <p:defaultTextStyle>
-    <a:defPPr>
-      <a:defRPr lang="it-IT"/>
-    </a:defPPr>
-    <a:lvl1pPr marL="0" algn="l" defTabSz="914400" rtl="0" eaLnBrk="1" latinLnBrk="0" hangingPunct="1">
-      <a:defRPr sz="1800" kern="1200">
-        <a:solidFill>
-          <a:schemeClr val="tx1"/>
-        </a:solidFill>
-        <a:latin typeface="+mn-lt"/>
-        <a:ea typeface="+mn-ea"/>
-        <a:cs typeface="+mn-cs"/>
-      </a:defRPr>
-    </a:lvl1pPr>
-    <a:lvl2pPr marL="457200" algn="l" defTabSz="914400" rtl="0" eaLnBrk="1" latinLnBrk="0" hangingPunct="1">
-      <a:defRPr sz="1800" kern="1200">
-        <a:solidFill>
-          <a:schemeClr val="tx1"/>
-        </a:solidFill>
-        <a:latin typeface="+mn-lt"/>
-        <a:ea typeface="+mn-ea"/>
-        <a:cs typeface="+mn-cs"/>
-      </a:defRPr>
-    </a:lvl2pPr>
-    <a:lvl3pPr marL="914400" algn="l" defTabSz="914400" rtl="0" eaLnBrk="1" latinLnBrk="0" hangingPunct="1">
-      <a:defRPr sz="1800" kern="1200">
-        <a:solidFill>
-          <a:schemeClr val="tx1"/>
-        </a:solidFill>
-        <a:latin typeface="+mn-lt"/>
-        <a:ea typeface="+mn-ea"/>
-        <a:cs typeface="+mn-cs"/>
-      </a:defRPr>
-    </a:lvl3pPr>
-    <a:lvl4pPr marL="1371600" algn="l" defTabSz="914400" rtl="0" eaLnBrk="1" latinLnBrk="0" hangingPunct="1">
-      <a:defRPr sz="1800" kern="1200">
-        <a:solidFill>
-          <a:schemeClr val="tx1"/>
-        </a:solidFill>
-        <a:latin typeface="+mn-lt"/>
-        <a:ea typeface="+mn-ea"/>
-        <a:cs typeface="+mn-cs"/>
-      </a:defRPr>
-    </a:lvl4pPr>
-    <a:lvl5pPr marL="1828800" algn="l" defTabSz="914400" rtl="0" eaLnBrk="1" latinLnBrk="0" hangingPunct="1">
-      <a:defRPr sz="1800" kern="1200">
-        <a:solidFill>
-          <a:schemeClr val="tx1"/>
-        </a:solidFill>
-        <a:latin typeface="+mn-lt"/>
-        <a:ea typeface="+mn-ea"/>
-        <a:cs typeface="+mn-cs"/>
-      </a:defRPr>
-    </a:lvl5pPr>
-    <a:lvl6pPr marL="2286000" algn="l" defTabSz="914400" rtl="0" eaLnBrk="1" latinLnBrk="0" hangingPunct="1">
-      <a:defRPr sz="1800" kern="1200">
-        <a:solidFill>
-          <a:schemeClr val="tx1"/>
-        </a:solidFill>
-        <a:latin typeface="+mn-lt"/>
-        <a:ea typeface="+mn-ea"/>
-        <a:cs typeface="+mn-cs"/>
-      </a:defRPr>
-    </a:lvl6pPr>
-    <a:lvl7pPr marL="2743200" algn="l" defTabSz="914400" rtl="0" eaLnBrk="1" latinLnBrk="0" hangingPunct="1">
-      <a:defRPr sz="1800" kern="1200">
-        <a:solidFill>
-          <a:schemeClr val="tx1"/>
-        </a:solidFill>
-        <a:latin typeface="+mn-lt"/>
-        <a:ea typeface="+mn-ea"/>
-        <a:cs typeface="+mn-cs"/>
-      </a:defRPr>
-    </a:lvl7pPr>
-    <a:lvl8pPr marL="3200400" algn="l" defTabSz="914400" rtl="0" eaLnBrk="1" latinLnBrk="0" hangingPunct="1">
-      <a:defRPr sz="1800" kern="1200">
-        <a:solidFill>
-          <a:schemeClr val="tx1"/>
-        </a:solidFill>
-        <a:latin typeface="+mn-lt"/>
-        <a:ea typeface="+mn-ea"/>
-        <a:cs typeface="+mn-cs"/>
-      </a:defRPr>
-    </a:lvl8pPr>
-    <a:lvl9pPr marL="3657600" algn="l" defTabSz="914400" rtl="0" eaLnBrk="1" latinLnBrk="0" hangingPunct="1">
-      <a:defRPr sz="1800" kern="1200">
-        <a:solidFill>
-          <a:schemeClr val="tx1"/>
-        </a:solidFill>
-        <a:latin typeface="+mn-lt"/>
-        <a:ea typeface="+mn-ea"/>
-        <a:cs typeface="+mn-cs"/>
-      </a:defRPr>
-    </a:lvl9pPr>
-  </p:defaultTextStyle>
+  <p:sldSz cx="9144000" cy="6858000"/>
+  <p:notesSz cx="7559675" cy="10691812"/>
 </p:presentation>
 </file>
 
 <file path=ppt/slideLayouts/slideLayout1.xml><?xml version="1.0" encoding="utf-8"?>
-<p:sldLayout xmlns:a="http://schemas.openxmlformats.org/drawingml/2006/main" xmlns:r="http://schemas.openxmlformats.org/officeDocument/2006/relationships" xmlns:p="http://schemas.openxmlformats.org/presentationml/2006/main" type="blank" preserve="1">
+<p:sldLayout xmlns:a="http://schemas.openxmlformats.org/drawingml/2006/main" xmlns:p="http://schemas.openxmlformats.org/presentationml/2006/main" xmlns:r="http://schemas.openxmlformats.org/officeDocument/2006/relationships" xmlns:p14="http://schemas.microsoft.com/office/powerpoint/2010/main" xmlns:p15="http://schemas.microsoft.com/office/powerpoint/2012/main" xmlns:mc="http://schemas.openxmlformats.org/markup-compatibility/2006" type="blank" preserve="1">
   <p:cSld name="Blank Slide">
     <p:spTree>
       <p:nvGrpSpPr>
@@ -134,14 +39,11 @@
       </p:grpSpPr>
     </p:spTree>
   </p:cSld>
-  <p:clrMapOvr>
-    <a:masterClrMapping/>
-  </p:clrMapOvr>
 </p:sldLayout>
 </file>
 
 <file path=ppt/slideLayouts/slideLayout10.xml><?xml version="1.0" encoding="utf-8"?>
-<p:sldLayout xmlns:a="http://schemas.openxmlformats.org/drawingml/2006/main" xmlns:r="http://schemas.openxmlformats.org/officeDocument/2006/relationships" xmlns:p="http://schemas.openxmlformats.org/presentationml/2006/main" type="objOverTx" preserve="1">
+<p:sldLayout xmlns:a="http://schemas.openxmlformats.org/drawingml/2006/main" xmlns:p="http://schemas.openxmlformats.org/presentationml/2006/main" xmlns:r="http://schemas.openxmlformats.org/officeDocument/2006/relationships" xmlns:p14="http://schemas.microsoft.com/office/powerpoint/2010/main" xmlns:p15="http://schemas.microsoft.com/office/powerpoint/2012/main" xmlns:mc="http://schemas.openxmlformats.org/markup-compatibility/2006" type="objOverTx" preserve="1">
   <p:cSld name="Title, Content over Content">
     <p:spTree>
       <p:nvGrpSpPr>
@@ -170,18 +72,19 @@
         <p:spPr>
           <a:xfrm>
             <a:off x="182880" y="90000"/>
-            <a:ext cx="8759160" cy="1140480"/>
-          </a:xfrm>
-          <a:prstGeom prst="rect">
-            <a:avLst/>
-          </a:prstGeom>
-        </p:spPr>
-        <p:txBody>
-          <a:bodyPr lIns="0" tIns="0" rIns="0" bIns="0" anchor="ctr"/>
-          <a:lstStyle/>
-          <a:p>
-            <a:pPr algn="ctr"/>
-            <a:endParaRPr lang="it-IT" sz="4400" b="0" strike="noStrike" spc="-1">
+            <a:ext cx="8758800" cy="1140120"/>
+          </a:xfrm>
+          <a:prstGeom prst="rect">
+            <a:avLst/>
+          </a:prstGeom>
+        </p:spPr>
+        <p:txBody>
+          <a:bodyPr lIns="0" rIns="0" tIns="0" bIns="0" anchor="ctr"/>
+          <a:p>
+            <a:endParaRPr b="0" lang="it-IT" sz="1800" spc="-1" strike="noStrike">
+              <a:solidFill>
+                <a:srgbClr val="000000"/>
+              </a:solidFill>
               <a:latin typeface="Arial"/>
             </a:endParaRPr>
           </a:p>
@@ -207,12 +110,14 @@
           </a:prstGeom>
         </p:spPr>
         <p:txBody>
-          <a:bodyPr lIns="0" tIns="0" rIns="0" bIns="0">
+          <a:bodyPr lIns="0" rIns="0" tIns="0" bIns="0">
             <a:normAutofit/>
           </a:bodyPr>
-          <a:lstStyle/>
-          <a:p>
-            <a:endParaRPr lang="it-IT" sz="3200" b="0" strike="noStrike" spc="-1">
+          <a:p>
+            <a:endParaRPr b="0" lang="it-IT" sz="2800" spc="-1" strike="noStrike">
+              <a:solidFill>
+                <a:srgbClr val="000000"/>
+              </a:solidFill>
               <a:latin typeface="Arial"/>
             </a:endParaRPr>
           </a:p>
@@ -238,12 +143,14 @@
           </a:prstGeom>
         </p:spPr>
         <p:txBody>
-          <a:bodyPr lIns="0" tIns="0" rIns="0" bIns="0">
+          <a:bodyPr lIns="0" rIns="0" tIns="0" bIns="0">
             <a:normAutofit/>
           </a:bodyPr>
-          <a:lstStyle/>
-          <a:p>
-            <a:endParaRPr lang="it-IT" sz="3200" b="0" strike="noStrike" spc="-1">
+          <a:p>
+            <a:endParaRPr b="0" lang="it-IT" sz="2800" spc="-1" strike="noStrike">
+              <a:solidFill>
+                <a:srgbClr val="000000"/>
+              </a:solidFill>
               <a:latin typeface="Arial"/>
             </a:endParaRPr>
           </a:p>
@@ -251,14 +158,11 @@
       </p:sp>
     </p:spTree>
   </p:cSld>
-  <p:clrMapOvr>
-    <a:masterClrMapping/>
-  </p:clrMapOvr>
 </p:sldLayout>
 </file>
 
 <file path=ppt/slideLayouts/slideLayout11.xml><?xml version="1.0" encoding="utf-8"?>
-<p:sldLayout xmlns:a="http://schemas.openxmlformats.org/drawingml/2006/main" xmlns:r="http://schemas.openxmlformats.org/officeDocument/2006/relationships" xmlns:p="http://schemas.openxmlformats.org/presentationml/2006/main" type="fourObj" preserve="1">
+<p:sldLayout xmlns:a="http://schemas.openxmlformats.org/drawingml/2006/main" xmlns:p="http://schemas.openxmlformats.org/presentationml/2006/main" xmlns:r="http://schemas.openxmlformats.org/officeDocument/2006/relationships" xmlns:p14="http://schemas.microsoft.com/office/powerpoint/2010/main" xmlns:p15="http://schemas.microsoft.com/office/powerpoint/2012/main" xmlns:mc="http://schemas.openxmlformats.org/markup-compatibility/2006" type="fourObj" preserve="1">
   <p:cSld name="Title, 4 Content">
     <p:spTree>
       <p:nvGrpSpPr>
@@ -287,18 +191,19 @@
         <p:spPr>
           <a:xfrm>
             <a:off x="182880" y="90000"/>
-            <a:ext cx="8759160" cy="1140480"/>
-          </a:xfrm>
-          <a:prstGeom prst="rect">
-            <a:avLst/>
-          </a:prstGeom>
-        </p:spPr>
-        <p:txBody>
-          <a:bodyPr lIns="0" tIns="0" rIns="0" bIns="0" anchor="ctr"/>
-          <a:lstStyle/>
-          <a:p>
-            <a:pPr algn="ctr"/>
-            <a:endParaRPr lang="it-IT" sz="4400" b="0" strike="noStrike" spc="-1">
+            <a:ext cx="8758800" cy="1140120"/>
+          </a:xfrm>
+          <a:prstGeom prst="rect">
+            <a:avLst/>
+          </a:prstGeom>
+        </p:spPr>
+        <p:txBody>
+          <a:bodyPr lIns="0" rIns="0" tIns="0" bIns="0" anchor="ctr"/>
+          <a:p>
+            <a:endParaRPr b="0" lang="it-IT" sz="1800" spc="-1" strike="noStrike">
+              <a:solidFill>
+                <a:srgbClr val="000000"/>
+              </a:solidFill>
               <a:latin typeface="Arial"/>
             </a:endParaRPr>
           </a:p>
@@ -324,12 +229,14 @@
           </a:prstGeom>
         </p:spPr>
         <p:txBody>
-          <a:bodyPr lIns="0" tIns="0" rIns="0" bIns="0">
+          <a:bodyPr lIns="0" rIns="0" tIns="0" bIns="0">
             <a:normAutofit/>
           </a:bodyPr>
-          <a:lstStyle/>
-          <a:p>
-            <a:endParaRPr lang="it-IT" sz="3200" b="0" strike="noStrike" spc="-1">
+          <a:p>
+            <a:endParaRPr b="0" lang="it-IT" sz="2800" spc="-1" strike="noStrike">
+              <a:solidFill>
+                <a:srgbClr val="000000"/>
+              </a:solidFill>
               <a:latin typeface="Arial"/>
             </a:endParaRPr>
           </a:p>
@@ -355,12 +262,14 @@
           </a:prstGeom>
         </p:spPr>
         <p:txBody>
-          <a:bodyPr lIns="0" tIns="0" rIns="0" bIns="0">
+          <a:bodyPr lIns="0" rIns="0" tIns="0" bIns="0">
             <a:normAutofit/>
           </a:bodyPr>
-          <a:lstStyle/>
-          <a:p>
-            <a:endParaRPr lang="it-IT" sz="3200" b="0" strike="noStrike" spc="-1">
+          <a:p>
+            <a:endParaRPr b="0" lang="it-IT" sz="2800" spc="-1" strike="noStrike">
+              <a:solidFill>
+                <a:srgbClr val="000000"/>
+              </a:solidFill>
               <a:latin typeface="Arial"/>
             </a:endParaRPr>
           </a:p>
@@ -386,12 +295,14 @@
           </a:prstGeom>
         </p:spPr>
         <p:txBody>
-          <a:bodyPr lIns="0" tIns="0" rIns="0" bIns="0">
+          <a:bodyPr lIns="0" rIns="0" tIns="0" bIns="0">
             <a:normAutofit/>
           </a:bodyPr>
-          <a:lstStyle/>
-          <a:p>
-            <a:endParaRPr lang="it-IT" sz="3200" b="0" strike="noStrike" spc="-1">
+          <a:p>
+            <a:endParaRPr b="0" lang="it-IT" sz="2800" spc="-1" strike="noStrike">
+              <a:solidFill>
+                <a:srgbClr val="000000"/>
+              </a:solidFill>
               <a:latin typeface="Arial"/>
             </a:endParaRPr>
           </a:p>
@@ -417,12 +328,14 @@
           </a:prstGeom>
         </p:spPr>
         <p:txBody>
-          <a:bodyPr lIns="0" tIns="0" rIns="0" bIns="0">
+          <a:bodyPr lIns="0" rIns="0" tIns="0" bIns="0">
             <a:normAutofit/>
           </a:bodyPr>
-          <a:lstStyle/>
-          <a:p>
-            <a:endParaRPr lang="it-IT" sz="3200" b="0" strike="noStrike" spc="-1">
+          <a:p>
+            <a:endParaRPr b="0" lang="it-IT" sz="2800" spc="-1" strike="noStrike">
+              <a:solidFill>
+                <a:srgbClr val="000000"/>
+              </a:solidFill>
               <a:latin typeface="Arial"/>
             </a:endParaRPr>
           </a:p>
@@ -430,14 +343,11 @@
       </p:sp>
     </p:spTree>
   </p:cSld>
-  <p:clrMapOvr>
-    <a:masterClrMapping/>
-  </p:clrMapOvr>
 </p:sldLayout>
 </file>
 
 <file path=ppt/slideLayouts/slideLayout12.xml><?xml version="1.0" encoding="utf-8"?>
-<p:sldLayout xmlns:a="http://schemas.openxmlformats.org/drawingml/2006/main" xmlns:r="http://schemas.openxmlformats.org/officeDocument/2006/relationships" xmlns:p="http://schemas.openxmlformats.org/presentationml/2006/main" type="blank" preserve="1">
+<p:sldLayout xmlns:a="http://schemas.openxmlformats.org/drawingml/2006/main" xmlns:p="http://schemas.openxmlformats.org/presentationml/2006/main" xmlns:r="http://schemas.openxmlformats.org/officeDocument/2006/relationships" xmlns:p14="http://schemas.microsoft.com/office/powerpoint/2010/main" xmlns:p15="http://schemas.microsoft.com/office/powerpoint/2012/main" xmlns:mc="http://schemas.openxmlformats.org/markup-compatibility/2006" type="blank" preserve="1">
   <p:cSld name="Title, 6 Content">
     <p:spTree>
       <p:nvGrpSpPr>
@@ -466,18 +376,19 @@
         <p:spPr>
           <a:xfrm>
             <a:off x="182880" y="90000"/>
-            <a:ext cx="8759160" cy="1140480"/>
-          </a:xfrm>
-          <a:prstGeom prst="rect">
-            <a:avLst/>
-          </a:prstGeom>
-        </p:spPr>
-        <p:txBody>
-          <a:bodyPr lIns="0" tIns="0" rIns="0" bIns="0" anchor="ctr"/>
-          <a:lstStyle/>
-          <a:p>
-            <a:pPr algn="ctr"/>
-            <a:endParaRPr lang="it-IT" sz="4400" b="0" strike="noStrike" spc="-1">
+            <a:ext cx="8758800" cy="1140120"/>
+          </a:xfrm>
+          <a:prstGeom prst="rect">
+            <a:avLst/>
+          </a:prstGeom>
+        </p:spPr>
+        <p:txBody>
+          <a:bodyPr lIns="0" rIns="0" tIns="0" bIns="0" anchor="ctr"/>
+          <a:p>
+            <a:endParaRPr b="0" lang="it-IT" sz="1800" spc="-1" strike="noStrike">
+              <a:solidFill>
+                <a:srgbClr val="000000"/>
+              </a:solidFill>
               <a:latin typeface="Arial"/>
             </a:endParaRPr>
           </a:p>
@@ -503,12 +414,14 @@
           </a:prstGeom>
         </p:spPr>
         <p:txBody>
-          <a:bodyPr lIns="0" tIns="0" rIns="0" bIns="0">
+          <a:bodyPr lIns="0" rIns="0" tIns="0" bIns="0">
             <a:normAutofit/>
           </a:bodyPr>
-          <a:lstStyle/>
-          <a:p>
-            <a:endParaRPr lang="it-IT" sz="3200" b="0" strike="noStrike" spc="-1">
+          <a:p>
+            <a:endParaRPr b="0" lang="it-IT" sz="2800" spc="-1" strike="noStrike">
+              <a:solidFill>
+                <a:srgbClr val="000000"/>
+              </a:solidFill>
               <a:latin typeface="Arial"/>
             </a:endParaRPr>
           </a:p>
@@ -534,12 +447,14 @@
           </a:prstGeom>
         </p:spPr>
         <p:txBody>
-          <a:bodyPr lIns="0" tIns="0" rIns="0" bIns="0">
+          <a:bodyPr lIns="0" rIns="0" tIns="0" bIns="0">
             <a:normAutofit/>
           </a:bodyPr>
-          <a:lstStyle/>
-          <a:p>
-            <a:endParaRPr lang="it-IT" sz="3200" b="0" strike="noStrike" spc="-1">
+          <a:p>
+            <a:endParaRPr b="0" lang="it-IT" sz="2800" spc="-1" strike="noStrike">
+              <a:solidFill>
+                <a:srgbClr val="000000"/>
+              </a:solidFill>
               <a:latin typeface="Arial"/>
             </a:endParaRPr>
           </a:p>
@@ -565,12 +480,14 @@
           </a:prstGeom>
         </p:spPr>
         <p:txBody>
-          <a:bodyPr lIns="0" tIns="0" rIns="0" bIns="0">
+          <a:bodyPr lIns="0" rIns="0" tIns="0" bIns="0">
             <a:normAutofit/>
           </a:bodyPr>
-          <a:lstStyle/>
-          <a:p>
-            <a:endParaRPr lang="it-IT" sz="3200" b="0" strike="noStrike" spc="-1">
+          <a:p>
+            <a:endParaRPr b="0" lang="it-IT" sz="2800" spc="-1" strike="noStrike">
+              <a:solidFill>
+                <a:srgbClr val="000000"/>
+              </a:solidFill>
               <a:latin typeface="Arial"/>
             </a:endParaRPr>
           </a:p>
@@ -596,12 +513,14 @@
           </a:prstGeom>
         </p:spPr>
         <p:txBody>
-          <a:bodyPr lIns="0" tIns="0" rIns="0" bIns="0">
+          <a:bodyPr lIns="0" rIns="0" tIns="0" bIns="0">
             <a:normAutofit/>
           </a:bodyPr>
-          <a:lstStyle/>
-          <a:p>
-            <a:endParaRPr lang="it-IT" sz="3200" b="0" strike="noStrike" spc="-1">
+          <a:p>
+            <a:endParaRPr b="0" lang="it-IT" sz="2800" spc="-1" strike="noStrike">
+              <a:solidFill>
+                <a:srgbClr val="000000"/>
+              </a:solidFill>
               <a:latin typeface="Arial"/>
             </a:endParaRPr>
           </a:p>
@@ -627,12 +546,14 @@
           </a:prstGeom>
         </p:spPr>
         <p:txBody>
-          <a:bodyPr lIns="0" tIns="0" rIns="0" bIns="0">
+          <a:bodyPr lIns="0" rIns="0" tIns="0" bIns="0">
             <a:normAutofit/>
           </a:bodyPr>
-          <a:lstStyle/>
-          <a:p>
-            <a:endParaRPr lang="it-IT" sz="3200" b="0" strike="noStrike" spc="-1">
+          <a:p>
+            <a:endParaRPr b="0" lang="it-IT" sz="2800" spc="-1" strike="noStrike">
+              <a:solidFill>
+                <a:srgbClr val="000000"/>
+              </a:solidFill>
               <a:latin typeface="Arial"/>
             </a:endParaRPr>
           </a:p>
@@ -658,12 +579,14 @@
           </a:prstGeom>
         </p:spPr>
         <p:txBody>
-          <a:bodyPr lIns="0" tIns="0" rIns="0" bIns="0">
+          <a:bodyPr lIns="0" rIns="0" tIns="0" bIns="0">
             <a:normAutofit/>
           </a:bodyPr>
-          <a:lstStyle/>
-          <a:p>
-            <a:endParaRPr lang="it-IT" sz="3200" b="0" strike="noStrike" spc="-1">
+          <a:p>
+            <a:endParaRPr b="0" lang="it-IT" sz="2800" spc="-1" strike="noStrike">
+              <a:solidFill>
+                <a:srgbClr val="000000"/>
+              </a:solidFill>
               <a:latin typeface="Arial"/>
             </a:endParaRPr>
           </a:p>
@@ -671,14 +594,11 @@
       </p:sp>
     </p:spTree>
   </p:cSld>
-  <p:clrMapOvr>
-    <a:masterClrMapping/>
-  </p:clrMapOvr>
 </p:sldLayout>
 </file>
 
 <file path=ppt/slideLayouts/slideLayout13.xml><?xml version="1.0" encoding="utf-8"?>
-<p:sldLayout xmlns:a="http://schemas.openxmlformats.org/drawingml/2006/main" xmlns:r="http://schemas.openxmlformats.org/officeDocument/2006/relationships" xmlns:p="http://schemas.openxmlformats.org/presentationml/2006/main" type="blank" preserve="1">
+<p:sldLayout xmlns:a="http://schemas.openxmlformats.org/drawingml/2006/main" xmlns:p="http://schemas.openxmlformats.org/presentationml/2006/main" xmlns:r="http://schemas.openxmlformats.org/officeDocument/2006/relationships" xmlns:p14="http://schemas.microsoft.com/office/powerpoint/2010/main" xmlns:p15="http://schemas.microsoft.com/office/powerpoint/2012/main" xmlns:mc="http://schemas.openxmlformats.org/markup-compatibility/2006" type="blank" preserve="1">
   <p:cSld name="Blank Slide">
     <p:spTree>
       <p:nvGrpSpPr>
@@ -696,14 +616,11 @@
       </p:grpSpPr>
     </p:spTree>
   </p:cSld>
-  <p:clrMapOvr>
-    <a:masterClrMapping/>
-  </p:clrMapOvr>
 </p:sldLayout>
 </file>
 
 <file path=ppt/slideLayouts/slideLayout14.xml><?xml version="1.0" encoding="utf-8"?>
-<p:sldLayout xmlns:a="http://schemas.openxmlformats.org/drawingml/2006/main" xmlns:r="http://schemas.openxmlformats.org/officeDocument/2006/relationships" xmlns:p="http://schemas.openxmlformats.org/presentationml/2006/main" type="tx" preserve="1">
+<p:sldLayout xmlns:a="http://schemas.openxmlformats.org/drawingml/2006/main" xmlns:p="http://schemas.openxmlformats.org/presentationml/2006/main" xmlns:r="http://schemas.openxmlformats.org/officeDocument/2006/relationships" xmlns:p14="http://schemas.microsoft.com/office/powerpoint/2010/main" xmlns:p15="http://schemas.microsoft.com/office/powerpoint/2012/main" xmlns:mc="http://schemas.openxmlformats.org/markup-compatibility/2006" type="tx" preserve="1">
   <p:cSld name="Title Slide">
     <p:spTree>
       <p:nvGrpSpPr>
@@ -732,18 +649,19 @@
         <p:spPr>
           <a:xfrm>
             <a:off x="182880" y="90000"/>
-            <a:ext cx="8759160" cy="1140480"/>
-          </a:xfrm>
-          <a:prstGeom prst="rect">
-            <a:avLst/>
-          </a:prstGeom>
-        </p:spPr>
-        <p:txBody>
-          <a:bodyPr lIns="0" tIns="0" rIns="0" bIns="0" anchor="ctr"/>
-          <a:lstStyle/>
-          <a:p>
-            <a:pPr algn="ctr"/>
-            <a:endParaRPr lang="it-IT" sz="4400" b="0" strike="noStrike" spc="-1">
+            <a:ext cx="8758800" cy="1140120"/>
+          </a:xfrm>
+          <a:prstGeom prst="rect">
+            <a:avLst/>
+          </a:prstGeom>
+        </p:spPr>
+        <p:txBody>
+          <a:bodyPr lIns="0" rIns="0" tIns="0" bIns="0" anchor="ctr"/>
+          <a:p>
+            <a:endParaRPr b="0" lang="it-IT" sz="1800" spc="-1" strike="noStrike">
+              <a:solidFill>
+                <a:srgbClr val="000000"/>
+              </a:solidFill>
               <a:latin typeface="Arial"/>
             </a:endParaRPr>
           </a:p>
@@ -769,11 +687,10 @@
           </a:prstGeom>
         </p:spPr>
         <p:txBody>
-          <a:bodyPr lIns="0" tIns="0" rIns="0" bIns="0" anchor="ctr"/>
-          <a:lstStyle/>
+          <a:bodyPr lIns="0" rIns="0" tIns="0" bIns="0" anchor="ctr"/>
           <a:p>
             <a:pPr algn="ctr"/>
-            <a:endParaRPr lang="it-IT" sz="3200" b="0" strike="noStrike" spc="-1">
+            <a:endParaRPr b="0" lang="it-IT" sz="3200" spc="-1" strike="noStrike">
               <a:latin typeface="Arial"/>
             </a:endParaRPr>
           </a:p>
@@ -781,14 +698,11 @@
       </p:sp>
     </p:spTree>
   </p:cSld>
-  <p:clrMapOvr>
-    <a:masterClrMapping/>
-  </p:clrMapOvr>
 </p:sldLayout>
 </file>
 
 <file path=ppt/slideLayouts/slideLayout15.xml><?xml version="1.0" encoding="utf-8"?>
-<p:sldLayout xmlns:a="http://schemas.openxmlformats.org/drawingml/2006/main" xmlns:r="http://schemas.openxmlformats.org/officeDocument/2006/relationships" xmlns:p="http://schemas.openxmlformats.org/presentationml/2006/main" type="obj" preserve="1">
+<p:sldLayout xmlns:a="http://schemas.openxmlformats.org/drawingml/2006/main" xmlns:p="http://schemas.openxmlformats.org/presentationml/2006/main" xmlns:r="http://schemas.openxmlformats.org/officeDocument/2006/relationships" xmlns:p14="http://schemas.microsoft.com/office/powerpoint/2010/main" xmlns:p15="http://schemas.microsoft.com/office/powerpoint/2012/main" xmlns:mc="http://schemas.openxmlformats.org/markup-compatibility/2006" type="obj" preserve="1">
   <p:cSld name="Title, Content">
     <p:spTree>
       <p:nvGrpSpPr>
@@ -817,18 +731,19 @@
         <p:spPr>
           <a:xfrm>
             <a:off x="182880" y="90000"/>
-            <a:ext cx="8759160" cy="1140480"/>
-          </a:xfrm>
-          <a:prstGeom prst="rect">
-            <a:avLst/>
-          </a:prstGeom>
-        </p:spPr>
-        <p:txBody>
-          <a:bodyPr lIns="0" tIns="0" rIns="0" bIns="0" anchor="ctr"/>
-          <a:lstStyle/>
-          <a:p>
-            <a:pPr algn="ctr"/>
-            <a:endParaRPr lang="it-IT" sz="4400" b="0" strike="noStrike" spc="-1">
+            <a:ext cx="8758800" cy="1140120"/>
+          </a:xfrm>
+          <a:prstGeom prst="rect">
+            <a:avLst/>
+          </a:prstGeom>
+        </p:spPr>
+        <p:txBody>
+          <a:bodyPr lIns="0" rIns="0" tIns="0" bIns="0" anchor="ctr"/>
+          <a:p>
+            <a:endParaRPr b="0" lang="it-IT" sz="1800" spc="-1" strike="noStrike">
+              <a:solidFill>
+                <a:srgbClr val="000000"/>
+              </a:solidFill>
               <a:latin typeface="Arial"/>
             </a:endParaRPr>
           </a:p>
@@ -854,12 +769,14 @@
           </a:prstGeom>
         </p:spPr>
         <p:txBody>
-          <a:bodyPr lIns="0" tIns="0" rIns="0" bIns="0">
+          <a:bodyPr lIns="0" rIns="0" tIns="0" bIns="0">
             <a:normAutofit/>
           </a:bodyPr>
-          <a:lstStyle/>
-          <a:p>
-            <a:endParaRPr lang="it-IT" sz="3200" b="0" strike="noStrike" spc="-1">
+          <a:p>
+            <a:endParaRPr b="0" lang="it-IT" sz="2800" spc="-1" strike="noStrike">
+              <a:solidFill>
+                <a:srgbClr val="000000"/>
+              </a:solidFill>
               <a:latin typeface="Arial"/>
             </a:endParaRPr>
           </a:p>
@@ -867,14 +784,11 @@
       </p:sp>
     </p:spTree>
   </p:cSld>
-  <p:clrMapOvr>
-    <a:masterClrMapping/>
-  </p:clrMapOvr>
 </p:sldLayout>
 </file>
 
 <file path=ppt/slideLayouts/slideLayout16.xml><?xml version="1.0" encoding="utf-8"?>
-<p:sldLayout xmlns:a="http://schemas.openxmlformats.org/drawingml/2006/main" xmlns:r="http://schemas.openxmlformats.org/officeDocument/2006/relationships" xmlns:p="http://schemas.openxmlformats.org/presentationml/2006/main" type="twoObj" preserve="1">
+<p:sldLayout xmlns:a="http://schemas.openxmlformats.org/drawingml/2006/main" xmlns:p="http://schemas.openxmlformats.org/presentationml/2006/main" xmlns:r="http://schemas.openxmlformats.org/officeDocument/2006/relationships" xmlns:p14="http://schemas.microsoft.com/office/powerpoint/2010/main" xmlns:p15="http://schemas.microsoft.com/office/powerpoint/2012/main" xmlns:mc="http://schemas.openxmlformats.org/markup-compatibility/2006" type="twoObj" preserve="1">
   <p:cSld name="Title, 2 Content">
     <p:spTree>
       <p:nvGrpSpPr>
@@ -903,18 +817,19 @@
         <p:spPr>
           <a:xfrm>
             <a:off x="182880" y="90000"/>
-            <a:ext cx="8759160" cy="1140480"/>
-          </a:xfrm>
-          <a:prstGeom prst="rect">
-            <a:avLst/>
-          </a:prstGeom>
-        </p:spPr>
-        <p:txBody>
-          <a:bodyPr lIns="0" tIns="0" rIns="0" bIns="0" anchor="ctr"/>
-          <a:lstStyle/>
-          <a:p>
-            <a:pPr algn="ctr"/>
-            <a:endParaRPr lang="it-IT" sz="4400" b="0" strike="noStrike" spc="-1">
+            <a:ext cx="8758800" cy="1140120"/>
+          </a:xfrm>
+          <a:prstGeom prst="rect">
+            <a:avLst/>
+          </a:prstGeom>
+        </p:spPr>
+        <p:txBody>
+          <a:bodyPr lIns="0" rIns="0" tIns="0" bIns="0" anchor="ctr"/>
+          <a:p>
+            <a:endParaRPr b="0" lang="it-IT" sz="1800" spc="-1" strike="noStrike">
+              <a:solidFill>
+                <a:srgbClr val="000000"/>
+              </a:solidFill>
               <a:latin typeface="Arial"/>
             </a:endParaRPr>
           </a:p>
@@ -940,12 +855,14 @@
           </a:prstGeom>
         </p:spPr>
         <p:txBody>
-          <a:bodyPr lIns="0" tIns="0" rIns="0" bIns="0">
+          <a:bodyPr lIns="0" rIns="0" tIns="0" bIns="0">
             <a:normAutofit/>
           </a:bodyPr>
-          <a:lstStyle/>
-          <a:p>
-            <a:endParaRPr lang="it-IT" sz="3200" b="0" strike="noStrike" spc="-1">
+          <a:p>
+            <a:endParaRPr b="0" lang="it-IT" sz="2800" spc="-1" strike="noStrike">
+              <a:solidFill>
+                <a:srgbClr val="000000"/>
+              </a:solidFill>
               <a:latin typeface="Arial"/>
             </a:endParaRPr>
           </a:p>
@@ -971,12 +888,14 @@
           </a:prstGeom>
         </p:spPr>
         <p:txBody>
-          <a:bodyPr lIns="0" tIns="0" rIns="0" bIns="0">
+          <a:bodyPr lIns="0" rIns="0" tIns="0" bIns="0">
             <a:normAutofit/>
           </a:bodyPr>
-          <a:lstStyle/>
-          <a:p>
-            <a:endParaRPr lang="it-IT" sz="3200" b="0" strike="noStrike" spc="-1">
+          <a:p>
+            <a:endParaRPr b="0" lang="it-IT" sz="2800" spc="-1" strike="noStrike">
+              <a:solidFill>
+                <a:srgbClr val="000000"/>
+              </a:solidFill>
               <a:latin typeface="Arial"/>
             </a:endParaRPr>
           </a:p>
@@ -984,14 +903,11 @@
       </p:sp>
     </p:spTree>
   </p:cSld>
-  <p:clrMapOvr>
-    <a:masterClrMapping/>
-  </p:clrMapOvr>
 </p:sldLayout>
 </file>
 
 <file path=ppt/slideLayouts/slideLayout17.xml><?xml version="1.0" encoding="utf-8"?>
-<p:sldLayout xmlns:a="http://schemas.openxmlformats.org/drawingml/2006/main" xmlns:r="http://schemas.openxmlformats.org/officeDocument/2006/relationships" xmlns:p="http://schemas.openxmlformats.org/presentationml/2006/main" type="titleOnly" preserve="1">
+<p:sldLayout xmlns:a="http://schemas.openxmlformats.org/drawingml/2006/main" xmlns:p="http://schemas.openxmlformats.org/presentationml/2006/main" xmlns:r="http://schemas.openxmlformats.org/officeDocument/2006/relationships" xmlns:p14="http://schemas.microsoft.com/office/powerpoint/2010/main" xmlns:p15="http://schemas.microsoft.com/office/powerpoint/2012/main" xmlns:mc="http://schemas.openxmlformats.org/markup-compatibility/2006" type="titleOnly" preserve="1">
   <p:cSld name="Title Only">
     <p:spTree>
       <p:nvGrpSpPr>
@@ -1020,18 +936,19 @@
         <p:spPr>
           <a:xfrm>
             <a:off x="182880" y="90000"/>
-            <a:ext cx="8759160" cy="1140480"/>
-          </a:xfrm>
-          <a:prstGeom prst="rect">
-            <a:avLst/>
-          </a:prstGeom>
-        </p:spPr>
-        <p:txBody>
-          <a:bodyPr lIns="0" tIns="0" rIns="0" bIns="0" anchor="ctr"/>
-          <a:lstStyle/>
-          <a:p>
-            <a:pPr algn="ctr"/>
-            <a:endParaRPr lang="it-IT" sz="4400" b="0" strike="noStrike" spc="-1">
+            <a:ext cx="8758800" cy="1140120"/>
+          </a:xfrm>
+          <a:prstGeom prst="rect">
+            <a:avLst/>
+          </a:prstGeom>
+        </p:spPr>
+        <p:txBody>
+          <a:bodyPr lIns="0" rIns="0" tIns="0" bIns="0" anchor="ctr"/>
+          <a:p>
+            <a:endParaRPr b="0" lang="it-IT" sz="1800" spc="-1" strike="noStrike">
+              <a:solidFill>
+                <a:srgbClr val="000000"/>
+              </a:solidFill>
               <a:latin typeface="Arial"/>
             </a:endParaRPr>
           </a:p>
@@ -1039,14 +956,11 @@
       </p:sp>
     </p:spTree>
   </p:cSld>
-  <p:clrMapOvr>
-    <a:masterClrMapping/>
-  </p:clrMapOvr>
 </p:sldLayout>
 </file>
 
 <file path=ppt/slideLayouts/slideLayout18.xml><?xml version="1.0" encoding="utf-8"?>
-<p:sldLayout xmlns:a="http://schemas.openxmlformats.org/drawingml/2006/main" xmlns:r="http://schemas.openxmlformats.org/officeDocument/2006/relationships" xmlns:p="http://schemas.openxmlformats.org/presentationml/2006/main" type="objOnly" preserve="1">
+<p:sldLayout xmlns:a="http://schemas.openxmlformats.org/drawingml/2006/main" xmlns:p="http://schemas.openxmlformats.org/presentationml/2006/main" xmlns:r="http://schemas.openxmlformats.org/officeDocument/2006/relationships" xmlns:p14="http://schemas.microsoft.com/office/powerpoint/2010/main" xmlns:p15="http://schemas.microsoft.com/office/powerpoint/2012/main" xmlns:mc="http://schemas.openxmlformats.org/markup-compatibility/2006" type="objOnly" preserve="1">
   <p:cSld name="Centered Text">
     <p:spTree>
       <p:nvGrpSpPr>
@@ -1075,18 +989,17 @@
         <p:spPr>
           <a:xfrm>
             <a:off x="182880" y="90000"/>
-            <a:ext cx="8759160" cy="5288040"/>
-          </a:xfrm>
-          <a:prstGeom prst="rect">
-            <a:avLst/>
-          </a:prstGeom>
-        </p:spPr>
-        <p:txBody>
-          <a:bodyPr lIns="0" tIns="0" rIns="0" bIns="0" anchor="ctr"/>
-          <a:lstStyle/>
+            <a:ext cx="8758800" cy="5286240"/>
+          </a:xfrm>
+          <a:prstGeom prst="rect">
+            <a:avLst/>
+          </a:prstGeom>
+        </p:spPr>
+        <p:txBody>
+          <a:bodyPr lIns="0" rIns="0" tIns="0" bIns="0" anchor="ctr"/>
           <a:p>
             <a:pPr algn="ctr"/>
-            <a:endParaRPr lang="it-IT" sz="3200" b="0" strike="noStrike" spc="-1">
+            <a:endParaRPr b="0" lang="it-IT" sz="3200" spc="-1" strike="noStrike">
               <a:latin typeface="Arial"/>
             </a:endParaRPr>
           </a:p>
@@ -1094,14 +1007,11 @@
       </p:sp>
     </p:spTree>
   </p:cSld>
-  <p:clrMapOvr>
-    <a:masterClrMapping/>
-  </p:clrMapOvr>
 </p:sldLayout>
 </file>
 
 <file path=ppt/slideLayouts/slideLayout19.xml><?xml version="1.0" encoding="utf-8"?>
-<p:sldLayout xmlns:a="http://schemas.openxmlformats.org/drawingml/2006/main" xmlns:r="http://schemas.openxmlformats.org/officeDocument/2006/relationships" xmlns:p="http://schemas.openxmlformats.org/presentationml/2006/main" type="twoObjAndObj" preserve="1">
+<p:sldLayout xmlns:a="http://schemas.openxmlformats.org/drawingml/2006/main" xmlns:p="http://schemas.openxmlformats.org/presentationml/2006/main" xmlns:r="http://schemas.openxmlformats.org/officeDocument/2006/relationships" xmlns:p14="http://schemas.microsoft.com/office/powerpoint/2010/main" xmlns:p15="http://schemas.microsoft.com/office/powerpoint/2012/main" xmlns:mc="http://schemas.openxmlformats.org/markup-compatibility/2006" type="twoObjAndObj" preserve="1">
   <p:cSld name="Title, 2 Content and Content">
     <p:spTree>
       <p:nvGrpSpPr>
@@ -1130,18 +1040,19 @@
         <p:spPr>
           <a:xfrm>
             <a:off x="182880" y="90000"/>
-            <a:ext cx="8759160" cy="1140480"/>
-          </a:xfrm>
-          <a:prstGeom prst="rect">
-            <a:avLst/>
-          </a:prstGeom>
-        </p:spPr>
-        <p:txBody>
-          <a:bodyPr lIns="0" tIns="0" rIns="0" bIns="0" anchor="ctr"/>
-          <a:lstStyle/>
-          <a:p>
-            <a:pPr algn="ctr"/>
-            <a:endParaRPr lang="it-IT" sz="4400" b="0" strike="noStrike" spc="-1">
+            <a:ext cx="8758800" cy="1140120"/>
+          </a:xfrm>
+          <a:prstGeom prst="rect">
+            <a:avLst/>
+          </a:prstGeom>
+        </p:spPr>
+        <p:txBody>
+          <a:bodyPr lIns="0" rIns="0" tIns="0" bIns="0" anchor="ctr"/>
+          <a:p>
+            <a:endParaRPr b="0" lang="it-IT" sz="1800" spc="-1" strike="noStrike">
+              <a:solidFill>
+                <a:srgbClr val="000000"/>
+              </a:solidFill>
               <a:latin typeface="Arial"/>
             </a:endParaRPr>
           </a:p>
@@ -1167,12 +1078,14 @@
           </a:prstGeom>
         </p:spPr>
         <p:txBody>
-          <a:bodyPr lIns="0" tIns="0" rIns="0" bIns="0">
+          <a:bodyPr lIns="0" rIns="0" tIns="0" bIns="0">
             <a:normAutofit/>
           </a:bodyPr>
-          <a:lstStyle/>
-          <a:p>
-            <a:endParaRPr lang="it-IT" sz="3200" b="0" strike="noStrike" spc="-1">
+          <a:p>
+            <a:endParaRPr b="0" lang="it-IT" sz="2800" spc="-1" strike="noStrike">
+              <a:solidFill>
+                <a:srgbClr val="000000"/>
+              </a:solidFill>
               <a:latin typeface="Arial"/>
             </a:endParaRPr>
           </a:p>
@@ -1198,12 +1111,14 @@
           </a:prstGeom>
         </p:spPr>
         <p:txBody>
-          <a:bodyPr lIns="0" tIns="0" rIns="0" bIns="0">
+          <a:bodyPr lIns="0" rIns="0" tIns="0" bIns="0">
             <a:normAutofit/>
           </a:bodyPr>
-          <a:lstStyle/>
-          <a:p>
-            <a:endParaRPr lang="it-IT" sz="3200" b="0" strike="noStrike" spc="-1">
+          <a:p>
+            <a:endParaRPr b="0" lang="it-IT" sz="2800" spc="-1" strike="noStrike">
+              <a:solidFill>
+                <a:srgbClr val="000000"/>
+              </a:solidFill>
               <a:latin typeface="Arial"/>
             </a:endParaRPr>
           </a:p>
@@ -1229,12 +1144,14 @@
           </a:prstGeom>
         </p:spPr>
         <p:txBody>
-          <a:bodyPr lIns="0" tIns="0" rIns="0" bIns="0">
+          <a:bodyPr lIns="0" rIns="0" tIns="0" bIns="0">
             <a:normAutofit/>
           </a:bodyPr>
-          <a:lstStyle/>
-          <a:p>
-            <a:endParaRPr lang="it-IT" sz="3200" b="0" strike="noStrike" spc="-1">
+          <a:p>
+            <a:endParaRPr b="0" lang="it-IT" sz="2800" spc="-1" strike="noStrike">
+              <a:solidFill>
+                <a:srgbClr val="000000"/>
+              </a:solidFill>
               <a:latin typeface="Arial"/>
             </a:endParaRPr>
           </a:p>
@@ -1242,14 +1159,11 @@
       </p:sp>
     </p:spTree>
   </p:cSld>
-  <p:clrMapOvr>
-    <a:masterClrMapping/>
-  </p:clrMapOvr>
 </p:sldLayout>
 </file>
 
 <file path=ppt/slideLayouts/slideLayout2.xml><?xml version="1.0" encoding="utf-8"?>
-<p:sldLayout xmlns:a="http://schemas.openxmlformats.org/drawingml/2006/main" xmlns:r="http://schemas.openxmlformats.org/officeDocument/2006/relationships" xmlns:p="http://schemas.openxmlformats.org/presentationml/2006/main" type="tx" preserve="1">
+<p:sldLayout xmlns:a="http://schemas.openxmlformats.org/drawingml/2006/main" xmlns:p="http://schemas.openxmlformats.org/presentationml/2006/main" xmlns:r="http://schemas.openxmlformats.org/officeDocument/2006/relationships" xmlns:p14="http://schemas.microsoft.com/office/powerpoint/2010/main" xmlns:p15="http://schemas.microsoft.com/office/powerpoint/2012/main" xmlns:mc="http://schemas.openxmlformats.org/markup-compatibility/2006" type="tx" preserve="1">
   <p:cSld name="Title Slide">
     <p:spTree>
       <p:nvGrpSpPr>
@@ -1278,18 +1192,19 @@
         <p:spPr>
           <a:xfrm>
             <a:off x="182880" y="90000"/>
-            <a:ext cx="8759160" cy="1140480"/>
-          </a:xfrm>
-          <a:prstGeom prst="rect">
-            <a:avLst/>
-          </a:prstGeom>
-        </p:spPr>
-        <p:txBody>
-          <a:bodyPr lIns="0" tIns="0" rIns="0" bIns="0" anchor="ctr"/>
-          <a:lstStyle/>
-          <a:p>
-            <a:pPr algn="ctr"/>
-            <a:endParaRPr lang="it-IT" sz="4400" b="0" strike="noStrike" spc="-1">
+            <a:ext cx="8758800" cy="1140120"/>
+          </a:xfrm>
+          <a:prstGeom prst="rect">
+            <a:avLst/>
+          </a:prstGeom>
+        </p:spPr>
+        <p:txBody>
+          <a:bodyPr lIns="0" rIns="0" tIns="0" bIns="0" anchor="ctr"/>
+          <a:p>
+            <a:endParaRPr b="0" lang="it-IT" sz="1800" spc="-1" strike="noStrike">
+              <a:solidFill>
+                <a:srgbClr val="000000"/>
+              </a:solidFill>
               <a:latin typeface="Arial"/>
             </a:endParaRPr>
           </a:p>
@@ -1315,11 +1230,10 @@
           </a:prstGeom>
         </p:spPr>
         <p:txBody>
-          <a:bodyPr lIns="0" tIns="0" rIns="0" bIns="0" anchor="ctr"/>
-          <a:lstStyle/>
+          <a:bodyPr lIns="0" rIns="0" tIns="0" bIns="0" anchor="ctr"/>
           <a:p>
             <a:pPr algn="ctr"/>
-            <a:endParaRPr lang="it-IT" sz="3200" b="0" strike="noStrike" spc="-1">
+            <a:endParaRPr b="0" lang="it-IT" sz="3200" spc="-1" strike="noStrike">
               <a:latin typeface="Arial"/>
             </a:endParaRPr>
           </a:p>
@@ -1327,14 +1241,11 @@
       </p:sp>
     </p:spTree>
   </p:cSld>
-  <p:clrMapOvr>
-    <a:masterClrMapping/>
-  </p:clrMapOvr>
 </p:sldLayout>
 </file>
 
 <file path=ppt/slideLayouts/slideLayout20.xml><?xml version="1.0" encoding="utf-8"?>
-<p:sldLayout xmlns:a="http://schemas.openxmlformats.org/drawingml/2006/main" xmlns:r="http://schemas.openxmlformats.org/officeDocument/2006/relationships" xmlns:p="http://schemas.openxmlformats.org/presentationml/2006/main" type="objAndTwoObj" preserve="1">
+<p:sldLayout xmlns:a="http://schemas.openxmlformats.org/drawingml/2006/main" xmlns:p="http://schemas.openxmlformats.org/presentationml/2006/main" xmlns:r="http://schemas.openxmlformats.org/officeDocument/2006/relationships" xmlns:p14="http://schemas.microsoft.com/office/powerpoint/2010/main" xmlns:p15="http://schemas.microsoft.com/office/powerpoint/2012/main" xmlns:mc="http://schemas.openxmlformats.org/markup-compatibility/2006" type="objAndTwoObj" preserve="1">
   <p:cSld name="Title Content and 2 Content">
     <p:spTree>
       <p:nvGrpSpPr>
@@ -1363,18 +1274,19 @@
         <p:spPr>
           <a:xfrm>
             <a:off x="182880" y="90000"/>
-            <a:ext cx="8759160" cy="1140480"/>
-          </a:xfrm>
-          <a:prstGeom prst="rect">
-            <a:avLst/>
-          </a:prstGeom>
-        </p:spPr>
-        <p:txBody>
-          <a:bodyPr lIns="0" tIns="0" rIns="0" bIns="0" anchor="ctr"/>
-          <a:lstStyle/>
-          <a:p>
-            <a:pPr algn="ctr"/>
-            <a:endParaRPr lang="it-IT" sz="4400" b="0" strike="noStrike" spc="-1">
+            <a:ext cx="8758800" cy="1140120"/>
+          </a:xfrm>
+          <a:prstGeom prst="rect">
+            <a:avLst/>
+          </a:prstGeom>
+        </p:spPr>
+        <p:txBody>
+          <a:bodyPr lIns="0" rIns="0" tIns="0" bIns="0" anchor="ctr"/>
+          <a:p>
+            <a:endParaRPr b="0" lang="it-IT" sz="1800" spc="-1" strike="noStrike">
+              <a:solidFill>
+                <a:srgbClr val="000000"/>
+              </a:solidFill>
               <a:latin typeface="Arial"/>
             </a:endParaRPr>
           </a:p>
@@ -1400,12 +1312,14 @@
           </a:prstGeom>
         </p:spPr>
         <p:txBody>
-          <a:bodyPr lIns="0" tIns="0" rIns="0" bIns="0">
+          <a:bodyPr lIns="0" rIns="0" tIns="0" bIns="0">
             <a:normAutofit/>
           </a:bodyPr>
-          <a:lstStyle/>
-          <a:p>
-            <a:endParaRPr lang="it-IT" sz="3200" b="0" strike="noStrike" spc="-1">
+          <a:p>
+            <a:endParaRPr b="0" lang="it-IT" sz="2800" spc="-1" strike="noStrike">
+              <a:solidFill>
+                <a:srgbClr val="000000"/>
+              </a:solidFill>
               <a:latin typeface="Arial"/>
             </a:endParaRPr>
           </a:p>
@@ -1431,12 +1345,14 @@
           </a:prstGeom>
         </p:spPr>
         <p:txBody>
-          <a:bodyPr lIns="0" tIns="0" rIns="0" bIns="0">
+          <a:bodyPr lIns="0" rIns="0" tIns="0" bIns="0">
             <a:normAutofit/>
           </a:bodyPr>
-          <a:lstStyle/>
-          <a:p>
-            <a:endParaRPr lang="it-IT" sz="3200" b="0" strike="noStrike" spc="-1">
+          <a:p>
+            <a:endParaRPr b="0" lang="it-IT" sz="2800" spc="-1" strike="noStrike">
+              <a:solidFill>
+                <a:srgbClr val="000000"/>
+              </a:solidFill>
               <a:latin typeface="Arial"/>
             </a:endParaRPr>
           </a:p>
@@ -1462,12 +1378,14 @@
           </a:prstGeom>
         </p:spPr>
         <p:txBody>
-          <a:bodyPr lIns="0" tIns="0" rIns="0" bIns="0">
+          <a:bodyPr lIns="0" rIns="0" tIns="0" bIns="0">
             <a:normAutofit/>
           </a:bodyPr>
-          <a:lstStyle/>
-          <a:p>
-            <a:endParaRPr lang="it-IT" sz="3200" b="0" strike="noStrike" spc="-1">
+          <a:p>
+            <a:endParaRPr b="0" lang="it-IT" sz="2800" spc="-1" strike="noStrike">
+              <a:solidFill>
+                <a:srgbClr val="000000"/>
+              </a:solidFill>
               <a:latin typeface="Arial"/>
             </a:endParaRPr>
           </a:p>
@@ -1475,14 +1393,11 @@
       </p:sp>
     </p:spTree>
   </p:cSld>
-  <p:clrMapOvr>
-    <a:masterClrMapping/>
-  </p:clrMapOvr>
 </p:sldLayout>
 </file>
 
 <file path=ppt/slideLayouts/slideLayout21.xml><?xml version="1.0" encoding="utf-8"?>
-<p:sldLayout xmlns:a="http://schemas.openxmlformats.org/drawingml/2006/main" xmlns:r="http://schemas.openxmlformats.org/officeDocument/2006/relationships" xmlns:p="http://schemas.openxmlformats.org/presentationml/2006/main" type="twoObjOverTx" preserve="1">
+<p:sldLayout xmlns:a="http://schemas.openxmlformats.org/drawingml/2006/main" xmlns:p="http://schemas.openxmlformats.org/presentationml/2006/main" xmlns:r="http://schemas.openxmlformats.org/officeDocument/2006/relationships" xmlns:p14="http://schemas.microsoft.com/office/powerpoint/2010/main" xmlns:p15="http://schemas.microsoft.com/office/powerpoint/2012/main" xmlns:mc="http://schemas.openxmlformats.org/markup-compatibility/2006" type="twoObjOverTx" preserve="1">
   <p:cSld name="Title, 2 Content over Content">
     <p:spTree>
       <p:nvGrpSpPr>
@@ -1511,18 +1426,19 @@
         <p:spPr>
           <a:xfrm>
             <a:off x="182880" y="90000"/>
-            <a:ext cx="8759160" cy="1140480"/>
-          </a:xfrm>
-          <a:prstGeom prst="rect">
-            <a:avLst/>
-          </a:prstGeom>
-        </p:spPr>
-        <p:txBody>
-          <a:bodyPr lIns="0" tIns="0" rIns="0" bIns="0" anchor="ctr"/>
-          <a:lstStyle/>
-          <a:p>
-            <a:pPr algn="ctr"/>
-            <a:endParaRPr lang="it-IT" sz="4400" b="0" strike="noStrike" spc="-1">
+            <a:ext cx="8758800" cy="1140120"/>
+          </a:xfrm>
+          <a:prstGeom prst="rect">
+            <a:avLst/>
+          </a:prstGeom>
+        </p:spPr>
+        <p:txBody>
+          <a:bodyPr lIns="0" rIns="0" tIns="0" bIns="0" anchor="ctr"/>
+          <a:p>
+            <a:endParaRPr b="0" lang="it-IT" sz="1800" spc="-1" strike="noStrike">
+              <a:solidFill>
+                <a:srgbClr val="000000"/>
+              </a:solidFill>
               <a:latin typeface="Arial"/>
             </a:endParaRPr>
           </a:p>
@@ -1548,12 +1464,14 @@
           </a:prstGeom>
         </p:spPr>
         <p:txBody>
-          <a:bodyPr lIns="0" tIns="0" rIns="0" bIns="0">
+          <a:bodyPr lIns="0" rIns="0" tIns="0" bIns="0">
             <a:normAutofit/>
           </a:bodyPr>
-          <a:lstStyle/>
-          <a:p>
-            <a:endParaRPr lang="it-IT" sz="3200" b="0" strike="noStrike" spc="-1">
+          <a:p>
+            <a:endParaRPr b="0" lang="it-IT" sz="2800" spc="-1" strike="noStrike">
+              <a:solidFill>
+                <a:srgbClr val="000000"/>
+              </a:solidFill>
               <a:latin typeface="Arial"/>
             </a:endParaRPr>
           </a:p>
@@ -1579,12 +1497,14 @@
           </a:prstGeom>
         </p:spPr>
         <p:txBody>
-          <a:bodyPr lIns="0" tIns="0" rIns="0" bIns="0">
+          <a:bodyPr lIns="0" rIns="0" tIns="0" bIns="0">
             <a:normAutofit/>
           </a:bodyPr>
-          <a:lstStyle/>
-          <a:p>
-            <a:endParaRPr lang="it-IT" sz="3200" b="0" strike="noStrike" spc="-1">
+          <a:p>
+            <a:endParaRPr b="0" lang="it-IT" sz="2800" spc="-1" strike="noStrike">
+              <a:solidFill>
+                <a:srgbClr val="000000"/>
+              </a:solidFill>
               <a:latin typeface="Arial"/>
             </a:endParaRPr>
           </a:p>
@@ -1610,12 +1530,14 @@
           </a:prstGeom>
         </p:spPr>
         <p:txBody>
-          <a:bodyPr lIns="0" tIns="0" rIns="0" bIns="0">
+          <a:bodyPr lIns="0" rIns="0" tIns="0" bIns="0">
             <a:normAutofit/>
           </a:bodyPr>
-          <a:lstStyle/>
-          <a:p>
-            <a:endParaRPr lang="it-IT" sz="3200" b="0" strike="noStrike" spc="-1">
+          <a:p>
+            <a:endParaRPr b="0" lang="it-IT" sz="2800" spc="-1" strike="noStrike">
+              <a:solidFill>
+                <a:srgbClr val="000000"/>
+              </a:solidFill>
               <a:latin typeface="Arial"/>
             </a:endParaRPr>
           </a:p>
@@ -1623,14 +1545,11 @@
       </p:sp>
     </p:spTree>
   </p:cSld>
-  <p:clrMapOvr>
-    <a:masterClrMapping/>
-  </p:clrMapOvr>
 </p:sldLayout>
 </file>
 
 <file path=ppt/slideLayouts/slideLayout22.xml><?xml version="1.0" encoding="utf-8"?>
-<p:sldLayout xmlns:a="http://schemas.openxmlformats.org/drawingml/2006/main" xmlns:r="http://schemas.openxmlformats.org/officeDocument/2006/relationships" xmlns:p="http://schemas.openxmlformats.org/presentationml/2006/main" type="objOverTx" preserve="1">
+<p:sldLayout xmlns:a="http://schemas.openxmlformats.org/drawingml/2006/main" xmlns:p="http://schemas.openxmlformats.org/presentationml/2006/main" xmlns:r="http://schemas.openxmlformats.org/officeDocument/2006/relationships" xmlns:p14="http://schemas.microsoft.com/office/powerpoint/2010/main" xmlns:p15="http://schemas.microsoft.com/office/powerpoint/2012/main" xmlns:mc="http://schemas.openxmlformats.org/markup-compatibility/2006" type="objOverTx" preserve="1">
   <p:cSld name="Title, Content over Content">
     <p:spTree>
       <p:nvGrpSpPr>
@@ -1659,18 +1578,19 @@
         <p:spPr>
           <a:xfrm>
             <a:off x="182880" y="90000"/>
-            <a:ext cx="8759160" cy="1140480"/>
-          </a:xfrm>
-          <a:prstGeom prst="rect">
-            <a:avLst/>
-          </a:prstGeom>
-        </p:spPr>
-        <p:txBody>
-          <a:bodyPr lIns="0" tIns="0" rIns="0" bIns="0" anchor="ctr"/>
-          <a:lstStyle/>
-          <a:p>
-            <a:pPr algn="ctr"/>
-            <a:endParaRPr lang="it-IT" sz="4400" b="0" strike="noStrike" spc="-1">
+            <a:ext cx="8758800" cy="1140120"/>
+          </a:xfrm>
+          <a:prstGeom prst="rect">
+            <a:avLst/>
+          </a:prstGeom>
+        </p:spPr>
+        <p:txBody>
+          <a:bodyPr lIns="0" rIns="0" tIns="0" bIns="0" anchor="ctr"/>
+          <a:p>
+            <a:endParaRPr b="0" lang="it-IT" sz="1800" spc="-1" strike="noStrike">
+              <a:solidFill>
+                <a:srgbClr val="000000"/>
+              </a:solidFill>
               <a:latin typeface="Arial"/>
             </a:endParaRPr>
           </a:p>
@@ -1696,12 +1616,14 @@
           </a:prstGeom>
         </p:spPr>
         <p:txBody>
-          <a:bodyPr lIns="0" tIns="0" rIns="0" bIns="0">
+          <a:bodyPr lIns="0" rIns="0" tIns="0" bIns="0">
             <a:normAutofit/>
           </a:bodyPr>
-          <a:lstStyle/>
-          <a:p>
-            <a:endParaRPr lang="it-IT" sz="3200" b="0" strike="noStrike" spc="-1">
+          <a:p>
+            <a:endParaRPr b="0" lang="it-IT" sz="2800" spc="-1" strike="noStrike">
+              <a:solidFill>
+                <a:srgbClr val="000000"/>
+              </a:solidFill>
               <a:latin typeface="Arial"/>
             </a:endParaRPr>
           </a:p>
@@ -1727,12 +1649,14 @@
           </a:prstGeom>
         </p:spPr>
         <p:txBody>
-          <a:bodyPr lIns="0" tIns="0" rIns="0" bIns="0">
+          <a:bodyPr lIns="0" rIns="0" tIns="0" bIns="0">
             <a:normAutofit/>
           </a:bodyPr>
-          <a:lstStyle/>
-          <a:p>
-            <a:endParaRPr lang="it-IT" sz="3200" b="0" strike="noStrike" spc="-1">
+          <a:p>
+            <a:endParaRPr b="0" lang="it-IT" sz="2800" spc="-1" strike="noStrike">
+              <a:solidFill>
+                <a:srgbClr val="000000"/>
+              </a:solidFill>
               <a:latin typeface="Arial"/>
             </a:endParaRPr>
           </a:p>
@@ -1740,14 +1664,11 @@
       </p:sp>
     </p:spTree>
   </p:cSld>
-  <p:clrMapOvr>
-    <a:masterClrMapping/>
-  </p:clrMapOvr>
 </p:sldLayout>
 </file>
 
 <file path=ppt/slideLayouts/slideLayout23.xml><?xml version="1.0" encoding="utf-8"?>
-<p:sldLayout xmlns:a="http://schemas.openxmlformats.org/drawingml/2006/main" xmlns:r="http://schemas.openxmlformats.org/officeDocument/2006/relationships" xmlns:p="http://schemas.openxmlformats.org/presentationml/2006/main" type="fourObj" preserve="1">
+<p:sldLayout xmlns:a="http://schemas.openxmlformats.org/drawingml/2006/main" xmlns:p="http://schemas.openxmlformats.org/presentationml/2006/main" xmlns:r="http://schemas.openxmlformats.org/officeDocument/2006/relationships" xmlns:p14="http://schemas.microsoft.com/office/powerpoint/2010/main" xmlns:p15="http://schemas.microsoft.com/office/powerpoint/2012/main" xmlns:mc="http://schemas.openxmlformats.org/markup-compatibility/2006" type="fourObj" preserve="1">
   <p:cSld name="Title, 4 Content">
     <p:spTree>
       <p:nvGrpSpPr>
@@ -1776,18 +1697,19 @@
         <p:spPr>
           <a:xfrm>
             <a:off x="182880" y="90000"/>
-            <a:ext cx="8759160" cy="1140480"/>
-          </a:xfrm>
-          <a:prstGeom prst="rect">
-            <a:avLst/>
-          </a:prstGeom>
-        </p:spPr>
-        <p:txBody>
-          <a:bodyPr lIns="0" tIns="0" rIns="0" bIns="0" anchor="ctr"/>
-          <a:lstStyle/>
-          <a:p>
-            <a:pPr algn="ctr"/>
-            <a:endParaRPr lang="it-IT" sz="4400" b="0" strike="noStrike" spc="-1">
+            <a:ext cx="8758800" cy="1140120"/>
+          </a:xfrm>
+          <a:prstGeom prst="rect">
+            <a:avLst/>
+          </a:prstGeom>
+        </p:spPr>
+        <p:txBody>
+          <a:bodyPr lIns="0" rIns="0" tIns="0" bIns="0" anchor="ctr"/>
+          <a:p>
+            <a:endParaRPr b="0" lang="it-IT" sz="1800" spc="-1" strike="noStrike">
+              <a:solidFill>
+                <a:srgbClr val="000000"/>
+              </a:solidFill>
               <a:latin typeface="Arial"/>
             </a:endParaRPr>
           </a:p>
@@ -1813,12 +1735,14 @@
           </a:prstGeom>
         </p:spPr>
         <p:txBody>
-          <a:bodyPr lIns="0" tIns="0" rIns="0" bIns="0">
+          <a:bodyPr lIns="0" rIns="0" tIns="0" bIns="0">
             <a:normAutofit/>
           </a:bodyPr>
-          <a:lstStyle/>
-          <a:p>
-            <a:endParaRPr lang="it-IT" sz="3200" b="0" strike="noStrike" spc="-1">
+          <a:p>
+            <a:endParaRPr b="0" lang="it-IT" sz="2800" spc="-1" strike="noStrike">
+              <a:solidFill>
+                <a:srgbClr val="000000"/>
+              </a:solidFill>
               <a:latin typeface="Arial"/>
             </a:endParaRPr>
           </a:p>
@@ -1844,12 +1768,14 @@
           </a:prstGeom>
         </p:spPr>
         <p:txBody>
-          <a:bodyPr lIns="0" tIns="0" rIns="0" bIns="0">
+          <a:bodyPr lIns="0" rIns="0" tIns="0" bIns="0">
             <a:normAutofit/>
           </a:bodyPr>
-          <a:lstStyle/>
-          <a:p>
-            <a:endParaRPr lang="it-IT" sz="3200" b="0" strike="noStrike" spc="-1">
+          <a:p>
+            <a:endParaRPr b="0" lang="it-IT" sz="2800" spc="-1" strike="noStrike">
+              <a:solidFill>
+                <a:srgbClr val="000000"/>
+              </a:solidFill>
               <a:latin typeface="Arial"/>
             </a:endParaRPr>
           </a:p>
@@ -1875,12 +1801,14 @@
           </a:prstGeom>
         </p:spPr>
         <p:txBody>
-          <a:bodyPr lIns="0" tIns="0" rIns="0" bIns="0">
+          <a:bodyPr lIns="0" rIns="0" tIns="0" bIns="0">
             <a:normAutofit/>
           </a:bodyPr>
-          <a:lstStyle/>
-          <a:p>
-            <a:endParaRPr lang="it-IT" sz="3200" b="0" strike="noStrike" spc="-1">
+          <a:p>
+            <a:endParaRPr b="0" lang="it-IT" sz="2800" spc="-1" strike="noStrike">
+              <a:solidFill>
+                <a:srgbClr val="000000"/>
+              </a:solidFill>
               <a:latin typeface="Arial"/>
             </a:endParaRPr>
           </a:p>
@@ -1906,12 +1834,14 @@
           </a:prstGeom>
         </p:spPr>
         <p:txBody>
-          <a:bodyPr lIns="0" tIns="0" rIns="0" bIns="0">
+          <a:bodyPr lIns="0" rIns="0" tIns="0" bIns="0">
             <a:normAutofit/>
           </a:bodyPr>
-          <a:lstStyle/>
-          <a:p>
-            <a:endParaRPr lang="it-IT" sz="3200" b="0" strike="noStrike" spc="-1">
+          <a:p>
+            <a:endParaRPr b="0" lang="it-IT" sz="2800" spc="-1" strike="noStrike">
+              <a:solidFill>
+                <a:srgbClr val="000000"/>
+              </a:solidFill>
               <a:latin typeface="Arial"/>
             </a:endParaRPr>
           </a:p>
@@ -1919,14 +1849,11 @@
       </p:sp>
     </p:spTree>
   </p:cSld>
-  <p:clrMapOvr>
-    <a:masterClrMapping/>
-  </p:clrMapOvr>
 </p:sldLayout>
 </file>
 
 <file path=ppt/slideLayouts/slideLayout24.xml><?xml version="1.0" encoding="utf-8"?>
-<p:sldLayout xmlns:a="http://schemas.openxmlformats.org/drawingml/2006/main" xmlns:r="http://schemas.openxmlformats.org/officeDocument/2006/relationships" xmlns:p="http://schemas.openxmlformats.org/presentationml/2006/main" type="blank" preserve="1">
+<p:sldLayout xmlns:a="http://schemas.openxmlformats.org/drawingml/2006/main" xmlns:p="http://schemas.openxmlformats.org/presentationml/2006/main" xmlns:r="http://schemas.openxmlformats.org/officeDocument/2006/relationships" xmlns:p14="http://schemas.microsoft.com/office/powerpoint/2010/main" xmlns:p15="http://schemas.microsoft.com/office/powerpoint/2012/main" xmlns:mc="http://schemas.openxmlformats.org/markup-compatibility/2006" type="blank" preserve="1">
   <p:cSld name="Title, 6 Content">
     <p:spTree>
       <p:nvGrpSpPr>
@@ -1955,18 +1882,19 @@
         <p:spPr>
           <a:xfrm>
             <a:off x="182880" y="90000"/>
-            <a:ext cx="8759160" cy="1140480"/>
-          </a:xfrm>
-          <a:prstGeom prst="rect">
-            <a:avLst/>
-          </a:prstGeom>
-        </p:spPr>
-        <p:txBody>
-          <a:bodyPr lIns="0" tIns="0" rIns="0" bIns="0" anchor="ctr"/>
-          <a:lstStyle/>
-          <a:p>
-            <a:pPr algn="ctr"/>
-            <a:endParaRPr lang="it-IT" sz="4400" b="0" strike="noStrike" spc="-1">
+            <a:ext cx="8758800" cy="1140120"/>
+          </a:xfrm>
+          <a:prstGeom prst="rect">
+            <a:avLst/>
+          </a:prstGeom>
+        </p:spPr>
+        <p:txBody>
+          <a:bodyPr lIns="0" rIns="0" tIns="0" bIns="0" anchor="ctr"/>
+          <a:p>
+            <a:endParaRPr b="0" lang="it-IT" sz="1800" spc="-1" strike="noStrike">
+              <a:solidFill>
+                <a:srgbClr val="000000"/>
+              </a:solidFill>
               <a:latin typeface="Arial"/>
             </a:endParaRPr>
           </a:p>
@@ -1992,12 +1920,14 @@
           </a:prstGeom>
         </p:spPr>
         <p:txBody>
-          <a:bodyPr lIns="0" tIns="0" rIns="0" bIns="0">
+          <a:bodyPr lIns="0" rIns="0" tIns="0" bIns="0">
             <a:normAutofit/>
           </a:bodyPr>
-          <a:lstStyle/>
-          <a:p>
-            <a:endParaRPr lang="it-IT" sz="3200" b="0" strike="noStrike" spc="-1">
+          <a:p>
+            <a:endParaRPr b="0" lang="it-IT" sz="2800" spc="-1" strike="noStrike">
+              <a:solidFill>
+                <a:srgbClr val="000000"/>
+              </a:solidFill>
               <a:latin typeface="Arial"/>
             </a:endParaRPr>
           </a:p>
@@ -2023,12 +1953,14 @@
           </a:prstGeom>
         </p:spPr>
         <p:txBody>
-          <a:bodyPr lIns="0" tIns="0" rIns="0" bIns="0">
+          <a:bodyPr lIns="0" rIns="0" tIns="0" bIns="0">
             <a:normAutofit/>
           </a:bodyPr>
-          <a:lstStyle/>
-          <a:p>
-            <a:endParaRPr lang="it-IT" sz="3200" b="0" strike="noStrike" spc="-1">
+          <a:p>
+            <a:endParaRPr b="0" lang="it-IT" sz="2800" spc="-1" strike="noStrike">
+              <a:solidFill>
+                <a:srgbClr val="000000"/>
+              </a:solidFill>
               <a:latin typeface="Arial"/>
             </a:endParaRPr>
           </a:p>
@@ -2054,12 +1986,14 @@
           </a:prstGeom>
         </p:spPr>
         <p:txBody>
-          <a:bodyPr lIns="0" tIns="0" rIns="0" bIns="0">
+          <a:bodyPr lIns="0" rIns="0" tIns="0" bIns="0">
             <a:normAutofit/>
           </a:bodyPr>
-          <a:lstStyle/>
-          <a:p>
-            <a:endParaRPr lang="it-IT" sz="3200" b="0" strike="noStrike" spc="-1">
+          <a:p>
+            <a:endParaRPr b="0" lang="it-IT" sz="2800" spc="-1" strike="noStrike">
+              <a:solidFill>
+                <a:srgbClr val="000000"/>
+              </a:solidFill>
               <a:latin typeface="Arial"/>
             </a:endParaRPr>
           </a:p>
@@ -2085,12 +2019,14 @@
           </a:prstGeom>
         </p:spPr>
         <p:txBody>
-          <a:bodyPr lIns="0" tIns="0" rIns="0" bIns="0">
+          <a:bodyPr lIns="0" rIns="0" tIns="0" bIns="0">
             <a:normAutofit/>
           </a:bodyPr>
-          <a:lstStyle/>
-          <a:p>
-            <a:endParaRPr lang="it-IT" sz="3200" b="0" strike="noStrike" spc="-1">
+          <a:p>
+            <a:endParaRPr b="0" lang="it-IT" sz="2800" spc="-1" strike="noStrike">
+              <a:solidFill>
+                <a:srgbClr val="000000"/>
+              </a:solidFill>
               <a:latin typeface="Arial"/>
             </a:endParaRPr>
           </a:p>
@@ -2116,12 +2052,14 @@
           </a:prstGeom>
         </p:spPr>
         <p:txBody>
-          <a:bodyPr lIns="0" tIns="0" rIns="0" bIns="0">
+          <a:bodyPr lIns="0" rIns="0" tIns="0" bIns="0">
             <a:normAutofit/>
           </a:bodyPr>
-          <a:lstStyle/>
-          <a:p>
-            <a:endParaRPr lang="it-IT" sz="3200" b="0" strike="noStrike" spc="-1">
+          <a:p>
+            <a:endParaRPr b="0" lang="it-IT" sz="2800" spc="-1" strike="noStrike">
+              <a:solidFill>
+                <a:srgbClr val="000000"/>
+              </a:solidFill>
               <a:latin typeface="Arial"/>
             </a:endParaRPr>
           </a:p>
@@ -2147,12 +2085,14 @@
           </a:prstGeom>
         </p:spPr>
         <p:txBody>
-          <a:bodyPr lIns="0" tIns="0" rIns="0" bIns="0">
+          <a:bodyPr lIns="0" rIns="0" tIns="0" bIns="0">
             <a:normAutofit/>
           </a:bodyPr>
-          <a:lstStyle/>
-          <a:p>
-            <a:endParaRPr lang="it-IT" sz="3200" b="0" strike="noStrike" spc="-1">
+          <a:p>
+            <a:endParaRPr b="0" lang="it-IT" sz="2800" spc="-1" strike="noStrike">
+              <a:solidFill>
+                <a:srgbClr val="000000"/>
+              </a:solidFill>
               <a:latin typeface="Arial"/>
             </a:endParaRPr>
           </a:p>
@@ -2160,14 +2100,11 @@
       </p:sp>
     </p:spTree>
   </p:cSld>
-  <p:clrMapOvr>
-    <a:masterClrMapping/>
-  </p:clrMapOvr>
 </p:sldLayout>
 </file>
 
 <file path=ppt/slideLayouts/slideLayout3.xml><?xml version="1.0" encoding="utf-8"?>
-<p:sldLayout xmlns:a="http://schemas.openxmlformats.org/drawingml/2006/main" xmlns:r="http://schemas.openxmlformats.org/officeDocument/2006/relationships" xmlns:p="http://schemas.openxmlformats.org/presentationml/2006/main" type="obj" preserve="1">
+<p:sldLayout xmlns:a="http://schemas.openxmlformats.org/drawingml/2006/main" xmlns:p="http://schemas.openxmlformats.org/presentationml/2006/main" xmlns:r="http://schemas.openxmlformats.org/officeDocument/2006/relationships" xmlns:p14="http://schemas.microsoft.com/office/powerpoint/2010/main" xmlns:p15="http://schemas.microsoft.com/office/powerpoint/2012/main" xmlns:mc="http://schemas.openxmlformats.org/markup-compatibility/2006" type="obj" preserve="1">
   <p:cSld name="Title, Content">
     <p:spTree>
       <p:nvGrpSpPr>
@@ -2196,18 +2133,19 @@
         <p:spPr>
           <a:xfrm>
             <a:off x="182880" y="90000"/>
-            <a:ext cx="8759160" cy="1140480"/>
-          </a:xfrm>
-          <a:prstGeom prst="rect">
-            <a:avLst/>
-          </a:prstGeom>
-        </p:spPr>
-        <p:txBody>
-          <a:bodyPr lIns="0" tIns="0" rIns="0" bIns="0" anchor="ctr"/>
-          <a:lstStyle/>
-          <a:p>
-            <a:pPr algn="ctr"/>
-            <a:endParaRPr lang="it-IT" sz="4400" b="0" strike="noStrike" spc="-1">
+            <a:ext cx="8758800" cy="1140120"/>
+          </a:xfrm>
+          <a:prstGeom prst="rect">
+            <a:avLst/>
+          </a:prstGeom>
+        </p:spPr>
+        <p:txBody>
+          <a:bodyPr lIns="0" rIns="0" tIns="0" bIns="0" anchor="ctr"/>
+          <a:p>
+            <a:endParaRPr b="0" lang="it-IT" sz="1800" spc="-1" strike="noStrike">
+              <a:solidFill>
+                <a:srgbClr val="000000"/>
+              </a:solidFill>
               <a:latin typeface="Arial"/>
             </a:endParaRPr>
           </a:p>
@@ -2233,12 +2171,14 @@
           </a:prstGeom>
         </p:spPr>
         <p:txBody>
-          <a:bodyPr lIns="0" tIns="0" rIns="0" bIns="0">
+          <a:bodyPr lIns="0" rIns="0" tIns="0" bIns="0">
             <a:normAutofit/>
           </a:bodyPr>
-          <a:lstStyle/>
-          <a:p>
-            <a:endParaRPr lang="it-IT" sz="3200" b="0" strike="noStrike" spc="-1">
+          <a:p>
+            <a:endParaRPr b="0" lang="it-IT" sz="2800" spc="-1" strike="noStrike">
+              <a:solidFill>
+                <a:srgbClr val="000000"/>
+              </a:solidFill>
               <a:latin typeface="Arial"/>
             </a:endParaRPr>
           </a:p>
@@ -2246,14 +2186,11 @@
       </p:sp>
     </p:spTree>
   </p:cSld>
-  <p:clrMapOvr>
-    <a:masterClrMapping/>
-  </p:clrMapOvr>
 </p:sldLayout>
 </file>
 
 <file path=ppt/slideLayouts/slideLayout4.xml><?xml version="1.0" encoding="utf-8"?>
-<p:sldLayout xmlns:a="http://schemas.openxmlformats.org/drawingml/2006/main" xmlns:r="http://schemas.openxmlformats.org/officeDocument/2006/relationships" xmlns:p="http://schemas.openxmlformats.org/presentationml/2006/main" type="twoObj" preserve="1">
+<p:sldLayout xmlns:a="http://schemas.openxmlformats.org/drawingml/2006/main" xmlns:p="http://schemas.openxmlformats.org/presentationml/2006/main" xmlns:r="http://schemas.openxmlformats.org/officeDocument/2006/relationships" xmlns:p14="http://schemas.microsoft.com/office/powerpoint/2010/main" xmlns:p15="http://schemas.microsoft.com/office/powerpoint/2012/main" xmlns:mc="http://schemas.openxmlformats.org/markup-compatibility/2006" type="twoObj" preserve="1">
   <p:cSld name="Title, 2 Content">
     <p:spTree>
       <p:nvGrpSpPr>
@@ -2282,18 +2219,19 @@
         <p:spPr>
           <a:xfrm>
             <a:off x="182880" y="90000"/>
-            <a:ext cx="8759160" cy="1140480"/>
-          </a:xfrm>
-          <a:prstGeom prst="rect">
-            <a:avLst/>
-          </a:prstGeom>
-        </p:spPr>
-        <p:txBody>
-          <a:bodyPr lIns="0" tIns="0" rIns="0" bIns="0" anchor="ctr"/>
-          <a:lstStyle/>
-          <a:p>
-            <a:pPr algn="ctr"/>
-            <a:endParaRPr lang="it-IT" sz="4400" b="0" strike="noStrike" spc="-1">
+            <a:ext cx="8758800" cy="1140120"/>
+          </a:xfrm>
+          <a:prstGeom prst="rect">
+            <a:avLst/>
+          </a:prstGeom>
+        </p:spPr>
+        <p:txBody>
+          <a:bodyPr lIns="0" rIns="0" tIns="0" bIns="0" anchor="ctr"/>
+          <a:p>
+            <a:endParaRPr b="0" lang="it-IT" sz="1800" spc="-1" strike="noStrike">
+              <a:solidFill>
+                <a:srgbClr val="000000"/>
+              </a:solidFill>
               <a:latin typeface="Arial"/>
             </a:endParaRPr>
           </a:p>
@@ -2319,12 +2257,14 @@
           </a:prstGeom>
         </p:spPr>
         <p:txBody>
-          <a:bodyPr lIns="0" tIns="0" rIns="0" bIns="0">
+          <a:bodyPr lIns="0" rIns="0" tIns="0" bIns="0">
             <a:normAutofit/>
           </a:bodyPr>
-          <a:lstStyle/>
-          <a:p>
-            <a:endParaRPr lang="it-IT" sz="3200" b="0" strike="noStrike" spc="-1">
+          <a:p>
+            <a:endParaRPr b="0" lang="it-IT" sz="2800" spc="-1" strike="noStrike">
+              <a:solidFill>
+                <a:srgbClr val="000000"/>
+              </a:solidFill>
               <a:latin typeface="Arial"/>
             </a:endParaRPr>
           </a:p>
@@ -2350,12 +2290,14 @@
           </a:prstGeom>
         </p:spPr>
         <p:txBody>
-          <a:bodyPr lIns="0" tIns="0" rIns="0" bIns="0">
+          <a:bodyPr lIns="0" rIns="0" tIns="0" bIns="0">
             <a:normAutofit/>
           </a:bodyPr>
-          <a:lstStyle/>
-          <a:p>
-            <a:endParaRPr lang="it-IT" sz="3200" b="0" strike="noStrike" spc="-1">
+          <a:p>
+            <a:endParaRPr b="0" lang="it-IT" sz="2800" spc="-1" strike="noStrike">
+              <a:solidFill>
+                <a:srgbClr val="000000"/>
+              </a:solidFill>
               <a:latin typeface="Arial"/>
             </a:endParaRPr>
           </a:p>
@@ -2363,14 +2305,11 @@
       </p:sp>
     </p:spTree>
   </p:cSld>
-  <p:clrMapOvr>
-    <a:masterClrMapping/>
-  </p:clrMapOvr>
 </p:sldLayout>
 </file>
 
 <file path=ppt/slideLayouts/slideLayout5.xml><?xml version="1.0" encoding="utf-8"?>
-<p:sldLayout xmlns:a="http://schemas.openxmlformats.org/drawingml/2006/main" xmlns:r="http://schemas.openxmlformats.org/officeDocument/2006/relationships" xmlns:p="http://schemas.openxmlformats.org/presentationml/2006/main" type="titleOnly" preserve="1">
+<p:sldLayout xmlns:a="http://schemas.openxmlformats.org/drawingml/2006/main" xmlns:p="http://schemas.openxmlformats.org/presentationml/2006/main" xmlns:r="http://schemas.openxmlformats.org/officeDocument/2006/relationships" xmlns:p14="http://schemas.microsoft.com/office/powerpoint/2010/main" xmlns:p15="http://schemas.microsoft.com/office/powerpoint/2012/main" xmlns:mc="http://schemas.openxmlformats.org/markup-compatibility/2006" type="titleOnly" preserve="1">
   <p:cSld name="Title Only">
     <p:spTree>
       <p:nvGrpSpPr>
@@ -2399,18 +2338,19 @@
         <p:spPr>
           <a:xfrm>
             <a:off x="182880" y="90000"/>
-            <a:ext cx="8759160" cy="1140480"/>
-          </a:xfrm>
-          <a:prstGeom prst="rect">
-            <a:avLst/>
-          </a:prstGeom>
-        </p:spPr>
-        <p:txBody>
-          <a:bodyPr lIns="0" tIns="0" rIns="0" bIns="0" anchor="ctr"/>
-          <a:lstStyle/>
-          <a:p>
-            <a:pPr algn="ctr"/>
-            <a:endParaRPr lang="it-IT" sz="4400" b="0" strike="noStrike" spc="-1">
+            <a:ext cx="8758800" cy="1140120"/>
+          </a:xfrm>
+          <a:prstGeom prst="rect">
+            <a:avLst/>
+          </a:prstGeom>
+        </p:spPr>
+        <p:txBody>
+          <a:bodyPr lIns="0" rIns="0" tIns="0" bIns="0" anchor="ctr"/>
+          <a:p>
+            <a:endParaRPr b="0" lang="it-IT" sz="1800" spc="-1" strike="noStrike">
+              <a:solidFill>
+                <a:srgbClr val="000000"/>
+              </a:solidFill>
               <a:latin typeface="Arial"/>
             </a:endParaRPr>
           </a:p>
@@ -2418,14 +2358,11 @@
       </p:sp>
     </p:spTree>
   </p:cSld>
-  <p:clrMapOvr>
-    <a:masterClrMapping/>
-  </p:clrMapOvr>
 </p:sldLayout>
 </file>
 
 <file path=ppt/slideLayouts/slideLayout6.xml><?xml version="1.0" encoding="utf-8"?>
-<p:sldLayout xmlns:a="http://schemas.openxmlformats.org/drawingml/2006/main" xmlns:r="http://schemas.openxmlformats.org/officeDocument/2006/relationships" xmlns:p="http://schemas.openxmlformats.org/presentationml/2006/main" type="objOnly" preserve="1">
+<p:sldLayout xmlns:a="http://schemas.openxmlformats.org/drawingml/2006/main" xmlns:p="http://schemas.openxmlformats.org/presentationml/2006/main" xmlns:r="http://schemas.openxmlformats.org/officeDocument/2006/relationships" xmlns:p14="http://schemas.microsoft.com/office/powerpoint/2010/main" xmlns:p15="http://schemas.microsoft.com/office/powerpoint/2012/main" xmlns:mc="http://schemas.openxmlformats.org/markup-compatibility/2006" type="objOnly" preserve="1">
   <p:cSld name="Centered Text">
     <p:spTree>
       <p:nvGrpSpPr>
@@ -2454,18 +2391,17 @@
         <p:spPr>
           <a:xfrm>
             <a:off x="182880" y="90000"/>
-            <a:ext cx="8759160" cy="5288040"/>
-          </a:xfrm>
-          <a:prstGeom prst="rect">
-            <a:avLst/>
-          </a:prstGeom>
-        </p:spPr>
-        <p:txBody>
-          <a:bodyPr lIns="0" tIns="0" rIns="0" bIns="0" anchor="ctr"/>
-          <a:lstStyle/>
+            <a:ext cx="8758800" cy="5286240"/>
+          </a:xfrm>
+          <a:prstGeom prst="rect">
+            <a:avLst/>
+          </a:prstGeom>
+        </p:spPr>
+        <p:txBody>
+          <a:bodyPr lIns="0" rIns="0" tIns="0" bIns="0" anchor="ctr"/>
           <a:p>
             <a:pPr algn="ctr"/>
-            <a:endParaRPr lang="it-IT" sz="3200" b="0" strike="noStrike" spc="-1">
+            <a:endParaRPr b="0" lang="it-IT" sz="3200" spc="-1" strike="noStrike">
               <a:latin typeface="Arial"/>
             </a:endParaRPr>
           </a:p>
@@ -2473,14 +2409,11 @@
       </p:sp>
     </p:spTree>
   </p:cSld>
-  <p:clrMapOvr>
-    <a:masterClrMapping/>
-  </p:clrMapOvr>
 </p:sldLayout>
 </file>
 
 <file path=ppt/slideLayouts/slideLayout7.xml><?xml version="1.0" encoding="utf-8"?>
-<p:sldLayout xmlns:a="http://schemas.openxmlformats.org/drawingml/2006/main" xmlns:r="http://schemas.openxmlformats.org/officeDocument/2006/relationships" xmlns:p="http://schemas.openxmlformats.org/presentationml/2006/main" type="twoObjAndObj" preserve="1">
+<p:sldLayout xmlns:a="http://schemas.openxmlformats.org/drawingml/2006/main" xmlns:p="http://schemas.openxmlformats.org/presentationml/2006/main" xmlns:r="http://schemas.openxmlformats.org/officeDocument/2006/relationships" xmlns:p14="http://schemas.microsoft.com/office/powerpoint/2010/main" xmlns:p15="http://schemas.microsoft.com/office/powerpoint/2012/main" xmlns:mc="http://schemas.openxmlformats.org/markup-compatibility/2006" type="twoObjAndObj" preserve="1">
   <p:cSld name="Title, 2 Content and Content">
     <p:spTree>
       <p:nvGrpSpPr>
@@ -2509,18 +2442,19 @@
         <p:spPr>
           <a:xfrm>
             <a:off x="182880" y="90000"/>
-            <a:ext cx="8759160" cy="1140480"/>
-          </a:xfrm>
-          <a:prstGeom prst="rect">
-            <a:avLst/>
-          </a:prstGeom>
-        </p:spPr>
-        <p:txBody>
-          <a:bodyPr lIns="0" tIns="0" rIns="0" bIns="0" anchor="ctr"/>
-          <a:lstStyle/>
-          <a:p>
-            <a:pPr algn="ctr"/>
-            <a:endParaRPr lang="it-IT" sz="4400" b="0" strike="noStrike" spc="-1">
+            <a:ext cx="8758800" cy="1140120"/>
+          </a:xfrm>
+          <a:prstGeom prst="rect">
+            <a:avLst/>
+          </a:prstGeom>
+        </p:spPr>
+        <p:txBody>
+          <a:bodyPr lIns="0" rIns="0" tIns="0" bIns="0" anchor="ctr"/>
+          <a:p>
+            <a:endParaRPr b="0" lang="it-IT" sz="1800" spc="-1" strike="noStrike">
+              <a:solidFill>
+                <a:srgbClr val="000000"/>
+              </a:solidFill>
               <a:latin typeface="Arial"/>
             </a:endParaRPr>
           </a:p>
@@ -2546,12 +2480,14 @@
           </a:prstGeom>
         </p:spPr>
         <p:txBody>
-          <a:bodyPr lIns="0" tIns="0" rIns="0" bIns="0">
+          <a:bodyPr lIns="0" rIns="0" tIns="0" bIns="0">
             <a:normAutofit/>
           </a:bodyPr>
-          <a:lstStyle/>
-          <a:p>
-            <a:endParaRPr lang="it-IT" sz="3200" b="0" strike="noStrike" spc="-1">
+          <a:p>
+            <a:endParaRPr b="0" lang="it-IT" sz="2800" spc="-1" strike="noStrike">
+              <a:solidFill>
+                <a:srgbClr val="000000"/>
+              </a:solidFill>
               <a:latin typeface="Arial"/>
             </a:endParaRPr>
           </a:p>
@@ -2577,12 +2513,14 @@
           </a:prstGeom>
         </p:spPr>
         <p:txBody>
-          <a:bodyPr lIns="0" tIns="0" rIns="0" bIns="0">
+          <a:bodyPr lIns="0" rIns="0" tIns="0" bIns="0">
             <a:normAutofit/>
           </a:bodyPr>
-          <a:lstStyle/>
-          <a:p>
-            <a:endParaRPr lang="it-IT" sz="3200" b="0" strike="noStrike" spc="-1">
+          <a:p>
+            <a:endParaRPr b="0" lang="it-IT" sz="2800" spc="-1" strike="noStrike">
+              <a:solidFill>
+                <a:srgbClr val="000000"/>
+              </a:solidFill>
               <a:latin typeface="Arial"/>
             </a:endParaRPr>
           </a:p>
@@ -2608,12 +2546,14 @@
           </a:prstGeom>
         </p:spPr>
         <p:txBody>
-          <a:bodyPr lIns="0" tIns="0" rIns="0" bIns="0">
+          <a:bodyPr lIns="0" rIns="0" tIns="0" bIns="0">
             <a:normAutofit/>
           </a:bodyPr>
-          <a:lstStyle/>
-          <a:p>
-            <a:endParaRPr lang="it-IT" sz="3200" b="0" strike="noStrike" spc="-1">
+          <a:p>
+            <a:endParaRPr b="0" lang="it-IT" sz="2800" spc="-1" strike="noStrike">
+              <a:solidFill>
+                <a:srgbClr val="000000"/>
+              </a:solidFill>
               <a:latin typeface="Arial"/>
             </a:endParaRPr>
           </a:p>
@@ -2621,14 +2561,11 @@
       </p:sp>
     </p:spTree>
   </p:cSld>
-  <p:clrMapOvr>
-    <a:masterClrMapping/>
-  </p:clrMapOvr>
 </p:sldLayout>
 </file>
 
 <file path=ppt/slideLayouts/slideLayout8.xml><?xml version="1.0" encoding="utf-8"?>
-<p:sldLayout xmlns:a="http://schemas.openxmlformats.org/drawingml/2006/main" xmlns:r="http://schemas.openxmlformats.org/officeDocument/2006/relationships" xmlns:p="http://schemas.openxmlformats.org/presentationml/2006/main" type="objAndTwoObj" preserve="1">
+<p:sldLayout xmlns:a="http://schemas.openxmlformats.org/drawingml/2006/main" xmlns:p="http://schemas.openxmlformats.org/presentationml/2006/main" xmlns:r="http://schemas.openxmlformats.org/officeDocument/2006/relationships" xmlns:p14="http://schemas.microsoft.com/office/powerpoint/2010/main" xmlns:p15="http://schemas.microsoft.com/office/powerpoint/2012/main" xmlns:mc="http://schemas.openxmlformats.org/markup-compatibility/2006" type="objAndTwoObj" preserve="1">
   <p:cSld name="Title Content and 2 Content">
     <p:spTree>
       <p:nvGrpSpPr>
@@ -2657,18 +2594,19 @@
         <p:spPr>
           <a:xfrm>
             <a:off x="182880" y="90000"/>
-            <a:ext cx="8759160" cy="1140480"/>
-          </a:xfrm>
-          <a:prstGeom prst="rect">
-            <a:avLst/>
-          </a:prstGeom>
-        </p:spPr>
-        <p:txBody>
-          <a:bodyPr lIns="0" tIns="0" rIns="0" bIns="0" anchor="ctr"/>
-          <a:lstStyle/>
-          <a:p>
-            <a:pPr algn="ctr"/>
-            <a:endParaRPr lang="it-IT" sz="4400" b="0" strike="noStrike" spc="-1">
+            <a:ext cx="8758800" cy="1140120"/>
+          </a:xfrm>
+          <a:prstGeom prst="rect">
+            <a:avLst/>
+          </a:prstGeom>
+        </p:spPr>
+        <p:txBody>
+          <a:bodyPr lIns="0" rIns="0" tIns="0" bIns="0" anchor="ctr"/>
+          <a:p>
+            <a:endParaRPr b="0" lang="it-IT" sz="1800" spc="-1" strike="noStrike">
+              <a:solidFill>
+                <a:srgbClr val="000000"/>
+              </a:solidFill>
               <a:latin typeface="Arial"/>
             </a:endParaRPr>
           </a:p>
@@ -2694,12 +2632,14 @@
           </a:prstGeom>
         </p:spPr>
         <p:txBody>
-          <a:bodyPr lIns="0" tIns="0" rIns="0" bIns="0">
+          <a:bodyPr lIns="0" rIns="0" tIns="0" bIns="0">
             <a:normAutofit/>
           </a:bodyPr>
-          <a:lstStyle/>
-          <a:p>
-            <a:endParaRPr lang="it-IT" sz="3200" b="0" strike="noStrike" spc="-1">
+          <a:p>
+            <a:endParaRPr b="0" lang="it-IT" sz="2800" spc="-1" strike="noStrike">
+              <a:solidFill>
+                <a:srgbClr val="000000"/>
+              </a:solidFill>
               <a:latin typeface="Arial"/>
             </a:endParaRPr>
           </a:p>
@@ -2725,12 +2665,14 @@
           </a:prstGeom>
         </p:spPr>
         <p:txBody>
-          <a:bodyPr lIns="0" tIns="0" rIns="0" bIns="0">
+          <a:bodyPr lIns="0" rIns="0" tIns="0" bIns="0">
             <a:normAutofit/>
           </a:bodyPr>
-          <a:lstStyle/>
-          <a:p>
-            <a:endParaRPr lang="it-IT" sz="3200" b="0" strike="noStrike" spc="-1">
+          <a:p>
+            <a:endParaRPr b="0" lang="it-IT" sz="2800" spc="-1" strike="noStrike">
+              <a:solidFill>
+                <a:srgbClr val="000000"/>
+              </a:solidFill>
               <a:latin typeface="Arial"/>
             </a:endParaRPr>
           </a:p>
@@ -2756,12 +2698,14 @@
           </a:prstGeom>
         </p:spPr>
         <p:txBody>
-          <a:bodyPr lIns="0" tIns="0" rIns="0" bIns="0">
+          <a:bodyPr lIns="0" rIns="0" tIns="0" bIns="0">
             <a:normAutofit/>
           </a:bodyPr>
-          <a:lstStyle/>
-          <a:p>
-            <a:endParaRPr lang="it-IT" sz="3200" b="0" strike="noStrike" spc="-1">
+          <a:p>
+            <a:endParaRPr b="0" lang="it-IT" sz="2800" spc="-1" strike="noStrike">
+              <a:solidFill>
+                <a:srgbClr val="000000"/>
+              </a:solidFill>
               <a:latin typeface="Arial"/>
             </a:endParaRPr>
           </a:p>
@@ -2769,14 +2713,11 @@
       </p:sp>
     </p:spTree>
   </p:cSld>
-  <p:clrMapOvr>
-    <a:masterClrMapping/>
-  </p:clrMapOvr>
 </p:sldLayout>
 </file>
 
 <file path=ppt/slideLayouts/slideLayout9.xml><?xml version="1.0" encoding="utf-8"?>
-<p:sldLayout xmlns:a="http://schemas.openxmlformats.org/drawingml/2006/main" xmlns:r="http://schemas.openxmlformats.org/officeDocument/2006/relationships" xmlns:p="http://schemas.openxmlformats.org/presentationml/2006/main" type="twoObjOverTx" preserve="1">
+<p:sldLayout xmlns:a="http://schemas.openxmlformats.org/drawingml/2006/main" xmlns:p="http://schemas.openxmlformats.org/presentationml/2006/main" xmlns:r="http://schemas.openxmlformats.org/officeDocument/2006/relationships" xmlns:p14="http://schemas.microsoft.com/office/powerpoint/2010/main" xmlns:p15="http://schemas.microsoft.com/office/powerpoint/2012/main" xmlns:mc="http://schemas.openxmlformats.org/markup-compatibility/2006" type="twoObjOverTx" preserve="1">
   <p:cSld name="Title, 2 Content over Content">
     <p:spTree>
       <p:nvGrpSpPr>
@@ -2805,18 +2746,19 @@
         <p:spPr>
           <a:xfrm>
             <a:off x="182880" y="90000"/>
-            <a:ext cx="8759160" cy="1140480"/>
-          </a:xfrm>
-          <a:prstGeom prst="rect">
-            <a:avLst/>
-          </a:prstGeom>
-        </p:spPr>
-        <p:txBody>
-          <a:bodyPr lIns="0" tIns="0" rIns="0" bIns="0" anchor="ctr"/>
-          <a:lstStyle/>
-          <a:p>
-            <a:pPr algn="ctr"/>
-            <a:endParaRPr lang="it-IT" sz="4400" b="0" strike="noStrike" spc="-1">
+            <a:ext cx="8758800" cy="1140120"/>
+          </a:xfrm>
+          <a:prstGeom prst="rect">
+            <a:avLst/>
+          </a:prstGeom>
+        </p:spPr>
+        <p:txBody>
+          <a:bodyPr lIns="0" rIns="0" tIns="0" bIns="0" anchor="ctr"/>
+          <a:p>
+            <a:endParaRPr b="0" lang="it-IT" sz="1800" spc="-1" strike="noStrike">
+              <a:solidFill>
+                <a:srgbClr val="000000"/>
+              </a:solidFill>
               <a:latin typeface="Arial"/>
             </a:endParaRPr>
           </a:p>
@@ -2842,12 +2784,14 @@
           </a:prstGeom>
         </p:spPr>
         <p:txBody>
-          <a:bodyPr lIns="0" tIns="0" rIns="0" bIns="0">
+          <a:bodyPr lIns="0" rIns="0" tIns="0" bIns="0">
             <a:normAutofit/>
           </a:bodyPr>
-          <a:lstStyle/>
-          <a:p>
-            <a:endParaRPr lang="it-IT" sz="3200" b="0" strike="noStrike" spc="-1">
+          <a:p>
+            <a:endParaRPr b="0" lang="it-IT" sz="2800" spc="-1" strike="noStrike">
+              <a:solidFill>
+                <a:srgbClr val="000000"/>
+              </a:solidFill>
               <a:latin typeface="Arial"/>
             </a:endParaRPr>
           </a:p>
@@ -2873,12 +2817,14 @@
           </a:prstGeom>
         </p:spPr>
         <p:txBody>
-          <a:bodyPr lIns="0" tIns="0" rIns="0" bIns="0">
+          <a:bodyPr lIns="0" rIns="0" tIns="0" bIns="0">
             <a:normAutofit/>
           </a:bodyPr>
-          <a:lstStyle/>
-          <a:p>
-            <a:endParaRPr lang="it-IT" sz="3200" b="0" strike="noStrike" spc="-1">
+          <a:p>
+            <a:endParaRPr b="0" lang="it-IT" sz="2800" spc="-1" strike="noStrike">
+              <a:solidFill>
+                <a:srgbClr val="000000"/>
+              </a:solidFill>
               <a:latin typeface="Arial"/>
             </a:endParaRPr>
           </a:p>
@@ -2904,12 +2850,14 @@
           </a:prstGeom>
         </p:spPr>
         <p:txBody>
-          <a:bodyPr lIns="0" tIns="0" rIns="0" bIns="0">
+          <a:bodyPr lIns="0" rIns="0" tIns="0" bIns="0">
             <a:normAutofit/>
           </a:bodyPr>
-          <a:lstStyle/>
-          <a:p>
-            <a:endParaRPr lang="it-IT" sz="3200" b="0" strike="noStrike" spc="-1">
+          <a:p>
+            <a:endParaRPr b="0" lang="it-IT" sz="2800" spc="-1" strike="noStrike">
+              <a:solidFill>
+                <a:srgbClr val="000000"/>
+              </a:solidFill>
               <a:latin typeface="Arial"/>
             </a:endParaRPr>
           </a:p>
@@ -2917,21 +2865,17 @@
       </p:sp>
     </p:spTree>
   </p:cSld>
-  <p:clrMapOvr>
-    <a:masterClrMapping/>
-  </p:clrMapOvr>
 </p:sldLayout>
 </file>
 
 <file path=ppt/slideMasters/slideMaster1.xml><?xml version="1.0" encoding="utf-8"?>
-<p:sldMaster xmlns:a="http://schemas.openxmlformats.org/drawingml/2006/main" xmlns:r="http://schemas.openxmlformats.org/officeDocument/2006/relationships" xmlns:p="http://schemas.openxmlformats.org/presentationml/2006/main">
+<p:sldMaster xmlns:a="http://schemas.openxmlformats.org/drawingml/2006/main" xmlns:p="http://schemas.openxmlformats.org/presentationml/2006/main" xmlns:r="http://schemas.openxmlformats.org/officeDocument/2006/relationships" xmlns:p14="http://schemas.microsoft.com/office/powerpoint/2010/main" xmlns:p15="http://schemas.microsoft.com/office/powerpoint/2012/main" xmlns:mc="http://schemas.openxmlformats.org/markup-compatibility/2006">
   <p:cSld>
     <p:bg>
       <p:bgPr>
         <a:solidFill>
-          <a:srgbClr val="FFFFFF"/>
+          <a:srgbClr val="ffffff"/>
         </a:solidFill>
-        <a:effectLst/>
       </p:bgPr>
     </p:bg>
     <p:spTree>
@@ -2950,18 +2894,18 @@
       </p:grpSpPr>
       <p:pic>
         <p:nvPicPr>
-          <p:cNvPr id="5" name="Immagine 8"/>
+          <p:cNvPr id="0" name="Immagine 8" descr=""/>
           <p:cNvPicPr/>
           <p:nvPr/>
         </p:nvPicPr>
         <p:blipFill>
-          <a:blip r:embed="rId14"/>
+          <a:blip r:embed="rId2"/>
           <a:stretch/>
         </p:blipFill>
         <p:spPr>
           <a:xfrm>
             <a:off x="7130160" y="6226200"/>
-            <a:ext cx="1554120" cy="508320"/>
+            <a:ext cx="1553760" cy="507960"/>
           </a:xfrm>
           <a:prstGeom prst="rect">
             <a:avLst/>
@@ -2973,18 +2917,18 @@
       </p:pic>
       <p:pic>
         <p:nvPicPr>
-          <p:cNvPr id="6" name="Immagine 9"/>
+          <p:cNvPr id="1" name="Immagine 9" descr=""/>
           <p:cNvPicPr/>
           <p:nvPr/>
         </p:nvPicPr>
         <p:blipFill>
-          <a:blip r:embed="rId15"/>
+          <a:blip r:embed="rId3"/>
           <a:stretch/>
         </p:blipFill>
         <p:spPr>
           <a:xfrm>
             <a:off x="182880" y="6226200"/>
-            <a:ext cx="2389680" cy="546480"/>
+            <a:ext cx="2389320" cy="546120"/>
           </a:xfrm>
           <a:prstGeom prst="rect">
             <a:avLst/>
@@ -2996,18 +2940,18 @@
       </p:pic>
       <p:pic>
         <p:nvPicPr>
-          <p:cNvPr id="2" name="Immagine 11"/>
+          <p:cNvPr id="2" name="Immagine 11" descr=""/>
           <p:cNvPicPr/>
           <p:nvPr/>
         </p:nvPicPr>
         <p:blipFill>
-          <a:blip r:embed="rId16"/>
+          <a:blip r:embed="rId4"/>
           <a:stretch/>
         </p:blipFill>
         <p:spPr>
           <a:xfrm>
             <a:off x="4068720" y="6144840"/>
-            <a:ext cx="1305000" cy="694080"/>
+            <a:ext cx="1304640" cy="693720"/>
           </a:xfrm>
           <a:prstGeom prst="rect">
             <a:avLst/>
@@ -3037,16 +2981,50 @@
           </a:prstGeom>
         </p:spPr>
         <p:txBody>
-          <a:bodyPr lIns="0" tIns="0" rIns="0" bIns="0" anchor="ctr"/>
-          <a:lstStyle/>
-          <a:p>
-            <a:pPr algn="ctr"/>
-            <a:r>
-              <a:rPr lang="it-IT" sz="4400" b="0" strike="noStrike" spc="-1">
-                <a:latin typeface="Arial"/>
-              </a:rPr>
-              <a:t>Click to edit the title text format</a:t>
-            </a:r>
+          <a:bodyPr lIns="0" rIns="0" tIns="0" bIns="0" anchor="ctr"/>
+          <a:p>
+            <a:r>
+              <a:rPr b="0" lang="it-IT" sz="1800" spc="-1" strike="noStrike">
+                <a:solidFill>
+                  <a:srgbClr val="000000"/>
+                </a:solidFill>
+                <a:latin typeface="Arial"/>
+              </a:rPr>
+              <a:t>Click to </a:t>
+            </a:r>
+            <a:r>
+              <a:rPr b="0" lang="it-IT" sz="1800" spc="-1" strike="noStrike">
+                <a:solidFill>
+                  <a:srgbClr val="000000"/>
+                </a:solidFill>
+                <a:latin typeface="Arial"/>
+              </a:rPr>
+              <a:t>edit the </a:t>
+            </a:r>
+            <a:r>
+              <a:rPr b="0" lang="it-IT" sz="1800" spc="-1" strike="noStrike">
+                <a:solidFill>
+                  <a:srgbClr val="000000"/>
+                </a:solidFill>
+                <a:latin typeface="Arial"/>
+              </a:rPr>
+              <a:t>title text </a:t>
+            </a:r>
+            <a:r>
+              <a:rPr b="0" lang="it-IT" sz="1800" spc="-1" strike="noStrike">
+                <a:solidFill>
+                  <a:srgbClr val="000000"/>
+                </a:solidFill>
+                <a:latin typeface="Arial"/>
+              </a:rPr>
+              <a:t>format</a:t>
+            </a:r>
+            <a:endParaRPr b="0" lang="it-IT" sz="1800" spc="-1" strike="noStrike">
+              <a:solidFill>
+                <a:srgbClr val="000000"/>
+              </a:solidFill>
+              <a:latin typeface="Arial"/>
+            </a:endParaRPr>
           </a:p>
         </p:txBody>
       </p:sp>
@@ -3070,10 +3048,9 @@
           </a:prstGeom>
         </p:spPr>
         <p:txBody>
-          <a:bodyPr lIns="0" tIns="0" rIns="0" bIns="0">
+          <a:bodyPr lIns="0" rIns="0" tIns="0" bIns="0">
             <a:normAutofit/>
           </a:bodyPr>
-          <a:lstStyle/>
           <a:p>
             <a:pPr marL="432000" indent="-324000">
               <a:spcBef>
@@ -3087,14 +3064,23 @@
               <a:buChar char=""/>
             </a:pPr>
             <a:r>
-              <a:rPr lang="it-IT" sz="3200" b="0" strike="noStrike" spc="-1">
+              <a:rPr b="0" lang="it-IT" sz="2800" spc="-1" strike="noStrike">
+                <a:solidFill>
+                  <a:srgbClr val="000000"/>
+                </a:solidFill>
                 <a:latin typeface="Arial"/>
               </a:rPr>
               <a:t>Click to edit the outline text format</a:t>
             </a:r>
-          </a:p>
-          <a:p>
-            <a:pPr marL="864000" lvl="1" indent="-324000">
+            <a:endParaRPr b="0" lang="it-IT" sz="2800" spc="-1" strike="noStrike">
+              <a:solidFill>
+                <a:srgbClr val="000000"/>
+              </a:solidFill>
+              <a:latin typeface="Arial"/>
+            </a:endParaRPr>
+          </a:p>
+          <a:p>
+            <a:pPr lvl="1" marL="864000" indent="-324000">
               <a:spcBef>
                 <a:spcPts val="1134"/>
               </a:spcBef>
@@ -3106,14 +3092,23 @@
               <a:buChar char=""/>
             </a:pPr>
             <a:r>
-              <a:rPr lang="it-IT" sz="2800" b="0" strike="noStrike" spc="-1">
+              <a:rPr b="0" lang="it-IT" sz="2000" spc="-1" strike="noStrike">
+                <a:solidFill>
+                  <a:srgbClr val="000000"/>
+                </a:solidFill>
                 <a:latin typeface="Arial"/>
               </a:rPr>
               <a:t>Second Outline Level</a:t>
             </a:r>
-          </a:p>
-          <a:p>
-            <a:pPr marL="1296000" lvl="2" indent="-288000">
+            <a:endParaRPr b="0" lang="it-IT" sz="2000" spc="-1" strike="noStrike">
+              <a:solidFill>
+                <a:srgbClr val="000000"/>
+              </a:solidFill>
+              <a:latin typeface="Arial"/>
+            </a:endParaRPr>
+          </a:p>
+          <a:p>
+            <a:pPr lvl="2" marL="1296000" indent="-288000">
               <a:spcBef>
                 <a:spcPts val="850"/>
               </a:spcBef>
@@ -3125,14 +3120,23 @@
               <a:buChar char=""/>
             </a:pPr>
             <a:r>
-              <a:rPr lang="it-IT" sz="2400" b="0" strike="noStrike" spc="-1">
+              <a:rPr b="0" lang="it-IT" sz="1800" spc="-1" strike="noStrike">
+                <a:solidFill>
+                  <a:srgbClr val="000000"/>
+                </a:solidFill>
                 <a:latin typeface="Arial"/>
               </a:rPr>
               <a:t>Third Outline Level</a:t>
             </a:r>
-          </a:p>
-          <a:p>
-            <a:pPr marL="1728000" lvl="3" indent="-216000">
+            <a:endParaRPr b="0" lang="it-IT" sz="1800" spc="-1" strike="noStrike">
+              <a:solidFill>
+                <a:srgbClr val="000000"/>
+              </a:solidFill>
+              <a:latin typeface="Arial"/>
+            </a:endParaRPr>
+          </a:p>
+          <a:p>
+            <a:pPr lvl="3" marL="1728000" indent="-216000">
               <a:spcBef>
                 <a:spcPts val="567"/>
               </a:spcBef>
@@ -3144,14 +3148,23 @@
               <a:buChar char=""/>
             </a:pPr>
             <a:r>
-              <a:rPr lang="it-IT" sz="2000" b="0" strike="noStrike" spc="-1">
+              <a:rPr b="0" lang="it-IT" sz="1800" spc="-1" strike="noStrike">
+                <a:solidFill>
+                  <a:srgbClr val="000000"/>
+                </a:solidFill>
                 <a:latin typeface="Arial"/>
               </a:rPr>
               <a:t>Fourth Outline Level</a:t>
             </a:r>
-          </a:p>
-          <a:p>
-            <a:pPr marL="2160000" lvl="4" indent="-216000">
+            <a:endParaRPr b="0" lang="it-IT" sz="1800" spc="-1" strike="noStrike">
+              <a:solidFill>
+                <a:srgbClr val="000000"/>
+              </a:solidFill>
+              <a:latin typeface="Arial"/>
+            </a:endParaRPr>
+          </a:p>
+          <a:p>
+            <a:pPr lvl="4" marL="2160000" indent="-216000">
               <a:spcBef>
                 <a:spcPts val="283"/>
               </a:spcBef>
@@ -3163,14 +3176,23 @@
               <a:buChar char=""/>
             </a:pPr>
             <a:r>
-              <a:rPr lang="it-IT" sz="2000" b="0" strike="noStrike" spc="-1">
+              <a:rPr b="0" lang="it-IT" sz="2000" spc="-1" strike="noStrike">
+                <a:solidFill>
+                  <a:srgbClr val="000000"/>
+                </a:solidFill>
                 <a:latin typeface="Arial"/>
               </a:rPr>
               <a:t>Fifth Outline Level</a:t>
             </a:r>
-          </a:p>
-          <a:p>
-            <a:pPr marL="2592000" lvl="5" indent="-216000">
+            <a:endParaRPr b="0" lang="it-IT" sz="2000" spc="-1" strike="noStrike">
+              <a:solidFill>
+                <a:srgbClr val="000000"/>
+              </a:solidFill>
+              <a:latin typeface="Arial"/>
+            </a:endParaRPr>
+          </a:p>
+          <a:p>
+            <a:pPr lvl="5" marL="2592000" indent="-216000">
               <a:spcBef>
                 <a:spcPts val="283"/>
               </a:spcBef>
@@ -3182,14 +3204,23 @@
               <a:buChar char=""/>
             </a:pPr>
             <a:r>
-              <a:rPr lang="it-IT" sz="2000" b="0" strike="noStrike" spc="-1">
+              <a:rPr b="0" lang="it-IT" sz="2000" spc="-1" strike="noStrike">
+                <a:solidFill>
+                  <a:srgbClr val="000000"/>
+                </a:solidFill>
                 <a:latin typeface="Arial"/>
               </a:rPr>
               <a:t>Sixth Outline Level</a:t>
             </a:r>
-          </a:p>
-          <a:p>
-            <a:pPr marL="3024000" lvl="6" indent="-216000">
+            <a:endParaRPr b="0" lang="it-IT" sz="2000" spc="-1" strike="noStrike">
+              <a:solidFill>
+                <a:srgbClr val="000000"/>
+              </a:solidFill>
+              <a:latin typeface="Arial"/>
+            </a:endParaRPr>
+          </a:p>
+          <a:p>
+            <a:pPr lvl="6" marL="3024000" indent="-216000">
               <a:spcBef>
                 <a:spcPts val="283"/>
               </a:spcBef>
@@ -3201,323 +3232,51 @@
               <a:buChar char=""/>
             </a:pPr>
             <a:r>
-              <a:rPr lang="it-IT" sz="2000" b="0" strike="noStrike" spc="-1">
+              <a:rPr b="0" lang="it-IT" sz="2000" spc="-1" strike="noStrike">
+                <a:solidFill>
+                  <a:srgbClr val="000000"/>
+                </a:solidFill>
                 <a:latin typeface="Arial"/>
               </a:rPr>
               <a:t>Seventh Outline Level</a:t>
             </a:r>
+            <a:endParaRPr b="0" lang="it-IT" sz="2000" spc="-1" strike="noStrike">
+              <a:solidFill>
+                <a:srgbClr val="000000"/>
+              </a:solidFill>
+              <a:latin typeface="Arial"/>
+            </a:endParaRPr>
           </a:p>
         </p:txBody>
       </p:sp>
     </p:spTree>
   </p:cSld>
-  <p:clrMap bg1="lt1" tx1="dk1" bg2="lt2" tx2="dk2" accent1="accent1" accent2="accent2" accent3="accent3" accent4="accent4" accent5="accent5" accent6="accent6" hlink="hlink" folHlink="folHlink"/>
+  <p:clrMap bg1="lt1" bg2="lt2" tx1="dk1" tx2="dk2" accent1="accent1" accent2="accent2" accent3="accent3" accent4="accent4" accent5="accent5" accent6="accent6" hlink="hlink" folHlink="folHlink"/>
   <p:sldLayoutIdLst>
-    <p:sldLayoutId id="2147483649" r:id="rId1"/>
-    <p:sldLayoutId id="2147483650" r:id="rId2"/>
-    <p:sldLayoutId id="2147483651" r:id="rId3"/>
-    <p:sldLayoutId id="2147483652" r:id="rId4"/>
-    <p:sldLayoutId id="2147483653" r:id="rId5"/>
-    <p:sldLayoutId id="2147483654" r:id="rId6"/>
-    <p:sldLayoutId id="2147483655" r:id="rId7"/>
-    <p:sldLayoutId id="2147483656" r:id="rId8"/>
-    <p:sldLayoutId id="2147483657" r:id="rId9"/>
-    <p:sldLayoutId id="2147483658" r:id="rId10"/>
-    <p:sldLayoutId id="2147483659" r:id="rId11"/>
-    <p:sldLayoutId id="2147483660" r:id="rId12"/>
+    <p:sldLayoutId id="2147483649" r:id="rId5"/>
+    <p:sldLayoutId id="2147483650" r:id="rId6"/>
+    <p:sldLayoutId id="2147483651" r:id="rId7"/>
+    <p:sldLayoutId id="2147483652" r:id="rId8"/>
+    <p:sldLayoutId id="2147483653" r:id="rId9"/>
+    <p:sldLayoutId id="2147483654" r:id="rId10"/>
+    <p:sldLayoutId id="2147483655" r:id="rId11"/>
+    <p:sldLayoutId id="2147483656" r:id="rId12"/>
+    <p:sldLayoutId id="2147483657" r:id="rId13"/>
+    <p:sldLayoutId id="2147483658" r:id="rId14"/>
+    <p:sldLayoutId id="2147483659" r:id="rId15"/>
+    <p:sldLayoutId id="2147483660" r:id="rId16"/>
   </p:sldLayoutIdLst>
-  <p:txStyles>
-    <p:titleStyle>
-      <a:lvl1pPr algn="l" defTabSz="914400" rtl="0" eaLnBrk="1" latinLnBrk="0" hangingPunct="1">
-        <a:lnSpc>
-          <a:spcPct val="90000"/>
-        </a:lnSpc>
-        <a:spcBef>
-          <a:spcPct val="0"/>
-        </a:spcBef>
-        <a:buNone/>
-        <a:defRPr sz="4400" kern="1200">
-          <a:solidFill>
-            <a:schemeClr val="tx1"/>
-          </a:solidFill>
-          <a:latin typeface="+mj-lt"/>
-          <a:ea typeface="+mj-ea"/>
-          <a:cs typeface="+mj-cs"/>
-        </a:defRPr>
-      </a:lvl1pPr>
-    </p:titleStyle>
-    <p:bodyStyle>
-      <a:lvl1pPr marL="228600" indent="-228600" algn="l" defTabSz="914400" rtl="0" eaLnBrk="1" latinLnBrk="0" hangingPunct="1">
-        <a:lnSpc>
-          <a:spcPct val="90000"/>
-        </a:lnSpc>
-        <a:spcBef>
-          <a:spcPts val="1000"/>
-        </a:spcBef>
-        <a:buFont typeface="Arial" panose="020B0604020202020204" pitchFamily="34" charset="0"/>
-        <a:buChar char="•"/>
-        <a:defRPr sz="2800" kern="1200">
-          <a:solidFill>
-            <a:schemeClr val="tx1"/>
-          </a:solidFill>
-          <a:latin typeface="+mn-lt"/>
-          <a:ea typeface="+mn-ea"/>
-          <a:cs typeface="+mn-cs"/>
-        </a:defRPr>
-      </a:lvl1pPr>
-      <a:lvl2pPr marL="685800" indent="-228600" algn="l" defTabSz="914400" rtl="0" eaLnBrk="1" latinLnBrk="0" hangingPunct="1">
-        <a:lnSpc>
-          <a:spcPct val="90000"/>
-        </a:lnSpc>
-        <a:spcBef>
-          <a:spcPts val="500"/>
-        </a:spcBef>
-        <a:buFont typeface="Arial" panose="020B0604020202020204" pitchFamily="34" charset="0"/>
-        <a:buChar char="•"/>
-        <a:defRPr sz="2400" kern="1200">
-          <a:solidFill>
-            <a:schemeClr val="tx1"/>
-          </a:solidFill>
-          <a:latin typeface="+mn-lt"/>
-          <a:ea typeface="+mn-ea"/>
-          <a:cs typeface="+mn-cs"/>
-        </a:defRPr>
-      </a:lvl2pPr>
-      <a:lvl3pPr marL="1143000" indent="-228600" algn="l" defTabSz="914400" rtl="0" eaLnBrk="1" latinLnBrk="0" hangingPunct="1">
-        <a:lnSpc>
-          <a:spcPct val="90000"/>
-        </a:lnSpc>
-        <a:spcBef>
-          <a:spcPts val="500"/>
-        </a:spcBef>
-        <a:buFont typeface="Arial" panose="020B0604020202020204" pitchFamily="34" charset="0"/>
-        <a:buChar char="•"/>
-        <a:defRPr sz="2000" kern="1200">
-          <a:solidFill>
-            <a:schemeClr val="tx1"/>
-          </a:solidFill>
-          <a:latin typeface="+mn-lt"/>
-          <a:ea typeface="+mn-ea"/>
-          <a:cs typeface="+mn-cs"/>
-        </a:defRPr>
-      </a:lvl3pPr>
-      <a:lvl4pPr marL="1600200" indent="-228600" algn="l" defTabSz="914400" rtl="0" eaLnBrk="1" latinLnBrk="0" hangingPunct="1">
-        <a:lnSpc>
-          <a:spcPct val="90000"/>
-        </a:lnSpc>
-        <a:spcBef>
-          <a:spcPts val="500"/>
-        </a:spcBef>
-        <a:buFont typeface="Arial" panose="020B0604020202020204" pitchFamily="34" charset="0"/>
-        <a:buChar char="•"/>
-        <a:defRPr sz="1800" kern="1200">
-          <a:solidFill>
-            <a:schemeClr val="tx1"/>
-          </a:solidFill>
-          <a:latin typeface="+mn-lt"/>
-          <a:ea typeface="+mn-ea"/>
-          <a:cs typeface="+mn-cs"/>
-        </a:defRPr>
-      </a:lvl4pPr>
-      <a:lvl5pPr marL="2057400" indent="-228600" algn="l" defTabSz="914400" rtl="0" eaLnBrk="1" latinLnBrk="0" hangingPunct="1">
-        <a:lnSpc>
-          <a:spcPct val="90000"/>
-        </a:lnSpc>
-        <a:spcBef>
-          <a:spcPts val="500"/>
-        </a:spcBef>
-        <a:buFont typeface="Arial" panose="020B0604020202020204" pitchFamily="34" charset="0"/>
-        <a:buChar char="•"/>
-        <a:defRPr sz="1800" kern="1200">
-          <a:solidFill>
-            <a:schemeClr val="tx1"/>
-          </a:solidFill>
-          <a:latin typeface="+mn-lt"/>
-          <a:ea typeface="+mn-ea"/>
-          <a:cs typeface="+mn-cs"/>
-        </a:defRPr>
-      </a:lvl5pPr>
-      <a:lvl6pPr marL="2514600" indent="-228600" algn="l" defTabSz="914400" rtl="0" eaLnBrk="1" latinLnBrk="0" hangingPunct="1">
-        <a:lnSpc>
-          <a:spcPct val="90000"/>
-        </a:lnSpc>
-        <a:spcBef>
-          <a:spcPts val="500"/>
-        </a:spcBef>
-        <a:buFont typeface="Arial" panose="020B0604020202020204" pitchFamily="34" charset="0"/>
-        <a:buChar char="•"/>
-        <a:defRPr sz="1800" kern="1200">
-          <a:solidFill>
-            <a:schemeClr val="tx1"/>
-          </a:solidFill>
-          <a:latin typeface="+mn-lt"/>
-          <a:ea typeface="+mn-ea"/>
-          <a:cs typeface="+mn-cs"/>
-        </a:defRPr>
-      </a:lvl6pPr>
-      <a:lvl7pPr marL="2971800" indent="-228600" algn="l" defTabSz="914400" rtl="0" eaLnBrk="1" latinLnBrk="0" hangingPunct="1">
-        <a:lnSpc>
-          <a:spcPct val="90000"/>
-        </a:lnSpc>
-        <a:spcBef>
-          <a:spcPts val="500"/>
-        </a:spcBef>
-        <a:buFont typeface="Arial" panose="020B0604020202020204" pitchFamily="34" charset="0"/>
-        <a:buChar char="•"/>
-        <a:defRPr sz="1800" kern="1200">
-          <a:solidFill>
-            <a:schemeClr val="tx1"/>
-          </a:solidFill>
-          <a:latin typeface="+mn-lt"/>
-          <a:ea typeface="+mn-ea"/>
-          <a:cs typeface="+mn-cs"/>
-        </a:defRPr>
-      </a:lvl7pPr>
-      <a:lvl8pPr marL="3429000" indent="-228600" algn="l" defTabSz="914400" rtl="0" eaLnBrk="1" latinLnBrk="0" hangingPunct="1">
-        <a:lnSpc>
-          <a:spcPct val="90000"/>
-        </a:lnSpc>
-        <a:spcBef>
-          <a:spcPts val="500"/>
-        </a:spcBef>
-        <a:buFont typeface="Arial" panose="020B0604020202020204" pitchFamily="34" charset="0"/>
-        <a:buChar char="•"/>
-        <a:defRPr sz="1800" kern="1200">
-          <a:solidFill>
-            <a:schemeClr val="tx1"/>
-          </a:solidFill>
-          <a:latin typeface="+mn-lt"/>
-          <a:ea typeface="+mn-ea"/>
-          <a:cs typeface="+mn-cs"/>
-        </a:defRPr>
-      </a:lvl8pPr>
-      <a:lvl9pPr marL="3886200" indent="-228600" algn="l" defTabSz="914400" rtl="0" eaLnBrk="1" latinLnBrk="0" hangingPunct="1">
-        <a:lnSpc>
-          <a:spcPct val="90000"/>
-        </a:lnSpc>
-        <a:spcBef>
-          <a:spcPts val="500"/>
-        </a:spcBef>
-        <a:buFont typeface="Arial" panose="020B0604020202020204" pitchFamily="34" charset="0"/>
-        <a:buChar char="•"/>
-        <a:defRPr sz="1800" kern="1200">
-          <a:solidFill>
-            <a:schemeClr val="tx1"/>
-          </a:solidFill>
-          <a:latin typeface="+mn-lt"/>
-          <a:ea typeface="+mn-ea"/>
-          <a:cs typeface="+mn-cs"/>
-        </a:defRPr>
-      </a:lvl9pPr>
-    </p:bodyStyle>
-    <p:otherStyle>
-      <a:defPPr>
-        <a:defRPr lang="it-IT"/>
-      </a:defPPr>
-      <a:lvl1pPr marL="0" algn="l" defTabSz="914400" rtl="0" eaLnBrk="1" latinLnBrk="0" hangingPunct="1">
-        <a:defRPr sz="1800" kern="1200">
-          <a:solidFill>
-            <a:schemeClr val="tx1"/>
-          </a:solidFill>
-          <a:latin typeface="+mn-lt"/>
-          <a:ea typeface="+mn-ea"/>
-          <a:cs typeface="+mn-cs"/>
-        </a:defRPr>
-      </a:lvl1pPr>
-      <a:lvl2pPr marL="457200" algn="l" defTabSz="914400" rtl="0" eaLnBrk="1" latinLnBrk="0" hangingPunct="1">
-        <a:defRPr sz="1800" kern="1200">
-          <a:solidFill>
-            <a:schemeClr val="tx1"/>
-          </a:solidFill>
-          <a:latin typeface="+mn-lt"/>
-          <a:ea typeface="+mn-ea"/>
-          <a:cs typeface="+mn-cs"/>
-        </a:defRPr>
-      </a:lvl2pPr>
-      <a:lvl3pPr marL="914400" algn="l" defTabSz="914400" rtl="0" eaLnBrk="1" latinLnBrk="0" hangingPunct="1">
-        <a:defRPr sz="1800" kern="1200">
-          <a:solidFill>
-            <a:schemeClr val="tx1"/>
-          </a:solidFill>
-          <a:latin typeface="+mn-lt"/>
-          <a:ea typeface="+mn-ea"/>
-          <a:cs typeface="+mn-cs"/>
-        </a:defRPr>
-      </a:lvl3pPr>
-      <a:lvl4pPr marL="1371600" algn="l" defTabSz="914400" rtl="0" eaLnBrk="1" latinLnBrk="0" hangingPunct="1">
-        <a:defRPr sz="1800" kern="1200">
-          <a:solidFill>
-            <a:schemeClr val="tx1"/>
-          </a:solidFill>
-          <a:latin typeface="+mn-lt"/>
-          <a:ea typeface="+mn-ea"/>
-          <a:cs typeface="+mn-cs"/>
-        </a:defRPr>
-      </a:lvl4pPr>
-      <a:lvl5pPr marL="1828800" algn="l" defTabSz="914400" rtl="0" eaLnBrk="1" latinLnBrk="0" hangingPunct="1">
-        <a:defRPr sz="1800" kern="1200">
-          <a:solidFill>
-            <a:schemeClr val="tx1"/>
-          </a:solidFill>
-          <a:latin typeface="+mn-lt"/>
-          <a:ea typeface="+mn-ea"/>
-          <a:cs typeface="+mn-cs"/>
-        </a:defRPr>
-      </a:lvl5pPr>
-      <a:lvl6pPr marL="2286000" algn="l" defTabSz="914400" rtl="0" eaLnBrk="1" latinLnBrk="0" hangingPunct="1">
-        <a:defRPr sz="1800" kern="1200">
-          <a:solidFill>
-            <a:schemeClr val="tx1"/>
-          </a:solidFill>
-          <a:latin typeface="+mn-lt"/>
-          <a:ea typeface="+mn-ea"/>
-          <a:cs typeface="+mn-cs"/>
-        </a:defRPr>
-      </a:lvl6pPr>
-      <a:lvl7pPr marL="2743200" algn="l" defTabSz="914400" rtl="0" eaLnBrk="1" latinLnBrk="0" hangingPunct="1">
-        <a:defRPr sz="1800" kern="1200">
-          <a:solidFill>
-            <a:schemeClr val="tx1"/>
-          </a:solidFill>
-          <a:latin typeface="+mn-lt"/>
-          <a:ea typeface="+mn-ea"/>
-          <a:cs typeface="+mn-cs"/>
-        </a:defRPr>
-      </a:lvl7pPr>
-      <a:lvl8pPr marL="3200400" algn="l" defTabSz="914400" rtl="0" eaLnBrk="1" latinLnBrk="0" hangingPunct="1">
-        <a:defRPr sz="1800" kern="1200">
-          <a:solidFill>
-            <a:schemeClr val="tx1"/>
-          </a:solidFill>
-          <a:latin typeface="+mn-lt"/>
-          <a:ea typeface="+mn-ea"/>
-          <a:cs typeface="+mn-cs"/>
-        </a:defRPr>
-      </a:lvl8pPr>
-      <a:lvl9pPr marL="3657600" algn="l" defTabSz="914400" rtl="0" eaLnBrk="1" latinLnBrk="0" hangingPunct="1">
-        <a:defRPr sz="1800" kern="1200">
-          <a:solidFill>
-            <a:schemeClr val="tx1"/>
-          </a:solidFill>
-          <a:latin typeface="+mn-lt"/>
-          <a:ea typeface="+mn-ea"/>
-          <a:cs typeface="+mn-cs"/>
-        </a:defRPr>
-      </a:lvl9pPr>
-    </p:otherStyle>
-  </p:txStyles>
 </p:sldMaster>
 </file>
 
 <file path=ppt/slideMasters/slideMaster2.xml><?xml version="1.0" encoding="utf-8"?>
-<p:sldMaster xmlns:a="http://schemas.openxmlformats.org/drawingml/2006/main" xmlns:r="http://schemas.openxmlformats.org/officeDocument/2006/relationships" xmlns:p="http://schemas.openxmlformats.org/presentationml/2006/main">
+<p:sldMaster xmlns:a="http://schemas.openxmlformats.org/drawingml/2006/main" xmlns:p="http://schemas.openxmlformats.org/presentationml/2006/main" xmlns:r="http://schemas.openxmlformats.org/officeDocument/2006/relationships" xmlns:p14="http://schemas.microsoft.com/office/powerpoint/2010/main" xmlns:p15="http://schemas.microsoft.com/office/powerpoint/2012/main" xmlns:mc="http://schemas.openxmlformats.org/markup-compatibility/2006">
   <p:cSld>
     <p:bg>
       <p:bgPr>
         <a:solidFill>
-          <a:srgbClr val="FFFFFF"/>
+          <a:srgbClr val="ffffff"/>
         </a:solidFill>
-        <a:effectLst/>
       </p:bgPr>
     </p:bg>
     <p:spTree>
@@ -3536,18 +3295,18 @@
       </p:grpSpPr>
       <p:pic>
         <p:nvPicPr>
-          <p:cNvPr id="41" name="Immagine 8"/>
+          <p:cNvPr id="41" name="Immagine 8" descr=""/>
           <p:cNvPicPr/>
           <p:nvPr/>
         </p:nvPicPr>
         <p:blipFill>
-          <a:blip r:embed="rId14"/>
+          <a:blip r:embed="rId2"/>
           <a:stretch/>
         </p:blipFill>
         <p:spPr>
           <a:xfrm>
             <a:off x="7130160" y="6226200"/>
-            <a:ext cx="1554120" cy="508320"/>
+            <a:ext cx="1553760" cy="507960"/>
           </a:xfrm>
           <a:prstGeom prst="rect">
             <a:avLst/>
@@ -3559,18 +3318,18 @@
       </p:pic>
       <p:pic>
         <p:nvPicPr>
-          <p:cNvPr id="42" name="Immagine 9"/>
+          <p:cNvPr id="42" name="Immagine 9" descr=""/>
           <p:cNvPicPr/>
           <p:nvPr/>
         </p:nvPicPr>
         <p:blipFill>
-          <a:blip r:embed="rId15"/>
+          <a:blip r:embed="rId3"/>
           <a:stretch/>
         </p:blipFill>
         <p:spPr>
           <a:xfrm>
             <a:off x="182880" y="6226200"/>
-            <a:ext cx="2389680" cy="546480"/>
+            <a:ext cx="2389320" cy="546120"/>
           </a:xfrm>
           <a:prstGeom prst="rect">
             <a:avLst/>
@@ -3582,18 +3341,18 @@
       </p:pic>
       <p:pic>
         <p:nvPicPr>
-          <p:cNvPr id="43" name="Immagine 11"/>
+          <p:cNvPr id="43" name="Immagine 11" descr=""/>
           <p:cNvPicPr/>
           <p:nvPr/>
         </p:nvPicPr>
         <p:blipFill>
-          <a:blip r:embed="rId16"/>
+          <a:blip r:embed="rId4"/>
           <a:stretch/>
         </p:blipFill>
         <p:spPr>
           <a:xfrm>
             <a:off x="4068720" y="6144840"/>
-            <a:ext cx="1305000" cy="694080"/>
+            <a:ext cx="1304640" cy="693720"/>
           </a:xfrm>
           <a:prstGeom prst="rect">
             <a:avLst/>
@@ -3616,22 +3375,30 @@
         <p:spPr>
           <a:xfrm>
             <a:off x="182880" y="90000"/>
-            <a:ext cx="8759160" cy="1140480"/>
-          </a:xfrm>
-          <a:prstGeom prst="rect">
-            <a:avLst/>
-          </a:prstGeom>
-        </p:spPr>
-        <p:txBody>
-          <a:bodyPr lIns="0" tIns="0" rIns="0" bIns="0" anchor="ctr"/>
-          <a:lstStyle/>
-          <a:p>
-            <a:r>
-              <a:rPr lang="it-IT" sz="1800" b="0" strike="noStrike" spc="-1">
+            <a:ext cx="8758800" cy="1140120"/>
+          </a:xfrm>
+          <a:prstGeom prst="rect">
+            <a:avLst/>
+          </a:prstGeom>
+        </p:spPr>
+        <p:txBody>
+          <a:bodyPr lIns="0" rIns="0" tIns="0" bIns="0" anchor="ctr"/>
+          <a:p>
+            <a:r>
+              <a:rPr b="0" lang="it-IT" sz="4400" spc="-1" strike="noStrike">
+                <a:solidFill>
+                  <a:srgbClr val="000000"/>
+                </a:solidFill>
                 <a:latin typeface="Arial"/>
               </a:rPr>
               <a:t>Click to edit the title text format</a:t>
             </a:r>
+            <a:endParaRPr b="0" lang="it-IT" sz="4400" spc="-1" strike="noStrike">
+              <a:solidFill>
+                <a:srgbClr val="000000"/>
+              </a:solidFill>
+              <a:latin typeface="Arial"/>
+            </a:endParaRPr>
           </a:p>
         </p:txBody>
       </p:sp>
@@ -3655,10 +3422,9 @@
           </a:prstGeom>
         </p:spPr>
         <p:txBody>
-          <a:bodyPr lIns="0" tIns="0" rIns="0" bIns="0">
+          <a:bodyPr lIns="0" rIns="0" tIns="0" bIns="0">
             <a:normAutofit/>
           </a:bodyPr>
-          <a:lstStyle/>
           <a:p>
             <a:pPr marL="432000" indent="-324000">
               <a:spcBef>
@@ -3672,14 +3438,23 @@
               <a:buChar char=""/>
             </a:pPr>
             <a:r>
-              <a:rPr lang="it-IT" sz="3200" b="0" strike="noStrike" spc="-1">
+              <a:rPr b="0" lang="it-IT" sz="2800" spc="-1" strike="noStrike">
+                <a:solidFill>
+                  <a:srgbClr val="000000"/>
+                </a:solidFill>
                 <a:latin typeface="Arial"/>
               </a:rPr>
               <a:t>Click to edit the outline text format</a:t>
             </a:r>
-          </a:p>
-          <a:p>
-            <a:pPr marL="864000" lvl="1" indent="-324000">
+            <a:endParaRPr b="0" lang="it-IT" sz="2800" spc="-1" strike="noStrike">
+              <a:solidFill>
+                <a:srgbClr val="000000"/>
+              </a:solidFill>
+              <a:latin typeface="Arial"/>
+            </a:endParaRPr>
+          </a:p>
+          <a:p>
+            <a:pPr lvl="1" marL="864000" indent="-324000">
               <a:spcBef>
                 <a:spcPts val="1134"/>
               </a:spcBef>
@@ -3691,14 +3466,23 @@
               <a:buChar char=""/>
             </a:pPr>
             <a:r>
-              <a:rPr lang="it-IT" sz="2800" b="0" strike="noStrike" spc="-1">
+              <a:rPr b="0" lang="it-IT" sz="2000" spc="-1" strike="noStrike">
+                <a:solidFill>
+                  <a:srgbClr val="000000"/>
+                </a:solidFill>
                 <a:latin typeface="Arial"/>
               </a:rPr>
               <a:t>Second Outline Level</a:t>
             </a:r>
-          </a:p>
-          <a:p>
-            <a:pPr marL="1296000" lvl="2" indent="-288000">
+            <a:endParaRPr b="0" lang="it-IT" sz="2000" spc="-1" strike="noStrike">
+              <a:solidFill>
+                <a:srgbClr val="000000"/>
+              </a:solidFill>
+              <a:latin typeface="Arial"/>
+            </a:endParaRPr>
+          </a:p>
+          <a:p>
+            <a:pPr lvl="2" marL="1296000" indent="-288000">
               <a:spcBef>
                 <a:spcPts val="850"/>
               </a:spcBef>
@@ -3710,14 +3494,23 @@
               <a:buChar char=""/>
             </a:pPr>
             <a:r>
-              <a:rPr lang="it-IT" sz="2400" b="0" strike="noStrike" spc="-1">
+              <a:rPr b="0" lang="it-IT" sz="1800" spc="-1" strike="noStrike">
+                <a:solidFill>
+                  <a:srgbClr val="000000"/>
+                </a:solidFill>
                 <a:latin typeface="Arial"/>
               </a:rPr>
               <a:t>Third Outline Level</a:t>
             </a:r>
-          </a:p>
-          <a:p>
-            <a:pPr marL="1728000" lvl="3" indent="-216000">
+            <a:endParaRPr b="0" lang="it-IT" sz="1800" spc="-1" strike="noStrike">
+              <a:solidFill>
+                <a:srgbClr val="000000"/>
+              </a:solidFill>
+              <a:latin typeface="Arial"/>
+            </a:endParaRPr>
+          </a:p>
+          <a:p>
+            <a:pPr lvl="3" marL="1728000" indent="-216000">
               <a:spcBef>
                 <a:spcPts val="567"/>
               </a:spcBef>
@@ -3729,14 +3522,23 @@
               <a:buChar char=""/>
             </a:pPr>
             <a:r>
-              <a:rPr lang="it-IT" sz="2000" b="0" strike="noStrike" spc="-1">
+              <a:rPr b="0" lang="it-IT" sz="1800" spc="-1" strike="noStrike">
+                <a:solidFill>
+                  <a:srgbClr val="000000"/>
+                </a:solidFill>
                 <a:latin typeface="Arial"/>
               </a:rPr>
               <a:t>Fourth Outline Level</a:t>
             </a:r>
-          </a:p>
-          <a:p>
-            <a:pPr marL="2160000" lvl="4" indent="-216000">
+            <a:endParaRPr b="0" lang="it-IT" sz="1800" spc="-1" strike="noStrike">
+              <a:solidFill>
+                <a:srgbClr val="000000"/>
+              </a:solidFill>
+              <a:latin typeface="Arial"/>
+            </a:endParaRPr>
+          </a:p>
+          <a:p>
+            <a:pPr lvl="4" marL="2160000" indent="-216000">
               <a:spcBef>
                 <a:spcPts val="283"/>
               </a:spcBef>
@@ -3748,14 +3550,23 @@
               <a:buChar char=""/>
             </a:pPr>
             <a:r>
-              <a:rPr lang="it-IT" sz="2000" b="0" strike="noStrike" spc="-1">
+              <a:rPr b="0" lang="it-IT" sz="2000" spc="-1" strike="noStrike">
+                <a:solidFill>
+                  <a:srgbClr val="000000"/>
+                </a:solidFill>
                 <a:latin typeface="Arial"/>
               </a:rPr>
               <a:t>Fifth Outline Level</a:t>
             </a:r>
-          </a:p>
-          <a:p>
-            <a:pPr marL="2592000" lvl="5" indent="-216000">
+            <a:endParaRPr b="0" lang="it-IT" sz="2000" spc="-1" strike="noStrike">
+              <a:solidFill>
+                <a:srgbClr val="000000"/>
+              </a:solidFill>
+              <a:latin typeface="Arial"/>
+            </a:endParaRPr>
+          </a:p>
+          <a:p>
+            <a:pPr lvl="5" marL="2592000" indent="-216000">
               <a:spcBef>
                 <a:spcPts val="283"/>
               </a:spcBef>
@@ -3767,14 +3578,23 @@
               <a:buChar char=""/>
             </a:pPr>
             <a:r>
-              <a:rPr lang="it-IT" sz="2000" b="0" strike="noStrike" spc="-1">
+              <a:rPr b="0" lang="it-IT" sz="2000" spc="-1" strike="noStrike">
+                <a:solidFill>
+                  <a:srgbClr val="000000"/>
+                </a:solidFill>
                 <a:latin typeface="Arial"/>
               </a:rPr>
               <a:t>Sixth Outline Level</a:t>
             </a:r>
-          </a:p>
-          <a:p>
-            <a:pPr marL="3024000" lvl="6" indent="-216000">
+            <a:endParaRPr b="0" lang="it-IT" sz="2000" spc="-1" strike="noStrike">
+              <a:solidFill>
+                <a:srgbClr val="000000"/>
+              </a:solidFill>
+              <a:latin typeface="Arial"/>
+            </a:endParaRPr>
+          </a:p>
+          <a:p>
+            <a:pPr lvl="6" marL="3024000" indent="-216000">
               <a:spcBef>
                 <a:spcPts val="283"/>
               </a:spcBef>
@@ -3786,316 +3606,45 @@
               <a:buChar char=""/>
             </a:pPr>
             <a:r>
-              <a:rPr lang="it-IT" sz="2000" b="0" strike="noStrike" spc="-1">
+              <a:rPr b="0" lang="it-IT" sz="2000" spc="-1" strike="noStrike">
+                <a:solidFill>
+                  <a:srgbClr val="000000"/>
+                </a:solidFill>
                 <a:latin typeface="Arial"/>
               </a:rPr>
               <a:t>Seventh Outline Level</a:t>
             </a:r>
+            <a:endParaRPr b="0" lang="it-IT" sz="2000" spc="-1" strike="noStrike">
+              <a:solidFill>
+                <a:srgbClr val="000000"/>
+              </a:solidFill>
+              <a:latin typeface="Arial"/>
+            </a:endParaRPr>
           </a:p>
         </p:txBody>
       </p:sp>
     </p:spTree>
   </p:cSld>
-  <p:clrMap bg1="lt1" tx1="dk1" bg2="lt2" tx2="dk2" accent1="accent1" accent2="accent2" accent3="accent3" accent4="accent4" accent5="accent5" accent6="accent6" hlink="hlink" folHlink="folHlink"/>
+  <p:clrMap bg1="lt1" bg2="lt2" tx1="dk1" tx2="dk2" accent1="accent1" accent2="accent2" accent3="accent3" accent4="accent4" accent5="accent5" accent6="accent6" hlink="hlink" folHlink="folHlink"/>
   <p:sldLayoutIdLst>
-    <p:sldLayoutId id="2147483662" r:id="rId1"/>
-    <p:sldLayoutId id="2147483663" r:id="rId2"/>
-    <p:sldLayoutId id="2147483664" r:id="rId3"/>
-    <p:sldLayoutId id="2147483665" r:id="rId4"/>
-    <p:sldLayoutId id="2147483666" r:id="rId5"/>
-    <p:sldLayoutId id="2147483667" r:id="rId6"/>
-    <p:sldLayoutId id="2147483668" r:id="rId7"/>
-    <p:sldLayoutId id="2147483669" r:id="rId8"/>
-    <p:sldLayoutId id="2147483670" r:id="rId9"/>
-    <p:sldLayoutId id="2147483671" r:id="rId10"/>
-    <p:sldLayoutId id="2147483672" r:id="rId11"/>
-    <p:sldLayoutId id="2147483673" r:id="rId12"/>
+    <p:sldLayoutId id="2147483662" r:id="rId5"/>
+    <p:sldLayoutId id="2147483663" r:id="rId6"/>
+    <p:sldLayoutId id="2147483664" r:id="rId7"/>
+    <p:sldLayoutId id="2147483665" r:id="rId8"/>
+    <p:sldLayoutId id="2147483666" r:id="rId9"/>
+    <p:sldLayoutId id="2147483667" r:id="rId10"/>
+    <p:sldLayoutId id="2147483668" r:id="rId11"/>
+    <p:sldLayoutId id="2147483669" r:id="rId12"/>
+    <p:sldLayoutId id="2147483670" r:id="rId13"/>
+    <p:sldLayoutId id="2147483671" r:id="rId14"/>
+    <p:sldLayoutId id="2147483672" r:id="rId15"/>
+    <p:sldLayoutId id="2147483673" r:id="rId16"/>
   </p:sldLayoutIdLst>
-  <p:txStyles>
-    <p:titleStyle>
-      <a:lvl1pPr algn="l" defTabSz="914400" rtl="0" eaLnBrk="1" latinLnBrk="0" hangingPunct="1">
-        <a:lnSpc>
-          <a:spcPct val="90000"/>
-        </a:lnSpc>
-        <a:spcBef>
-          <a:spcPct val="0"/>
-        </a:spcBef>
-        <a:buNone/>
-        <a:defRPr sz="4400" kern="1200">
-          <a:solidFill>
-            <a:schemeClr val="tx1"/>
-          </a:solidFill>
-          <a:latin typeface="+mj-lt"/>
-          <a:ea typeface="+mj-ea"/>
-          <a:cs typeface="+mj-cs"/>
-        </a:defRPr>
-      </a:lvl1pPr>
-    </p:titleStyle>
-    <p:bodyStyle>
-      <a:lvl1pPr marL="228600" indent="-228600" algn="l" defTabSz="914400" rtl="0" eaLnBrk="1" latinLnBrk="0" hangingPunct="1">
-        <a:lnSpc>
-          <a:spcPct val="90000"/>
-        </a:lnSpc>
-        <a:spcBef>
-          <a:spcPts val="1000"/>
-        </a:spcBef>
-        <a:buFont typeface="Arial" panose="020B0604020202020204" pitchFamily="34" charset="0"/>
-        <a:buChar char="•"/>
-        <a:defRPr sz="2800" kern="1200">
-          <a:solidFill>
-            <a:schemeClr val="tx1"/>
-          </a:solidFill>
-          <a:latin typeface="+mn-lt"/>
-          <a:ea typeface="+mn-ea"/>
-          <a:cs typeface="+mn-cs"/>
-        </a:defRPr>
-      </a:lvl1pPr>
-      <a:lvl2pPr marL="685800" indent="-228600" algn="l" defTabSz="914400" rtl="0" eaLnBrk="1" latinLnBrk="0" hangingPunct="1">
-        <a:lnSpc>
-          <a:spcPct val="90000"/>
-        </a:lnSpc>
-        <a:spcBef>
-          <a:spcPts val="500"/>
-        </a:spcBef>
-        <a:buFont typeface="Arial" panose="020B0604020202020204" pitchFamily="34" charset="0"/>
-        <a:buChar char="•"/>
-        <a:defRPr sz="2400" kern="1200">
-          <a:solidFill>
-            <a:schemeClr val="tx1"/>
-          </a:solidFill>
-          <a:latin typeface="+mn-lt"/>
-          <a:ea typeface="+mn-ea"/>
-          <a:cs typeface="+mn-cs"/>
-        </a:defRPr>
-      </a:lvl2pPr>
-      <a:lvl3pPr marL="1143000" indent="-228600" algn="l" defTabSz="914400" rtl="0" eaLnBrk="1" latinLnBrk="0" hangingPunct="1">
-        <a:lnSpc>
-          <a:spcPct val="90000"/>
-        </a:lnSpc>
-        <a:spcBef>
-          <a:spcPts val="500"/>
-        </a:spcBef>
-        <a:buFont typeface="Arial" panose="020B0604020202020204" pitchFamily="34" charset="0"/>
-        <a:buChar char="•"/>
-        <a:defRPr sz="2000" kern="1200">
-          <a:solidFill>
-            <a:schemeClr val="tx1"/>
-          </a:solidFill>
-          <a:latin typeface="+mn-lt"/>
-          <a:ea typeface="+mn-ea"/>
-          <a:cs typeface="+mn-cs"/>
-        </a:defRPr>
-      </a:lvl3pPr>
-      <a:lvl4pPr marL="1600200" indent="-228600" algn="l" defTabSz="914400" rtl="0" eaLnBrk="1" latinLnBrk="0" hangingPunct="1">
-        <a:lnSpc>
-          <a:spcPct val="90000"/>
-        </a:lnSpc>
-        <a:spcBef>
-          <a:spcPts val="500"/>
-        </a:spcBef>
-        <a:buFont typeface="Arial" panose="020B0604020202020204" pitchFamily="34" charset="0"/>
-        <a:buChar char="•"/>
-        <a:defRPr sz="1800" kern="1200">
-          <a:solidFill>
-            <a:schemeClr val="tx1"/>
-          </a:solidFill>
-          <a:latin typeface="+mn-lt"/>
-          <a:ea typeface="+mn-ea"/>
-          <a:cs typeface="+mn-cs"/>
-        </a:defRPr>
-      </a:lvl4pPr>
-      <a:lvl5pPr marL="2057400" indent="-228600" algn="l" defTabSz="914400" rtl="0" eaLnBrk="1" latinLnBrk="0" hangingPunct="1">
-        <a:lnSpc>
-          <a:spcPct val="90000"/>
-        </a:lnSpc>
-        <a:spcBef>
-          <a:spcPts val="500"/>
-        </a:spcBef>
-        <a:buFont typeface="Arial" panose="020B0604020202020204" pitchFamily="34" charset="0"/>
-        <a:buChar char="•"/>
-        <a:defRPr sz="1800" kern="1200">
-          <a:solidFill>
-            <a:schemeClr val="tx1"/>
-          </a:solidFill>
-          <a:latin typeface="+mn-lt"/>
-          <a:ea typeface="+mn-ea"/>
-          <a:cs typeface="+mn-cs"/>
-        </a:defRPr>
-      </a:lvl5pPr>
-      <a:lvl6pPr marL="2514600" indent="-228600" algn="l" defTabSz="914400" rtl="0" eaLnBrk="1" latinLnBrk="0" hangingPunct="1">
-        <a:lnSpc>
-          <a:spcPct val="90000"/>
-        </a:lnSpc>
-        <a:spcBef>
-          <a:spcPts val="500"/>
-        </a:spcBef>
-        <a:buFont typeface="Arial" panose="020B0604020202020204" pitchFamily="34" charset="0"/>
-        <a:buChar char="•"/>
-        <a:defRPr sz="1800" kern="1200">
-          <a:solidFill>
-            <a:schemeClr val="tx1"/>
-          </a:solidFill>
-          <a:latin typeface="+mn-lt"/>
-          <a:ea typeface="+mn-ea"/>
-          <a:cs typeface="+mn-cs"/>
-        </a:defRPr>
-      </a:lvl6pPr>
-      <a:lvl7pPr marL="2971800" indent="-228600" algn="l" defTabSz="914400" rtl="0" eaLnBrk="1" latinLnBrk="0" hangingPunct="1">
-        <a:lnSpc>
-          <a:spcPct val="90000"/>
-        </a:lnSpc>
-        <a:spcBef>
-          <a:spcPts val="500"/>
-        </a:spcBef>
-        <a:buFont typeface="Arial" panose="020B0604020202020204" pitchFamily="34" charset="0"/>
-        <a:buChar char="•"/>
-        <a:defRPr sz="1800" kern="1200">
-          <a:solidFill>
-            <a:schemeClr val="tx1"/>
-          </a:solidFill>
-          <a:latin typeface="+mn-lt"/>
-          <a:ea typeface="+mn-ea"/>
-          <a:cs typeface="+mn-cs"/>
-        </a:defRPr>
-      </a:lvl7pPr>
-      <a:lvl8pPr marL="3429000" indent="-228600" algn="l" defTabSz="914400" rtl="0" eaLnBrk="1" latinLnBrk="0" hangingPunct="1">
-        <a:lnSpc>
-          <a:spcPct val="90000"/>
-        </a:lnSpc>
-        <a:spcBef>
-          <a:spcPts val="500"/>
-        </a:spcBef>
-        <a:buFont typeface="Arial" panose="020B0604020202020204" pitchFamily="34" charset="0"/>
-        <a:buChar char="•"/>
-        <a:defRPr sz="1800" kern="1200">
-          <a:solidFill>
-            <a:schemeClr val="tx1"/>
-          </a:solidFill>
-          <a:latin typeface="+mn-lt"/>
-          <a:ea typeface="+mn-ea"/>
-          <a:cs typeface="+mn-cs"/>
-        </a:defRPr>
-      </a:lvl8pPr>
-      <a:lvl9pPr marL="3886200" indent="-228600" algn="l" defTabSz="914400" rtl="0" eaLnBrk="1" latinLnBrk="0" hangingPunct="1">
-        <a:lnSpc>
-          <a:spcPct val="90000"/>
-        </a:lnSpc>
-        <a:spcBef>
-          <a:spcPts val="500"/>
-        </a:spcBef>
-        <a:buFont typeface="Arial" panose="020B0604020202020204" pitchFamily="34" charset="0"/>
-        <a:buChar char="•"/>
-        <a:defRPr sz="1800" kern="1200">
-          <a:solidFill>
-            <a:schemeClr val="tx1"/>
-          </a:solidFill>
-          <a:latin typeface="+mn-lt"/>
-          <a:ea typeface="+mn-ea"/>
-          <a:cs typeface="+mn-cs"/>
-        </a:defRPr>
-      </a:lvl9pPr>
-    </p:bodyStyle>
-    <p:otherStyle>
-      <a:defPPr>
-        <a:defRPr lang="it-IT"/>
-      </a:defPPr>
-      <a:lvl1pPr marL="0" algn="l" defTabSz="914400" rtl="0" eaLnBrk="1" latinLnBrk="0" hangingPunct="1">
-        <a:defRPr sz="1800" kern="1200">
-          <a:solidFill>
-            <a:schemeClr val="tx1"/>
-          </a:solidFill>
-          <a:latin typeface="+mn-lt"/>
-          <a:ea typeface="+mn-ea"/>
-          <a:cs typeface="+mn-cs"/>
-        </a:defRPr>
-      </a:lvl1pPr>
-      <a:lvl2pPr marL="457200" algn="l" defTabSz="914400" rtl="0" eaLnBrk="1" latinLnBrk="0" hangingPunct="1">
-        <a:defRPr sz="1800" kern="1200">
-          <a:solidFill>
-            <a:schemeClr val="tx1"/>
-          </a:solidFill>
-          <a:latin typeface="+mn-lt"/>
-          <a:ea typeface="+mn-ea"/>
-          <a:cs typeface="+mn-cs"/>
-        </a:defRPr>
-      </a:lvl2pPr>
-      <a:lvl3pPr marL="914400" algn="l" defTabSz="914400" rtl="0" eaLnBrk="1" latinLnBrk="0" hangingPunct="1">
-        <a:defRPr sz="1800" kern="1200">
-          <a:solidFill>
-            <a:schemeClr val="tx1"/>
-          </a:solidFill>
-          <a:latin typeface="+mn-lt"/>
-          <a:ea typeface="+mn-ea"/>
-          <a:cs typeface="+mn-cs"/>
-        </a:defRPr>
-      </a:lvl3pPr>
-      <a:lvl4pPr marL="1371600" algn="l" defTabSz="914400" rtl="0" eaLnBrk="1" latinLnBrk="0" hangingPunct="1">
-        <a:defRPr sz="1800" kern="1200">
-          <a:solidFill>
-            <a:schemeClr val="tx1"/>
-          </a:solidFill>
-          <a:latin typeface="+mn-lt"/>
-          <a:ea typeface="+mn-ea"/>
-          <a:cs typeface="+mn-cs"/>
-        </a:defRPr>
-      </a:lvl4pPr>
-      <a:lvl5pPr marL="1828800" algn="l" defTabSz="914400" rtl="0" eaLnBrk="1" latinLnBrk="0" hangingPunct="1">
-        <a:defRPr sz="1800" kern="1200">
-          <a:solidFill>
-            <a:schemeClr val="tx1"/>
-          </a:solidFill>
-          <a:latin typeface="+mn-lt"/>
-          <a:ea typeface="+mn-ea"/>
-          <a:cs typeface="+mn-cs"/>
-        </a:defRPr>
-      </a:lvl5pPr>
-      <a:lvl6pPr marL="2286000" algn="l" defTabSz="914400" rtl="0" eaLnBrk="1" latinLnBrk="0" hangingPunct="1">
-        <a:defRPr sz="1800" kern="1200">
-          <a:solidFill>
-            <a:schemeClr val="tx1"/>
-          </a:solidFill>
-          <a:latin typeface="+mn-lt"/>
-          <a:ea typeface="+mn-ea"/>
-          <a:cs typeface="+mn-cs"/>
-        </a:defRPr>
-      </a:lvl6pPr>
-      <a:lvl7pPr marL="2743200" algn="l" defTabSz="914400" rtl="0" eaLnBrk="1" latinLnBrk="0" hangingPunct="1">
-        <a:defRPr sz="1800" kern="1200">
-          <a:solidFill>
-            <a:schemeClr val="tx1"/>
-          </a:solidFill>
-          <a:latin typeface="+mn-lt"/>
-          <a:ea typeface="+mn-ea"/>
-          <a:cs typeface="+mn-cs"/>
-        </a:defRPr>
-      </a:lvl7pPr>
-      <a:lvl8pPr marL="3200400" algn="l" defTabSz="914400" rtl="0" eaLnBrk="1" latinLnBrk="0" hangingPunct="1">
-        <a:defRPr sz="1800" kern="1200">
-          <a:solidFill>
-            <a:schemeClr val="tx1"/>
-          </a:solidFill>
-          <a:latin typeface="+mn-lt"/>
-          <a:ea typeface="+mn-ea"/>
-          <a:cs typeface="+mn-cs"/>
-        </a:defRPr>
-      </a:lvl8pPr>
-      <a:lvl9pPr marL="3657600" algn="l" defTabSz="914400" rtl="0" eaLnBrk="1" latinLnBrk="0" hangingPunct="1">
-        <a:defRPr sz="1800" kern="1200">
-          <a:solidFill>
-            <a:schemeClr val="tx1"/>
-          </a:solidFill>
-          <a:latin typeface="+mn-lt"/>
-          <a:ea typeface="+mn-ea"/>
-          <a:cs typeface="+mn-cs"/>
-        </a:defRPr>
-      </a:lvl9pPr>
-    </p:otherStyle>
-  </p:txStyles>
 </p:sldMaster>
 </file>
 
 <file path=ppt/slides/slide1.xml><?xml version="1.0" encoding="utf-8"?>
-<p:sld xmlns:a="http://schemas.openxmlformats.org/drawingml/2006/main" xmlns:r="http://schemas.openxmlformats.org/officeDocument/2006/relationships" xmlns:p="http://schemas.openxmlformats.org/presentationml/2006/main">
+<p:sld xmlns:a="http://schemas.openxmlformats.org/drawingml/2006/main" xmlns:p="http://schemas.openxmlformats.org/presentationml/2006/main" xmlns:r="http://schemas.openxmlformats.org/officeDocument/2006/relationships" xmlns:p14="http://schemas.microsoft.com/office/powerpoint/2010/main" xmlns:p15="http://schemas.microsoft.com/office/powerpoint/2012/main" xmlns:mc="http://schemas.openxmlformats.org/markup-compatibility/2006">
   <p:cSld>
     <p:spTree>
       <p:nvGrpSpPr>
@@ -4120,7 +3669,7 @@
         <p:spPr>
           <a:xfrm>
             <a:off x="0" y="1000080"/>
-            <a:ext cx="9141480" cy="3240360"/>
+            <a:ext cx="9141120" cy="3240000"/>
           </a:xfrm>
           <a:prstGeom prst="rect">
             <a:avLst/>
@@ -4131,22 +3680,15 @@
           </a:ln>
         </p:spPr>
         <p:style>
-          <a:lnRef idx="0">
-            <a:scrgbClr r="0" g="0" b="0"/>
-          </a:lnRef>
-          <a:fillRef idx="0">
-            <a:scrgbClr r="0" g="0" b="0"/>
-          </a:fillRef>
-          <a:effectRef idx="0">
-            <a:scrgbClr r="0" g="0" b="0"/>
-          </a:effectRef>
+          <a:lnRef idx="0"/>
+          <a:fillRef idx="0"/>
+          <a:effectRef idx="0"/>
           <a:fontRef idx="minor"/>
         </p:style>
         <p:txBody>
-          <a:bodyPr lIns="90000" tIns="45000" rIns="90000" bIns="45000" anchor="ctr">
+          <a:bodyPr lIns="90000" rIns="90000" tIns="45000" bIns="45000" anchor="ctr">
             <a:normAutofit/>
           </a:bodyPr>
-          <a:lstStyle/>
           <a:p>
             <a:pPr algn="ctr">
               <a:lnSpc>
@@ -4154,38 +3696,18 @@
               </a:lnSpc>
             </a:pPr>
             <a:r>
-              <a:rPr lang="it-IT" sz="3200" b="0" strike="noStrike" spc="-1" dirty="0">
+              <a:rPr b="0" lang="it-IT" sz="3200" spc="-1" strike="noStrike">
                 <a:solidFill>
                   <a:srgbClr val="000000"/>
                 </a:solidFill>
                 <a:latin typeface="Arial"/>
                 <a:ea typeface="DejaVu Sans"/>
               </a:rPr>
-              <a:t>Large-Scale and Multi-</a:t>
-            </a:r>
-            <a:r>
-              <a:rPr lang="it-IT" sz="3200" b="0" strike="noStrike" spc="-1" dirty="0" err="1">
-                <a:solidFill>
-                  <a:srgbClr val="000000"/>
-                </a:solidFill>
-                <a:latin typeface="Arial"/>
-                <a:ea typeface="DejaVu Sans"/>
-              </a:rPr>
-              <a:t>Structured</a:t>
-            </a:r>
-            <a:r>
-              <a:rPr lang="it-IT" sz="3200" b="0" strike="noStrike" spc="-1">
-                <a:solidFill>
-                  <a:srgbClr val="000000"/>
-                </a:solidFill>
-                <a:latin typeface="Arial"/>
-                <a:ea typeface="DejaVu Sans"/>
-              </a:rPr>
-              <a:t> Databases</a:t>
+              <a:t>Large-Scale and Multi-Structured Databases</a:t>
             </a:r>
             <a:br/>
             <a:r>
-              <a:rPr lang="it-IT" sz="3200" b="1" i="1" strike="noStrike" spc="-1">
+              <a:rPr b="1" i="1" lang="it-IT" sz="3200" spc="-1" strike="noStrike">
                 <a:solidFill>
                   <a:srgbClr val="000000"/>
                 </a:solidFill>
@@ -4197,7 +3719,7 @@
             <a:br/>
             <a:br/>
             <a:r>
-              <a:rPr lang="it-IT" sz="3200" b="1" i="1" strike="noStrike" spc="-1">
+              <a:rPr b="1" i="1" lang="it-IT" sz="3200" spc="-1" strike="noStrike">
                 <a:solidFill>
                   <a:srgbClr val="000000"/>
                 </a:solidFill>
@@ -4207,7 +3729,7 @@
               <a:t>StockSim: stock portfolio simulator</a:t>
             </a:r>
             <a:br/>
-            <a:endParaRPr lang="it-IT" sz="3200" b="0" strike="noStrike" spc="-1">
+            <a:endParaRPr b="0" lang="it-IT" sz="3200" spc="-1" strike="noStrike">
               <a:latin typeface="Arial"/>
             </a:endParaRPr>
           </a:p>
@@ -4222,7 +3744,7 @@
         <p:spPr>
           <a:xfrm>
             <a:off x="1371600" y="4102200"/>
-            <a:ext cx="6398280" cy="1749960"/>
+            <a:ext cx="6397920" cy="1749600"/>
           </a:xfrm>
           <a:prstGeom prst="rect">
             <a:avLst/>
@@ -4233,20 +3755,13 @@
           </a:ln>
         </p:spPr>
         <p:style>
-          <a:lnRef idx="0">
-            <a:scrgbClr r="0" g="0" b="0"/>
-          </a:lnRef>
-          <a:fillRef idx="0">
-            <a:scrgbClr r="0" g="0" b="0"/>
-          </a:fillRef>
-          <a:effectRef idx="0">
-            <a:scrgbClr r="0" g="0" b="0"/>
-          </a:effectRef>
+          <a:lnRef idx="0"/>
+          <a:fillRef idx="0"/>
+          <a:effectRef idx="0"/>
           <a:fontRef idx="minor"/>
         </p:style>
         <p:txBody>
-          <a:bodyPr lIns="90000" tIns="45000" rIns="90000" bIns="45000"/>
-          <a:lstStyle/>
+          <a:bodyPr lIns="90000" rIns="90000" tIns="45000" bIns="45000"/>
           <a:p>
             <a:pPr algn="ctr">
               <a:lnSpc>
@@ -4257,16 +3772,16 @@
               </a:spcBef>
             </a:pPr>
             <a:r>
-              <a:rPr lang="it-IT" sz="3200" b="0" strike="noStrike" spc="-1">
-                <a:solidFill>
-                  <a:srgbClr val="8B8B8B"/>
+              <a:rPr b="0" lang="it-IT" sz="3200" spc="-1" strike="noStrike">
+                <a:solidFill>
+                  <a:srgbClr val="8b8b8b"/>
                 </a:solidFill>
                 <a:latin typeface="Arial"/>
                 <a:ea typeface="DejaVu Sans"/>
               </a:rPr>
               <a:t>Yuri Mazzuoli, Rambod Rahmani, Marco Pinna</a:t>
             </a:r>
-            <a:endParaRPr lang="it-IT" sz="3200" b="0" strike="noStrike" spc="-1">
+            <a:endParaRPr b="0" lang="it-IT" sz="3200" spc="-1" strike="noStrike">
               <a:latin typeface="Arial"/>
             </a:endParaRPr>
           </a:p>
@@ -4274,9 +3789,6 @@
       </p:sp>
     </p:spTree>
   </p:cSld>
-  <p:clrMapOvr>
-    <a:masterClrMapping/>
-  </p:clrMapOvr>
   <p:timing>
     <p:tnLst>
       <p:par>
@@ -4285,14 +3797,14 @@
             <p:seq>
               <p:cTn id="2" dur="indefinite" nodeType="mainSeq"/>
               <p:prevCondLst>
-                <p:cond evt="onPrev" delay="0">
+                <p:cond delay="0" evt="onPrev">
                   <p:tgtEl>
                     <p:sldTgt/>
                   </p:tgtEl>
                 </p:cond>
               </p:prevCondLst>
               <p:nextCondLst>
-                <p:cond evt="onNext" delay="0">
+                <p:cond delay="0" evt="onNext">
                   <p:tgtEl>
                     <p:sldTgt/>
                   </p:tgtEl>
@@ -4308,7 +3820,7 @@
 </file>
 
 <file path=ppt/slides/slide2.xml><?xml version="1.0" encoding="utf-8"?>
-<p:sld xmlns:a="http://schemas.openxmlformats.org/drawingml/2006/main" xmlns:r="http://schemas.openxmlformats.org/officeDocument/2006/relationships" xmlns:p="http://schemas.openxmlformats.org/presentationml/2006/main">
+<p:sld xmlns:a="http://schemas.openxmlformats.org/drawingml/2006/main" xmlns:p="http://schemas.openxmlformats.org/presentationml/2006/main" xmlns:r="http://schemas.openxmlformats.org/officeDocument/2006/relationships" xmlns:p14="http://schemas.microsoft.com/office/powerpoint/2010/main" xmlns:p15="http://schemas.microsoft.com/office/powerpoint/2012/main" xmlns:mc="http://schemas.openxmlformats.org/markup-compatibility/2006">
   <p:cSld>
     <p:spTree>
       <p:nvGrpSpPr>
@@ -4333,7 +3845,7 @@
         <p:spPr>
           <a:xfrm>
             <a:off x="182880" y="90000"/>
-            <a:ext cx="8759160" cy="1140480"/>
+            <a:ext cx="8758800" cy="1140120"/>
           </a:xfrm>
           <a:prstGeom prst="rect">
             <a:avLst/>
@@ -4344,20 +3856,13 @@
           </a:ln>
         </p:spPr>
         <p:style>
-          <a:lnRef idx="0">
-            <a:scrgbClr r="0" g="0" b="0"/>
-          </a:lnRef>
-          <a:fillRef idx="0">
-            <a:scrgbClr r="0" g="0" b="0"/>
-          </a:fillRef>
-          <a:effectRef idx="0">
-            <a:scrgbClr r="0" g="0" b="0"/>
-          </a:effectRef>
+          <a:lnRef idx="0"/>
+          <a:fillRef idx="0"/>
+          <a:effectRef idx="0"/>
           <a:fontRef idx="minor"/>
         </p:style>
         <p:txBody>
-          <a:bodyPr lIns="90000" tIns="45000" rIns="90000" bIns="45000" anchor="ctr"/>
-          <a:lstStyle/>
+          <a:bodyPr lIns="90000" rIns="90000" tIns="45000" bIns="45000" anchor="ctr"/>
           <a:p>
             <a:pPr algn="ctr">
               <a:lnSpc>
@@ -4365,7 +3870,7 @@
               </a:lnSpc>
             </a:pPr>
             <a:r>
-              <a:rPr lang="it-IT" sz="4400" b="0" strike="noStrike" spc="-1">
+              <a:rPr b="0" lang="it-IT" sz="4400" spc="-1" strike="noStrike">
                 <a:solidFill>
                   <a:srgbClr val="000000"/>
                 </a:solidFill>
@@ -4374,7 +3879,7 @@
               </a:rPr>
               <a:t>Application Highlights</a:t>
             </a:r>
-            <a:endParaRPr lang="it-IT" sz="4400" b="0" strike="noStrike" spc="-1">
+            <a:endParaRPr b="0" lang="it-IT" sz="4400" spc="-1" strike="noStrike">
               <a:latin typeface="Arial"/>
             </a:endParaRPr>
           </a:p>
@@ -4389,7 +3894,7 @@
         <p:spPr>
           <a:xfrm>
             <a:off x="424440" y="1404360"/>
-            <a:ext cx="8341560" cy="3927960"/>
+            <a:ext cx="8341200" cy="3927600"/>
           </a:xfrm>
           <a:prstGeom prst="rect">
             <a:avLst/>
@@ -4400,22 +3905,15 @@
           </a:ln>
         </p:spPr>
         <p:style>
-          <a:lnRef idx="0">
-            <a:scrgbClr r="0" g="0" b="0"/>
-          </a:lnRef>
-          <a:fillRef idx="0">
-            <a:scrgbClr r="0" g="0" b="0"/>
-          </a:fillRef>
-          <a:effectRef idx="0">
-            <a:scrgbClr r="0" g="0" b="0"/>
-          </a:effectRef>
+          <a:lnRef idx="0"/>
+          <a:fillRef idx="0"/>
+          <a:effectRef idx="0"/>
           <a:fontRef idx="minor"/>
         </p:style>
         <p:txBody>
-          <a:bodyPr lIns="90000" tIns="45000" rIns="90000" bIns="45000"/>
-          <a:lstStyle/>
-          <a:p>
-            <a:pPr marL="285840" indent="-283320">
+          <a:bodyPr lIns="90000" rIns="90000" tIns="45000" bIns="45000"/>
+          <a:p>
+            <a:pPr marL="285840" indent="-282960">
               <a:lnSpc>
                 <a:spcPct val="115000"/>
               </a:lnSpc>
@@ -4426,7 +3924,7 @@
               <a:buChar char=""/>
             </a:pPr>
             <a:r>
-              <a:rPr lang="it-IT" sz="1800" b="0" strike="noStrike" spc="-1">
+              <a:rPr b="0" lang="it-IT" sz="1800" spc="-1" strike="noStrike">
                 <a:solidFill>
                   <a:srgbClr val="000000"/>
                 </a:solidFill>
@@ -4435,12 +3933,12 @@
               </a:rPr>
               <a:t>StockSim is a Java Application which allows users to simulate stock portfolios using statistical models built using U.S. stock market historical data.</a:t>
             </a:r>
-            <a:endParaRPr lang="it-IT" sz="1800" b="0" strike="noStrike" spc="-1">
-              <a:latin typeface="Arial"/>
-            </a:endParaRPr>
-          </a:p>
-          <a:p>
-            <a:pPr marL="285840" indent="-283320">
+            <a:endParaRPr b="0" lang="it-IT" sz="1800" spc="-1" strike="noStrike">
+              <a:latin typeface="Arial"/>
+            </a:endParaRPr>
+          </a:p>
+          <a:p>
+            <a:pPr marL="285840" indent="-282960">
               <a:lnSpc>
                 <a:spcPct val="150000"/>
               </a:lnSpc>
@@ -4451,7 +3949,7 @@
               <a:buChar char=""/>
             </a:pPr>
             <a:r>
-              <a:rPr lang="it-IT" sz="1800" b="0" strike="noStrike" spc="-1">
+              <a:rPr b="0" lang="it-IT" sz="1800" spc="-1" strike="noStrike">
                 <a:solidFill>
                   <a:srgbClr val="000000"/>
                 </a:solidFill>
@@ -4460,12 +3958,12 @@
               </a:rPr>
               <a:t>Users can sign up and sign in.</a:t>
             </a:r>
-            <a:endParaRPr lang="it-IT" sz="1800" b="0" strike="noStrike" spc="-1">
-              <a:latin typeface="Arial"/>
-            </a:endParaRPr>
-          </a:p>
-          <a:p>
-            <a:pPr marL="285840" indent="-283320">
+            <a:endParaRPr b="0" lang="it-IT" sz="1800" spc="-1" strike="noStrike">
+              <a:latin typeface="Arial"/>
+            </a:endParaRPr>
+          </a:p>
+          <a:p>
+            <a:pPr marL="285840" indent="-282960">
               <a:lnSpc>
                 <a:spcPct val="150000"/>
               </a:lnSpc>
@@ -4476,21 +3974,21 @@
               <a:buChar char=""/>
             </a:pPr>
             <a:r>
-              <a:rPr lang="it-IT" sz="1800" b="0" strike="noStrike" spc="-1">
+              <a:rPr b="0" lang="it-IT" sz="1800" spc="-1" strike="noStrike">
                 <a:solidFill>
                   <a:srgbClr val="000000"/>
                 </a:solidFill>
                 <a:latin typeface="Arial"/>
                 <a:ea typeface="DejaVu Sans"/>
               </a:rPr>
-              <a:t>Users can view stock charts (Line chart, Bar char, Candle and stick chart).</a:t>
-            </a:r>
-            <a:endParaRPr lang="it-IT" sz="1800" b="0" strike="noStrike" spc="-1">
-              <a:latin typeface="Arial"/>
-            </a:endParaRPr>
-          </a:p>
-          <a:p>
-            <a:pPr marL="285840" indent="-283320">
+              <a:t>Users can view stock charts (Line chart, Bar chart, Candle and stick chart).</a:t>
+            </a:r>
+            <a:endParaRPr b="0" lang="it-IT" sz="1800" spc="-1" strike="noStrike">
+              <a:latin typeface="Arial"/>
+            </a:endParaRPr>
+          </a:p>
+          <a:p>
+            <a:pPr marL="285840" indent="-282960">
               <a:lnSpc>
                 <a:spcPct val="150000"/>
               </a:lnSpc>
@@ -4501,7 +3999,7 @@
               <a:buChar char=""/>
             </a:pPr>
             <a:r>
-              <a:rPr lang="it-IT" sz="1800" b="0" strike="noStrike" spc="-1">
+              <a:rPr b="0" lang="it-IT" sz="1800" spc="-1" strike="noStrike">
                 <a:solidFill>
                   <a:srgbClr val="000000"/>
                 </a:solidFill>
@@ -4510,12 +4008,12 @@
               </a:rPr>
               <a:t>Users can create stock portfolios.</a:t>
             </a:r>
-            <a:endParaRPr lang="it-IT" sz="1800" b="0" strike="noStrike" spc="-1">
-              <a:latin typeface="Arial"/>
-            </a:endParaRPr>
-          </a:p>
-          <a:p>
-            <a:pPr marL="285840" indent="-283320">
+            <a:endParaRPr b="0" lang="it-IT" sz="1800" spc="-1" strike="noStrike">
+              <a:latin typeface="Arial"/>
+            </a:endParaRPr>
+          </a:p>
+          <a:p>
+            <a:pPr marL="285840" indent="-282960">
               <a:lnSpc>
                 <a:spcPct val="150000"/>
               </a:lnSpc>
@@ -4526,7 +4024,7 @@
               <a:buChar char=""/>
             </a:pPr>
             <a:r>
-              <a:rPr lang="it-IT" sz="1800" b="0" strike="noStrike" spc="-1">
+              <a:rPr b="0" lang="it-IT" sz="1800" spc="-1" strike="noStrike">
                 <a:solidFill>
                   <a:srgbClr val="000000"/>
                 </a:solidFill>
@@ -4535,12 +4033,12 @@
               </a:rPr>
               <a:t>Users can simulate their stock portfolios: at the end of each simulation, statistics are provided and visualized.</a:t>
             </a:r>
-            <a:endParaRPr lang="it-IT" sz="1800" b="0" strike="noStrike" spc="-1">
-              <a:latin typeface="Arial"/>
-            </a:endParaRPr>
-          </a:p>
-          <a:p>
-            <a:pPr marL="285840" indent="-283320">
+            <a:endParaRPr b="0" lang="it-IT" sz="1800" spc="-1" strike="noStrike">
+              <a:latin typeface="Arial"/>
+            </a:endParaRPr>
+          </a:p>
+          <a:p>
+            <a:pPr marL="285840" indent="-282960">
               <a:lnSpc>
                 <a:spcPct val="150000"/>
               </a:lnSpc>
@@ -4551,7 +4049,7 @@
               <a:buChar char=""/>
             </a:pPr>
             <a:r>
-              <a:rPr lang="it-IT" sz="1800" b="0" strike="noStrike" spc="-1">
+              <a:rPr b="0" lang="it-IT" sz="1800" spc="-1" strike="noStrike">
                 <a:solidFill>
                   <a:srgbClr val="000000"/>
                 </a:solidFill>
@@ -4560,7 +4058,7 @@
               </a:rPr>
               <a:t>The administrator can add or remove a stock from the database.</a:t>
             </a:r>
-            <a:endParaRPr lang="it-IT" sz="1800" b="0" strike="noStrike" spc="-1">
+            <a:endParaRPr b="0" lang="it-IT" sz="1800" spc="-1" strike="noStrike">
               <a:latin typeface="Arial"/>
             </a:endParaRPr>
           </a:p>
@@ -4570,7 +4068,7 @@
                 <a:spcPct val="150000"/>
               </a:lnSpc>
             </a:pPr>
-            <a:endParaRPr lang="it-IT" sz="1800" b="0" strike="noStrike" spc="-1">
+            <a:endParaRPr b="0" lang="it-IT" sz="1800" spc="-1" strike="noStrike">
               <a:latin typeface="Arial"/>
             </a:endParaRPr>
           </a:p>
@@ -4578,25 +4076,22 @@
       </p:sp>
     </p:spTree>
   </p:cSld>
-  <p:clrMapOvr>
-    <a:masterClrMapping/>
-  </p:clrMapOvr>
   <p:timing>
     <p:tnLst>
       <p:par>
-        <p:cTn id="1" dur="indefinite" restart="never" nodeType="tmRoot">
+        <p:cTn id="3" dur="indefinite" restart="never" nodeType="tmRoot">
           <p:childTnLst>
             <p:seq>
-              <p:cTn id="2" dur="indefinite" nodeType="mainSeq"/>
+              <p:cTn id="4" dur="indefinite" nodeType="mainSeq"/>
               <p:prevCondLst>
-                <p:cond evt="onPrev" delay="0">
+                <p:cond delay="0" evt="onPrev">
                   <p:tgtEl>
                     <p:sldTgt/>
                   </p:tgtEl>
                 </p:cond>
               </p:prevCondLst>
               <p:nextCondLst>
-                <p:cond evt="onNext" delay="0">
+                <p:cond delay="0" evt="onNext">
                   <p:tgtEl>
                     <p:sldTgt/>
                   </p:tgtEl>
@@ -4612,7 +4107,7 @@
 </file>
 
 <file path=ppt/slides/slide3.xml><?xml version="1.0" encoding="utf-8"?>
-<p:sld xmlns:a="http://schemas.openxmlformats.org/drawingml/2006/main" xmlns:r="http://schemas.openxmlformats.org/officeDocument/2006/relationships" xmlns:p="http://schemas.openxmlformats.org/presentationml/2006/main">
+<p:sld xmlns:a="http://schemas.openxmlformats.org/drawingml/2006/main" xmlns:p="http://schemas.openxmlformats.org/presentationml/2006/main" xmlns:r="http://schemas.openxmlformats.org/officeDocument/2006/relationships" xmlns:p14="http://schemas.microsoft.com/office/powerpoint/2010/main" xmlns:p15="http://schemas.microsoft.com/office/powerpoint/2012/main" xmlns:mc="http://schemas.openxmlformats.org/markup-compatibility/2006">
   <p:cSld>
     <p:spTree>
       <p:nvGrpSpPr>
@@ -4637,7 +4132,7 @@
         <p:spPr>
           <a:xfrm>
             <a:off x="182880" y="90000"/>
-            <a:ext cx="8759160" cy="1140480"/>
+            <a:ext cx="8758800" cy="1140120"/>
           </a:xfrm>
           <a:prstGeom prst="rect">
             <a:avLst/>
@@ -4648,22 +4143,15 @@
           </a:ln>
         </p:spPr>
         <p:style>
-          <a:lnRef idx="0">
-            <a:scrgbClr r="0" g="0" b="0"/>
-          </a:lnRef>
-          <a:fillRef idx="0">
-            <a:scrgbClr r="0" g="0" b="0"/>
-          </a:fillRef>
-          <a:effectRef idx="0">
-            <a:scrgbClr r="0" g="0" b="0"/>
-          </a:effectRef>
+          <a:lnRef idx="0"/>
+          <a:fillRef idx="0"/>
+          <a:effectRef idx="0"/>
           <a:fontRef idx="minor"/>
         </p:style>
         <p:txBody>
-          <a:bodyPr lIns="90000" tIns="45000" rIns="90000" bIns="45000" anchor="ctr">
-            <a:normAutofit fontScale="92500" lnSpcReduction="20000"/>
+          <a:bodyPr lIns="90000" rIns="90000" tIns="45000" bIns="45000" anchor="ctr">
+            <a:normAutofit/>
           </a:bodyPr>
-          <a:lstStyle/>
           <a:p>
             <a:pPr algn="ctr">
               <a:lnSpc>
@@ -4671,7 +4159,7 @@
               </a:lnSpc>
             </a:pPr>
             <a:r>
-              <a:rPr lang="it-IT" sz="4400" b="0" strike="noStrike" spc="-1">
+              <a:rPr b="0" lang="it-IT" sz="4400" spc="-1" strike="noStrike">
                 <a:solidFill>
                   <a:srgbClr val="000000"/>
                 </a:solidFill>
@@ -4680,7 +4168,7 @@
               </a:rPr>
               <a:t>Actors and main supported functionalities</a:t>
             </a:r>
-            <a:endParaRPr lang="it-IT" sz="4400" b="0" strike="noStrike" spc="-1">
+            <a:endParaRPr b="0" lang="it-IT" sz="4400" spc="-1" strike="noStrike">
               <a:latin typeface="Arial"/>
             </a:endParaRPr>
           </a:p>
@@ -4688,18 +4176,18 @@
       </p:sp>
       <p:pic>
         <p:nvPicPr>
-          <p:cNvPr id="87" name="Immagine 86"/>
+          <p:cNvPr id="87" name="Immagine 86" descr=""/>
           <p:cNvPicPr/>
           <p:nvPr/>
         </p:nvPicPr>
         <p:blipFill>
-          <a:blip r:embed="rId2"/>
+          <a:blip r:embed="rId1"/>
           <a:stretch/>
         </p:blipFill>
         <p:spPr>
           <a:xfrm>
             <a:off x="1211040" y="1005840"/>
-            <a:ext cx="6859080" cy="4937760"/>
+            <a:ext cx="6858720" cy="4937400"/>
           </a:xfrm>
           <a:prstGeom prst="rect">
             <a:avLst/>
@@ -4711,25 +4199,22 @@
       </p:pic>
     </p:spTree>
   </p:cSld>
-  <p:clrMapOvr>
-    <a:masterClrMapping/>
-  </p:clrMapOvr>
   <p:timing>
     <p:tnLst>
       <p:par>
-        <p:cTn id="1" dur="indefinite" restart="never" nodeType="tmRoot">
+        <p:cTn id="5" dur="indefinite" restart="never" nodeType="tmRoot">
           <p:childTnLst>
             <p:seq>
-              <p:cTn id="2" dur="indefinite" nodeType="mainSeq"/>
+              <p:cTn id="6" dur="indefinite" nodeType="mainSeq"/>
               <p:prevCondLst>
-                <p:cond evt="onPrev" delay="0">
+                <p:cond delay="0" evt="onPrev">
                   <p:tgtEl>
                     <p:sldTgt/>
                   </p:tgtEl>
                 </p:cond>
               </p:prevCondLst>
               <p:nextCondLst>
-                <p:cond evt="onNext" delay="0">
+                <p:cond delay="0" evt="onNext">
                   <p:tgtEl>
                     <p:sldTgt/>
                   </p:tgtEl>
@@ -4745,7 +4230,7 @@
 </file>
 
 <file path=ppt/slides/slide4.xml><?xml version="1.0" encoding="utf-8"?>
-<p:sld xmlns:a="http://schemas.openxmlformats.org/drawingml/2006/main" xmlns:r="http://schemas.openxmlformats.org/officeDocument/2006/relationships" xmlns:p="http://schemas.openxmlformats.org/presentationml/2006/main">
+<p:sld xmlns:a="http://schemas.openxmlformats.org/drawingml/2006/main" xmlns:p="http://schemas.openxmlformats.org/presentationml/2006/main" xmlns:r="http://schemas.openxmlformats.org/officeDocument/2006/relationships" xmlns:p14="http://schemas.microsoft.com/office/powerpoint/2010/main" xmlns:p15="http://schemas.microsoft.com/office/powerpoint/2012/main" xmlns:mc="http://schemas.openxmlformats.org/markup-compatibility/2006">
   <p:cSld>
     <p:spTree>
       <p:nvGrpSpPr>
@@ -4770,7 +4255,7 @@
         <p:spPr>
           <a:xfrm>
             <a:off x="182880" y="90000"/>
-            <a:ext cx="8759160" cy="1140480"/>
+            <a:ext cx="8758800" cy="1140120"/>
           </a:xfrm>
           <a:prstGeom prst="rect">
             <a:avLst/>
@@ -4781,20 +4266,13 @@
           </a:ln>
         </p:spPr>
         <p:style>
-          <a:lnRef idx="0">
-            <a:scrgbClr r="0" g="0" b="0"/>
-          </a:lnRef>
-          <a:fillRef idx="0">
-            <a:scrgbClr r="0" g="0" b="0"/>
-          </a:fillRef>
-          <a:effectRef idx="0">
-            <a:scrgbClr r="0" g="0" b="0"/>
-          </a:effectRef>
+          <a:lnRef idx="0"/>
+          <a:fillRef idx="0"/>
+          <a:effectRef idx="0"/>
           <a:fontRef idx="minor"/>
         </p:style>
         <p:txBody>
-          <a:bodyPr lIns="90000" tIns="45000" rIns="90000" bIns="45000" anchor="ctr"/>
-          <a:lstStyle/>
+          <a:bodyPr lIns="90000" rIns="90000" tIns="45000" bIns="45000" anchor="ctr"/>
           <a:p>
             <a:pPr algn="ctr">
               <a:lnSpc>
@@ -4802,7 +4280,7 @@
               </a:lnSpc>
             </a:pPr>
             <a:r>
-              <a:rPr lang="it-IT" sz="4400" b="0" strike="noStrike" spc="-1">
+              <a:rPr b="0" lang="it-IT" sz="4400" spc="-1" strike="noStrike">
                 <a:solidFill>
                   <a:srgbClr val="000000"/>
                 </a:solidFill>
@@ -4811,7 +4289,7 @@
               </a:rPr>
               <a:t>Dataset Description</a:t>
             </a:r>
-            <a:endParaRPr lang="it-IT" sz="4400" b="0" strike="noStrike" spc="-1">
+            <a:endParaRPr b="0" lang="it-IT" sz="4400" spc="-1" strike="noStrike">
               <a:latin typeface="Arial"/>
             </a:endParaRPr>
           </a:p>
@@ -4826,7 +4304,7 @@
         <p:spPr>
           <a:xfrm>
             <a:off x="387360" y="1139760"/>
-            <a:ext cx="8346600" cy="5025960"/>
+            <a:ext cx="8346240" cy="5025600"/>
           </a:xfrm>
           <a:prstGeom prst="rect">
             <a:avLst/>
@@ -4837,20 +4315,13 @@
           </a:ln>
         </p:spPr>
         <p:style>
-          <a:lnRef idx="0">
-            <a:scrgbClr r="0" g="0" b="0"/>
-          </a:lnRef>
-          <a:fillRef idx="0">
-            <a:scrgbClr r="0" g="0" b="0"/>
-          </a:fillRef>
-          <a:effectRef idx="0">
-            <a:scrgbClr r="0" g="0" b="0"/>
-          </a:effectRef>
+          <a:lnRef idx="0"/>
+          <a:fillRef idx="0"/>
+          <a:effectRef idx="0"/>
           <a:fontRef idx="minor"/>
         </p:style>
         <p:txBody>
-          <a:bodyPr lIns="90000" tIns="45000" rIns="90000" bIns="45000"/>
-          <a:lstStyle/>
+          <a:bodyPr lIns="90000" rIns="90000" tIns="45000" bIns="45000"/>
           <a:p>
             <a:pPr>
               <a:lnSpc>
@@ -4858,7 +4329,7 @@
               </a:lnSpc>
             </a:pPr>
             <a:r>
-              <a:rPr lang="it-IT" sz="1800" b="1" i="1" strike="noStrike" spc="-1">
+              <a:rPr b="1" i="1" lang="it-IT" sz="1800" spc="-1" strike="noStrike">
                 <a:solidFill>
                   <a:srgbClr val="000000"/>
                 </a:solidFill>
@@ -4867,12 +4338,12 @@
               </a:rPr>
               <a:t>Source:</a:t>
             </a:r>
-            <a:endParaRPr lang="it-IT" sz="1800" b="0" strike="noStrike" spc="-1">
-              <a:latin typeface="Arial"/>
-            </a:endParaRPr>
-          </a:p>
-          <a:p>
-            <a:pPr marL="343080" indent="-340560">
+            <a:endParaRPr b="0" lang="it-IT" sz="1800" spc="-1" strike="noStrike">
+              <a:latin typeface="Arial"/>
+            </a:endParaRPr>
+          </a:p>
+          <a:p>
+            <a:pPr marL="343080" indent="-340200">
               <a:lnSpc>
                 <a:spcPct val="100000"/>
               </a:lnSpc>
@@ -4883,7 +4354,7 @@
               <a:buChar char="o"/>
             </a:pPr>
             <a:r>
-              <a:rPr lang="it-IT" sz="1800" b="0" strike="noStrike" spc="-1">
+              <a:rPr b="0" lang="it-IT" sz="1800" spc="-1" strike="noStrike">
                 <a:solidFill>
                   <a:srgbClr val="000000"/>
                 </a:solidFill>
@@ -4892,12 +4363,12 @@
               </a:rPr>
               <a:t>Yahoo! Finance</a:t>
             </a:r>
-            <a:endParaRPr lang="it-IT" sz="1800" b="0" strike="noStrike" spc="-1">
-              <a:latin typeface="Arial"/>
-            </a:endParaRPr>
-          </a:p>
-          <a:p>
-            <a:pPr marL="343080" indent="-340560">
+            <a:endParaRPr b="0" lang="it-IT" sz="1800" spc="-1" strike="noStrike">
+              <a:latin typeface="Arial"/>
+            </a:endParaRPr>
+          </a:p>
+          <a:p>
+            <a:pPr marL="343080" indent="-340200">
               <a:lnSpc>
                 <a:spcPct val="100000"/>
               </a:lnSpc>
@@ -4908,7 +4379,7 @@
               <a:buChar char="o"/>
             </a:pPr>
             <a:r>
-              <a:rPr lang="it-IT" sz="1800" b="0" strike="noStrike" spc="-1">
+              <a:rPr b="0" lang="it-IT" sz="1800" spc="-1" strike="noStrike">
                 <a:solidFill>
                   <a:srgbClr val="000000"/>
                 </a:solidFill>
@@ -4917,7 +4388,7 @@
               </a:rPr>
               <a:t>NasdaqTrader</a:t>
             </a:r>
-            <a:endParaRPr lang="it-IT" sz="1800" b="0" strike="noStrike" spc="-1">
+            <a:endParaRPr b="0" lang="it-IT" sz="1800" spc="-1" strike="noStrike">
               <a:latin typeface="Arial"/>
             </a:endParaRPr>
           </a:p>
@@ -4927,7 +4398,7 @@
                 <a:spcPct val="100000"/>
               </a:lnSpc>
             </a:pPr>
-            <a:endParaRPr lang="it-IT" sz="1800" b="0" strike="noStrike" spc="-1">
+            <a:endParaRPr b="0" lang="it-IT" sz="1800" spc="-1" strike="noStrike">
               <a:latin typeface="Arial"/>
             </a:endParaRPr>
           </a:p>
@@ -4938,7 +4409,7 @@
               </a:lnSpc>
             </a:pPr>
             <a:r>
-              <a:rPr lang="it-IT" sz="1800" b="1" i="1" strike="noStrike" spc="-1">
+              <a:rPr b="1" i="1" lang="it-IT" sz="1800" spc="-1" strike="noStrike">
                 <a:solidFill>
                   <a:srgbClr val="000000"/>
                 </a:solidFill>
@@ -4948,7 +4419,7 @@
               <a:t>Description</a:t>
             </a:r>
             <a:r>
-              <a:rPr lang="it-IT" sz="1800" b="1" strike="noStrike" spc="-1">
+              <a:rPr b="1" lang="it-IT" sz="1800" spc="-1" strike="noStrike">
                 <a:solidFill>
                   <a:srgbClr val="000000"/>
                 </a:solidFill>
@@ -4957,12 +4428,12 @@
               </a:rPr>
               <a:t>:</a:t>
             </a:r>
-            <a:endParaRPr lang="it-IT" sz="1800" b="0" strike="noStrike" spc="-1">
-              <a:latin typeface="Arial"/>
-            </a:endParaRPr>
-          </a:p>
-          <a:p>
-            <a:pPr marL="285840" indent="-283320">
+            <a:endParaRPr b="0" lang="it-IT" sz="1800" spc="-1" strike="noStrike">
+              <a:latin typeface="Arial"/>
+            </a:endParaRPr>
+          </a:p>
+          <a:p>
+            <a:pPr marL="285840" indent="-282960">
               <a:lnSpc>
                 <a:spcPct val="100000"/>
               </a:lnSpc>
@@ -4973,7 +4444,7 @@
               <a:buChar char="o"/>
             </a:pPr>
             <a:r>
-              <a:rPr lang="it-IT" sz="1800" b="1" strike="noStrike" spc="-1">
+              <a:rPr b="1" lang="it-IT" sz="1800" spc="-1" strike="noStrike">
                 <a:solidFill>
                   <a:srgbClr val="000000"/>
                 </a:solidFill>
@@ -4983,7 +4454,7 @@
               <a:t>Yahoo! Finance</a:t>
             </a:r>
             <a:r>
-              <a:rPr lang="it-IT" sz="1800" b="0" strike="noStrike" spc="-1">
+              <a:rPr b="0" lang="it-IT" sz="1800" spc="-1" strike="noStrike">
                 <a:solidFill>
                   <a:srgbClr val="000000"/>
                 </a:solidFill>
@@ -4992,12 +4463,12 @@
               </a:rPr>
               <a:t> is a media property that is part of Yahoo!'s network. It provides financial news, data and commentary including stock quotes, press releases, financial reports, and original content.</a:t>
             </a:r>
-            <a:endParaRPr lang="it-IT" sz="1800" b="0" strike="noStrike" spc="-1">
-              <a:latin typeface="Arial"/>
-            </a:endParaRPr>
-          </a:p>
-          <a:p>
-            <a:pPr marL="285840" indent="-283320">
+            <a:endParaRPr b="0" lang="it-IT" sz="1800" spc="-1" strike="noStrike">
+              <a:latin typeface="Arial"/>
+            </a:endParaRPr>
+          </a:p>
+          <a:p>
+            <a:pPr marL="285840" indent="-282960">
               <a:lnSpc>
                 <a:spcPct val="100000"/>
               </a:lnSpc>
@@ -5008,7 +4479,7 @@
               <a:buChar char="o"/>
             </a:pPr>
             <a:r>
-              <a:rPr lang="it-IT" sz="1800" b="1" strike="noStrike" spc="-1">
+              <a:rPr b="1" lang="it-IT" sz="1800" spc="-1" strike="noStrike">
                 <a:solidFill>
                   <a:srgbClr val="000000"/>
                 </a:solidFill>
@@ -5018,7 +4489,7 @@
               <a:t>NasdaqTrader</a:t>
             </a:r>
             <a:r>
-              <a:rPr lang="it-IT" sz="1800" b="0" strike="noStrike" spc="-1">
+              <a:rPr b="0" lang="it-IT" sz="1800" spc="-1" strike="noStrike">
                 <a:solidFill>
                   <a:srgbClr val="000000"/>
                 </a:solidFill>
@@ -5027,7 +4498,7 @@
               </a:rPr>
               <a:t> is a website that covers the Nasdaq market providing proprietary access to trading liquidity.</a:t>
             </a:r>
-            <a:endParaRPr lang="it-IT" sz="1800" b="0" strike="noStrike" spc="-1">
+            <a:endParaRPr b="0" lang="it-IT" sz="1800" spc="-1" strike="noStrike">
               <a:latin typeface="Arial"/>
             </a:endParaRPr>
           </a:p>
@@ -5037,7 +4508,7 @@
                 <a:spcPct val="100000"/>
               </a:lnSpc>
             </a:pPr>
-            <a:endParaRPr lang="it-IT" sz="1800" b="0" strike="noStrike" spc="-1">
+            <a:endParaRPr b="0" lang="it-IT" sz="1800" spc="-1" strike="noStrike">
               <a:latin typeface="Arial"/>
             </a:endParaRPr>
           </a:p>
@@ -5048,7 +4519,7 @@
               </a:lnSpc>
             </a:pPr>
             <a:r>
-              <a:rPr lang="it-IT" sz="1800" b="1" i="1" strike="noStrike" spc="-1">
+              <a:rPr b="1" i="1" lang="it-IT" sz="1800" spc="-1" strike="noStrike">
                 <a:solidFill>
                   <a:srgbClr val="000000"/>
                 </a:solidFill>
@@ -5058,7 +4529,7 @@
               <a:t>Volume: </a:t>
             </a:r>
             <a:r>
-              <a:rPr lang="it-IT" sz="1800" b="0" strike="noStrike" spc="-1">
+              <a:rPr b="0" lang="it-IT" sz="1800" spc="-1" strike="noStrike">
                 <a:solidFill>
                   <a:srgbClr val="000000"/>
                 </a:solidFill>
@@ -5067,7 +4538,7 @@
               </a:rPr>
               <a:t>~ 2.7 GB</a:t>
             </a:r>
-            <a:endParaRPr lang="it-IT" sz="1800" b="0" strike="noStrike" spc="-1">
+            <a:endParaRPr b="0" lang="it-IT" sz="1800" spc="-1" strike="noStrike">
               <a:latin typeface="Arial"/>
             </a:endParaRPr>
           </a:p>
@@ -5077,7 +4548,7 @@
                 <a:spcPct val="100000"/>
               </a:lnSpc>
             </a:pPr>
-            <a:endParaRPr lang="it-IT" sz="1800" b="0" strike="noStrike" spc="-1">
+            <a:endParaRPr b="0" lang="it-IT" sz="1800" spc="-1" strike="noStrike">
               <a:latin typeface="Arial"/>
             </a:endParaRPr>
           </a:p>
@@ -5088,7 +4559,7 @@
               </a:lnSpc>
             </a:pPr>
             <a:r>
-              <a:rPr lang="it-IT" sz="1800" b="1" i="1" strike="noStrike" spc="-1">
+              <a:rPr b="1" i="1" lang="it-IT" sz="1800" spc="-1" strike="noStrike">
                 <a:solidFill>
                   <a:srgbClr val="000000"/>
                 </a:solidFill>
@@ -5098,7 +4569,7 @@
               <a:t>Variety</a:t>
             </a:r>
             <a:r>
-              <a:rPr lang="it-IT" sz="1800" b="0" strike="noStrike" spc="-1">
+              <a:rPr b="0" lang="it-IT" sz="1800" spc="-1" strike="noStrike">
                 <a:solidFill>
                   <a:srgbClr val="000000"/>
                 </a:solidFill>
@@ -5107,7 +4578,7 @@
               </a:rPr>
               <a:t>: granted by the heterogeneous composition of the U.S. stock market stocks.</a:t>
             </a:r>
-            <a:endParaRPr lang="it-IT" sz="1800" b="0" strike="noStrike" spc="-1">
+            <a:endParaRPr b="0" lang="it-IT" sz="1800" spc="-1" strike="noStrike">
               <a:latin typeface="Arial"/>
             </a:endParaRPr>
           </a:p>
@@ -5117,7 +4588,7 @@
                 <a:spcPct val="100000"/>
               </a:lnSpc>
             </a:pPr>
-            <a:endParaRPr lang="it-IT" sz="1800" b="0" strike="noStrike" spc="-1">
+            <a:endParaRPr b="0" lang="it-IT" sz="1800" spc="-1" strike="noStrike">
               <a:latin typeface="Arial"/>
             </a:endParaRPr>
           </a:p>
@@ -5128,7 +4599,7 @@
               </a:lnSpc>
             </a:pPr>
             <a:r>
-              <a:rPr lang="it-IT" sz="1800" b="1" i="1" strike="noStrike" spc="-1">
+              <a:rPr b="1" i="1" lang="it-IT" sz="1800" spc="-1" strike="noStrike">
                 <a:solidFill>
                   <a:srgbClr val="000000"/>
                 </a:solidFill>
@@ -5138,7 +4609,7 @@
               <a:t>Velocity/Variability</a:t>
             </a:r>
             <a:r>
-              <a:rPr lang="it-IT" sz="1800" b="0" strike="noStrike" spc="-1">
+              <a:rPr b="0" lang="it-IT" sz="1800" spc="-1" strike="noStrike">
                 <a:solidFill>
                   <a:srgbClr val="000000"/>
                 </a:solidFill>
@@ -5147,7 +4618,7 @@
               </a:rPr>
               <a:t>: indices and shares of each of the 8000+ U.S. stock market stocks are updated automatically every day.</a:t>
             </a:r>
-            <a:endParaRPr lang="it-IT" sz="1800" b="0" strike="noStrike" spc="-1">
+            <a:endParaRPr b="0" lang="it-IT" sz="1800" spc="-1" strike="noStrike">
               <a:latin typeface="Arial"/>
             </a:endParaRPr>
           </a:p>
@@ -5157,7 +4628,7 @@
                 <a:spcPct val="100000"/>
               </a:lnSpc>
             </a:pPr>
-            <a:endParaRPr lang="it-IT" sz="1800" b="0" strike="noStrike" spc="-1">
+            <a:endParaRPr b="0" lang="it-IT" sz="1800" spc="-1" strike="noStrike">
               <a:latin typeface="Arial"/>
             </a:endParaRPr>
           </a:p>
@@ -5165,25 +4636,22 @@
       </p:sp>
     </p:spTree>
   </p:cSld>
-  <p:clrMapOvr>
-    <a:masterClrMapping/>
-  </p:clrMapOvr>
   <p:timing>
     <p:tnLst>
       <p:par>
-        <p:cTn id="1" dur="indefinite" restart="never" nodeType="tmRoot">
+        <p:cTn id="7" dur="indefinite" restart="never" nodeType="tmRoot">
           <p:childTnLst>
             <p:seq>
-              <p:cTn id="2" dur="indefinite" nodeType="mainSeq"/>
+              <p:cTn id="8" dur="indefinite" nodeType="mainSeq"/>
               <p:prevCondLst>
-                <p:cond evt="onPrev" delay="0">
+                <p:cond delay="0" evt="onPrev">
                   <p:tgtEl>
                     <p:sldTgt/>
                   </p:tgtEl>
                 </p:cond>
               </p:prevCondLst>
               <p:nextCondLst>
-                <p:cond evt="onNext" delay="0">
+                <p:cond delay="0" evt="onNext">
                   <p:tgtEl>
                     <p:sldTgt/>
                   </p:tgtEl>
@@ -5199,7 +4667,7 @@
 </file>
 
 <file path=ppt/slides/slide5.xml><?xml version="1.0" encoding="utf-8"?>
-<p:sld xmlns:a="http://schemas.openxmlformats.org/drawingml/2006/main" xmlns:r="http://schemas.openxmlformats.org/officeDocument/2006/relationships" xmlns:p="http://schemas.openxmlformats.org/presentationml/2006/main">
+<p:sld xmlns:a="http://schemas.openxmlformats.org/drawingml/2006/main" xmlns:p="http://schemas.openxmlformats.org/presentationml/2006/main" xmlns:r="http://schemas.openxmlformats.org/officeDocument/2006/relationships" xmlns:p14="http://schemas.microsoft.com/office/powerpoint/2010/main" xmlns:p15="http://schemas.microsoft.com/office/powerpoint/2012/main" xmlns:mc="http://schemas.openxmlformats.org/markup-compatibility/2006">
   <p:cSld>
     <p:spTree>
       <p:nvGrpSpPr>
@@ -5224,7 +4692,7 @@
         <p:spPr>
           <a:xfrm>
             <a:off x="182880" y="90000"/>
-            <a:ext cx="8759160" cy="1140480"/>
+            <a:ext cx="8758800" cy="1140120"/>
           </a:xfrm>
           <a:prstGeom prst="rect">
             <a:avLst/>
@@ -5235,20 +4703,13 @@
           </a:ln>
         </p:spPr>
         <p:style>
-          <a:lnRef idx="0">
-            <a:scrgbClr r="0" g="0" b="0"/>
-          </a:lnRef>
-          <a:fillRef idx="0">
-            <a:scrgbClr r="0" g="0" b="0"/>
-          </a:fillRef>
-          <a:effectRef idx="0">
-            <a:scrgbClr r="0" g="0" b="0"/>
-          </a:effectRef>
+          <a:lnRef idx="0"/>
+          <a:fillRef idx="0"/>
+          <a:effectRef idx="0"/>
           <a:fontRef idx="minor"/>
         </p:style>
         <p:txBody>
-          <a:bodyPr lIns="90000" tIns="45000" rIns="90000" bIns="45000" anchor="ctr"/>
-          <a:lstStyle/>
+          <a:bodyPr lIns="90000" rIns="90000" tIns="45000" bIns="45000" anchor="ctr"/>
           <a:p>
             <a:pPr algn="ctr">
               <a:lnSpc>
@@ -5256,7 +4717,7 @@
               </a:lnSpc>
             </a:pPr>
             <a:r>
-              <a:rPr lang="it-IT" sz="4400" b="0" strike="noStrike" spc="-1">
+              <a:rPr b="0" lang="it-IT" sz="4400" spc="-1" strike="noStrike">
                 <a:solidFill>
                   <a:srgbClr val="000000"/>
                 </a:solidFill>
@@ -5265,7 +4726,7 @@
               </a:rPr>
               <a:t>Preliminary UML Class Diagram</a:t>
             </a:r>
-            <a:endParaRPr lang="it-IT" sz="4400" b="0" strike="noStrike" spc="-1">
+            <a:endParaRPr b="0" lang="it-IT" sz="4400" spc="-1" strike="noStrike">
               <a:latin typeface="Arial"/>
             </a:endParaRPr>
           </a:p>
@@ -5273,18 +4734,18 @@
       </p:sp>
       <p:pic>
         <p:nvPicPr>
-          <p:cNvPr id="91" name="Immagine 90"/>
+          <p:cNvPr id="91" name="Immagine 90" descr=""/>
           <p:cNvPicPr/>
           <p:nvPr/>
         </p:nvPicPr>
         <p:blipFill>
-          <a:blip r:embed="rId2"/>
+          <a:blip r:embed="rId1"/>
           <a:stretch/>
         </p:blipFill>
         <p:spPr>
           <a:xfrm>
             <a:off x="1122480" y="1424520"/>
-            <a:ext cx="6891120" cy="4082760"/>
+            <a:ext cx="6890760" cy="4082400"/>
           </a:xfrm>
           <a:prstGeom prst="rect">
             <a:avLst/>
@@ -5296,25 +4757,22 @@
       </p:pic>
     </p:spTree>
   </p:cSld>
-  <p:clrMapOvr>
-    <a:masterClrMapping/>
-  </p:clrMapOvr>
   <p:timing>
     <p:tnLst>
       <p:par>
-        <p:cTn id="1" dur="indefinite" restart="never" nodeType="tmRoot">
+        <p:cTn id="9" dur="indefinite" restart="never" nodeType="tmRoot">
           <p:childTnLst>
             <p:seq>
-              <p:cTn id="2" dur="indefinite" nodeType="mainSeq"/>
+              <p:cTn id="10" dur="indefinite" nodeType="mainSeq"/>
               <p:prevCondLst>
-                <p:cond evt="onPrev" delay="0">
+                <p:cond delay="0" evt="onPrev">
                   <p:tgtEl>
                     <p:sldTgt/>
                   </p:tgtEl>
                 </p:cond>
               </p:prevCondLst>
               <p:nextCondLst>
-                <p:cond evt="onNext" delay="0">
+                <p:cond delay="0" evt="onNext">
                   <p:tgtEl>
                     <p:sldTgt/>
                   </p:tgtEl>
@@ -5330,7 +4788,7 @@
 </file>
 
 <file path=ppt/slides/slide6.xml><?xml version="1.0" encoding="utf-8"?>
-<p:sld xmlns:a="http://schemas.openxmlformats.org/drawingml/2006/main" xmlns:r="http://schemas.openxmlformats.org/officeDocument/2006/relationships" xmlns:p="http://schemas.openxmlformats.org/presentationml/2006/main">
+<p:sld xmlns:a="http://schemas.openxmlformats.org/drawingml/2006/main" xmlns:p="http://schemas.openxmlformats.org/presentationml/2006/main" xmlns:r="http://schemas.openxmlformats.org/officeDocument/2006/relationships" xmlns:p14="http://schemas.microsoft.com/office/powerpoint/2010/main" xmlns:p15="http://schemas.microsoft.com/office/powerpoint/2012/main" xmlns:mc="http://schemas.openxmlformats.org/markup-compatibility/2006">
   <p:cSld>
     <p:spTree>
       <p:nvGrpSpPr>
@@ -5355,7 +4813,7 @@
         <p:spPr>
           <a:xfrm>
             <a:off x="182880" y="90000"/>
-            <a:ext cx="8759160" cy="1140480"/>
+            <a:ext cx="8758800" cy="1140120"/>
           </a:xfrm>
           <a:prstGeom prst="rect">
             <a:avLst/>
@@ -5366,22 +4824,15 @@
           </a:ln>
         </p:spPr>
         <p:style>
-          <a:lnRef idx="0">
-            <a:scrgbClr r="0" g="0" b="0"/>
-          </a:lnRef>
-          <a:fillRef idx="0">
-            <a:scrgbClr r="0" g="0" b="0"/>
-          </a:fillRef>
-          <a:effectRef idx="0">
-            <a:scrgbClr r="0" g="0" b="0"/>
-          </a:effectRef>
+          <a:lnRef idx="0"/>
+          <a:fillRef idx="0"/>
+          <a:effectRef idx="0"/>
           <a:fontRef idx="minor"/>
         </p:style>
         <p:txBody>
-          <a:bodyPr lIns="90000" tIns="45000" rIns="90000" bIns="45000" anchor="ctr">
-            <a:normAutofit fontScale="92500" lnSpcReduction="20000"/>
+          <a:bodyPr lIns="90000" rIns="90000" tIns="45000" bIns="45000" anchor="ctr">
+            <a:normAutofit/>
           </a:bodyPr>
-          <a:lstStyle/>
           <a:p>
             <a:pPr algn="ctr">
               <a:lnSpc>
@@ -5389,7 +4840,7 @@
               </a:lnSpc>
             </a:pPr>
             <a:r>
-              <a:rPr lang="it-IT" sz="4400" b="0" strike="noStrike" spc="-1">
+              <a:rPr b="0" lang="it-IT" sz="4400" spc="-1" strike="noStrike">
                 <a:solidFill>
                   <a:srgbClr val="000000"/>
                 </a:solidFill>
@@ -5400,7 +4851,7 @@
             </a:r>
             <a:br/>
             <a:r>
-              <a:rPr lang="it-IT" sz="4400" b="0" strike="noStrike" spc="-1">
+              <a:rPr b="0" lang="it-IT" sz="4400" spc="-1" strike="noStrike">
                 <a:solidFill>
                   <a:srgbClr val="000000"/>
                 </a:solidFill>
@@ -5409,7 +4860,7 @@
               </a:rPr>
               <a:t>handled by Document DB</a:t>
             </a:r>
-            <a:endParaRPr lang="it-IT" sz="4400" b="0" strike="noStrike" spc="-1">
+            <a:endParaRPr b="0" lang="it-IT" sz="4400" spc="-1" strike="noStrike">
               <a:latin typeface="Arial"/>
             </a:endParaRPr>
           </a:p>
@@ -5424,7 +4875,7 @@
         <p:spPr>
           <a:xfrm>
             <a:off x="411840" y="1436760"/>
-            <a:ext cx="8317440" cy="3746520"/>
+            <a:ext cx="8317080" cy="3746160"/>
           </a:xfrm>
           <a:prstGeom prst="rect">
             <a:avLst/>
@@ -5435,22 +4886,15 @@
           </a:ln>
         </p:spPr>
         <p:style>
-          <a:lnRef idx="0">
-            <a:scrgbClr r="0" g="0" b="0"/>
-          </a:lnRef>
-          <a:fillRef idx="0">
-            <a:scrgbClr r="0" g="0" b="0"/>
-          </a:fillRef>
-          <a:effectRef idx="0">
-            <a:scrgbClr r="0" g="0" b="0"/>
-          </a:effectRef>
+          <a:lnRef idx="0"/>
+          <a:fillRef idx="0"/>
+          <a:effectRef idx="0"/>
           <a:fontRef idx="minor"/>
         </p:style>
         <p:txBody>
-          <a:bodyPr lIns="90000" tIns="45000" rIns="90000" bIns="45000"/>
-          <a:lstStyle/>
-          <a:p>
-            <a:pPr marL="285840" indent="-283320">
+          <a:bodyPr lIns="90000" rIns="90000" tIns="45000" bIns="45000"/>
+          <a:p>
+            <a:pPr marL="285840" indent="-282960">
               <a:lnSpc>
                 <a:spcPct val="115000"/>
               </a:lnSpc>
@@ -5461,7 +4905,7 @@
               <a:buChar char="•"/>
             </a:pPr>
             <a:r>
-              <a:rPr lang="it-IT" sz="2400" b="0" strike="noStrike" spc="-1">
+              <a:rPr b="0" lang="it-IT" sz="2400" spc="-1" strike="noStrike">
                 <a:solidFill>
                   <a:srgbClr val="000000"/>
                 </a:solidFill>
@@ -5470,12 +4914,12 @@
               </a:rPr>
               <a:t>Users’ authentication, personal information and preferences.</a:t>
             </a:r>
-            <a:endParaRPr lang="it-IT" sz="2400" b="0" strike="noStrike" spc="-1">
-              <a:latin typeface="Arial"/>
-            </a:endParaRPr>
-          </a:p>
-          <a:p>
-            <a:pPr marL="285840" indent="-283320">
+            <a:endParaRPr b="0" lang="it-IT" sz="2400" spc="-1" strike="noStrike">
+              <a:latin typeface="Arial"/>
+            </a:endParaRPr>
+          </a:p>
+          <a:p>
+            <a:pPr marL="285840" indent="-282960">
               <a:lnSpc>
                 <a:spcPct val="115000"/>
               </a:lnSpc>
@@ -5486,7 +4930,7 @@
               <a:buChar char="•"/>
             </a:pPr>
             <a:r>
-              <a:rPr lang="it-IT" sz="2400" b="0" strike="noStrike" spc="-1">
+              <a:rPr b="0" lang="it-IT" sz="2400" spc="-1" strike="noStrike">
                 <a:solidFill>
                   <a:srgbClr val="000000"/>
                 </a:solidFill>
@@ -5495,12 +4939,12 @@
               </a:rPr>
               <a:t>Stocks’ information (company details, trade, capitalization, etc…).</a:t>
             </a:r>
-            <a:endParaRPr lang="it-IT" sz="2400" b="0" strike="noStrike" spc="-1">
-              <a:latin typeface="Arial"/>
-            </a:endParaRPr>
-          </a:p>
-          <a:p>
-            <a:pPr marL="285840" indent="-283320">
+            <a:endParaRPr b="0" lang="it-IT" sz="2400" spc="-1" strike="noStrike">
+              <a:latin typeface="Arial"/>
+            </a:endParaRPr>
+          </a:p>
+          <a:p>
+            <a:pPr marL="285840" indent="-282960">
               <a:lnSpc>
                 <a:spcPct val="115000"/>
               </a:lnSpc>
@@ -5511,7 +4955,7 @@
               <a:buChar char="•"/>
             </a:pPr>
             <a:r>
-              <a:rPr lang="it-IT" sz="2400" b="0" strike="noStrike" spc="-1">
+              <a:rPr b="0" lang="it-IT" sz="2400" spc="-1" strike="noStrike">
                 <a:solidFill>
                   <a:srgbClr val="000000"/>
                 </a:solidFill>
@@ -5520,12 +4964,12 @@
               </a:rPr>
               <a:t>Indexes’ information (composition, details, etc…).</a:t>
             </a:r>
-            <a:endParaRPr lang="it-IT" sz="2400" b="0" strike="noStrike" spc="-1">
-              <a:latin typeface="Arial"/>
-            </a:endParaRPr>
-          </a:p>
-          <a:p>
-            <a:pPr marL="285840" indent="-283320">
+            <a:endParaRPr b="0" lang="it-IT" sz="2400" spc="-1" strike="noStrike">
+              <a:latin typeface="Arial"/>
+            </a:endParaRPr>
+          </a:p>
+          <a:p>
+            <a:pPr marL="285840" indent="-282960">
               <a:lnSpc>
                 <a:spcPct val="115000"/>
               </a:lnSpc>
@@ -5536,7 +4980,7 @@
               <a:buChar char="•"/>
             </a:pPr>
             <a:r>
-              <a:rPr lang="it-IT" sz="2400" b="0" strike="noStrike" spc="-1">
+              <a:rPr b="0" lang="it-IT" sz="2400" spc="-1" strike="noStrike">
                 <a:solidFill>
                   <a:srgbClr val="000000"/>
                 </a:solidFill>
@@ -5545,12 +4989,12 @@
               </a:rPr>
               <a:t>Stock Portfolio’s information (name, composition, scope, etc…).</a:t>
             </a:r>
-            <a:endParaRPr lang="it-IT" sz="2400" b="0" strike="noStrike" spc="-1">
-              <a:latin typeface="Arial"/>
-            </a:endParaRPr>
-          </a:p>
-          <a:p>
-            <a:pPr marL="285840" indent="-283320">
+            <a:endParaRPr b="0" lang="it-IT" sz="2400" spc="-1" strike="noStrike">
+              <a:latin typeface="Arial"/>
+            </a:endParaRPr>
+          </a:p>
+          <a:p>
+            <a:pPr marL="285840" indent="-282960">
               <a:lnSpc>
                 <a:spcPct val="115000"/>
               </a:lnSpc>
@@ -5561,7 +5005,7 @@
               <a:buChar char="•"/>
             </a:pPr>
             <a:r>
-              <a:rPr lang="it-IT" sz="2400" b="0" strike="noStrike" spc="-1">
+              <a:rPr b="0" lang="it-IT" sz="2400" spc="-1" strike="noStrike">
                 <a:solidFill>
                   <a:srgbClr val="000000"/>
                 </a:solidFill>
@@ -5570,7 +5014,7 @@
               </a:rPr>
               <a:t>Stock portfolio simulation results.</a:t>
             </a:r>
-            <a:endParaRPr lang="it-IT" sz="2400" b="0" strike="noStrike" spc="-1">
+            <a:endParaRPr b="0" lang="it-IT" sz="2400" spc="-1" strike="noStrike">
               <a:latin typeface="Arial"/>
             </a:endParaRPr>
           </a:p>
@@ -5580,7 +5024,7 @@
                 <a:spcPct val="115000"/>
               </a:lnSpc>
             </a:pPr>
-            <a:endParaRPr lang="it-IT" sz="2400" b="0" strike="noStrike" spc="-1">
+            <a:endParaRPr b="0" lang="it-IT" sz="2400" spc="-1" strike="noStrike">
               <a:latin typeface="Arial"/>
             </a:endParaRPr>
           </a:p>
@@ -5588,25 +5032,22 @@
       </p:sp>
     </p:spTree>
   </p:cSld>
-  <p:clrMapOvr>
-    <a:masterClrMapping/>
-  </p:clrMapOvr>
   <p:timing>
     <p:tnLst>
       <p:par>
-        <p:cTn id="1" dur="indefinite" restart="never" nodeType="tmRoot">
+        <p:cTn id="11" dur="indefinite" restart="never" nodeType="tmRoot">
           <p:childTnLst>
             <p:seq>
-              <p:cTn id="2" dur="indefinite" nodeType="mainSeq"/>
+              <p:cTn id="12" dur="indefinite" nodeType="mainSeq"/>
               <p:prevCondLst>
-                <p:cond evt="onPrev" delay="0">
+                <p:cond delay="0" evt="onPrev">
                   <p:tgtEl>
                     <p:sldTgt/>
                   </p:tgtEl>
                 </p:cond>
               </p:prevCondLst>
               <p:nextCondLst>
-                <p:cond evt="onNext" delay="0">
+                <p:cond delay="0" evt="onNext">
                   <p:tgtEl>
                     <p:sldTgt/>
                   </p:tgtEl>
@@ -5622,7 +5063,7 @@
 </file>
 
 <file path=ppt/slides/slide7.xml><?xml version="1.0" encoding="utf-8"?>
-<p:sld xmlns:a="http://schemas.openxmlformats.org/drawingml/2006/main" xmlns:r="http://schemas.openxmlformats.org/officeDocument/2006/relationships" xmlns:p="http://schemas.openxmlformats.org/presentationml/2006/main">
+<p:sld xmlns:a="http://schemas.openxmlformats.org/drawingml/2006/main" xmlns:p="http://schemas.openxmlformats.org/presentationml/2006/main" xmlns:r="http://schemas.openxmlformats.org/officeDocument/2006/relationships" xmlns:p14="http://schemas.microsoft.com/office/powerpoint/2010/main" xmlns:p15="http://schemas.microsoft.com/office/powerpoint/2012/main" xmlns:mc="http://schemas.openxmlformats.org/markup-compatibility/2006">
   <p:cSld>
     <p:spTree>
       <p:nvGrpSpPr>
@@ -5647,7 +5088,7 @@
         <p:spPr>
           <a:xfrm>
             <a:off x="182880" y="90000"/>
-            <a:ext cx="8759160" cy="1140480"/>
+            <a:ext cx="8758800" cy="1140120"/>
           </a:xfrm>
           <a:prstGeom prst="rect">
             <a:avLst/>
@@ -5658,22 +5099,15 @@
           </a:ln>
         </p:spPr>
         <p:style>
-          <a:lnRef idx="0">
-            <a:scrgbClr r="0" g="0" b="0"/>
-          </a:lnRef>
-          <a:fillRef idx="0">
-            <a:scrgbClr r="0" g="0" b="0"/>
-          </a:fillRef>
-          <a:effectRef idx="0">
-            <a:scrgbClr r="0" g="0" b="0"/>
-          </a:effectRef>
+          <a:lnRef idx="0"/>
+          <a:fillRef idx="0"/>
+          <a:effectRef idx="0"/>
           <a:fontRef idx="minor"/>
         </p:style>
         <p:txBody>
-          <a:bodyPr lIns="90000" tIns="45000" rIns="90000" bIns="45000" anchor="ctr">
-            <a:normAutofit fontScale="92500" lnSpcReduction="20000"/>
+          <a:bodyPr lIns="90000" rIns="90000" tIns="45000" bIns="45000" anchor="ctr">
+            <a:normAutofit/>
           </a:bodyPr>
-          <a:lstStyle/>
           <a:p>
             <a:pPr algn="ctr">
               <a:lnSpc>
@@ -5681,7 +5115,7 @@
               </a:lnSpc>
             </a:pPr>
             <a:r>
-              <a:rPr lang="it-IT" sz="4400" b="0" strike="noStrike" spc="-1">
+              <a:rPr b="0" lang="it-IT" sz="4400" spc="-1" strike="noStrike">
                 <a:solidFill>
                   <a:srgbClr val="000000"/>
                 </a:solidFill>
@@ -5692,7 +5126,7 @@
             </a:r>
             <a:br/>
             <a:r>
-              <a:rPr lang="it-IT" sz="4400" b="0" strike="noStrike" spc="-1">
+              <a:rPr b="0" lang="it-IT" sz="4400" spc="-1" strike="noStrike">
                 <a:solidFill>
                   <a:srgbClr val="000000"/>
                 </a:solidFill>
@@ -5701,7 +5135,7 @@
               </a:rPr>
               <a:t>handled by Column DB</a:t>
             </a:r>
-            <a:endParaRPr lang="it-IT" sz="4400" b="0" strike="noStrike" spc="-1">
+            <a:endParaRPr b="0" lang="it-IT" sz="4400" spc="-1" strike="noStrike">
               <a:latin typeface="Arial"/>
             </a:endParaRPr>
           </a:p>
@@ -5716,7 +5150,7 @@
         <p:spPr>
           <a:xfrm>
             <a:off x="542520" y="1537560"/>
-            <a:ext cx="8086320" cy="3308040"/>
+            <a:ext cx="8085960" cy="3307680"/>
           </a:xfrm>
           <a:prstGeom prst="rect">
             <a:avLst/>
@@ -5727,22 +5161,15 @@
           </a:ln>
         </p:spPr>
         <p:style>
-          <a:lnRef idx="0">
-            <a:scrgbClr r="0" g="0" b="0"/>
-          </a:lnRef>
-          <a:fillRef idx="0">
-            <a:scrgbClr r="0" g="0" b="0"/>
-          </a:fillRef>
-          <a:effectRef idx="0">
-            <a:scrgbClr r="0" g="0" b="0"/>
-          </a:effectRef>
+          <a:lnRef idx="0"/>
+          <a:fillRef idx="0"/>
+          <a:effectRef idx="0"/>
           <a:fontRef idx="minor"/>
         </p:style>
         <p:txBody>
-          <a:bodyPr lIns="90000" tIns="45000" rIns="90000" bIns="45000"/>
-          <a:lstStyle/>
-          <a:p>
-            <a:pPr marL="285840" indent="-283320">
+          <a:bodyPr lIns="90000" rIns="90000" tIns="45000" bIns="45000"/>
+          <a:p>
+            <a:pPr marL="285840" indent="-282960">
               <a:lnSpc>
                 <a:spcPct val="150000"/>
               </a:lnSpc>
@@ -5753,7 +5180,7 @@
               <a:buChar char="•"/>
             </a:pPr>
             <a:r>
-              <a:rPr lang="it-IT" sz="2000" b="0" strike="noStrike" spc="-1">
+              <a:rPr b="0" lang="it-IT" sz="2400" spc="-1" strike="noStrike">
                 <a:solidFill>
                   <a:srgbClr val="000000"/>
                 </a:solidFill>
@@ -5762,12 +5189,12 @@
               </a:rPr>
               <a:t>U.S. stock market stocks and ETFs historical data day by day, starting from 1971:</a:t>
             </a:r>
-            <a:endParaRPr lang="it-IT" sz="2000" b="0" strike="noStrike" spc="-1">
-              <a:latin typeface="Arial"/>
-            </a:endParaRPr>
-          </a:p>
-          <a:p>
-            <a:pPr marL="648000" lvl="2" indent="-215280">
+            <a:endParaRPr b="0" lang="it-IT" sz="2400" spc="-1" strike="noStrike">
+              <a:latin typeface="Arial"/>
+            </a:endParaRPr>
+          </a:p>
+          <a:p>
+            <a:pPr lvl="2" marL="648000" indent="-214920">
               <a:lnSpc>
                 <a:spcPct val="150000"/>
               </a:lnSpc>
@@ -5779,7 +5206,7 @@
               <a:buChar char=""/>
             </a:pPr>
             <a:r>
-              <a:rPr lang="it-IT" sz="2000" b="0" strike="noStrike" spc="-1">
+              <a:rPr b="0" lang="it-IT" sz="2400" spc="-1" strike="noStrike">
                 <a:solidFill>
                   <a:srgbClr val="000000"/>
                 </a:solidFill>
@@ -5788,12 +5215,12 @@
               </a:rPr>
               <a:t>open, high, low, close and adjusted close prices.</a:t>
             </a:r>
-            <a:endParaRPr lang="it-IT" sz="2000" b="0" strike="noStrike" spc="-1">
-              <a:latin typeface="Arial"/>
-            </a:endParaRPr>
-          </a:p>
-          <a:p>
-            <a:pPr marL="285840" indent="-283320">
+            <a:endParaRPr b="0" lang="it-IT" sz="2400" spc="-1" strike="noStrike">
+              <a:latin typeface="Arial"/>
+            </a:endParaRPr>
+          </a:p>
+          <a:p>
+            <a:pPr marL="285840" indent="-282960">
               <a:lnSpc>
                 <a:spcPct val="150000"/>
               </a:lnSpc>
@@ -5804,7 +5231,7 @@
               <a:buChar char="•"/>
             </a:pPr>
             <a:r>
-              <a:rPr lang="it-IT" sz="2000" b="0" strike="noStrike" spc="-1">
+              <a:rPr b="0" lang="it-IT" sz="2400" spc="-1" strike="noStrike">
                 <a:solidFill>
                   <a:srgbClr val="000000"/>
                 </a:solidFill>
@@ -5813,12 +5240,12 @@
               </a:rPr>
               <a:t>Market indexes computation.</a:t>
             </a:r>
-            <a:endParaRPr lang="it-IT" sz="2000" b="0" strike="noStrike" spc="-1">
-              <a:latin typeface="Arial"/>
-            </a:endParaRPr>
-          </a:p>
-          <a:p>
-            <a:pPr marL="285840" indent="-283320">
+            <a:endParaRPr b="0" lang="it-IT" sz="2400" spc="-1" strike="noStrike">
+              <a:latin typeface="Arial"/>
+            </a:endParaRPr>
+          </a:p>
+          <a:p>
+            <a:pPr marL="285840" indent="-282960">
               <a:lnSpc>
                 <a:spcPct val="150000"/>
               </a:lnSpc>
@@ -5829,7 +5256,7 @@
               <a:buChar char="•"/>
             </a:pPr>
             <a:r>
-              <a:rPr lang="it-IT" sz="2000" b="0" strike="noStrike" spc="-1">
+              <a:rPr b="0" lang="it-IT" sz="2400" spc="-1" strike="noStrike">
                 <a:solidFill>
                   <a:srgbClr val="000000"/>
                 </a:solidFill>
@@ -5838,7 +5265,7 @@
               </a:rPr>
               <a:t>Fast and reliable data retrieval and statistics computation.</a:t>
             </a:r>
-            <a:endParaRPr lang="it-IT" sz="2000" b="0" strike="noStrike" spc="-1">
+            <a:endParaRPr b="0" lang="it-IT" sz="2400" spc="-1" strike="noStrike">
               <a:latin typeface="Arial"/>
             </a:endParaRPr>
           </a:p>
@@ -5846,25 +5273,22 @@
       </p:sp>
     </p:spTree>
   </p:cSld>
-  <p:clrMapOvr>
-    <a:masterClrMapping/>
-  </p:clrMapOvr>
   <p:timing>
     <p:tnLst>
       <p:par>
-        <p:cTn id="1" dur="indefinite" restart="never" nodeType="tmRoot">
+        <p:cTn id="13" dur="indefinite" restart="never" nodeType="tmRoot">
           <p:childTnLst>
             <p:seq>
-              <p:cTn id="2" dur="indefinite" nodeType="mainSeq"/>
+              <p:cTn id="14" dur="indefinite" nodeType="mainSeq"/>
               <p:prevCondLst>
-                <p:cond evt="onPrev" delay="0">
+                <p:cond delay="0" evt="onPrev">
                   <p:tgtEl>
                     <p:sldTgt/>
                   </p:tgtEl>
                 </p:cond>
               </p:prevCondLst>
               <p:nextCondLst>
-                <p:cond evt="onNext" delay="0">
+                <p:cond delay="0" evt="onNext">
                   <p:tgtEl>
                     <p:sldTgt/>
                   </p:tgtEl>
@@ -5880,7 +5304,7 @@
 </file>
 
 <file path=ppt/slides/slide8.xml><?xml version="1.0" encoding="utf-8"?>
-<p:sld xmlns:a="http://schemas.openxmlformats.org/drawingml/2006/main" xmlns:r="http://schemas.openxmlformats.org/officeDocument/2006/relationships" xmlns:p="http://schemas.openxmlformats.org/presentationml/2006/main">
+<p:sld xmlns:a="http://schemas.openxmlformats.org/drawingml/2006/main" xmlns:p="http://schemas.openxmlformats.org/presentationml/2006/main" xmlns:r="http://schemas.openxmlformats.org/officeDocument/2006/relationships" xmlns:p14="http://schemas.microsoft.com/office/powerpoint/2010/main" xmlns:p15="http://schemas.microsoft.com/office/powerpoint/2012/main" xmlns:mc="http://schemas.openxmlformats.org/markup-compatibility/2006">
   <p:cSld>
     <p:spTree>
       <p:nvGrpSpPr>
@@ -5905,7 +5329,7 @@
         <p:spPr>
           <a:xfrm>
             <a:off x="182880" y="90000"/>
-            <a:ext cx="8759160" cy="1140480"/>
+            <a:ext cx="8758800" cy="1140120"/>
           </a:xfrm>
           <a:prstGeom prst="rect">
             <a:avLst/>
@@ -5916,22 +5340,15 @@
           </a:ln>
         </p:spPr>
         <p:style>
-          <a:lnRef idx="0">
-            <a:scrgbClr r="0" g="0" b="0"/>
-          </a:lnRef>
-          <a:fillRef idx="0">
-            <a:scrgbClr r="0" g="0" b="0"/>
-          </a:fillRef>
-          <a:effectRef idx="0">
-            <a:scrgbClr r="0" g="0" b="0"/>
-          </a:effectRef>
+          <a:lnRef idx="0"/>
+          <a:fillRef idx="0"/>
+          <a:effectRef idx="0"/>
           <a:fontRef idx="minor"/>
         </p:style>
         <p:txBody>
-          <a:bodyPr lIns="90000" tIns="45000" rIns="90000" bIns="45000" anchor="ctr">
-            <a:normAutofit fontScale="92500" lnSpcReduction="20000"/>
+          <a:bodyPr lIns="90000" rIns="90000" tIns="45000" bIns="45000" anchor="ctr">
+            <a:normAutofit/>
           </a:bodyPr>
-          <a:lstStyle/>
           <a:p>
             <a:pPr algn="ctr">
               <a:lnSpc>
@@ -5939,7 +5356,7 @@
               </a:lnSpc>
             </a:pPr>
             <a:r>
-              <a:rPr lang="it-IT" sz="4400" b="0" strike="noStrike" spc="-1" dirty="0">
+              <a:rPr b="0" lang="it-IT" sz="4400" spc="-1" strike="noStrike">
                 <a:solidFill>
                   <a:srgbClr val="000000"/>
                 </a:solidFill>
@@ -5948,7 +5365,7 @@
               </a:rPr>
               <a:t>Software Architecture Preliminary Idea</a:t>
             </a:r>
-            <a:endParaRPr lang="it-IT" sz="4400" b="0" strike="noStrike" spc="-1" dirty="0">
+            <a:endParaRPr b="0" lang="it-IT" sz="4400" spc="-1" strike="noStrike">
               <a:latin typeface="Arial"/>
             </a:endParaRPr>
           </a:p>
@@ -5963,7 +5380,7 @@
         <p:spPr>
           <a:xfrm>
             <a:off x="512640" y="1233000"/>
-            <a:ext cx="8178120" cy="4340160"/>
+            <a:ext cx="8177760" cy="4339800"/>
           </a:xfrm>
           <a:prstGeom prst="rect">
             <a:avLst/>
@@ -5974,22 +5391,15 @@
           </a:ln>
         </p:spPr>
         <p:style>
-          <a:lnRef idx="0">
-            <a:scrgbClr r="0" g="0" b="0"/>
-          </a:lnRef>
-          <a:fillRef idx="0">
-            <a:scrgbClr r="0" g="0" b="0"/>
-          </a:fillRef>
-          <a:effectRef idx="0">
-            <a:scrgbClr r="0" g="0" b="0"/>
-          </a:effectRef>
+          <a:lnRef idx="0"/>
+          <a:fillRef idx="0"/>
+          <a:effectRef idx="0"/>
           <a:fontRef idx="minor"/>
         </p:style>
         <p:txBody>
-          <a:bodyPr lIns="90000" tIns="45000" rIns="90000" bIns="45000"/>
-          <a:lstStyle/>
-          <a:p>
-            <a:pPr marL="285840" indent="-283320">
+          <a:bodyPr lIns="90000" rIns="90000" tIns="45000" bIns="45000"/>
+          <a:p>
+            <a:pPr marL="285840" indent="-282960">
               <a:lnSpc>
                 <a:spcPct val="150000"/>
               </a:lnSpc>
@@ -6000,7 +5410,7 @@
               <a:buChar char="•"/>
             </a:pPr>
             <a:r>
-              <a:rPr lang="it-IT" sz="1800" b="0" strike="noStrike" spc="-1" dirty="0">
+              <a:rPr b="0" lang="it-IT" sz="1800" spc="-1" strike="noStrike">
                 <a:solidFill>
                   <a:srgbClr val="000000"/>
                 </a:solidFill>
@@ -6009,12 +5419,12 @@
               </a:rPr>
               <a:t>Java 8</a:t>
             </a:r>
-            <a:endParaRPr lang="it-IT" sz="1800" b="0" strike="noStrike" spc="-1" dirty="0">
-              <a:latin typeface="Arial"/>
-            </a:endParaRPr>
-          </a:p>
-          <a:p>
-            <a:pPr marL="285840" indent="-283320">
+            <a:endParaRPr b="0" lang="it-IT" sz="1800" spc="-1" strike="noStrike">
+              <a:latin typeface="Arial"/>
+            </a:endParaRPr>
+          </a:p>
+          <a:p>
+            <a:pPr marL="285840" indent="-282960">
               <a:lnSpc>
                 <a:spcPct val="150000"/>
               </a:lnSpc>
@@ -6025,7 +5435,7 @@
               <a:buChar char="•"/>
             </a:pPr>
             <a:r>
-              <a:rPr lang="it-IT" sz="1800" b="0" strike="noStrike" spc="-1" dirty="0">
+              <a:rPr b="0" lang="it-IT" sz="1800" spc="-1" strike="noStrike">
                 <a:solidFill>
                   <a:srgbClr val="000000"/>
                 </a:solidFill>
@@ -6035,7 +5445,7 @@
               <a:t>Python (</a:t>
             </a:r>
             <a:r>
-              <a:rPr lang="it-IT" sz="1800" b="1" strike="noStrike" spc="-1" dirty="0" err="1">
+              <a:rPr b="1" lang="it-IT" sz="1800" spc="-1" strike="noStrike">
                 <a:solidFill>
                   <a:srgbClr val="000000"/>
                 </a:solidFill>
@@ -6045,41 +5455,21 @@
               <a:t>yfinance</a:t>
             </a:r>
             <a:r>
-              <a:rPr lang="it-IT" sz="1800" b="0" strike="noStrike" spc="-1" dirty="0">
+              <a:rPr b="0" lang="it-IT" sz="1800" spc="-1" strike="noStrike">
                 <a:solidFill>
                   <a:srgbClr val="000000"/>
                 </a:solidFill>
                 <a:latin typeface="Arial"/>
                 <a:ea typeface="DejaVu Sans"/>
               </a:rPr>
-              <a:t> </a:t>
-            </a:r>
-            <a:r>
-              <a:rPr lang="it-IT" sz="1800" b="0" strike="noStrike" spc="-1" dirty="0" err="1">
-                <a:solidFill>
-                  <a:srgbClr val="000000"/>
-                </a:solidFill>
-                <a:latin typeface="Arial"/>
-                <a:ea typeface="DejaVu Sans"/>
-              </a:rPr>
-              <a:t>module</a:t>
-            </a:r>
-            <a:r>
-              <a:rPr lang="it-IT" sz="1800" b="0" strike="noStrike" spc="-1" dirty="0">
-                <a:solidFill>
-                  <a:srgbClr val="000000"/>
-                </a:solidFill>
-                <a:latin typeface="Arial"/>
-                <a:ea typeface="DejaVu Sans"/>
-              </a:rPr>
-              <a:t>)</a:t>
-            </a:r>
-            <a:endParaRPr lang="it-IT" sz="1800" b="0" strike="noStrike" spc="-1" dirty="0">
-              <a:latin typeface="Arial"/>
-            </a:endParaRPr>
-          </a:p>
-          <a:p>
-            <a:pPr marL="285840" indent="-283320">
+              <a:t> module)</a:t>
+            </a:r>
+            <a:endParaRPr b="0" lang="it-IT" sz="1800" spc="-1" strike="noStrike">
+              <a:latin typeface="Arial"/>
+            </a:endParaRPr>
+          </a:p>
+          <a:p>
+            <a:pPr marL="285840" indent="-282960">
               <a:lnSpc>
                 <a:spcPct val="150000"/>
               </a:lnSpc>
@@ -6090,31 +5480,21 @@
               <a:buChar char="•"/>
             </a:pPr>
             <a:r>
-              <a:rPr lang="it-IT" sz="1800" b="0" strike="noStrike" spc="-1" dirty="0" err="1">
+              <a:rPr b="0" lang="it-IT" sz="1800" spc="-1" strike="noStrike">
                 <a:solidFill>
                   <a:srgbClr val="000000"/>
                 </a:solidFill>
                 <a:latin typeface="Arial"/>
                 <a:ea typeface="DejaVu Sans"/>
               </a:rPr>
-              <a:t>IntelliJ</a:t>
-            </a:r>
-            <a:r>
-              <a:rPr lang="it-IT" sz="1800" b="0" strike="noStrike" spc="-1" dirty="0">
-                <a:solidFill>
-                  <a:srgbClr val="000000"/>
-                </a:solidFill>
-                <a:latin typeface="Arial"/>
-                <a:ea typeface="DejaVu Sans"/>
-              </a:rPr>
-              <a:t> IDEA</a:t>
-            </a:r>
-            <a:endParaRPr lang="it-IT" sz="1800" b="0" strike="noStrike" spc="-1" dirty="0">
-              <a:latin typeface="Arial"/>
-            </a:endParaRPr>
-          </a:p>
-          <a:p>
-            <a:pPr marL="285840" indent="-283320">
+              <a:t>IntelliJ IDEA</a:t>
+            </a:r>
+            <a:endParaRPr b="0" lang="it-IT" sz="1800" spc="-1" strike="noStrike">
+              <a:latin typeface="Arial"/>
+            </a:endParaRPr>
+          </a:p>
+          <a:p>
+            <a:pPr marL="285840" indent="-282960">
               <a:lnSpc>
                 <a:spcPct val="150000"/>
               </a:lnSpc>
@@ -6125,7 +5505,7 @@
               <a:buChar char="•"/>
             </a:pPr>
             <a:r>
-              <a:rPr lang="it-IT" sz="1800" b="0" strike="noStrike" spc="-1" dirty="0" err="1">
+              <a:rPr b="0" lang="it-IT" sz="1800" spc="-1" strike="noStrike">
                 <a:solidFill>
                   <a:srgbClr val="000000"/>
                 </a:solidFill>
@@ -6134,12 +5514,12 @@
               </a:rPr>
               <a:t>Maven</a:t>
             </a:r>
-            <a:endParaRPr lang="it-IT" sz="1800" b="0" strike="noStrike" spc="-1" dirty="0">
-              <a:latin typeface="Arial"/>
-            </a:endParaRPr>
-          </a:p>
-          <a:p>
-            <a:pPr marL="285840" indent="-283320">
+            <a:endParaRPr b="0" lang="it-IT" sz="1800" spc="-1" strike="noStrike">
+              <a:latin typeface="Arial"/>
+            </a:endParaRPr>
+          </a:p>
+          <a:p>
+            <a:pPr marL="285840" indent="-282960">
               <a:lnSpc>
                 <a:spcPct val="150000"/>
               </a:lnSpc>
@@ -6150,71 +5530,21 @@
               <a:buChar char="•"/>
             </a:pPr>
             <a:r>
-              <a:rPr lang="it-IT" sz="1800" b="0" strike="noStrike" spc="-1" dirty="0" err="1">
+              <a:rPr b="0" lang="it-IT" sz="1800" spc="-1" strike="noStrike">
                 <a:solidFill>
                   <a:srgbClr val="000000"/>
                 </a:solidFill>
                 <a:latin typeface="Arial"/>
                 <a:ea typeface="DejaVu Sans"/>
               </a:rPr>
-              <a:t>MongoDB</a:t>
-            </a:r>
-            <a:r>
-              <a:rPr lang="it-IT" sz="1800" b="0" strike="noStrike" spc="-1" dirty="0">
-                <a:solidFill>
-                  <a:srgbClr val="000000"/>
-                </a:solidFill>
-                <a:latin typeface="Arial"/>
-                <a:ea typeface="DejaVu Sans"/>
-              </a:rPr>
-              <a:t> (</a:t>
-            </a:r>
-            <a:r>
-              <a:rPr lang="it-IT" sz="1800" b="0" strike="noStrike" spc="-1" dirty="0" err="1">
-                <a:solidFill>
-                  <a:srgbClr val="000000"/>
-                </a:solidFill>
-                <a:latin typeface="Arial"/>
-                <a:ea typeface="DejaVu Sans"/>
-              </a:rPr>
-              <a:t>MongoDB</a:t>
-            </a:r>
-            <a:r>
-              <a:rPr lang="it-IT" sz="1800" b="0" strike="noStrike" spc="-1" dirty="0">
-                <a:solidFill>
-                  <a:srgbClr val="000000"/>
-                </a:solidFill>
-                <a:latin typeface="Arial"/>
-                <a:ea typeface="DejaVu Sans"/>
-              </a:rPr>
-              <a:t> Driver </a:t>
-            </a:r>
-            <a:r>
-              <a:rPr lang="it-IT" sz="1800" b="0" strike="noStrike" spc="-1" dirty="0" err="1">
-                <a:solidFill>
-                  <a:srgbClr val="000000"/>
-                </a:solidFill>
-                <a:latin typeface="Arial"/>
-                <a:ea typeface="DejaVu Sans"/>
-              </a:rPr>
-              <a:t>Sync</a:t>
-            </a:r>
-            <a:r>
-              <a:rPr lang="it-IT" sz="1800" b="0" strike="noStrike" spc="-1" dirty="0">
-                <a:solidFill>
-                  <a:srgbClr val="000000"/>
-                </a:solidFill>
-                <a:latin typeface="Arial"/>
-                <a:ea typeface="DejaVu Sans"/>
-              </a:rPr>
-              <a:t>)</a:t>
-            </a:r>
-            <a:endParaRPr lang="it-IT" sz="1800" b="0" strike="noStrike" spc="-1" dirty="0">
-              <a:latin typeface="Arial"/>
-            </a:endParaRPr>
-          </a:p>
-          <a:p>
-            <a:pPr marL="285840" indent="-283320">
+              <a:t>MongoDB (MongoDB Driver Sync)</a:t>
+            </a:r>
+            <a:endParaRPr b="0" lang="it-IT" sz="1800" spc="-1" strike="noStrike">
+              <a:latin typeface="Arial"/>
+            </a:endParaRPr>
+          </a:p>
+          <a:p>
+            <a:pPr marL="285840" indent="-282960">
               <a:lnSpc>
                 <a:spcPct val="150000"/>
               </a:lnSpc>
@@ -6225,41 +5555,21 @@
               <a:buChar char="•"/>
             </a:pPr>
             <a:r>
-              <a:rPr lang="it-IT" sz="1800" b="0" strike="noStrike" spc="-1" dirty="0">
+              <a:rPr b="0" lang="it-IT" sz="1800" spc="-1" strike="noStrike">
                 <a:solidFill>
                   <a:srgbClr val="000000"/>
                 </a:solidFill>
                 <a:latin typeface="Arial"/>
                 <a:ea typeface="DejaVu Sans"/>
               </a:rPr>
-              <a:t>Apache Cassandra (</a:t>
-            </a:r>
-            <a:r>
-              <a:rPr lang="it-IT" sz="1800" b="0" strike="noStrike" spc="-1" dirty="0" err="1">
-                <a:solidFill>
-                  <a:srgbClr val="000000"/>
-                </a:solidFill>
-                <a:latin typeface="Arial"/>
-                <a:ea typeface="DejaVu Sans"/>
-              </a:rPr>
-              <a:t>Datastax</a:t>
-            </a:r>
-            <a:r>
-              <a:rPr lang="it-IT" sz="1800" b="0" strike="noStrike" spc="-1" dirty="0">
-                <a:solidFill>
-                  <a:srgbClr val="000000"/>
-                </a:solidFill>
-                <a:latin typeface="Arial"/>
-                <a:ea typeface="DejaVu Sans"/>
-              </a:rPr>
-              <a:t> Java Driver)</a:t>
-            </a:r>
-            <a:endParaRPr lang="it-IT" sz="1800" b="0" strike="noStrike" spc="-1" dirty="0">
-              <a:latin typeface="Arial"/>
-            </a:endParaRPr>
-          </a:p>
-          <a:p>
-            <a:pPr marL="285840" indent="-283320">
+              <a:t>Apache Cassandra (Datastax Java Driver)</a:t>
+            </a:r>
+            <a:endParaRPr b="0" lang="it-IT" sz="1800" spc="-1" strike="noStrike">
+              <a:latin typeface="Arial"/>
+            </a:endParaRPr>
+          </a:p>
+          <a:p>
+            <a:pPr marL="285840" indent="-282960">
               <a:lnSpc>
                 <a:spcPct val="150000"/>
               </a:lnSpc>
@@ -6270,31 +5580,21 @@
               <a:buChar char="•"/>
             </a:pPr>
             <a:r>
-              <a:rPr lang="it-IT" sz="1800" b="0" strike="noStrike" spc="-1" dirty="0" err="1">
+              <a:rPr b="0" lang="it-IT" sz="1800" spc="-1" strike="noStrike">
                 <a:solidFill>
                   <a:srgbClr val="000000"/>
                 </a:solidFill>
                 <a:latin typeface="Arial"/>
                 <a:ea typeface="DejaVu Sans"/>
               </a:rPr>
-              <a:t>JfreeChart</a:t>
-            </a:r>
-            <a:r>
-              <a:rPr lang="it-IT" sz="1800" b="0" strike="noStrike" spc="-1" dirty="0">
-                <a:solidFill>
-                  <a:srgbClr val="000000"/>
-                </a:solidFill>
-                <a:latin typeface="Arial"/>
-                <a:ea typeface="DejaVu Sans"/>
-              </a:rPr>
-              <a:t> 1.5.1</a:t>
-            </a:r>
-            <a:endParaRPr lang="it-IT" sz="1800" b="0" strike="noStrike" spc="-1" dirty="0">
-              <a:latin typeface="Arial"/>
-            </a:endParaRPr>
-          </a:p>
-          <a:p>
-            <a:pPr marL="285840" indent="-283320">
+              <a:t>JfreeChart 1.5.1</a:t>
+            </a:r>
+            <a:endParaRPr b="0" lang="it-IT" sz="1800" spc="-1" strike="noStrike">
+              <a:latin typeface="Arial"/>
+            </a:endParaRPr>
+          </a:p>
+          <a:p>
+            <a:pPr marL="285840" indent="-282960">
               <a:lnSpc>
                 <a:spcPct val="150000"/>
               </a:lnSpc>
@@ -6305,7 +5605,7 @@
               <a:buChar char="•"/>
             </a:pPr>
             <a:r>
-              <a:rPr lang="it-IT" sz="1800" b="0" strike="noStrike" spc="-1" dirty="0">
+              <a:rPr b="0" lang="it-IT" sz="1800" spc="-1" strike="noStrike">
                 <a:solidFill>
                   <a:srgbClr val="000000"/>
                 </a:solidFill>
@@ -6314,12 +5614,12 @@
               </a:rPr>
               <a:t>Log4j</a:t>
             </a:r>
-            <a:endParaRPr lang="it-IT" sz="1800" b="0" strike="noStrike" spc="-1" dirty="0">
-              <a:latin typeface="Arial"/>
-            </a:endParaRPr>
-          </a:p>
-          <a:p>
-            <a:pPr marL="285840" indent="-283320">
+            <a:endParaRPr b="0" lang="it-IT" sz="1800" spc="-1" strike="noStrike">
+              <a:latin typeface="Arial"/>
+            </a:endParaRPr>
+          </a:p>
+          <a:p>
+            <a:pPr marL="285840" indent="-282960">
               <a:lnSpc>
                 <a:spcPct val="150000"/>
               </a:lnSpc>
@@ -6330,7 +5630,7 @@
               <a:buChar char="•"/>
             </a:pPr>
             <a:r>
-              <a:rPr lang="it-IT" sz="1800" b="0" strike="noStrike" spc="-1" dirty="0" err="1">
+              <a:rPr b="0" lang="it-IT" sz="1800" spc="-1" strike="noStrike">
                 <a:solidFill>
                   <a:srgbClr val="000000"/>
                 </a:solidFill>
@@ -6339,12 +5639,12 @@
               </a:rPr>
               <a:t>JUnit</a:t>
             </a:r>
-            <a:endParaRPr lang="it-IT" sz="1800" b="0" strike="noStrike" spc="-1" dirty="0">
-              <a:latin typeface="Arial"/>
-            </a:endParaRPr>
-          </a:p>
-          <a:p>
-            <a:pPr marL="285840" indent="-283320">
+            <a:endParaRPr b="0" lang="it-IT" sz="1800" spc="-1" strike="noStrike">
+              <a:latin typeface="Arial"/>
+            </a:endParaRPr>
+          </a:p>
+          <a:p>
+            <a:pPr marL="285840" indent="-282960">
               <a:lnSpc>
                 <a:spcPct val="150000"/>
               </a:lnSpc>
@@ -6355,7 +5655,7 @@
               <a:buChar char="•"/>
             </a:pPr>
             <a:r>
-              <a:rPr lang="it-IT" sz="1800" b="0" strike="noStrike" spc="-1" dirty="0" err="1">
+              <a:rPr b="0" lang="it-IT" sz="1800" spc="-1" strike="noStrike">
                 <a:solidFill>
                   <a:srgbClr val="000000"/>
                 </a:solidFill>
@@ -6364,7 +5664,7 @@
               </a:rPr>
               <a:t>Git</a:t>
             </a:r>
-            <a:endParaRPr lang="it-IT" sz="1800" b="0" strike="noStrike" spc="-1" dirty="0">
+            <a:endParaRPr b="0" lang="it-IT" sz="1800" spc="-1" strike="noStrike">
               <a:latin typeface="Arial"/>
             </a:endParaRPr>
           </a:p>
@@ -6372,7 +5672,30 @@
       </p:sp>
       <p:pic>
         <p:nvPicPr>
-          <p:cNvPr id="98" name="log4j_logo"/>
+          <p:cNvPr id="98" name="log4j_logo" descr=""/>
+          <p:cNvPicPr/>
+          <p:nvPr/>
+        </p:nvPicPr>
+        <p:blipFill>
+          <a:blip r:embed="rId1"/>
+          <a:stretch/>
+        </p:blipFill>
+        <p:spPr>
+          <a:xfrm>
+            <a:off x="3532680" y="4258080"/>
+            <a:ext cx="1356840" cy="520560"/>
+          </a:xfrm>
+          <a:prstGeom prst="rect">
+            <a:avLst/>
+          </a:prstGeom>
+          <a:ln>
+            <a:noFill/>
+          </a:ln>
+        </p:spPr>
+      </p:pic>
+      <p:pic>
+        <p:nvPicPr>
+          <p:cNvPr id="99" name="cassandra_logo" descr=""/>
           <p:cNvPicPr/>
           <p:nvPr/>
         </p:nvPicPr>
@@ -6382,8 +5705,8 @@
         </p:blipFill>
         <p:spPr>
           <a:xfrm>
-            <a:off x="3532680" y="4258080"/>
-            <a:ext cx="1357200" cy="520920"/>
+            <a:off x="7503120" y="3850200"/>
+            <a:ext cx="1261800" cy="845280"/>
           </a:xfrm>
           <a:prstGeom prst="rect">
             <a:avLst/>
@@ -6395,7 +5718,7 @@
       </p:pic>
       <p:pic>
         <p:nvPicPr>
-          <p:cNvPr id="99" name="cassandra_logo"/>
+          <p:cNvPr id="100" name="git_logo" descr=""/>
           <p:cNvPicPr/>
           <p:nvPr/>
         </p:nvPicPr>
@@ -6405,8 +5728,8 @@
         </p:blipFill>
         <p:spPr>
           <a:xfrm>
-            <a:off x="7503120" y="3850200"/>
-            <a:ext cx="1262160" cy="845640"/>
+            <a:off x="7107120" y="4955040"/>
+            <a:ext cx="1235520" cy="520560"/>
           </a:xfrm>
           <a:prstGeom prst="rect">
             <a:avLst/>
@@ -6418,7 +5741,7 @@
       </p:pic>
       <p:pic>
         <p:nvPicPr>
-          <p:cNvPr id="100" name="git_logo"/>
+          <p:cNvPr id="101" name="intellijidea_logo" descr=""/>
           <p:cNvPicPr/>
           <p:nvPr/>
         </p:nvPicPr>
@@ -6428,8 +5751,8 @@
         </p:blipFill>
         <p:spPr>
           <a:xfrm>
-            <a:off x="7107120" y="4955040"/>
-            <a:ext cx="1235880" cy="520920"/>
+            <a:off x="5639760" y="1450800"/>
+            <a:ext cx="665280" cy="665280"/>
           </a:xfrm>
           <a:prstGeom prst="rect">
             <a:avLst/>
@@ -6441,7 +5764,7 @@
       </p:pic>
       <p:pic>
         <p:nvPicPr>
-          <p:cNvPr id="101" name="intellijidea_logo"/>
+          <p:cNvPr id="102" name="java_logo" descr=""/>
           <p:cNvPicPr/>
           <p:nvPr/>
         </p:nvPicPr>
@@ -6451,8 +5774,8 @@
         </p:blipFill>
         <p:spPr>
           <a:xfrm>
-            <a:off x="5639760" y="1450800"/>
-            <a:ext cx="665640" cy="665640"/>
+            <a:off x="4183200" y="1375200"/>
+            <a:ext cx="633600" cy="1180800"/>
           </a:xfrm>
           <a:prstGeom prst="rect">
             <a:avLst/>
@@ -6464,7 +5787,7 @@
       </p:pic>
       <p:pic>
         <p:nvPicPr>
-          <p:cNvPr id="102" name="java_logo"/>
+          <p:cNvPr id="103" name="JUnit_logo" descr=""/>
           <p:cNvPicPr/>
           <p:nvPr/>
         </p:nvPicPr>
@@ -6474,8 +5797,8 @@
         </p:blipFill>
         <p:spPr>
           <a:xfrm>
-            <a:off x="4183145" y="1375172"/>
-            <a:ext cx="633960" cy="1181160"/>
+            <a:off x="5191560" y="4649040"/>
+            <a:ext cx="1350720" cy="411480"/>
           </a:xfrm>
           <a:prstGeom prst="rect">
             <a:avLst/>
@@ -6487,7 +5810,7 @@
       </p:pic>
       <p:pic>
         <p:nvPicPr>
-          <p:cNvPr id="103" name="JUnit_logo"/>
+          <p:cNvPr id="104" name="maven_logo" descr=""/>
           <p:cNvPicPr/>
           <p:nvPr/>
         </p:nvPicPr>
@@ -6497,8 +5820,8 @@
         </p:blipFill>
         <p:spPr>
           <a:xfrm>
-            <a:off x="5191560" y="4649040"/>
-            <a:ext cx="1351080" cy="411840"/>
+            <a:off x="6975720" y="1584360"/>
+            <a:ext cx="1840320" cy="464400"/>
           </a:xfrm>
           <a:prstGeom prst="rect">
             <a:avLst/>
@@ -6510,7 +5833,7 @@
       </p:pic>
       <p:pic>
         <p:nvPicPr>
-          <p:cNvPr id="104" name="maven_logo"/>
+          <p:cNvPr id="105" name="mongodb_logo" descr=""/>
           <p:cNvPicPr/>
           <p:nvPr/>
         </p:nvPicPr>
@@ -6520,8 +5843,8 @@
         </p:blipFill>
         <p:spPr>
           <a:xfrm>
-            <a:off x="6975720" y="1584360"/>
-            <a:ext cx="1840680" cy="464760"/>
+            <a:off x="5379120" y="3440160"/>
+            <a:ext cx="1935360" cy="520560"/>
           </a:xfrm>
           <a:prstGeom prst="rect">
             <a:avLst/>
@@ -6533,7 +5856,7 @@
       </p:pic>
       <p:pic>
         <p:nvPicPr>
-          <p:cNvPr id="105" name="mongodb_logo"/>
+          <p:cNvPr id="106" name="python_logo" descr=""/>
           <p:cNvPicPr/>
           <p:nvPr/>
         </p:nvPicPr>
@@ -6543,8 +5866,8 @@
         </p:blipFill>
         <p:spPr>
           <a:xfrm>
-            <a:off x="5379120" y="3440160"/>
-            <a:ext cx="1935720" cy="520920"/>
+            <a:off x="5191560" y="2356200"/>
+            <a:ext cx="2310120" cy="681480"/>
           </a:xfrm>
           <a:prstGeom prst="rect">
             <a:avLst/>
@@ -6556,7 +5879,7 @@
       </p:pic>
       <p:pic>
         <p:nvPicPr>
-          <p:cNvPr id="106" name="python_logo"/>
+          <p:cNvPr id="107" name="yahoofinance_logo" descr=""/>
           <p:cNvPicPr/>
           <p:nvPr/>
         </p:nvPicPr>
@@ -6566,8 +5889,8 @@
         </p:blipFill>
         <p:spPr>
           <a:xfrm>
-            <a:off x="5191560" y="2356200"/>
-            <a:ext cx="2310480" cy="681840"/>
+            <a:off x="7214400" y="2839320"/>
+            <a:ext cx="1765080" cy="895320"/>
           </a:xfrm>
           <a:prstGeom prst="rect">
             <a:avLst/>
@@ -6579,18 +5902,19 @@
       </p:pic>
       <p:pic>
         <p:nvPicPr>
-          <p:cNvPr id="107" name="yahoofinance_logo"/>
+          <p:cNvPr id="108" name="Immagine 12" descr=""/>
           <p:cNvPicPr/>
           <p:nvPr/>
         </p:nvPicPr>
         <p:blipFill>
           <a:blip r:embed="rId11"/>
+          <a:srcRect l="0" t="32200" r="0" b="9864"/>
           <a:stretch/>
         </p:blipFill>
         <p:spPr>
           <a:xfrm>
-            <a:off x="7214400" y="2839320"/>
-            <a:ext cx="1765440" cy="895680"/>
+            <a:off x="2323080" y="5215680"/>
+            <a:ext cx="1450800" cy="840600"/>
           </a:xfrm>
           <a:prstGeom prst="rect">
             <a:avLst/>
@@ -6600,113 +5924,73 @@
           </a:ln>
         </p:spPr>
       </p:pic>
-      <p:pic>
-        <p:nvPicPr>
-          <p:cNvPr id="13" name="Immagine 12">
-            <a:extLst>
-              <a:ext uri="{FF2B5EF4-FFF2-40B4-BE49-F238E27FC236}">
-                <a16:creationId xmlns:a16="http://schemas.microsoft.com/office/drawing/2014/main" id="{C2412788-6C17-4E49-AE42-075F4C29F3B0}"/>
-              </a:ext>
-            </a:extLst>
-          </p:cNvPr>
-          <p:cNvPicPr>
-            <a:picLocks noChangeAspect="1"/>
-          </p:cNvPicPr>
+      <p:sp>
+        <p:nvSpPr>
+          <p:cNvPr id="109" name="CustomShape 3"/>
+          <p:cNvSpPr/>
           <p:nvPr/>
-        </p:nvPicPr>
-        <p:blipFill rotWithShape="1">
-          <a:blip r:embed="rId12">
-            <a:extLst>
-              <a:ext uri="{28A0092B-C50C-407E-A947-70E740481C1C}">
-                <a14:useLocalDpi xmlns:a14="http://schemas.microsoft.com/office/drawing/2010/main" val="0"/>
-              </a:ext>
-            </a:extLst>
-          </a:blip>
-          <a:srcRect t="32190" b="9853"/>
-          <a:stretch/>
-        </p:blipFill>
-        <p:spPr>
-          <a:xfrm>
-            <a:off x="2322961" y="5215500"/>
-            <a:ext cx="1451001" cy="840953"/>
-          </a:xfrm>
-          <a:prstGeom prst="rect">
-            <a:avLst/>
-          </a:prstGeom>
-        </p:spPr>
-      </p:pic>
-      <p:sp>
-        <p:nvSpPr>
-          <p:cNvPr id="14" name="CasellaDiTesto 13">
-            <a:extLst>
-              <a:ext uri="{FF2B5EF4-FFF2-40B4-BE49-F238E27FC236}">
-                <a16:creationId xmlns:a16="http://schemas.microsoft.com/office/drawing/2014/main" id="{8EEC4CDE-4B81-4ECA-82F3-78DD45CE1741}"/>
-              </a:ext>
-            </a:extLst>
-          </p:cNvPr>
-          <p:cNvSpPr txBox="1"/>
-          <p:nvPr/>
-        </p:nvSpPr>
-        <p:spPr>
-          <a:xfrm>
-            <a:off x="2312714" y="4851369"/>
-            <a:ext cx="1451000" cy="338554"/>
+        </p:nvSpPr>
+        <p:spPr>
+          <a:xfrm>
+            <a:off x="2312640" y="4851360"/>
+            <a:ext cx="1450800" cy="333720"/>
           </a:xfrm>
           <a:prstGeom prst="rect">
             <a:avLst/>
           </a:prstGeom>
           <a:noFill/>
-          <a:ln w="12700">
+          <a:ln w="12600">
             <a:noFill/>
           </a:ln>
         </p:spPr>
-        <p:txBody>
-          <a:bodyPr wrap="square" rtlCol="0">
-            <a:spAutoFit/>
-          </a:bodyPr>
-          <a:lstStyle/>
-          <a:p>
-            <a:r>
-              <a:rPr lang="it-IT" sz="1600" b="1" dirty="0" err="1">
-                <a:solidFill>
-                  <a:srgbClr val="2A7BCC"/>
-                </a:solidFill>
-                <a:latin typeface="Verdana" panose="020B0604030504040204" pitchFamily="34" charset="0"/>
-                <a:ea typeface="Verdana" panose="020B0604030504040204" pitchFamily="34" charset="0"/>
+        <p:style>
+          <a:lnRef idx="0"/>
+          <a:fillRef idx="0"/>
+          <a:effectRef idx="0"/>
+          <a:fontRef idx="minor"/>
+        </p:style>
+        <p:txBody>
+          <a:bodyPr lIns="90000" rIns="90000" tIns="45000" bIns="45000"/>
+          <a:p>
+            <a:pPr>
+              <a:lnSpc>
+                <a:spcPct val="100000"/>
+              </a:lnSpc>
+            </a:pPr>
+            <a:r>
+              <a:rPr b="1" lang="it-IT" sz="1600" spc="-1" strike="noStrike">
+                <a:solidFill>
+                  <a:srgbClr val="2a7bcc"/>
+                </a:solidFill>
+                <a:latin typeface="Verdana"/>
+                <a:ea typeface="Verdana"/>
               </a:rPr>
               <a:t>JFreeChart</a:t>
             </a:r>
-            <a:endParaRPr lang="it-IT" b="1" dirty="0">
-              <a:solidFill>
-                <a:srgbClr val="2A7BCC"/>
-              </a:solidFill>
-              <a:latin typeface="Verdana" panose="020B0604030504040204" pitchFamily="34" charset="0"/>
-              <a:ea typeface="Verdana" panose="020B0604030504040204" pitchFamily="34" charset="0"/>
+            <a:endParaRPr b="0" lang="it-IT" sz="1600" spc="-1" strike="noStrike">
+              <a:latin typeface="Arial"/>
             </a:endParaRPr>
           </a:p>
         </p:txBody>
       </p:sp>
     </p:spTree>
   </p:cSld>
-  <p:clrMapOvr>
-    <a:masterClrMapping/>
-  </p:clrMapOvr>
   <p:timing>
     <p:tnLst>
       <p:par>
-        <p:cTn id="1" dur="indefinite" restart="never" nodeType="tmRoot">
+        <p:cTn id="15" dur="indefinite" restart="never" nodeType="tmRoot">
           <p:childTnLst>
             <p:seq>
-              <p:cTn id="2" dur="indefinite" nodeType="mainSeq"/>
+              <p:cTn id="16" dur="indefinite" nodeType="mainSeq"/>
               <p:prevCondLst>
-                <p:cond evt="onPrev" delay="0">
+                <p:cond delay="0" evt="onPrev">
                   <p:tgtEl>
                     <p:sldTgt/>
                   </p:tgtEl>
                 </p:cond>
               </p:prevCondLst>
               <p:nextCondLst>
-                <p:cond evt="onNext" delay="0">
+                <p:cond delay="0" evt="onNext">
                   <p:tgtEl>
                     <p:sldTgt/>
                   </p:tgtEl>
@@ -6732,31 +6016,31 @@
         <a:sysClr val="window" lastClr="FFFFFF"/>
       </a:lt1>
       <a:dk2>
-        <a:srgbClr val="1F497D"/>
+        <a:srgbClr val="1f497d"/>
       </a:dk2>
       <a:lt2>
-        <a:srgbClr val="EEECE1"/>
+        <a:srgbClr val="eeece1"/>
       </a:lt2>
       <a:accent1>
-        <a:srgbClr val="4F81BD"/>
+        <a:srgbClr val="4f81bd"/>
       </a:accent1>
       <a:accent2>
-        <a:srgbClr val="C0504D"/>
+        <a:srgbClr val="c0504d"/>
       </a:accent2>
       <a:accent3>
-        <a:srgbClr val="9BBB59"/>
+        <a:srgbClr val="9bbb59"/>
       </a:accent3>
       <a:accent4>
-        <a:srgbClr val="8064A2"/>
+        <a:srgbClr val="8064a2"/>
       </a:accent4>
       <a:accent5>
-        <a:srgbClr val="4BACC6"/>
+        <a:srgbClr val="4bacc6"/>
       </a:accent5>
       <a:accent6>
-        <a:srgbClr val="F79646"/>
+        <a:srgbClr val="f79646"/>
       </a:accent6>
       <a:hlink>
-        <a:srgbClr val="0000FF"/>
+        <a:srgbClr val="0000ff"/>
       </a:hlink>
       <a:folHlink>
         <a:srgbClr val="800080"/>
@@ -6941,8 +6225,6 @@
       </a:bgFillStyleLst>
     </a:fmtScheme>
   </a:themeElements>
-  <a:objectDefaults/>
-  <a:extraClrSchemeLst/>
 </a:theme>
 </file>
 
@@ -6957,31 +6239,31 @@
         <a:sysClr val="window" lastClr="FFFFFF"/>
       </a:lt1>
       <a:dk2>
-        <a:srgbClr val="1F497D"/>
+        <a:srgbClr val="1f497d"/>
       </a:dk2>
       <a:lt2>
-        <a:srgbClr val="EEECE1"/>
+        <a:srgbClr val="eeece1"/>
       </a:lt2>
       <a:accent1>
-        <a:srgbClr val="4F81BD"/>
+        <a:srgbClr val="4f81bd"/>
       </a:accent1>
       <a:accent2>
-        <a:srgbClr val="C0504D"/>
+        <a:srgbClr val="c0504d"/>
       </a:accent2>
       <a:accent3>
-        <a:srgbClr val="9BBB59"/>
+        <a:srgbClr val="9bbb59"/>
       </a:accent3>
       <a:accent4>
-        <a:srgbClr val="8064A2"/>
+        <a:srgbClr val="8064a2"/>
       </a:accent4>
       <a:accent5>
-        <a:srgbClr val="4BACC6"/>
+        <a:srgbClr val="4bacc6"/>
       </a:accent5>
       <a:accent6>
-        <a:srgbClr val="F79646"/>
+        <a:srgbClr val="f79646"/>
       </a:accent6>
       <a:hlink>
-        <a:srgbClr val="0000FF"/>
+        <a:srgbClr val="0000ff"/>
       </a:hlink>
       <a:folHlink>
         <a:srgbClr val="800080"/>
@@ -7166,7 +6448,5 @@
       </a:bgFillStyleLst>
     </a:fmtScheme>
   </a:themeElements>
-  <a:objectDefaults/>
-  <a:extraClrSchemeLst/>
 </a:theme>
 </file>
--- a/documentation/stocksim_preliminary_presentation.pptx
+++ b/documentation/stocksim_preliminary_presentation.pptx
@@ -112,6 +112,11 @@
       </a:defRPr>
     </a:lvl9pPr>
   </p:defaultTextStyle>
+  <p:extLst>
+    <p:ext uri="{EFAFB233-063F-42B5-8137-9DF3F51BA10A}">
+      <p15:sldGuideLst xmlns:p15="http://schemas.microsoft.com/office/powerpoint/2012/main"/>
+    </p:ext>
+  </p:extLst>
 </p:presentation>
 </file>
 
@@ -4426,16 +4431,186 @@
               <a:buChar char=""/>
             </a:pPr>
             <a:r>
-              <a:rPr lang="it-IT" sz="1800" b="0" strike="noStrike" spc="-1">
-                <a:solidFill>
-                  <a:srgbClr val="000000"/>
-                </a:solidFill>
-                <a:latin typeface="Arial"/>
-                <a:ea typeface="DejaVu Sans"/>
-              </a:rPr>
-              <a:t>StockSim is a Java Application which allows users to simulate stock portfolios using statistical models built using U.S. stock market historical data.</a:t>
-            </a:r>
-            <a:endParaRPr lang="it-IT" sz="1800" b="0" strike="noStrike" spc="-1">
+              <a:rPr lang="it-IT" sz="1800" b="0" strike="noStrike" spc="-1" dirty="0" err="1">
+                <a:solidFill>
+                  <a:srgbClr val="000000"/>
+                </a:solidFill>
+                <a:latin typeface="Arial"/>
+                <a:ea typeface="DejaVu Sans"/>
+              </a:rPr>
+              <a:t>StockSim</a:t>
+            </a:r>
+            <a:r>
+              <a:rPr lang="it-IT" sz="1800" b="0" strike="noStrike" spc="-1" dirty="0">
+                <a:solidFill>
+                  <a:srgbClr val="000000"/>
+                </a:solidFill>
+                <a:latin typeface="Arial"/>
+                <a:ea typeface="DejaVu Sans"/>
+              </a:rPr>
+              <a:t> </a:t>
+            </a:r>
+            <a:r>
+              <a:rPr lang="it-IT" sz="1800" b="0" strike="noStrike" spc="-1" dirty="0" err="1">
+                <a:solidFill>
+                  <a:srgbClr val="000000"/>
+                </a:solidFill>
+                <a:latin typeface="Arial"/>
+                <a:ea typeface="DejaVu Sans"/>
+              </a:rPr>
+              <a:t>is</a:t>
+            </a:r>
+            <a:r>
+              <a:rPr lang="it-IT" sz="1800" b="0" strike="noStrike" spc="-1" dirty="0">
+                <a:solidFill>
+                  <a:srgbClr val="000000"/>
+                </a:solidFill>
+                <a:latin typeface="Arial"/>
+                <a:ea typeface="DejaVu Sans"/>
+              </a:rPr>
+              <a:t> a Java Application </a:t>
+            </a:r>
+            <a:r>
+              <a:rPr lang="it-IT" sz="1800" b="0" strike="noStrike" spc="-1" dirty="0" err="1">
+                <a:solidFill>
+                  <a:srgbClr val="000000"/>
+                </a:solidFill>
+                <a:latin typeface="Arial"/>
+                <a:ea typeface="DejaVu Sans"/>
+              </a:rPr>
+              <a:t>which</a:t>
+            </a:r>
+            <a:r>
+              <a:rPr lang="it-IT" sz="1800" b="0" strike="noStrike" spc="-1" dirty="0">
+                <a:solidFill>
+                  <a:srgbClr val="000000"/>
+                </a:solidFill>
+                <a:latin typeface="Arial"/>
+                <a:ea typeface="DejaVu Sans"/>
+              </a:rPr>
+              <a:t> </a:t>
+            </a:r>
+            <a:r>
+              <a:rPr lang="it-IT" sz="1800" b="0" strike="noStrike" spc="-1" dirty="0" err="1">
+                <a:solidFill>
+                  <a:srgbClr val="000000"/>
+                </a:solidFill>
+                <a:latin typeface="Arial"/>
+                <a:ea typeface="DejaVu Sans"/>
+              </a:rPr>
+              <a:t>allows</a:t>
+            </a:r>
+            <a:r>
+              <a:rPr lang="it-IT" sz="1800" b="0" strike="noStrike" spc="-1" dirty="0">
+                <a:solidFill>
+                  <a:srgbClr val="000000"/>
+                </a:solidFill>
+                <a:latin typeface="Arial"/>
+                <a:ea typeface="DejaVu Sans"/>
+              </a:rPr>
+              <a:t> users to simulate stock portfolios </a:t>
+            </a:r>
+            <a:r>
+              <a:rPr lang="it-IT" sz="1800" b="0" strike="noStrike" spc="-1" dirty="0" err="1">
+                <a:solidFill>
+                  <a:srgbClr val="000000"/>
+                </a:solidFill>
+                <a:latin typeface="Arial"/>
+                <a:ea typeface="DejaVu Sans"/>
+              </a:rPr>
+              <a:t>using</a:t>
+            </a:r>
+            <a:r>
+              <a:rPr lang="it-IT" sz="1800" b="0" strike="noStrike" spc="-1" dirty="0">
+                <a:solidFill>
+                  <a:srgbClr val="000000"/>
+                </a:solidFill>
+                <a:latin typeface="Arial"/>
+                <a:ea typeface="DejaVu Sans"/>
+              </a:rPr>
+              <a:t> </a:t>
+            </a:r>
+            <a:r>
+              <a:rPr lang="it-IT" sz="1800" b="0" strike="noStrike" spc="-1" dirty="0" err="1">
+                <a:solidFill>
+                  <a:srgbClr val="000000"/>
+                </a:solidFill>
+                <a:latin typeface="Arial"/>
+                <a:ea typeface="DejaVu Sans"/>
+              </a:rPr>
+              <a:t>statistical</a:t>
+            </a:r>
+            <a:r>
+              <a:rPr lang="it-IT" sz="1800" b="0" strike="noStrike" spc="-1" dirty="0">
+                <a:solidFill>
+                  <a:srgbClr val="000000"/>
+                </a:solidFill>
+                <a:latin typeface="Arial"/>
+                <a:ea typeface="DejaVu Sans"/>
+              </a:rPr>
+              <a:t> models </a:t>
+            </a:r>
+            <a:r>
+              <a:rPr lang="it-IT" sz="1800" b="0" strike="noStrike" spc="-1" dirty="0" err="1">
+                <a:solidFill>
+                  <a:srgbClr val="000000"/>
+                </a:solidFill>
+                <a:latin typeface="Arial"/>
+                <a:ea typeface="DejaVu Sans"/>
+              </a:rPr>
+              <a:t>built</a:t>
+            </a:r>
+            <a:r>
+              <a:rPr lang="it-IT" sz="1800" b="0" strike="noStrike" spc="-1" dirty="0">
+                <a:solidFill>
+                  <a:srgbClr val="000000"/>
+                </a:solidFill>
+                <a:latin typeface="Arial"/>
+                <a:ea typeface="DejaVu Sans"/>
+              </a:rPr>
+              <a:t> </a:t>
+            </a:r>
+            <a:r>
+              <a:rPr lang="it-IT" sz="1800" b="0" strike="noStrike" spc="-1" dirty="0" err="1">
+                <a:solidFill>
+                  <a:srgbClr val="000000"/>
+                </a:solidFill>
+                <a:latin typeface="Arial"/>
+                <a:ea typeface="DejaVu Sans"/>
+              </a:rPr>
+              <a:t>using</a:t>
+            </a:r>
+            <a:r>
+              <a:rPr lang="it-IT" sz="1800" b="0" strike="noStrike" spc="-1" dirty="0">
+                <a:solidFill>
+                  <a:srgbClr val="000000"/>
+                </a:solidFill>
+                <a:latin typeface="Arial"/>
+                <a:ea typeface="DejaVu Sans"/>
+              </a:rPr>
+              <a:t> U.S. stock market </a:t>
+            </a:r>
+            <a:r>
+              <a:rPr lang="it-IT" sz="1800" b="0" strike="noStrike" spc="-1" dirty="0" err="1">
+                <a:solidFill>
+                  <a:srgbClr val="000000"/>
+                </a:solidFill>
+                <a:latin typeface="Arial"/>
+                <a:ea typeface="DejaVu Sans"/>
+              </a:rPr>
+              <a:t>historical</a:t>
+            </a:r>
+            <a:r>
+              <a:rPr lang="it-IT" sz="1800" b="0" strike="noStrike" spc="-1" dirty="0">
+                <a:solidFill>
+                  <a:srgbClr val="000000"/>
+                </a:solidFill>
+                <a:latin typeface="Arial"/>
+                <a:ea typeface="DejaVu Sans"/>
+              </a:rPr>
+              <a:t> data.</a:t>
+            </a:r>
+            <a:endParaRPr lang="it-IT" sz="1800" b="0" strike="noStrike" spc="-1" dirty="0">
               <a:latin typeface="Arial"/>
             </a:endParaRPr>
           </a:p>
@@ -4451,16 +4626,56 @@
               <a:buChar char=""/>
             </a:pPr>
             <a:r>
-              <a:rPr lang="it-IT" sz="1800" b="0" strike="noStrike" spc="-1">
-                <a:solidFill>
-                  <a:srgbClr val="000000"/>
-                </a:solidFill>
-                <a:latin typeface="Arial"/>
-                <a:ea typeface="DejaVu Sans"/>
-              </a:rPr>
-              <a:t>Users can sign up and sign in.</a:t>
-            </a:r>
-            <a:endParaRPr lang="it-IT" sz="1800" b="0" strike="noStrike" spc="-1">
+              <a:rPr lang="it-IT" sz="1800" b="0" strike="noStrike" spc="-1" dirty="0">
+                <a:solidFill>
+                  <a:srgbClr val="000000"/>
+                </a:solidFill>
+                <a:latin typeface="Arial"/>
+                <a:ea typeface="DejaVu Sans"/>
+              </a:rPr>
+              <a:t>Users can </a:t>
+            </a:r>
+            <a:r>
+              <a:rPr lang="it-IT" sz="1800" b="0" strike="noStrike" spc="-1" dirty="0" err="1">
+                <a:solidFill>
+                  <a:srgbClr val="000000"/>
+                </a:solidFill>
+                <a:latin typeface="Arial"/>
+                <a:ea typeface="DejaVu Sans"/>
+              </a:rPr>
+              <a:t>sign</a:t>
+            </a:r>
+            <a:r>
+              <a:rPr lang="it-IT" sz="1800" b="0" strike="noStrike" spc="-1" dirty="0">
+                <a:solidFill>
+                  <a:srgbClr val="000000"/>
+                </a:solidFill>
+                <a:latin typeface="Arial"/>
+                <a:ea typeface="DejaVu Sans"/>
+              </a:rPr>
+              <a:t> up and </a:t>
+            </a:r>
+            <a:r>
+              <a:rPr lang="it-IT" sz="1800" b="0" strike="noStrike" spc="-1" dirty="0" err="1">
+                <a:solidFill>
+                  <a:srgbClr val="000000"/>
+                </a:solidFill>
+                <a:latin typeface="Arial"/>
+                <a:ea typeface="DejaVu Sans"/>
+              </a:rPr>
+              <a:t>sign</a:t>
+            </a:r>
+            <a:r>
+              <a:rPr lang="it-IT" sz="1800" b="0" strike="noStrike" spc="-1" dirty="0">
+                <a:solidFill>
+                  <a:srgbClr val="000000"/>
+                </a:solidFill>
+                <a:latin typeface="Arial"/>
+                <a:ea typeface="DejaVu Sans"/>
+              </a:rPr>
+              <a:t> in.</a:t>
+            </a:r>
+            <a:endParaRPr lang="it-IT" sz="1800" b="0" strike="noStrike" spc="-1" dirty="0">
               <a:latin typeface="Arial"/>
             </a:endParaRPr>
           </a:p>
@@ -4476,6 +4691,56 @@
               <a:buChar char=""/>
             </a:pPr>
             <a:r>
+              <a:rPr lang="it-IT" sz="1800" b="0" strike="noStrike" spc="-1" dirty="0">
+                <a:solidFill>
+                  <a:srgbClr val="000000"/>
+                </a:solidFill>
+                <a:latin typeface="Arial"/>
+                <a:ea typeface="DejaVu Sans"/>
+              </a:rPr>
+              <a:t>Users can </a:t>
+            </a:r>
+            <a:r>
+              <a:rPr lang="it-IT" sz="1800" b="0" strike="noStrike" spc="-1" dirty="0" err="1">
+                <a:solidFill>
+                  <a:srgbClr val="000000"/>
+                </a:solidFill>
+                <a:latin typeface="Arial"/>
+                <a:ea typeface="DejaVu Sans"/>
+              </a:rPr>
+              <a:t>view</a:t>
+            </a:r>
+            <a:r>
+              <a:rPr lang="it-IT" sz="1800" b="0" strike="noStrike" spc="-1" dirty="0">
+                <a:solidFill>
+                  <a:srgbClr val="000000"/>
+                </a:solidFill>
+                <a:latin typeface="Arial"/>
+                <a:ea typeface="DejaVu Sans"/>
+              </a:rPr>
+              <a:t> stock charts (Line chart, Bar charts, </a:t>
+            </a:r>
+            <a:r>
+              <a:rPr lang="it-IT" sz="1800" b="0" strike="noStrike" spc="-1" dirty="0" err="1">
+                <a:solidFill>
+                  <a:srgbClr val="000000"/>
+                </a:solidFill>
+                <a:latin typeface="Arial"/>
+                <a:ea typeface="DejaVu Sans"/>
+              </a:rPr>
+              <a:t>Candle</a:t>
+            </a:r>
+            <a:r>
+              <a:rPr lang="it-IT" sz="1800" b="0" strike="noStrike" spc="-1" dirty="0">
+                <a:solidFill>
+                  <a:srgbClr val="000000"/>
+                </a:solidFill>
+                <a:latin typeface="Arial"/>
+                <a:ea typeface="DejaVu Sans"/>
+              </a:rPr>
+              <a:t> and </a:t>
+            </a:r>
+            <a:r>
               <a:rPr lang="it-IT" sz="1800" b="0" strike="noStrike" spc="-1">
                 <a:solidFill>
                   <a:srgbClr val="000000"/>
@@ -4483,9 +4748,9 @@
                 <a:latin typeface="Arial"/>
                 <a:ea typeface="DejaVu Sans"/>
               </a:rPr>
-              <a:t>Users can view stock charts (Line chart, Bar char, Candle and stick chart).</a:t>
-            </a:r>
-            <a:endParaRPr lang="it-IT" sz="1800" b="0" strike="noStrike" spc="-1">
+              <a:t>stick charts).</a:t>
+            </a:r>
+            <a:endParaRPr lang="it-IT" sz="1800" b="0" strike="noStrike" spc="-1" dirty="0">
               <a:latin typeface="Arial"/>
             </a:endParaRPr>
           </a:p>
@@ -4501,7 +4766,7 @@
               <a:buChar char=""/>
             </a:pPr>
             <a:r>
-              <a:rPr lang="it-IT" sz="1800" b="0" strike="noStrike" spc="-1">
+              <a:rPr lang="it-IT" sz="1800" b="0" strike="noStrike" spc="-1" dirty="0">
                 <a:solidFill>
                   <a:srgbClr val="000000"/>
                 </a:solidFill>
@@ -4510,7 +4775,7 @@
               </a:rPr>
               <a:t>Users can create stock portfolios.</a:t>
             </a:r>
-            <a:endParaRPr lang="it-IT" sz="1800" b="0" strike="noStrike" spc="-1">
+            <a:endParaRPr lang="it-IT" sz="1800" b="0" strike="noStrike" spc="-1" dirty="0">
               <a:latin typeface="Arial"/>
             </a:endParaRPr>
           </a:p>
@@ -4526,16 +4791,156 @@
               <a:buChar char=""/>
             </a:pPr>
             <a:r>
-              <a:rPr lang="it-IT" sz="1800" b="0" strike="noStrike" spc="-1">
-                <a:solidFill>
-                  <a:srgbClr val="000000"/>
-                </a:solidFill>
-                <a:latin typeface="Arial"/>
-                <a:ea typeface="DejaVu Sans"/>
-              </a:rPr>
-              <a:t>Users can simulate their stock portfolios: at the end of each simulation, statistics are provided and visualized.</a:t>
-            </a:r>
-            <a:endParaRPr lang="it-IT" sz="1800" b="0" strike="noStrike" spc="-1">
+              <a:rPr lang="it-IT" sz="1800" b="0" strike="noStrike" spc="-1" dirty="0">
+                <a:solidFill>
+                  <a:srgbClr val="000000"/>
+                </a:solidFill>
+                <a:latin typeface="Arial"/>
+                <a:ea typeface="DejaVu Sans"/>
+              </a:rPr>
+              <a:t>Users can simulate </a:t>
+            </a:r>
+            <a:r>
+              <a:rPr lang="it-IT" sz="1800" b="0" strike="noStrike" spc="-1" dirty="0" err="1">
+                <a:solidFill>
+                  <a:srgbClr val="000000"/>
+                </a:solidFill>
+                <a:latin typeface="Arial"/>
+                <a:ea typeface="DejaVu Sans"/>
+              </a:rPr>
+              <a:t>their</a:t>
+            </a:r>
+            <a:r>
+              <a:rPr lang="it-IT" sz="1800" b="0" strike="noStrike" spc="-1" dirty="0">
+                <a:solidFill>
+                  <a:srgbClr val="000000"/>
+                </a:solidFill>
+                <a:latin typeface="Arial"/>
+                <a:ea typeface="DejaVu Sans"/>
+              </a:rPr>
+              <a:t> stock portfolios: </a:t>
+            </a:r>
+            <a:r>
+              <a:rPr lang="it-IT" sz="1800" b="0" strike="noStrike" spc="-1" dirty="0" err="1">
+                <a:solidFill>
+                  <a:srgbClr val="000000"/>
+                </a:solidFill>
+                <a:latin typeface="Arial"/>
+                <a:ea typeface="DejaVu Sans"/>
+              </a:rPr>
+              <a:t>at</a:t>
+            </a:r>
+            <a:r>
+              <a:rPr lang="it-IT" sz="1800" b="0" strike="noStrike" spc="-1" dirty="0">
+                <a:solidFill>
+                  <a:srgbClr val="000000"/>
+                </a:solidFill>
+                <a:latin typeface="Arial"/>
+                <a:ea typeface="DejaVu Sans"/>
+              </a:rPr>
+              <a:t> the end of </a:t>
+            </a:r>
+            <a:r>
+              <a:rPr lang="it-IT" sz="1800" b="0" strike="noStrike" spc="-1" dirty="0" err="1">
+                <a:solidFill>
+                  <a:srgbClr val="000000"/>
+                </a:solidFill>
+                <a:latin typeface="Arial"/>
+                <a:ea typeface="DejaVu Sans"/>
+              </a:rPr>
+              <a:t>each</a:t>
+            </a:r>
+            <a:r>
+              <a:rPr lang="it-IT" sz="1800" b="0" strike="noStrike" spc="-1" dirty="0">
+                <a:solidFill>
+                  <a:srgbClr val="000000"/>
+                </a:solidFill>
+                <a:latin typeface="Arial"/>
+                <a:ea typeface="DejaVu Sans"/>
+              </a:rPr>
+              <a:t> </a:t>
+            </a:r>
+            <a:r>
+              <a:rPr lang="it-IT" sz="1800" b="0" strike="noStrike" spc="-1" dirty="0" err="1">
+                <a:solidFill>
+                  <a:srgbClr val="000000"/>
+                </a:solidFill>
+                <a:latin typeface="Arial"/>
+                <a:ea typeface="DejaVu Sans"/>
+              </a:rPr>
+              <a:t>simulation</a:t>
+            </a:r>
+            <a:r>
+              <a:rPr lang="it-IT" sz="1800" b="0" strike="noStrike" spc="-1" dirty="0">
+                <a:solidFill>
+                  <a:srgbClr val="000000"/>
+                </a:solidFill>
+                <a:latin typeface="Arial"/>
+                <a:ea typeface="DejaVu Sans"/>
+              </a:rPr>
+              <a:t>, </a:t>
+            </a:r>
+            <a:r>
+              <a:rPr lang="it-IT" sz="1800" b="0" strike="noStrike" spc="-1" dirty="0" err="1">
+                <a:solidFill>
+                  <a:srgbClr val="000000"/>
+                </a:solidFill>
+                <a:latin typeface="Arial"/>
+                <a:ea typeface="DejaVu Sans"/>
+              </a:rPr>
+              <a:t>statistics</a:t>
+            </a:r>
+            <a:r>
+              <a:rPr lang="it-IT" sz="1800" b="0" strike="noStrike" spc="-1" dirty="0">
+                <a:solidFill>
+                  <a:srgbClr val="000000"/>
+                </a:solidFill>
+                <a:latin typeface="Arial"/>
+                <a:ea typeface="DejaVu Sans"/>
+              </a:rPr>
+              <a:t> are </a:t>
+            </a:r>
+            <a:r>
+              <a:rPr lang="it-IT" sz="1800" b="0" strike="noStrike" spc="-1" dirty="0" err="1">
+                <a:solidFill>
+                  <a:srgbClr val="000000"/>
+                </a:solidFill>
+                <a:latin typeface="Arial"/>
+                <a:ea typeface="DejaVu Sans"/>
+              </a:rPr>
+              <a:t>provided</a:t>
+            </a:r>
+            <a:r>
+              <a:rPr lang="it-IT" sz="1800" b="0" strike="noStrike" spc="-1" dirty="0">
+                <a:solidFill>
+                  <a:srgbClr val="000000"/>
+                </a:solidFill>
+                <a:latin typeface="Arial"/>
+                <a:ea typeface="DejaVu Sans"/>
+              </a:rPr>
+              <a:t> and </a:t>
+            </a:r>
+            <a:r>
+              <a:rPr lang="it-IT" sz="1800" b="0" strike="noStrike" spc="-1" dirty="0" err="1">
+                <a:solidFill>
+                  <a:srgbClr val="000000"/>
+                </a:solidFill>
+                <a:latin typeface="Arial"/>
+                <a:ea typeface="DejaVu Sans"/>
+              </a:rPr>
+              <a:t>visualized</a:t>
+            </a:r>
+            <a:r>
+              <a:rPr lang="it-IT" sz="1800" b="0" strike="noStrike" spc="-1" dirty="0">
+                <a:solidFill>
+                  <a:srgbClr val="000000"/>
+                </a:solidFill>
+                <a:latin typeface="Arial"/>
+                <a:ea typeface="DejaVu Sans"/>
+              </a:rPr>
+              <a:t>.</a:t>
+            </a:r>
+            <a:endParaRPr lang="it-IT" sz="1800" b="0" strike="noStrike" spc="-1" dirty="0">
               <a:latin typeface="Arial"/>
             </a:endParaRPr>
           </a:p>
@@ -4551,16 +4956,76 @@
               <a:buChar char=""/>
             </a:pPr>
             <a:r>
-              <a:rPr lang="it-IT" sz="1800" b="0" strike="noStrike" spc="-1">
-                <a:solidFill>
-                  <a:srgbClr val="000000"/>
-                </a:solidFill>
-                <a:latin typeface="Arial"/>
-                <a:ea typeface="DejaVu Sans"/>
-              </a:rPr>
-              <a:t>The administrator can add or remove a stock from the database.</a:t>
-            </a:r>
-            <a:endParaRPr lang="it-IT" sz="1800" b="0" strike="noStrike" spc="-1">
+              <a:rPr lang="it-IT" sz="1800" b="0" strike="noStrike" spc="-1" dirty="0">
+                <a:solidFill>
+                  <a:srgbClr val="000000"/>
+                </a:solidFill>
+                <a:latin typeface="Arial"/>
+                <a:ea typeface="DejaVu Sans"/>
+              </a:rPr>
+              <a:t>The </a:t>
+            </a:r>
+            <a:r>
+              <a:rPr lang="it-IT" sz="1800" b="0" strike="noStrike" spc="-1" dirty="0" err="1">
+                <a:solidFill>
+                  <a:srgbClr val="000000"/>
+                </a:solidFill>
+                <a:latin typeface="Arial"/>
+                <a:ea typeface="DejaVu Sans"/>
+              </a:rPr>
+              <a:t>administrator</a:t>
+            </a:r>
+            <a:r>
+              <a:rPr lang="it-IT" sz="1800" b="0" strike="noStrike" spc="-1" dirty="0">
+                <a:solidFill>
+                  <a:srgbClr val="000000"/>
+                </a:solidFill>
+                <a:latin typeface="Arial"/>
+                <a:ea typeface="DejaVu Sans"/>
+              </a:rPr>
+              <a:t> can </a:t>
+            </a:r>
+            <a:r>
+              <a:rPr lang="it-IT" sz="1800" b="0" strike="noStrike" spc="-1" dirty="0" err="1">
+                <a:solidFill>
+                  <a:srgbClr val="000000"/>
+                </a:solidFill>
+                <a:latin typeface="Arial"/>
+                <a:ea typeface="DejaVu Sans"/>
+              </a:rPr>
+              <a:t>add</a:t>
+            </a:r>
+            <a:r>
+              <a:rPr lang="it-IT" sz="1800" b="0" strike="noStrike" spc="-1" dirty="0">
+                <a:solidFill>
+                  <a:srgbClr val="000000"/>
+                </a:solidFill>
+                <a:latin typeface="Arial"/>
+                <a:ea typeface="DejaVu Sans"/>
+              </a:rPr>
+              <a:t> or </a:t>
+            </a:r>
+            <a:r>
+              <a:rPr lang="it-IT" sz="1800" b="0" strike="noStrike" spc="-1" dirty="0" err="1">
+                <a:solidFill>
+                  <a:srgbClr val="000000"/>
+                </a:solidFill>
+                <a:latin typeface="Arial"/>
+                <a:ea typeface="DejaVu Sans"/>
+              </a:rPr>
+              <a:t>remove</a:t>
+            </a:r>
+            <a:r>
+              <a:rPr lang="it-IT" sz="1800" b="0" strike="noStrike" spc="-1" dirty="0">
+                <a:solidFill>
+                  <a:srgbClr val="000000"/>
+                </a:solidFill>
+                <a:latin typeface="Arial"/>
+                <a:ea typeface="DejaVu Sans"/>
+              </a:rPr>
+              <a:t> a stock from the database.</a:t>
+            </a:r>
+            <a:endParaRPr lang="it-IT" sz="1800" b="0" strike="noStrike" spc="-1" dirty="0">
               <a:latin typeface="Arial"/>
             </a:endParaRPr>
           </a:p>
@@ -4570,7 +5035,7 @@
                 <a:spcPct val="150000"/>
               </a:lnSpc>
             </a:pPr>
-            <a:endParaRPr lang="it-IT" sz="1800" b="0" strike="noStrike" spc="-1">
+            <a:endParaRPr lang="it-IT" sz="1800" b="0" strike="noStrike" spc="-1" dirty="0">
               <a:latin typeface="Arial"/>
             </a:endParaRPr>
           </a:p>

--- a/documentation/stocksim_preliminary_presentation.pptx
+++ b/documentation/stocksim_preliminary_presentation.pptx
@@ -4393,8 +4393,8 @@
         </p:nvSpPr>
         <p:spPr>
           <a:xfrm>
-            <a:off x="424440" y="1404360"/>
-            <a:ext cx="8341560" cy="3927960"/>
+            <a:off x="424440" y="1404359"/>
+            <a:ext cx="8341560" cy="4487393"/>
           </a:xfrm>
           <a:prstGeom prst="rect">
             <a:avLst/>
@@ -4422,7 +4422,7 @@
           <a:p>
             <a:pPr marL="285840" indent="-283320">
               <a:lnSpc>
-                <a:spcPct val="115000"/>
+                <a:spcPct val="200000"/>
               </a:lnSpc>
               <a:buClr>
                 <a:srgbClr val="000000"/>
@@ -4617,7 +4617,7 @@
           <a:p>
             <a:pPr marL="285840" indent="-283320">
               <a:lnSpc>
-                <a:spcPct val="150000"/>
+                <a:spcPct val="200000"/>
               </a:lnSpc>
               <a:buClr>
                 <a:srgbClr val="000000"/>
@@ -4682,7 +4682,7 @@
           <a:p>
             <a:pPr marL="285840" indent="-283320">
               <a:lnSpc>
-                <a:spcPct val="150000"/>
+                <a:spcPct val="200000"/>
               </a:lnSpc>
               <a:buClr>
                 <a:srgbClr val="000000"/>
@@ -4718,7 +4718,7 @@
                 <a:latin typeface="Arial"/>
                 <a:ea typeface="DejaVu Sans"/>
               </a:rPr>
-              <a:t> stock charts (Line chart, Bar charts, </a:t>
+              <a:t> stock charts (e.g. Line charts, Bar charts, </a:t>
             </a:r>
             <a:r>
               <a:rPr lang="it-IT" sz="1800" b="0" strike="noStrike" spc="-1" dirty="0" err="1">
@@ -4728,7 +4728,7 @@
                 <a:latin typeface="Arial"/>
                 <a:ea typeface="DejaVu Sans"/>
               </a:rPr>
-              <a:t>Candle</a:t>
+              <a:t>Candlestick</a:t>
             </a:r>
             <a:r>
               <a:rPr lang="it-IT" sz="1800" b="0" strike="noStrike" spc="-1" dirty="0">
@@ -4738,17 +4738,7 @@
                 <a:latin typeface="Arial"/>
                 <a:ea typeface="DejaVu Sans"/>
               </a:rPr>
-              <a:t> and </a:t>
-            </a:r>
-            <a:r>
-              <a:rPr lang="it-IT" sz="1800" b="0" strike="noStrike" spc="-1">
-                <a:solidFill>
-                  <a:srgbClr val="000000"/>
-                </a:solidFill>
-                <a:latin typeface="Arial"/>
-                <a:ea typeface="DejaVu Sans"/>
-              </a:rPr>
-              <a:t>stick charts).</a:t>
+              <a:t> charts).</a:t>
             </a:r>
             <a:endParaRPr lang="it-IT" sz="1800" b="0" strike="noStrike" spc="-1" dirty="0">
               <a:latin typeface="Arial"/>
@@ -4757,7 +4747,7 @@
           <a:p>
             <a:pPr marL="285840" indent="-283320">
               <a:lnSpc>
-                <a:spcPct val="150000"/>
+                <a:spcPct val="200000"/>
               </a:lnSpc>
               <a:buClr>
                 <a:srgbClr val="000000"/>
@@ -4782,7 +4772,7 @@
           <a:p>
             <a:pPr marL="285840" indent="-283320">
               <a:lnSpc>
-                <a:spcPct val="150000"/>
+                <a:spcPct val="200000"/>
               </a:lnSpc>
               <a:buClr>
                 <a:srgbClr val="000000"/>
@@ -4947,7 +4937,7 @@
           <a:p>
             <a:pPr marL="285840" indent="-283320">
               <a:lnSpc>
-                <a:spcPct val="150000"/>
+                <a:spcPct val="200000"/>
               </a:lnSpc>
               <a:buClr>
                 <a:srgbClr val="000000"/>
@@ -5032,7 +5022,7 @@
           <a:p>
             <a:pPr>
               <a:lnSpc>
-                <a:spcPct val="150000"/>
+                <a:spcPct val="200000"/>
               </a:lnSpc>
             </a:pPr>
             <a:endParaRPr lang="it-IT" sz="1800" b="0" strike="noStrike" spc="-1" dirty="0">
@@ -5290,7 +5280,7 @@
         </p:nvSpPr>
         <p:spPr>
           <a:xfrm>
-            <a:off x="387360" y="1139760"/>
+            <a:off x="389160" y="1036065"/>
             <a:ext cx="8346600" cy="5025960"/>
           </a:xfrm>
           <a:prstGeom prst="rect">
@@ -5323,7 +5313,7 @@
               </a:lnSpc>
             </a:pPr>
             <a:r>
-              <a:rPr lang="it-IT" sz="1800" b="1" i="1" strike="noStrike" spc="-1">
+              <a:rPr lang="it-IT" sz="1800" b="1" i="1" strike="noStrike" spc="-1" dirty="0">
                 <a:solidFill>
                   <a:srgbClr val="000000"/>
                 </a:solidFill>
@@ -5332,7 +5322,7 @@
               </a:rPr>
               <a:t>Source:</a:t>
             </a:r>
-            <a:endParaRPr lang="it-IT" sz="1800" b="0" strike="noStrike" spc="-1">
+            <a:endParaRPr lang="it-IT" sz="1800" b="0" strike="noStrike" spc="-1" dirty="0">
               <a:latin typeface="Arial"/>
             </a:endParaRPr>
           </a:p>
@@ -5348,7 +5338,7 @@
               <a:buChar char="o"/>
             </a:pPr>
             <a:r>
-              <a:rPr lang="it-IT" sz="1800" b="0" strike="noStrike" spc="-1">
+              <a:rPr lang="it-IT" sz="1800" b="0" strike="noStrike" spc="-1" dirty="0">
                 <a:solidFill>
                   <a:srgbClr val="000000"/>
                 </a:solidFill>
@@ -5357,7 +5347,7 @@
               </a:rPr>
               <a:t>Yahoo! Finance</a:t>
             </a:r>
-            <a:endParaRPr lang="it-IT" sz="1800" b="0" strike="noStrike" spc="-1">
+            <a:endParaRPr lang="it-IT" sz="1800" b="0" strike="noStrike" spc="-1" dirty="0">
               <a:latin typeface="Arial"/>
             </a:endParaRPr>
           </a:p>
@@ -5373,7 +5363,7 @@
               <a:buChar char="o"/>
             </a:pPr>
             <a:r>
-              <a:rPr lang="it-IT" sz="1800" b="0" strike="noStrike" spc="-1">
+              <a:rPr lang="it-IT" sz="1800" b="0" strike="noStrike" spc="-1" dirty="0" err="1">
                 <a:solidFill>
                   <a:srgbClr val="000000"/>
                 </a:solidFill>
@@ -5382,7 +5372,7 @@
               </a:rPr>
               <a:t>NasdaqTrader</a:t>
             </a:r>
-            <a:endParaRPr lang="it-IT" sz="1800" b="0" strike="noStrike" spc="-1">
+            <a:endParaRPr lang="it-IT" sz="1800" b="0" strike="noStrike" spc="-1" dirty="0">
               <a:latin typeface="Arial"/>
             </a:endParaRPr>
           </a:p>
@@ -5392,7 +5382,7 @@
                 <a:spcPct val="100000"/>
               </a:lnSpc>
             </a:pPr>
-            <a:endParaRPr lang="it-IT" sz="1800" b="0" strike="noStrike" spc="-1">
+            <a:endParaRPr lang="it-IT" sz="1800" b="0" strike="noStrike" spc="-1" dirty="0">
               <a:latin typeface="Arial"/>
             </a:endParaRPr>
           </a:p>
@@ -5403,7 +5393,7 @@
               </a:lnSpc>
             </a:pPr>
             <a:r>
-              <a:rPr lang="it-IT" sz="1800" b="1" i="1" strike="noStrike" spc="-1">
+              <a:rPr lang="it-IT" sz="1800" b="1" i="1" strike="noStrike" spc="-1" dirty="0" err="1">
                 <a:solidFill>
                   <a:srgbClr val="000000"/>
                 </a:solidFill>
@@ -5413,7 +5403,7 @@
               <a:t>Description</a:t>
             </a:r>
             <a:r>
-              <a:rPr lang="it-IT" sz="1800" b="1" strike="noStrike" spc="-1">
+              <a:rPr lang="it-IT" sz="1800" b="1" strike="noStrike" spc="-1" dirty="0">
                 <a:solidFill>
                   <a:srgbClr val="000000"/>
                 </a:solidFill>
@@ -5422,7 +5412,7 @@
               </a:rPr>
               <a:t>:</a:t>
             </a:r>
-            <a:endParaRPr lang="it-IT" sz="1800" b="0" strike="noStrike" spc="-1">
+            <a:endParaRPr lang="it-IT" sz="1800" b="0" strike="noStrike" spc="-1" dirty="0">
               <a:latin typeface="Arial"/>
             </a:endParaRPr>
           </a:p>
@@ -5438,7 +5428,7 @@
               <a:buChar char="o"/>
             </a:pPr>
             <a:r>
-              <a:rPr lang="it-IT" sz="1800" b="1" strike="noStrike" spc="-1">
+              <a:rPr lang="it-IT" sz="1800" b="1" strike="noStrike" spc="-1" dirty="0">
                 <a:solidFill>
                   <a:srgbClr val="000000"/>
                 </a:solidFill>
@@ -5448,16 +5438,296 @@
               <a:t>Yahoo! Finance</a:t>
             </a:r>
             <a:r>
-              <a:rPr lang="it-IT" sz="1800" b="0" strike="noStrike" spc="-1">
-                <a:solidFill>
-                  <a:srgbClr val="000000"/>
-                </a:solidFill>
-                <a:latin typeface="Arial"/>
-                <a:ea typeface="DejaVu Sans"/>
-              </a:rPr>
-              <a:t> is a media property that is part of Yahoo!'s network. It provides financial news, data and commentary including stock quotes, press releases, financial reports, and original content.</a:t>
-            </a:r>
-            <a:endParaRPr lang="it-IT" sz="1800" b="0" strike="noStrike" spc="-1">
+              <a:rPr lang="it-IT" sz="1800" b="0" strike="noStrike" spc="-1" dirty="0">
+                <a:solidFill>
+                  <a:srgbClr val="000000"/>
+                </a:solidFill>
+                <a:latin typeface="Arial"/>
+                <a:ea typeface="DejaVu Sans"/>
+              </a:rPr>
+              <a:t> </a:t>
+            </a:r>
+            <a:r>
+              <a:rPr lang="it-IT" sz="1800" b="0" strike="noStrike" spc="-1" dirty="0" err="1">
+                <a:solidFill>
+                  <a:srgbClr val="000000"/>
+                </a:solidFill>
+                <a:latin typeface="Arial"/>
+                <a:ea typeface="DejaVu Sans"/>
+              </a:rPr>
+              <a:t>is</a:t>
+            </a:r>
+            <a:r>
+              <a:rPr lang="it-IT" sz="1800" b="0" strike="noStrike" spc="-1" dirty="0">
+                <a:solidFill>
+                  <a:srgbClr val="000000"/>
+                </a:solidFill>
+                <a:latin typeface="Arial"/>
+                <a:ea typeface="DejaVu Sans"/>
+              </a:rPr>
+              <a:t> a media </a:t>
+            </a:r>
+            <a:r>
+              <a:rPr lang="it-IT" sz="1800" b="0" strike="noStrike" spc="-1" dirty="0" err="1">
+                <a:solidFill>
+                  <a:srgbClr val="000000"/>
+                </a:solidFill>
+                <a:latin typeface="Arial"/>
+                <a:ea typeface="DejaVu Sans"/>
+              </a:rPr>
+              <a:t>property</a:t>
+            </a:r>
+            <a:r>
+              <a:rPr lang="it-IT" sz="1800" b="0" strike="noStrike" spc="-1" dirty="0">
+                <a:solidFill>
+                  <a:srgbClr val="000000"/>
+                </a:solidFill>
+                <a:latin typeface="Arial"/>
+                <a:ea typeface="DejaVu Sans"/>
+              </a:rPr>
+              <a:t> </a:t>
+            </a:r>
+            <a:r>
+              <a:rPr lang="it-IT" sz="1800" b="0" strike="noStrike" spc="-1" dirty="0" err="1">
+                <a:solidFill>
+                  <a:srgbClr val="000000"/>
+                </a:solidFill>
+                <a:latin typeface="Arial"/>
+                <a:ea typeface="DejaVu Sans"/>
+              </a:rPr>
+              <a:t>that</a:t>
+            </a:r>
+            <a:r>
+              <a:rPr lang="it-IT" sz="1800" b="0" strike="noStrike" spc="-1" dirty="0">
+                <a:solidFill>
+                  <a:srgbClr val="000000"/>
+                </a:solidFill>
+                <a:latin typeface="Arial"/>
+                <a:ea typeface="DejaVu Sans"/>
+              </a:rPr>
+              <a:t> </a:t>
+            </a:r>
+            <a:r>
+              <a:rPr lang="it-IT" sz="1800" b="0" strike="noStrike" spc="-1" dirty="0" err="1">
+                <a:solidFill>
+                  <a:srgbClr val="000000"/>
+                </a:solidFill>
+                <a:latin typeface="Arial"/>
+                <a:ea typeface="DejaVu Sans"/>
+              </a:rPr>
+              <a:t>is</a:t>
+            </a:r>
+            <a:r>
+              <a:rPr lang="it-IT" sz="1800" b="0" strike="noStrike" spc="-1" dirty="0">
+                <a:solidFill>
+                  <a:srgbClr val="000000"/>
+                </a:solidFill>
+                <a:latin typeface="Arial"/>
+                <a:ea typeface="DejaVu Sans"/>
+              </a:rPr>
+              <a:t> part of </a:t>
+            </a:r>
+            <a:r>
+              <a:rPr lang="it-IT" sz="1800" b="0" strike="noStrike" spc="-1" dirty="0" err="1">
+                <a:solidFill>
+                  <a:srgbClr val="000000"/>
+                </a:solidFill>
+                <a:latin typeface="Arial"/>
+                <a:ea typeface="DejaVu Sans"/>
+              </a:rPr>
+              <a:t>Yahoo!'s</a:t>
+            </a:r>
+            <a:r>
+              <a:rPr lang="it-IT" sz="1800" b="0" strike="noStrike" spc="-1" dirty="0">
+                <a:solidFill>
+                  <a:srgbClr val="000000"/>
+                </a:solidFill>
+                <a:latin typeface="Arial"/>
+                <a:ea typeface="DejaVu Sans"/>
+              </a:rPr>
+              <a:t> network. </a:t>
+            </a:r>
+            <a:r>
+              <a:rPr lang="it-IT" sz="1800" b="0" strike="noStrike" spc="-1" dirty="0" err="1">
+                <a:solidFill>
+                  <a:srgbClr val="000000"/>
+                </a:solidFill>
+                <a:latin typeface="Arial"/>
+                <a:ea typeface="DejaVu Sans"/>
+              </a:rPr>
+              <a:t>It</a:t>
+            </a:r>
+            <a:r>
+              <a:rPr lang="it-IT" sz="1800" b="0" strike="noStrike" spc="-1" dirty="0">
+                <a:solidFill>
+                  <a:srgbClr val="000000"/>
+                </a:solidFill>
+                <a:latin typeface="Arial"/>
+                <a:ea typeface="DejaVu Sans"/>
+              </a:rPr>
+              <a:t> </a:t>
+            </a:r>
+            <a:r>
+              <a:rPr lang="it-IT" sz="1800" b="0" strike="noStrike" spc="-1" dirty="0" err="1">
+                <a:solidFill>
+                  <a:srgbClr val="000000"/>
+                </a:solidFill>
+                <a:latin typeface="Arial"/>
+                <a:ea typeface="DejaVu Sans"/>
+              </a:rPr>
+              <a:t>provides</a:t>
+            </a:r>
+            <a:r>
+              <a:rPr lang="it-IT" sz="1800" b="0" strike="noStrike" spc="-1" dirty="0">
+                <a:solidFill>
+                  <a:srgbClr val="000000"/>
+                </a:solidFill>
+                <a:latin typeface="Arial"/>
+                <a:ea typeface="DejaVu Sans"/>
+              </a:rPr>
+              <a:t> </a:t>
+            </a:r>
+            <a:r>
+              <a:rPr lang="it-IT" sz="1800" b="0" strike="noStrike" spc="-1" dirty="0" err="1">
+                <a:solidFill>
+                  <a:srgbClr val="000000"/>
+                </a:solidFill>
+                <a:latin typeface="Arial"/>
+                <a:ea typeface="DejaVu Sans"/>
+              </a:rPr>
+              <a:t>financial</a:t>
+            </a:r>
+            <a:r>
+              <a:rPr lang="it-IT" sz="1800" b="0" strike="noStrike" spc="-1" dirty="0">
+                <a:solidFill>
+                  <a:srgbClr val="000000"/>
+                </a:solidFill>
+                <a:latin typeface="Arial"/>
+                <a:ea typeface="DejaVu Sans"/>
+              </a:rPr>
+              <a:t> news, data and </a:t>
+            </a:r>
+            <a:r>
+              <a:rPr lang="it-IT" sz="1800" b="0" strike="noStrike" spc="-1" dirty="0" err="1">
+                <a:solidFill>
+                  <a:srgbClr val="000000"/>
+                </a:solidFill>
+                <a:latin typeface="Arial"/>
+                <a:ea typeface="DejaVu Sans"/>
+              </a:rPr>
+              <a:t>commentary</a:t>
+            </a:r>
+            <a:r>
+              <a:rPr lang="it-IT" sz="1800" b="0" strike="noStrike" spc="-1" dirty="0">
+                <a:solidFill>
+                  <a:srgbClr val="000000"/>
+                </a:solidFill>
+                <a:latin typeface="Arial"/>
+                <a:ea typeface="DejaVu Sans"/>
+              </a:rPr>
+              <a:t> </a:t>
+            </a:r>
+            <a:r>
+              <a:rPr lang="it-IT" sz="1800" b="0" strike="noStrike" spc="-1" dirty="0" err="1">
+                <a:solidFill>
+                  <a:srgbClr val="000000"/>
+                </a:solidFill>
+                <a:latin typeface="Arial"/>
+                <a:ea typeface="DejaVu Sans"/>
+              </a:rPr>
+              <a:t>including</a:t>
+            </a:r>
+            <a:r>
+              <a:rPr lang="it-IT" sz="1800" b="0" strike="noStrike" spc="-1" dirty="0">
+                <a:solidFill>
+                  <a:srgbClr val="000000"/>
+                </a:solidFill>
+                <a:latin typeface="Arial"/>
+                <a:ea typeface="DejaVu Sans"/>
+              </a:rPr>
+              <a:t> stock </a:t>
+            </a:r>
+            <a:r>
+              <a:rPr lang="it-IT" sz="1800" b="0" strike="noStrike" spc="-1" dirty="0" err="1">
+                <a:solidFill>
+                  <a:srgbClr val="000000"/>
+                </a:solidFill>
+                <a:latin typeface="Arial"/>
+                <a:ea typeface="DejaVu Sans"/>
+              </a:rPr>
+              <a:t>quotes</a:t>
+            </a:r>
+            <a:r>
+              <a:rPr lang="it-IT" sz="1800" b="0" strike="noStrike" spc="-1" dirty="0">
+                <a:solidFill>
+                  <a:srgbClr val="000000"/>
+                </a:solidFill>
+                <a:latin typeface="Arial"/>
+                <a:ea typeface="DejaVu Sans"/>
+              </a:rPr>
+              <a:t>, press releases, </a:t>
+            </a:r>
+            <a:r>
+              <a:rPr lang="it-IT" sz="1800" b="0" strike="noStrike" spc="-1" dirty="0" err="1">
+                <a:solidFill>
+                  <a:srgbClr val="000000"/>
+                </a:solidFill>
+                <a:latin typeface="Arial"/>
+                <a:ea typeface="DejaVu Sans"/>
+              </a:rPr>
+              <a:t>financial</a:t>
+            </a:r>
+            <a:r>
+              <a:rPr lang="it-IT" sz="1800" b="0" strike="noStrike" spc="-1" dirty="0">
+                <a:solidFill>
+                  <a:srgbClr val="000000"/>
+                </a:solidFill>
+                <a:latin typeface="Arial"/>
+                <a:ea typeface="DejaVu Sans"/>
+              </a:rPr>
+              <a:t> reports, and </a:t>
+            </a:r>
+            <a:r>
+              <a:rPr lang="it-IT" sz="1800" b="0" strike="noStrike" spc="-1" dirty="0" err="1">
+                <a:solidFill>
+                  <a:srgbClr val="000000"/>
+                </a:solidFill>
+                <a:latin typeface="Arial"/>
+                <a:ea typeface="DejaVu Sans"/>
+              </a:rPr>
+              <a:t>original</a:t>
+            </a:r>
+            <a:r>
+              <a:rPr lang="it-IT" sz="1800" b="0" strike="noStrike" spc="-1" dirty="0">
+                <a:solidFill>
+                  <a:srgbClr val="000000"/>
+                </a:solidFill>
+                <a:latin typeface="Arial"/>
+                <a:ea typeface="DejaVu Sans"/>
+              </a:rPr>
+              <a:t> </a:t>
+            </a:r>
+            <a:r>
+              <a:rPr lang="it-IT" sz="1800" b="0" strike="noStrike" spc="-1" dirty="0" err="1">
+                <a:solidFill>
+                  <a:srgbClr val="000000"/>
+                </a:solidFill>
+                <a:latin typeface="Arial"/>
+                <a:ea typeface="DejaVu Sans"/>
+              </a:rPr>
+              <a:t>content</a:t>
+            </a:r>
+            <a:r>
+              <a:rPr lang="it-IT" sz="1800" b="0" strike="noStrike" spc="-1" dirty="0">
+                <a:solidFill>
+                  <a:srgbClr val="000000"/>
+                </a:solidFill>
+                <a:latin typeface="Arial"/>
+                <a:ea typeface="DejaVu Sans"/>
+              </a:rPr>
+              <a:t>.</a:t>
+            </a:r>
+            <a:endParaRPr lang="it-IT" sz="1800" b="0" strike="noStrike" spc="-1" dirty="0">
               <a:latin typeface="Arial"/>
             </a:endParaRPr>
           </a:p>
@@ -5473,7 +5743,7 @@
               <a:buChar char="o"/>
             </a:pPr>
             <a:r>
-              <a:rPr lang="it-IT" sz="1800" b="1" strike="noStrike" spc="-1">
+              <a:rPr lang="it-IT" sz="1800" b="1" strike="noStrike" spc="-1" dirty="0" err="1">
                 <a:solidFill>
                   <a:srgbClr val="000000"/>
                 </a:solidFill>
@@ -5483,16 +5753,116 @@
               <a:t>NasdaqTrader</a:t>
             </a:r>
             <a:r>
-              <a:rPr lang="it-IT" sz="1800" b="0" strike="noStrike" spc="-1">
-                <a:solidFill>
-                  <a:srgbClr val="000000"/>
-                </a:solidFill>
-                <a:latin typeface="Arial"/>
-                <a:ea typeface="DejaVu Sans"/>
-              </a:rPr>
-              <a:t> is a website that covers the Nasdaq market providing proprietary access to trading liquidity.</a:t>
-            </a:r>
-            <a:endParaRPr lang="it-IT" sz="1800" b="0" strike="noStrike" spc="-1">
+              <a:rPr lang="it-IT" sz="1800" b="0" strike="noStrike" spc="-1" dirty="0">
+                <a:solidFill>
+                  <a:srgbClr val="000000"/>
+                </a:solidFill>
+                <a:latin typeface="Arial"/>
+                <a:ea typeface="DejaVu Sans"/>
+              </a:rPr>
+              <a:t> </a:t>
+            </a:r>
+            <a:r>
+              <a:rPr lang="it-IT" sz="1800" b="0" strike="noStrike" spc="-1" dirty="0" err="1">
+                <a:solidFill>
+                  <a:srgbClr val="000000"/>
+                </a:solidFill>
+                <a:latin typeface="Arial"/>
+                <a:ea typeface="DejaVu Sans"/>
+              </a:rPr>
+              <a:t>is</a:t>
+            </a:r>
+            <a:r>
+              <a:rPr lang="it-IT" sz="1800" b="0" strike="noStrike" spc="-1" dirty="0">
+                <a:solidFill>
+                  <a:srgbClr val="000000"/>
+                </a:solidFill>
+                <a:latin typeface="Arial"/>
+                <a:ea typeface="DejaVu Sans"/>
+              </a:rPr>
+              <a:t> a website </a:t>
+            </a:r>
+            <a:r>
+              <a:rPr lang="it-IT" sz="1800" b="0" strike="noStrike" spc="-1" dirty="0" err="1">
+                <a:solidFill>
+                  <a:srgbClr val="000000"/>
+                </a:solidFill>
+                <a:latin typeface="Arial"/>
+                <a:ea typeface="DejaVu Sans"/>
+              </a:rPr>
+              <a:t>that</a:t>
+            </a:r>
+            <a:r>
+              <a:rPr lang="it-IT" sz="1800" b="0" strike="noStrike" spc="-1" dirty="0">
+                <a:solidFill>
+                  <a:srgbClr val="000000"/>
+                </a:solidFill>
+                <a:latin typeface="Arial"/>
+                <a:ea typeface="DejaVu Sans"/>
+              </a:rPr>
+              <a:t> covers the Nasdaq market </a:t>
+            </a:r>
+            <a:r>
+              <a:rPr lang="it-IT" sz="1800" b="0" strike="noStrike" spc="-1" dirty="0" err="1">
+                <a:solidFill>
+                  <a:srgbClr val="000000"/>
+                </a:solidFill>
+                <a:latin typeface="Arial"/>
+                <a:ea typeface="DejaVu Sans"/>
+              </a:rPr>
+              <a:t>providing</a:t>
+            </a:r>
+            <a:r>
+              <a:rPr lang="it-IT" sz="1800" b="0" strike="noStrike" spc="-1" dirty="0">
+                <a:solidFill>
+                  <a:srgbClr val="000000"/>
+                </a:solidFill>
+                <a:latin typeface="Arial"/>
+                <a:ea typeface="DejaVu Sans"/>
+              </a:rPr>
+              <a:t> </a:t>
+            </a:r>
+            <a:r>
+              <a:rPr lang="it-IT" sz="1800" b="0" strike="noStrike" spc="-1" dirty="0" err="1">
+                <a:solidFill>
+                  <a:srgbClr val="000000"/>
+                </a:solidFill>
+                <a:latin typeface="Arial"/>
+                <a:ea typeface="DejaVu Sans"/>
+              </a:rPr>
+              <a:t>proprietary</a:t>
+            </a:r>
+            <a:r>
+              <a:rPr lang="it-IT" sz="1800" b="0" strike="noStrike" spc="-1" dirty="0">
+                <a:solidFill>
+                  <a:srgbClr val="000000"/>
+                </a:solidFill>
+                <a:latin typeface="Arial"/>
+                <a:ea typeface="DejaVu Sans"/>
+              </a:rPr>
+              <a:t> access to trading </a:t>
+            </a:r>
+            <a:r>
+              <a:rPr lang="it-IT" sz="1800" b="0" strike="noStrike" spc="-1" dirty="0" err="1">
+                <a:solidFill>
+                  <a:srgbClr val="000000"/>
+                </a:solidFill>
+                <a:latin typeface="Arial"/>
+                <a:ea typeface="DejaVu Sans"/>
+              </a:rPr>
+              <a:t>liquidity</a:t>
+            </a:r>
+            <a:r>
+              <a:rPr lang="it-IT" sz="1800" b="0" strike="noStrike" spc="-1" dirty="0">
+                <a:solidFill>
+                  <a:srgbClr val="000000"/>
+                </a:solidFill>
+                <a:latin typeface="Arial"/>
+                <a:ea typeface="DejaVu Sans"/>
+              </a:rPr>
+              <a:t>.</a:t>
+            </a:r>
+            <a:endParaRPr lang="it-IT" sz="1800" b="0" strike="noStrike" spc="-1" dirty="0">
               <a:latin typeface="Arial"/>
             </a:endParaRPr>
           </a:p>
@@ -5502,7 +5872,7 @@
                 <a:spcPct val="100000"/>
               </a:lnSpc>
             </a:pPr>
-            <a:endParaRPr lang="it-IT" sz="1800" b="0" strike="noStrike" spc="-1">
+            <a:endParaRPr lang="it-IT" sz="1800" b="0" strike="noStrike" spc="-1" dirty="0">
               <a:latin typeface="Arial"/>
             </a:endParaRPr>
           </a:p>
@@ -5513,7 +5883,7 @@
               </a:lnSpc>
             </a:pPr>
             <a:r>
-              <a:rPr lang="it-IT" sz="1800" b="1" i="1" strike="noStrike" spc="-1">
+              <a:rPr lang="it-IT" sz="1800" b="1" i="1" strike="noStrike" spc="-1" dirty="0">
                 <a:solidFill>
                   <a:srgbClr val="000000"/>
                 </a:solidFill>
@@ -5523,7 +5893,7 @@
               <a:t>Volume: </a:t>
             </a:r>
             <a:r>
-              <a:rPr lang="it-IT" sz="1800" b="0" strike="noStrike" spc="-1">
+              <a:rPr lang="it-IT" sz="1800" b="0" strike="noStrike" spc="-1" dirty="0">
                 <a:solidFill>
                   <a:srgbClr val="000000"/>
                 </a:solidFill>
@@ -5532,7 +5902,7 @@
               </a:rPr>
               <a:t>~ 2.7 GB</a:t>
             </a:r>
-            <a:endParaRPr lang="it-IT" sz="1800" b="0" strike="noStrike" spc="-1">
+            <a:endParaRPr lang="it-IT" sz="1800" b="0" strike="noStrike" spc="-1" dirty="0">
               <a:latin typeface="Arial"/>
             </a:endParaRPr>
           </a:p>
@@ -5542,7 +5912,7 @@
                 <a:spcPct val="100000"/>
               </a:lnSpc>
             </a:pPr>
-            <a:endParaRPr lang="it-IT" sz="1800" b="0" strike="noStrike" spc="-1">
+            <a:endParaRPr lang="it-IT" sz="1800" b="0" strike="noStrike" spc="-1" dirty="0">
               <a:latin typeface="Arial"/>
             </a:endParaRPr>
           </a:p>
@@ -5553,7 +5923,7 @@
               </a:lnSpc>
             </a:pPr>
             <a:r>
-              <a:rPr lang="it-IT" sz="1800" b="1" i="1" strike="noStrike" spc="-1">
+              <a:rPr lang="it-IT" sz="1800" b="1" i="1" strike="noStrike" spc="-1" dirty="0" err="1">
                 <a:solidFill>
                   <a:srgbClr val="000000"/>
                 </a:solidFill>
@@ -5563,16 +5933,76 @@
               <a:t>Variety</a:t>
             </a:r>
             <a:r>
-              <a:rPr lang="it-IT" sz="1800" b="0" strike="noStrike" spc="-1">
-                <a:solidFill>
-                  <a:srgbClr val="000000"/>
-                </a:solidFill>
-                <a:latin typeface="Arial"/>
-                <a:ea typeface="DejaVu Sans"/>
-              </a:rPr>
-              <a:t>: granted by the heterogeneous composition of the U.S. stock market stocks.</a:t>
-            </a:r>
-            <a:endParaRPr lang="it-IT" sz="1800" b="0" strike="noStrike" spc="-1">
+              <a:rPr lang="it-IT" sz="1800" b="0" strike="noStrike" spc="-1" dirty="0">
+                <a:solidFill>
+                  <a:srgbClr val="000000"/>
+                </a:solidFill>
+                <a:latin typeface="Arial"/>
+                <a:ea typeface="DejaVu Sans"/>
+              </a:rPr>
+              <a:t>: </a:t>
+            </a:r>
+            <a:r>
+              <a:rPr lang="it-IT" sz="1800" b="0" strike="noStrike" spc="-1" dirty="0" err="1">
+                <a:solidFill>
+                  <a:srgbClr val="000000"/>
+                </a:solidFill>
+                <a:latin typeface="Arial"/>
+                <a:ea typeface="DejaVu Sans"/>
+              </a:rPr>
+              <a:t>granted</a:t>
+            </a:r>
+            <a:r>
+              <a:rPr lang="it-IT" sz="1800" b="0" strike="noStrike" spc="-1" dirty="0">
+                <a:solidFill>
+                  <a:srgbClr val="000000"/>
+                </a:solidFill>
+                <a:latin typeface="Arial"/>
+                <a:ea typeface="DejaVu Sans"/>
+              </a:rPr>
+              <a:t> by the </a:t>
+            </a:r>
+            <a:r>
+              <a:rPr lang="it-IT" sz="1800" b="0" strike="noStrike" spc="-1" dirty="0" err="1">
+                <a:solidFill>
+                  <a:srgbClr val="000000"/>
+                </a:solidFill>
+                <a:latin typeface="Arial"/>
+                <a:ea typeface="DejaVu Sans"/>
+              </a:rPr>
+              <a:t>heterogeneous</a:t>
+            </a:r>
+            <a:r>
+              <a:rPr lang="it-IT" sz="1800" b="0" strike="noStrike" spc="-1" dirty="0">
+                <a:solidFill>
+                  <a:srgbClr val="000000"/>
+                </a:solidFill>
+                <a:latin typeface="Arial"/>
+                <a:ea typeface="DejaVu Sans"/>
+              </a:rPr>
+              <a:t> </a:t>
+            </a:r>
+            <a:r>
+              <a:rPr lang="it-IT" sz="1800" b="0" strike="noStrike" spc="-1" dirty="0" err="1">
+                <a:solidFill>
+                  <a:srgbClr val="000000"/>
+                </a:solidFill>
+                <a:latin typeface="Arial"/>
+                <a:ea typeface="DejaVu Sans"/>
+              </a:rPr>
+              <a:t>composition</a:t>
+            </a:r>
+            <a:r>
+              <a:rPr lang="it-IT" sz="1800" b="0" strike="noStrike" spc="-1" dirty="0">
+                <a:solidFill>
+                  <a:srgbClr val="000000"/>
+                </a:solidFill>
+                <a:latin typeface="Arial"/>
+                <a:ea typeface="DejaVu Sans"/>
+              </a:rPr>
+              <a:t> of the U.S. stock market stocks.</a:t>
+            </a:r>
+            <a:endParaRPr lang="it-IT" sz="1800" b="0" strike="noStrike" spc="-1" dirty="0">
               <a:latin typeface="Arial"/>
             </a:endParaRPr>
           </a:p>
@@ -5582,7 +6012,7 @@
                 <a:spcPct val="100000"/>
               </a:lnSpc>
             </a:pPr>
-            <a:endParaRPr lang="it-IT" sz="1800" b="0" strike="noStrike" spc="-1">
+            <a:endParaRPr lang="it-IT" sz="1800" b="0" strike="noStrike" spc="-1" dirty="0">
               <a:latin typeface="Arial"/>
             </a:endParaRPr>
           </a:p>
@@ -5593,26 +6023,146 @@
               </a:lnSpc>
             </a:pPr>
             <a:r>
-              <a:rPr lang="it-IT" sz="1800" b="1" i="1" strike="noStrike" spc="-1">
-                <a:solidFill>
-                  <a:srgbClr val="000000"/>
-                </a:solidFill>
-                <a:latin typeface="Arial"/>
-                <a:ea typeface="DejaVu Sans"/>
-              </a:rPr>
-              <a:t>Velocity/Variability</a:t>
-            </a:r>
-            <a:r>
-              <a:rPr lang="it-IT" sz="1800" b="0" strike="noStrike" spc="-1">
-                <a:solidFill>
-                  <a:srgbClr val="000000"/>
-                </a:solidFill>
-                <a:latin typeface="Arial"/>
-                <a:ea typeface="DejaVu Sans"/>
-              </a:rPr>
-              <a:t>: indices and shares of each of the 8000+ U.S. stock market stocks are updated automatically every day.</a:t>
-            </a:r>
-            <a:endParaRPr lang="it-IT" sz="1800" b="0" strike="noStrike" spc="-1">
+              <a:rPr lang="it-IT" sz="1800" b="1" i="1" strike="noStrike" spc="-1" dirty="0" err="1">
+                <a:solidFill>
+                  <a:srgbClr val="000000"/>
+                </a:solidFill>
+                <a:latin typeface="Arial"/>
+                <a:ea typeface="DejaVu Sans"/>
+              </a:rPr>
+              <a:t>Velocity</a:t>
+            </a:r>
+            <a:r>
+              <a:rPr lang="it-IT" sz="1800" b="1" i="1" strike="noStrike" spc="-1" dirty="0">
+                <a:solidFill>
+                  <a:srgbClr val="000000"/>
+                </a:solidFill>
+                <a:latin typeface="Arial"/>
+                <a:ea typeface="DejaVu Sans"/>
+              </a:rPr>
+              <a:t>/</a:t>
+            </a:r>
+            <a:r>
+              <a:rPr lang="it-IT" sz="1800" b="1" i="1" strike="noStrike" spc="-1" dirty="0" err="1">
+                <a:solidFill>
+                  <a:srgbClr val="000000"/>
+                </a:solidFill>
+                <a:latin typeface="Arial"/>
+                <a:ea typeface="DejaVu Sans"/>
+              </a:rPr>
+              <a:t>Variability</a:t>
+            </a:r>
+            <a:r>
+              <a:rPr lang="it-IT" sz="1800" b="0" strike="noStrike" spc="-1" dirty="0">
+                <a:solidFill>
+                  <a:srgbClr val="000000"/>
+                </a:solidFill>
+                <a:latin typeface="Arial"/>
+                <a:ea typeface="DejaVu Sans"/>
+              </a:rPr>
+              <a:t>: </a:t>
+            </a:r>
+            <a:r>
+              <a:rPr lang="it-IT" sz="1800" b="0" strike="noStrike" spc="-1" dirty="0" err="1">
+                <a:solidFill>
+                  <a:srgbClr val="000000"/>
+                </a:solidFill>
+                <a:latin typeface="Arial"/>
+                <a:ea typeface="DejaVu Sans"/>
+              </a:rPr>
+              <a:t>indices</a:t>
+            </a:r>
+            <a:r>
+              <a:rPr lang="it-IT" sz="1800" b="0" strike="noStrike" spc="-1" dirty="0">
+                <a:solidFill>
+                  <a:srgbClr val="000000"/>
+                </a:solidFill>
+                <a:latin typeface="Arial"/>
+                <a:ea typeface="DejaVu Sans"/>
+              </a:rPr>
+              <a:t> and shares of </a:t>
+            </a:r>
+            <a:r>
+              <a:rPr lang="it-IT" sz="1800" b="0" strike="noStrike" spc="-1" dirty="0" err="1">
+                <a:solidFill>
+                  <a:srgbClr val="000000"/>
+                </a:solidFill>
+                <a:latin typeface="Arial"/>
+                <a:ea typeface="DejaVu Sans"/>
+              </a:rPr>
+              <a:t>each</a:t>
+            </a:r>
+            <a:r>
+              <a:rPr lang="it-IT" sz="1800" b="0" strike="noStrike" spc="-1" dirty="0">
+                <a:solidFill>
+                  <a:srgbClr val="000000"/>
+                </a:solidFill>
+                <a:latin typeface="Arial"/>
+                <a:ea typeface="DejaVu Sans"/>
+              </a:rPr>
+              <a:t> of the 8000+ U.S. stock market stocks are </a:t>
+            </a:r>
+            <a:r>
+              <a:rPr lang="it-IT" sz="1800" b="0" strike="noStrike" spc="-1" dirty="0" err="1">
+                <a:solidFill>
+                  <a:srgbClr val="000000"/>
+                </a:solidFill>
+                <a:latin typeface="Arial"/>
+                <a:ea typeface="DejaVu Sans"/>
+              </a:rPr>
+              <a:t>updated</a:t>
+            </a:r>
+            <a:r>
+              <a:rPr lang="it-IT" sz="1800" b="0" strike="noStrike" spc="-1" dirty="0">
+                <a:solidFill>
+                  <a:srgbClr val="000000"/>
+                </a:solidFill>
+                <a:latin typeface="Arial"/>
+                <a:ea typeface="DejaVu Sans"/>
+              </a:rPr>
+              <a:t> </a:t>
+            </a:r>
+            <a:r>
+              <a:rPr lang="it-IT" sz="1800" b="0" strike="noStrike" spc="-1" dirty="0" err="1">
+                <a:solidFill>
+                  <a:srgbClr val="000000"/>
+                </a:solidFill>
+                <a:latin typeface="Arial"/>
+                <a:ea typeface="DejaVu Sans"/>
+              </a:rPr>
+              <a:t>automatically</a:t>
+            </a:r>
+            <a:r>
+              <a:rPr lang="it-IT" sz="1800" b="0" strike="noStrike" spc="-1" dirty="0">
+                <a:solidFill>
+                  <a:srgbClr val="000000"/>
+                </a:solidFill>
+                <a:latin typeface="Arial"/>
+                <a:ea typeface="DejaVu Sans"/>
+              </a:rPr>
+              <a:t> </a:t>
+            </a:r>
+            <a:r>
+              <a:rPr lang="it-IT" sz="1800" b="0" strike="noStrike" spc="-1" dirty="0" err="1">
+                <a:solidFill>
+                  <a:srgbClr val="000000"/>
+                </a:solidFill>
+                <a:latin typeface="Arial"/>
+                <a:ea typeface="DejaVu Sans"/>
+              </a:rPr>
+              <a:t>every</a:t>
+            </a:r>
+            <a:r>
+              <a:rPr lang="it-IT" sz="1800" b="0" strike="noStrike" spc="-1" dirty="0">
+                <a:solidFill>
+                  <a:srgbClr val="000000"/>
+                </a:solidFill>
+                <a:latin typeface="Arial"/>
+                <a:ea typeface="DejaVu Sans"/>
+              </a:rPr>
+              <a:t> day.</a:t>
+            </a:r>
+            <a:endParaRPr lang="it-IT" sz="1800" b="0" strike="noStrike" spc="-1" dirty="0">
               <a:latin typeface="Arial"/>
             </a:endParaRPr>
           </a:p>
@@ -5622,7 +6172,7 @@
                 <a:spcPct val="100000"/>
               </a:lnSpc>
             </a:pPr>
-            <a:endParaRPr lang="it-IT" sz="1800" b="0" strike="noStrike" spc="-1">
+            <a:endParaRPr lang="it-IT" sz="1800" b="0" strike="noStrike" spc="-1" dirty="0">
               <a:latin typeface="Arial"/>
             </a:endParaRPr>
           </a:p>
@@ -5889,7 +6439,7 @@
         <p:spPr>
           <a:xfrm>
             <a:off x="411840" y="1436760"/>
-            <a:ext cx="8317440" cy="3746520"/>
+            <a:ext cx="8317440" cy="4285310"/>
           </a:xfrm>
           <a:prstGeom prst="rect">
             <a:avLst/>
@@ -5917,7 +6467,7 @@
           <a:p>
             <a:pPr marL="285840" indent="-283320">
               <a:lnSpc>
-                <a:spcPct val="115000"/>
+                <a:spcPct val="140000"/>
               </a:lnSpc>
               <a:buClr>
                 <a:srgbClr val="000000"/>
@@ -5926,23 +6476,43 @@
               <a:buChar char="•"/>
             </a:pPr>
             <a:r>
-              <a:rPr lang="it-IT" sz="2400" b="0" strike="noStrike" spc="-1">
-                <a:solidFill>
-                  <a:srgbClr val="000000"/>
-                </a:solidFill>
-                <a:latin typeface="Arial"/>
-                <a:ea typeface="DejaVu Sans"/>
-              </a:rPr>
-              <a:t>Users’ authentication, personal information and preferences.</a:t>
-            </a:r>
-            <a:endParaRPr lang="it-IT" sz="2400" b="0" strike="noStrike" spc="-1">
+              <a:rPr lang="it-IT" sz="2400" b="0" strike="noStrike" spc="-1" dirty="0">
+                <a:solidFill>
+                  <a:srgbClr val="000000"/>
+                </a:solidFill>
+                <a:latin typeface="Arial"/>
+                <a:ea typeface="DejaVu Sans"/>
+              </a:rPr>
+              <a:t>Users’ authentication, personal information and </a:t>
+            </a:r>
+            <a:r>
+              <a:rPr lang="it-IT" sz="2400" b="0" strike="noStrike" spc="-1" dirty="0" err="1">
+                <a:solidFill>
+                  <a:srgbClr val="000000"/>
+                </a:solidFill>
+                <a:latin typeface="Arial"/>
+                <a:ea typeface="DejaVu Sans"/>
+              </a:rPr>
+              <a:t>preferences</a:t>
+            </a:r>
+            <a:r>
+              <a:rPr lang="it-IT" sz="2400" b="0" strike="noStrike" spc="-1" dirty="0">
+                <a:solidFill>
+                  <a:srgbClr val="000000"/>
+                </a:solidFill>
+                <a:latin typeface="Arial"/>
+                <a:ea typeface="DejaVu Sans"/>
+              </a:rPr>
+              <a:t>.</a:t>
+            </a:r>
+            <a:endParaRPr lang="it-IT" sz="2400" b="0" strike="noStrike" spc="-1" dirty="0">
               <a:latin typeface="Arial"/>
             </a:endParaRPr>
           </a:p>
           <a:p>
             <a:pPr marL="285840" indent="-283320">
               <a:lnSpc>
-                <a:spcPct val="115000"/>
+                <a:spcPct val="140000"/>
               </a:lnSpc>
               <a:buClr>
                 <a:srgbClr val="000000"/>
@@ -5951,23 +6521,83 @@
               <a:buChar char="•"/>
             </a:pPr>
             <a:r>
-              <a:rPr lang="it-IT" sz="2400" b="0" strike="noStrike" spc="-1">
-                <a:solidFill>
-                  <a:srgbClr val="000000"/>
-                </a:solidFill>
-                <a:latin typeface="Arial"/>
-                <a:ea typeface="DejaVu Sans"/>
-              </a:rPr>
-              <a:t>Stocks’ information (company details, trade, capitalization, etc…).</a:t>
-            </a:r>
-            <a:endParaRPr lang="it-IT" sz="2400" b="0" strike="noStrike" spc="-1">
+              <a:rPr lang="it-IT" sz="2400" b="0" strike="noStrike" spc="-1" dirty="0">
+                <a:solidFill>
+                  <a:srgbClr val="000000"/>
+                </a:solidFill>
+                <a:latin typeface="Arial"/>
+                <a:ea typeface="DejaVu Sans"/>
+              </a:rPr>
+              <a:t>Stocks’ information (company </a:t>
+            </a:r>
+            <a:r>
+              <a:rPr lang="it-IT" sz="2400" b="0" strike="noStrike" spc="-1" dirty="0" err="1">
+                <a:solidFill>
+                  <a:srgbClr val="000000"/>
+                </a:solidFill>
+                <a:latin typeface="Arial"/>
+                <a:ea typeface="DejaVu Sans"/>
+              </a:rPr>
+              <a:t>details</a:t>
+            </a:r>
+            <a:r>
+              <a:rPr lang="it-IT" sz="2400" b="0" strike="noStrike" spc="-1" dirty="0">
+                <a:solidFill>
+                  <a:srgbClr val="000000"/>
+                </a:solidFill>
+                <a:latin typeface="Arial"/>
+                <a:ea typeface="DejaVu Sans"/>
+              </a:rPr>
+              <a:t>, trade, </a:t>
+            </a:r>
+            <a:r>
+              <a:rPr lang="it-IT" sz="2400" b="0" strike="noStrike" spc="-1" dirty="0" err="1">
+                <a:solidFill>
+                  <a:srgbClr val="000000"/>
+                </a:solidFill>
+                <a:latin typeface="Arial"/>
+                <a:ea typeface="DejaVu Sans"/>
+              </a:rPr>
+              <a:t>capitalization</a:t>
+            </a:r>
+            <a:r>
+              <a:rPr lang="it-IT" sz="2400" b="0" strike="noStrike" spc="-1" dirty="0">
+                <a:solidFill>
+                  <a:srgbClr val="000000"/>
+                </a:solidFill>
+                <a:latin typeface="Arial"/>
+                <a:ea typeface="DejaVu Sans"/>
+              </a:rPr>
+              <a:t>, </a:t>
+            </a:r>
+            <a:r>
+              <a:rPr lang="it-IT" sz="2400" b="0" strike="noStrike" spc="-1" dirty="0" err="1">
+                <a:solidFill>
+                  <a:srgbClr val="000000"/>
+                </a:solidFill>
+                <a:latin typeface="Arial"/>
+                <a:ea typeface="DejaVu Sans"/>
+              </a:rPr>
+              <a:t>etc</a:t>
+            </a:r>
+            <a:r>
+              <a:rPr lang="it-IT" sz="2400" b="0" strike="noStrike" spc="-1" dirty="0">
+                <a:solidFill>
+                  <a:srgbClr val="000000"/>
+                </a:solidFill>
+                <a:latin typeface="Arial"/>
+                <a:ea typeface="DejaVu Sans"/>
+              </a:rPr>
+              <a:t>…).</a:t>
+            </a:r>
+            <a:endParaRPr lang="it-IT" sz="2400" b="0" strike="noStrike" spc="-1" dirty="0">
               <a:latin typeface="Arial"/>
             </a:endParaRPr>
           </a:p>
           <a:p>
             <a:pPr marL="285840" indent="-283320">
               <a:lnSpc>
-                <a:spcPct val="115000"/>
+                <a:spcPct val="140000"/>
               </a:lnSpc>
               <a:buClr>
                 <a:srgbClr val="000000"/>
@@ -5976,23 +6606,83 @@
               <a:buChar char="•"/>
             </a:pPr>
             <a:r>
-              <a:rPr lang="it-IT" sz="2400" b="0" strike="noStrike" spc="-1">
-                <a:solidFill>
-                  <a:srgbClr val="000000"/>
-                </a:solidFill>
-                <a:latin typeface="Arial"/>
-                <a:ea typeface="DejaVu Sans"/>
-              </a:rPr>
-              <a:t>Indexes’ information (composition, details, etc…).</a:t>
-            </a:r>
-            <a:endParaRPr lang="it-IT" sz="2400" b="0" strike="noStrike" spc="-1">
+              <a:rPr lang="it-IT" sz="2400" b="0" strike="noStrike" spc="-1" dirty="0">
+                <a:solidFill>
+                  <a:srgbClr val="000000"/>
+                </a:solidFill>
+                <a:latin typeface="Arial"/>
+                <a:ea typeface="DejaVu Sans"/>
+              </a:rPr>
+              <a:t>Indexes’ information (</a:t>
+            </a:r>
+            <a:r>
+              <a:rPr lang="it-IT" sz="2400" b="0" strike="noStrike" spc="-1" dirty="0" err="1">
+                <a:solidFill>
+                  <a:srgbClr val="000000"/>
+                </a:solidFill>
+                <a:latin typeface="Arial"/>
+                <a:ea typeface="DejaVu Sans"/>
+              </a:rPr>
+              <a:t>composition</a:t>
+            </a:r>
+            <a:r>
+              <a:rPr lang="it-IT" sz="2400" b="0" strike="noStrike" spc="-1" dirty="0">
+                <a:solidFill>
+                  <a:srgbClr val="000000"/>
+                </a:solidFill>
+                <a:latin typeface="Arial"/>
+                <a:ea typeface="DejaVu Sans"/>
+              </a:rPr>
+              <a:t>, </a:t>
+            </a:r>
+            <a:r>
+              <a:rPr lang="it-IT" sz="2400" b="0" strike="noStrike" spc="-1" dirty="0" err="1">
+                <a:solidFill>
+                  <a:srgbClr val="000000"/>
+                </a:solidFill>
+                <a:latin typeface="Arial"/>
+                <a:ea typeface="DejaVu Sans"/>
+              </a:rPr>
+              <a:t>details</a:t>
+            </a:r>
+            <a:r>
+              <a:rPr lang="it-IT" sz="2400" b="0" strike="noStrike" spc="-1" dirty="0">
+                <a:solidFill>
+                  <a:srgbClr val="000000"/>
+                </a:solidFill>
+                <a:latin typeface="Arial"/>
+                <a:ea typeface="DejaVu Sans"/>
+              </a:rPr>
+              <a:t>, </a:t>
+            </a:r>
+            <a:r>
+              <a:rPr lang="it-IT" sz="2400" b="0" strike="noStrike" spc="-1" dirty="0" err="1">
+                <a:solidFill>
+                  <a:srgbClr val="000000"/>
+                </a:solidFill>
+                <a:latin typeface="Arial"/>
+                <a:ea typeface="DejaVu Sans"/>
+              </a:rPr>
+              <a:t>etc</a:t>
+            </a:r>
+            <a:r>
+              <a:rPr lang="it-IT" sz="2400" b="0" strike="noStrike" spc="-1" dirty="0">
+                <a:solidFill>
+                  <a:srgbClr val="000000"/>
+                </a:solidFill>
+                <a:latin typeface="Arial"/>
+                <a:ea typeface="DejaVu Sans"/>
+              </a:rPr>
+              <a:t>…).</a:t>
+            </a:r>
+            <a:endParaRPr lang="it-IT" sz="2400" b="0" strike="noStrike" spc="-1" dirty="0">
               <a:latin typeface="Arial"/>
             </a:endParaRPr>
           </a:p>
           <a:p>
             <a:pPr marL="285840" indent="-283320">
               <a:lnSpc>
-                <a:spcPct val="115000"/>
+                <a:spcPct val="140000"/>
               </a:lnSpc>
               <a:buClr>
                 <a:srgbClr val="000000"/>
@@ -6001,23 +6691,83 @@
               <a:buChar char="•"/>
             </a:pPr>
             <a:r>
-              <a:rPr lang="it-IT" sz="2400" b="0" strike="noStrike" spc="-1">
-                <a:solidFill>
-                  <a:srgbClr val="000000"/>
-                </a:solidFill>
-                <a:latin typeface="Arial"/>
-                <a:ea typeface="DejaVu Sans"/>
-              </a:rPr>
-              <a:t>Stock Portfolio’s information (name, composition, scope, etc…).</a:t>
-            </a:r>
-            <a:endParaRPr lang="it-IT" sz="2400" b="0" strike="noStrike" spc="-1">
+              <a:rPr lang="it-IT" sz="2400" b="0" strike="noStrike" spc="-1" dirty="0">
+                <a:solidFill>
+                  <a:srgbClr val="000000"/>
+                </a:solidFill>
+                <a:latin typeface="Arial"/>
+                <a:ea typeface="DejaVu Sans"/>
+              </a:rPr>
+              <a:t>Stock </a:t>
+            </a:r>
+            <a:r>
+              <a:rPr lang="it-IT" sz="2400" b="0" strike="noStrike" spc="-1" dirty="0" err="1">
+                <a:solidFill>
+                  <a:srgbClr val="000000"/>
+                </a:solidFill>
+                <a:latin typeface="Arial"/>
+                <a:ea typeface="DejaVu Sans"/>
+              </a:rPr>
+              <a:t>Portfolio’s</a:t>
+            </a:r>
+            <a:r>
+              <a:rPr lang="it-IT" sz="2400" b="0" strike="noStrike" spc="-1" dirty="0">
+                <a:solidFill>
+                  <a:srgbClr val="000000"/>
+                </a:solidFill>
+                <a:latin typeface="Arial"/>
+                <a:ea typeface="DejaVu Sans"/>
+              </a:rPr>
+              <a:t> information (name, </a:t>
+            </a:r>
+            <a:r>
+              <a:rPr lang="it-IT" sz="2400" b="0" strike="noStrike" spc="-1" dirty="0" err="1">
+                <a:solidFill>
+                  <a:srgbClr val="000000"/>
+                </a:solidFill>
+                <a:latin typeface="Arial"/>
+                <a:ea typeface="DejaVu Sans"/>
+              </a:rPr>
+              <a:t>composition</a:t>
+            </a:r>
+            <a:r>
+              <a:rPr lang="it-IT" sz="2400" b="0" strike="noStrike" spc="-1" dirty="0">
+                <a:solidFill>
+                  <a:srgbClr val="000000"/>
+                </a:solidFill>
+                <a:latin typeface="Arial"/>
+                <a:ea typeface="DejaVu Sans"/>
+              </a:rPr>
+              <a:t>, scope, </a:t>
+            </a:r>
+            <a:r>
+              <a:rPr lang="it-IT" sz="2400" b="0" strike="noStrike" spc="-1" dirty="0" err="1">
+                <a:solidFill>
+                  <a:srgbClr val="000000"/>
+                </a:solidFill>
+                <a:latin typeface="Arial"/>
+                <a:ea typeface="DejaVu Sans"/>
+              </a:rPr>
+              <a:t>etc</a:t>
+            </a:r>
+            <a:r>
+              <a:rPr lang="it-IT" sz="2400" b="0" strike="noStrike" spc="-1" dirty="0">
+                <a:solidFill>
+                  <a:srgbClr val="000000"/>
+                </a:solidFill>
+                <a:latin typeface="Arial"/>
+                <a:ea typeface="DejaVu Sans"/>
+              </a:rPr>
+              <a:t>…).</a:t>
+            </a:r>
+            <a:endParaRPr lang="it-IT" sz="2400" b="0" strike="noStrike" spc="-1" dirty="0">
               <a:latin typeface="Arial"/>
             </a:endParaRPr>
           </a:p>
           <a:p>
             <a:pPr marL="285840" indent="-283320">
               <a:lnSpc>
-                <a:spcPct val="115000"/>
+                <a:spcPct val="140000"/>
               </a:lnSpc>
               <a:buClr>
                 <a:srgbClr val="000000"/>
@@ -6026,16 +6776,56 @@
               <a:buChar char="•"/>
             </a:pPr>
             <a:r>
-              <a:rPr lang="it-IT" sz="2400" b="0" strike="noStrike" spc="-1">
-                <a:solidFill>
-                  <a:srgbClr val="000000"/>
-                </a:solidFill>
-                <a:latin typeface="Arial"/>
-                <a:ea typeface="DejaVu Sans"/>
-              </a:rPr>
-              <a:t>Stock portfolio simulation results.</a:t>
-            </a:r>
-            <a:endParaRPr lang="it-IT" sz="2400" b="0" strike="noStrike" spc="-1">
+              <a:rPr lang="it-IT" sz="2400" b="0" strike="noStrike" spc="-1" dirty="0">
+                <a:solidFill>
+                  <a:srgbClr val="000000"/>
+                </a:solidFill>
+                <a:latin typeface="Arial"/>
+                <a:ea typeface="DejaVu Sans"/>
+              </a:rPr>
+              <a:t>Stock portfolio </a:t>
+            </a:r>
+            <a:r>
+              <a:rPr lang="it-IT" sz="2400" b="0" strike="noStrike" spc="-1" dirty="0" err="1">
+                <a:solidFill>
+                  <a:srgbClr val="000000"/>
+                </a:solidFill>
+                <a:latin typeface="Arial"/>
+                <a:ea typeface="DejaVu Sans"/>
+              </a:rPr>
+              <a:t>simulation</a:t>
+            </a:r>
+            <a:r>
+              <a:rPr lang="it-IT" sz="2400" b="0" strike="noStrike" spc="-1" dirty="0">
+                <a:solidFill>
+                  <a:srgbClr val="000000"/>
+                </a:solidFill>
+                <a:latin typeface="Arial"/>
+                <a:ea typeface="DejaVu Sans"/>
+              </a:rPr>
+              <a:t> </a:t>
+            </a:r>
+            <a:r>
+              <a:rPr lang="it-IT" sz="2400" b="0" strike="noStrike" spc="-1" dirty="0" err="1">
+                <a:solidFill>
+                  <a:srgbClr val="000000"/>
+                </a:solidFill>
+                <a:latin typeface="Arial"/>
+                <a:ea typeface="DejaVu Sans"/>
+              </a:rPr>
+              <a:t>results</a:t>
+            </a:r>
+            <a:r>
+              <a:rPr lang="it-IT" sz="2400" b="0" strike="noStrike" spc="-1" dirty="0">
+                <a:solidFill>
+                  <a:srgbClr val="000000"/>
+                </a:solidFill>
+                <a:latin typeface="Arial"/>
+                <a:ea typeface="DejaVu Sans"/>
+              </a:rPr>
+              <a:t>.</a:t>
+            </a:r>
+            <a:endParaRPr lang="it-IT" sz="2400" b="0" strike="noStrike" spc="-1" dirty="0">
               <a:latin typeface="Arial"/>
             </a:endParaRPr>
           </a:p>
@@ -6045,7 +6835,7 @@
                 <a:spcPct val="115000"/>
               </a:lnSpc>
             </a:pPr>
-            <a:endParaRPr lang="it-IT" sz="2400" b="0" strike="noStrike" spc="-1">
+            <a:endParaRPr lang="it-IT" sz="2400" b="0" strike="noStrike" spc="-1" dirty="0">
               <a:latin typeface="Arial"/>
             </a:endParaRPr>
           </a:p>
@@ -6180,8 +6970,8 @@
         </p:nvSpPr>
         <p:spPr>
           <a:xfrm>
-            <a:off x="542520" y="1537560"/>
-            <a:ext cx="8086320" cy="3308040"/>
+            <a:off x="542520" y="1537559"/>
+            <a:ext cx="8086320" cy="4080815"/>
           </a:xfrm>
           <a:prstGeom prst="rect">
             <a:avLst/>
@@ -6218,21 +7008,81 @@
               <a:buChar char="•"/>
             </a:pPr>
             <a:r>
-              <a:rPr lang="it-IT" sz="2000" b="0" strike="noStrike" spc="-1">
-                <a:solidFill>
-                  <a:srgbClr val="000000"/>
-                </a:solidFill>
-                <a:latin typeface="Arial"/>
-                <a:ea typeface="DejaVu Sans"/>
-              </a:rPr>
-              <a:t>U.S. stock market stocks and ETFs historical data day by day, starting from 1971:</a:t>
-            </a:r>
-            <a:endParaRPr lang="it-IT" sz="2000" b="0" strike="noStrike" spc="-1">
-              <a:latin typeface="Arial"/>
-            </a:endParaRPr>
-          </a:p>
-          <a:p>
-            <a:pPr marL="648000" lvl="2" indent="-215280">
+              <a:rPr lang="it-IT" sz="2400" b="0" strike="noStrike" spc="-1" dirty="0">
+                <a:solidFill>
+                  <a:srgbClr val="000000"/>
+                </a:solidFill>
+                <a:latin typeface="Arial"/>
+                <a:ea typeface="DejaVu Sans"/>
+              </a:rPr>
+              <a:t>U.S. stock market stocks and </a:t>
+            </a:r>
+            <a:r>
+              <a:rPr lang="it-IT" sz="2400" b="0" strike="noStrike" spc="-1" dirty="0" err="1">
+                <a:solidFill>
+                  <a:srgbClr val="000000"/>
+                </a:solidFill>
+                <a:latin typeface="Arial"/>
+                <a:ea typeface="DejaVu Sans"/>
+              </a:rPr>
+              <a:t>ETFs</a:t>
+            </a:r>
+            <a:r>
+              <a:rPr lang="it-IT" sz="2400" b="0" strike="noStrike" spc="-1" dirty="0">
+                <a:solidFill>
+                  <a:srgbClr val="000000"/>
+                </a:solidFill>
+                <a:latin typeface="Arial"/>
+                <a:ea typeface="DejaVu Sans"/>
+              </a:rPr>
+              <a:t> </a:t>
+            </a:r>
+            <a:r>
+              <a:rPr lang="it-IT" sz="2400" b="0" strike="noStrike" spc="-1" dirty="0" err="1">
+                <a:solidFill>
+                  <a:srgbClr val="000000"/>
+                </a:solidFill>
+                <a:latin typeface="Arial"/>
+                <a:ea typeface="DejaVu Sans"/>
+              </a:rPr>
+              <a:t>historical</a:t>
+            </a:r>
+            <a:r>
+              <a:rPr lang="it-IT" sz="2400" b="0" strike="noStrike" spc="-1" dirty="0">
+                <a:solidFill>
+                  <a:srgbClr val="000000"/>
+                </a:solidFill>
+                <a:latin typeface="Arial"/>
+                <a:ea typeface="DejaVu Sans"/>
+              </a:rPr>
+              <a:t> data day by day, </a:t>
+            </a:r>
+            <a:r>
+              <a:rPr lang="it-IT" sz="2400" b="0" strike="noStrike" spc="-1" dirty="0" err="1">
+                <a:solidFill>
+                  <a:srgbClr val="000000"/>
+                </a:solidFill>
+                <a:latin typeface="Arial"/>
+                <a:ea typeface="DejaVu Sans"/>
+              </a:rPr>
+              <a:t>starting</a:t>
+            </a:r>
+            <a:r>
+              <a:rPr lang="it-IT" sz="2400" b="0" strike="noStrike" spc="-1" dirty="0">
+                <a:solidFill>
+                  <a:srgbClr val="000000"/>
+                </a:solidFill>
+                <a:latin typeface="Arial"/>
+                <a:ea typeface="DejaVu Sans"/>
+              </a:rPr>
+              <a:t> from 1971:</a:t>
+            </a:r>
+            <a:endParaRPr lang="it-IT" sz="2400" b="0" strike="noStrike" spc="-1" dirty="0">
+              <a:latin typeface="Arial"/>
+            </a:endParaRPr>
+          </a:p>
+          <a:p>
+            <a:pPr marL="775620" lvl="2" indent="-342900">
               <a:lnSpc>
                 <a:spcPct val="150000"/>
               </a:lnSpc>
@@ -6240,20 +7090,80 @@
                 <a:srgbClr val="000000"/>
               </a:buClr>
               <a:buSzPct val="45000"/>
-              <a:buFont typeface="Wingdings" charset="2"/>
-              <a:buChar char=""/>
+              <a:buFont typeface="Wingdings" panose="05000000000000000000" pitchFamily="2" charset="2"/>
+              <a:buChar char="q"/>
             </a:pPr>
             <a:r>
-              <a:rPr lang="it-IT" sz="2000" b="0" strike="noStrike" spc="-1">
-                <a:solidFill>
-                  <a:srgbClr val="000000"/>
-                </a:solidFill>
-                <a:latin typeface="Arial"/>
-                <a:ea typeface="DejaVu Sans"/>
-              </a:rPr>
-              <a:t>open, high, low, close and adjusted close prices.</a:t>
-            </a:r>
-            <a:endParaRPr lang="it-IT" sz="2000" b="0" strike="noStrike" spc="-1">
+              <a:rPr lang="it-IT" sz="2400" b="0" strike="noStrike" spc="-1" dirty="0">
+                <a:solidFill>
+                  <a:srgbClr val="000000"/>
+                </a:solidFill>
+                <a:latin typeface="Arial"/>
+                <a:ea typeface="DejaVu Sans"/>
+              </a:rPr>
+              <a:t>open, high, low, </a:t>
+            </a:r>
+            <a:r>
+              <a:rPr lang="it-IT" sz="2400" b="0" strike="noStrike" spc="-1" dirty="0" err="1">
+                <a:solidFill>
+                  <a:srgbClr val="000000"/>
+                </a:solidFill>
+                <a:latin typeface="Arial"/>
+                <a:ea typeface="DejaVu Sans"/>
+              </a:rPr>
+              <a:t>close</a:t>
+            </a:r>
+            <a:r>
+              <a:rPr lang="it-IT" sz="2400" b="0" strike="noStrike" spc="-1" dirty="0">
+                <a:solidFill>
+                  <a:srgbClr val="000000"/>
+                </a:solidFill>
+                <a:latin typeface="Arial"/>
+                <a:ea typeface="DejaVu Sans"/>
+              </a:rPr>
+              <a:t> and </a:t>
+            </a:r>
+            <a:r>
+              <a:rPr lang="it-IT" sz="2400" b="0" strike="noStrike" spc="-1" dirty="0" err="1">
+                <a:solidFill>
+                  <a:srgbClr val="000000"/>
+                </a:solidFill>
+                <a:latin typeface="Arial"/>
+                <a:ea typeface="DejaVu Sans"/>
+              </a:rPr>
+              <a:t>adjusted</a:t>
+            </a:r>
+            <a:r>
+              <a:rPr lang="it-IT" sz="2400" b="0" strike="noStrike" spc="-1" dirty="0">
+                <a:solidFill>
+                  <a:srgbClr val="000000"/>
+                </a:solidFill>
+                <a:latin typeface="Arial"/>
+                <a:ea typeface="DejaVu Sans"/>
+              </a:rPr>
+              <a:t> </a:t>
+            </a:r>
+            <a:r>
+              <a:rPr lang="it-IT" sz="2400" b="0" strike="noStrike" spc="-1" dirty="0" err="1">
+                <a:solidFill>
+                  <a:srgbClr val="000000"/>
+                </a:solidFill>
+                <a:latin typeface="Arial"/>
+                <a:ea typeface="DejaVu Sans"/>
+              </a:rPr>
+              <a:t>close</a:t>
+            </a:r>
+            <a:r>
+              <a:rPr lang="it-IT" sz="2400" b="0" strike="noStrike" spc="-1" dirty="0">
+                <a:solidFill>
+                  <a:srgbClr val="000000"/>
+                </a:solidFill>
+                <a:latin typeface="Arial"/>
+                <a:ea typeface="DejaVu Sans"/>
+              </a:rPr>
+              <a:t> prices.</a:t>
+            </a:r>
+            <a:endParaRPr lang="it-IT" sz="2400" b="0" strike="noStrike" spc="-1" dirty="0">
               <a:latin typeface="Arial"/>
             </a:endParaRPr>
           </a:p>
@@ -6269,16 +7179,36 @@
               <a:buChar char="•"/>
             </a:pPr>
             <a:r>
-              <a:rPr lang="it-IT" sz="2000" b="0" strike="noStrike" spc="-1">
-                <a:solidFill>
-                  <a:srgbClr val="000000"/>
-                </a:solidFill>
-                <a:latin typeface="Arial"/>
-                <a:ea typeface="DejaVu Sans"/>
-              </a:rPr>
-              <a:t>Market indexes computation.</a:t>
-            </a:r>
-            <a:endParaRPr lang="it-IT" sz="2000" b="0" strike="noStrike" spc="-1">
+              <a:rPr lang="it-IT" sz="2400" b="0" strike="noStrike" spc="-1" dirty="0">
+                <a:solidFill>
+                  <a:srgbClr val="000000"/>
+                </a:solidFill>
+                <a:latin typeface="Arial"/>
+                <a:ea typeface="DejaVu Sans"/>
+              </a:rPr>
+              <a:t>Market indexes </a:t>
+            </a:r>
+            <a:r>
+              <a:rPr lang="it-IT" sz="2400" b="0" strike="noStrike" spc="-1" dirty="0" err="1">
+                <a:solidFill>
+                  <a:srgbClr val="000000"/>
+                </a:solidFill>
+                <a:latin typeface="Arial"/>
+                <a:ea typeface="DejaVu Sans"/>
+              </a:rPr>
+              <a:t>computation</a:t>
+            </a:r>
+            <a:r>
+              <a:rPr lang="it-IT" sz="2400" b="0" strike="noStrike" spc="-1" dirty="0">
+                <a:solidFill>
+                  <a:srgbClr val="000000"/>
+                </a:solidFill>
+                <a:latin typeface="Arial"/>
+                <a:ea typeface="DejaVu Sans"/>
+              </a:rPr>
+              <a:t>.</a:t>
+            </a:r>
+            <a:endParaRPr lang="it-IT" sz="2400" b="0" strike="noStrike" spc="-1" dirty="0">
               <a:latin typeface="Arial"/>
             </a:endParaRPr>
           </a:p>
@@ -6294,16 +7224,96 @@
               <a:buChar char="•"/>
             </a:pPr>
             <a:r>
-              <a:rPr lang="it-IT" sz="2000" b="0" strike="noStrike" spc="-1">
-                <a:solidFill>
-                  <a:srgbClr val="000000"/>
-                </a:solidFill>
-                <a:latin typeface="Arial"/>
-                <a:ea typeface="DejaVu Sans"/>
-              </a:rPr>
-              <a:t>Fast and reliable data retrieval and statistics computation.</a:t>
-            </a:r>
-            <a:endParaRPr lang="it-IT" sz="2000" b="0" strike="noStrike" spc="-1">
+              <a:rPr lang="it-IT" sz="2400" b="0" strike="noStrike" spc="-1" dirty="0">
+                <a:solidFill>
+                  <a:srgbClr val="000000"/>
+                </a:solidFill>
+                <a:latin typeface="Arial"/>
+                <a:ea typeface="DejaVu Sans"/>
+              </a:rPr>
+              <a:t>Fast and </a:t>
+            </a:r>
+            <a:r>
+              <a:rPr lang="it-IT" sz="2400" b="0" strike="noStrike" spc="-1" dirty="0" err="1">
+                <a:solidFill>
+                  <a:srgbClr val="000000"/>
+                </a:solidFill>
+                <a:latin typeface="Arial"/>
+                <a:ea typeface="DejaVu Sans"/>
+              </a:rPr>
+              <a:t>reliable</a:t>
+            </a:r>
+            <a:r>
+              <a:rPr lang="it-IT" sz="2400" b="0" strike="noStrike" spc="-1" dirty="0">
+                <a:solidFill>
+                  <a:srgbClr val="000000"/>
+                </a:solidFill>
+                <a:latin typeface="Arial"/>
+                <a:ea typeface="DejaVu Sans"/>
+              </a:rPr>
+              <a:t> data </a:t>
+            </a:r>
+            <a:r>
+              <a:rPr lang="it-IT" sz="2400" b="0" strike="noStrike" spc="-1" dirty="0" err="1">
+                <a:solidFill>
+                  <a:srgbClr val="000000"/>
+                </a:solidFill>
+                <a:latin typeface="Arial"/>
+                <a:ea typeface="DejaVu Sans"/>
+              </a:rPr>
+              <a:t>retrieval</a:t>
+            </a:r>
+            <a:r>
+              <a:rPr lang="it-IT" sz="2400" b="0" strike="noStrike" spc="-1" dirty="0">
+                <a:solidFill>
+                  <a:srgbClr val="000000"/>
+                </a:solidFill>
+                <a:latin typeface="Arial"/>
+                <a:ea typeface="DejaVu Sans"/>
+              </a:rPr>
+              <a:t> and </a:t>
+            </a:r>
+            <a:r>
+              <a:rPr lang="it-IT" sz="2400" b="0" strike="noStrike" spc="-1" dirty="0" err="1">
+                <a:solidFill>
+                  <a:srgbClr val="000000"/>
+                </a:solidFill>
+                <a:latin typeface="Arial"/>
+                <a:ea typeface="DejaVu Sans"/>
+              </a:rPr>
+              <a:t>statistics</a:t>
+            </a:r>
+            <a:r>
+              <a:rPr lang="it-IT" sz="2400" b="0" strike="noStrike" spc="-1" dirty="0">
+                <a:solidFill>
+                  <a:srgbClr val="000000"/>
+                </a:solidFill>
+                <a:latin typeface="Arial"/>
+                <a:ea typeface="DejaVu Sans"/>
+              </a:rPr>
+              <a:t> </a:t>
+            </a:r>
+            <a:r>
+              <a:rPr lang="it-IT" sz="2400" b="0" strike="noStrike" spc="-1" dirty="0" err="1">
+                <a:solidFill>
+                  <a:srgbClr val="000000"/>
+                </a:solidFill>
+                <a:latin typeface="Arial"/>
+                <a:ea typeface="DejaVu Sans"/>
+              </a:rPr>
+              <a:t>computation</a:t>
+            </a:r>
+            <a:r>
+              <a:rPr lang="it-IT" sz="2400" b="0" strike="noStrike" spc="-1" dirty="0">
+                <a:solidFill>
+                  <a:srgbClr val="000000"/>
+                </a:solidFill>
+                <a:latin typeface="Arial"/>
+                <a:ea typeface="DejaVu Sans"/>
+              </a:rPr>
+              <a:t>.</a:t>
+            </a:r>
+            <a:endParaRPr lang="it-IT" sz="2400" b="0" strike="noStrike" spc="-1" dirty="0">
               <a:latin typeface="Arial"/>
             </a:endParaRPr>
           </a:p>
